--- a/week5/week5_slides.pptx
+++ b/week5/week5_slides.pptx
@@ -3,31 +3,31 @@
 <p:presentation xmlns:a="http://schemas.openxmlformats.org/drawingml/2006/main" xmlns:r="http://schemas.openxmlformats.org/officeDocument/2006/relationships" xmlns:p="http://schemas.openxmlformats.org/presentationml/2006/main">
   <p:sldMasterIdLst>
     <p:sldMasterId id="2147483648" r:id="rId1"/>
-    <p:sldMasterId id="2147483651" r:id="rId3"/>
+    <p:sldMasterId id="2147483651" r:id="rId2"/>
   </p:sldMasterIdLst>
   <p:notesMasterIdLst>
-    <p:notesMasterId r:id="rId20"/>
+    <p:notesMasterId r:id="rId19"/>
   </p:notesMasterIdLst>
   <p:handoutMasterIdLst>
-    <p:handoutMasterId r:id="rId21"/>
+    <p:handoutMasterId r:id="rId20"/>
   </p:handoutMasterIdLst>
   <p:sldIdLst>
-    <p:sldId id="256" r:id="rId4"/>
-    <p:sldId id="257" r:id="rId5"/>
-    <p:sldId id="293" r:id="rId6"/>
-    <p:sldId id="442" r:id="rId7"/>
-    <p:sldId id="441" r:id="rId8"/>
-    <p:sldId id="473" r:id="rId9"/>
-    <p:sldId id="443" r:id="rId10"/>
-    <p:sldId id="474" r:id="rId11"/>
-    <p:sldId id="444" r:id="rId12"/>
-    <p:sldId id="475" r:id="rId13"/>
-    <p:sldId id="478" r:id="rId14"/>
-    <p:sldId id="479" r:id="rId15"/>
-    <p:sldId id="378" r:id="rId16"/>
-    <p:sldId id="480" r:id="rId17"/>
-    <p:sldId id="457" r:id="rId18"/>
-    <p:sldId id="289" r:id="rId19"/>
+    <p:sldId id="256" r:id="rId3"/>
+    <p:sldId id="257" r:id="rId4"/>
+    <p:sldId id="293" r:id="rId5"/>
+    <p:sldId id="442" r:id="rId6"/>
+    <p:sldId id="441" r:id="rId7"/>
+    <p:sldId id="481" r:id="rId8"/>
+    <p:sldId id="443" r:id="rId9"/>
+    <p:sldId id="474" r:id="rId10"/>
+    <p:sldId id="444" r:id="rId11"/>
+    <p:sldId id="475" r:id="rId12"/>
+    <p:sldId id="378" r:id="rId13"/>
+    <p:sldId id="483" r:id="rId14"/>
+    <p:sldId id="482" r:id="rId15"/>
+    <p:sldId id="480" r:id="rId16"/>
+    <p:sldId id="457" r:id="rId17"/>
+    <p:sldId id="289" r:id="rId18"/>
   </p:sldIdLst>
   <p:sldSz cx="12192000" cy="6858000"/>
   <p:notesSz cx="6858000" cy="9144000"/>
@@ -224,6 +224,22 @@
       </a:defRPr>
     </a:lvl9pPr>
   </p:defaultTextStyle>
+  <p:extLst>
+    <p:ext uri="{EFAFB233-063F-42B5-8137-9DF3F51BA10A}">
+      <p15:sldGuideLst xmlns:p15="http://schemas.microsoft.com/office/powerpoint/2012/main">
+        <p15:guide id="1" orient="horz" pos="2116">
+          <p15:clr>
+            <a:srgbClr val="A4A3A4"/>
+          </p15:clr>
+        </p15:guide>
+        <p15:guide id="2" pos="2932">
+          <p15:clr>
+            <a:srgbClr val="A4A3A4"/>
+          </p15:clr>
+        </p15:guide>
+      </p15:sldGuideLst>
+    </p:ext>
+  </p:extLst>
 </p:presentation>
 </file>
 
@@ -241,7 +257,14 @@
         <p:cNvGrpSpPr/>
         <p:nvPr/>
       </p:nvGrpSpPr>
-      <p:grpSpPr/>
+      <p:grpSpPr>
+        <a:xfrm>
+          <a:off x="0" y="0"/>
+          <a:ext cx="0" cy="0"/>
+          <a:chOff x="0" y="0"/>
+          <a:chExt cx="0" cy="0"/>
+        </a:xfrm>
+      </p:grpSpPr>
       <p:sp>
         <p:nvSpPr>
           <p:cNvPr id="2" name="页眉占位符 1"/>
@@ -308,6 +331,7 @@
                 <a:ea typeface="SimSun" panose="02010600030101010101" pitchFamily="2" charset="-122"/>
                 <a:cs typeface="+mn-cs"/>
               </a:rPr>
+              <a:t>2022/10/11</a:t>
             </a:fld>
             <a:endParaRPr lang="zh-CN" altLang="en-US" strike="noStrike" noProof="1"/>
           </a:p>
@@ -379,12 +403,18 @@
                 <a:ea typeface="SimSun" panose="02010600030101010101" pitchFamily="2" charset="-122"/>
                 <a:cs typeface="+mn-cs"/>
               </a:rPr>
+              <a:t>‹#›</a:t>
             </a:fld>
             <a:endParaRPr lang="zh-CN" altLang="en-US" strike="noStrike" noProof="1"/>
           </a:p>
         </p:txBody>
       </p:sp>
     </p:spTree>
+    <p:extLst>
+      <p:ext uri="{BB962C8B-B14F-4D97-AF65-F5344CB8AC3E}">
+        <p14:creationId xmlns:p14="http://schemas.microsoft.com/office/powerpoint/2010/main" val="1"/>
+      </p:ext>
+    </p:extLst>
   </p:cSld>
   <p:clrMap bg1="lt1" tx1="dk1" bg2="lt2" tx2="dk2" accent1="accent1" accent2="accent2" accent3="accent3" accent4="accent4" accent5="accent5" accent6="accent6" hlink="hlink" folHlink="folHlink"/>
 </p:handoutMaster>
@@ -404,7 +434,14 @@
         <p:cNvGrpSpPr/>
         <p:nvPr/>
       </p:nvGrpSpPr>
-      <p:grpSpPr/>
+      <p:grpSpPr>
+        <a:xfrm>
+          <a:off x="0" y="0"/>
+          <a:ext cx="0" cy="0"/>
+          <a:chOff x="0" y="0"/>
+          <a:chExt cx="0" cy="0"/>
+        </a:xfrm>
+      </p:grpSpPr>
       <p:sp>
         <p:nvSpPr>
           <p:cNvPr id="2" name="页眉占位符 1"/>
@@ -471,6 +508,7 @@
                 <a:ea typeface="SimSun" panose="02010600030101010101" pitchFamily="2" charset="-122"/>
                 <a:cs typeface="+mn-cs"/>
               </a:rPr>
+              <a:t>2022/10/11</a:t>
             </a:fld>
             <a:endParaRPr lang="zh-CN" altLang="en-US" strike="noStrike" noProof="1"/>
           </a:p>
@@ -531,13 +569,13 @@
         </p:spPr>
         <p:txBody>
           <a:bodyPr lIns="91440" tIns="45720" rIns="91440" bIns="45720" anchor="t" anchorCtr="0"/>
+          <a:lstStyle/>
           <a:p>
             <a:pPr lvl="0"/>
             <a:r>
               <a:rPr lang="zh-CN" altLang="en-US"/>
               <a:t>Click to edit Master text style</a:t>
             </a:r>
-            <a:endParaRPr lang="zh-CN" altLang="en-US"/>
           </a:p>
           <a:p>
             <a:pPr lvl="1"/>
@@ -545,7 +583,6 @@
               <a:rPr lang="zh-CN" altLang="en-US"/>
               <a:t>Second level</a:t>
             </a:r>
-            <a:endParaRPr lang="zh-CN" altLang="en-US"/>
           </a:p>
           <a:p>
             <a:pPr lvl="2"/>
@@ -553,7 +590,6 @@
               <a:rPr lang="zh-CN" altLang="en-US"/>
               <a:t>Third level</a:t>
             </a:r>
-            <a:endParaRPr lang="zh-CN" altLang="en-US"/>
           </a:p>
           <a:p>
             <a:pPr lvl="3"/>
@@ -561,7 +597,6 @@
               <a:rPr lang="zh-CN" altLang="en-US"/>
               <a:t>Fourth level</a:t>
             </a:r>
-            <a:endParaRPr lang="zh-CN" altLang="en-US"/>
           </a:p>
           <a:p>
             <a:pPr lvl="4"/>
@@ -569,7 +604,6 @@
               <a:rPr lang="zh-CN" altLang="en-US"/>
               <a:t>Fifth level</a:t>
             </a:r>
-            <a:endParaRPr lang="zh-CN" altLang="en-US"/>
           </a:p>
         </p:txBody>
       </p:sp>
@@ -639,6 +673,7 @@
                 <a:ea typeface="SimSun" panose="02010600030101010101" pitchFamily="2" charset="-122"/>
                 <a:cs typeface="+mn-cs"/>
               </a:rPr>
+              <a:t>‹#›</a:t>
             </a:fld>
             <a:endParaRPr lang="zh-CN" altLang="en-US" strike="noStrike" noProof="1"/>
           </a:p>
@@ -786,10 +821,9 @@
           <a:p>
             <a:pPr fontAlgn="base"/>
             <a:r>
-              <a:rPr lang="zh-CN" altLang="en-US" strike="noStrike" noProof="1" smtClean="0"/>
+              <a:rPr lang="zh-CN" altLang="en-US" strike="noStrike" noProof="1"/>
               <a:t>Click to edit Master title style</a:t>
             </a:r>
-            <a:endParaRPr lang="zh-CN" altLang="en-US" strike="noStrike" noProof="1" smtClean="0"/>
           </a:p>
         </p:txBody>
       </p:sp>
@@ -852,10 +886,9 @@
           <a:p>
             <a:pPr fontAlgn="base"/>
             <a:r>
-              <a:rPr lang="zh-CN" altLang="en-US" strike="noStrike" noProof="1" smtClean="0"/>
+              <a:rPr lang="zh-CN" altLang="en-US" strike="noStrike" noProof="1"/>
               <a:t>Click to edit Master title style</a:t>
             </a:r>
-            <a:endParaRPr lang="zh-CN" altLang="en-US" strike="noStrike" noProof="1" smtClean="0"/>
           </a:p>
         </p:txBody>
       </p:sp>
@@ -872,6 +905,7 @@
         <p:spPr/>
         <p:txBody>
           <a:bodyPr/>
+          <a:lstStyle/>
           <a:p>
             <a:pPr marL="0" marR="0" lvl="0" indent="0" algn="l" defTabSz="914400" rtl="0" eaLnBrk="1" fontAlgn="auto" latinLnBrk="0" hangingPunct="1">
               <a:lnSpc>
@@ -921,6 +955,7 @@
         <p:spPr/>
         <p:txBody>
           <a:bodyPr/>
+          <a:lstStyle/>
           <a:p>
             <a:pPr marL="0" marR="0" lvl="0" indent="0" algn="ctr" defTabSz="914400" rtl="0" eaLnBrk="1" fontAlgn="auto" latinLnBrk="0" hangingPunct="1">
               <a:lnSpc>
@@ -970,6 +1005,7 @@
         <p:spPr/>
         <p:txBody>
           <a:bodyPr/>
+          <a:lstStyle/>
           <a:p>
             <a:pPr marL="0" marR="0" lvl="0" indent="0" algn="r" defTabSz="914400" rtl="0" eaLnBrk="1" fontAlgn="auto" latinLnBrk="0" hangingPunct="1">
               <a:lnSpc>
@@ -1004,6 +1040,7 @@
                 <a:ea typeface="+mn-ea"/>
                 <a:cs typeface="+mn-cs"/>
               </a:rPr>
+              <a:t>‹#›</a:t>
             </a:fld>
             <a:endParaRPr kumimoji="0" lang="zh-CN" altLang="en-US" sz="1200" b="0" i="0" u="none" strike="noStrike" kern="1200" cap="none" spc="0" normalizeH="0" baseline="0" noProof="0">
               <a:ln>
@@ -1069,10 +1106,9 @@
           <a:p>
             <a:pPr fontAlgn="base"/>
             <a:r>
-              <a:rPr lang="zh-CN" altLang="en-US" strike="noStrike" noProof="1" smtClean="0"/>
+              <a:rPr lang="zh-CN" altLang="en-US" strike="noStrike" noProof="1"/>
               <a:t>Click to edit Master title style</a:t>
             </a:r>
-            <a:endParaRPr lang="zh-CN" altLang="en-US" strike="noStrike" noProof="1" smtClean="0"/>
           </a:p>
         </p:txBody>
       </p:sp>
@@ -1093,42 +1129,37 @@
           <a:p>
             <a:pPr lvl="0" fontAlgn="base"/>
             <a:r>
-              <a:rPr lang="zh-CN" altLang="en-US" strike="noStrike" noProof="1" smtClean="0"/>
+              <a:rPr lang="zh-CN" altLang="en-US" strike="noStrike" noProof="1"/>
               <a:t>Click to edit Master text style</a:t>
             </a:r>
-            <a:endParaRPr lang="zh-CN" altLang="en-US" strike="noStrike" noProof="1" smtClean="0"/>
           </a:p>
           <a:p>
             <a:pPr lvl="1" fontAlgn="base"/>
             <a:r>
-              <a:rPr lang="zh-CN" altLang="en-US" strike="noStrike" noProof="1" smtClean="0"/>
+              <a:rPr lang="zh-CN" altLang="en-US" strike="noStrike" noProof="1"/>
               <a:t>Second level</a:t>
             </a:r>
-            <a:endParaRPr lang="zh-CN" altLang="en-US" strike="noStrike" noProof="1" smtClean="0"/>
           </a:p>
           <a:p>
             <a:pPr lvl="2" fontAlgn="base"/>
             <a:r>
-              <a:rPr lang="zh-CN" altLang="en-US" strike="noStrike" noProof="1" smtClean="0"/>
+              <a:rPr lang="zh-CN" altLang="en-US" strike="noStrike" noProof="1"/>
               <a:t>Third level</a:t>
             </a:r>
-            <a:endParaRPr lang="zh-CN" altLang="en-US" strike="noStrike" noProof="1" smtClean="0"/>
           </a:p>
           <a:p>
             <a:pPr lvl="3" fontAlgn="base"/>
             <a:r>
-              <a:rPr lang="zh-CN" altLang="en-US" strike="noStrike" noProof="1" smtClean="0"/>
+              <a:rPr lang="zh-CN" altLang="en-US" strike="noStrike" noProof="1"/>
               <a:t>Fourth level</a:t>
             </a:r>
-            <a:endParaRPr lang="zh-CN" altLang="en-US" strike="noStrike" noProof="1" smtClean="0"/>
           </a:p>
           <a:p>
             <a:pPr lvl="4" fontAlgn="base"/>
             <a:r>
-              <a:rPr lang="zh-CN" altLang="en-US" strike="noStrike" noProof="1" smtClean="0"/>
+              <a:rPr lang="zh-CN" altLang="en-US" strike="noStrike" noProof="1"/>
               <a:t>Fifth level</a:t>
             </a:r>
-            <a:endParaRPr lang="zh-CN" altLang="en-US" strike="noStrike" noProof="1" smtClean="0"/>
           </a:p>
         </p:txBody>
       </p:sp>
@@ -1145,6 +1176,7 @@
         <p:spPr/>
         <p:txBody>
           <a:bodyPr/>
+          <a:lstStyle/>
           <a:p>
             <a:pPr marL="0" marR="0" lvl="0" indent="0" algn="l" defTabSz="914400" rtl="0" eaLnBrk="1" fontAlgn="auto" latinLnBrk="0" hangingPunct="1">
               <a:lnSpc>
@@ -1194,6 +1226,7 @@
         <p:spPr/>
         <p:txBody>
           <a:bodyPr/>
+          <a:lstStyle/>
           <a:p>
             <a:pPr marL="0" marR="0" lvl="0" indent="0" algn="ctr" defTabSz="914400" rtl="0" eaLnBrk="1" fontAlgn="auto" latinLnBrk="0" hangingPunct="1">
               <a:lnSpc>
@@ -1243,6 +1276,7 @@
         <p:spPr/>
         <p:txBody>
           <a:bodyPr/>
+          <a:lstStyle/>
           <a:p>
             <a:pPr marL="0" marR="0" lvl="0" indent="0" algn="r" defTabSz="914400" rtl="0" eaLnBrk="1" fontAlgn="auto" latinLnBrk="0" hangingPunct="1">
               <a:lnSpc>
@@ -1277,6 +1311,7 @@
                 <a:ea typeface="+mn-ea"/>
                 <a:cs typeface="+mn-cs"/>
               </a:rPr>
+              <a:t>‹#›</a:t>
             </a:fld>
             <a:endParaRPr kumimoji="0" lang="zh-CN" altLang="en-US" sz="1200" b="0" i="0" u="none" strike="noStrike" kern="1200" cap="none" spc="0" normalizeH="0" baseline="0" noProof="0">
               <a:ln>
@@ -1351,10 +1386,9 @@
           <a:p>
             <a:pPr fontAlgn="base"/>
             <a:r>
-              <a:rPr lang="zh-CN" altLang="en-US" strike="noStrike" noProof="1" smtClean="0"/>
+              <a:rPr lang="zh-CN" altLang="en-US" strike="noStrike" noProof="1"/>
               <a:t>Click to edit Master title style</a:t>
             </a:r>
-            <a:endParaRPr lang="zh-CN" altLang="en-US" strike="noStrike" noProof="1" smtClean="0"/>
           </a:p>
         </p:txBody>
       </p:sp>
@@ -1417,10 +1451,9 @@
           <a:p>
             <a:pPr fontAlgn="base"/>
             <a:r>
-              <a:rPr lang="zh-CN" altLang="en-US" strike="noStrike" noProof="1" smtClean="0"/>
+              <a:rPr lang="zh-CN" altLang="en-US" strike="noStrike" noProof="1"/>
               <a:t>Click to edit Master title style</a:t>
             </a:r>
-            <a:endParaRPr lang="zh-CN" altLang="en-US" strike="noStrike" noProof="1" smtClean="0"/>
           </a:p>
         </p:txBody>
       </p:sp>
@@ -1437,6 +1470,7 @@
         <p:spPr/>
         <p:txBody>
           <a:bodyPr/>
+          <a:lstStyle/>
           <a:p>
             <a:pPr marL="0" marR="0" lvl="0" indent="0" algn="l" defTabSz="914400" rtl="0" eaLnBrk="1" fontAlgn="auto" latinLnBrk="0" hangingPunct="1">
               <a:lnSpc>
@@ -1486,6 +1520,7 @@
         <p:spPr/>
         <p:txBody>
           <a:bodyPr/>
+          <a:lstStyle/>
           <a:p>
             <a:pPr marL="0" marR="0" lvl="0" indent="0" algn="ctr" defTabSz="914400" rtl="0" eaLnBrk="1" fontAlgn="auto" latinLnBrk="0" hangingPunct="1">
               <a:lnSpc>
@@ -1535,6 +1570,7 @@
         <p:spPr/>
         <p:txBody>
           <a:bodyPr/>
+          <a:lstStyle/>
           <a:p>
             <a:pPr marL="0" marR="0" lvl="0" indent="0" algn="r" defTabSz="914400" rtl="0" eaLnBrk="1" fontAlgn="auto" latinLnBrk="0" hangingPunct="1">
               <a:lnSpc>
@@ -1569,6 +1605,7 @@
                 <a:ea typeface="+mn-ea"/>
                 <a:cs typeface="+mn-cs"/>
               </a:rPr>
+              <a:t>‹#›</a:t>
             </a:fld>
             <a:endParaRPr kumimoji="0" lang="zh-CN" altLang="en-US" sz="1200" b="0" i="0" u="none" strike="noStrike" kern="1200" cap="none" spc="0" normalizeH="0" baseline="0" noProof="0">
               <a:ln>
@@ -1634,10 +1671,9 @@
           <a:p>
             <a:pPr fontAlgn="base"/>
             <a:r>
-              <a:rPr lang="zh-CN" altLang="en-US" strike="noStrike" noProof="1" smtClean="0"/>
+              <a:rPr lang="zh-CN" altLang="en-US" strike="noStrike" noProof="1"/>
               <a:t>Click to edit Master title style</a:t>
             </a:r>
-            <a:endParaRPr lang="zh-CN" altLang="en-US" strike="noStrike" noProof="1" smtClean="0"/>
           </a:p>
         </p:txBody>
       </p:sp>
@@ -1658,42 +1694,37 @@
           <a:p>
             <a:pPr lvl="0" fontAlgn="base"/>
             <a:r>
-              <a:rPr lang="zh-CN" altLang="en-US" strike="noStrike" noProof="1" smtClean="0"/>
+              <a:rPr lang="zh-CN" altLang="en-US" strike="noStrike" noProof="1"/>
               <a:t>Click to edit Master text style</a:t>
             </a:r>
-            <a:endParaRPr lang="zh-CN" altLang="en-US" strike="noStrike" noProof="1" smtClean="0"/>
           </a:p>
           <a:p>
             <a:pPr lvl="1" fontAlgn="base"/>
             <a:r>
-              <a:rPr lang="zh-CN" altLang="en-US" strike="noStrike" noProof="1" smtClean="0"/>
+              <a:rPr lang="zh-CN" altLang="en-US" strike="noStrike" noProof="1"/>
               <a:t>Second level</a:t>
             </a:r>
-            <a:endParaRPr lang="zh-CN" altLang="en-US" strike="noStrike" noProof="1" smtClean="0"/>
           </a:p>
           <a:p>
             <a:pPr lvl="2" fontAlgn="base"/>
             <a:r>
-              <a:rPr lang="zh-CN" altLang="en-US" strike="noStrike" noProof="1" smtClean="0"/>
+              <a:rPr lang="zh-CN" altLang="en-US" strike="noStrike" noProof="1"/>
               <a:t>Third level</a:t>
             </a:r>
-            <a:endParaRPr lang="zh-CN" altLang="en-US" strike="noStrike" noProof="1" smtClean="0"/>
           </a:p>
           <a:p>
             <a:pPr lvl="3" fontAlgn="base"/>
             <a:r>
-              <a:rPr lang="zh-CN" altLang="en-US" strike="noStrike" noProof="1" smtClean="0"/>
+              <a:rPr lang="zh-CN" altLang="en-US" strike="noStrike" noProof="1"/>
               <a:t>Fourth level</a:t>
             </a:r>
-            <a:endParaRPr lang="zh-CN" altLang="en-US" strike="noStrike" noProof="1" smtClean="0"/>
           </a:p>
           <a:p>
             <a:pPr lvl="4" fontAlgn="base"/>
             <a:r>
-              <a:rPr lang="zh-CN" altLang="en-US" strike="noStrike" noProof="1" smtClean="0"/>
+              <a:rPr lang="zh-CN" altLang="en-US" strike="noStrike" noProof="1"/>
               <a:t>Fifth level</a:t>
             </a:r>
-            <a:endParaRPr lang="zh-CN" altLang="en-US" strike="noStrike" noProof="1" smtClean="0"/>
           </a:p>
         </p:txBody>
       </p:sp>
@@ -1710,6 +1741,7 @@
         <p:spPr/>
         <p:txBody>
           <a:bodyPr/>
+          <a:lstStyle/>
           <a:p>
             <a:pPr marL="0" marR="0" lvl="0" indent="0" algn="l" defTabSz="914400" rtl="0" eaLnBrk="1" fontAlgn="auto" latinLnBrk="0" hangingPunct="1">
               <a:lnSpc>
@@ -1759,6 +1791,7 @@
         <p:spPr/>
         <p:txBody>
           <a:bodyPr/>
+          <a:lstStyle/>
           <a:p>
             <a:pPr marL="0" marR="0" lvl="0" indent="0" algn="ctr" defTabSz="914400" rtl="0" eaLnBrk="1" fontAlgn="auto" latinLnBrk="0" hangingPunct="1">
               <a:lnSpc>
@@ -1808,6 +1841,7 @@
         <p:spPr/>
         <p:txBody>
           <a:bodyPr/>
+          <a:lstStyle/>
           <a:p>
             <a:pPr marL="0" marR="0" lvl="0" indent="0" algn="r" defTabSz="914400" rtl="0" eaLnBrk="1" fontAlgn="auto" latinLnBrk="0" hangingPunct="1">
               <a:lnSpc>
@@ -1842,6 +1876,7 @@
                 <a:ea typeface="+mn-ea"/>
                 <a:cs typeface="+mn-cs"/>
               </a:rPr>
+              <a:t>‹#›</a:t>
             </a:fld>
             <a:endParaRPr kumimoji="0" lang="zh-CN" altLang="en-US" sz="1200" b="0" i="0" u="none" strike="noStrike" kern="1200" cap="none" spc="0" normalizeH="0" baseline="0" noProof="0">
               <a:ln>
@@ -1890,7 +1925,14 @@
         <p:cNvGrpSpPr/>
         <p:nvPr/>
       </p:nvGrpSpPr>
-      <p:grpSpPr/>
+      <p:grpSpPr>
+        <a:xfrm>
+          <a:off x="0" y="0"/>
+          <a:ext cx="0" cy="0"/>
+          <a:chOff x="0" y="0"/>
+          <a:chExt cx="0" cy="0"/>
+        </a:xfrm>
+      </p:grpSpPr>
       <p:sp>
         <p:nvSpPr>
           <p:cNvPr id="1026" name="标题占位符 1"/>
@@ -1916,13 +1958,13 @@
         </p:spPr>
         <p:txBody>
           <a:bodyPr anchor="ctr" anchorCtr="0"/>
+          <a:lstStyle/>
           <a:p>
             <a:pPr lvl="0"/>
             <a:r>
               <a:rPr lang="zh-CN" altLang="en-US" dirty="0"/>
               <a:t>Click to edit Master title style</a:t>
             </a:r>
-            <a:endParaRPr lang="zh-CN" altLang="en-US" dirty="0"/>
           </a:p>
         </p:txBody>
       </p:sp>
@@ -1951,13 +1993,13 @@
         </p:spPr>
         <p:txBody>
           <a:bodyPr anchor="t" anchorCtr="0"/>
+          <a:lstStyle/>
           <a:p>
             <a:pPr lvl="0"/>
             <a:r>
               <a:rPr lang="zh-CN" altLang="en-US" dirty="0"/>
               <a:t>Click to edit Master text style</a:t>
             </a:r>
-            <a:endParaRPr lang="zh-CN" altLang="en-US" dirty="0"/>
           </a:p>
           <a:p>
             <a:pPr lvl="1"/>
@@ -1965,7 +2007,6 @@
               <a:rPr lang="zh-CN" altLang="en-US" dirty="0"/>
               <a:t>Second level</a:t>
             </a:r>
-            <a:endParaRPr lang="zh-CN" altLang="en-US" dirty="0"/>
           </a:p>
           <a:p>
             <a:pPr lvl="2"/>
@@ -1973,7 +2014,6 @@
               <a:rPr lang="zh-CN" altLang="en-US" dirty="0"/>
               <a:t>Third level</a:t>
             </a:r>
-            <a:endParaRPr lang="zh-CN" altLang="en-US" dirty="0"/>
           </a:p>
           <a:p>
             <a:pPr lvl="3"/>
@@ -1981,7 +2021,6 @@
               <a:rPr lang="zh-CN" altLang="en-US" dirty="0"/>
               <a:t>Fourth level</a:t>
             </a:r>
-            <a:endParaRPr lang="zh-CN" altLang="en-US" dirty="0"/>
           </a:p>
           <a:p>
             <a:pPr lvl="4"/>
@@ -1989,7 +2028,6 @@
               <a:rPr lang="zh-CN" altLang="en-US" dirty="0"/>
               <a:t>Fifth level</a:t>
             </a:r>
-            <a:endParaRPr lang="zh-CN" altLang="en-US" dirty="0"/>
           </a:p>
         </p:txBody>
       </p:sp>
@@ -2219,6 +2257,7 @@
                 <a:ea typeface="+mn-ea"/>
                 <a:cs typeface="+mn-cs"/>
               </a:rPr>
+              <a:t>‹#›</a:t>
             </a:fld>
             <a:endParaRPr kumimoji="0" lang="zh-CN" altLang="en-US" sz="1200" b="0" i="0" u="none" strike="noStrike" kern="1200" cap="none" spc="0" normalizeH="0" baseline="0" noProof="0">
               <a:ln>
@@ -2711,7 +2750,14 @@
         <p:cNvGrpSpPr/>
         <p:nvPr/>
       </p:nvGrpSpPr>
-      <p:grpSpPr/>
+      <p:grpSpPr>
+        <a:xfrm>
+          <a:off x="0" y="0"/>
+          <a:ext cx="0" cy="0"/>
+          <a:chOff x="0" y="0"/>
+          <a:chExt cx="0" cy="0"/>
+        </a:xfrm>
+      </p:grpSpPr>
       <p:sp>
         <p:nvSpPr>
           <p:cNvPr id="1026" name="标题占位符 1"/>
@@ -2737,13 +2783,13 @@
         </p:spPr>
         <p:txBody>
           <a:bodyPr anchor="ctr" anchorCtr="0"/>
+          <a:lstStyle/>
           <a:p>
             <a:pPr lvl="0"/>
             <a:r>
               <a:rPr lang="zh-CN" altLang="en-US" dirty="0"/>
               <a:t>Click to edit Master title style</a:t>
             </a:r>
-            <a:endParaRPr lang="zh-CN" altLang="en-US" dirty="0"/>
           </a:p>
         </p:txBody>
       </p:sp>
@@ -2772,13 +2818,13 @@
         </p:spPr>
         <p:txBody>
           <a:bodyPr anchor="t" anchorCtr="0"/>
+          <a:lstStyle/>
           <a:p>
             <a:pPr lvl="0"/>
             <a:r>
               <a:rPr lang="zh-CN" altLang="en-US" dirty="0"/>
               <a:t>Click to edit Master text style</a:t>
             </a:r>
-            <a:endParaRPr lang="zh-CN" altLang="en-US" dirty="0"/>
           </a:p>
           <a:p>
             <a:pPr lvl="1"/>
@@ -2786,7 +2832,6 @@
               <a:rPr lang="zh-CN" altLang="en-US" dirty="0"/>
               <a:t>Second level</a:t>
             </a:r>
-            <a:endParaRPr lang="zh-CN" altLang="en-US" dirty="0"/>
           </a:p>
           <a:p>
             <a:pPr lvl="2"/>
@@ -2794,7 +2839,6 @@
               <a:rPr lang="zh-CN" altLang="en-US" dirty="0"/>
               <a:t>Third level</a:t>
             </a:r>
-            <a:endParaRPr lang="zh-CN" altLang="en-US" dirty="0"/>
           </a:p>
           <a:p>
             <a:pPr lvl="3"/>
@@ -2802,7 +2846,6 @@
               <a:rPr lang="zh-CN" altLang="en-US" dirty="0"/>
               <a:t>Fourth level</a:t>
             </a:r>
-            <a:endParaRPr lang="zh-CN" altLang="en-US" dirty="0"/>
           </a:p>
           <a:p>
             <a:pPr lvl="4"/>
@@ -2810,7 +2853,6 @@
               <a:rPr lang="zh-CN" altLang="en-US" dirty="0"/>
               <a:t>Fifth level</a:t>
             </a:r>
-            <a:endParaRPr lang="zh-CN" altLang="en-US" dirty="0"/>
           </a:p>
         </p:txBody>
       </p:sp>
@@ -3040,6 +3082,7 @@
                 <a:ea typeface="+mn-ea"/>
                 <a:cs typeface="+mn-cs"/>
               </a:rPr>
+              <a:t>‹#›</a:t>
             </a:fld>
             <a:endParaRPr kumimoji="0" lang="zh-CN" altLang="en-US" sz="1200" b="0" i="0" u="none" strike="noStrike" kern="1200" cap="none" spc="0" normalizeH="0" baseline="0" noProof="0">
               <a:ln>
@@ -3524,7 +3567,14 @@
         <p:cNvGrpSpPr/>
         <p:nvPr/>
       </p:nvGrpSpPr>
-      <p:grpSpPr/>
+      <p:grpSpPr>
+        <a:xfrm>
+          <a:off x="0" y="0"/>
+          <a:ext cx="0" cy="0"/>
+          <a:chOff x="0" y="0"/>
+          <a:chExt cx="0" cy="0"/>
+        </a:xfrm>
+      </p:grpSpPr>
       <p:sp>
         <p:nvSpPr>
           <p:cNvPr id="27" name="任意多边形 26"/>
@@ -3793,6 +3843,7 @@
           <a:bodyPr wrap="square" anchor="t" anchorCtr="0">
             <a:spAutoFit/>
           </a:bodyPr>
+          <a:lstStyle/>
           <a:p>
             <a:r>
               <a:rPr lang="en-US" altLang="zh-CN" sz="3200" b="1" dirty="0">
@@ -3804,13 +3855,6 @@
               </a:rPr>
               <a:t>H.A.C.C.</a:t>
             </a:r>
-            <a:endParaRPr lang="en-US" altLang="zh-CN" sz="3200" b="1" dirty="0">
-              <a:solidFill>
-                <a:srgbClr val="262626"/>
-              </a:solidFill>
-              <a:latin typeface="Microsoft YaHei" panose="020B0503020204020204" pitchFamily="34" charset="-122"/>
-              <a:ea typeface="Microsoft YaHei" panose="020B0503020204020204" pitchFamily="34" charset="-122"/>
-            </a:endParaRPr>
           </a:p>
           <a:p>
             <a:r>
@@ -3823,13 +3867,6 @@
               </a:rPr>
               <a:t>Data Structures and Algorithms</a:t>
             </a:r>
-            <a:endParaRPr lang="en-US" altLang="zh-CN" sz="3200" b="1" dirty="0">
-              <a:solidFill>
-                <a:srgbClr val="262626"/>
-              </a:solidFill>
-              <a:latin typeface="Microsoft YaHei" panose="020B0503020204020204" pitchFamily="34" charset="-122"/>
-              <a:ea typeface="Microsoft YaHei" panose="020B0503020204020204" pitchFamily="34" charset="-122"/>
-            </a:endParaRPr>
           </a:p>
         </p:txBody>
       </p:sp>
@@ -3994,6 +4031,7 @@
                 <a:pos x="1150098860" y="81544079"/>
               </a:cxn>
             </a:cxnLst>
+            <a:rect l="0" t="0" r="0" b="0"/>
             <a:pathLst>
               <a:path w="1270" h="882">
                 <a:moveTo>
@@ -4737,6 +4775,7 @@
         </p:spPr>
         <p:txBody>
           <a:bodyPr/>
+          <a:lstStyle/>
           <a:p>
             <a:endParaRPr lang="en-US"/>
           </a:p>
@@ -4765,6 +4804,7 @@
           <a:bodyPr anchor="t" anchorCtr="0">
             <a:spAutoFit/>
           </a:bodyPr>
+          <a:lstStyle/>
           <a:p>
             <a:r>
               <a:rPr lang="en-US" altLang="zh-CN" dirty="0">
@@ -4776,13 +4816,6 @@
               </a:rPr>
               <a:t>Jimmy Zhang</a:t>
             </a:r>
-            <a:endParaRPr lang="en-US" altLang="zh-CN" dirty="0">
-              <a:solidFill>
-                <a:srgbClr val="262626"/>
-              </a:solidFill>
-              <a:latin typeface="Microsoft YaHei" panose="020B0503020204020204" pitchFamily="34" charset="-122"/>
-              <a:ea typeface="Microsoft YaHei" panose="020B0503020204020204" pitchFamily="34" charset="-122"/>
-            </a:endParaRPr>
           </a:p>
         </p:txBody>
       </p:sp>
@@ -4809,6 +4842,7 @@
           <a:bodyPr anchor="t" anchorCtr="0">
             <a:spAutoFit/>
           </a:bodyPr>
+          <a:lstStyle/>
           <a:p>
             <a:r>
               <a:rPr lang="en-US" altLang="zh-CN" dirty="0">
@@ -4820,13 +4854,6 @@
               </a:rPr>
               <a:t>Fall 2022</a:t>
             </a:r>
-            <a:endParaRPr lang="en-US" altLang="zh-CN" dirty="0">
-              <a:solidFill>
-                <a:srgbClr val="262626"/>
-              </a:solidFill>
-              <a:latin typeface="Microsoft YaHei" panose="020B0503020204020204" pitchFamily="34" charset="-122"/>
-              <a:ea typeface="Microsoft YaHei" panose="020B0503020204020204" pitchFamily="34" charset="-122"/>
-            </a:endParaRPr>
           </a:p>
         </p:txBody>
       </p:sp>
@@ -4850,7 +4877,14 @@
         <p:cNvGrpSpPr/>
         <p:nvPr/>
       </p:nvGrpSpPr>
-      <p:grpSpPr/>
+      <p:grpSpPr>
+        <a:xfrm>
+          <a:off x="0" y="0"/>
+          <a:ext cx="0" cy="0"/>
+          <a:chOff x="0" y="0"/>
+          <a:chExt cx="0" cy="0"/>
+        </a:xfrm>
+      </p:grpSpPr>
       <p:sp>
         <p:nvSpPr>
           <p:cNvPr id="15" name="任意多边形 14"/>
@@ -5003,6 +5037,7 @@
           <a:bodyPr anchor="t" anchorCtr="0">
             <a:spAutoFit/>
           </a:bodyPr>
+          <a:lstStyle/>
           <a:p>
             <a:pPr>
               <a:buFont typeface="Arial" panose="020B0604020202020204" pitchFamily="34" charset="0"/>
@@ -5017,13 +5052,6 @@
               </a:rPr>
               <a:t>1.1</a:t>
             </a:r>
-            <a:endParaRPr lang="en-US" altLang="zh-CN" sz="2800" b="1" dirty="0">
-              <a:solidFill>
-                <a:schemeClr val="bg1"/>
-              </a:solidFill>
-              <a:latin typeface="Microsoft YaHei" panose="020B0503020204020204" pitchFamily="34" charset="-122"/>
-              <a:ea typeface="Microsoft YaHei" panose="020B0503020204020204" pitchFamily="34" charset="-122"/>
-            </a:endParaRPr>
           </a:p>
         </p:txBody>
       </p:sp>
@@ -5120,31 +5148,15 @@
               </a:rPr>
               <a:t>Title</a:t>
             </a:r>
-            <a:endParaRPr kumimoji="0" lang="en-US" altLang="zh-CN" sz="2800" b="1" i="0" u="none" strike="noStrike" kern="1200" cap="none" spc="0" normalizeH="0" baseline="0" noProof="0" dirty="0">
-              <a:ln>
-                <a:noFill/>
-              </a:ln>
-              <a:solidFill>
-                <a:schemeClr val="tx1">
-                  <a:lumMod val="85000"/>
-                  <a:lumOff val="15000"/>
-                </a:schemeClr>
-              </a:solidFill>
-              <a:effectLst/>
-              <a:uLnTx/>
-              <a:uFillTx/>
-              <a:latin typeface="Microsoft YaHei" panose="020B0503020204020204" pitchFamily="34" charset="-122"/>
-              <a:ea typeface="Microsoft YaHei" panose="020B0503020204020204" pitchFamily="34" charset="-122"/>
-              <a:cs typeface="+mn-cs"/>
-              <a:sym typeface="+mn-ea"/>
-            </a:endParaRPr>
           </a:p>
         </p:txBody>
       </p:sp>
       <p:sp>
         <p:nvSpPr>
           <p:cNvPr id="3" name="Content Placeholder 2"/>
-          <p:cNvSpPr/>
+          <p:cNvSpPr>
+            <a:spLocks noGrp="1"/>
+          </p:cNvSpPr>
           <p:nvPr>
             <p:ph idx="1"/>
           </p:nvPr>
@@ -5152,6 +5164,7 @@
         <p:spPr/>
         <p:txBody>
           <a:bodyPr/>
+          <a:lstStyle/>
           <a:p>
             <a:endParaRPr lang="en-US"/>
           </a:p>
@@ -5177,7 +5190,14 @@
         <p:cNvGrpSpPr/>
         <p:nvPr/>
       </p:nvGrpSpPr>
-      <p:grpSpPr/>
+      <p:grpSpPr>
+        <a:xfrm>
+          <a:off x="0" y="0"/>
+          <a:ext cx="0" cy="0"/>
+          <a:chOff x="0" y="0"/>
+          <a:chExt cx="0" cy="0"/>
+        </a:xfrm>
+      </p:grpSpPr>
       <p:sp>
         <p:nvSpPr>
           <p:cNvPr id="46" name="任意多边形 45"/>
@@ -5315,8 +5335,8 @@
         </p:nvSpPr>
         <p:spPr>
           <a:xfrm>
-            <a:off x="0" y="338455"/>
-            <a:ext cx="3255645" cy="583565"/>
+            <a:off x="22225" y="336550"/>
+            <a:ext cx="3985895" cy="583565"/>
           </a:xfrm>
           <a:prstGeom prst="rect">
             <a:avLst/>
@@ -5330,6 +5350,7 @@
           <a:bodyPr wrap="square" anchor="t" anchorCtr="0">
             <a:spAutoFit/>
           </a:bodyPr>
+          <a:lstStyle/>
           <a:p>
             <a:pPr>
               <a:buFont typeface="Arial" panose="020B0604020202020204" pitchFamily="34" charset="0"/>
@@ -5341,17 +5362,9 @@
                 </a:solidFill>
                 <a:latin typeface="Microsoft YaHei" panose="020B0503020204020204" pitchFamily="34" charset="-122"/>
                 <a:ea typeface="Microsoft YaHei" panose="020B0503020204020204" pitchFamily="34" charset="-122"/>
-                <a:sym typeface="+mn-ea"/>
               </a:rPr>
-              <a:t>Data Structure</a:t>
+              <a:t>Class Exercise</a:t>
             </a:r>
-            <a:endParaRPr lang="en-US" altLang="zh-CN" sz="3200" b="1" dirty="0">
-              <a:solidFill>
-                <a:schemeClr val="bg1"/>
-              </a:solidFill>
-              <a:latin typeface="Microsoft YaHei" panose="020B0503020204020204" pitchFamily="34" charset="-122"/>
-              <a:ea typeface="Microsoft YaHei" panose="020B0503020204020204" pitchFamily="34" charset="-122"/>
-            </a:endParaRPr>
           </a:p>
         </p:txBody>
       </p:sp>
@@ -5437,7 +5450,7 @@
         </p:nvSpPr>
         <p:spPr>
           <a:xfrm>
-            <a:off x="4319588" y="2498725"/>
+            <a:off x="4319588" y="2556510"/>
             <a:ext cx="5067300" cy="583565"/>
           </a:xfrm>
           <a:prstGeom prst="rect">
@@ -5452,6 +5465,7 @@
           <a:bodyPr wrap="square" anchor="t" anchorCtr="0">
             <a:spAutoFit/>
           </a:bodyPr>
+          <a:lstStyle/>
           <a:p>
             <a:pPr>
               <a:buFont typeface="Arial" panose="020B0604020202020204" pitchFamily="34" charset="0"/>
@@ -5464,15 +5478,8 @@
                 <a:latin typeface="Microsoft YaHei" panose="020B0503020204020204" pitchFamily="34" charset="-122"/>
                 <a:ea typeface="Microsoft YaHei" panose="020B0503020204020204" pitchFamily="34" charset="-122"/>
               </a:rPr>
-              <a:t>N-ary Tree</a:t>
+              <a:t>Class Exercises</a:t>
             </a:r>
-            <a:endParaRPr lang="en-US" altLang="zh-CN" sz="3200" b="1" dirty="0">
-              <a:solidFill>
-                <a:srgbClr val="05B780"/>
-              </a:solidFill>
-              <a:latin typeface="Microsoft YaHei" panose="020B0503020204020204" pitchFamily="34" charset="-122"/>
-              <a:ea typeface="Microsoft YaHei" panose="020B0503020204020204" pitchFamily="34" charset="-122"/>
-            </a:endParaRPr>
           </a:p>
         </p:txBody>
       </p:sp>
@@ -5590,6 +5597,7 @@
             <a:bodyPr wrap="square" anchor="t" anchorCtr="0">
               <a:spAutoFit/>
             </a:bodyPr>
+            <a:lstStyle/>
             <a:p>
               <a:pPr>
                 <a:buFont typeface="Arial" panose="020B0604020202020204" pitchFamily="34" charset="0"/>
@@ -5602,15 +5610,8 @@
                   <a:latin typeface="Microsoft YaHei" panose="020B0503020204020204" pitchFamily="34" charset="-122"/>
                   <a:ea typeface="Microsoft YaHei" panose="020B0503020204020204" pitchFamily="34" charset="-122"/>
                 </a:rPr>
-                <a:t>03</a:t>
+                <a:t>04</a:t>
               </a:r>
-              <a:endParaRPr lang="en-US" altLang="zh-CN" sz="4400" b="1" dirty="0">
-                <a:solidFill>
-                  <a:schemeClr val="bg1"/>
-                </a:solidFill>
-                <a:latin typeface="Microsoft YaHei" panose="020B0503020204020204" pitchFamily="34" charset="-122"/>
-                <a:ea typeface="Microsoft YaHei" panose="020B0503020204020204" pitchFamily="34" charset="-122"/>
-              </a:endParaRPr>
             </a:p>
           </p:txBody>
         </p:sp>
@@ -5635,7 +5636,14 @@
         <p:cNvGrpSpPr/>
         <p:nvPr/>
       </p:nvGrpSpPr>
-      <p:grpSpPr/>
+      <p:grpSpPr>
+        <a:xfrm>
+          <a:off x="0" y="0"/>
+          <a:ext cx="0" cy="0"/>
+          <a:chOff x="0" y="0"/>
+          <a:chExt cx="0" cy="0"/>
+        </a:xfrm>
+      </p:grpSpPr>
       <p:sp>
         <p:nvSpPr>
           <p:cNvPr id="15" name="任意多边形 14"/>
@@ -5788,6 +5796,7 @@
           <a:bodyPr anchor="t" anchorCtr="0">
             <a:spAutoFit/>
           </a:bodyPr>
+          <a:lstStyle/>
           <a:p>
             <a:pPr>
               <a:buFont typeface="Arial" panose="020B0604020202020204" pitchFamily="34" charset="0"/>
@@ -5802,13 +5811,6 @@
               </a:rPr>
               <a:t>1.1</a:t>
             </a:r>
-            <a:endParaRPr lang="en-US" altLang="zh-CN" sz="2800" b="1" dirty="0">
-              <a:solidFill>
-                <a:schemeClr val="bg1"/>
-              </a:solidFill>
-              <a:latin typeface="Microsoft YaHei" panose="020B0503020204020204" pitchFamily="34" charset="-122"/>
-              <a:ea typeface="Microsoft YaHei" panose="020B0503020204020204" pitchFamily="34" charset="-122"/>
-            </a:endParaRPr>
           </a:p>
         </p:txBody>
       </p:sp>
@@ -5903,33 +5905,17 @@
                 <a:cs typeface="+mn-cs"/>
                 <a:sym typeface="+mn-ea"/>
               </a:rPr>
-              <a:t>Title</a:t>
+              <a:t>Fibonacci - Recursion</a:t>
             </a:r>
-            <a:endParaRPr kumimoji="0" lang="en-US" altLang="zh-CN" sz="2800" b="1" i="0" u="none" strike="noStrike" kern="1200" cap="none" spc="0" normalizeH="0" baseline="0" noProof="0" dirty="0">
-              <a:ln>
-                <a:noFill/>
-              </a:ln>
-              <a:solidFill>
-                <a:schemeClr val="tx1">
-                  <a:lumMod val="85000"/>
-                  <a:lumOff val="15000"/>
-                </a:schemeClr>
-              </a:solidFill>
-              <a:effectLst/>
-              <a:uLnTx/>
-              <a:uFillTx/>
-              <a:latin typeface="Microsoft YaHei" panose="020B0503020204020204" pitchFamily="34" charset="-122"/>
-              <a:ea typeface="Microsoft YaHei" panose="020B0503020204020204" pitchFamily="34" charset="-122"/>
-              <a:cs typeface="+mn-cs"/>
-              <a:sym typeface="+mn-ea"/>
-            </a:endParaRPr>
           </a:p>
         </p:txBody>
       </p:sp>
       <p:sp>
         <p:nvSpPr>
           <p:cNvPr id="3" name="Content Placeholder 2"/>
-          <p:cNvSpPr/>
+          <p:cNvSpPr>
+            <a:spLocks noGrp="1"/>
+          </p:cNvSpPr>
           <p:nvPr>
             <p:ph idx="1"/>
           </p:nvPr>
@@ -5937,12 +5923,18 @@
         <p:spPr/>
         <p:txBody>
           <a:bodyPr/>
-          <a:p>
-            <a:endParaRPr lang="en-US"/>
+          <a:lstStyle/>
+          <a:p>
+            <a:endParaRPr lang="en-US" dirty="0"/>
           </a:p>
         </p:txBody>
       </p:sp>
     </p:spTree>
+    <p:extLst>
+      <p:ext uri="{BB962C8B-B14F-4D97-AF65-F5344CB8AC3E}">
+        <p14:creationId xmlns:p14="http://schemas.microsoft.com/office/powerpoint/2010/main" val="3897927343"/>
+      </p:ext>
+    </p:extLst>
   </p:cSld>
   <p:clrMapOvr>
     <a:masterClrMapping/>
@@ -5962,30 +5954,37 @@
         <p:cNvGrpSpPr/>
         <p:nvPr/>
       </p:nvGrpSpPr>
-      <p:grpSpPr/>
+      <p:grpSpPr>
+        <a:xfrm>
+          <a:off x="0" y="0"/>
+          <a:ext cx="0" cy="0"/>
+          <a:chOff x="0" y="0"/>
+          <a:chExt cx="0" cy="0"/>
+        </a:xfrm>
+      </p:grpSpPr>
       <p:sp>
         <p:nvSpPr>
-          <p:cNvPr id="46" name="任意多边形 45"/>
+          <p:cNvPr id="15" name="任意多边形 14"/>
           <p:cNvSpPr/>
           <p:nvPr/>
         </p:nvSpPr>
         <p:spPr>
           <a:xfrm>
-            <a:off x="0" y="260350"/>
-            <a:ext cx="3922395" cy="739775"/>
+            <a:off x="0" y="274638"/>
+            <a:ext cx="890588" cy="639763"/>
           </a:xfrm>
           <a:custGeom>
             <a:avLst/>
             <a:gdLst>
-              <a:gd name="connsiteX0" fmla="*/ 0 w 2091831"/>
+              <a:gd name="connsiteX0" fmla="*/ 0 w 1029743"/>
               <a:gd name="connsiteY0" fmla="*/ 0 h 739718"/>
-              <a:gd name="connsiteX1" fmla="*/ 1721972 w 2091831"/>
+              <a:gd name="connsiteX1" fmla="*/ 659884 w 1029743"/>
               <a:gd name="connsiteY1" fmla="*/ 0 h 739718"/>
-              <a:gd name="connsiteX2" fmla="*/ 2091831 w 2091831"/>
+              <a:gd name="connsiteX2" fmla="*/ 1029743 w 1029743"/>
               <a:gd name="connsiteY2" fmla="*/ 369859 h 739718"/>
-              <a:gd name="connsiteX3" fmla="*/ 1721972 w 2091831"/>
+              <a:gd name="connsiteX3" fmla="*/ 659884 w 1029743"/>
               <a:gd name="connsiteY3" fmla="*/ 739718 h 739718"/>
-              <a:gd name="connsiteX4" fmla="*/ 0 w 2091831"/>
+              <a:gd name="connsiteX4" fmla="*/ 0 w 1029743"/>
               <a:gd name="connsiteY4" fmla="*/ 739718 h 739718"/>
             </a:gdLst>
             <a:ahLst/>
@@ -6008,22 +6007,22 @@
             </a:cxnLst>
             <a:rect l="l" t="t" r="r" b="b"/>
             <a:pathLst>
-              <a:path w="2091831" h="739718">
+              <a:path w="1029743" h="739718">
                 <a:moveTo>
                   <a:pt x="0" y="0"/>
                 </a:moveTo>
                 <a:lnTo>
-                  <a:pt x="1721972" y="0"/>
+                  <a:pt x="659884" y="0"/>
                 </a:lnTo>
                 <a:cubicBezTo>
-                  <a:pt x="1926239" y="0"/>
-                  <a:pt x="2091831" y="165592"/>
-                  <a:pt x="2091831" y="369859"/>
-                </a:cubicBezTo>
-                <a:cubicBezTo>
-                  <a:pt x="2091831" y="574126"/>
-                  <a:pt x="1926239" y="739718"/>
-                  <a:pt x="1721972" y="739718"/>
+                  <a:pt x="864151" y="0"/>
+                  <a:pt x="1029743" y="165592"/>
+                  <a:pt x="1029743" y="369859"/>
+                </a:cubicBezTo>
+                <a:cubicBezTo>
+                  <a:pt x="1029743" y="574126"/>
+                  <a:pt x="864151" y="739718"/>
+                  <a:pt x="659884" y="739718"/>
                 </a:cubicBezTo>
                 <a:lnTo>
                   <a:pt x="0" y="739718"/>
@@ -6080,6 +6079,1150 @@
                 <a:noFill/>
               </a:ln>
               <a:solidFill>
+                <a:schemeClr val="bg1"/>
+              </a:solidFill>
+              <a:effectLst/>
+              <a:uLnTx/>
+              <a:uFillTx/>
+              <a:latin typeface="+mn-lt"/>
+              <a:ea typeface="+mn-ea"/>
+              <a:cs typeface="+mn-cs"/>
+            </a:endParaRPr>
+          </a:p>
+        </p:txBody>
+      </p:sp>
+      <p:sp>
+        <p:nvSpPr>
+          <p:cNvPr id="7170" name="文本框 156"/>
+          <p:cNvSpPr txBox="1"/>
+          <p:nvPr/>
+        </p:nvSpPr>
+        <p:spPr>
+          <a:xfrm>
+            <a:off x="0" y="350838"/>
+            <a:ext cx="814388" cy="521970"/>
+          </a:xfrm>
+          <a:prstGeom prst="rect">
+            <a:avLst/>
+          </a:prstGeom>
+          <a:noFill/>
+          <a:ln w="9525">
+            <a:noFill/>
+          </a:ln>
+        </p:spPr>
+        <p:txBody>
+          <a:bodyPr anchor="t" anchorCtr="0">
+            <a:spAutoFit/>
+          </a:bodyPr>
+          <a:lstStyle/>
+          <a:p>
+            <a:pPr>
+              <a:buFont typeface="Arial" panose="020B0604020202020204" pitchFamily="34" charset="0"/>
+            </a:pPr>
+            <a:r>
+              <a:rPr lang="en-US" altLang="zh-CN" sz="2800" b="1" dirty="0">
+                <a:solidFill>
+                  <a:schemeClr val="bg1"/>
+                </a:solidFill>
+                <a:latin typeface="Microsoft YaHei" panose="020B0503020204020204" pitchFamily="34" charset="-122"/>
+                <a:ea typeface="Microsoft YaHei" panose="020B0503020204020204" pitchFamily="34" charset="-122"/>
+              </a:rPr>
+              <a:t>1.1</a:t>
+            </a:r>
+          </a:p>
+        </p:txBody>
+      </p:sp>
+      <p:sp>
+        <p:nvSpPr>
+          <p:cNvPr id="16" name="Rectangle 6"/>
+          <p:cNvSpPr>
+            <a:spLocks noChangeArrowheads="1"/>
+          </p:cNvSpPr>
+          <p:nvPr/>
+        </p:nvSpPr>
+        <p:spPr bwMode="black">
+          <a:xfrm>
+            <a:off x="1021080" y="351155"/>
+            <a:ext cx="6515735" cy="521970"/>
+          </a:xfrm>
+          <a:prstGeom prst="rect">
+            <a:avLst/>
+          </a:prstGeom>
+          <a:noFill/>
+          <a:ln>
+            <a:noFill/>
+          </a:ln>
+          <a:effectLst/>
+          <a:extLst>
+            <a:ext uri="{909E8E84-426E-40DD-AFC4-6F175D3DCCD1}">
+              <a14:hiddenFill xmlns:a14="http://schemas.microsoft.com/office/drawing/2010/main">
+                <a:solidFill>
+                  <a:schemeClr val="accent1"/>
+                </a:solidFill>
+              </a14:hiddenFill>
+            </a:ext>
+            <a:ext uri="{91240B29-F687-4F45-9708-019B960494DF}">
+              <a14:hiddenLine xmlns:a14="http://schemas.microsoft.com/office/drawing/2010/main" w="9525">
+                <a:solidFill>
+                  <a:schemeClr val="tx1"/>
+                </a:solidFill>
+                <a:miter lim="800000"/>
+                <a:headEnd/>
+                <a:tailEnd/>
+              </a14:hiddenLine>
+            </a:ext>
+            <a:ext uri="{AF507438-7753-43E0-B8FC-AC1667EBCBE1}">
+              <a14:hiddenEffects xmlns:a14="http://schemas.microsoft.com/office/drawing/2010/main">
+                <a:effectLst>
+                  <a:outerShdw dist="35921" dir="2700000" algn="ctr" rotWithShape="0">
+                    <a:schemeClr val="bg2"/>
+                  </a:outerShdw>
+                </a:effectLst>
+              </a14:hiddenEffects>
+            </a:ext>
+          </a:extLst>
+        </p:spPr>
+        <p:txBody>
+          <a:bodyPr wrap="square">
+            <a:spAutoFit/>
+          </a:bodyPr>
+          <a:lstStyle/>
+          <a:p>
+            <a:pPr marL="0" marR="0" lvl="0" indent="0" algn="l" defTabSz="914400" rtl="0" eaLnBrk="0" fontAlgn="auto" latinLnBrk="0" hangingPunct="0">
+              <a:lnSpc>
+                <a:spcPct val="100000"/>
+              </a:lnSpc>
+              <a:spcBef>
+                <a:spcPts val="0"/>
+              </a:spcBef>
+              <a:spcAft>
+                <a:spcPts val="0"/>
+              </a:spcAft>
+              <a:buClrTx/>
+              <a:buSzTx/>
+              <a:buFontTx/>
+              <a:buNone/>
+              <a:defRPr/>
+            </a:pPr>
+            <a:r>
+              <a:rPr kumimoji="0" lang="en-US" altLang="zh-CN" sz="2800" b="1" i="0" u="none" strike="noStrike" kern="1200" cap="none" spc="0" normalizeH="0" baseline="0" noProof="0">
+                <a:ln>
+                  <a:noFill/>
+                </a:ln>
+                <a:solidFill>
+                  <a:schemeClr val="tx1">
+                    <a:lumMod val="85000"/>
+                    <a:lumOff val="15000"/>
+                  </a:schemeClr>
+                </a:solidFill>
+                <a:effectLst/>
+                <a:uLnTx/>
+                <a:uFillTx/>
+                <a:latin typeface="Microsoft YaHei" panose="020B0503020204020204" pitchFamily="34" charset="-122"/>
+                <a:ea typeface="Microsoft YaHei" panose="020B0503020204020204" pitchFamily="34" charset="-122"/>
+                <a:cs typeface="+mn-cs"/>
+                <a:sym typeface="+mn-ea"/>
+              </a:rPr>
+              <a:t>Tree Traversals - Recursion</a:t>
+            </a:r>
+            <a:endParaRPr kumimoji="0" lang="en-US" altLang="zh-CN" sz="2800" b="1" i="0" u="none" strike="noStrike" kern="1200" cap="none" spc="0" normalizeH="0" baseline="0" noProof="0" dirty="0">
+              <a:ln>
+                <a:noFill/>
+              </a:ln>
+              <a:solidFill>
+                <a:schemeClr val="tx1">
+                  <a:lumMod val="85000"/>
+                  <a:lumOff val="15000"/>
+                </a:schemeClr>
+              </a:solidFill>
+              <a:effectLst/>
+              <a:uLnTx/>
+              <a:uFillTx/>
+              <a:latin typeface="Microsoft YaHei" panose="020B0503020204020204" pitchFamily="34" charset="-122"/>
+              <a:ea typeface="Microsoft YaHei" panose="020B0503020204020204" pitchFamily="34" charset="-122"/>
+              <a:cs typeface="+mn-cs"/>
+              <a:sym typeface="+mn-ea"/>
+            </a:endParaRPr>
+          </a:p>
+        </p:txBody>
+      </p:sp>
+      <p:sp>
+        <p:nvSpPr>
+          <p:cNvPr id="3" name="Content Placeholder 2"/>
+          <p:cNvSpPr>
+            <a:spLocks noGrp="1"/>
+          </p:cNvSpPr>
+          <p:nvPr>
+            <p:ph idx="1"/>
+          </p:nvPr>
+        </p:nvSpPr>
+        <p:spPr/>
+        <p:txBody>
+          <a:bodyPr/>
+          <a:lstStyle/>
+          <a:p>
+            <a:endParaRPr lang="en-US" dirty="0"/>
+          </a:p>
+        </p:txBody>
+      </p:sp>
+    </p:spTree>
+    <p:extLst>
+      <p:ext uri="{BB962C8B-B14F-4D97-AF65-F5344CB8AC3E}">
+        <p14:creationId xmlns:p14="http://schemas.microsoft.com/office/powerpoint/2010/main" val="2751115421"/>
+      </p:ext>
+    </p:extLst>
+  </p:cSld>
+  <p:clrMapOvr>
+    <a:masterClrMapping/>
+  </p:clrMapOvr>
+  <p:transition spd="slow">
+    <p:wipe/>
+  </p:transition>
+</p:sld>
+</file>
+
+<file path=ppt/slides/slide14.xml><?xml version="1.0" encoding="utf-8"?>
+<p:sld xmlns:a="http://schemas.openxmlformats.org/drawingml/2006/main" xmlns:r="http://schemas.openxmlformats.org/officeDocument/2006/relationships" xmlns:p="http://schemas.openxmlformats.org/presentationml/2006/main">
+  <p:cSld>
+    <p:spTree>
+      <p:nvGrpSpPr>
+        <p:cNvPr id="1" name=""/>
+        <p:cNvGrpSpPr/>
+        <p:nvPr/>
+      </p:nvGrpSpPr>
+      <p:grpSpPr>
+        <a:xfrm>
+          <a:off x="0" y="0"/>
+          <a:ext cx="0" cy="0"/>
+          <a:chOff x="0" y="0"/>
+          <a:chExt cx="0" cy="0"/>
+        </a:xfrm>
+      </p:grpSpPr>
+      <p:sp>
+        <p:nvSpPr>
+          <p:cNvPr id="15" name="任意多边形 14"/>
+          <p:cNvSpPr/>
+          <p:nvPr/>
+        </p:nvSpPr>
+        <p:spPr>
+          <a:xfrm>
+            <a:off x="0" y="274638"/>
+            <a:ext cx="890588" cy="639763"/>
+          </a:xfrm>
+          <a:custGeom>
+            <a:avLst/>
+            <a:gdLst>
+              <a:gd name="connsiteX0" fmla="*/ 0 w 1029743"/>
+              <a:gd name="connsiteY0" fmla="*/ 0 h 739718"/>
+              <a:gd name="connsiteX1" fmla="*/ 659884 w 1029743"/>
+              <a:gd name="connsiteY1" fmla="*/ 0 h 739718"/>
+              <a:gd name="connsiteX2" fmla="*/ 1029743 w 1029743"/>
+              <a:gd name="connsiteY2" fmla="*/ 369859 h 739718"/>
+              <a:gd name="connsiteX3" fmla="*/ 659884 w 1029743"/>
+              <a:gd name="connsiteY3" fmla="*/ 739718 h 739718"/>
+              <a:gd name="connsiteX4" fmla="*/ 0 w 1029743"/>
+              <a:gd name="connsiteY4" fmla="*/ 739718 h 739718"/>
+            </a:gdLst>
+            <a:ahLst/>
+            <a:cxnLst>
+              <a:cxn ang="0">
+                <a:pos x="connsiteX0" y="connsiteY0"/>
+              </a:cxn>
+              <a:cxn ang="0">
+                <a:pos x="connsiteX1" y="connsiteY1"/>
+              </a:cxn>
+              <a:cxn ang="0">
+                <a:pos x="connsiteX2" y="connsiteY2"/>
+              </a:cxn>
+              <a:cxn ang="0">
+                <a:pos x="connsiteX3" y="connsiteY3"/>
+              </a:cxn>
+              <a:cxn ang="0">
+                <a:pos x="connsiteX4" y="connsiteY4"/>
+              </a:cxn>
+            </a:cxnLst>
+            <a:rect l="l" t="t" r="r" b="b"/>
+            <a:pathLst>
+              <a:path w="1029743" h="739718">
+                <a:moveTo>
+                  <a:pt x="0" y="0"/>
+                </a:moveTo>
+                <a:lnTo>
+                  <a:pt x="659884" y="0"/>
+                </a:lnTo>
+                <a:cubicBezTo>
+                  <a:pt x="864151" y="0"/>
+                  <a:pt x="1029743" y="165592"/>
+                  <a:pt x="1029743" y="369859"/>
+                </a:cubicBezTo>
+                <a:cubicBezTo>
+                  <a:pt x="1029743" y="574126"/>
+                  <a:pt x="864151" y="739718"/>
+                  <a:pt x="659884" y="739718"/>
+                </a:cubicBezTo>
+                <a:lnTo>
+                  <a:pt x="0" y="739718"/>
+                </a:lnTo>
+                <a:close/>
+              </a:path>
+            </a:pathLst>
+          </a:custGeom>
+          <a:solidFill>
+            <a:srgbClr val="05B780"/>
+          </a:solidFill>
+          <a:ln>
+            <a:noFill/>
+          </a:ln>
+        </p:spPr>
+        <p:style>
+          <a:lnRef idx="2">
+            <a:schemeClr val="accent1">
+              <a:shade val="50000"/>
+            </a:schemeClr>
+          </a:lnRef>
+          <a:fillRef idx="1">
+            <a:schemeClr val="accent1"/>
+          </a:fillRef>
+          <a:effectRef idx="0">
+            <a:schemeClr val="accent1"/>
+          </a:effectRef>
+          <a:fontRef idx="minor">
+            <a:schemeClr val="lt1"/>
+          </a:fontRef>
+        </p:style>
+        <p:txBody>
+          <a:bodyPr anchor="ctr"/>
+          <a:lstStyle/>
+          <a:p>
+            <a:pPr marL="0" marR="0" lvl="0" indent="0" algn="ctr" defTabSz="914400" rtl="0" eaLnBrk="1" fontAlgn="auto" latinLnBrk="0" hangingPunct="1">
+              <a:lnSpc>
+                <a:spcPct val="100000"/>
+              </a:lnSpc>
+              <a:spcBef>
+                <a:spcPts val="0"/>
+              </a:spcBef>
+              <a:spcAft>
+                <a:spcPts val="0"/>
+              </a:spcAft>
+              <a:buClrTx/>
+              <a:buSzTx/>
+              <a:buFontTx/>
+              <a:buNone/>
+              <a:defRPr/>
+            </a:pPr>
+            <a:endParaRPr kumimoji="0" lang="zh-CN" altLang="en-US" sz="1800" b="0" i="0" u="none" strike="noStrike" kern="1200" cap="none" spc="0" normalizeH="0" baseline="0" noProof="0">
+              <a:ln>
+                <a:noFill/>
+              </a:ln>
+              <a:solidFill>
+                <a:schemeClr val="bg1"/>
+              </a:solidFill>
+              <a:effectLst/>
+              <a:uLnTx/>
+              <a:uFillTx/>
+              <a:latin typeface="+mn-lt"/>
+              <a:ea typeface="+mn-ea"/>
+              <a:cs typeface="+mn-cs"/>
+            </a:endParaRPr>
+          </a:p>
+        </p:txBody>
+      </p:sp>
+      <p:sp>
+        <p:nvSpPr>
+          <p:cNvPr id="7170" name="文本框 156"/>
+          <p:cNvSpPr txBox="1"/>
+          <p:nvPr/>
+        </p:nvSpPr>
+        <p:spPr>
+          <a:xfrm>
+            <a:off x="0" y="350838"/>
+            <a:ext cx="814388" cy="521970"/>
+          </a:xfrm>
+          <a:prstGeom prst="rect">
+            <a:avLst/>
+          </a:prstGeom>
+          <a:noFill/>
+          <a:ln w="9525">
+            <a:noFill/>
+          </a:ln>
+        </p:spPr>
+        <p:txBody>
+          <a:bodyPr anchor="t" anchorCtr="0">
+            <a:spAutoFit/>
+          </a:bodyPr>
+          <a:lstStyle/>
+          <a:p>
+            <a:pPr>
+              <a:buFont typeface="Arial" panose="020B0604020202020204" pitchFamily="34" charset="0"/>
+            </a:pPr>
+            <a:r>
+              <a:rPr lang="en-US" altLang="zh-CN" sz="2800" b="1" dirty="0">
+                <a:solidFill>
+                  <a:schemeClr val="bg1"/>
+                </a:solidFill>
+                <a:latin typeface="Microsoft YaHei" panose="020B0503020204020204" pitchFamily="34" charset="-122"/>
+                <a:ea typeface="Microsoft YaHei" panose="020B0503020204020204" pitchFamily="34" charset="-122"/>
+              </a:rPr>
+              <a:t>1.1</a:t>
+            </a:r>
+          </a:p>
+        </p:txBody>
+      </p:sp>
+      <p:sp>
+        <p:nvSpPr>
+          <p:cNvPr id="16" name="Rectangle 6"/>
+          <p:cNvSpPr>
+            <a:spLocks noChangeArrowheads="1"/>
+          </p:cNvSpPr>
+          <p:nvPr/>
+        </p:nvSpPr>
+        <p:spPr bwMode="black">
+          <a:xfrm>
+            <a:off x="1021080" y="351155"/>
+            <a:ext cx="6515735" cy="521970"/>
+          </a:xfrm>
+          <a:prstGeom prst="rect">
+            <a:avLst/>
+          </a:prstGeom>
+          <a:noFill/>
+          <a:ln>
+            <a:noFill/>
+          </a:ln>
+          <a:effectLst/>
+          <a:extLst>
+            <a:ext uri="{909E8E84-426E-40DD-AFC4-6F175D3DCCD1}">
+              <a14:hiddenFill xmlns:a14="http://schemas.microsoft.com/office/drawing/2010/main">
+                <a:solidFill>
+                  <a:schemeClr val="accent1"/>
+                </a:solidFill>
+              </a14:hiddenFill>
+            </a:ext>
+            <a:ext uri="{91240B29-F687-4F45-9708-019B960494DF}">
+              <a14:hiddenLine xmlns:a14="http://schemas.microsoft.com/office/drawing/2010/main" w="9525">
+                <a:solidFill>
+                  <a:schemeClr val="tx1"/>
+                </a:solidFill>
+                <a:miter lim="800000"/>
+                <a:headEnd/>
+                <a:tailEnd/>
+              </a14:hiddenLine>
+            </a:ext>
+            <a:ext uri="{AF507438-7753-43E0-B8FC-AC1667EBCBE1}">
+              <a14:hiddenEffects xmlns:a14="http://schemas.microsoft.com/office/drawing/2010/main">
+                <a:effectLst>
+                  <a:outerShdw dist="35921" dir="2700000" algn="ctr" rotWithShape="0">
+                    <a:schemeClr val="bg2"/>
+                  </a:outerShdw>
+                </a:effectLst>
+              </a14:hiddenEffects>
+            </a:ext>
+          </a:extLst>
+        </p:spPr>
+        <p:txBody>
+          <a:bodyPr wrap="square">
+            <a:spAutoFit/>
+          </a:bodyPr>
+          <a:lstStyle/>
+          <a:p>
+            <a:pPr marL="0" marR="0" lvl="0" indent="0" algn="l" defTabSz="914400" rtl="0" eaLnBrk="0" fontAlgn="auto" latinLnBrk="0" hangingPunct="0">
+              <a:lnSpc>
+                <a:spcPct val="100000"/>
+              </a:lnSpc>
+              <a:spcBef>
+                <a:spcPts val="0"/>
+              </a:spcBef>
+              <a:spcAft>
+                <a:spcPts val="0"/>
+              </a:spcAft>
+              <a:buClrTx/>
+              <a:buSzTx/>
+              <a:buFontTx/>
+              <a:buNone/>
+              <a:defRPr/>
+            </a:pPr>
+            <a:r>
+              <a:rPr kumimoji="0" lang="en-US" altLang="zh-CN" sz="2800" b="1" i="0" u="none" strike="noStrike" kern="1200" cap="none" spc="0" normalizeH="0" baseline="0" noProof="0" dirty="0">
+                <a:ln>
+                  <a:noFill/>
+                </a:ln>
+                <a:solidFill>
+                  <a:schemeClr val="tx1">
+                    <a:lumMod val="85000"/>
+                    <a:lumOff val="15000"/>
+                  </a:schemeClr>
+                </a:solidFill>
+                <a:effectLst/>
+                <a:uLnTx/>
+                <a:uFillTx/>
+                <a:latin typeface="Microsoft YaHei" panose="020B0503020204020204" pitchFamily="34" charset="-122"/>
+                <a:ea typeface="Microsoft YaHei" panose="020B0503020204020204" pitchFamily="34" charset="-122"/>
+                <a:cs typeface="+mn-cs"/>
+                <a:sym typeface="+mn-ea"/>
+              </a:rPr>
+              <a:t>Merge Sort</a:t>
+            </a:r>
+          </a:p>
+        </p:txBody>
+      </p:sp>
+      <p:sp>
+        <p:nvSpPr>
+          <p:cNvPr id="3" name="Content Placeholder 2"/>
+          <p:cNvSpPr>
+            <a:spLocks noGrp="1"/>
+          </p:cNvSpPr>
+          <p:nvPr>
+            <p:ph idx="1"/>
+          </p:nvPr>
+        </p:nvSpPr>
+        <p:spPr/>
+        <p:txBody>
+          <a:bodyPr/>
+          <a:lstStyle/>
+          <a:p>
+            <a:endParaRPr lang="en-US" dirty="0"/>
+          </a:p>
+        </p:txBody>
+      </p:sp>
+    </p:spTree>
+  </p:cSld>
+  <p:clrMapOvr>
+    <a:masterClrMapping/>
+  </p:clrMapOvr>
+  <p:transition spd="slow">
+    <p:wipe/>
+  </p:transition>
+</p:sld>
+</file>
+
+<file path=ppt/slides/slide15.xml><?xml version="1.0" encoding="utf-8"?>
+<p:sld xmlns:a="http://schemas.openxmlformats.org/drawingml/2006/main" xmlns:r="http://schemas.openxmlformats.org/officeDocument/2006/relationships" xmlns:p="http://schemas.openxmlformats.org/presentationml/2006/main">
+  <p:cSld>
+    <p:spTree>
+      <p:nvGrpSpPr>
+        <p:cNvPr id="1" name=""/>
+        <p:cNvGrpSpPr/>
+        <p:nvPr/>
+      </p:nvGrpSpPr>
+      <p:grpSpPr>
+        <a:xfrm>
+          <a:off x="0" y="0"/>
+          <a:ext cx="0" cy="0"/>
+          <a:chOff x="0" y="0"/>
+          <a:chExt cx="0" cy="0"/>
+        </a:xfrm>
+      </p:grpSpPr>
+      <p:sp>
+        <p:nvSpPr>
+          <p:cNvPr id="15" name="任意多边形 14"/>
+          <p:cNvSpPr/>
+          <p:nvPr/>
+        </p:nvSpPr>
+        <p:spPr>
+          <a:xfrm>
+            <a:off x="0" y="274638"/>
+            <a:ext cx="890588" cy="639763"/>
+          </a:xfrm>
+          <a:custGeom>
+            <a:avLst/>
+            <a:gdLst>
+              <a:gd name="connsiteX0" fmla="*/ 0 w 1029743"/>
+              <a:gd name="connsiteY0" fmla="*/ 0 h 739718"/>
+              <a:gd name="connsiteX1" fmla="*/ 659884 w 1029743"/>
+              <a:gd name="connsiteY1" fmla="*/ 0 h 739718"/>
+              <a:gd name="connsiteX2" fmla="*/ 1029743 w 1029743"/>
+              <a:gd name="connsiteY2" fmla="*/ 369859 h 739718"/>
+              <a:gd name="connsiteX3" fmla="*/ 659884 w 1029743"/>
+              <a:gd name="connsiteY3" fmla="*/ 739718 h 739718"/>
+              <a:gd name="connsiteX4" fmla="*/ 0 w 1029743"/>
+              <a:gd name="connsiteY4" fmla="*/ 739718 h 739718"/>
+            </a:gdLst>
+            <a:ahLst/>
+            <a:cxnLst>
+              <a:cxn ang="0">
+                <a:pos x="connsiteX0" y="connsiteY0"/>
+              </a:cxn>
+              <a:cxn ang="0">
+                <a:pos x="connsiteX1" y="connsiteY1"/>
+              </a:cxn>
+              <a:cxn ang="0">
+                <a:pos x="connsiteX2" y="connsiteY2"/>
+              </a:cxn>
+              <a:cxn ang="0">
+                <a:pos x="connsiteX3" y="connsiteY3"/>
+              </a:cxn>
+              <a:cxn ang="0">
+                <a:pos x="connsiteX4" y="connsiteY4"/>
+              </a:cxn>
+            </a:cxnLst>
+            <a:rect l="l" t="t" r="r" b="b"/>
+            <a:pathLst>
+              <a:path w="1029743" h="739718">
+                <a:moveTo>
+                  <a:pt x="0" y="0"/>
+                </a:moveTo>
+                <a:lnTo>
+                  <a:pt x="659884" y="0"/>
+                </a:lnTo>
+                <a:cubicBezTo>
+                  <a:pt x="864151" y="0"/>
+                  <a:pt x="1029743" y="165592"/>
+                  <a:pt x="1029743" y="369859"/>
+                </a:cubicBezTo>
+                <a:cubicBezTo>
+                  <a:pt x="1029743" y="574126"/>
+                  <a:pt x="864151" y="739718"/>
+                  <a:pt x="659884" y="739718"/>
+                </a:cubicBezTo>
+                <a:lnTo>
+                  <a:pt x="0" y="739718"/>
+                </a:lnTo>
+                <a:close/>
+              </a:path>
+            </a:pathLst>
+          </a:custGeom>
+          <a:solidFill>
+            <a:srgbClr val="05B780"/>
+          </a:solidFill>
+          <a:ln>
+            <a:noFill/>
+          </a:ln>
+        </p:spPr>
+        <p:style>
+          <a:lnRef idx="2">
+            <a:schemeClr val="accent1">
+              <a:shade val="50000"/>
+            </a:schemeClr>
+          </a:lnRef>
+          <a:fillRef idx="1">
+            <a:schemeClr val="accent1"/>
+          </a:fillRef>
+          <a:effectRef idx="0">
+            <a:schemeClr val="accent1"/>
+          </a:effectRef>
+          <a:fontRef idx="minor">
+            <a:schemeClr val="lt1"/>
+          </a:fontRef>
+        </p:style>
+        <p:txBody>
+          <a:bodyPr anchor="ctr"/>
+          <a:lstStyle/>
+          <a:p>
+            <a:pPr marL="0" marR="0" lvl="0" indent="0" algn="ctr" defTabSz="914400" rtl="0" eaLnBrk="1" fontAlgn="auto" latinLnBrk="0" hangingPunct="1">
+              <a:lnSpc>
+                <a:spcPct val="100000"/>
+              </a:lnSpc>
+              <a:spcBef>
+                <a:spcPts val="0"/>
+              </a:spcBef>
+              <a:spcAft>
+                <a:spcPts val="0"/>
+              </a:spcAft>
+              <a:buClrTx/>
+              <a:buSzTx/>
+              <a:buFontTx/>
+              <a:buNone/>
+              <a:defRPr/>
+            </a:pPr>
+            <a:endParaRPr kumimoji="0" lang="zh-CN" altLang="en-US" sz="1800" b="0" i="0" u="none" strike="noStrike" kern="1200" cap="none" spc="0" normalizeH="0" baseline="0" noProof="0">
+              <a:ln>
+                <a:noFill/>
+              </a:ln>
+              <a:solidFill>
+                <a:schemeClr val="bg1"/>
+              </a:solidFill>
+              <a:effectLst/>
+              <a:uLnTx/>
+              <a:uFillTx/>
+              <a:latin typeface="+mn-lt"/>
+              <a:ea typeface="+mn-ea"/>
+              <a:cs typeface="+mn-cs"/>
+            </a:endParaRPr>
+          </a:p>
+        </p:txBody>
+      </p:sp>
+      <p:sp>
+        <p:nvSpPr>
+          <p:cNvPr id="7170" name="文本框 156"/>
+          <p:cNvSpPr txBox="1"/>
+          <p:nvPr/>
+        </p:nvSpPr>
+        <p:spPr>
+          <a:xfrm>
+            <a:off x="0" y="350838"/>
+            <a:ext cx="814388" cy="521970"/>
+          </a:xfrm>
+          <a:prstGeom prst="rect">
+            <a:avLst/>
+          </a:prstGeom>
+          <a:noFill/>
+          <a:ln w="9525">
+            <a:noFill/>
+          </a:ln>
+        </p:spPr>
+        <p:txBody>
+          <a:bodyPr anchor="t" anchorCtr="0">
+            <a:spAutoFit/>
+          </a:bodyPr>
+          <a:lstStyle/>
+          <a:p>
+            <a:pPr>
+              <a:buFont typeface="Arial" panose="020B0604020202020204" pitchFamily="34" charset="0"/>
+            </a:pPr>
+            <a:r>
+              <a:rPr lang="en-US" altLang="zh-CN" sz="2800" b="1" dirty="0">
+                <a:solidFill>
+                  <a:schemeClr val="bg1"/>
+                </a:solidFill>
+                <a:latin typeface="Microsoft YaHei" panose="020B0503020204020204" pitchFamily="34" charset="-122"/>
+                <a:ea typeface="Microsoft YaHei" panose="020B0503020204020204" pitchFamily="34" charset="-122"/>
+              </a:rPr>
+              <a:t>4.4</a:t>
+            </a:r>
+          </a:p>
+        </p:txBody>
+      </p:sp>
+      <p:sp>
+        <p:nvSpPr>
+          <p:cNvPr id="16" name="Rectangle 6"/>
+          <p:cNvSpPr>
+            <a:spLocks noChangeArrowheads="1"/>
+          </p:cNvSpPr>
+          <p:nvPr/>
+        </p:nvSpPr>
+        <p:spPr bwMode="black">
+          <a:xfrm>
+            <a:off x="1021080" y="334010"/>
+            <a:ext cx="8777605" cy="1384995"/>
+          </a:xfrm>
+          <a:prstGeom prst="rect">
+            <a:avLst/>
+          </a:prstGeom>
+          <a:noFill/>
+          <a:ln>
+            <a:noFill/>
+          </a:ln>
+          <a:effectLst/>
+          <a:extLst>
+            <a:ext uri="{909E8E84-426E-40DD-AFC4-6F175D3DCCD1}">
+              <a14:hiddenFill xmlns:a14="http://schemas.microsoft.com/office/drawing/2010/main">
+                <a:solidFill>
+                  <a:schemeClr val="accent1"/>
+                </a:solidFill>
+              </a14:hiddenFill>
+            </a:ext>
+            <a:ext uri="{91240B29-F687-4F45-9708-019B960494DF}">
+              <a14:hiddenLine xmlns:a14="http://schemas.microsoft.com/office/drawing/2010/main" w="9525">
+                <a:solidFill>
+                  <a:schemeClr val="tx1"/>
+                </a:solidFill>
+                <a:miter lim="800000"/>
+                <a:headEnd/>
+                <a:tailEnd/>
+              </a14:hiddenLine>
+            </a:ext>
+            <a:ext uri="{AF507438-7753-43E0-B8FC-AC1667EBCBE1}">
+              <a14:hiddenEffects xmlns:a14="http://schemas.microsoft.com/office/drawing/2010/main">
+                <a:effectLst>
+                  <a:outerShdw dist="35921" dir="2700000" algn="ctr" rotWithShape="0">
+                    <a:schemeClr val="bg2"/>
+                  </a:outerShdw>
+                </a:effectLst>
+              </a14:hiddenEffects>
+            </a:ext>
+          </a:extLst>
+        </p:spPr>
+        <p:txBody>
+          <a:bodyPr wrap="square">
+            <a:spAutoFit/>
+          </a:bodyPr>
+          <a:lstStyle/>
+          <a:p>
+            <a:pPr eaLnBrk="0" fontAlgn="auto" hangingPunct="0">
+              <a:spcBef>
+                <a:spcPts val="0"/>
+              </a:spcBef>
+              <a:spcAft>
+                <a:spcPts val="0"/>
+              </a:spcAft>
+              <a:defRPr/>
+            </a:pPr>
+            <a:r>
+              <a:rPr kumimoji="0" lang="en-US" altLang="zh-CN" sz="2800" b="1" i="0" u="none" strike="noStrike" kern="1200" cap="none" spc="0" normalizeH="0" baseline="0" noProof="0" dirty="0">
+                <a:ln>
+                  <a:noFill/>
+                </a:ln>
+                <a:solidFill>
+                  <a:schemeClr val="tx1">
+                    <a:lumMod val="85000"/>
+                    <a:lumOff val="15000"/>
+                  </a:schemeClr>
+                </a:solidFill>
+                <a:effectLst/>
+                <a:uLnTx/>
+                <a:uFillTx/>
+                <a:latin typeface="Microsoft YaHei" panose="020B0503020204020204" pitchFamily="34" charset="-122"/>
+                <a:ea typeface="Microsoft YaHei" panose="020B0503020204020204" pitchFamily="34" charset="-122"/>
+                <a:cs typeface="+mn-cs"/>
+                <a:sym typeface="+mn-ea"/>
+              </a:rPr>
+              <a:t>Homework</a:t>
+            </a:r>
+          </a:p>
+          <a:p>
+            <a:pPr eaLnBrk="0" fontAlgn="auto" hangingPunct="0">
+              <a:spcBef>
+                <a:spcPts val="0"/>
+              </a:spcBef>
+              <a:spcAft>
+                <a:spcPts val="0"/>
+              </a:spcAft>
+              <a:defRPr/>
+            </a:pPr>
+            <a:r>
+              <a:rPr kumimoji="0" lang="en-US" altLang="zh-CN" sz="2800" b="1" i="0" u="none" strike="noStrike" kern="1200" cap="none" spc="0" normalizeH="0" baseline="0" noProof="0" dirty="0">
+                <a:ln>
+                  <a:noFill/>
+                </a:ln>
+                <a:solidFill>
+                  <a:schemeClr val="tx1">
+                    <a:lumMod val="85000"/>
+                    <a:lumOff val="15000"/>
+                  </a:schemeClr>
+                </a:solidFill>
+                <a:effectLst/>
+                <a:uLnTx/>
+                <a:uFillTx/>
+                <a:latin typeface="Microsoft YaHei" panose="020B0503020204020204" pitchFamily="34" charset="-122"/>
+                <a:ea typeface="Microsoft YaHei" panose="020B0503020204020204" pitchFamily="34" charset="-122"/>
+                <a:cs typeface="+mn-cs"/>
+                <a:sym typeface="+mn-ea"/>
+              </a:rPr>
+              <a:t>Best Time to Buy/Sell Stocks</a:t>
+            </a:r>
+          </a:p>
+          <a:p>
+            <a:pPr marL="0" marR="0" lvl="0" indent="0" algn="l" defTabSz="914400" rtl="0" eaLnBrk="0" fontAlgn="auto" latinLnBrk="0" hangingPunct="0">
+              <a:lnSpc>
+                <a:spcPct val="100000"/>
+              </a:lnSpc>
+              <a:spcBef>
+                <a:spcPts val="0"/>
+              </a:spcBef>
+              <a:spcAft>
+                <a:spcPts val="0"/>
+              </a:spcAft>
+              <a:buClrTx/>
+              <a:buSzTx/>
+              <a:buFontTx/>
+              <a:buNone/>
+              <a:defRPr/>
+            </a:pPr>
+            <a:endParaRPr kumimoji="0" lang="en-US" altLang="zh-CN" sz="2800" b="1" i="0" u="none" strike="noStrike" kern="1200" cap="none" spc="0" normalizeH="0" baseline="0" noProof="0" dirty="0">
+              <a:ln>
+                <a:noFill/>
+              </a:ln>
+              <a:solidFill>
+                <a:schemeClr val="tx1">
+                  <a:lumMod val="85000"/>
+                  <a:lumOff val="15000"/>
+                </a:schemeClr>
+              </a:solidFill>
+              <a:effectLst/>
+              <a:uLnTx/>
+              <a:uFillTx/>
+              <a:latin typeface="Microsoft YaHei" panose="020B0503020204020204" pitchFamily="34" charset="-122"/>
+              <a:ea typeface="Microsoft YaHei" panose="020B0503020204020204" pitchFamily="34" charset="-122"/>
+              <a:cs typeface="+mn-cs"/>
+              <a:sym typeface="+mn-ea"/>
+            </a:endParaRPr>
+          </a:p>
+        </p:txBody>
+      </p:sp>
+      <p:sp>
+        <p:nvSpPr>
+          <p:cNvPr id="3" name="Content Placeholder 2"/>
+          <p:cNvSpPr>
+            <a:spLocks noGrp="1"/>
+          </p:cNvSpPr>
+          <p:nvPr>
+            <p:ph idx="1"/>
+          </p:nvPr>
+        </p:nvSpPr>
+        <p:spPr>
+          <a:xfrm>
+            <a:off x="890588" y="1494359"/>
+            <a:ext cx="10515600" cy="4351338"/>
+          </a:xfrm>
+        </p:spPr>
+        <p:txBody>
+          <a:bodyPr/>
+          <a:lstStyle/>
+          <a:p>
+            <a:endParaRPr lang="en-US" sz="1710" dirty="0"/>
+          </a:p>
+        </p:txBody>
+      </p:sp>
+    </p:spTree>
+  </p:cSld>
+  <p:clrMapOvr>
+    <a:masterClrMapping/>
+  </p:clrMapOvr>
+  <p:transition spd="slow">
+    <p:wipe/>
+  </p:transition>
+</p:sld>
+</file>
+
+<file path=ppt/slides/slide16.xml><?xml version="1.0" encoding="utf-8"?>
+<p:sld xmlns:a="http://schemas.openxmlformats.org/drawingml/2006/main" xmlns:r="http://schemas.openxmlformats.org/officeDocument/2006/relationships" xmlns:p="http://schemas.openxmlformats.org/presentationml/2006/main">
+  <p:cSld>
+    <p:spTree>
+      <p:nvGrpSpPr>
+        <p:cNvPr id="1" name=""/>
+        <p:cNvGrpSpPr/>
+        <p:nvPr/>
+      </p:nvGrpSpPr>
+      <p:grpSpPr>
+        <a:xfrm>
+          <a:off x="0" y="0"/>
+          <a:ext cx="0" cy="0"/>
+          <a:chOff x="0" y="0"/>
+          <a:chExt cx="0" cy="0"/>
+        </a:xfrm>
+      </p:grpSpPr>
+      <p:sp>
+        <p:nvSpPr>
+          <p:cNvPr id="27" name="任意多边形 26"/>
+          <p:cNvSpPr/>
+          <p:nvPr/>
+        </p:nvSpPr>
+        <p:spPr>
+          <a:xfrm rot="1105229">
+            <a:off x="879475" y="-420687"/>
+            <a:ext cx="10955338" cy="8162925"/>
+          </a:xfrm>
+          <a:custGeom>
+            <a:avLst/>
+            <a:gdLst>
+              <a:gd name="connsiteX0" fmla="*/ 592396 w 10955364"/>
+              <a:gd name="connsiteY0" fmla="*/ 1850814 h 8163749"/>
+              <a:gd name="connsiteX1" fmla="*/ 1543995 w 10955364"/>
+              <a:gd name="connsiteY1" fmla="*/ 1533881 h 8163749"/>
+              <a:gd name="connsiteX2" fmla="*/ 6955594 w 10955364"/>
+              <a:gd name="connsiteY2" fmla="*/ 1533882 h 8163749"/>
+              <a:gd name="connsiteX3" fmla="*/ 5829846 w 10955364"/>
+              <a:gd name="connsiteY3" fmla="*/ 106467 h 8163749"/>
+              <a:gd name="connsiteX4" fmla="*/ 6149516 w 10955364"/>
+              <a:gd name="connsiteY4" fmla="*/ 0 h 8163749"/>
+              <a:gd name="connsiteX5" fmla="*/ 9448032 w 10955364"/>
+              <a:gd name="connsiteY5" fmla="*/ 4182420 h 8163749"/>
+              <a:gd name="connsiteX6" fmla="*/ 10818039 w 10955364"/>
+              <a:gd name="connsiteY6" fmla="*/ 1649166 h 8163749"/>
+              <a:gd name="connsiteX7" fmla="*/ 10955364 w 10955364"/>
+              <a:gd name="connsiteY7" fmla="*/ 2061488 h 8163749"/>
+              <a:gd name="connsiteX8" fmla="*/ 8602988 w 10955364"/>
+              <a:gd name="connsiteY8" fmla="*/ 6411222 h 8163749"/>
+              <a:gd name="connsiteX9" fmla="*/ 8163520 w 10955364"/>
+              <a:gd name="connsiteY9" fmla="*/ 6557588 h 8163749"/>
+              <a:gd name="connsiteX10" fmla="*/ 9283839 w 10955364"/>
+              <a:gd name="connsiteY10" fmla="*/ 4486027 h 8163749"/>
+              <a:gd name="connsiteX11" fmla="*/ 7205549 w 10955364"/>
+              <a:gd name="connsiteY11" fmla="*/ 1850816 h 8163749"/>
+              <a:gd name="connsiteX12" fmla="*/ 3551417 w 10955364"/>
+              <a:gd name="connsiteY12" fmla="*/ 1850816 h 8163749"/>
+              <a:gd name="connsiteX13" fmla="*/ 1816446 w 10955364"/>
+              <a:gd name="connsiteY13" fmla="*/ 5058920 h 8163749"/>
+              <a:gd name="connsiteX14" fmla="*/ 4088911 w 10955364"/>
+              <a:gd name="connsiteY14" fmla="*/ 7914648 h 8163749"/>
+              <a:gd name="connsiteX15" fmla="*/ 3768735 w 10955364"/>
+              <a:gd name="connsiteY15" fmla="*/ 8021284 h 8163749"/>
+              <a:gd name="connsiteX16" fmla="*/ 1652559 w 10955364"/>
+              <a:gd name="connsiteY16" fmla="*/ 5361960 h 8163749"/>
+              <a:gd name="connsiteX17" fmla="*/ 137325 w 10955364"/>
+              <a:gd name="connsiteY17" fmla="*/ 8163749 h 8163749"/>
+              <a:gd name="connsiteX18" fmla="*/ 0 w 10955364"/>
+              <a:gd name="connsiteY18" fmla="*/ 7751427 h 8163749"/>
+              <a:gd name="connsiteX19" fmla="*/ 3191107 w 10955364"/>
+              <a:gd name="connsiteY19" fmla="*/ 1850815 h 8163749"/>
+            </a:gdLst>
+            <a:ahLst/>
+            <a:cxnLst>
+              <a:cxn ang="0">
+                <a:pos x="connsiteX0" y="connsiteY0"/>
+              </a:cxn>
+              <a:cxn ang="0">
+                <a:pos x="connsiteX1" y="connsiteY1"/>
+              </a:cxn>
+              <a:cxn ang="0">
+                <a:pos x="connsiteX2" y="connsiteY2"/>
+              </a:cxn>
+              <a:cxn ang="0">
+                <a:pos x="connsiteX3" y="connsiteY3"/>
+              </a:cxn>
+              <a:cxn ang="0">
+                <a:pos x="connsiteX4" y="connsiteY4"/>
+              </a:cxn>
+              <a:cxn ang="0">
+                <a:pos x="connsiteX5" y="connsiteY5"/>
+              </a:cxn>
+              <a:cxn ang="0">
+                <a:pos x="connsiteX6" y="connsiteY6"/>
+              </a:cxn>
+              <a:cxn ang="0">
+                <a:pos x="connsiteX7" y="connsiteY7"/>
+              </a:cxn>
+              <a:cxn ang="0">
+                <a:pos x="connsiteX8" y="connsiteY8"/>
+              </a:cxn>
+              <a:cxn ang="0">
+                <a:pos x="connsiteX9" y="connsiteY9"/>
+              </a:cxn>
+              <a:cxn ang="0">
+                <a:pos x="connsiteX10" y="connsiteY10"/>
+              </a:cxn>
+              <a:cxn ang="0">
+                <a:pos x="connsiteX11" y="connsiteY11"/>
+              </a:cxn>
+              <a:cxn ang="0">
+                <a:pos x="connsiteX12" y="connsiteY12"/>
+              </a:cxn>
+              <a:cxn ang="0">
+                <a:pos x="connsiteX13" y="connsiteY13"/>
+              </a:cxn>
+              <a:cxn ang="0">
+                <a:pos x="connsiteX14" y="connsiteY14"/>
+              </a:cxn>
+              <a:cxn ang="0">
+                <a:pos x="connsiteX15" y="connsiteY15"/>
+              </a:cxn>
+              <a:cxn ang="0">
+                <a:pos x="connsiteX16" y="connsiteY16"/>
+              </a:cxn>
+              <a:cxn ang="0">
+                <a:pos x="connsiteX17" y="connsiteY17"/>
+              </a:cxn>
+              <a:cxn ang="0">
+                <a:pos x="connsiteX18" y="connsiteY18"/>
+              </a:cxn>
+              <a:cxn ang="0">
+                <a:pos x="connsiteX19" y="connsiteY19"/>
+              </a:cxn>
+            </a:cxnLst>
+            <a:rect l="l" t="t" r="r" b="b"/>
+            <a:pathLst>
+              <a:path w="10955364" h="8163749">
+                <a:moveTo>
+                  <a:pt x="592396" y="1850814"/>
+                </a:moveTo>
+                <a:lnTo>
+                  <a:pt x="1543995" y="1533881"/>
+                </a:lnTo>
+                <a:lnTo>
+                  <a:pt x="6955594" y="1533882"/>
+                </a:lnTo>
+                <a:lnTo>
+                  <a:pt x="5829846" y="106467"/>
+                </a:lnTo>
+                <a:lnTo>
+                  <a:pt x="6149516" y="0"/>
+                </a:lnTo>
+                <a:lnTo>
+                  <a:pt x="9448032" y="4182420"/>
+                </a:lnTo>
+                <a:lnTo>
+                  <a:pt x="10818039" y="1649166"/>
+                </a:lnTo>
+                <a:lnTo>
+                  <a:pt x="10955364" y="2061488"/>
+                </a:lnTo>
+                <a:lnTo>
+                  <a:pt x="8602988" y="6411222"/>
+                </a:lnTo>
+                <a:lnTo>
+                  <a:pt x="8163520" y="6557588"/>
+                </a:lnTo>
+                <a:lnTo>
+                  <a:pt x="9283839" y="4486027"/>
+                </a:lnTo>
+                <a:lnTo>
+                  <a:pt x="7205549" y="1850816"/>
+                </a:lnTo>
+                <a:lnTo>
+                  <a:pt x="3551417" y="1850816"/>
+                </a:lnTo>
+                <a:lnTo>
+                  <a:pt x="1816446" y="5058920"/>
+                </a:lnTo>
+                <a:lnTo>
+                  <a:pt x="4088911" y="7914648"/>
+                </a:lnTo>
+                <a:lnTo>
+                  <a:pt x="3768735" y="8021284"/>
+                </a:lnTo>
+                <a:lnTo>
+                  <a:pt x="1652559" y="5361960"/>
+                </a:lnTo>
+                <a:lnTo>
+                  <a:pt x="137325" y="8163749"/>
+                </a:lnTo>
+                <a:lnTo>
+                  <a:pt x="0" y="7751427"/>
+                </a:lnTo>
+                <a:lnTo>
+                  <a:pt x="3191107" y="1850815"/>
+                </a:lnTo>
+                <a:close/>
+              </a:path>
+            </a:pathLst>
+          </a:custGeom>
+          <a:solidFill>
+            <a:srgbClr val="05B780"/>
+          </a:solidFill>
+          <a:ln>
+            <a:noFill/>
+          </a:ln>
+        </p:spPr>
+        <p:style>
+          <a:lnRef idx="2">
+            <a:schemeClr val="accent1">
+              <a:shade val="50000"/>
+            </a:schemeClr>
+          </a:lnRef>
+          <a:fillRef idx="1">
+            <a:schemeClr val="accent1"/>
+          </a:fillRef>
+          <a:effectRef idx="0">
+            <a:schemeClr val="accent1"/>
+          </a:effectRef>
+          <a:fontRef idx="minor">
+            <a:schemeClr val="lt1"/>
+          </a:fontRef>
+        </p:style>
+        <p:txBody>
+          <a:bodyPr anchor="ctr"/>
+          <a:lstStyle/>
+          <a:p>
+            <a:pPr marL="0" marR="0" lvl="0" indent="0" algn="ctr" defTabSz="914400" rtl="0" eaLnBrk="1" fontAlgn="auto" latinLnBrk="0" hangingPunct="1">
+              <a:lnSpc>
+                <a:spcPct val="100000"/>
+              </a:lnSpc>
+              <a:spcBef>
+                <a:spcPts val="0"/>
+              </a:spcBef>
+              <a:spcAft>
+                <a:spcPts val="0"/>
+              </a:spcAft>
+              <a:buClrTx/>
+              <a:buSzTx/>
+              <a:buFontTx/>
+              <a:buNone/>
+              <a:defRPr/>
+            </a:pPr>
+            <a:endParaRPr kumimoji="0" lang="zh-CN" altLang="en-US" sz="1800" b="0" i="0" u="none" strike="noStrike" kern="1200" cap="none" spc="0" normalizeH="0" baseline="0" noProof="0">
+              <a:ln>
+                <a:noFill/>
+              </a:ln>
+              <a:solidFill>
                 <a:schemeClr val="lt1"/>
               </a:solidFill>
               <a:effectLst/>
@@ -6094,14 +7237,1073 @@
       </p:sp>
       <p:sp>
         <p:nvSpPr>
-          <p:cNvPr id="6146" name="文本框 101"/>
+          <p:cNvPr id="33794" name="Freeform 21"/>
+          <p:cNvSpPr/>
+          <p:nvPr/>
+        </p:nvSpPr>
+        <p:spPr>
+          <a:xfrm>
+            <a:off x="5489575" y="2338388"/>
+            <a:ext cx="1212850" cy="844550"/>
+          </a:xfrm>
+          <a:custGeom>
+            <a:avLst/>
+            <a:gdLst/>
+            <a:ahLst/>
+            <a:cxnLst>
+              <a:cxn ang="0">
+                <a:pos x="1100886755" y="0"/>
+              </a:cxn>
+              <a:cxn ang="0">
+                <a:pos x="901305125" y="0"/>
+              </a:cxn>
+              <a:cxn ang="0">
+                <a:pos x="748202390" y="0"/>
+              </a:cxn>
+              <a:cxn ang="0">
+                <a:pos x="648867110" y="132852886"/>
+              </a:cxn>
+              <a:cxn ang="0">
+                <a:pos x="561379560" y="307852838"/>
+              </a:cxn>
+              <a:cxn ang="0">
+                <a:pos x="476625220" y="476439190"/>
+              </a:cxn>
+              <a:cxn ang="0">
+                <a:pos x="402807540" y="624868373"/>
+              </a:cxn>
+              <a:cxn ang="0">
+                <a:pos x="349039130" y="518586256"/>
+              </a:cxn>
+              <a:cxn ang="0">
+                <a:pos x="241502310" y="302355603"/>
+              </a:cxn>
+              <a:cxn ang="0">
+                <a:pos x="155837855" y="131937478"/>
+              </a:cxn>
+              <a:cxn ang="0">
+                <a:pos x="145813220" y="110863944"/>
+              </a:cxn>
+              <a:cxn ang="0">
+                <a:pos x="311674755" y="110863944"/>
+              </a:cxn>
+              <a:cxn ang="0">
+                <a:pos x="375467800" y="110863944"/>
+              </a:cxn>
+              <a:cxn ang="0">
+                <a:pos x="424679905" y="208900687"/>
+              </a:cxn>
+              <a:cxn ang="0">
+                <a:pos x="501231750" y="362827106"/>
+              </a:cxn>
+              <a:cxn ang="0">
+                <a:pos x="556822300" y="253795893"/>
+              </a:cxn>
+              <a:cxn ang="0">
+                <a:pos x="559556465" y="232722360"/>
+              </a:cxn>
+              <a:cxn ang="0">
+                <a:pos x="485738785" y="86125907"/>
+              </a:cxn>
+              <a:cxn ang="0">
+                <a:pos x="395517070" y="0"/>
+              </a:cxn>
+              <a:cxn ang="0">
+                <a:pos x="114827290" y="0"/>
+              </a:cxn>
+              <a:cxn ang="0">
+                <a:pos x="40098540" y="2749096"/>
+              </a:cxn>
+              <a:cxn ang="0">
+                <a:pos x="7290470" y="80628671"/>
+              </a:cxn>
+              <a:cxn ang="0">
+                <a:pos x="54679480" y="174999952"/>
+              </a:cxn>
+              <a:cxn ang="0">
+                <a:pos x="154925830" y="375654308"/>
+              </a:cxn>
+              <a:cxn ang="0">
+                <a:pos x="264285745" y="594633100"/>
+              </a:cxn>
+              <a:cxn ang="0">
+                <a:pos x="339926520" y="745811381"/>
+              </a:cxn>
+              <a:cxn ang="0">
+                <a:pos x="370000425" y="793454725"/>
+              </a:cxn>
+              <a:cxn ang="0">
+                <a:pos x="453842740" y="768716687"/>
+              </a:cxn>
+              <a:cxn ang="0">
+                <a:pos x="516723760" y="642277402"/>
+              </a:cxn>
+              <a:cxn ang="0">
+                <a:pos x="578694665" y="518586256"/>
+              </a:cxn>
+              <a:cxn ang="0">
+                <a:pos x="668916380" y="338089069"/>
+              </a:cxn>
+              <a:cxn ang="0">
+                <a:pos x="716305390" y="242800465"/>
+              </a:cxn>
+              <a:cxn ang="0">
+                <a:pos x="781921530" y="110863944"/>
+              </a:cxn>
+              <a:cxn ang="0">
+                <a:pos x="920443325" y="110863944"/>
+              </a:cxn>
+              <a:cxn ang="0">
+                <a:pos x="1010665040" y="110863944"/>
+              </a:cxn>
+              <a:cxn ang="0">
+                <a:pos x="986970535" y="162172751"/>
+              </a:cxn>
+              <a:cxn ang="0">
+                <a:pos x="888547280" y="359161644"/>
+              </a:cxn>
+              <a:cxn ang="0">
+                <a:pos x="786477835" y="561648731"/>
+              </a:cxn>
+              <a:cxn ang="0">
+                <a:pos x="755492860" y="623952008"/>
+              </a:cxn>
+              <a:cxn ang="0">
+                <a:pos x="668005310" y="450784787"/>
+              </a:cxn>
+              <a:cxn ang="0">
+                <a:pos x="597832865" y="543324294"/>
+              </a:cxn>
+              <a:cxn ang="0">
+                <a:pos x="634286170" y="629450201"/>
+              </a:cxn>
+              <a:cxn ang="0">
+                <a:pos x="708103850" y="776963019"/>
+              </a:cxn>
+              <a:cxn ang="0">
+                <a:pos x="808350200" y="764135817"/>
+              </a:cxn>
+              <a:cxn ang="0">
+                <a:pos x="873054315" y="636780167"/>
+              </a:cxn>
+              <a:cxn ang="0">
+                <a:pos x="985148395" y="411386816"/>
+              </a:cxn>
+              <a:cxn ang="0">
+                <a:pos x="1094507355" y="191491658"/>
+              </a:cxn>
+              <a:cxn ang="0">
+                <a:pos x="1150098860" y="81544079"/>
+              </a:cxn>
+            </a:cxnLst>
+            <a:rect l="0" t="0" r="0" b="0"/>
+            <a:pathLst>
+              <a:path w="1270" h="882">
+                <a:moveTo>
+                  <a:pt x="1268" y="57"/>
+                </a:moveTo>
+                <a:cubicBezTo>
+                  <a:pt x="1268" y="40"/>
+                  <a:pt x="1259" y="24"/>
+                  <a:pt x="1246" y="14"/>
+                </a:cubicBezTo>
+                <a:cubicBezTo>
+                  <a:pt x="1235" y="5"/>
+                  <a:pt x="1222" y="1"/>
+                  <a:pt x="1208" y="0"/>
+                </a:cubicBezTo>
+                <a:cubicBezTo>
+                  <a:pt x="1203" y="0"/>
+                  <a:pt x="1199" y="0"/>
+                  <a:pt x="1194" y="0"/>
+                </a:cubicBezTo>
+                <a:cubicBezTo>
+                  <a:pt x="1165" y="0"/>
+                  <a:pt x="1137" y="0"/>
+                  <a:pt x="1109" y="0"/>
+                </a:cubicBezTo>
+                <a:cubicBezTo>
+                  <a:pt x="1069" y="0"/>
+                  <a:pt x="1029" y="0"/>
+                  <a:pt x="989" y="0"/>
+                </a:cubicBezTo>
+                <a:cubicBezTo>
+                  <a:pt x="952" y="0"/>
+                  <a:pt x="915" y="0"/>
+                  <a:pt x="878" y="0"/>
+                </a:cubicBezTo>
+                <a:cubicBezTo>
+                  <a:pt x="859" y="0"/>
+                  <a:pt x="841" y="0"/>
+                  <a:pt x="822" y="0"/>
+                </a:cubicBezTo>
+                <a:cubicBezTo>
+                  <a:pt x="822" y="0"/>
+                  <a:pt x="822" y="0"/>
+                  <a:pt x="821" y="0"/>
+                </a:cubicBezTo>
+                <a:cubicBezTo>
+                  <a:pt x="798" y="1"/>
+                  <a:pt x="778" y="14"/>
+                  <a:pt x="767" y="35"/>
+                </a:cubicBezTo>
+                <a:cubicBezTo>
+                  <a:pt x="763" y="42"/>
+                  <a:pt x="760" y="49"/>
+                  <a:pt x="756" y="56"/>
+                </a:cubicBezTo>
+                <a:cubicBezTo>
+                  <a:pt x="741" y="86"/>
+                  <a:pt x="726" y="115"/>
+                  <a:pt x="712" y="145"/>
+                </a:cubicBezTo>
+                <a:cubicBezTo>
+                  <a:pt x="699" y="171"/>
+                  <a:pt x="686" y="197"/>
+                  <a:pt x="673" y="223"/>
+                </a:cubicBezTo>
+                <a:cubicBezTo>
+                  <a:pt x="668" y="232"/>
+                  <a:pt x="663" y="242"/>
+                  <a:pt x="658" y="251"/>
+                </a:cubicBezTo>
+                <a:cubicBezTo>
+                  <a:pt x="644" y="279"/>
+                  <a:pt x="630" y="308"/>
+                  <a:pt x="616" y="336"/>
+                </a:cubicBezTo>
+                <a:cubicBezTo>
+                  <a:pt x="601" y="365"/>
+                  <a:pt x="586" y="395"/>
+                  <a:pt x="571" y="424"/>
+                </a:cubicBezTo>
+                <a:cubicBezTo>
+                  <a:pt x="566" y="435"/>
+                  <a:pt x="561" y="445"/>
+                  <a:pt x="556" y="455"/>
+                </a:cubicBezTo>
+                <a:cubicBezTo>
+                  <a:pt x="545" y="477"/>
+                  <a:pt x="534" y="498"/>
+                  <a:pt x="523" y="520"/>
+                </a:cubicBezTo>
+                <a:cubicBezTo>
+                  <a:pt x="507" y="552"/>
+                  <a:pt x="491" y="584"/>
+                  <a:pt x="475" y="616"/>
+                </a:cubicBezTo>
+                <a:cubicBezTo>
+                  <a:pt x="464" y="637"/>
+                  <a:pt x="454" y="658"/>
+                  <a:pt x="443" y="679"/>
+                </a:cubicBezTo>
+                <a:cubicBezTo>
+                  <a:pt x="443" y="680"/>
+                  <a:pt x="442" y="681"/>
+                  <a:pt x="442" y="682"/>
+                </a:cubicBezTo>
+                <a:cubicBezTo>
+                  <a:pt x="439" y="677"/>
+                  <a:pt x="437" y="672"/>
+                  <a:pt x="434" y="667"/>
+                </a:cubicBezTo>
+                <a:cubicBezTo>
+                  <a:pt x="427" y="654"/>
+                  <a:pt x="421" y="640"/>
+                  <a:pt x="414" y="627"/>
+                </a:cubicBezTo>
+                <a:cubicBezTo>
+                  <a:pt x="404" y="606"/>
+                  <a:pt x="394" y="586"/>
+                  <a:pt x="383" y="566"/>
+                </a:cubicBezTo>
+                <a:cubicBezTo>
+                  <a:pt x="371" y="542"/>
+                  <a:pt x="359" y="517"/>
+                  <a:pt x="346" y="492"/>
+                </a:cubicBezTo>
+                <a:cubicBezTo>
+                  <a:pt x="333" y="466"/>
+                  <a:pt x="319" y="439"/>
+                  <a:pt x="306" y="412"/>
+                </a:cubicBezTo>
+                <a:cubicBezTo>
+                  <a:pt x="292" y="385"/>
+                  <a:pt x="279" y="357"/>
+                  <a:pt x="265" y="330"/>
+                </a:cubicBezTo>
+                <a:cubicBezTo>
+                  <a:pt x="252" y="305"/>
+                  <a:pt x="240" y="280"/>
+                  <a:pt x="227" y="254"/>
+                </a:cubicBezTo>
+                <a:cubicBezTo>
+                  <a:pt x="216" y="233"/>
+                  <a:pt x="205" y="211"/>
+                  <a:pt x="195" y="190"/>
+                </a:cubicBezTo>
+                <a:cubicBezTo>
+                  <a:pt x="187" y="175"/>
+                  <a:pt x="179" y="159"/>
+                  <a:pt x="171" y="144"/>
+                </a:cubicBezTo>
+                <a:cubicBezTo>
+                  <a:pt x="169" y="139"/>
+                  <a:pt x="167" y="134"/>
+                  <a:pt x="164" y="130"/>
+                </a:cubicBezTo>
+                <a:cubicBezTo>
+                  <a:pt x="163" y="127"/>
+                  <a:pt x="161" y="124"/>
+                  <a:pt x="160" y="122"/>
+                </a:cubicBezTo>
+                <a:cubicBezTo>
+                  <a:pt x="160" y="122"/>
+                  <a:pt x="160" y="121"/>
+                  <a:pt x="160" y="121"/>
+                </a:cubicBezTo>
+                <a:cubicBezTo>
+                  <a:pt x="170" y="121"/>
+                  <a:pt x="180" y="121"/>
+                  <a:pt x="191" y="121"/>
+                </a:cubicBezTo>
+                <a:cubicBezTo>
+                  <a:pt x="214" y="121"/>
+                  <a:pt x="238" y="121"/>
+                  <a:pt x="261" y="121"/>
+                </a:cubicBezTo>
+                <a:cubicBezTo>
+                  <a:pt x="288" y="121"/>
+                  <a:pt x="315" y="121"/>
+                  <a:pt x="342" y="121"/>
+                </a:cubicBezTo>
+                <a:cubicBezTo>
+                  <a:pt x="361" y="121"/>
+                  <a:pt x="381" y="121"/>
+                  <a:pt x="400" y="121"/>
+                </a:cubicBezTo>
+                <a:cubicBezTo>
+                  <a:pt x="403" y="121"/>
+                  <a:pt x="405" y="121"/>
+                  <a:pt x="408" y="121"/>
+                </a:cubicBezTo>
+                <a:cubicBezTo>
+                  <a:pt x="409" y="121"/>
+                  <a:pt x="411" y="121"/>
+                  <a:pt x="412" y="121"/>
+                </a:cubicBezTo>
+                <a:cubicBezTo>
+                  <a:pt x="413" y="122"/>
+                  <a:pt x="413" y="124"/>
+                  <a:pt x="414" y="125"/>
+                </a:cubicBezTo>
+                <a:cubicBezTo>
+                  <a:pt x="420" y="138"/>
+                  <a:pt x="427" y="151"/>
+                  <a:pt x="433" y="163"/>
+                </a:cubicBezTo>
+                <a:cubicBezTo>
+                  <a:pt x="444" y="185"/>
+                  <a:pt x="455" y="207"/>
+                  <a:pt x="466" y="228"/>
+                </a:cubicBezTo>
+                <a:cubicBezTo>
+                  <a:pt x="478" y="253"/>
+                  <a:pt x="490" y="277"/>
+                  <a:pt x="502" y="301"/>
+                </a:cubicBezTo>
+                <a:cubicBezTo>
+                  <a:pt x="513" y="322"/>
+                  <a:pt x="523" y="342"/>
+                  <a:pt x="533" y="363"/>
+                </a:cubicBezTo>
+                <a:cubicBezTo>
+                  <a:pt x="539" y="374"/>
+                  <a:pt x="544" y="385"/>
+                  <a:pt x="550" y="396"/>
+                </a:cubicBezTo>
+                <a:cubicBezTo>
+                  <a:pt x="550" y="396"/>
+                  <a:pt x="550" y="397"/>
+                  <a:pt x="551" y="397"/>
+                </a:cubicBezTo>
+                <a:cubicBezTo>
+                  <a:pt x="563" y="373"/>
+                  <a:pt x="575" y="348"/>
+                  <a:pt x="588" y="323"/>
+                </a:cubicBezTo>
+                <a:cubicBezTo>
+                  <a:pt x="596" y="308"/>
+                  <a:pt x="603" y="292"/>
+                  <a:pt x="611" y="277"/>
+                </a:cubicBezTo>
+                <a:cubicBezTo>
+                  <a:pt x="613" y="273"/>
+                  <a:pt x="615" y="269"/>
+                  <a:pt x="617" y="265"/>
+                </a:cubicBezTo>
+                <a:cubicBezTo>
+                  <a:pt x="618" y="263"/>
+                  <a:pt x="618" y="263"/>
+                  <a:pt x="618" y="262"/>
+                </a:cubicBezTo>
+                <a:cubicBezTo>
+                  <a:pt x="617" y="259"/>
+                  <a:pt x="615" y="257"/>
+                  <a:pt x="614" y="254"/>
+                </a:cubicBezTo>
+                <a:cubicBezTo>
+                  <a:pt x="612" y="250"/>
+                  <a:pt x="609" y="245"/>
+                  <a:pt x="607" y="240"/>
+                </a:cubicBezTo>
+                <a:cubicBezTo>
+                  <a:pt x="600" y="226"/>
+                  <a:pt x="593" y="212"/>
+                  <a:pt x="586" y="198"/>
+                </a:cubicBezTo>
+                <a:cubicBezTo>
+                  <a:pt x="568" y="163"/>
+                  <a:pt x="551" y="128"/>
+                  <a:pt x="533" y="94"/>
+                </a:cubicBezTo>
+                <a:cubicBezTo>
+                  <a:pt x="523" y="74"/>
+                  <a:pt x="514" y="54"/>
+                  <a:pt x="503" y="34"/>
+                </a:cubicBezTo>
+                <a:cubicBezTo>
+                  <a:pt x="492" y="13"/>
+                  <a:pt x="472" y="1"/>
+                  <a:pt x="449" y="0"/>
+                </a:cubicBezTo>
+                <a:cubicBezTo>
+                  <a:pt x="444" y="0"/>
+                  <a:pt x="439" y="0"/>
+                  <a:pt x="434" y="0"/>
+                </a:cubicBezTo>
+                <a:cubicBezTo>
+                  <a:pt x="406" y="0"/>
+                  <a:pt x="379" y="0"/>
+                  <a:pt x="352" y="0"/>
+                </a:cubicBezTo>
+                <a:cubicBezTo>
+                  <a:pt x="313" y="0"/>
+                  <a:pt x="274" y="0"/>
+                  <a:pt x="236" y="0"/>
+                </a:cubicBezTo>
+                <a:cubicBezTo>
+                  <a:pt x="199" y="0"/>
+                  <a:pt x="163" y="0"/>
+                  <a:pt x="126" y="0"/>
+                </a:cubicBezTo>
+                <a:cubicBezTo>
+                  <a:pt x="106" y="0"/>
+                  <a:pt x="85" y="0"/>
+                  <a:pt x="65" y="0"/>
+                </a:cubicBezTo>
+                <a:cubicBezTo>
+                  <a:pt x="64" y="0"/>
+                  <a:pt x="63" y="0"/>
+                  <a:pt x="62" y="0"/>
+                </a:cubicBezTo>
+                <a:cubicBezTo>
+                  <a:pt x="56" y="1"/>
+                  <a:pt x="50" y="1"/>
+                  <a:pt x="44" y="3"/>
+                </a:cubicBezTo>
+                <a:cubicBezTo>
+                  <a:pt x="38" y="5"/>
+                  <a:pt x="33" y="8"/>
+                  <a:pt x="28" y="11"/>
+                </a:cubicBezTo>
+                <a:cubicBezTo>
+                  <a:pt x="16" y="19"/>
+                  <a:pt x="8" y="31"/>
+                  <a:pt x="4" y="44"/>
+                </a:cubicBezTo>
+                <a:cubicBezTo>
+                  <a:pt x="0" y="60"/>
+                  <a:pt x="2" y="74"/>
+                  <a:pt x="8" y="88"/>
+                </a:cubicBezTo>
+                <a:cubicBezTo>
+                  <a:pt x="11" y="94"/>
+                  <a:pt x="14" y="99"/>
+                  <a:pt x="16" y="104"/>
+                </a:cubicBezTo>
+                <a:cubicBezTo>
+                  <a:pt x="22" y="116"/>
+                  <a:pt x="28" y="128"/>
+                  <a:pt x="34" y="139"/>
+                </a:cubicBezTo>
+                <a:cubicBezTo>
+                  <a:pt x="43" y="157"/>
+                  <a:pt x="52" y="174"/>
+                  <a:pt x="60" y="191"/>
+                </a:cubicBezTo>
+                <a:cubicBezTo>
+                  <a:pt x="71" y="213"/>
+                  <a:pt x="82" y="234"/>
+                  <a:pt x="93" y="256"/>
+                </a:cubicBezTo>
+                <a:cubicBezTo>
+                  <a:pt x="105" y="281"/>
+                  <a:pt x="118" y="305"/>
+                  <a:pt x="130" y="330"/>
+                </a:cubicBezTo>
+                <a:cubicBezTo>
+                  <a:pt x="143" y="357"/>
+                  <a:pt x="157" y="383"/>
+                  <a:pt x="170" y="410"/>
+                </a:cubicBezTo>
+                <a:cubicBezTo>
+                  <a:pt x="184" y="437"/>
+                  <a:pt x="198" y="465"/>
+                  <a:pt x="211" y="492"/>
+                </a:cubicBezTo>
+                <a:cubicBezTo>
+                  <a:pt x="225" y="519"/>
+                  <a:pt x="238" y="546"/>
+                  <a:pt x="252" y="573"/>
+                </a:cubicBezTo>
+                <a:cubicBezTo>
+                  <a:pt x="265" y="598"/>
+                  <a:pt x="277" y="624"/>
+                  <a:pt x="290" y="649"/>
+                </a:cubicBezTo>
+                <a:cubicBezTo>
+                  <a:pt x="302" y="672"/>
+                  <a:pt x="313" y="694"/>
+                  <a:pt x="324" y="717"/>
+                </a:cubicBezTo>
+                <a:cubicBezTo>
+                  <a:pt x="334" y="736"/>
+                  <a:pt x="343" y="755"/>
+                  <a:pt x="353" y="773"/>
+                </a:cubicBezTo>
+                <a:cubicBezTo>
+                  <a:pt x="359" y="787"/>
+                  <a:pt x="366" y="801"/>
+                  <a:pt x="373" y="814"/>
+                </a:cubicBezTo>
+                <a:cubicBezTo>
+                  <a:pt x="377" y="822"/>
+                  <a:pt x="381" y="829"/>
+                  <a:pt x="384" y="836"/>
+                </a:cubicBezTo>
+                <a:cubicBezTo>
+                  <a:pt x="385" y="837"/>
+                  <a:pt x="385" y="838"/>
+                  <a:pt x="386" y="839"/>
+                </a:cubicBezTo>
+                <a:cubicBezTo>
+                  <a:pt x="391" y="850"/>
+                  <a:pt x="397" y="859"/>
+                  <a:pt x="406" y="866"/>
+                </a:cubicBezTo>
+                <a:cubicBezTo>
+                  <a:pt x="417" y="874"/>
+                  <a:pt x="430" y="877"/>
+                  <a:pt x="442" y="877"/>
+                </a:cubicBezTo>
+                <a:cubicBezTo>
+                  <a:pt x="455" y="877"/>
+                  <a:pt x="467" y="873"/>
+                  <a:pt x="478" y="866"/>
+                </a:cubicBezTo>
+                <a:cubicBezTo>
+                  <a:pt x="487" y="859"/>
+                  <a:pt x="493" y="850"/>
+                  <a:pt x="498" y="839"/>
+                </a:cubicBezTo>
+                <a:cubicBezTo>
+                  <a:pt x="499" y="837"/>
+                  <a:pt x="500" y="834"/>
+                  <a:pt x="502" y="832"/>
+                </a:cubicBezTo>
+                <a:cubicBezTo>
+                  <a:pt x="510" y="814"/>
+                  <a:pt x="519" y="797"/>
+                  <a:pt x="528" y="780"/>
+                </a:cubicBezTo>
+                <a:cubicBezTo>
+                  <a:pt x="541" y="754"/>
+                  <a:pt x="554" y="728"/>
+                  <a:pt x="567" y="701"/>
+                </a:cubicBezTo>
+                <a:cubicBezTo>
+                  <a:pt x="580" y="676"/>
+                  <a:pt x="593" y="650"/>
+                  <a:pt x="606" y="624"/>
+                </a:cubicBezTo>
+                <a:cubicBezTo>
+                  <a:pt x="615" y="607"/>
+                  <a:pt x="623" y="590"/>
+                  <a:pt x="632" y="573"/>
+                </a:cubicBezTo>
+                <a:cubicBezTo>
+                  <a:pt x="633" y="570"/>
+                  <a:pt x="634" y="568"/>
+                  <a:pt x="635" y="566"/>
+                </a:cubicBezTo>
+                <a:cubicBezTo>
+                  <a:pt x="635" y="566"/>
+                  <a:pt x="635" y="566"/>
+                  <a:pt x="636" y="566"/>
+                </a:cubicBezTo>
+                <a:cubicBezTo>
+                  <a:pt x="648" y="541"/>
+                  <a:pt x="661" y="516"/>
+                  <a:pt x="673" y="490"/>
+                </a:cubicBezTo>
+                <a:cubicBezTo>
+                  <a:pt x="693" y="450"/>
+                  <a:pt x="714" y="410"/>
+                  <a:pt x="734" y="369"/>
+                </a:cubicBezTo>
+                <a:cubicBezTo>
+                  <a:pt x="738" y="360"/>
+                  <a:pt x="743" y="351"/>
+                  <a:pt x="748" y="341"/>
+                </a:cubicBezTo>
+                <a:cubicBezTo>
+                  <a:pt x="748" y="341"/>
+                  <a:pt x="748" y="341"/>
+                  <a:pt x="748" y="342"/>
+                </a:cubicBezTo>
+                <a:cubicBezTo>
+                  <a:pt x="761" y="316"/>
+                  <a:pt x="773" y="291"/>
+                  <a:pt x="786" y="265"/>
+                </a:cubicBezTo>
+                <a:cubicBezTo>
+                  <a:pt x="806" y="226"/>
+                  <a:pt x="826" y="186"/>
+                  <a:pt x="846" y="146"/>
+                </a:cubicBezTo>
+                <a:cubicBezTo>
+                  <a:pt x="849" y="140"/>
+                  <a:pt x="852" y="135"/>
+                  <a:pt x="855" y="129"/>
+                </a:cubicBezTo>
+                <a:cubicBezTo>
+                  <a:pt x="855" y="127"/>
+                  <a:pt x="857" y="122"/>
+                  <a:pt x="858" y="121"/>
+                </a:cubicBezTo>
+                <a:cubicBezTo>
+                  <a:pt x="859" y="121"/>
+                  <a:pt x="862" y="121"/>
+                  <a:pt x="864" y="121"/>
+                </a:cubicBezTo>
+                <a:cubicBezTo>
+                  <a:pt x="869" y="121"/>
+                  <a:pt x="875" y="121"/>
+                  <a:pt x="880" y="121"/>
+                </a:cubicBezTo>
+                <a:cubicBezTo>
+                  <a:pt x="923" y="121"/>
+                  <a:pt x="966" y="121"/>
+                  <a:pt x="1010" y="121"/>
+                </a:cubicBezTo>
+                <a:cubicBezTo>
+                  <a:pt x="1031" y="121"/>
+                  <a:pt x="1052" y="121"/>
+                  <a:pt x="1074" y="121"/>
+                </a:cubicBezTo>
+                <a:cubicBezTo>
+                  <a:pt x="1081" y="121"/>
+                  <a:pt x="1089" y="121"/>
+                  <a:pt x="1097" y="121"/>
+                </a:cubicBezTo>
+                <a:cubicBezTo>
+                  <a:pt x="1101" y="121"/>
+                  <a:pt x="1105" y="121"/>
+                  <a:pt x="1109" y="121"/>
+                </a:cubicBezTo>
+                <a:cubicBezTo>
+                  <a:pt x="1110" y="121"/>
+                  <a:pt x="1110" y="121"/>
+                  <a:pt x="1111" y="121"/>
+                </a:cubicBezTo>
+                <a:cubicBezTo>
+                  <a:pt x="1108" y="126"/>
+                  <a:pt x="1106" y="131"/>
+                  <a:pt x="1103" y="136"/>
+                </a:cubicBezTo>
+                <a:cubicBezTo>
+                  <a:pt x="1096" y="150"/>
+                  <a:pt x="1089" y="163"/>
+                  <a:pt x="1083" y="177"/>
+                </a:cubicBezTo>
+                <a:cubicBezTo>
+                  <a:pt x="1073" y="197"/>
+                  <a:pt x="1062" y="217"/>
+                  <a:pt x="1052" y="237"/>
+                </a:cubicBezTo>
+                <a:cubicBezTo>
+                  <a:pt x="1040" y="262"/>
+                  <a:pt x="1028" y="286"/>
+                  <a:pt x="1015" y="311"/>
+                </a:cubicBezTo>
+                <a:cubicBezTo>
+                  <a:pt x="1002" y="338"/>
+                  <a:pt x="988" y="365"/>
+                  <a:pt x="975" y="392"/>
+                </a:cubicBezTo>
+                <a:cubicBezTo>
+                  <a:pt x="961" y="419"/>
+                  <a:pt x="948" y="446"/>
+                  <a:pt x="934" y="473"/>
+                </a:cubicBezTo>
+                <a:cubicBezTo>
+                  <a:pt x="921" y="498"/>
+                  <a:pt x="908" y="524"/>
+                  <a:pt x="896" y="549"/>
+                </a:cubicBezTo>
+                <a:cubicBezTo>
+                  <a:pt x="885" y="570"/>
+                  <a:pt x="874" y="592"/>
+                  <a:pt x="863" y="613"/>
+                </a:cubicBezTo>
+                <a:cubicBezTo>
+                  <a:pt x="856" y="629"/>
+                  <a:pt x="848" y="644"/>
+                  <a:pt x="840" y="659"/>
+                </a:cubicBezTo>
+                <a:cubicBezTo>
+                  <a:pt x="838" y="664"/>
+                  <a:pt x="835" y="669"/>
+                  <a:pt x="833" y="674"/>
+                </a:cubicBezTo>
+                <a:cubicBezTo>
+                  <a:pt x="832" y="676"/>
+                  <a:pt x="831" y="679"/>
+                  <a:pt x="829" y="681"/>
+                </a:cubicBezTo>
+                <a:cubicBezTo>
+                  <a:pt x="829" y="682"/>
+                  <a:pt x="829" y="682"/>
+                  <a:pt x="829" y="682"/>
+                </a:cubicBezTo>
+                <a:cubicBezTo>
+                  <a:pt x="817" y="658"/>
+                  <a:pt x="804" y="633"/>
+                  <a:pt x="792" y="609"/>
+                </a:cubicBezTo>
+                <a:cubicBezTo>
+                  <a:pt x="772" y="570"/>
+                  <a:pt x="753" y="531"/>
+                  <a:pt x="733" y="492"/>
+                </a:cubicBezTo>
+                <a:cubicBezTo>
+                  <a:pt x="729" y="483"/>
+                  <a:pt x="724" y="474"/>
+                  <a:pt x="720" y="465"/>
+                </a:cubicBezTo>
+                <a:cubicBezTo>
+                  <a:pt x="711" y="483"/>
+                  <a:pt x="702" y="501"/>
+                  <a:pt x="693" y="519"/>
+                </a:cubicBezTo>
+                <a:cubicBezTo>
+                  <a:pt x="681" y="543"/>
+                  <a:pt x="668" y="568"/>
+                  <a:pt x="656" y="593"/>
+                </a:cubicBezTo>
+                <a:cubicBezTo>
+                  <a:pt x="655" y="596"/>
+                  <a:pt x="652" y="598"/>
+                  <a:pt x="653" y="601"/>
+                </a:cubicBezTo>
+                <a:cubicBezTo>
+                  <a:pt x="655" y="607"/>
+                  <a:pt x="659" y="612"/>
+                  <a:pt x="661" y="617"/>
+                </a:cubicBezTo>
+                <a:cubicBezTo>
+                  <a:pt x="673" y="641"/>
+                  <a:pt x="685" y="664"/>
+                  <a:pt x="696" y="687"/>
+                </a:cubicBezTo>
+                <a:cubicBezTo>
+                  <a:pt x="711" y="716"/>
+                  <a:pt x="725" y="744"/>
+                  <a:pt x="739" y="772"/>
+                </a:cubicBezTo>
+                <a:cubicBezTo>
+                  <a:pt x="749" y="792"/>
+                  <a:pt x="759" y="812"/>
+                  <a:pt x="769" y="832"/>
+                </a:cubicBezTo>
+                <a:cubicBezTo>
+                  <a:pt x="772" y="837"/>
+                  <a:pt x="774" y="843"/>
+                  <a:pt x="777" y="848"/>
+                </a:cubicBezTo>
+                <a:cubicBezTo>
+                  <a:pt x="791" y="871"/>
+                  <a:pt x="819" y="882"/>
+                  <a:pt x="846" y="875"/>
+                </a:cubicBezTo>
+                <a:cubicBezTo>
+                  <a:pt x="865" y="870"/>
+                  <a:pt x="877" y="857"/>
+                  <a:pt x="885" y="839"/>
+                </a:cubicBezTo>
+                <a:cubicBezTo>
+                  <a:pt x="886" y="838"/>
+                  <a:pt x="887" y="836"/>
+                  <a:pt x="887" y="834"/>
+                </a:cubicBezTo>
+                <a:cubicBezTo>
+                  <a:pt x="892" y="825"/>
+                  <a:pt x="897" y="816"/>
+                  <a:pt x="901" y="806"/>
+                </a:cubicBezTo>
+                <a:cubicBezTo>
+                  <a:pt x="909" y="791"/>
+                  <a:pt x="917" y="775"/>
+                  <a:pt x="925" y="759"/>
+                </a:cubicBezTo>
+                <a:cubicBezTo>
+                  <a:pt x="936" y="737"/>
+                  <a:pt x="947" y="716"/>
+                  <a:pt x="958" y="695"/>
+                </a:cubicBezTo>
+                <a:cubicBezTo>
+                  <a:pt x="970" y="669"/>
+                  <a:pt x="983" y="644"/>
+                  <a:pt x="996" y="619"/>
+                </a:cubicBezTo>
+                <a:cubicBezTo>
+                  <a:pt x="1010" y="591"/>
+                  <a:pt x="1024" y="563"/>
+                  <a:pt x="1038" y="535"/>
+                </a:cubicBezTo>
+                <a:cubicBezTo>
+                  <a:pt x="1052" y="507"/>
+                  <a:pt x="1067" y="478"/>
+                  <a:pt x="1081" y="449"/>
+                </a:cubicBezTo>
+                <a:cubicBezTo>
+                  <a:pt x="1096" y="420"/>
+                  <a:pt x="1110" y="391"/>
+                  <a:pt x="1124" y="363"/>
+                </a:cubicBezTo>
+                <a:cubicBezTo>
+                  <a:pt x="1138" y="335"/>
+                  <a:pt x="1152" y="308"/>
+                  <a:pt x="1165" y="281"/>
+                </a:cubicBezTo>
+                <a:cubicBezTo>
+                  <a:pt x="1177" y="257"/>
+                  <a:pt x="1189" y="233"/>
+                  <a:pt x="1201" y="209"/>
+                </a:cubicBezTo>
+                <a:cubicBezTo>
+                  <a:pt x="1211" y="189"/>
+                  <a:pt x="1221" y="170"/>
+                  <a:pt x="1231" y="150"/>
+                </a:cubicBezTo>
+                <a:cubicBezTo>
+                  <a:pt x="1238" y="136"/>
+                  <a:pt x="1245" y="123"/>
+                  <a:pt x="1252" y="109"/>
+                </a:cubicBezTo>
+                <a:cubicBezTo>
+                  <a:pt x="1255" y="102"/>
+                  <a:pt x="1259" y="96"/>
+                  <a:pt x="1262" y="89"/>
+                </a:cubicBezTo>
+                <a:cubicBezTo>
+                  <a:pt x="1266" y="79"/>
+                  <a:pt x="1270" y="68"/>
+                  <a:pt x="1268" y="57"/>
+                </a:cubicBezTo>
+                <a:cubicBezTo>
+                  <a:pt x="1268" y="55"/>
+                  <a:pt x="1268" y="58"/>
+                  <a:pt x="1268" y="57"/>
+                </a:cubicBezTo>
+                <a:close/>
+              </a:path>
+            </a:pathLst>
+          </a:custGeom>
+          <a:solidFill>
+            <a:srgbClr val="05B780"/>
+          </a:solidFill>
+          <a:ln w="9525">
+            <a:noFill/>
+          </a:ln>
+        </p:spPr>
+        <p:txBody>
+          <a:bodyPr/>
+          <a:lstStyle/>
+          <a:p>
+            <a:endParaRPr lang="en-US"/>
+          </a:p>
+        </p:txBody>
+      </p:sp>
+      <p:sp>
+        <p:nvSpPr>
+          <p:cNvPr id="33795" name="文本框 29"/>
           <p:cNvSpPr txBox="1"/>
           <p:nvPr/>
         </p:nvSpPr>
         <p:spPr>
           <a:xfrm>
-            <a:off x="22225" y="336550"/>
-            <a:ext cx="3985895" cy="583565"/>
+            <a:off x="3733800" y="4125913"/>
+            <a:ext cx="4722813" cy="708025"/>
+          </a:xfrm>
+          <a:prstGeom prst="rect">
+            <a:avLst/>
+          </a:prstGeom>
+          <a:noFill/>
+          <a:ln w="9525">
+            <a:noFill/>
+          </a:ln>
+        </p:spPr>
+        <p:txBody>
+          <a:bodyPr anchor="t" anchorCtr="0">
+            <a:spAutoFit/>
+          </a:bodyPr>
+          <a:lstStyle/>
+          <a:p>
+            <a:pPr algn="dist"/>
+            <a:r>
+              <a:rPr lang="en-US" altLang="zh-CN" sz="4000" dirty="0">
+                <a:solidFill>
+                  <a:srgbClr val="262626"/>
+                </a:solidFill>
+                <a:latin typeface="Microsoft YaHei" panose="020B0503020204020204" pitchFamily="34" charset="-122"/>
+                <a:ea typeface="Microsoft YaHei" panose="020B0503020204020204" pitchFamily="34" charset="-122"/>
+              </a:rPr>
+              <a:t>THANK YOU</a:t>
+            </a:r>
+            <a:endParaRPr lang="zh-CN" altLang="en-US" sz="4000" dirty="0">
+              <a:solidFill>
+                <a:srgbClr val="262626"/>
+              </a:solidFill>
+              <a:latin typeface="Microsoft YaHei" panose="020B0503020204020204" pitchFamily="34" charset="-122"/>
+              <a:ea typeface="Microsoft YaHei" panose="020B0503020204020204" pitchFamily="34" charset="-122"/>
+            </a:endParaRPr>
+          </a:p>
+        </p:txBody>
+      </p:sp>
+    </p:spTree>
+  </p:cSld>
+  <p:clrMapOvr>
+    <a:masterClrMapping/>
+  </p:clrMapOvr>
+  <p:transition spd="slow">
+    <p:wipe/>
+  </p:transition>
+</p:sld>
+</file>
+
+<file path=ppt/slides/slide2.xml><?xml version="1.0" encoding="utf-8"?>
+<p:sld xmlns:a="http://schemas.openxmlformats.org/drawingml/2006/main" xmlns:r="http://schemas.openxmlformats.org/officeDocument/2006/relationships" xmlns:p="http://schemas.openxmlformats.org/presentationml/2006/main">
+  <p:cSld>
+    <p:spTree>
+      <p:nvGrpSpPr>
+        <p:cNvPr id="1" name=""/>
+        <p:cNvGrpSpPr/>
+        <p:nvPr/>
+      </p:nvGrpSpPr>
+      <p:grpSpPr>
+        <a:xfrm>
+          <a:off x="0" y="0"/>
+          <a:ext cx="0" cy="0"/>
+          <a:chOff x="0" y="0"/>
+          <a:chExt cx="0" cy="0"/>
+        </a:xfrm>
+      </p:grpSpPr>
+      <p:sp>
+        <p:nvSpPr>
+          <p:cNvPr id="6" name="矩形 5"/>
+          <p:cNvSpPr/>
+          <p:nvPr/>
+        </p:nvSpPr>
+        <p:spPr>
+          <a:xfrm>
+            <a:off x="1879600" y="1877695"/>
+            <a:ext cx="3322320" cy="449580"/>
+          </a:xfrm>
+          <a:prstGeom prst="rect">
+            <a:avLst/>
+          </a:prstGeom>
+          <a:noFill/>
+          <a:ln>
+            <a:solidFill>
+              <a:srgbClr val="05B780"/>
+            </a:solidFill>
+          </a:ln>
+        </p:spPr>
+        <p:style>
+          <a:lnRef idx="2">
+            <a:schemeClr val="accent1">
+              <a:shade val="50000"/>
+            </a:schemeClr>
+          </a:lnRef>
+          <a:fillRef idx="1">
+            <a:schemeClr val="accent1"/>
+          </a:fillRef>
+          <a:effectRef idx="0">
+            <a:schemeClr val="accent1"/>
+          </a:effectRef>
+          <a:fontRef idx="minor">
+            <a:schemeClr val="lt1"/>
+          </a:fontRef>
+        </p:style>
+        <p:txBody>
+          <a:bodyPr anchor="ctr"/>
+          <a:lstStyle/>
+          <a:p>
+            <a:pPr marL="0" marR="0" lvl="0" indent="0" algn="ctr" defTabSz="914400" rtl="0" eaLnBrk="1" fontAlgn="auto" latinLnBrk="0" hangingPunct="1">
+              <a:lnSpc>
+                <a:spcPct val="100000"/>
+              </a:lnSpc>
+              <a:spcBef>
+                <a:spcPts val="0"/>
+              </a:spcBef>
+              <a:spcAft>
+                <a:spcPts val="0"/>
+              </a:spcAft>
+              <a:buClrTx/>
+              <a:buSzTx/>
+              <a:buFontTx/>
+              <a:buNone/>
+              <a:defRPr/>
+            </a:pPr>
+            <a:endParaRPr kumimoji="0" lang="zh-CN" altLang="en-US" sz="1800" b="0" i="0" u="none" strike="noStrike" kern="1200" cap="none" spc="0" normalizeH="0" baseline="0" noProof="0">
+              <a:ln>
+                <a:noFill/>
+              </a:ln>
+              <a:solidFill>
+                <a:schemeClr val="lt1"/>
+              </a:solidFill>
+              <a:effectLst/>
+              <a:uLnTx/>
+              <a:uFillTx/>
+              <a:latin typeface="+mn-lt"/>
+              <a:ea typeface="+mn-ea"/>
+              <a:cs typeface="+mn-cs"/>
+            </a:endParaRPr>
+          </a:p>
+        </p:txBody>
+      </p:sp>
+      <p:sp>
+        <p:nvSpPr>
+          <p:cNvPr id="5122" name="文本框 47"/>
+          <p:cNvSpPr txBox="1"/>
+          <p:nvPr/>
+        </p:nvSpPr>
+        <p:spPr>
+          <a:xfrm>
+            <a:off x="2157413" y="1881188"/>
+            <a:ext cx="2497137" cy="460375"/>
           </a:xfrm>
           <a:prstGeom prst="rect">
             <a:avLst/>
@@ -6115,6 +8317,1442 @@
           <a:bodyPr wrap="square" anchor="t" anchorCtr="0">
             <a:spAutoFit/>
           </a:bodyPr>
+          <a:lstStyle/>
+          <a:p>
+            <a:pPr>
+              <a:buFont typeface="Arial" panose="020B0604020202020204" pitchFamily="34" charset="0"/>
+            </a:pPr>
+            <a:r>
+              <a:rPr lang="en-US" altLang="zh-CN" sz="2400" b="1" dirty="0">
+                <a:solidFill>
+                  <a:srgbClr val="05B780"/>
+                </a:solidFill>
+                <a:latin typeface="Microsoft YaHei" panose="020B0503020204020204" pitchFamily="34" charset="-122"/>
+                <a:ea typeface="Microsoft YaHei" panose="020B0503020204020204" pitchFamily="34" charset="-122"/>
+              </a:rPr>
+              <a:t>Week 3 Recap</a:t>
+            </a:r>
+          </a:p>
+        </p:txBody>
+      </p:sp>
+      <p:sp>
+        <p:nvSpPr>
+          <p:cNvPr id="5129" name="Rectangle 6"/>
+          <p:cNvSpPr/>
+          <p:nvPr/>
+        </p:nvSpPr>
+        <p:spPr>
+          <a:xfrm>
+            <a:off x="9156383" y="2737485"/>
+            <a:ext cx="2263775" cy="369888"/>
+          </a:xfrm>
+          <a:prstGeom prst="rect">
+            <a:avLst/>
+          </a:prstGeom>
+          <a:noFill/>
+          <a:ln w="9525">
+            <a:noFill/>
+          </a:ln>
+        </p:spPr>
+        <p:txBody>
+          <a:bodyPr anchor="t" anchorCtr="0">
+            <a:spAutoFit/>
+          </a:bodyPr>
+          <a:lstStyle/>
+          <a:p>
+            <a:pPr marL="342900" indent="-342900" eaLnBrk="0" hangingPunct="0">
+              <a:buFont typeface="Arial" panose="020B0604020202020204" pitchFamily="34" charset="0"/>
+              <a:buChar char="•"/>
+            </a:pPr>
+            <a:r>
+              <a:rPr lang="zh-CN" altLang="en-US" dirty="0">
+                <a:solidFill>
+                  <a:schemeClr val="bg1"/>
+                </a:solidFill>
+                <a:latin typeface="Microsoft YaHei" panose="020B0503020204020204" pitchFamily="34" charset="-122"/>
+                <a:ea typeface="Microsoft YaHei" panose="020B0503020204020204" pitchFamily="34" charset="-122"/>
+              </a:rPr>
+              <a:t>竞争对手分析</a:t>
+            </a:r>
+          </a:p>
+        </p:txBody>
+      </p:sp>
+      <p:sp>
+        <p:nvSpPr>
+          <p:cNvPr id="5131" name="Rectangle 6"/>
+          <p:cNvSpPr/>
+          <p:nvPr/>
+        </p:nvSpPr>
+        <p:spPr>
+          <a:xfrm>
+            <a:off x="9154795" y="3134360"/>
+            <a:ext cx="2265363" cy="369888"/>
+          </a:xfrm>
+          <a:prstGeom prst="rect">
+            <a:avLst/>
+          </a:prstGeom>
+          <a:noFill/>
+          <a:ln w="9525">
+            <a:noFill/>
+          </a:ln>
+        </p:spPr>
+        <p:txBody>
+          <a:bodyPr anchor="t" anchorCtr="0">
+            <a:spAutoFit/>
+          </a:bodyPr>
+          <a:lstStyle/>
+          <a:p>
+            <a:pPr marL="342900" indent="-342900" eaLnBrk="0" hangingPunct="0">
+              <a:buFont typeface="Arial" panose="020B0604020202020204" pitchFamily="34" charset="0"/>
+              <a:buChar char="•"/>
+            </a:pPr>
+            <a:r>
+              <a:rPr lang="zh-CN" altLang="en-US" dirty="0">
+                <a:solidFill>
+                  <a:schemeClr val="bg1"/>
+                </a:solidFill>
+                <a:latin typeface="Microsoft YaHei" panose="020B0503020204020204" pitchFamily="34" charset="-122"/>
+                <a:ea typeface="Microsoft YaHei" panose="020B0503020204020204" pitchFamily="34" charset="-122"/>
+              </a:rPr>
+              <a:t>产品定位分析</a:t>
+            </a:r>
+          </a:p>
+        </p:txBody>
+      </p:sp>
+      <p:sp>
+        <p:nvSpPr>
+          <p:cNvPr id="101" name="任意多边形 100"/>
+          <p:cNvSpPr/>
+          <p:nvPr/>
+        </p:nvSpPr>
+        <p:spPr>
+          <a:xfrm>
+            <a:off x="0" y="260350"/>
+            <a:ext cx="3298825" cy="739775"/>
+          </a:xfrm>
+          <a:custGeom>
+            <a:avLst/>
+            <a:gdLst>
+              <a:gd name="connsiteX0" fmla="*/ 38767 w 3299253"/>
+              <a:gd name="connsiteY0" fmla="*/ 0 h 739718"/>
+              <a:gd name="connsiteX1" fmla="*/ 2929394 w 3299253"/>
+              <a:gd name="connsiteY1" fmla="*/ 0 h 739718"/>
+              <a:gd name="connsiteX2" fmla="*/ 3299253 w 3299253"/>
+              <a:gd name="connsiteY2" fmla="*/ 369859 h 739718"/>
+              <a:gd name="connsiteX3" fmla="*/ 2929394 w 3299253"/>
+              <a:gd name="connsiteY3" fmla="*/ 739718 h 739718"/>
+              <a:gd name="connsiteX4" fmla="*/ 38767 w 3299253"/>
+              <a:gd name="connsiteY4" fmla="*/ 739718 h 739718"/>
+              <a:gd name="connsiteX5" fmla="*/ 0 w 3299253"/>
+              <a:gd name="connsiteY5" fmla="*/ 735810 h 739718"/>
+              <a:gd name="connsiteX6" fmla="*/ 0 w 3299253"/>
+              <a:gd name="connsiteY6" fmla="*/ 3908 h 739718"/>
+            </a:gdLst>
+            <a:ahLst/>
+            <a:cxnLst>
+              <a:cxn ang="0">
+                <a:pos x="connsiteX0" y="connsiteY0"/>
+              </a:cxn>
+              <a:cxn ang="0">
+                <a:pos x="connsiteX1" y="connsiteY1"/>
+              </a:cxn>
+              <a:cxn ang="0">
+                <a:pos x="connsiteX2" y="connsiteY2"/>
+              </a:cxn>
+              <a:cxn ang="0">
+                <a:pos x="connsiteX3" y="connsiteY3"/>
+              </a:cxn>
+              <a:cxn ang="0">
+                <a:pos x="connsiteX4" y="connsiteY4"/>
+              </a:cxn>
+              <a:cxn ang="0">
+                <a:pos x="connsiteX5" y="connsiteY5"/>
+              </a:cxn>
+              <a:cxn ang="0">
+                <a:pos x="connsiteX6" y="connsiteY6"/>
+              </a:cxn>
+            </a:cxnLst>
+            <a:rect l="l" t="t" r="r" b="b"/>
+            <a:pathLst>
+              <a:path w="3299253" h="739718">
+                <a:moveTo>
+                  <a:pt x="38767" y="0"/>
+                </a:moveTo>
+                <a:lnTo>
+                  <a:pt x="2929394" y="0"/>
+                </a:lnTo>
+                <a:cubicBezTo>
+                  <a:pt x="3133661" y="0"/>
+                  <a:pt x="3299253" y="165592"/>
+                  <a:pt x="3299253" y="369859"/>
+                </a:cubicBezTo>
+                <a:cubicBezTo>
+                  <a:pt x="3299253" y="574126"/>
+                  <a:pt x="3133661" y="739718"/>
+                  <a:pt x="2929394" y="739718"/>
+                </a:cubicBezTo>
+                <a:lnTo>
+                  <a:pt x="38767" y="739718"/>
+                </a:lnTo>
+                <a:lnTo>
+                  <a:pt x="0" y="735810"/>
+                </a:lnTo>
+                <a:lnTo>
+                  <a:pt x="0" y="3908"/>
+                </a:lnTo>
+                <a:close/>
+              </a:path>
+            </a:pathLst>
+          </a:custGeom>
+          <a:solidFill>
+            <a:srgbClr val="05B780"/>
+          </a:solidFill>
+          <a:ln>
+            <a:noFill/>
+          </a:ln>
+        </p:spPr>
+        <p:style>
+          <a:lnRef idx="2">
+            <a:schemeClr val="accent1">
+              <a:shade val="50000"/>
+            </a:schemeClr>
+          </a:lnRef>
+          <a:fillRef idx="1">
+            <a:schemeClr val="accent1"/>
+          </a:fillRef>
+          <a:effectRef idx="0">
+            <a:schemeClr val="accent1"/>
+          </a:effectRef>
+          <a:fontRef idx="minor">
+            <a:schemeClr val="lt1"/>
+          </a:fontRef>
+        </p:style>
+        <p:txBody>
+          <a:bodyPr anchor="ctr"/>
+          <a:lstStyle/>
+          <a:p>
+            <a:pPr marL="0" marR="0" lvl="0" indent="0" algn="ctr" defTabSz="914400" rtl="0" eaLnBrk="1" fontAlgn="auto" latinLnBrk="0" hangingPunct="1">
+              <a:lnSpc>
+                <a:spcPct val="100000"/>
+              </a:lnSpc>
+              <a:spcBef>
+                <a:spcPts val="0"/>
+              </a:spcBef>
+              <a:spcAft>
+                <a:spcPts val="0"/>
+              </a:spcAft>
+              <a:buClrTx/>
+              <a:buSzTx/>
+              <a:buFontTx/>
+              <a:buNone/>
+              <a:defRPr/>
+            </a:pPr>
+            <a:endParaRPr kumimoji="0" lang="zh-CN" altLang="en-US" sz="1800" b="0" i="0" u="none" strike="noStrike" kern="1200" cap="none" spc="0" normalizeH="0" baseline="0" noProof="0">
+              <a:ln>
+                <a:noFill/>
+              </a:ln>
+              <a:solidFill>
+                <a:schemeClr val="lt1"/>
+              </a:solidFill>
+              <a:effectLst/>
+              <a:uLnTx/>
+              <a:uFillTx/>
+              <a:latin typeface="+mn-lt"/>
+              <a:ea typeface="+mn-ea"/>
+              <a:cs typeface="+mn-cs"/>
+            </a:endParaRPr>
+          </a:p>
+        </p:txBody>
+      </p:sp>
+      <p:sp>
+        <p:nvSpPr>
+          <p:cNvPr id="5144" name="文本框 101"/>
+          <p:cNvSpPr txBox="1"/>
+          <p:nvPr/>
+        </p:nvSpPr>
+        <p:spPr>
+          <a:xfrm>
+            <a:off x="250825" y="336550"/>
+            <a:ext cx="2797175" cy="583565"/>
+          </a:xfrm>
+          <a:prstGeom prst="rect">
+            <a:avLst/>
+          </a:prstGeom>
+          <a:noFill/>
+          <a:ln w="9525">
+            <a:noFill/>
+          </a:ln>
+        </p:spPr>
+        <p:txBody>
+          <a:bodyPr anchor="t" anchorCtr="0">
+            <a:spAutoFit/>
+          </a:bodyPr>
+          <a:lstStyle/>
+          <a:p>
+            <a:pPr>
+              <a:buFont typeface="Arial" panose="020B0604020202020204" pitchFamily="34" charset="0"/>
+            </a:pPr>
+            <a:r>
+              <a:rPr lang="en-US" altLang="zh-CN" sz="3200" b="1" dirty="0">
+                <a:solidFill>
+                  <a:srgbClr val="FFFFFF"/>
+                </a:solidFill>
+                <a:latin typeface="Microsoft YaHei" panose="020B0503020204020204" pitchFamily="34" charset="-122"/>
+                <a:ea typeface="Microsoft YaHei" panose="020B0503020204020204" pitchFamily="34" charset="-122"/>
+              </a:rPr>
+              <a:t>Agenda</a:t>
+            </a:r>
+            <a:endParaRPr lang="zh-CN" altLang="en-US" sz="3200" b="1" dirty="0">
+              <a:solidFill>
+                <a:srgbClr val="FFFFFF"/>
+              </a:solidFill>
+              <a:latin typeface="Microsoft YaHei" panose="020B0503020204020204" pitchFamily="34" charset="-122"/>
+              <a:ea typeface="Microsoft YaHei" panose="020B0503020204020204" pitchFamily="34" charset="-122"/>
+            </a:endParaRPr>
+          </a:p>
+        </p:txBody>
+      </p:sp>
+      <p:grpSp>
+        <p:nvGrpSpPr>
+          <p:cNvPr id="5145" name="组合 3"/>
+          <p:cNvGrpSpPr/>
+          <p:nvPr/>
+        </p:nvGrpSpPr>
+        <p:grpSpPr>
+          <a:xfrm>
+            <a:off x="1168400" y="1687513"/>
+            <a:ext cx="814388" cy="849312"/>
+            <a:chOff x="1473127" y="1521451"/>
+            <a:chExt cx="653645" cy="681967"/>
+          </a:xfrm>
+        </p:grpSpPr>
+        <p:sp>
+          <p:nvSpPr>
+            <p:cNvPr id="3" name="六边形 2"/>
+            <p:cNvSpPr/>
+            <p:nvPr/>
+          </p:nvSpPr>
+          <p:spPr>
+            <a:xfrm rot="5400000">
+              <a:off x="1425833" y="1568735"/>
+              <a:ext cx="681967" cy="587389"/>
+            </a:xfrm>
+            <a:prstGeom prst="hexagon">
+              <a:avLst>
+                <a:gd name="adj" fmla="val 27469"/>
+                <a:gd name="vf" fmla="val 115470"/>
+              </a:avLst>
+            </a:prstGeom>
+            <a:solidFill>
+              <a:srgbClr val="05B780"/>
+            </a:solidFill>
+            <a:ln>
+              <a:noFill/>
+            </a:ln>
+          </p:spPr>
+          <p:style>
+            <a:lnRef idx="2">
+              <a:schemeClr val="accent1">
+                <a:shade val="50000"/>
+              </a:schemeClr>
+            </a:lnRef>
+            <a:fillRef idx="1">
+              <a:schemeClr val="accent1"/>
+            </a:fillRef>
+            <a:effectRef idx="0">
+              <a:schemeClr val="accent1"/>
+            </a:effectRef>
+            <a:fontRef idx="minor">
+              <a:schemeClr val="lt1"/>
+            </a:fontRef>
+          </p:style>
+          <p:txBody>
+            <a:bodyPr anchor="ctr"/>
+            <a:lstStyle/>
+            <a:p>
+              <a:pPr marL="0" marR="0" lvl="0" indent="0" algn="ctr" defTabSz="914400" rtl="0" eaLnBrk="1" fontAlgn="auto" latinLnBrk="0" hangingPunct="1">
+                <a:lnSpc>
+                  <a:spcPct val="100000"/>
+                </a:lnSpc>
+                <a:spcBef>
+                  <a:spcPts val="0"/>
+                </a:spcBef>
+                <a:spcAft>
+                  <a:spcPts val="0"/>
+                </a:spcAft>
+                <a:buClrTx/>
+                <a:buSzTx/>
+                <a:buFontTx/>
+                <a:buNone/>
+                <a:defRPr/>
+              </a:pPr>
+              <a:endParaRPr kumimoji="0" lang="zh-CN" altLang="en-US" sz="1800" b="0" i="0" u="none" strike="noStrike" kern="1200" cap="none" spc="0" normalizeH="0" baseline="0" noProof="0">
+                <a:ln>
+                  <a:noFill/>
+                </a:ln>
+                <a:solidFill>
+                  <a:schemeClr val="lt1"/>
+                </a:solidFill>
+                <a:effectLst/>
+                <a:uLnTx/>
+                <a:uFillTx/>
+                <a:latin typeface="+mn-lt"/>
+                <a:ea typeface="+mn-ea"/>
+                <a:cs typeface="+mn-cs"/>
+              </a:endParaRPr>
+            </a:p>
+          </p:txBody>
+        </p:sp>
+        <p:sp>
+          <p:nvSpPr>
+            <p:cNvPr id="5147" name="文本框 46"/>
+            <p:cNvSpPr txBox="1"/>
+            <p:nvPr/>
+          </p:nvSpPr>
+          <p:spPr>
+            <a:xfrm>
+              <a:off x="1524732" y="1669097"/>
+              <a:ext cx="602040" cy="419851"/>
+            </a:xfrm>
+            <a:prstGeom prst="rect">
+              <a:avLst/>
+            </a:prstGeom>
+            <a:noFill/>
+            <a:ln w="9525">
+              <a:noFill/>
+            </a:ln>
+          </p:spPr>
+          <p:txBody>
+            <a:bodyPr anchor="t" anchorCtr="0">
+              <a:spAutoFit/>
+            </a:bodyPr>
+            <a:lstStyle/>
+            <a:p>
+              <a:pPr>
+                <a:buFont typeface="Arial" panose="020B0604020202020204" pitchFamily="34" charset="0"/>
+              </a:pPr>
+              <a:r>
+                <a:rPr lang="en-US" altLang="zh-CN" sz="2800" b="1" dirty="0">
+                  <a:solidFill>
+                    <a:schemeClr val="bg1"/>
+                  </a:solidFill>
+                  <a:latin typeface="Microsoft YaHei" panose="020B0503020204020204" pitchFamily="34" charset="-122"/>
+                  <a:ea typeface="Microsoft YaHei" panose="020B0503020204020204" pitchFamily="34" charset="-122"/>
+                </a:rPr>
+                <a:t>01</a:t>
+              </a:r>
+              <a:endParaRPr lang="zh-CN" altLang="en-US" sz="2800" b="1" dirty="0">
+                <a:solidFill>
+                  <a:schemeClr val="bg1"/>
+                </a:solidFill>
+                <a:latin typeface="Microsoft YaHei" panose="020B0503020204020204" pitchFamily="34" charset="-122"/>
+                <a:ea typeface="Microsoft YaHei" panose="020B0503020204020204" pitchFamily="34" charset="-122"/>
+              </a:endParaRPr>
+            </a:p>
+          </p:txBody>
+        </p:sp>
+      </p:grpSp>
+      <p:sp>
+        <p:nvSpPr>
+          <p:cNvPr id="113" name="矩形 112"/>
+          <p:cNvSpPr/>
+          <p:nvPr/>
+        </p:nvSpPr>
+        <p:spPr>
+          <a:xfrm>
+            <a:off x="1878965" y="4829542"/>
+            <a:ext cx="3322955" cy="450850"/>
+          </a:xfrm>
+          <a:prstGeom prst="rect">
+            <a:avLst/>
+          </a:prstGeom>
+          <a:noFill/>
+          <a:ln>
+            <a:solidFill>
+              <a:srgbClr val="05B780"/>
+            </a:solidFill>
+          </a:ln>
+        </p:spPr>
+        <p:style>
+          <a:lnRef idx="2">
+            <a:schemeClr val="accent1">
+              <a:shade val="50000"/>
+            </a:schemeClr>
+          </a:lnRef>
+          <a:fillRef idx="1">
+            <a:schemeClr val="accent1"/>
+          </a:fillRef>
+          <a:effectRef idx="0">
+            <a:schemeClr val="accent1"/>
+          </a:effectRef>
+          <a:fontRef idx="minor">
+            <a:schemeClr val="lt1"/>
+          </a:fontRef>
+        </p:style>
+        <p:txBody>
+          <a:bodyPr anchor="ctr"/>
+          <a:lstStyle/>
+          <a:p>
+            <a:pPr marL="0" marR="0" lvl="0" indent="0" algn="ctr" defTabSz="914400" rtl="0" eaLnBrk="1" fontAlgn="auto" latinLnBrk="0" hangingPunct="1">
+              <a:lnSpc>
+                <a:spcPct val="100000"/>
+              </a:lnSpc>
+              <a:spcBef>
+                <a:spcPts val="0"/>
+              </a:spcBef>
+              <a:spcAft>
+                <a:spcPts val="0"/>
+              </a:spcAft>
+              <a:buClrTx/>
+              <a:buSzTx/>
+              <a:buFontTx/>
+              <a:buNone/>
+              <a:defRPr/>
+            </a:pPr>
+            <a:endParaRPr kumimoji="0" lang="zh-CN" altLang="en-US" sz="1800" b="0" i="0" u="none" strike="noStrike" kern="1200" cap="none" spc="0" normalizeH="0" baseline="0" noProof="0">
+              <a:ln>
+                <a:noFill/>
+              </a:ln>
+              <a:solidFill>
+                <a:schemeClr val="lt1"/>
+              </a:solidFill>
+              <a:effectLst/>
+              <a:uLnTx/>
+              <a:uFillTx/>
+              <a:latin typeface="+mn-lt"/>
+              <a:ea typeface="+mn-ea"/>
+              <a:cs typeface="+mn-cs"/>
+            </a:endParaRPr>
+          </a:p>
+        </p:txBody>
+      </p:sp>
+      <p:sp>
+        <p:nvSpPr>
+          <p:cNvPr id="5159" name="文本框 113"/>
+          <p:cNvSpPr txBox="1"/>
+          <p:nvPr/>
+        </p:nvSpPr>
+        <p:spPr>
+          <a:xfrm>
+            <a:off x="2156778" y="4823192"/>
+            <a:ext cx="2366962" cy="460375"/>
+          </a:xfrm>
+          <a:prstGeom prst="rect">
+            <a:avLst/>
+          </a:prstGeom>
+          <a:noFill/>
+          <a:ln w="9525">
+            <a:noFill/>
+          </a:ln>
+        </p:spPr>
+        <p:txBody>
+          <a:bodyPr wrap="square" anchor="t" anchorCtr="0">
+            <a:spAutoFit/>
+          </a:bodyPr>
+          <a:lstStyle/>
+          <a:p>
+            <a:pPr>
+              <a:buFont typeface="Arial" panose="020B0604020202020204" pitchFamily="34" charset="0"/>
+            </a:pPr>
+            <a:r>
+              <a:rPr lang="en-US" altLang="zh-CN" sz="2400" b="1" dirty="0">
+                <a:solidFill>
+                  <a:srgbClr val="05B780"/>
+                </a:solidFill>
+                <a:latin typeface="Microsoft YaHei" panose="020B0503020204020204" pitchFamily="34" charset="-122"/>
+                <a:ea typeface="Microsoft YaHei" panose="020B0503020204020204" pitchFamily="34" charset="-122"/>
+              </a:rPr>
+              <a:t>Class Exercise</a:t>
+            </a:r>
+          </a:p>
+        </p:txBody>
+      </p:sp>
+      <p:grpSp>
+        <p:nvGrpSpPr>
+          <p:cNvPr id="5160" name="组合 114"/>
+          <p:cNvGrpSpPr/>
+          <p:nvPr/>
+        </p:nvGrpSpPr>
+        <p:grpSpPr>
+          <a:xfrm>
+            <a:off x="1167759" y="4629511"/>
+            <a:ext cx="814394" cy="850900"/>
+            <a:chOff x="1473122" y="1521446"/>
+            <a:chExt cx="653650" cy="681967"/>
+          </a:xfrm>
+        </p:grpSpPr>
+        <p:sp>
+          <p:nvSpPr>
+            <p:cNvPr id="116" name="六边形 115"/>
+            <p:cNvSpPr/>
+            <p:nvPr/>
+          </p:nvSpPr>
+          <p:spPr>
+            <a:xfrm rot="5400000">
+              <a:off x="1425833" y="1568735"/>
+              <a:ext cx="681967" cy="587389"/>
+            </a:xfrm>
+            <a:prstGeom prst="hexagon">
+              <a:avLst>
+                <a:gd name="adj" fmla="val 27469"/>
+                <a:gd name="vf" fmla="val 115470"/>
+              </a:avLst>
+            </a:prstGeom>
+            <a:solidFill>
+              <a:srgbClr val="05B780"/>
+            </a:solidFill>
+            <a:ln>
+              <a:noFill/>
+            </a:ln>
+          </p:spPr>
+          <p:style>
+            <a:lnRef idx="2">
+              <a:schemeClr val="accent1">
+                <a:shade val="50000"/>
+              </a:schemeClr>
+            </a:lnRef>
+            <a:fillRef idx="1">
+              <a:schemeClr val="accent1"/>
+            </a:fillRef>
+            <a:effectRef idx="0">
+              <a:schemeClr val="accent1"/>
+            </a:effectRef>
+            <a:fontRef idx="minor">
+              <a:schemeClr val="lt1"/>
+            </a:fontRef>
+          </p:style>
+          <p:txBody>
+            <a:bodyPr anchor="ctr"/>
+            <a:lstStyle/>
+            <a:p>
+              <a:pPr marL="0" marR="0" lvl="0" indent="0" algn="ctr" defTabSz="914400" rtl="0" eaLnBrk="1" fontAlgn="auto" latinLnBrk="0" hangingPunct="1">
+                <a:lnSpc>
+                  <a:spcPct val="100000"/>
+                </a:lnSpc>
+                <a:spcBef>
+                  <a:spcPts val="0"/>
+                </a:spcBef>
+                <a:spcAft>
+                  <a:spcPts val="0"/>
+                </a:spcAft>
+                <a:buClrTx/>
+                <a:buSzTx/>
+                <a:buFontTx/>
+                <a:buNone/>
+                <a:defRPr/>
+              </a:pPr>
+              <a:endParaRPr kumimoji="0" lang="zh-CN" altLang="en-US" sz="1800" b="0" i="0" u="none" strike="noStrike" kern="1200" cap="none" spc="0" normalizeH="0" baseline="0" noProof="0">
+                <a:ln>
+                  <a:noFill/>
+                </a:ln>
+                <a:solidFill>
+                  <a:schemeClr val="lt1"/>
+                </a:solidFill>
+                <a:effectLst/>
+                <a:uLnTx/>
+                <a:uFillTx/>
+                <a:latin typeface="+mn-lt"/>
+                <a:ea typeface="+mn-ea"/>
+                <a:cs typeface="+mn-cs"/>
+              </a:endParaRPr>
+            </a:p>
+          </p:txBody>
+        </p:sp>
+        <p:sp>
+          <p:nvSpPr>
+            <p:cNvPr id="5162" name="文本框 116"/>
+            <p:cNvSpPr txBox="1"/>
+            <p:nvPr/>
+          </p:nvSpPr>
+          <p:spPr>
+            <a:xfrm>
+              <a:off x="1524732" y="1669097"/>
+              <a:ext cx="602040" cy="418341"/>
+            </a:xfrm>
+            <a:prstGeom prst="rect">
+              <a:avLst/>
+            </a:prstGeom>
+            <a:noFill/>
+            <a:ln w="9525">
+              <a:noFill/>
+            </a:ln>
+          </p:spPr>
+          <p:txBody>
+            <a:bodyPr anchor="t" anchorCtr="0">
+              <a:spAutoFit/>
+            </a:bodyPr>
+            <a:lstStyle/>
+            <a:p>
+              <a:pPr>
+                <a:buFont typeface="Arial" panose="020B0604020202020204" pitchFamily="34" charset="0"/>
+              </a:pPr>
+              <a:r>
+                <a:rPr lang="en-US" altLang="zh-CN" sz="2800" b="1" dirty="0">
+                  <a:solidFill>
+                    <a:schemeClr val="bg1"/>
+                  </a:solidFill>
+                  <a:latin typeface="Microsoft YaHei" panose="020B0503020204020204" pitchFamily="34" charset="-122"/>
+                  <a:ea typeface="Microsoft YaHei" panose="020B0503020204020204" pitchFamily="34" charset="-122"/>
+                </a:rPr>
+                <a:t>04</a:t>
+              </a:r>
+              <a:endParaRPr lang="zh-CN" altLang="en-US" sz="2800" b="1" dirty="0">
+                <a:solidFill>
+                  <a:schemeClr val="bg1"/>
+                </a:solidFill>
+                <a:latin typeface="Microsoft YaHei" panose="020B0503020204020204" pitchFamily="34" charset="-122"/>
+                <a:ea typeface="Microsoft YaHei" panose="020B0503020204020204" pitchFamily="34" charset="-122"/>
+              </a:endParaRPr>
+            </a:p>
+          </p:txBody>
+        </p:sp>
+      </p:grpSp>
+      <p:sp>
+        <p:nvSpPr>
+          <p:cNvPr id="13" name="文本框 111"/>
+          <p:cNvSpPr txBox="1"/>
+          <p:nvPr/>
+        </p:nvSpPr>
+        <p:spPr>
+          <a:xfrm>
+            <a:off x="1108710" y="5807442"/>
+            <a:ext cx="749935" cy="521970"/>
+          </a:xfrm>
+          <a:prstGeom prst="rect">
+            <a:avLst/>
+          </a:prstGeom>
+          <a:noFill/>
+          <a:ln w="9525">
+            <a:noFill/>
+          </a:ln>
+        </p:spPr>
+        <p:txBody>
+          <a:bodyPr anchor="t" anchorCtr="0">
+            <a:spAutoFit/>
+          </a:bodyPr>
+          <a:lstStyle/>
+          <a:p>
+            <a:pPr>
+              <a:buFont typeface="Arial" panose="020B0604020202020204" pitchFamily="34" charset="0"/>
+            </a:pPr>
+            <a:r>
+              <a:rPr lang="en-US" altLang="zh-CN" sz="2800" b="1" dirty="0">
+                <a:solidFill>
+                  <a:schemeClr val="bg1"/>
+                </a:solidFill>
+                <a:latin typeface="Microsoft YaHei" panose="020B0503020204020204" pitchFamily="34" charset="-122"/>
+                <a:ea typeface="Microsoft YaHei" panose="020B0503020204020204" pitchFamily="34" charset="-122"/>
+              </a:rPr>
+              <a:t>05</a:t>
+            </a:r>
+            <a:endParaRPr lang="zh-CN" altLang="en-US" sz="2800" b="1" dirty="0">
+              <a:solidFill>
+                <a:schemeClr val="bg1"/>
+              </a:solidFill>
+              <a:latin typeface="Microsoft YaHei" panose="020B0503020204020204" pitchFamily="34" charset="-122"/>
+              <a:ea typeface="Microsoft YaHei" panose="020B0503020204020204" pitchFamily="34" charset="-122"/>
+            </a:endParaRPr>
+          </a:p>
+        </p:txBody>
+      </p:sp>
+      <p:sp>
+        <p:nvSpPr>
+          <p:cNvPr id="8" name="矩形 5"/>
+          <p:cNvSpPr/>
+          <p:nvPr/>
+        </p:nvSpPr>
+        <p:spPr>
+          <a:xfrm>
+            <a:off x="1878965" y="2832100"/>
+            <a:ext cx="3322320" cy="449580"/>
+          </a:xfrm>
+          <a:prstGeom prst="rect">
+            <a:avLst/>
+          </a:prstGeom>
+          <a:noFill/>
+          <a:ln>
+            <a:solidFill>
+              <a:srgbClr val="05B780"/>
+            </a:solidFill>
+          </a:ln>
+        </p:spPr>
+        <p:style>
+          <a:lnRef idx="2">
+            <a:schemeClr val="accent1">
+              <a:shade val="50000"/>
+            </a:schemeClr>
+          </a:lnRef>
+          <a:fillRef idx="1">
+            <a:schemeClr val="accent1"/>
+          </a:fillRef>
+          <a:effectRef idx="0">
+            <a:schemeClr val="accent1"/>
+          </a:effectRef>
+          <a:fontRef idx="minor">
+            <a:schemeClr val="lt1"/>
+          </a:fontRef>
+        </p:style>
+        <p:txBody>
+          <a:bodyPr anchor="ctr"/>
+          <a:lstStyle/>
+          <a:p>
+            <a:pPr marL="0" marR="0" lvl="0" indent="0" algn="ctr" defTabSz="914400" rtl="0" eaLnBrk="1" fontAlgn="auto" latinLnBrk="0" hangingPunct="1">
+              <a:lnSpc>
+                <a:spcPct val="100000"/>
+              </a:lnSpc>
+              <a:spcBef>
+                <a:spcPts val="0"/>
+              </a:spcBef>
+              <a:spcAft>
+                <a:spcPts val="0"/>
+              </a:spcAft>
+              <a:buClrTx/>
+              <a:buSzTx/>
+              <a:buFontTx/>
+              <a:buNone/>
+              <a:defRPr/>
+            </a:pPr>
+            <a:endParaRPr kumimoji="0" lang="zh-CN" altLang="en-US" sz="1800" b="0" i="0" u="none" strike="noStrike" kern="1200" cap="none" spc="0" normalizeH="0" baseline="0" noProof="0">
+              <a:ln>
+                <a:noFill/>
+              </a:ln>
+              <a:solidFill>
+                <a:schemeClr val="lt1"/>
+              </a:solidFill>
+              <a:effectLst/>
+              <a:uLnTx/>
+              <a:uFillTx/>
+              <a:latin typeface="+mn-lt"/>
+              <a:ea typeface="+mn-ea"/>
+              <a:cs typeface="+mn-cs"/>
+            </a:endParaRPr>
+          </a:p>
+        </p:txBody>
+      </p:sp>
+      <p:sp>
+        <p:nvSpPr>
+          <p:cNvPr id="15" name="文本框 47"/>
+          <p:cNvSpPr txBox="1"/>
+          <p:nvPr/>
+        </p:nvSpPr>
+        <p:spPr>
+          <a:xfrm>
+            <a:off x="2156778" y="2835593"/>
+            <a:ext cx="2497137" cy="460375"/>
+          </a:xfrm>
+          <a:prstGeom prst="rect">
+            <a:avLst/>
+          </a:prstGeom>
+          <a:noFill/>
+          <a:ln w="9525">
+            <a:noFill/>
+          </a:ln>
+        </p:spPr>
+        <p:txBody>
+          <a:bodyPr wrap="square" anchor="t" anchorCtr="0">
+            <a:spAutoFit/>
+          </a:bodyPr>
+          <a:lstStyle/>
+          <a:p>
+            <a:pPr>
+              <a:buFont typeface="Arial" panose="020B0604020202020204" pitchFamily="34" charset="0"/>
+            </a:pPr>
+            <a:r>
+              <a:rPr lang="en-US" altLang="zh-CN" sz="2400" b="1" dirty="0">
+                <a:solidFill>
+                  <a:srgbClr val="05B780"/>
+                </a:solidFill>
+                <a:latin typeface="Microsoft YaHei" panose="020B0503020204020204" pitchFamily="34" charset="-122"/>
+                <a:ea typeface="Microsoft YaHei" panose="020B0503020204020204" pitchFamily="34" charset="-122"/>
+              </a:rPr>
+              <a:t>Recursion</a:t>
+            </a:r>
+          </a:p>
+        </p:txBody>
+      </p:sp>
+      <p:grpSp>
+        <p:nvGrpSpPr>
+          <p:cNvPr id="16" name="组合 3"/>
+          <p:cNvGrpSpPr/>
+          <p:nvPr/>
+        </p:nvGrpSpPr>
+        <p:grpSpPr>
+          <a:xfrm>
+            <a:off x="1167759" y="2641912"/>
+            <a:ext cx="814394" cy="849312"/>
+            <a:chOff x="1473122" y="1521446"/>
+            <a:chExt cx="653650" cy="681967"/>
+          </a:xfrm>
+        </p:grpSpPr>
+        <p:sp>
+          <p:nvSpPr>
+            <p:cNvPr id="17" name="六边形 2"/>
+            <p:cNvSpPr/>
+            <p:nvPr/>
+          </p:nvSpPr>
+          <p:spPr>
+            <a:xfrm rot="5400000">
+              <a:off x="1425833" y="1568735"/>
+              <a:ext cx="681967" cy="587389"/>
+            </a:xfrm>
+            <a:prstGeom prst="hexagon">
+              <a:avLst>
+                <a:gd name="adj" fmla="val 27469"/>
+                <a:gd name="vf" fmla="val 115470"/>
+              </a:avLst>
+            </a:prstGeom>
+            <a:solidFill>
+              <a:srgbClr val="05B780"/>
+            </a:solidFill>
+            <a:ln>
+              <a:noFill/>
+            </a:ln>
+          </p:spPr>
+          <p:style>
+            <a:lnRef idx="2">
+              <a:schemeClr val="accent1">
+                <a:shade val="50000"/>
+              </a:schemeClr>
+            </a:lnRef>
+            <a:fillRef idx="1">
+              <a:schemeClr val="accent1"/>
+            </a:fillRef>
+            <a:effectRef idx="0">
+              <a:schemeClr val="accent1"/>
+            </a:effectRef>
+            <a:fontRef idx="minor">
+              <a:schemeClr val="lt1"/>
+            </a:fontRef>
+          </p:style>
+          <p:txBody>
+            <a:bodyPr anchor="ctr"/>
+            <a:lstStyle/>
+            <a:p>
+              <a:pPr marL="0" marR="0" lvl="0" indent="0" algn="ctr" defTabSz="914400" rtl="0" eaLnBrk="1" fontAlgn="auto" latinLnBrk="0" hangingPunct="1">
+                <a:lnSpc>
+                  <a:spcPct val="100000"/>
+                </a:lnSpc>
+                <a:spcBef>
+                  <a:spcPts val="0"/>
+                </a:spcBef>
+                <a:spcAft>
+                  <a:spcPts val="0"/>
+                </a:spcAft>
+                <a:buClrTx/>
+                <a:buSzTx/>
+                <a:buFontTx/>
+                <a:buNone/>
+                <a:defRPr/>
+              </a:pPr>
+              <a:endParaRPr kumimoji="0" lang="zh-CN" altLang="en-US" sz="1800" b="0" i="0" u="none" strike="noStrike" kern="1200" cap="none" spc="0" normalizeH="0" baseline="0" noProof="0">
+                <a:ln>
+                  <a:noFill/>
+                </a:ln>
+                <a:solidFill>
+                  <a:schemeClr val="lt1"/>
+                </a:solidFill>
+                <a:effectLst/>
+                <a:uLnTx/>
+                <a:uFillTx/>
+                <a:latin typeface="+mn-lt"/>
+                <a:ea typeface="+mn-ea"/>
+                <a:cs typeface="+mn-cs"/>
+              </a:endParaRPr>
+            </a:p>
+          </p:txBody>
+        </p:sp>
+        <p:sp>
+          <p:nvSpPr>
+            <p:cNvPr id="18" name="文本框 46"/>
+            <p:cNvSpPr txBox="1"/>
+            <p:nvPr/>
+          </p:nvSpPr>
+          <p:spPr>
+            <a:xfrm>
+              <a:off x="1524732" y="1669097"/>
+              <a:ext cx="602040" cy="419123"/>
+            </a:xfrm>
+            <a:prstGeom prst="rect">
+              <a:avLst/>
+            </a:prstGeom>
+            <a:noFill/>
+            <a:ln w="9525">
+              <a:noFill/>
+            </a:ln>
+          </p:spPr>
+          <p:txBody>
+            <a:bodyPr anchor="t" anchorCtr="0">
+              <a:spAutoFit/>
+            </a:bodyPr>
+            <a:lstStyle/>
+            <a:p>
+              <a:pPr>
+                <a:buFont typeface="Arial" panose="020B0604020202020204" pitchFamily="34" charset="0"/>
+              </a:pPr>
+              <a:r>
+                <a:rPr lang="en-US" altLang="zh-CN" sz="2800" b="1" dirty="0">
+                  <a:solidFill>
+                    <a:schemeClr val="bg1"/>
+                  </a:solidFill>
+                  <a:latin typeface="Microsoft YaHei" panose="020B0503020204020204" pitchFamily="34" charset="-122"/>
+                  <a:ea typeface="Microsoft YaHei" panose="020B0503020204020204" pitchFamily="34" charset="-122"/>
+                </a:rPr>
+                <a:t>02</a:t>
+              </a:r>
+              <a:endParaRPr lang="zh-CN" altLang="en-US" sz="2800" b="1" dirty="0">
+                <a:solidFill>
+                  <a:schemeClr val="bg1"/>
+                </a:solidFill>
+                <a:latin typeface="Microsoft YaHei" panose="020B0503020204020204" pitchFamily="34" charset="-122"/>
+                <a:ea typeface="Microsoft YaHei" panose="020B0503020204020204" pitchFamily="34" charset="-122"/>
+              </a:endParaRPr>
+            </a:p>
+          </p:txBody>
+        </p:sp>
+      </p:grpSp>
+      <p:sp>
+        <p:nvSpPr>
+          <p:cNvPr id="19" name="矩形 5"/>
+          <p:cNvSpPr/>
+          <p:nvPr/>
+        </p:nvSpPr>
+        <p:spPr>
+          <a:xfrm>
+            <a:off x="1878965" y="3786505"/>
+            <a:ext cx="3322320" cy="449580"/>
+          </a:xfrm>
+          <a:prstGeom prst="rect">
+            <a:avLst/>
+          </a:prstGeom>
+          <a:noFill/>
+          <a:ln>
+            <a:solidFill>
+              <a:srgbClr val="05B780"/>
+            </a:solidFill>
+          </a:ln>
+        </p:spPr>
+        <p:style>
+          <a:lnRef idx="2">
+            <a:schemeClr val="accent1">
+              <a:shade val="50000"/>
+            </a:schemeClr>
+          </a:lnRef>
+          <a:fillRef idx="1">
+            <a:schemeClr val="accent1"/>
+          </a:fillRef>
+          <a:effectRef idx="0">
+            <a:schemeClr val="accent1"/>
+          </a:effectRef>
+          <a:fontRef idx="minor">
+            <a:schemeClr val="lt1"/>
+          </a:fontRef>
+        </p:style>
+        <p:txBody>
+          <a:bodyPr anchor="ctr"/>
+          <a:lstStyle/>
+          <a:p>
+            <a:pPr marL="0" marR="0" lvl="0" indent="0" algn="ctr" defTabSz="914400" rtl="0" eaLnBrk="1" fontAlgn="auto" latinLnBrk="0" hangingPunct="1">
+              <a:lnSpc>
+                <a:spcPct val="100000"/>
+              </a:lnSpc>
+              <a:spcBef>
+                <a:spcPts val="0"/>
+              </a:spcBef>
+              <a:spcAft>
+                <a:spcPts val="0"/>
+              </a:spcAft>
+              <a:buClrTx/>
+              <a:buSzTx/>
+              <a:buFontTx/>
+              <a:buNone/>
+              <a:defRPr/>
+            </a:pPr>
+            <a:endParaRPr kumimoji="0" lang="zh-CN" altLang="en-US" sz="1800" b="0" i="0" u="none" strike="noStrike" kern="1200" cap="none" spc="0" normalizeH="0" baseline="0" noProof="0">
+              <a:ln>
+                <a:noFill/>
+              </a:ln>
+              <a:solidFill>
+                <a:schemeClr val="lt1"/>
+              </a:solidFill>
+              <a:effectLst/>
+              <a:uLnTx/>
+              <a:uFillTx/>
+              <a:latin typeface="+mn-lt"/>
+              <a:ea typeface="+mn-ea"/>
+              <a:cs typeface="+mn-cs"/>
+            </a:endParaRPr>
+          </a:p>
+        </p:txBody>
+      </p:sp>
+      <p:sp>
+        <p:nvSpPr>
+          <p:cNvPr id="20" name="文本框 47"/>
+          <p:cNvSpPr txBox="1"/>
+          <p:nvPr/>
+        </p:nvSpPr>
+        <p:spPr>
+          <a:xfrm>
+            <a:off x="2156778" y="3789998"/>
+            <a:ext cx="3044507" cy="461665"/>
+          </a:xfrm>
+          <a:prstGeom prst="rect">
+            <a:avLst/>
+          </a:prstGeom>
+          <a:noFill/>
+          <a:ln w="9525">
+            <a:noFill/>
+          </a:ln>
+        </p:spPr>
+        <p:txBody>
+          <a:bodyPr wrap="square" anchor="t" anchorCtr="0">
+            <a:spAutoFit/>
+          </a:bodyPr>
+          <a:lstStyle/>
+          <a:p>
+            <a:pPr>
+              <a:buFont typeface="Arial" panose="020B0604020202020204" pitchFamily="34" charset="0"/>
+            </a:pPr>
+            <a:r>
+              <a:rPr lang="en-US" altLang="zh-CN" sz="2400" b="1" dirty="0" err="1">
+                <a:solidFill>
+                  <a:srgbClr val="05B780"/>
+                </a:solidFill>
+                <a:latin typeface="Microsoft YaHei" panose="020B0503020204020204" pitchFamily="34" charset="-122"/>
+                <a:ea typeface="Microsoft YaHei" panose="020B0503020204020204" pitchFamily="34" charset="-122"/>
+              </a:rPr>
+              <a:t>Divide&amp;Conquer</a:t>
+            </a:r>
+            <a:endParaRPr lang="en-US" altLang="zh-CN" sz="2400" b="1" dirty="0">
+              <a:solidFill>
+                <a:srgbClr val="05B780"/>
+              </a:solidFill>
+              <a:latin typeface="Microsoft YaHei" panose="020B0503020204020204" pitchFamily="34" charset="-122"/>
+              <a:ea typeface="Microsoft YaHei" panose="020B0503020204020204" pitchFamily="34" charset="-122"/>
+            </a:endParaRPr>
+          </a:p>
+        </p:txBody>
+      </p:sp>
+      <p:grpSp>
+        <p:nvGrpSpPr>
+          <p:cNvPr id="21" name="组合 3"/>
+          <p:cNvGrpSpPr/>
+          <p:nvPr/>
+        </p:nvGrpSpPr>
+        <p:grpSpPr>
+          <a:xfrm>
+            <a:off x="1167759" y="3596317"/>
+            <a:ext cx="814394" cy="849312"/>
+            <a:chOff x="1473122" y="1521446"/>
+            <a:chExt cx="653650" cy="681967"/>
+          </a:xfrm>
+        </p:grpSpPr>
+        <p:sp>
+          <p:nvSpPr>
+            <p:cNvPr id="22" name="六边形 2"/>
+            <p:cNvSpPr/>
+            <p:nvPr/>
+          </p:nvSpPr>
+          <p:spPr>
+            <a:xfrm rot="5400000">
+              <a:off x="1425833" y="1568735"/>
+              <a:ext cx="681967" cy="587389"/>
+            </a:xfrm>
+            <a:prstGeom prst="hexagon">
+              <a:avLst>
+                <a:gd name="adj" fmla="val 27469"/>
+                <a:gd name="vf" fmla="val 115470"/>
+              </a:avLst>
+            </a:prstGeom>
+            <a:solidFill>
+              <a:srgbClr val="05B780"/>
+            </a:solidFill>
+            <a:ln>
+              <a:noFill/>
+            </a:ln>
+          </p:spPr>
+          <p:style>
+            <a:lnRef idx="2">
+              <a:schemeClr val="accent1">
+                <a:shade val="50000"/>
+              </a:schemeClr>
+            </a:lnRef>
+            <a:fillRef idx="1">
+              <a:schemeClr val="accent1"/>
+            </a:fillRef>
+            <a:effectRef idx="0">
+              <a:schemeClr val="accent1"/>
+            </a:effectRef>
+            <a:fontRef idx="minor">
+              <a:schemeClr val="lt1"/>
+            </a:fontRef>
+          </p:style>
+          <p:txBody>
+            <a:bodyPr anchor="ctr"/>
+            <a:lstStyle/>
+            <a:p>
+              <a:pPr marL="0" marR="0" lvl="0" indent="0" algn="ctr" defTabSz="914400" rtl="0" eaLnBrk="1" fontAlgn="auto" latinLnBrk="0" hangingPunct="1">
+                <a:lnSpc>
+                  <a:spcPct val="100000"/>
+                </a:lnSpc>
+                <a:spcBef>
+                  <a:spcPts val="0"/>
+                </a:spcBef>
+                <a:spcAft>
+                  <a:spcPts val="0"/>
+                </a:spcAft>
+                <a:buClrTx/>
+                <a:buSzTx/>
+                <a:buFontTx/>
+                <a:buNone/>
+                <a:defRPr/>
+              </a:pPr>
+              <a:endParaRPr kumimoji="0" lang="zh-CN" altLang="en-US" sz="1800" b="0" i="0" u="none" strike="noStrike" kern="1200" cap="none" spc="0" normalizeH="0" baseline="0" noProof="0">
+                <a:ln>
+                  <a:noFill/>
+                </a:ln>
+                <a:solidFill>
+                  <a:schemeClr val="lt1"/>
+                </a:solidFill>
+                <a:effectLst/>
+                <a:uLnTx/>
+                <a:uFillTx/>
+                <a:latin typeface="+mn-lt"/>
+                <a:ea typeface="+mn-ea"/>
+                <a:cs typeface="+mn-cs"/>
+              </a:endParaRPr>
+            </a:p>
+          </p:txBody>
+        </p:sp>
+        <p:sp>
+          <p:nvSpPr>
+            <p:cNvPr id="23" name="文本框 46"/>
+            <p:cNvSpPr txBox="1"/>
+            <p:nvPr/>
+          </p:nvSpPr>
+          <p:spPr>
+            <a:xfrm>
+              <a:off x="1524732" y="1669097"/>
+              <a:ext cx="602040" cy="419123"/>
+            </a:xfrm>
+            <a:prstGeom prst="rect">
+              <a:avLst/>
+            </a:prstGeom>
+            <a:noFill/>
+            <a:ln w="9525">
+              <a:noFill/>
+            </a:ln>
+          </p:spPr>
+          <p:txBody>
+            <a:bodyPr anchor="t" anchorCtr="0">
+              <a:spAutoFit/>
+            </a:bodyPr>
+            <a:lstStyle/>
+            <a:p>
+              <a:pPr>
+                <a:buFont typeface="Arial" panose="020B0604020202020204" pitchFamily="34" charset="0"/>
+              </a:pPr>
+              <a:r>
+                <a:rPr lang="en-US" altLang="zh-CN" sz="2800" b="1" dirty="0">
+                  <a:solidFill>
+                    <a:schemeClr val="bg1"/>
+                  </a:solidFill>
+                  <a:latin typeface="Microsoft YaHei" panose="020B0503020204020204" pitchFamily="34" charset="-122"/>
+                  <a:ea typeface="Microsoft YaHei" panose="020B0503020204020204" pitchFamily="34" charset="-122"/>
+                </a:rPr>
+                <a:t>03</a:t>
+              </a:r>
+              <a:endParaRPr lang="zh-CN" altLang="en-US" sz="2800" b="1" dirty="0">
+                <a:solidFill>
+                  <a:schemeClr val="bg1"/>
+                </a:solidFill>
+                <a:latin typeface="Microsoft YaHei" panose="020B0503020204020204" pitchFamily="34" charset="-122"/>
+                <a:ea typeface="Microsoft YaHei" panose="020B0503020204020204" pitchFamily="34" charset="-122"/>
+              </a:endParaRPr>
+            </a:p>
+          </p:txBody>
+        </p:sp>
+      </p:grpSp>
+    </p:spTree>
+  </p:cSld>
+  <p:clrMapOvr>
+    <a:masterClrMapping/>
+  </p:clrMapOvr>
+  <p:transition spd="slow">
+    <p:wipe/>
+  </p:transition>
+</p:sld>
+</file>
+
+<file path=ppt/slides/slide3.xml><?xml version="1.0" encoding="utf-8"?>
+<p:sld xmlns:a="http://schemas.openxmlformats.org/drawingml/2006/main" xmlns:r="http://schemas.openxmlformats.org/officeDocument/2006/relationships" xmlns:p="http://schemas.openxmlformats.org/presentationml/2006/main">
+  <p:cSld>
+    <p:spTree>
+      <p:nvGrpSpPr>
+        <p:cNvPr id="1" name=""/>
+        <p:cNvGrpSpPr/>
+        <p:nvPr/>
+      </p:nvGrpSpPr>
+      <p:grpSpPr>
+        <a:xfrm>
+          <a:off x="0" y="0"/>
+          <a:ext cx="0" cy="0"/>
+          <a:chOff x="0" y="0"/>
+          <a:chExt cx="0" cy="0"/>
+        </a:xfrm>
+      </p:grpSpPr>
+      <p:sp>
+        <p:nvSpPr>
+          <p:cNvPr id="46" name="任意多边形 45"/>
+          <p:cNvSpPr/>
+          <p:nvPr/>
+        </p:nvSpPr>
+        <p:spPr>
+          <a:xfrm>
+            <a:off x="0" y="260350"/>
+            <a:ext cx="3922395" cy="739775"/>
+          </a:xfrm>
+          <a:custGeom>
+            <a:avLst/>
+            <a:gdLst>
+              <a:gd name="connsiteX0" fmla="*/ 0 w 2091831"/>
+              <a:gd name="connsiteY0" fmla="*/ 0 h 739718"/>
+              <a:gd name="connsiteX1" fmla="*/ 1721972 w 2091831"/>
+              <a:gd name="connsiteY1" fmla="*/ 0 h 739718"/>
+              <a:gd name="connsiteX2" fmla="*/ 2091831 w 2091831"/>
+              <a:gd name="connsiteY2" fmla="*/ 369859 h 739718"/>
+              <a:gd name="connsiteX3" fmla="*/ 1721972 w 2091831"/>
+              <a:gd name="connsiteY3" fmla="*/ 739718 h 739718"/>
+              <a:gd name="connsiteX4" fmla="*/ 0 w 2091831"/>
+              <a:gd name="connsiteY4" fmla="*/ 739718 h 739718"/>
+            </a:gdLst>
+            <a:ahLst/>
+            <a:cxnLst>
+              <a:cxn ang="0">
+                <a:pos x="connsiteX0" y="connsiteY0"/>
+              </a:cxn>
+              <a:cxn ang="0">
+                <a:pos x="connsiteX1" y="connsiteY1"/>
+              </a:cxn>
+              <a:cxn ang="0">
+                <a:pos x="connsiteX2" y="connsiteY2"/>
+              </a:cxn>
+              <a:cxn ang="0">
+                <a:pos x="connsiteX3" y="connsiteY3"/>
+              </a:cxn>
+              <a:cxn ang="0">
+                <a:pos x="connsiteX4" y="connsiteY4"/>
+              </a:cxn>
+            </a:cxnLst>
+            <a:rect l="l" t="t" r="r" b="b"/>
+            <a:pathLst>
+              <a:path w="2091831" h="739718">
+                <a:moveTo>
+                  <a:pt x="0" y="0"/>
+                </a:moveTo>
+                <a:lnTo>
+                  <a:pt x="1721972" y="0"/>
+                </a:lnTo>
+                <a:cubicBezTo>
+                  <a:pt x="1926239" y="0"/>
+                  <a:pt x="2091831" y="165592"/>
+                  <a:pt x="2091831" y="369859"/>
+                </a:cubicBezTo>
+                <a:cubicBezTo>
+                  <a:pt x="2091831" y="574126"/>
+                  <a:pt x="1926239" y="739718"/>
+                  <a:pt x="1721972" y="739718"/>
+                </a:cubicBezTo>
+                <a:lnTo>
+                  <a:pt x="0" y="739718"/>
+                </a:lnTo>
+                <a:close/>
+              </a:path>
+            </a:pathLst>
+          </a:custGeom>
+          <a:solidFill>
+            <a:srgbClr val="05B780"/>
+          </a:solidFill>
+          <a:ln>
+            <a:noFill/>
+          </a:ln>
+        </p:spPr>
+        <p:style>
+          <a:lnRef idx="2">
+            <a:schemeClr val="accent1">
+              <a:shade val="50000"/>
+            </a:schemeClr>
+          </a:lnRef>
+          <a:fillRef idx="1">
+            <a:schemeClr val="accent1"/>
+          </a:fillRef>
+          <a:effectRef idx="0">
+            <a:schemeClr val="accent1"/>
+          </a:effectRef>
+          <a:fontRef idx="minor">
+            <a:schemeClr val="lt1"/>
+          </a:fontRef>
+        </p:style>
+        <p:txBody>
+          <a:bodyPr anchor="ctr"/>
+          <a:lstStyle/>
+          <a:p>
+            <a:pPr marL="0" marR="0" lvl="0" indent="0" algn="ctr" defTabSz="914400" rtl="0" eaLnBrk="1" fontAlgn="auto" latinLnBrk="0" hangingPunct="1">
+              <a:lnSpc>
+                <a:spcPct val="100000"/>
+              </a:lnSpc>
+              <a:spcBef>
+                <a:spcPts val="0"/>
+              </a:spcBef>
+              <a:spcAft>
+                <a:spcPts val="0"/>
+              </a:spcAft>
+              <a:buClrTx/>
+              <a:buSzTx/>
+              <a:buFontTx/>
+              <a:buNone/>
+              <a:defRPr/>
+            </a:pPr>
+            <a:endParaRPr kumimoji="0" lang="zh-CN" altLang="en-US" sz="1800" b="0" i="0" u="none" strike="noStrike" kern="1200" cap="none" spc="0" normalizeH="0" baseline="0" noProof="0">
+              <a:ln>
+                <a:noFill/>
+              </a:ln>
+              <a:solidFill>
+                <a:schemeClr val="lt1"/>
+              </a:solidFill>
+              <a:effectLst/>
+              <a:uLnTx/>
+              <a:uFillTx/>
+              <a:latin typeface="+mn-lt"/>
+              <a:ea typeface="+mn-ea"/>
+              <a:cs typeface="+mn-cs"/>
+            </a:endParaRPr>
+          </a:p>
+        </p:txBody>
+      </p:sp>
+      <p:sp>
+        <p:nvSpPr>
+          <p:cNvPr id="6146" name="文本框 101"/>
+          <p:cNvSpPr txBox="1"/>
+          <p:nvPr/>
+        </p:nvSpPr>
+        <p:spPr>
+          <a:xfrm>
+            <a:off x="0" y="338455"/>
+            <a:ext cx="3255645" cy="583565"/>
+          </a:xfrm>
+          <a:prstGeom prst="rect">
+            <a:avLst/>
+          </a:prstGeom>
+          <a:noFill/>
+          <a:ln w="9525">
+            <a:noFill/>
+          </a:ln>
+        </p:spPr>
+        <p:txBody>
+          <a:bodyPr wrap="square" anchor="t" anchorCtr="0">
+            <a:spAutoFit/>
+          </a:bodyPr>
+          <a:lstStyle/>
           <a:p>
             <a:pPr>
               <a:buFont typeface="Arial" panose="020B0604020202020204" pitchFamily="34" charset="0"/>
@@ -6127,15 +9765,8 @@
                 <a:latin typeface="Microsoft YaHei" panose="020B0503020204020204" pitchFamily="34" charset="-122"/>
                 <a:ea typeface="Microsoft YaHei" panose="020B0503020204020204" pitchFamily="34" charset="-122"/>
               </a:rPr>
-              <a:t>Class Exercise</a:t>
+              <a:t>Week3 Recap</a:t>
             </a:r>
-            <a:endParaRPr lang="en-US" altLang="zh-CN" sz="3200" b="1" dirty="0">
-              <a:solidFill>
-                <a:schemeClr val="bg1"/>
-              </a:solidFill>
-              <a:latin typeface="Microsoft YaHei" panose="020B0503020204020204" pitchFamily="34" charset="-122"/>
-              <a:ea typeface="Microsoft YaHei" panose="020B0503020204020204" pitchFamily="34" charset="-122"/>
-            </a:endParaRPr>
           </a:p>
         </p:txBody>
       </p:sp>
@@ -6221,7 +9852,7 @@
         </p:nvSpPr>
         <p:spPr>
           <a:xfrm>
-            <a:off x="4319588" y="2556510"/>
+            <a:off x="4319588" y="2498725"/>
             <a:ext cx="5067300" cy="583565"/>
           </a:xfrm>
           <a:prstGeom prst="rect">
@@ -6236,6 +9867,7 @@
           <a:bodyPr wrap="square" anchor="t" anchorCtr="0">
             <a:spAutoFit/>
           </a:bodyPr>
+          <a:lstStyle/>
           <a:p>
             <a:pPr>
               <a:buFont typeface="Arial" panose="020B0604020202020204" pitchFamily="34" charset="0"/>
@@ -6248,15 +9880,8 @@
                 <a:latin typeface="Microsoft YaHei" panose="020B0503020204020204" pitchFamily="34" charset="-122"/>
                 <a:ea typeface="Microsoft YaHei" panose="020B0503020204020204" pitchFamily="34" charset="-122"/>
               </a:rPr>
-              <a:t>Class Exercises</a:t>
+              <a:t>Week 4 Recap</a:t>
             </a:r>
-            <a:endParaRPr lang="en-US" altLang="zh-CN" sz="3200" b="1" dirty="0">
-              <a:solidFill>
-                <a:srgbClr val="05B780"/>
-              </a:solidFill>
-              <a:latin typeface="Microsoft YaHei" panose="020B0503020204020204" pitchFamily="34" charset="-122"/>
-              <a:ea typeface="Microsoft YaHei" panose="020B0503020204020204" pitchFamily="34" charset="-122"/>
-            </a:endParaRPr>
           </a:p>
         </p:txBody>
       </p:sp>
@@ -6374,6 +9999,7 @@
             <a:bodyPr wrap="square" anchor="t" anchorCtr="0">
               <a:spAutoFit/>
             </a:bodyPr>
+            <a:lstStyle/>
             <a:p>
               <a:pPr>
                 <a:buFont typeface="Arial" panose="020B0604020202020204" pitchFamily="34" charset="0"/>
@@ -6386,15 +10012,8 @@
                   <a:latin typeface="Microsoft YaHei" panose="020B0503020204020204" pitchFamily="34" charset="-122"/>
                   <a:ea typeface="Microsoft YaHei" panose="020B0503020204020204" pitchFamily="34" charset="-122"/>
                 </a:rPr>
-                <a:t>04</a:t>
+                <a:t>01a</a:t>
               </a:r>
-              <a:endParaRPr lang="en-US" altLang="zh-CN" sz="4400" b="1" dirty="0">
-                <a:solidFill>
-                  <a:schemeClr val="bg1"/>
-                </a:solidFill>
-                <a:latin typeface="Microsoft YaHei" panose="020B0503020204020204" pitchFamily="34" charset="-122"/>
-                <a:ea typeface="Microsoft YaHei" panose="020B0503020204020204" pitchFamily="34" charset="-122"/>
-              </a:endParaRPr>
             </a:p>
           </p:txBody>
         </p:sp>
@@ -6410,7 +10029,7 @@
 </p:sld>
 </file>
 
-<file path=ppt/slides/slide14.xml><?xml version="1.0" encoding="utf-8"?>
+<file path=ppt/slides/slide4.xml><?xml version="1.0" encoding="utf-8"?>
 <p:sld xmlns:a="http://schemas.openxmlformats.org/drawingml/2006/main" xmlns:r="http://schemas.openxmlformats.org/officeDocument/2006/relationships" xmlns:p="http://schemas.openxmlformats.org/presentationml/2006/main">
   <p:cSld>
     <p:spTree>
@@ -6419,7 +10038,14 @@
         <p:cNvGrpSpPr/>
         <p:nvPr/>
       </p:nvGrpSpPr>
-      <p:grpSpPr/>
+      <p:grpSpPr>
+        <a:xfrm>
+          <a:off x="0" y="0"/>
+          <a:ext cx="0" cy="0"/>
+          <a:chOff x="0" y="0"/>
+          <a:chExt cx="0" cy="0"/>
+        </a:xfrm>
+      </p:grpSpPr>
       <p:sp>
         <p:nvSpPr>
           <p:cNvPr id="15" name="任意多边形 14"/>
@@ -6572,6 +10198,7 @@
           <a:bodyPr anchor="t" anchorCtr="0">
             <a:spAutoFit/>
           </a:bodyPr>
+          <a:lstStyle/>
           <a:p>
             <a:pPr>
               <a:buFont typeface="Arial" panose="020B0604020202020204" pitchFamily="34" charset="0"/>
@@ -6586,13 +10213,6 @@
               </a:rPr>
               <a:t>1.1</a:t>
             </a:r>
-            <a:endParaRPr lang="en-US" altLang="zh-CN" sz="2800" b="1" dirty="0">
-              <a:solidFill>
-                <a:schemeClr val="bg1"/>
-              </a:solidFill>
-              <a:latin typeface="Microsoft YaHei" panose="020B0503020204020204" pitchFamily="34" charset="-122"/>
-              <a:ea typeface="Microsoft YaHei" panose="020B0503020204020204" pitchFamily="34" charset="-122"/>
-            </a:endParaRPr>
           </a:p>
         </p:txBody>
       </p:sp>
@@ -6687,33 +10307,17 @@
                 <a:cs typeface="+mn-cs"/>
                 <a:sym typeface="+mn-ea"/>
               </a:rPr>
-              <a:t>Title</a:t>
+              <a:t>Week4 Recap</a:t>
             </a:r>
-            <a:endParaRPr kumimoji="0" lang="en-US" altLang="zh-CN" sz="2800" b="1" i="0" u="none" strike="noStrike" kern="1200" cap="none" spc="0" normalizeH="0" baseline="0" noProof="0" dirty="0">
-              <a:ln>
-                <a:noFill/>
-              </a:ln>
-              <a:solidFill>
-                <a:schemeClr val="tx1">
-                  <a:lumMod val="85000"/>
-                  <a:lumOff val="15000"/>
-                </a:schemeClr>
-              </a:solidFill>
-              <a:effectLst/>
-              <a:uLnTx/>
-              <a:uFillTx/>
-              <a:latin typeface="Microsoft YaHei" panose="020B0503020204020204" pitchFamily="34" charset="-122"/>
-              <a:ea typeface="Microsoft YaHei" panose="020B0503020204020204" pitchFamily="34" charset="-122"/>
-              <a:cs typeface="+mn-cs"/>
-              <a:sym typeface="+mn-ea"/>
-            </a:endParaRPr>
           </a:p>
         </p:txBody>
       </p:sp>
       <p:sp>
         <p:nvSpPr>
           <p:cNvPr id="3" name="Content Placeholder 2"/>
-          <p:cNvSpPr/>
+          <p:cNvSpPr>
+            <a:spLocks noGrp="1"/>
+          </p:cNvSpPr>
           <p:nvPr>
             <p:ph idx="1"/>
           </p:nvPr>
@@ -6721,8 +10325,52 @@
         <p:spPr/>
         <p:txBody>
           <a:bodyPr/>
-          <a:p>
-            <a:endParaRPr lang="en-US"/>
+          <a:lstStyle/>
+          <a:p>
+            <a:r>
+              <a:rPr lang="en-US" dirty="0"/>
+              <a:t>Linked List</a:t>
+            </a:r>
+          </a:p>
+          <a:p>
+            <a:r>
+              <a:rPr lang="en-US" dirty="0"/>
+              <a:t>Binary Tree</a:t>
+            </a:r>
+          </a:p>
+          <a:p>
+            <a:r>
+              <a:rPr lang="en-US" dirty="0"/>
+              <a:t>Tree Traversals</a:t>
+            </a:r>
+          </a:p>
+          <a:p>
+            <a:pPr lvl="1"/>
+            <a:r>
+              <a:rPr lang="en-US" dirty="0"/>
+              <a:t>Level order</a:t>
+            </a:r>
+          </a:p>
+          <a:p>
+            <a:pPr lvl="1"/>
+            <a:r>
+              <a:rPr lang="en-US" dirty="0"/>
+              <a:t>Pre order</a:t>
+            </a:r>
+          </a:p>
+          <a:p>
+            <a:pPr lvl="1"/>
+            <a:r>
+              <a:rPr lang="en-US" dirty="0"/>
+              <a:t>Post order</a:t>
+            </a:r>
+          </a:p>
+          <a:p>
+            <a:pPr lvl="1"/>
+            <a:r>
+              <a:rPr lang="en-US" dirty="0"/>
+              <a:t>In order</a:t>
+            </a:r>
           </a:p>
         </p:txBody>
       </p:sp>
@@ -6737,7 +10385,7 @@
 </p:sld>
 </file>
 
-<file path=ppt/slides/slide15.xml><?xml version="1.0" encoding="utf-8"?>
+<file path=ppt/slides/slide5.xml><?xml version="1.0" encoding="utf-8"?>
 <p:sld xmlns:a="http://schemas.openxmlformats.org/drawingml/2006/main" xmlns:r="http://schemas.openxmlformats.org/officeDocument/2006/relationships" xmlns:p="http://schemas.openxmlformats.org/presentationml/2006/main">
   <p:cSld>
     <p:spTree>
@@ -6746,30 +10394,37 @@
         <p:cNvGrpSpPr/>
         <p:nvPr/>
       </p:nvGrpSpPr>
-      <p:grpSpPr/>
+      <p:grpSpPr>
+        <a:xfrm>
+          <a:off x="0" y="0"/>
+          <a:ext cx="0" cy="0"/>
+          <a:chOff x="0" y="0"/>
+          <a:chExt cx="0" cy="0"/>
+        </a:xfrm>
+      </p:grpSpPr>
       <p:sp>
         <p:nvSpPr>
-          <p:cNvPr id="15" name="任意多边形 14"/>
+          <p:cNvPr id="46" name="任意多边形 45"/>
           <p:cNvSpPr/>
           <p:nvPr/>
         </p:nvSpPr>
         <p:spPr>
           <a:xfrm>
-            <a:off x="0" y="274638"/>
-            <a:ext cx="890588" cy="639763"/>
+            <a:off x="0" y="260350"/>
+            <a:ext cx="3922395" cy="739775"/>
           </a:xfrm>
           <a:custGeom>
             <a:avLst/>
             <a:gdLst>
-              <a:gd name="connsiteX0" fmla="*/ 0 w 1029743"/>
+              <a:gd name="connsiteX0" fmla="*/ 0 w 2091831"/>
               <a:gd name="connsiteY0" fmla="*/ 0 h 739718"/>
-              <a:gd name="connsiteX1" fmla="*/ 659884 w 1029743"/>
+              <a:gd name="connsiteX1" fmla="*/ 1721972 w 2091831"/>
               <a:gd name="connsiteY1" fmla="*/ 0 h 739718"/>
-              <a:gd name="connsiteX2" fmla="*/ 1029743 w 1029743"/>
+              <a:gd name="connsiteX2" fmla="*/ 2091831 w 2091831"/>
               <a:gd name="connsiteY2" fmla="*/ 369859 h 739718"/>
-              <a:gd name="connsiteX3" fmla="*/ 659884 w 1029743"/>
+              <a:gd name="connsiteX3" fmla="*/ 1721972 w 2091831"/>
               <a:gd name="connsiteY3" fmla="*/ 739718 h 739718"/>
-              <a:gd name="connsiteX4" fmla="*/ 0 w 1029743"/>
+              <a:gd name="connsiteX4" fmla="*/ 0 w 2091831"/>
               <a:gd name="connsiteY4" fmla="*/ 739718 h 739718"/>
             </a:gdLst>
             <a:ahLst/>
@@ -6792,22 +10447,22 @@
             </a:cxnLst>
             <a:rect l="l" t="t" r="r" b="b"/>
             <a:pathLst>
-              <a:path w="1029743" h="739718">
+              <a:path w="2091831" h="739718">
                 <a:moveTo>
                   <a:pt x="0" y="0"/>
                 </a:moveTo>
                 <a:lnTo>
-                  <a:pt x="659884" y="0"/>
+                  <a:pt x="1721972" y="0"/>
                 </a:lnTo>
                 <a:cubicBezTo>
-                  <a:pt x="864151" y="0"/>
-                  <a:pt x="1029743" y="165592"/>
-                  <a:pt x="1029743" y="369859"/>
-                </a:cubicBezTo>
-                <a:cubicBezTo>
-                  <a:pt x="1029743" y="574126"/>
-                  <a:pt x="864151" y="739718"/>
-                  <a:pt x="659884" y="739718"/>
+                  <a:pt x="1926239" y="0"/>
+                  <a:pt x="2091831" y="165592"/>
+                  <a:pt x="2091831" y="369859"/>
+                </a:cubicBezTo>
+                <a:cubicBezTo>
+                  <a:pt x="2091831" y="574126"/>
+                  <a:pt x="1926239" y="739718"/>
+                  <a:pt x="1721972" y="739718"/>
                 </a:cubicBezTo>
                 <a:lnTo>
                   <a:pt x="0" y="739718"/>
@@ -6864,3210 +10519,6 @@
                 <a:noFill/>
               </a:ln>
               <a:solidFill>
-                <a:schemeClr val="bg1"/>
-              </a:solidFill>
-              <a:effectLst/>
-              <a:uLnTx/>
-              <a:uFillTx/>
-              <a:latin typeface="+mn-lt"/>
-              <a:ea typeface="+mn-ea"/>
-              <a:cs typeface="+mn-cs"/>
-            </a:endParaRPr>
-          </a:p>
-        </p:txBody>
-      </p:sp>
-      <p:sp>
-        <p:nvSpPr>
-          <p:cNvPr id="7170" name="文本框 156"/>
-          <p:cNvSpPr txBox="1"/>
-          <p:nvPr/>
-        </p:nvSpPr>
-        <p:spPr>
-          <a:xfrm>
-            <a:off x="0" y="350838"/>
-            <a:ext cx="814388" cy="521970"/>
-          </a:xfrm>
-          <a:prstGeom prst="rect">
-            <a:avLst/>
-          </a:prstGeom>
-          <a:noFill/>
-          <a:ln w="9525">
-            <a:noFill/>
-          </a:ln>
-        </p:spPr>
-        <p:txBody>
-          <a:bodyPr anchor="t" anchorCtr="0">
-            <a:spAutoFit/>
-          </a:bodyPr>
-          <a:p>
-            <a:pPr>
-              <a:buFont typeface="Arial" panose="020B0604020202020204" pitchFamily="34" charset="0"/>
-            </a:pPr>
-            <a:r>
-              <a:rPr lang="en-US" altLang="zh-CN" sz="2800" b="1" dirty="0">
-                <a:solidFill>
-                  <a:schemeClr val="bg1"/>
-                </a:solidFill>
-                <a:latin typeface="Microsoft YaHei" panose="020B0503020204020204" pitchFamily="34" charset="-122"/>
-                <a:ea typeface="Microsoft YaHei" panose="020B0503020204020204" pitchFamily="34" charset="-122"/>
-              </a:rPr>
-              <a:t>4.4</a:t>
-            </a:r>
-            <a:endParaRPr lang="en-US" altLang="zh-CN" sz="2800" b="1" dirty="0">
-              <a:solidFill>
-                <a:schemeClr val="bg1"/>
-              </a:solidFill>
-              <a:latin typeface="Microsoft YaHei" panose="020B0503020204020204" pitchFamily="34" charset="-122"/>
-              <a:ea typeface="Microsoft YaHei" panose="020B0503020204020204" pitchFamily="34" charset="-122"/>
-            </a:endParaRPr>
-          </a:p>
-        </p:txBody>
-      </p:sp>
-      <p:sp>
-        <p:nvSpPr>
-          <p:cNvPr id="16" name="Rectangle 6"/>
-          <p:cNvSpPr>
-            <a:spLocks noChangeArrowheads="1"/>
-          </p:cNvSpPr>
-          <p:nvPr/>
-        </p:nvSpPr>
-        <p:spPr bwMode="black">
-          <a:xfrm>
-            <a:off x="1021080" y="334010"/>
-            <a:ext cx="8777605" cy="521970"/>
-          </a:xfrm>
-          <a:prstGeom prst="rect">
-            <a:avLst/>
-          </a:prstGeom>
-          <a:noFill/>
-          <a:ln>
-            <a:noFill/>
-          </a:ln>
-          <a:effectLst/>
-          <a:extLst>
-            <a:ext uri="{909E8E84-426E-40DD-AFC4-6F175D3DCCD1}">
-              <a14:hiddenFill xmlns:a14="http://schemas.microsoft.com/office/drawing/2010/main">
-                <a:solidFill>
-                  <a:schemeClr val="accent1"/>
-                </a:solidFill>
-              </a14:hiddenFill>
-            </a:ext>
-            <a:ext uri="{91240B29-F687-4F45-9708-019B960494DF}">
-              <a14:hiddenLine xmlns:a14="http://schemas.microsoft.com/office/drawing/2010/main" w="9525">
-                <a:solidFill>
-                  <a:schemeClr val="tx1"/>
-                </a:solidFill>
-                <a:miter lim="800000"/>
-                <a:headEnd/>
-                <a:tailEnd/>
-              </a14:hiddenLine>
-            </a:ext>
-            <a:ext uri="{AF507438-7753-43E0-B8FC-AC1667EBCBE1}">
-              <a14:hiddenEffects xmlns:a14="http://schemas.microsoft.com/office/drawing/2010/main">
-                <a:effectLst>
-                  <a:outerShdw dist="35921" dir="2700000" algn="ctr" rotWithShape="0">
-                    <a:schemeClr val="bg2"/>
-                  </a:outerShdw>
-                </a:effectLst>
-              </a14:hiddenEffects>
-            </a:ext>
-          </a:extLst>
-        </p:spPr>
-        <p:txBody>
-          <a:bodyPr wrap="square">
-            <a:spAutoFit/>
-          </a:bodyPr>
-          <a:lstStyle/>
-          <a:p>
-            <a:pPr marL="0" marR="0" lvl="0" indent="0" algn="l" defTabSz="914400" rtl="0" eaLnBrk="0" fontAlgn="auto" latinLnBrk="0" hangingPunct="0">
-              <a:lnSpc>
-                <a:spcPct val="100000"/>
-              </a:lnSpc>
-              <a:spcBef>
-                <a:spcPts val="0"/>
-              </a:spcBef>
-              <a:spcAft>
-                <a:spcPts val="0"/>
-              </a:spcAft>
-              <a:buClrTx/>
-              <a:buSzTx/>
-              <a:buFontTx/>
-              <a:buNone/>
-              <a:defRPr/>
-            </a:pPr>
-            <a:r>
-              <a:rPr kumimoji="0" lang="en-US" altLang="zh-CN" sz="2800" b="1" i="0" u="none" strike="noStrike" kern="1200" cap="none" spc="0" normalizeH="0" baseline="0" noProof="0" dirty="0">
-                <a:ln>
-                  <a:noFill/>
-                </a:ln>
-                <a:solidFill>
-                  <a:schemeClr val="tx1">
-                    <a:lumMod val="85000"/>
-                    <a:lumOff val="15000"/>
-                  </a:schemeClr>
-                </a:solidFill>
-                <a:effectLst/>
-                <a:uLnTx/>
-                <a:uFillTx/>
-                <a:latin typeface="Microsoft YaHei" panose="020B0503020204020204" pitchFamily="34" charset="-122"/>
-                <a:ea typeface="Microsoft YaHei" panose="020B0503020204020204" pitchFamily="34" charset="-122"/>
-                <a:cs typeface="+mn-cs"/>
-                <a:sym typeface="+mn-ea"/>
-              </a:rPr>
-              <a:t>Homework</a:t>
-            </a:r>
-            <a:endParaRPr kumimoji="0" lang="en-US" altLang="zh-CN" sz="2800" b="1" i="0" u="none" strike="noStrike" kern="1200" cap="none" spc="0" normalizeH="0" baseline="0" noProof="0" dirty="0">
-              <a:ln>
-                <a:noFill/>
-              </a:ln>
-              <a:solidFill>
-                <a:schemeClr val="tx1">
-                  <a:lumMod val="85000"/>
-                  <a:lumOff val="15000"/>
-                </a:schemeClr>
-              </a:solidFill>
-              <a:effectLst/>
-              <a:uLnTx/>
-              <a:uFillTx/>
-              <a:latin typeface="Microsoft YaHei" panose="020B0503020204020204" pitchFamily="34" charset="-122"/>
-              <a:ea typeface="Microsoft YaHei" panose="020B0503020204020204" pitchFamily="34" charset="-122"/>
-              <a:cs typeface="+mn-cs"/>
-              <a:sym typeface="+mn-ea"/>
-            </a:endParaRPr>
-          </a:p>
-        </p:txBody>
-      </p:sp>
-      <p:sp>
-        <p:nvSpPr>
-          <p:cNvPr id="3" name="Content Placeholder 2"/>
-          <p:cNvSpPr/>
-          <p:nvPr>
-            <p:ph idx="1"/>
-          </p:nvPr>
-        </p:nvSpPr>
-        <p:spPr>
-          <a:xfrm>
-            <a:off x="890905" y="1183640"/>
-            <a:ext cx="10515600" cy="4351338"/>
-          </a:xfrm>
-        </p:spPr>
-        <p:txBody>
-          <a:bodyPr/>
-          <a:p>
-            <a:endParaRPr lang="en-US" sz="1710"/>
-          </a:p>
-        </p:txBody>
-      </p:sp>
-    </p:spTree>
-  </p:cSld>
-  <p:clrMapOvr>
-    <a:masterClrMapping/>
-  </p:clrMapOvr>
-  <p:transition spd="slow">
-    <p:wipe/>
-  </p:transition>
-</p:sld>
-</file>
-
-<file path=ppt/slides/slide16.xml><?xml version="1.0" encoding="utf-8"?>
-<p:sld xmlns:a="http://schemas.openxmlformats.org/drawingml/2006/main" xmlns:r="http://schemas.openxmlformats.org/officeDocument/2006/relationships" xmlns:p="http://schemas.openxmlformats.org/presentationml/2006/main">
-  <p:cSld>
-    <p:spTree>
-      <p:nvGrpSpPr>
-        <p:cNvPr id="1" name=""/>
-        <p:cNvGrpSpPr/>
-        <p:nvPr/>
-      </p:nvGrpSpPr>
-      <p:grpSpPr/>
-      <p:sp>
-        <p:nvSpPr>
-          <p:cNvPr id="27" name="任意多边形 26"/>
-          <p:cNvSpPr/>
-          <p:nvPr/>
-        </p:nvSpPr>
-        <p:spPr>
-          <a:xfrm rot="1105229">
-            <a:off x="879475" y="-420687"/>
-            <a:ext cx="10955338" cy="8162925"/>
-          </a:xfrm>
-          <a:custGeom>
-            <a:avLst/>
-            <a:gdLst>
-              <a:gd name="connsiteX0" fmla="*/ 592396 w 10955364"/>
-              <a:gd name="connsiteY0" fmla="*/ 1850814 h 8163749"/>
-              <a:gd name="connsiteX1" fmla="*/ 1543995 w 10955364"/>
-              <a:gd name="connsiteY1" fmla="*/ 1533881 h 8163749"/>
-              <a:gd name="connsiteX2" fmla="*/ 6955594 w 10955364"/>
-              <a:gd name="connsiteY2" fmla="*/ 1533882 h 8163749"/>
-              <a:gd name="connsiteX3" fmla="*/ 5829846 w 10955364"/>
-              <a:gd name="connsiteY3" fmla="*/ 106467 h 8163749"/>
-              <a:gd name="connsiteX4" fmla="*/ 6149516 w 10955364"/>
-              <a:gd name="connsiteY4" fmla="*/ 0 h 8163749"/>
-              <a:gd name="connsiteX5" fmla="*/ 9448032 w 10955364"/>
-              <a:gd name="connsiteY5" fmla="*/ 4182420 h 8163749"/>
-              <a:gd name="connsiteX6" fmla="*/ 10818039 w 10955364"/>
-              <a:gd name="connsiteY6" fmla="*/ 1649166 h 8163749"/>
-              <a:gd name="connsiteX7" fmla="*/ 10955364 w 10955364"/>
-              <a:gd name="connsiteY7" fmla="*/ 2061488 h 8163749"/>
-              <a:gd name="connsiteX8" fmla="*/ 8602988 w 10955364"/>
-              <a:gd name="connsiteY8" fmla="*/ 6411222 h 8163749"/>
-              <a:gd name="connsiteX9" fmla="*/ 8163520 w 10955364"/>
-              <a:gd name="connsiteY9" fmla="*/ 6557588 h 8163749"/>
-              <a:gd name="connsiteX10" fmla="*/ 9283839 w 10955364"/>
-              <a:gd name="connsiteY10" fmla="*/ 4486027 h 8163749"/>
-              <a:gd name="connsiteX11" fmla="*/ 7205549 w 10955364"/>
-              <a:gd name="connsiteY11" fmla="*/ 1850816 h 8163749"/>
-              <a:gd name="connsiteX12" fmla="*/ 3551417 w 10955364"/>
-              <a:gd name="connsiteY12" fmla="*/ 1850816 h 8163749"/>
-              <a:gd name="connsiteX13" fmla="*/ 1816446 w 10955364"/>
-              <a:gd name="connsiteY13" fmla="*/ 5058920 h 8163749"/>
-              <a:gd name="connsiteX14" fmla="*/ 4088911 w 10955364"/>
-              <a:gd name="connsiteY14" fmla="*/ 7914648 h 8163749"/>
-              <a:gd name="connsiteX15" fmla="*/ 3768735 w 10955364"/>
-              <a:gd name="connsiteY15" fmla="*/ 8021284 h 8163749"/>
-              <a:gd name="connsiteX16" fmla="*/ 1652559 w 10955364"/>
-              <a:gd name="connsiteY16" fmla="*/ 5361960 h 8163749"/>
-              <a:gd name="connsiteX17" fmla="*/ 137325 w 10955364"/>
-              <a:gd name="connsiteY17" fmla="*/ 8163749 h 8163749"/>
-              <a:gd name="connsiteX18" fmla="*/ 0 w 10955364"/>
-              <a:gd name="connsiteY18" fmla="*/ 7751427 h 8163749"/>
-              <a:gd name="connsiteX19" fmla="*/ 3191107 w 10955364"/>
-              <a:gd name="connsiteY19" fmla="*/ 1850815 h 8163749"/>
-            </a:gdLst>
-            <a:ahLst/>
-            <a:cxnLst>
-              <a:cxn ang="0">
-                <a:pos x="connsiteX0" y="connsiteY0"/>
-              </a:cxn>
-              <a:cxn ang="0">
-                <a:pos x="connsiteX1" y="connsiteY1"/>
-              </a:cxn>
-              <a:cxn ang="0">
-                <a:pos x="connsiteX2" y="connsiteY2"/>
-              </a:cxn>
-              <a:cxn ang="0">
-                <a:pos x="connsiteX3" y="connsiteY3"/>
-              </a:cxn>
-              <a:cxn ang="0">
-                <a:pos x="connsiteX4" y="connsiteY4"/>
-              </a:cxn>
-              <a:cxn ang="0">
-                <a:pos x="connsiteX5" y="connsiteY5"/>
-              </a:cxn>
-              <a:cxn ang="0">
-                <a:pos x="connsiteX6" y="connsiteY6"/>
-              </a:cxn>
-              <a:cxn ang="0">
-                <a:pos x="connsiteX7" y="connsiteY7"/>
-              </a:cxn>
-              <a:cxn ang="0">
-                <a:pos x="connsiteX8" y="connsiteY8"/>
-              </a:cxn>
-              <a:cxn ang="0">
-                <a:pos x="connsiteX9" y="connsiteY9"/>
-              </a:cxn>
-              <a:cxn ang="0">
-                <a:pos x="connsiteX10" y="connsiteY10"/>
-              </a:cxn>
-              <a:cxn ang="0">
-                <a:pos x="connsiteX11" y="connsiteY11"/>
-              </a:cxn>
-              <a:cxn ang="0">
-                <a:pos x="connsiteX12" y="connsiteY12"/>
-              </a:cxn>
-              <a:cxn ang="0">
-                <a:pos x="connsiteX13" y="connsiteY13"/>
-              </a:cxn>
-              <a:cxn ang="0">
-                <a:pos x="connsiteX14" y="connsiteY14"/>
-              </a:cxn>
-              <a:cxn ang="0">
-                <a:pos x="connsiteX15" y="connsiteY15"/>
-              </a:cxn>
-              <a:cxn ang="0">
-                <a:pos x="connsiteX16" y="connsiteY16"/>
-              </a:cxn>
-              <a:cxn ang="0">
-                <a:pos x="connsiteX17" y="connsiteY17"/>
-              </a:cxn>
-              <a:cxn ang="0">
-                <a:pos x="connsiteX18" y="connsiteY18"/>
-              </a:cxn>
-              <a:cxn ang="0">
-                <a:pos x="connsiteX19" y="connsiteY19"/>
-              </a:cxn>
-            </a:cxnLst>
-            <a:rect l="l" t="t" r="r" b="b"/>
-            <a:pathLst>
-              <a:path w="10955364" h="8163749">
-                <a:moveTo>
-                  <a:pt x="592396" y="1850814"/>
-                </a:moveTo>
-                <a:lnTo>
-                  <a:pt x="1543995" y="1533881"/>
-                </a:lnTo>
-                <a:lnTo>
-                  <a:pt x="6955594" y="1533882"/>
-                </a:lnTo>
-                <a:lnTo>
-                  <a:pt x="5829846" y="106467"/>
-                </a:lnTo>
-                <a:lnTo>
-                  <a:pt x="6149516" y="0"/>
-                </a:lnTo>
-                <a:lnTo>
-                  <a:pt x="9448032" y="4182420"/>
-                </a:lnTo>
-                <a:lnTo>
-                  <a:pt x="10818039" y="1649166"/>
-                </a:lnTo>
-                <a:lnTo>
-                  <a:pt x="10955364" y="2061488"/>
-                </a:lnTo>
-                <a:lnTo>
-                  <a:pt x="8602988" y="6411222"/>
-                </a:lnTo>
-                <a:lnTo>
-                  <a:pt x="8163520" y="6557588"/>
-                </a:lnTo>
-                <a:lnTo>
-                  <a:pt x="9283839" y="4486027"/>
-                </a:lnTo>
-                <a:lnTo>
-                  <a:pt x="7205549" y="1850816"/>
-                </a:lnTo>
-                <a:lnTo>
-                  <a:pt x="3551417" y="1850816"/>
-                </a:lnTo>
-                <a:lnTo>
-                  <a:pt x="1816446" y="5058920"/>
-                </a:lnTo>
-                <a:lnTo>
-                  <a:pt x="4088911" y="7914648"/>
-                </a:lnTo>
-                <a:lnTo>
-                  <a:pt x="3768735" y="8021284"/>
-                </a:lnTo>
-                <a:lnTo>
-                  <a:pt x="1652559" y="5361960"/>
-                </a:lnTo>
-                <a:lnTo>
-                  <a:pt x="137325" y="8163749"/>
-                </a:lnTo>
-                <a:lnTo>
-                  <a:pt x="0" y="7751427"/>
-                </a:lnTo>
-                <a:lnTo>
-                  <a:pt x="3191107" y="1850815"/>
-                </a:lnTo>
-                <a:close/>
-              </a:path>
-            </a:pathLst>
-          </a:custGeom>
-          <a:solidFill>
-            <a:srgbClr val="05B780"/>
-          </a:solidFill>
-          <a:ln>
-            <a:noFill/>
-          </a:ln>
-        </p:spPr>
-        <p:style>
-          <a:lnRef idx="2">
-            <a:schemeClr val="accent1">
-              <a:shade val="50000"/>
-            </a:schemeClr>
-          </a:lnRef>
-          <a:fillRef idx="1">
-            <a:schemeClr val="accent1"/>
-          </a:fillRef>
-          <a:effectRef idx="0">
-            <a:schemeClr val="accent1"/>
-          </a:effectRef>
-          <a:fontRef idx="minor">
-            <a:schemeClr val="lt1"/>
-          </a:fontRef>
-        </p:style>
-        <p:txBody>
-          <a:bodyPr anchor="ctr"/>
-          <a:lstStyle/>
-          <a:p>
-            <a:pPr marL="0" marR="0" lvl="0" indent="0" algn="ctr" defTabSz="914400" rtl="0" eaLnBrk="1" fontAlgn="auto" latinLnBrk="0" hangingPunct="1">
-              <a:lnSpc>
-                <a:spcPct val="100000"/>
-              </a:lnSpc>
-              <a:spcBef>
-                <a:spcPts val="0"/>
-              </a:spcBef>
-              <a:spcAft>
-                <a:spcPts val="0"/>
-              </a:spcAft>
-              <a:buClrTx/>
-              <a:buSzTx/>
-              <a:buFontTx/>
-              <a:buNone/>
-              <a:defRPr/>
-            </a:pPr>
-            <a:endParaRPr kumimoji="0" lang="zh-CN" altLang="en-US" sz="1800" b="0" i="0" u="none" strike="noStrike" kern="1200" cap="none" spc="0" normalizeH="0" baseline="0" noProof="0">
-              <a:ln>
-                <a:noFill/>
-              </a:ln>
-              <a:solidFill>
-                <a:schemeClr val="lt1"/>
-              </a:solidFill>
-              <a:effectLst/>
-              <a:uLnTx/>
-              <a:uFillTx/>
-              <a:latin typeface="+mn-lt"/>
-              <a:ea typeface="+mn-ea"/>
-              <a:cs typeface="+mn-cs"/>
-            </a:endParaRPr>
-          </a:p>
-        </p:txBody>
-      </p:sp>
-      <p:sp>
-        <p:nvSpPr>
-          <p:cNvPr id="33794" name="Freeform 21"/>
-          <p:cNvSpPr/>
-          <p:nvPr/>
-        </p:nvSpPr>
-        <p:spPr>
-          <a:xfrm>
-            <a:off x="5489575" y="2338388"/>
-            <a:ext cx="1212850" cy="844550"/>
-          </a:xfrm>
-          <a:custGeom>
-            <a:avLst/>
-            <a:gdLst/>
-            <a:ahLst/>
-            <a:cxnLst>
-              <a:cxn ang="0">
-                <a:pos x="1100886755" y="0"/>
-              </a:cxn>
-              <a:cxn ang="0">
-                <a:pos x="901305125" y="0"/>
-              </a:cxn>
-              <a:cxn ang="0">
-                <a:pos x="748202390" y="0"/>
-              </a:cxn>
-              <a:cxn ang="0">
-                <a:pos x="648867110" y="132852886"/>
-              </a:cxn>
-              <a:cxn ang="0">
-                <a:pos x="561379560" y="307852838"/>
-              </a:cxn>
-              <a:cxn ang="0">
-                <a:pos x="476625220" y="476439190"/>
-              </a:cxn>
-              <a:cxn ang="0">
-                <a:pos x="402807540" y="624868373"/>
-              </a:cxn>
-              <a:cxn ang="0">
-                <a:pos x="349039130" y="518586256"/>
-              </a:cxn>
-              <a:cxn ang="0">
-                <a:pos x="241502310" y="302355603"/>
-              </a:cxn>
-              <a:cxn ang="0">
-                <a:pos x="155837855" y="131937478"/>
-              </a:cxn>
-              <a:cxn ang="0">
-                <a:pos x="145813220" y="110863944"/>
-              </a:cxn>
-              <a:cxn ang="0">
-                <a:pos x="311674755" y="110863944"/>
-              </a:cxn>
-              <a:cxn ang="0">
-                <a:pos x="375467800" y="110863944"/>
-              </a:cxn>
-              <a:cxn ang="0">
-                <a:pos x="424679905" y="208900687"/>
-              </a:cxn>
-              <a:cxn ang="0">
-                <a:pos x="501231750" y="362827106"/>
-              </a:cxn>
-              <a:cxn ang="0">
-                <a:pos x="556822300" y="253795893"/>
-              </a:cxn>
-              <a:cxn ang="0">
-                <a:pos x="559556465" y="232722360"/>
-              </a:cxn>
-              <a:cxn ang="0">
-                <a:pos x="485738785" y="86125907"/>
-              </a:cxn>
-              <a:cxn ang="0">
-                <a:pos x="395517070" y="0"/>
-              </a:cxn>
-              <a:cxn ang="0">
-                <a:pos x="114827290" y="0"/>
-              </a:cxn>
-              <a:cxn ang="0">
-                <a:pos x="40098540" y="2749096"/>
-              </a:cxn>
-              <a:cxn ang="0">
-                <a:pos x="7290470" y="80628671"/>
-              </a:cxn>
-              <a:cxn ang="0">
-                <a:pos x="54679480" y="174999952"/>
-              </a:cxn>
-              <a:cxn ang="0">
-                <a:pos x="154925830" y="375654308"/>
-              </a:cxn>
-              <a:cxn ang="0">
-                <a:pos x="264285745" y="594633100"/>
-              </a:cxn>
-              <a:cxn ang="0">
-                <a:pos x="339926520" y="745811381"/>
-              </a:cxn>
-              <a:cxn ang="0">
-                <a:pos x="370000425" y="793454725"/>
-              </a:cxn>
-              <a:cxn ang="0">
-                <a:pos x="453842740" y="768716687"/>
-              </a:cxn>
-              <a:cxn ang="0">
-                <a:pos x="516723760" y="642277402"/>
-              </a:cxn>
-              <a:cxn ang="0">
-                <a:pos x="578694665" y="518586256"/>
-              </a:cxn>
-              <a:cxn ang="0">
-                <a:pos x="668916380" y="338089069"/>
-              </a:cxn>
-              <a:cxn ang="0">
-                <a:pos x="716305390" y="242800465"/>
-              </a:cxn>
-              <a:cxn ang="0">
-                <a:pos x="781921530" y="110863944"/>
-              </a:cxn>
-              <a:cxn ang="0">
-                <a:pos x="920443325" y="110863944"/>
-              </a:cxn>
-              <a:cxn ang="0">
-                <a:pos x="1010665040" y="110863944"/>
-              </a:cxn>
-              <a:cxn ang="0">
-                <a:pos x="986970535" y="162172751"/>
-              </a:cxn>
-              <a:cxn ang="0">
-                <a:pos x="888547280" y="359161644"/>
-              </a:cxn>
-              <a:cxn ang="0">
-                <a:pos x="786477835" y="561648731"/>
-              </a:cxn>
-              <a:cxn ang="0">
-                <a:pos x="755492860" y="623952008"/>
-              </a:cxn>
-              <a:cxn ang="0">
-                <a:pos x="668005310" y="450784787"/>
-              </a:cxn>
-              <a:cxn ang="0">
-                <a:pos x="597832865" y="543324294"/>
-              </a:cxn>
-              <a:cxn ang="0">
-                <a:pos x="634286170" y="629450201"/>
-              </a:cxn>
-              <a:cxn ang="0">
-                <a:pos x="708103850" y="776963019"/>
-              </a:cxn>
-              <a:cxn ang="0">
-                <a:pos x="808350200" y="764135817"/>
-              </a:cxn>
-              <a:cxn ang="0">
-                <a:pos x="873054315" y="636780167"/>
-              </a:cxn>
-              <a:cxn ang="0">
-                <a:pos x="985148395" y="411386816"/>
-              </a:cxn>
-              <a:cxn ang="0">
-                <a:pos x="1094507355" y="191491658"/>
-              </a:cxn>
-              <a:cxn ang="0">
-                <a:pos x="1150098860" y="81544079"/>
-              </a:cxn>
-            </a:cxnLst>
-            <a:pathLst>
-              <a:path w="1270" h="882">
-                <a:moveTo>
-                  <a:pt x="1268" y="57"/>
-                </a:moveTo>
-                <a:cubicBezTo>
-                  <a:pt x="1268" y="40"/>
-                  <a:pt x="1259" y="24"/>
-                  <a:pt x="1246" y="14"/>
-                </a:cubicBezTo>
-                <a:cubicBezTo>
-                  <a:pt x="1235" y="5"/>
-                  <a:pt x="1222" y="1"/>
-                  <a:pt x="1208" y="0"/>
-                </a:cubicBezTo>
-                <a:cubicBezTo>
-                  <a:pt x="1203" y="0"/>
-                  <a:pt x="1199" y="0"/>
-                  <a:pt x="1194" y="0"/>
-                </a:cubicBezTo>
-                <a:cubicBezTo>
-                  <a:pt x="1165" y="0"/>
-                  <a:pt x="1137" y="0"/>
-                  <a:pt x="1109" y="0"/>
-                </a:cubicBezTo>
-                <a:cubicBezTo>
-                  <a:pt x="1069" y="0"/>
-                  <a:pt x="1029" y="0"/>
-                  <a:pt x="989" y="0"/>
-                </a:cubicBezTo>
-                <a:cubicBezTo>
-                  <a:pt x="952" y="0"/>
-                  <a:pt x="915" y="0"/>
-                  <a:pt x="878" y="0"/>
-                </a:cubicBezTo>
-                <a:cubicBezTo>
-                  <a:pt x="859" y="0"/>
-                  <a:pt x="841" y="0"/>
-                  <a:pt x="822" y="0"/>
-                </a:cubicBezTo>
-                <a:cubicBezTo>
-                  <a:pt x="822" y="0"/>
-                  <a:pt x="822" y="0"/>
-                  <a:pt x="821" y="0"/>
-                </a:cubicBezTo>
-                <a:cubicBezTo>
-                  <a:pt x="798" y="1"/>
-                  <a:pt x="778" y="14"/>
-                  <a:pt x="767" y="35"/>
-                </a:cubicBezTo>
-                <a:cubicBezTo>
-                  <a:pt x="763" y="42"/>
-                  <a:pt x="760" y="49"/>
-                  <a:pt x="756" y="56"/>
-                </a:cubicBezTo>
-                <a:cubicBezTo>
-                  <a:pt x="741" y="86"/>
-                  <a:pt x="726" y="115"/>
-                  <a:pt x="712" y="145"/>
-                </a:cubicBezTo>
-                <a:cubicBezTo>
-                  <a:pt x="699" y="171"/>
-                  <a:pt x="686" y="197"/>
-                  <a:pt x="673" y="223"/>
-                </a:cubicBezTo>
-                <a:cubicBezTo>
-                  <a:pt x="668" y="232"/>
-                  <a:pt x="663" y="242"/>
-                  <a:pt x="658" y="251"/>
-                </a:cubicBezTo>
-                <a:cubicBezTo>
-                  <a:pt x="644" y="279"/>
-                  <a:pt x="630" y="308"/>
-                  <a:pt x="616" y="336"/>
-                </a:cubicBezTo>
-                <a:cubicBezTo>
-                  <a:pt x="601" y="365"/>
-                  <a:pt x="586" y="395"/>
-                  <a:pt x="571" y="424"/>
-                </a:cubicBezTo>
-                <a:cubicBezTo>
-                  <a:pt x="566" y="435"/>
-                  <a:pt x="561" y="445"/>
-                  <a:pt x="556" y="455"/>
-                </a:cubicBezTo>
-                <a:cubicBezTo>
-                  <a:pt x="545" y="477"/>
-                  <a:pt x="534" y="498"/>
-                  <a:pt x="523" y="520"/>
-                </a:cubicBezTo>
-                <a:cubicBezTo>
-                  <a:pt x="507" y="552"/>
-                  <a:pt x="491" y="584"/>
-                  <a:pt x="475" y="616"/>
-                </a:cubicBezTo>
-                <a:cubicBezTo>
-                  <a:pt x="464" y="637"/>
-                  <a:pt x="454" y="658"/>
-                  <a:pt x="443" y="679"/>
-                </a:cubicBezTo>
-                <a:cubicBezTo>
-                  <a:pt x="443" y="680"/>
-                  <a:pt x="442" y="681"/>
-                  <a:pt x="442" y="682"/>
-                </a:cubicBezTo>
-                <a:cubicBezTo>
-                  <a:pt x="439" y="677"/>
-                  <a:pt x="437" y="672"/>
-                  <a:pt x="434" y="667"/>
-                </a:cubicBezTo>
-                <a:cubicBezTo>
-                  <a:pt x="427" y="654"/>
-                  <a:pt x="421" y="640"/>
-                  <a:pt x="414" y="627"/>
-                </a:cubicBezTo>
-                <a:cubicBezTo>
-                  <a:pt x="404" y="606"/>
-                  <a:pt x="394" y="586"/>
-                  <a:pt x="383" y="566"/>
-                </a:cubicBezTo>
-                <a:cubicBezTo>
-                  <a:pt x="371" y="542"/>
-                  <a:pt x="359" y="517"/>
-                  <a:pt x="346" y="492"/>
-                </a:cubicBezTo>
-                <a:cubicBezTo>
-                  <a:pt x="333" y="466"/>
-                  <a:pt x="319" y="439"/>
-                  <a:pt x="306" y="412"/>
-                </a:cubicBezTo>
-                <a:cubicBezTo>
-                  <a:pt x="292" y="385"/>
-                  <a:pt x="279" y="357"/>
-                  <a:pt x="265" y="330"/>
-                </a:cubicBezTo>
-                <a:cubicBezTo>
-                  <a:pt x="252" y="305"/>
-                  <a:pt x="240" y="280"/>
-                  <a:pt x="227" y="254"/>
-                </a:cubicBezTo>
-                <a:cubicBezTo>
-                  <a:pt x="216" y="233"/>
-                  <a:pt x="205" y="211"/>
-                  <a:pt x="195" y="190"/>
-                </a:cubicBezTo>
-                <a:cubicBezTo>
-                  <a:pt x="187" y="175"/>
-                  <a:pt x="179" y="159"/>
-                  <a:pt x="171" y="144"/>
-                </a:cubicBezTo>
-                <a:cubicBezTo>
-                  <a:pt x="169" y="139"/>
-                  <a:pt x="167" y="134"/>
-                  <a:pt x="164" y="130"/>
-                </a:cubicBezTo>
-                <a:cubicBezTo>
-                  <a:pt x="163" y="127"/>
-                  <a:pt x="161" y="124"/>
-                  <a:pt x="160" y="122"/>
-                </a:cubicBezTo>
-                <a:cubicBezTo>
-                  <a:pt x="160" y="122"/>
-                  <a:pt x="160" y="121"/>
-                  <a:pt x="160" y="121"/>
-                </a:cubicBezTo>
-                <a:cubicBezTo>
-                  <a:pt x="170" y="121"/>
-                  <a:pt x="180" y="121"/>
-                  <a:pt x="191" y="121"/>
-                </a:cubicBezTo>
-                <a:cubicBezTo>
-                  <a:pt x="214" y="121"/>
-                  <a:pt x="238" y="121"/>
-                  <a:pt x="261" y="121"/>
-                </a:cubicBezTo>
-                <a:cubicBezTo>
-                  <a:pt x="288" y="121"/>
-                  <a:pt x="315" y="121"/>
-                  <a:pt x="342" y="121"/>
-                </a:cubicBezTo>
-                <a:cubicBezTo>
-                  <a:pt x="361" y="121"/>
-                  <a:pt x="381" y="121"/>
-                  <a:pt x="400" y="121"/>
-                </a:cubicBezTo>
-                <a:cubicBezTo>
-                  <a:pt x="403" y="121"/>
-                  <a:pt x="405" y="121"/>
-                  <a:pt x="408" y="121"/>
-                </a:cubicBezTo>
-                <a:cubicBezTo>
-                  <a:pt x="409" y="121"/>
-                  <a:pt x="411" y="121"/>
-                  <a:pt x="412" y="121"/>
-                </a:cubicBezTo>
-                <a:cubicBezTo>
-                  <a:pt x="413" y="122"/>
-                  <a:pt x="413" y="124"/>
-                  <a:pt x="414" y="125"/>
-                </a:cubicBezTo>
-                <a:cubicBezTo>
-                  <a:pt x="420" y="138"/>
-                  <a:pt x="427" y="151"/>
-                  <a:pt x="433" y="163"/>
-                </a:cubicBezTo>
-                <a:cubicBezTo>
-                  <a:pt x="444" y="185"/>
-                  <a:pt x="455" y="207"/>
-                  <a:pt x="466" y="228"/>
-                </a:cubicBezTo>
-                <a:cubicBezTo>
-                  <a:pt x="478" y="253"/>
-                  <a:pt x="490" y="277"/>
-                  <a:pt x="502" y="301"/>
-                </a:cubicBezTo>
-                <a:cubicBezTo>
-                  <a:pt x="513" y="322"/>
-                  <a:pt x="523" y="342"/>
-                  <a:pt x="533" y="363"/>
-                </a:cubicBezTo>
-                <a:cubicBezTo>
-                  <a:pt x="539" y="374"/>
-                  <a:pt x="544" y="385"/>
-                  <a:pt x="550" y="396"/>
-                </a:cubicBezTo>
-                <a:cubicBezTo>
-                  <a:pt x="550" y="396"/>
-                  <a:pt x="550" y="397"/>
-                  <a:pt x="551" y="397"/>
-                </a:cubicBezTo>
-                <a:cubicBezTo>
-                  <a:pt x="563" y="373"/>
-                  <a:pt x="575" y="348"/>
-                  <a:pt x="588" y="323"/>
-                </a:cubicBezTo>
-                <a:cubicBezTo>
-                  <a:pt x="596" y="308"/>
-                  <a:pt x="603" y="292"/>
-                  <a:pt x="611" y="277"/>
-                </a:cubicBezTo>
-                <a:cubicBezTo>
-                  <a:pt x="613" y="273"/>
-                  <a:pt x="615" y="269"/>
-                  <a:pt x="617" y="265"/>
-                </a:cubicBezTo>
-                <a:cubicBezTo>
-                  <a:pt x="618" y="263"/>
-                  <a:pt x="618" y="263"/>
-                  <a:pt x="618" y="262"/>
-                </a:cubicBezTo>
-                <a:cubicBezTo>
-                  <a:pt x="617" y="259"/>
-                  <a:pt x="615" y="257"/>
-                  <a:pt x="614" y="254"/>
-                </a:cubicBezTo>
-                <a:cubicBezTo>
-                  <a:pt x="612" y="250"/>
-                  <a:pt x="609" y="245"/>
-                  <a:pt x="607" y="240"/>
-                </a:cubicBezTo>
-                <a:cubicBezTo>
-                  <a:pt x="600" y="226"/>
-                  <a:pt x="593" y="212"/>
-                  <a:pt x="586" y="198"/>
-                </a:cubicBezTo>
-                <a:cubicBezTo>
-                  <a:pt x="568" y="163"/>
-                  <a:pt x="551" y="128"/>
-                  <a:pt x="533" y="94"/>
-                </a:cubicBezTo>
-                <a:cubicBezTo>
-                  <a:pt x="523" y="74"/>
-                  <a:pt x="514" y="54"/>
-                  <a:pt x="503" y="34"/>
-                </a:cubicBezTo>
-                <a:cubicBezTo>
-                  <a:pt x="492" y="13"/>
-                  <a:pt x="472" y="1"/>
-                  <a:pt x="449" y="0"/>
-                </a:cubicBezTo>
-                <a:cubicBezTo>
-                  <a:pt x="444" y="0"/>
-                  <a:pt x="439" y="0"/>
-                  <a:pt x="434" y="0"/>
-                </a:cubicBezTo>
-                <a:cubicBezTo>
-                  <a:pt x="406" y="0"/>
-                  <a:pt x="379" y="0"/>
-                  <a:pt x="352" y="0"/>
-                </a:cubicBezTo>
-                <a:cubicBezTo>
-                  <a:pt x="313" y="0"/>
-                  <a:pt x="274" y="0"/>
-                  <a:pt x="236" y="0"/>
-                </a:cubicBezTo>
-                <a:cubicBezTo>
-                  <a:pt x="199" y="0"/>
-                  <a:pt x="163" y="0"/>
-                  <a:pt x="126" y="0"/>
-                </a:cubicBezTo>
-                <a:cubicBezTo>
-                  <a:pt x="106" y="0"/>
-                  <a:pt x="85" y="0"/>
-                  <a:pt x="65" y="0"/>
-                </a:cubicBezTo>
-                <a:cubicBezTo>
-                  <a:pt x="64" y="0"/>
-                  <a:pt x="63" y="0"/>
-                  <a:pt x="62" y="0"/>
-                </a:cubicBezTo>
-                <a:cubicBezTo>
-                  <a:pt x="56" y="1"/>
-                  <a:pt x="50" y="1"/>
-                  <a:pt x="44" y="3"/>
-                </a:cubicBezTo>
-                <a:cubicBezTo>
-                  <a:pt x="38" y="5"/>
-                  <a:pt x="33" y="8"/>
-                  <a:pt x="28" y="11"/>
-                </a:cubicBezTo>
-                <a:cubicBezTo>
-                  <a:pt x="16" y="19"/>
-                  <a:pt x="8" y="31"/>
-                  <a:pt x="4" y="44"/>
-                </a:cubicBezTo>
-                <a:cubicBezTo>
-                  <a:pt x="0" y="60"/>
-                  <a:pt x="2" y="74"/>
-                  <a:pt x="8" y="88"/>
-                </a:cubicBezTo>
-                <a:cubicBezTo>
-                  <a:pt x="11" y="94"/>
-                  <a:pt x="14" y="99"/>
-                  <a:pt x="16" y="104"/>
-                </a:cubicBezTo>
-                <a:cubicBezTo>
-                  <a:pt x="22" y="116"/>
-                  <a:pt x="28" y="128"/>
-                  <a:pt x="34" y="139"/>
-                </a:cubicBezTo>
-                <a:cubicBezTo>
-                  <a:pt x="43" y="157"/>
-                  <a:pt x="52" y="174"/>
-                  <a:pt x="60" y="191"/>
-                </a:cubicBezTo>
-                <a:cubicBezTo>
-                  <a:pt x="71" y="213"/>
-                  <a:pt x="82" y="234"/>
-                  <a:pt x="93" y="256"/>
-                </a:cubicBezTo>
-                <a:cubicBezTo>
-                  <a:pt x="105" y="281"/>
-                  <a:pt x="118" y="305"/>
-                  <a:pt x="130" y="330"/>
-                </a:cubicBezTo>
-                <a:cubicBezTo>
-                  <a:pt x="143" y="357"/>
-                  <a:pt x="157" y="383"/>
-                  <a:pt x="170" y="410"/>
-                </a:cubicBezTo>
-                <a:cubicBezTo>
-                  <a:pt x="184" y="437"/>
-                  <a:pt x="198" y="465"/>
-                  <a:pt x="211" y="492"/>
-                </a:cubicBezTo>
-                <a:cubicBezTo>
-                  <a:pt x="225" y="519"/>
-                  <a:pt x="238" y="546"/>
-                  <a:pt x="252" y="573"/>
-                </a:cubicBezTo>
-                <a:cubicBezTo>
-                  <a:pt x="265" y="598"/>
-                  <a:pt x="277" y="624"/>
-                  <a:pt x="290" y="649"/>
-                </a:cubicBezTo>
-                <a:cubicBezTo>
-                  <a:pt x="302" y="672"/>
-                  <a:pt x="313" y="694"/>
-                  <a:pt x="324" y="717"/>
-                </a:cubicBezTo>
-                <a:cubicBezTo>
-                  <a:pt x="334" y="736"/>
-                  <a:pt x="343" y="755"/>
-                  <a:pt x="353" y="773"/>
-                </a:cubicBezTo>
-                <a:cubicBezTo>
-                  <a:pt x="359" y="787"/>
-                  <a:pt x="366" y="801"/>
-                  <a:pt x="373" y="814"/>
-                </a:cubicBezTo>
-                <a:cubicBezTo>
-                  <a:pt x="377" y="822"/>
-                  <a:pt x="381" y="829"/>
-                  <a:pt x="384" y="836"/>
-                </a:cubicBezTo>
-                <a:cubicBezTo>
-                  <a:pt x="385" y="837"/>
-                  <a:pt x="385" y="838"/>
-                  <a:pt x="386" y="839"/>
-                </a:cubicBezTo>
-                <a:cubicBezTo>
-                  <a:pt x="391" y="850"/>
-                  <a:pt x="397" y="859"/>
-                  <a:pt x="406" y="866"/>
-                </a:cubicBezTo>
-                <a:cubicBezTo>
-                  <a:pt x="417" y="874"/>
-                  <a:pt x="430" y="877"/>
-                  <a:pt x="442" y="877"/>
-                </a:cubicBezTo>
-                <a:cubicBezTo>
-                  <a:pt x="455" y="877"/>
-                  <a:pt x="467" y="873"/>
-                  <a:pt x="478" y="866"/>
-                </a:cubicBezTo>
-                <a:cubicBezTo>
-                  <a:pt x="487" y="859"/>
-                  <a:pt x="493" y="850"/>
-                  <a:pt x="498" y="839"/>
-                </a:cubicBezTo>
-                <a:cubicBezTo>
-                  <a:pt x="499" y="837"/>
-                  <a:pt x="500" y="834"/>
-                  <a:pt x="502" y="832"/>
-                </a:cubicBezTo>
-                <a:cubicBezTo>
-                  <a:pt x="510" y="814"/>
-                  <a:pt x="519" y="797"/>
-                  <a:pt x="528" y="780"/>
-                </a:cubicBezTo>
-                <a:cubicBezTo>
-                  <a:pt x="541" y="754"/>
-                  <a:pt x="554" y="728"/>
-                  <a:pt x="567" y="701"/>
-                </a:cubicBezTo>
-                <a:cubicBezTo>
-                  <a:pt x="580" y="676"/>
-                  <a:pt x="593" y="650"/>
-                  <a:pt x="606" y="624"/>
-                </a:cubicBezTo>
-                <a:cubicBezTo>
-                  <a:pt x="615" y="607"/>
-                  <a:pt x="623" y="590"/>
-                  <a:pt x="632" y="573"/>
-                </a:cubicBezTo>
-                <a:cubicBezTo>
-                  <a:pt x="633" y="570"/>
-                  <a:pt x="634" y="568"/>
-                  <a:pt x="635" y="566"/>
-                </a:cubicBezTo>
-                <a:cubicBezTo>
-                  <a:pt x="635" y="566"/>
-                  <a:pt x="635" y="566"/>
-                  <a:pt x="636" y="566"/>
-                </a:cubicBezTo>
-                <a:cubicBezTo>
-                  <a:pt x="648" y="541"/>
-                  <a:pt x="661" y="516"/>
-                  <a:pt x="673" y="490"/>
-                </a:cubicBezTo>
-                <a:cubicBezTo>
-                  <a:pt x="693" y="450"/>
-                  <a:pt x="714" y="410"/>
-                  <a:pt x="734" y="369"/>
-                </a:cubicBezTo>
-                <a:cubicBezTo>
-                  <a:pt x="738" y="360"/>
-                  <a:pt x="743" y="351"/>
-                  <a:pt x="748" y="341"/>
-                </a:cubicBezTo>
-                <a:cubicBezTo>
-                  <a:pt x="748" y="341"/>
-                  <a:pt x="748" y="341"/>
-                  <a:pt x="748" y="342"/>
-                </a:cubicBezTo>
-                <a:cubicBezTo>
-                  <a:pt x="761" y="316"/>
-                  <a:pt x="773" y="291"/>
-                  <a:pt x="786" y="265"/>
-                </a:cubicBezTo>
-                <a:cubicBezTo>
-                  <a:pt x="806" y="226"/>
-                  <a:pt x="826" y="186"/>
-                  <a:pt x="846" y="146"/>
-                </a:cubicBezTo>
-                <a:cubicBezTo>
-                  <a:pt x="849" y="140"/>
-                  <a:pt x="852" y="135"/>
-                  <a:pt x="855" y="129"/>
-                </a:cubicBezTo>
-                <a:cubicBezTo>
-                  <a:pt x="855" y="127"/>
-                  <a:pt x="857" y="122"/>
-                  <a:pt x="858" y="121"/>
-                </a:cubicBezTo>
-                <a:cubicBezTo>
-                  <a:pt x="859" y="121"/>
-                  <a:pt x="862" y="121"/>
-                  <a:pt x="864" y="121"/>
-                </a:cubicBezTo>
-                <a:cubicBezTo>
-                  <a:pt x="869" y="121"/>
-                  <a:pt x="875" y="121"/>
-                  <a:pt x="880" y="121"/>
-                </a:cubicBezTo>
-                <a:cubicBezTo>
-                  <a:pt x="923" y="121"/>
-                  <a:pt x="966" y="121"/>
-                  <a:pt x="1010" y="121"/>
-                </a:cubicBezTo>
-                <a:cubicBezTo>
-                  <a:pt x="1031" y="121"/>
-                  <a:pt x="1052" y="121"/>
-                  <a:pt x="1074" y="121"/>
-                </a:cubicBezTo>
-                <a:cubicBezTo>
-                  <a:pt x="1081" y="121"/>
-                  <a:pt x="1089" y="121"/>
-                  <a:pt x="1097" y="121"/>
-                </a:cubicBezTo>
-                <a:cubicBezTo>
-                  <a:pt x="1101" y="121"/>
-                  <a:pt x="1105" y="121"/>
-                  <a:pt x="1109" y="121"/>
-                </a:cubicBezTo>
-                <a:cubicBezTo>
-                  <a:pt x="1110" y="121"/>
-                  <a:pt x="1110" y="121"/>
-                  <a:pt x="1111" y="121"/>
-                </a:cubicBezTo>
-                <a:cubicBezTo>
-                  <a:pt x="1108" y="126"/>
-                  <a:pt x="1106" y="131"/>
-                  <a:pt x="1103" y="136"/>
-                </a:cubicBezTo>
-                <a:cubicBezTo>
-                  <a:pt x="1096" y="150"/>
-                  <a:pt x="1089" y="163"/>
-                  <a:pt x="1083" y="177"/>
-                </a:cubicBezTo>
-                <a:cubicBezTo>
-                  <a:pt x="1073" y="197"/>
-                  <a:pt x="1062" y="217"/>
-                  <a:pt x="1052" y="237"/>
-                </a:cubicBezTo>
-                <a:cubicBezTo>
-                  <a:pt x="1040" y="262"/>
-                  <a:pt x="1028" y="286"/>
-                  <a:pt x="1015" y="311"/>
-                </a:cubicBezTo>
-                <a:cubicBezTo>
-                  <a:pt x="1002" y="338"/>
-                  <a:pt x="988" y="365"/>
-                  <a:pt x="975" y="392"/>
-                </a:cubicBezTo>
-                <a:cubicBezTo>
-                  <a:pt x="961" y="419"/>
-                  <a:pt x="948" y="446"/>
-                  <a:pt x="934" y="473"/>
-                </a:cubicBezTo>
-                <a:cubicBezTo>
-                  <a:pt x="921" y="498"/>
-                  <a:pt x="908" y="524"/>
-                  <a:pt x="896" y="549"/>
-                </a:cubicBezTo>
-                <a:cubicBezTo>
-                  <a:pt x="885" y="570"/>
-                  <a:pt x="874" y="592"/>
-                  <a:pt x="863" y="613"/>
-                </a:cubicBezTo>
-                <a:cubicBezTo>
-                  <a:pt x="856" y="629"/>
-                  <a:pt x="848" y="644"/>
-                  <a:pt x="840" y="659"/>
-                </a:cubicBezTo>
-                <a:cubicBezTo>
-                  <a:pt x="838" y="664"/>
-                  <a:pt x="835" y="669"/>
-                  <a:pt x="833" y="674"/>
-                </a:cubicBezTo>
-                <a:cubicBezTo>
-                  <a:pt x="832" y="676"/>
-                  <a:pt x="831" y="679"/>
-                  <a:pt x="829" y="681"/>
-                </a:cubicBezTo>
-                <a:cubicBezTo>
-                  <a:pt x="829" y="682"/>
-                  <a:pt x="829" y="682"/>
-                  <a:pt x="829" y="682"/>
-                </a:cubicBezTo>
-                <a:cubicBezTo>
-                  <a:pt x="817" y="658"/>
-                  <a:pt x="804" y="633"/>
-                  <a:pt x="792" y="609"/>
-                </a:cubicBezTo>
-                <a:cubicBezTo>
-                  <a:pt x="772" y="570"/>
-                  <a:pt x="753" y="531"/>
-                  <a:pt x="733" y="492"/>
-                </a:cubicBezTo>
-                <a:cubicBezTo>
-                  <a:pt x="729" y="483"/>
-                  <a:pt x="724" y="474"/>
-                  <a:pt x="720" y="465"/>
-                </a:cubicBezTo>
-                <a:cubicBezTo>
-                  <a:pt x="711" y="483"/>
-                  <a:pt x="702" y="501"/>
-                  <a:pt x="693" y="519"/>
-                </a:cubicBezTo>
-                <a:cubicBezTo>
-                  <a:pt x="681" y="543"/>
-                  <a:pt x="668" y="568"/>
-                  <a:pt x="656" y="593"/>
-                </a:cubicBezTo>
-                <a:cubicBezTo>
-                  <a:pt x="655" y="596"/>
-                  <a:pt x="652" y="598"/>
-                  <a:pt x="653" y="601"/>
-                </a:cubicBezTo>
-                <a:cubicBezTo>
-                  <a:pt x="655" y="607"/>
-                  <a:pt x="659" y="612"/>
-                  <a:pt x="661" y="617"/>
-                </a:cubicBezTo>
-                <a:cubicBezTo>
-                  <a:pt x="673" y="641"/>
-                  <a:pt x="685" y="664"/>
-                  <a:pt x="696" y="687"/>
-                </a:cubicBezTo>
-                <a:cubicBezTo>
-                  <a:pt x="711" y="716"/>
-                  <a:pt x="725" y="744"/>
-                  <a:pt x="739" y="772"/>
-                </a:cubicBezTo>
-                <a:cubicBezTo>
-                  <a:pt x="749" y="792"/>
-                  <a:pt x="759" y="812"/>
-                  <a:pt x="769" y="832"/>
-                </a:cubicBezTo>
-                <a:cubicBezTo>
-                  <a:pt x="772" y="837"/>
-                  <a:pt x="774" y="843"/>
-                  <a:pt x="777" y="848"/>
-                </a:cubicBezTo>
-                <a:cubicBezTo>
-                  <a:pt x="791" y="871"/>
-                  <a:pt x="819" y="882"/>
-                  <a:pt x="846" y="875"/>
-                </a:cubicBezTo>
-                <a:cubicBezTo>
-                  <a:pt x="865" y="870"/>
-                  <a:pt x="877" y="857"/>
-                  <a:pt x="885" y="839"/>
-                </a:cubicBezTo>
-                <a:cubicBezTo>
-                  <a:pt x="886" y="838"/>
-                  <a:pt x="887" y="836"/>
-                  <a:pt x="887" y="834"/>
-                </a:cubicBezTo>
-                <a:cubicBezTo>
-                  <a:pt x="892" y="825"/>
-                  <a:pt x="897" y="816"/>
-                  <a:pt x="901" y="806"/>
-                </a:cubicBezTo>
-                <a:cubicBezTo>
-                  <a:pt x="909" y="791"/>
-                  <a:pt x="917" y="775"/>
-                  <a:pt x="925" y="759"/>
-                </a:cubicBezTo>
-                <a:cubicBezTo>
-                  <a:pt x="936" y="737"/>
-                  <a:pt x="947" y="716"/>
-                  <a:pt x="958" y="695"/>
-                </a:cubicBezTo>
-                <a:cubicBezTo>
-                  <a:pt x="970" y="669"/>
-                  <a:pt x="983" y="644"/>
-                  <a:pt x="996" y="619"/>
-                </a:cubicBezTo>
-                <a:cubicBezTo>
-                  <a:pt x="1010" y="591"/>
-                  <a:pt x="1024" y="563"/>
-                  <a:pt x="1038" y="535"/>
-                </a:cubicBezTo>
-                <a:cubicBezTo>
-                  <a:pt x="1052" y="507"/>
-                  <a:pt x="1067" y="478"/>
-                  <a:pt x="1081" y="449"/>
-                </a:cubicBezTo>
-                <a:cubicBezTo>
-                  <a:pt x="1096" y="420"/>
-                  <a:pt x="1110" y="391"/>
-                  <a:pt x="1124" y="363"/>
-                </a:cubicBezTo>
-                <a:cubicBezTo>
-                  <a:pt x="1138" y="335"/>
-                  <a:pt x="1152" y="308"/>
-                  <a:pt x="1165" y="281"/>
-                </a:cubicBezTo>
-                <a:cubicBezTo>
-                  <a:pt x="1177" y="257"/>
-                  <a:pt x="1189" y="233"/>
-                  <a:pt x="1201" y="209"/>
-                </a:cubicBezTo>
-                <a:cubicBezTo>
-                  <a:pt x="1211" y="189"/>
-                  <a:pt x="1221" y="170"/>
-                  <a:pt x="1231" y="150"/>
-                </a:cubicBezTo>
-                <a:cubicBezTo>
-                  <a:pt x="1238" y="136"/>
-                  <a:pt x="1245" y="123"/>
-                  <a:pt x="1252" y="109"/>
-                </a:cubicBezTo>
-                <a:cubicBezTo>
-                  <a:pt x="1255" y="102"/>
-                  <a:pt x="1259" y="96"/>
-                  <a:pt x="1262" y="89"/>
-                </a:cubicBezTo>
-                <a:cubicBezTo>
-                  <a:pt x="1266" y="79"/>
-                  <a:pt x="1270" y="68"/>
-                  <a:pt x="1268" y="57"/>
-                </a:cubicBezTo>
-                <a:cubicBezTo>
-                  <a:pt x="1268" y="55"/>
-                  <a:pt x="1268" y="58"/>
-                  <a:pt x="1268" y="57"/>
-                </a:cubicBezTo>
-                <a:close/>
-              </a:path>
-            </a:pathLst>
-          </a:custGeom>
-          <a:solidFill>
-            <a:srgbClr val="05B780"/>
-          </a:solidFill>
-          <a:ln w="9525">
-            <a:noFill/>
-          </a:ln>
-        </p:spPr>
-        <p:txBody>
-          <a:bodyPr/>
-          <a:p>
-            <a:endParaRPr lang="en-US"/>
-          </a:p>
-        </p:txBody>
-      </p:sp>
-      <p:sp>
-        <p:nvSpPr>
-          <p:cNvPr id="33795" name="文本框 29"/>
-          <p:cNvSpPr txBox="1"/>
-          <p:nvPr/>
-        </p:nvSpPr>
-        <p:spPr>
-          <a:xfrm>
-            <a:off x="3733800" y="4125913"/>
-            <a:ext cx="4722813" cy="708025"/>
-          </a:xfrm>
-          <a:prstGeom prst="rect">
-            <a:avLst/>
-          </a:prstGeom>
-          <a:noFill/>
-          <a:ln w="9525">
-            <a:noFill/>
-          </a:ln>
-        </p:spPr>
-        <p:txBody>
-          <a:bodyPr anchor="t" anchorCtr="0">
-            <a:spAutoFit/>
-          </a:bodyPr>
-          <a:p>
-            <a:pPr algn="dist"/>
-            <a:r>
-              <a:rPr lang="en-US" altLang="zh-CN" sz="4000" dirty="0">
-                <a:solidFill>
-                  <a:srgbClr val="262626"/>
-                </a:solidFill>
-                <a:latin typeface="Microsoft YaHei" panose="020B0503020204020204" pitchFamily="34" charset="-122"/>
-                <a:ea typeface="Microsoft YaHei" panose="020B0503020204020204" pitchFamily="34" charset="-122"/>
-              </a:rPr>
-              <a:t>THANK YOU</a:t>
-            </a:r>
-            <a:endParaRPr lang="zh-CN" altLang="en-US" sz="4000" dirty="0">
-              <a:solidFill>
-                <a:srgbClr val="262626"/>
-              </a:solidFill>
-              <a:latin typeface="Microsoft YaHei" panose="020B0503020204020204" pitchFamily="34" charset="-122"/>
-              <a:ea typeface="Microsoft YaHei" panose="020B0503020204020204" pitchFamily="34" charset="-122"/>
-            </a:endParaRPr>
-          </a:p>
-        </p:txBody>
-      </p:sp>
-    </p:spTree>
-  </p:cSld>
-  <p:clrMapOvr>
-    <a:masterClrMapping/>
-  </p:clrMapOvr>
-  <p:transition spd="slow">
-    <p:wipe/>
-  </p:transition>
-</p:sld>
-</file>
-
-<file path=ppt/slides/slide2.xml><?xml version="1.0" encoding="utf-8"?>
-<p:sld xmlns:a="http://schemas.openxmlformats.org/drawingml/2006/main" xmlns:r="http://schemas.openxmlformats.org/officeDocument/2006/relationships" xmlns:p="http://schemas.openxmlformats.org/presentationml/2006/main">
-  <p:cSld>
-    <p:spTree>
-      <p:nvGrpSpPr>
-        <p:cNvPr id="1" name=""/>
-        <p:cNvGrpSpPr/>
-        <p:nvPr/>
-      </p:nvGrpSpPr>
-      <p:grpSpPr/>
-      <p:sp>
-        <p:nvSpPr>
-          <p:cNvPr id="6" name="矩形 5"/>
-          <p:cNvSpPr/>
-          <p:nvPr/>
-        </p:nvSpPr>
-        <p:spPr>
-          <a:xfrm>
-            <a:off x="1879600" y="1877695"/>
-            <a:ext cx="3322320" cy="449580"/>
-          </a:xfrm>
-          <a:prstGeom prst="rect">
-            <a:avLst/>
-          </a:prstGeom>
-          <a:noFill/>
-          <a:ln>
-            <a:solidFill>
-              <a:srgbClr val="05B780"/>
-            </a:solidFill>
-          </a:ln>
-        </p:spPr>
-        <p:style>
-          <a:lnRef idx="2">
-            <a:schemeClr val="accent1">
-              <a:shade val="50000"/>
-            </a:schemeClr>
-          </a:lnRef>
-          <a:fillRef idx="1">
-            <a:schemeClr val="accent1"/>
-          </a:fillRef>
-          <a:effectRef idx="0">
-            <a:schemeClr val="accent1"/>
-          </a:effectRef>
-          <a:fontRef idx="minor">
-            <a:schemeClr val="lt1"/>
-          </a:fontRef>
-        </p:style>
-        <p:txBody>
-          <a:bodyPr anchor="ctr"/>
-          <a:lstStyle/>
-          <a:p>
-            <a:pPr marL="0" marR="0" lvl="0" indent="0" algn="ctr" defTabSz="914400" rtl="0" eaLnBrk="1" fontAlgn="auto" latinLnBrk="0" hangingPunct="1">
-              <a:lnSpc>
-                <a:spcPct val="100000"/>
-              </a:lnSpc>
-              <a:spcBef>
-                <a:spcPts val="0"/>
-              </a:spcBef>
-              <a:spcAft>
-                <a:spcPts val="0"/>
-              </a:spcAft>
-              <a:buClrTx/>
-              <a:buSzTx/>
-              <a:buFontTx/>
-              <a:buNone/>
-              <a:defRPr/>
-            </a:pPr>
-            <a:endParaRPr kumimoji="0" lang="zh-CN" altLang="en-US" sz="1800" b="0" i="0" u="none" strike="noStrike" kern="1200" cap="none" spc="0" normalizeH="0" baseline="0" noProof="0">
-              <a:ln>
-                <a:noFill/>
-              </a:ln>
-              <a:solidFill>
-                <a:schemeClr val="lt1"/>
-              </a:solidFill>
-              <a:effectLst/>
-              <a:uLnTx/>
-              <a:uFillTx/>
-              <a:latin typeface="+mn-lt"/>
-              <a:ea typeface="+mn-ea"/>
-              <a:cs typeface="+mn-cs"/>
-            </a:endParaRPr>
-          </a:p>
-        </p:txBody>
-      </p:sp>
-      <p:sp>
-        <p:nvSpPr>
-          <p:cNvPr id="5122" name="文本框 47"/>
-          <p:cNvSpPr txBox="1"/>
-          <p:nvPr/>
-        </p:nvSpPr>
-        <p:spPr>
-          <a:xfrm>
-            <a:off x="2157413" y="1881188"/>
-            <a:ext cx="2497137" cy="460375"/>
-          </a:xfrm>
-          <a:prstGeom prst="rect">
-            <a:avLst/>
-          </a:prstGeom>
-          <a:noFill/>
-          <a:ln w="9525">
-            <a:noFill/>
-          </a:ln>
-        </p:spPr>
-        <p:txBody>
-          <a:bodyPr wrap="square" anchor="t" anchorCtr="0">
-            <a:spAutoFit/>
-          </a:bodyPr>
-          <a:p>
-            <a:pPr>
-              <a:buFont typeface="Arial" panose="020B0604020202020204" pitchFamily="34" charset="0"/>
-            </a:pPr>
-            <a:r>
-              <a:rPr lang="en-US" altLang="zh-CN" sz="2400" b="1" dirty="0">
-                <a:solidFill>
-                  <a:srgbClr val="05B780"/>
-                </a:solidFill>
-                <a:latin typeface="Microsoft YaHei" panose="020B0503020204020204" pitchFamily="34" charset="-122"/>
-                <a:ea typeface="Microsoft YaHei" panose="020B0503020204020204" pitchFamily="34" charset="-122"/>
-              </a:rPr>
-              <a:t>Week 3 Recap</a:t>
-            </a:r>
-            <a:endParaRPr lang="en-US" altLang="zh-CN" sz="2400" b="1" dirty="0">
-              <a:solidFill>
-                <a:srgbClr val="05B780"/>
-              </a:solidFill>
-              <a:latin typeface="Microsoft YaHei" panose="020B0503020204020204" pitchFamily="34" charset="-122"/>
-              <a:ea typeface="Microsoft YaHei" panose="020B0503020204020204" pitchFamily="34" charset="-122"/>
-            </a:endParaRPr>
-          </a:p>
-        </p:txBody>
-      </p:sp>
-      <p:sp>
-        <p:nvSpPr>
-          <p:cNvPr id="5129" name="Rectangle 6"/>
-          <p:cNvSpPr/>
-          <p:nvPr/>
-        </p:nvSpPr>
-        <p:spPr>
-          <a:xfrm>
-            <a:off x="9156383" y="2737485"/>
-            <a:ext cx="2263775" cy="369888"/>
-          </a:xfrm>
-          <a:prstGeom prst="rect">
-            <a:avLst/>
-          </a:prstGeom>
-          <a:noFill/>
-          <a:ln w="9525">
-            <a:noFill/>
-          </a:ln>
-        </p:spPr>
-        <p:txBody>
-          <a:bodyPr anchor="t" anchorCtr="0">
-            <a:spAutoFit/>
-          </a:bodyPr>
-          <a:p>
-            <a:pPr marL="342900" indent="-342900" eaLnBrk="0" hangingPunct="0">
-              <a:buFont typeface="Arial" panose="020B0604020202020204" pitchFamily="34" charset="0"/>
-              <a:buChar char="•"/>
-            </a:pPr>
-            <a:r>
-              <a:rPr lang="zh-CN" altLang="en-US" dirty="0">
-                <a:solidFill>
-                  <a:schemeClr val="bg1"/>
-                </a:solidFill>
-                <a:latin typeface="Microsoft YaHei" panose="020B0503020204020204" pitchFamily="34" charset="-122"/>
-                <a:ea typeface="Microsoft YaHei" panose="020B0503020204020204" pitchFamily="34" charset="-122"/>
-              </a:rPr>
-              <a:t>竞争对手分析</a:t>
-            </a:r>
-            <a:endParaRPr lang="zh-CN" altLang="en-US" dirty="0">
-              <a:solidFill>
-                <a:schemeClr val="bg1"/>
-              </a:solidFill>
-              <a:latin typeface="Microsoft YaHei" panose="020B0503020204020204" pitchFamily="34" charset="-122"/>
-              <a:ea typeface="Microsoft YaHei" panose="020B0503020204020204" pitchFamily="34" charset="-122"/>
-            </a:endParaRPr>
-          </a:p>
-        </p:txBody>
-      </p:sp>
-      <p:sp>
-        <p:nvSpPr>
-          <p:cNvPr id="5131" name="Rectangle 6"/>
-          <p:cNvSpPr/>
-          <p:nvPr/>
-        </p:nvSpPr>
-        <p:spPr>
-          <a:xfrm>
-            <a:off x="9154795" y="3134360"/>
-            <a:ext cx="2265363" cy="369888"/>
-          </a:xfrm>
-          <a:prstGeom prst="rect">
-            <a:avLst/>
-          </a:prstGeom>
-          <a:noFill/>
-          <a:ln w="9525">
-            <a:noFill/>
-          </a:ln>
-        </p:spPr>
-        <p:txBody>
-          <a:bodyPr anchor="t" anchorCtr="0">
-            <a:spAutoFit/>
-          </a:bodyPr>
-          <a:p>
-            <a:pPr marL="342900" indent="-342900" eaLnBrk="0" hangingPunct="0">
-              <a:buFont typeface="Arial" panose="020B0604020202020204" pitchFamily="34" charset="0"/>
-              <a:buChar char="•"/>
-            </a:pPr>
-            <a:r>
-              <a:rPr lang="zh-CN" altLang="en-US" dirty="0">
-                <a:solidFill>
-                  <a:schemeClr val="bg1"/>
-                </a:solidFill>
-                <a:latin typeface="Microsoft YaHei" panose="020B0503020204020204" pitchFamily="34" charset="-122"/>
-                <a:ea typeface="Microsoft YaHei" panose="020B0503020204020204" pitchFamily="34" charset="-122"/>
-              </a:rPr>
-              <a:t>产品定位分析</a:t>
-            </a:r>
-            <a:endParaRPr lang="zh-CN" altLang="en-US" dirty="0">
-              <a:solidFill>
-                <a:schemeClr val="bg1"/>
-              </a:solidFill>
-              <a:latin typeface="Microsoft YaHei" panose="020B0503020204020204" pitchFamily="34" charset="-122"/>
-              <a:ea typeface="Microsoft YaHei" panose="020B0503020204020204" pitchFamily="34" charset="-122"/>
-            </a:endParaRPr>
-          </a:p>
-        </p:txBody>
-      </p:sp>
-      <p:sp>
-        <p:nvSpPr>
-          <p:cNvPr id="101" name="任意多边形 100"/>
-          <p:cNvSpPr/>
-          <p:nvPr/>
-        </p:nvSpPr>
-        <p:spPr>
-          <a:xfrm>
-            <a:off x="0" y="260350"/>
-            <a:ext cx="3298825" cy="739775"/>
-          </a:xfrm>
-          <a:custGeom>
-            <a:avLst/>
-            <a:gdLst>
-              <a:gd name="connsiteX0" fmla="*/ 38767 w 3299253"/>
-              <a:gd name="connsiteY0" fmla="*/ 0 h 739718"/>
-              <a:gd name="connsiteX1" fmla="*/ 2929394 w 3299253"/>
-              <a:gd name="connsiteY1" fmla="*/ 0 h 739718"/>
-              <a:gd name="connsiteX2" fmla="*/ 3299253 w 3299253"/>
-              <a:gd name="connsiteY2" fmla="*/ 369859 h 739718"/>
-              <a:gd name="connsiteX3" fmla="*/ 2929394 w 3299253"/>
-              <a:gd name="connsiteY3" fmla="*/ 739718 h 739718"/>
-              <a:gd name="connsiteX4" fmla="*/ 38767 w 3299253"/>
-              <a:gd name="connsiteY4" fmla="*/ 739718 h 739718"/>
-              <a:gd name="connsiteX5" fmla="*/ 0 w 3299253"/>
-              <a:gd name="connsiteY5" fmla="*/ 735810 h 739718"/>
-              <a:gd name="connsiteX6" fmla="*/ 0 w 3299253"/>
-              <a:gd name="connsiteY6" fmla="*/ 3908 h 739718"/>
-            </a:gdLst>
-            <a:ahLst/>
-            <a:cxnLst>
-              <a:cxn ang="0">
-                <a:pos x="connsiteX0" y="connsiteY0"/>
-              </a:cxn>
-              <a:cxn ang="0">
-                <a:pos x="connsiteX1" y="connsiteY1"/>
-              </a:cxn>
-              <a:cxn ang="0">
-                <a:pos x="connsiteX2" y="connsiteY2"/>
-              </a:cxn>
-              <a:cxn ang="0">
-                <a:pos x="connsiteX3" y="connsiteY3"/>
-              </a:cxn>
-              <a:cxn ang="0">
-                <a:pos x="connsiteX4" y="connsiteY4"/>
-              </a:cxn>
-              <a:cxn ang="0">
-                <a:pos x="connsiteX5" y="connsiteY5"/>
-              </a:cxn>
-              <a:cxn ang="0">
-                <a:pos x="connsiteX6" y="connsiteY6"/>
-              </a:cxn>
-            </a:cxnLst>
-            <a:rect l="l" t="t" r="r" b="b"/>
-            <a:pathLst>
-              <a:path w="3299253" h="739718">
-                <a:moveTo>
-                  <a:pt x="38767" y="0"/>
-                </a:moveTo>
-                <a:lnTo>
-                  <a:pt x="2929394" y="0"/>
-                </a:lnTo>
-                <a:cubicBezTo>
-                  <a:pt x="3133661" y="0"/>
-                  <a:pt x="3299253" y="165592"/>
-                  <a:pt x="3299253" y="369859"/>
-                </a:cubicBezTo>
-                <a:cubicBezTo>
-                  <a:pt x="3299253" y="574126"/>
-                  <a:pt x="3133661" y="739718"/>
-                  <a:pt x="2929394" y="739718"/>
-                </a:cubicBezTo>
-                <a:lnTo>
-                  <a:pt x="38767" y="739718"/>
-                </a:lnTo>
-                <a:lnTo>
-                  <a:pt x="0" y="735810"/>
-                </a:lnTo>
-                <a:lnTo>
-                  <a:pt x="0" y="3908"/>
-                </a:lnTo>
-                <a:close/>
-              </a:path>
-            </a:pathLst>
-          </a:custGeom>
-          <a:solidFill>
-            <a:srgbClr val="05B780"/>
-          </a:solidFill>
-          <a:ln>
-            <a:noFill/>
-          </a:ln>
-        </p:spPr>
-        <p:style>
-          <a:lnRef idx="2">
-            <a:schemeClr val="accent1">
-              <a:shade val="50000"/>
-            </a:schemeClr>
-          </a:lnRef>
-          <a:fillRef idx="1">
-            <a:schemeClr val="accent1"/>
-          </a:fillRef>
-          <a:effectRef idx="0">
-            <a:schemeClr val="accent1"/>
-          </a:effectRef>
-          <a:fontRef idx="minor">
-            <a:schemeClr val="lt1"/>
-          </a:fontRef>
-        </p:style>
-        <p:txBody>
-          <a:bodyPr anchor="ctr"/>
-          <a:lstStyle/>
-          <a:p>
-            <a:pPr marL="0" marR="0" lvl="0" indent="0" algn="ctr" defTabSz="914400" rtl="0" eaLnBrk="1" fontAlgn="auto" latinLnBrk="0" hangingPunct="1">
-              <a:lnSpc>
-                <a:spcPct val="100000"/>
-              </a:lnSpc>
-              <a:spcBef>
-                <a:spcPts val="0"/>
-              </a:spcBef>
-              <a:spcAft>
-                <a:spcPts val="0"/>
-              </a:spcAft>
-              <a:buClrTx/>
-              <a:buSzTx/>
-              <a:buFontTx/>
-              <a:buNone/>
-              <a:defRPr/>
-            </a:pPr>
-            <a:endParaRPr kumimoji="0" lang="zh-CN" altLang="en-US" sz="1800" b="0" i="0" u="none" strike="noStrike" kern="1200" cap="none" spc="0" normalizeH="0" baseline="0" noProof="0">
-              <a:ln>
-                <a:noFill/>
-              </a:ln>
-              <a:solidFill>
-                <a:schemeClr val="lt1"/>
-              </a:solidFill>
-              <a:effectLst/>
-              <a:uLnTx/>
-              <a:uFillTx/>
-              <a:latin typeface="+mn-lt"/>
-              <a:ea typeface="+mn-ea"/>
-              <a:cs typeface="+mn-cs"/>
-            </a:endParaRPr>
-          </a:p>
-        </p:txBody>
-      </p:sp>
-      <p:sp>
-        <p:nvSpPr>
-          <p:cNvPr id="5144" name="文本框 101"/>
-          <p:cNvSpPr txBox="1"/>
-          <p:nvPr/>
-        </p:nvSpPr>
-        <p:spPr>
-          <a:xfrm>
-            <a:off x="250825" y="336550"/>
-            <a:ext cx="2797175" cy="583565"/>
-          </a:xfrm>
-          <a:prstGeom prst="rect">
-            <a:avLst/>
-          </a:prstGeom>
-          <a:noFill/>
-          <a:ln w="9525">
-            <a:noFill/>
-          </a:ln>
-        </p:spPr>
-        <p:txBody>
-          <a:bodyPr anchor="t" anchorCtr="0">
-            <a:spAutoFit/>
-          </a:bodyPr>
-          <a:p>
-            <a:pPr>
-              <a:buFont typeface="Arial" panose="020B0604020202020204" pitchFamily="34" charset="0"/>
-            </a:pPr>
-            <a:r>
-              <a:rPr lang="en-US" altLang="zh-CN" sz="3200" b="1" dirty="0">
-                <a:solidFill>
-                  <a:srgbClr val="FFFFFF"/>
-                </a:solidFill>
-                <a:latin typeface="Microsoft YaHei" panose="020B0503020204020204" pitchFamily="34" charset="-122"/>
-                <a:ea typeface="Microsoft YaHei" panose="020B0503020204020204" pitchFamily="34" charset="-122"/>
-              </a:rPr>
-              <a:t>Agenda</a:t>
-            </a:r>
-            <a:endParaRPr lang="zh-CN" altLang="en-US" sz="3200" b="1" dirty="0">
-              <a:solidFill>
-                <a:srgbClr val="FFFFFF"/>
-              </a:solidFill>
-              <a:latin typeface="Microsoft YaHei" panose="020B0503020204020204" pitchFamily="34" charset="-122"/>
-              <a:ea typeface="Microsoft YaHei" panose="020B0503020204020204" pitchFamily="34" charset="-122"/>
-            </a:endParaRPr>
-          </a:p>
-        </p:txBody>
-      </p:sp>
-      <p:grpSp>
-        <p:nvGrpSpPr>
-          <p:cNvPr id="5145" name="组合 3"/>
-          <p:cNvGrpSpPr/>
-          <p:nvPr/>
-        </p:nvGrpSpPr>
-        <p:grpSpPr>
-          <a:xfrm>
-            <a:off x="1168400" y="1687513"/>
-            <a:ext cx="814388" cy="849312"/>
-            <a:chOff x="1473127" y="1521451"/>
-            <a:chExt cx="653645" cy="681967"/>
-          </a:xfrm>
-        </p:grpSpPr>
-        <p:sp>
-          <p:nvSpPr>
-            <p:cNvPr id="3" name="六边形 2"/>
-            <p:cNvSpPr/>
-            <p:nvPr/>
-          </p:nvSpPr>
-          <p:spPr>
-            <a:xfrm rot="5400000">
-              <a:off x="1425833" y="1568735"/>
-              <a:ext cx="681967" cy="587389"/>
-            </a:xfrm>
-            <a:prstGeom prst="hexagon">
-              <a:avLst>
-                <a:gd name="adj" fmla="val 27469"/>
-                <a:gd name="vf" fmla="val 115470"/>
-              </a:avLst>
-            </a:prstGeom>
-            <a:solidFill>
-              <a:srgbClr val="05B780"/>
-            </a:solidFill>
-            <a:ln>
-              <a:noFill/>
-            </a:ln>
-          </p:spPr>
-          <p:style>
-            <a:lnRef idx="2">
-              <a:schemeClr val="accent1">
-                <a:shade val="50000"/>
-              </a:schemeClr>
-            </a:lnRef>
-            <a:fillRef idx="1">
-              <a:schemeClr val="accent1"/>
-            </a:fillRef>
-            <a:effectRef idx="0">
-              <a:schemeClr val="accent1"/>
-            </a:effectRef>
-            <a:fontRef idx="minor">
-              <a:schemeClr val="lt1"/>
-            </a:fontRef>
-          </p:style>
-          <p:txBody>
-            <a:bodyPr anchor="ctr"/>
-            <a:lstStyle/>
-            <a:p>
-              <a:pPr marL="0" marR="0" lvl="0" indent="0" algn="ctr" defTabSz="914400" rtl="0" eaLnBrk="1" fontAlgn="auto" latinLnBrk="0" hangingPunct="1">
-                <a:lnSpc>
-                  <a:spcPct val="100000"/>
-                </a:lnSpc>
-                <a:spcBef>
-                  <a:spcPts val="0"/>
-                </a:spcBef>
-                <a:spcAft>
-                  <a:spcPts val="0"/>
-                </a:spcAft>
-                <a:buClrTx/>
-                <a:buSzTx/>
-                <a:buFontTx/>
-                <a:buNone/>
-                <a:defRPr/>
-              </a:pPr>
-              <a:endParaRPr kumimoji="0" lang="zh-CN" altLang="en-US" sz="1800" b="0" i="0" u="none" strike="noStrike" kern="1200" cap="none" spc="0" normalizeH="0" baseline="0" noProof="0">
-                <a:ln>
-                  <a:noFill/>
-                </a:ln>
-                <a:solidFill>
-                  <a:schemeClr val="lt1"/>
-                </a:solidFill>
-                <a:effectLst/>
-                <a:uLnTx/>
-                <a:uFillTx/>
-                <a:latin typeface="+mn-lt"/>
-                <a:ea typeface="+mn-ea"/>
-                <a:cs typeface="+mn-cs"/>
-              </a:endParaRPr>
-            </a:p>
-          </p:txBody>
-        </p:sp>
-        <p:sp>
-          <p:nvSpPr>
-            <p:cNvPr id="5147" name="文本框 46"/>
-            <p:cNvSpPr txBox="1"/>
-            <p:nvPr/>
-          </p:nvSpPr>
-          <p:spPr>
-            <a:xfrm>
-              <a:off x="1524732" y="1669097"/>
-              <a:ext cx="602040" cy="419851"/>
-            </a:xfrm>
-            <a:prstGeom prst="rect">
-              <a:avLst/>
-            </a:prstGeom>
-            <a:noFill/>
-            <a:ln w="9525">
-              <a:noFill/>
-            </a:ln>
-          </p:spPr>
-          <p:txBody>
-            <a:bodyPr anchor="t" anchorCtr="0">
-              <a:spAutoFit/>
-            </a:bodyPr>
-            <a:p>
-              <a:pPr>
-                <a:buFont typeface="Arial" panose="020B0604020202020204" pitchFamily="34" charset="0"/>
-              </a:pPr>
-              <a:r>
-                <a:rPr lang="en-US" altLang="zh-CN" sz="2800" b="1" dirty="0">
-                  <a:solidFill>
-                    <a:schemeClr val="bg1"/>
-                  </a:solidFill>
-                  <a:latin typeface="Microsoft YaHei" panose="020B0503020204020204" pitchFamily="34" charset="-122"/>
-                  <a:ea typeface="Microsoft YaHei" panose="020B0503020204020204" pitchFamily="34" charset="-122"/>
-                </a:rPr>
-                <a:t>01</a:t>
-              </a:r>
-              <a:endParaRPr lang="zh-CN" altLang="en-US" sz="2800" b="1" dirty="0">
-                <a:solidFill>
-                  <a:schemeClr val="bg1"/>
-                </a:solidFill>
-                <a:latin typeface="Microsoft YaHei" panose="020B0503020204020204" pitchFamily="34" charset="-122"/>
-                <a:ea typeface="Microsoft YaHei" panose="020B0503020204020204" pitchFamily="34" charset="-122"/>
-              </a:endParaRPr>
-            </a:p>
-          </p:txBody>
-        </p:sp>
-      </p:grpSp>
-      <p:sp>
-        <p:nvSpPr>
-          <p:cNvPr id="113" name="矩形 112"/>
-          <p:cNvSpPr/>
-          <p:nvPr/>
-        </p:nvSpPr>
-        <p:spPr>
-          <a:xfrm>
-            <a:off x="7474585" y="2957195"/>
-            <a:ext cx="3322955" cy="450850"/>
-          </a:xfrm>
-          <a:prstGeom prst="rect">
-            <a:avLst/>
-          </a:prstGeom>
-          <a:noFill/>
-          <a:ln>
-            <a:solidFill>
-              <a:srgbClr val="05B780"/>
-            </a:solidFill>
-          </a:ln>
-        </p:spPr>
-        <p:style>
-          <a:lnRef idx="2">
-            <a:schemeClr val="accent1">
-              <a:shade val="50000"/>
-            </a:schemeClr>
-          </a:lnRef>
-          <a:fillRef idx="1">
-            <a:schemeClr val="accent1"/>
-          </a:fillRef>
-          <a:effectRef idx="0">
-            <a:schemeClr val="accent1"/>
-          </a:effectRef>
-          <a:fontRef idx="minor">
-            <a:schemeClr val="lt1"/>
-          </a:fontRef>
-        </p:style>
-        <p:txBody>
-          <a:bodyPr anchor="ctr"/>
-          <a:lstStyle/>
-          <a:p>
-            <a:pPr marL="0" marR="0" lvl="0" indent="0" algn="ctr" defTabSz="914400" rtl="0" eaLnBrk="1" fontAlgn="auto" latinLnBrk="0" hangingPunct="1">
-              <a:lnSpc>
-                <a:spcPct val="100000"/>
-              </a:lnSpc>
-              <a:spcBef>
-                <a:spcPts val="0"/>
-              </a:spcBef>
-              <a:spcAft>
-                <a:spcPts val="0"/>
-              </a:spcAft>
-              <a:buClrTx/>
-              <a:buSzTx/>
-              <a:buFontTx/>
-              <a:buNone/>
-              <a:defRPr/>
-            </a:pPr>
-            <a:endParaRPr kumimoji="0" lang="zh-CN" altLang="en-US" sz="1800" b="0" i="0" u="none" strike="noStrike" kern="1200" cap="none" spc="0" normalizeH="0" baseline="0" noProof="0">
-              <a:ln>
-                <a:noFill/>
-              </a:ln>
-              <a:solidFill>
-                <a:schemeClr val="lt1"/>
-              </a:solidFill>
-              <a:effectLst/>
-              <a:uLnTx/>
-              <a:uFillTx/>
-              <a:latin typeface="+mn-lt"/>
-              <a:ea typeface="+mn-ea"/>
-              <a:cs typeface="+mn-cs"/>
-            </a:endParaRPr>
-          </a:p>
-        </p:txBody>
-      </p:sp>
-      <p:sp>
-        <p:nvSpPr>
-          <p:cNvPr id="5159" name="文本框 113"/>
-          <p:cNvSpPr txBox="1"/>
-          <p:nvPr/>
-        </p:nvSpPr>
-        <p:spPr>
-          <a:xfrm>
-            <a:off x="7752398" y="2950845"/>
-            <a:ext cx="2366962" cy="460375"/>
-          </a:xfrm>
-          <a:prstGeom prst="rect">
-            <a:avLst/>
-          </a:prstGeom>
-          <a:noFill/>
-          <a:ln w="9525">
-            <a:noFill/>
-          </a:ln>
-        </p:spPr>
-        <p:txBody>
-          <a:bodyPr wrap="square" anchor="t" anchorCtr="0">
-            <a:spAutoFit/>
-          </a:bodyPr>
-          <a:p>
-            <a:pPr>
-              <a:buFont typeface="Arial" panose="020B0604020202020204" pitchFamily="34" charset="0"/>
-            </a:pPr>
-            <a:r>
-              <a:rPr lang="en-US" altLang="zh-CN" sz="2400" b="1" dirty="0">
-                <a:solidFill>
-                  <a:srgbClr val="05B780"/>
-                </a:solidFill>
-                <a:latin typeface="Microsoft YaHei" panose="020B0503020204020204" pitchFamily="34" charset="-122"/>
-                <a:ea typeface="Microsoft YaHei" panose="020B0503020204020204" pitchFamily="34" charset="-122"/>
-              </a:rPr>
-              <a:t>Class Exercise</a:t>
-            </a:r>
-            <a:endParaRPr lang="en-US" altLang="zh-CN" sz="2400" b="1" dirty="0">
-              <a:solidFill>
-                <a:srgbClr val="05B780"/>
-              </a:solidFill>
-              <a:latin typeface="Microsoft YaHei" panose="020B0503020204020204" pitchFamily="34" charset="-122"/>
-              <a:ea typeface="Microsoft YaHei" panose="020B0503020204020204" pitchFamily="34" charset="-122"/>
-            </a:endParaRPr>
-          </a:p>
-        </p:txBody>
-      </p:sp>
-      <p:grpSp>
-        <p:nvGrpSpPr>
-          <p:cNvPr id="5160" name="组合 114"/>
-          <p:cNvGrpSpPr/>
-          <p:nvPr/>
-        </p:nvGrpSpPr>
-        <p:grpSpPr>
-          <a:xfrm>
-            <a:off x="6763379" y="2757164"/>
-            <a:ext cx="814394" cy="850900"/>
-            <a:chOff x="1473122" y="1521446"/>
-            <a:chExt cx="653650" cy="681967"/>
-          </a:xfrm>
-        </p:grpSpPr>
-        <p:sp>
-          <p:nvSpPr>
-            <p:cNvPr id="116" name="六边形 115"/>
-            <p:cNvSpPr/>
-            <p:nvPr/>
-          </p:nvSpPr>
-          <p:spPr>
-            <a:xfrm rot="5400000">
-              <a:off x="1425833" y="1568735"/>
-              <a:ext cx="681967" cy="587389"/>
-            </a:xfrm>
-            <a:prstGeom prst="hexagon">
-              <a:avLst>
-                <a:gd name="adj" fmla="val 27469"/>
-                <a:gd name="vf" fmla="val 115470"/>
-              </a:avLst>
-            </a:prstGeom>
-            <a:solidFill>
-              <a:srgbClr val="05B780"/>
-            </a:solidFill>
-            <a:ln>
-              <a:noFill/>
-            </a:ln>
-          </p:spPr>
-          <p:style>
-            <a:lnRef idx="2">
-              <a:schemeClr val="accent1">
-                <a:shade val="50000"/>
-              </a:schemeClr>
-            </a:lnRef>
-            <a:fillRef idx="1">
-              <a:schemeClr val="accent1"/>
-            </a:fillRef>
-            <a:effectRef idx="0">
-              <a:schemeClr val="accent1"/>
-            </a:effectRef>
-            <a:fontRef idx="minor">
-              <a:schemeClr val="lt1"/>
-            </a:fontRef>
-          </p:style>
-          <p:txBody>
-            <a:bodyPr anchor="ctr"/>
-            <a:lstStyle/>
-            <a:p>
-              <a:pPr marL="0" marR="0" lvl="0" indent="0" algn="ctr" defTabSz="914400" rtl="0" eaLnBrk="1" fontAlgn="auto" latinLnBrk="0" hangingPunct="1">
-                <a:lnSpc>
-                  <a:spcPct val="100000"/>
-                </a:lnSpc>
-                <a:spcBef>
-                  <a:spcPts val="0"/>
-                </a:spcBef>
-                <a:spcAft>
-                  <a:spcPts val="0"/>
-                </a:spcAft>
-                <a:buClrTx/>
-                <a:buSzTx/>
-                <a:buFontTx/>
-                <a:buNone/>
-                <a:defRPr/>
-              </a:pPr>
-              <a:endParaRPr kumimoji="0" lang="zh-CN" altLang="en-US" sz="1800" b="0" i="0" u="none" strike="noStrike" kern="1200" cap="none" spc="0" normalizeH="0" baseline="0" noProof="0">
-                <a:ln>
-                  <a:noFill/>
-                </a:ln>
-                <a:solidFill>
-                  <a:schemeClr val="lt1"/>
-                </a:solidFill>
-                <a:effectLst/>
-                <a:uLnTx/>
-                <a:uFillTx/>
-                <a:latin typeface="+mn-lt"/>
-                <a:ea typeface="+mn-ea"/>
-                <a:cs typeface="+mn-cs"/>
-              </a:endParaRPr>
-            </a:p>
-          </p:txBody>
-        </p:sp>
-        <p:sp>
-          <p:nvSpPr>
-            <p:cNvPr id="5162" name="文本框 116"/>
-            <p:cNvSpPr txBox="1"/>
-            <p:nvPr/>
-          </p:nvSpPr>
-          <p:spPr>
-            <a:xfrm>
-              <a:off x="1524732" y="1669097"/>
-              <a:ext cx="602040" cy="418341"/>
-            </a:xfrm>
-            <a:prstGeom prst="rect">
-              <a:avLst/>
-            </a:prstGeom>
-            <a:noFill/>
-            <a:ln w="9525">
-              <a:noFill/>
-            </a:ln>
-          </p:spPr>
-          <p:txBody>
-            <a:bodyPr anchor="t" anchorCtr="0">
-              <a:spAutoFit/>
-            </a:bodyPr>
-            <a:p>
-              <a:pPr>
-                <a:buFont typeface="Arial" panose="020B0604020202020204" pitchFamily="34" charset="0"/>
-              </a:pPr>
-              <a:r>
-                <a:rPr lang="en-US" altLang="zh-CN" sz="2800" b="1" dirty="0">
-                  <a:solidFill>
-                    <a:schemeClr val="bg1"/>
-                  </a:solidFill>
-                  <a:latin typeface="Microsoft YaHei" panose="020B0503020204020204" pitchFamily="34" charset="-122"/>
-                  <a:ea typeface="Microsoft YaHei" panose="020B0503020204020204" pitchFamily="34" charset="-122"/>
-                </a:rPr>
-                <a:t>05</a:t>
-              </a:r>
-              <a:endParaRPr lang="zh-CN" altLang="en-US" sz="2800" b="1" dirty="0">
-                <a:solidFill>
-                  <a:schemeClr val="bg1"/>
-                </a:solidFill>
-                <a:latin typeface="Microsoft YaHei" panose="020B0503020204020204" pitchFamily="34" charset="-122"/>
-                <a:ea typeface="Microsoft YaHei" panose="020B0503020204020204" pitchFamily="34" charset="-122"/>
-              </a:endParaRPr>
-            </a:p>
-          </p:txBody>
-        </p:sp>
-      </p:grpSp>
-      <p:sp>
-        <p:nvSpPr>
-          <p:cNvPr id="13" name="文本框 111"/>
-          <p:cNvSpPr txBox="1"/>
-          <p:nvPr/>
-        </p:nvSpPr>
-        <p:spPr>
-          <a:xfrm>
-            <a:off x="6704330" y="3935095"/>
-            <a:ext cx="749935" cy="521970"/>
-          </a:xfrm>
-          <a:prstGeom prst="rect">
-            <a:avLst/>
-          </a:prstGeom>
-          <a:noFill/>
-          <a:ln w="9525">
-            <a:noFill/>
-          </a:ln>
-        </p:spPr>
-        <p:txBody>
-          <a:bodyPr anchor="t" anchorCtr="0">
-            <a:spAutoFit/>
-          </a:bodyPr>
-          <a:p>
-            <a:pPr>
-              <a:buFont typeface="Arial" panose="020B0604020202020204" pitchFamily="34" charset="0"/>
-            </a:pPr>
-            <a:r>
-              <a:rPr lang="en-US" altLang="zh-CN" sz="2800" b="1" dirty="0">
-                <a:solidFill>
-                  <a:schemeClr val="bg1"/>
-                </a:solidFill>
-                <a:latin typeface="Microsoft YaHei" panose="020B0503020204020204" pitchFamily="34" charset="-122"/>
-                <a:ea typeface="Microsoft YaHei" panose="020B0503020204020204" pitchFamily="34" charset="-122"/>
-              </a:rPr>
-              <a:t>05</a:t>
-            </a:r>
-            <a:endParaRPr lang="zh-CN" altLang="en-US" sz="2800" b="1" dirty="0">
-              <a:solidFill>
-                <a:schemeClr val="bg1"/>
-              </a:solidFill>
-              <a:latin typeface="Microsoft YaHei" panose="020B0503020204020204" pitchFamily="34" charset="-122"/>
-              <a:ea typeface="Microsoft YaHei" panose="020B0503020204020204" pitchFamily="34" charset="-122"/>
-            </a:endParaRPr>
-          </a:p>
-        </p:txBody>
-      </p:sp>
-      <p:sp>
-        <p:nvSpPr>
-          <p:cNvPr id="8" name="矩形 5"/>
-          <p:cNvSpPr/>
-          <p:nvPr/>
-        </p:nvSpPr>
-        <p:spPr>
-          <a:xfrm>
-            <a:off x="1878965" y="2832100"/>
-            <a:ext cx="3322320" cy="449580"/>
-          </a:xfrm>
-          <a:prstGeom prst="rect">
-            <a:avLst/>
-          </a:prstGeom>
-          <a:noFill/>
-          <a:ln>
-            <a:solidFill>
-              <a:srgbClr val="05B780"/>
-            </a:solidFill>
-          </a:ln>
-        </p:spPr>
-        <p:style>
-          <a:lnRef idx="2">
-            <a:schemeClr val="accent1">
-              <a:shade val="50000"/>
-            </a:schemeClr>
-          </a:lnRef>
-          <a:fillRef idx="1">
-            <a:schemeClr val="accent1"/>
-          </a:fillRef>
-          <a:effectRef idx="0">
-            <a:schemeClr val="accent1"/>
-          </a:effectRef>
-          <a:fontRef idx="minor">
-            <a:schemeClr val="lt1"/>
-          </a:fontRef>
-        </p:style>
-        <p:txBody>
-          <a:bodyPr anchor="ctr"/>
-          <a:p>
-            <a:pPr marL="0" marR="0" lvl="0" indent="0" algn="ctr" defTabSz="914400" rtl="0" eaLnBrk="1" fontAlgn="auto" latinLnBrk="0" hangingPunct="1">
-              <a:lnSpc>
-                <a:spcPct val="100000"/>
-              </a:lnSpc>
-              <a:spcBef>
-                <a:spcPts val="0"/>
-              </a:spcBef>
-              <a:spcAft>
-                <a:spcPts val="0"/>
-              </a:spcAft>
-              <a:buClrTx/>
-              <a:buSzTx/>
-              <a:buFontTx/>
-              <a:buNone/>
-              <a:defRPr/>
-            </a:pPr>
-            <a:endParaRPr kumimoji="0" lang="zh-CN" altLang="en-US" sz="1800" b="0" i="0" u="none" strike="noStrike" kern="1200" cap="none" spc="0" normalizeH="0" baseline="0" noProof="0">
-              <a:ln>
-                <a:noFill/>
-              </a:ln>
-              <a:solidFill>
-                <a:schemeClr val="lt1"/>
-              </a:solidFill>
-              <a:effectLst/>
-              <a:uLnTx/>
-              <a:uFillTx/>
-              <a:latin typeface="+mn-lt"/>
-              <a:ea typeface="+mn-ea"/>
-              <a:cs typeface="+mn-cs"/>
-            </a:endParaRPr>
-          </a:p>
-        </p:txBody>
-      </p:sp>
-      <p:sp>
-        <p:nvSpPr>
-          <p:cNvPr id="15" name="文本框 47"/>
-          <p:cNvSpPr txBox="1"/>
-          <p:nvPr/>
-        </p:nvSpPr>
-        <p:spPr>
-          <a:xfrm>
-            <a:off x="2156778" y="2835593"/>
-            <a:ext cx="2497137" cy="460375"/>
-          </a:xfrm>
-          <a:prstGeom prst="rect">
-            <a:avLst/>
-          </a:prstGeom>
-          <a:noFill/>
-          <a:ln w="9525">
-            <a:noFill/>
-          </a:ln>
-        </p:spPr>
-        <p:txBody>
-          <a:bodyPr wrap="square" anchor="t" anchorCtr="0">
-            <a:spAutoFit/>
-          </a:bodyPr>
-          <a:p>
-            <a:pPr>
-              <a:buFont typeface="Arial" panose="020B0604020202020204" pitchFamily="34" charset="0"/>
-            </a:pPr>
-            <a:r>
-              <a:rPr lang="en-US" altLang="zh-CN" sz="2400" b="1" dirty="0">
-                <a:solidFill>
-                  <a:srgbClr val="05B780"/>
-                </a:solidFill>
-                <a:latin typeface="Microsoft YaHei" panose="020B0503020204020204" pitchFamily="34" charset="-122"/>
-                <a:ea typeface="Microsoft YaHei" panose="020B0503020204020204" pitchFamily="34" charset="-122"/>
-              </a:rPr>
-              <a:t>Linked List</a:t>
-            </a:r>
-            <a:endParaRPr lang="en-US" altLang="zh-CN" sz="2400" b="1" dirty="0">
-              <a:solidFill>
-                <a:srgbClr val="05B780"/>
-              </a:solidFill>
-              <a:latin typeface="Microsoft YaHei" panose="020B0503020204020204" pitchFamily="34" charset="-122"/>
-              <a:ea typeface="Microsoft YaHei" panose="020B0503020204020204" pitchFamily="34" charset="-122"/>
-            </a:endParaRPr>
-          </a:p>
-        </p:txBody>
-      </p:sp>
-      <p:grpSp>
-        <p:nvGrpSpPr>
-          <p:cNvPr id="16" name="组合 3"/>
-          <p:cNvGrpSpPr/>
-          <p:nvPr/>
-        </p:nvGrpSpPr>
-        <p:grpSpPr>
-          <a:xfrm>
-            <a:off x="1167759" y="2641912"/>
-            <a:ext cx="814394" cy="849312"/>
-            <a:chOff x="1473122" y="1521446"/>
-            <a:chExt cx="653650" cy="681967"/>
-          </a:xfrm>
-        </p:grpSpPr>
-        <p:sp>
-          <p:nvSpPr>
-            <p:cNvPr id="17" name="六边形 2"/>
-            <p:cNvSpPr/>
-            <p:nvPr/>
-          </p:nvSpPr>
-          <p:spPr>
-            <a:xfrm rot="5400000">
-              <a:off x="1425833" y="1568735"/>
-              <a:ext cx="681967" cy="587389"/>
-            </a:xfrm>
-            <a:prstGeom prst="hexagon">
-              <a:avLst>
-                <a:gd name="adj" fmla="val 27469"/>
-                <a:gd name="vf" fmla="val 115470"/>
-              </a:avLst>
-            </a:prstGeom>
-            <a:solidFill>
-              <a:srgbClr val="05B780"/>
-            </a:solidFill>
-            <a:ln>
-              <a:noFill/>
-            </a:ln>
-          </p:spPr>
-          <p:style>
-            <a:lnRef idx="2">
-              <a:schemeClr val="accent1">
-                <a:shade val="50000"/>
-              </a:schemeClr>
-            </a:lnRef>
-            <a:fillRef idx="1">
-              <a:schemeClr val="accent1"/>
-            </a:fillRef>
-            <a:effectRef idx="0">
-              <a:schemeClr val="accent1"/>
-            </a:effectRef>
-            <a:fontRef idx="minor">
-              <a:schemeClr val="lt1"/>
-            </a:fontRef>
-          </p:style>
-          <p:txBody>
-            <a:bodyPr anchor="ctr"/>
-            <a:p>
-              <a:pPr marL="0" marR="0" lvl="0" indent="0" algn="ctr" defTabSz="914400" rtl="0" eaLnBrk="1" fontAlgn="auto" latinLnBrk="0" hangingPunct="1">
-                <a:lnSpc>
-                  <a:spcPct val="100000"/>
-                </a:lnSpc>
-                <a:spcBef>
-                  <a:spcPts val="0"/>
-                </a:spcBef>
-                <a:spcAft>
-                  <a:spcPts val="0"/>
-                </a:spcAft>
-                <a:buClrTx/>
-                <a:buSzTx/>
-                <a:buFontTx/>
-                <a:buNone/>
-                <a:defRPr/>
-              </a:pPr>
-              <a:endParaRPr kumimoji="0" lang="zh-CN" altLang="en-US" sz="1800" b="0" i="0" u="none" strike="noStrike" kern="1200" cap="none" spc="0" normalizeH="0" baseline="0" noProof="0">
-                <a:ln>
-                  <a:noFill/>
-                </a:ln>
-                <a:solidFill>
-                  <a:schemeClr val="lt1"/>
-                </a:solidFill>
-                <a:effectLst/>
-                <a:uLnTx/>
-                <a:uFillTx/>
-                <a:latin typeface="+mn-lt"/>
-                <a:ea typeface="+mn-ea"/>
-                <a:cs typeface="+mn-cs"/>
-              </a:endParaRPr>
-            </a:p>
-          </p:txBody>
-        </p:sp>
-        <p:sp>
-          <p:nvSpPr>
-            <p:cNvPr id="18" name="文本框 46"/>
-            <p:cNvSpPr txBox="1"/>
-            <p:nvPr/>
-          </p:nvSpPr>
-          <p:spPr>
-            <a:xfrm>
-              <a:off x="1524732" y="1669097"/>
-              <a:ext cx="602040" cy="419123"/>
-            </a:xfrm>
-            <a:prstGeom prst="rect">
-              <a:avLst/>
-            </a:prstGeom>
-            <a:noFill/>
-            <a:ln w="9525">
-              <a:noFill/>
-            </a:ln>
-          </p:spPr>
-          <p:txBody>
-            <a:bodyPr anchor="t" anchorCtr="0">
-              <a:spAutoFit/>
-            </a:bodyPr>
-            <a:p>
-              <a:pPr>
-                <a:buFont typeface="Arial" panose="020B0604020202020204" pitchFamily="34" charset="0"/>
-              </a:pPr>
-              <a:r>
-                <a:rPr lang="en-US" altLang="zh-CN" sz="2800" b="1" dirty="0">
-                  <a:solidFill>
-                    <a:schemeClr val="bg1"/>
-                  </a:solidFill>
-                  <a:latin typeface="Microsoft YaHei" panose="020B0503020204020204" pitchFamily="34" charset="-122"/>
-                  <a:ea typeface="Microsoft YaHei" panose="020B0503020204020204" pitchFamily="34" charset="-122"/>
-                </a:rPr>
-                <a:t>02</a:t>
-              </a:r>
-              <a:endParaRPr lang="zh-CN" altLang="en-US" sz="2800" b="1" dirty="0">
-                <a:solidFill>
-                  <a:schemeClr val="bg1"/>
-                </a:solidFill>
-                <a:latin typeface="Microsoft YaHei" panose="020B0503020204020204" pitchFamily="34" charset="-122"/>
-                <a:ea typeface="Microsoft YaHei" panose="020B0503020204020204" pitchFamily="34" charset="-122"/>
-              </a:endParaRPr>
-            </a:p>
-          </p:txBody>
-        </p:sp>
-      </p:grpSp>
-      <p:sp>
-        <p:nvSpPr>
-          <p:cNvPr id="19" name="矩形 5"/>
-          <p:cNvSpPr/>
-          <p:nvPr/>
-        </p:nvSpPr>
-        <p:spPr>
-          <a:xfrm>
-            <a:off x="1878965" y="3786505"/>
-            <a:ext cx="3322320" cy="449580"/>
-          </a:xfrm>
-          <a:prstGeom prst="rect">
-            <a:avLst/>
-          </a:prstGeom>
-          <a:noFill/>
-          <a:ln>
-            <a:solidFill>
-              <a:srgbClr val="05B780"/>
-            </a:solidFill>
-          </a:ln>
-        </p:spPr>
-        <p:style>
-          <a:lnRef idx="2">
-            <a:schemeClr val="accent1">
-              <a:shade val="50000"/>
-            </a:schemeClr>
-          </a:lnRef>
-          <a:fillRef idx="1">
-            <a:schemeClr val="accent1"/>
-          </a:fillRef>
-          <a:effectRef idx="0">
-            <a:schemeClr val="accent1"/>
-          </a:effectRef>
-          <a:fontRef idx="minor">
-            <a:schemeClr val="lt1"/>
-          </a:fontRef>
-        </p:style>
-        <p:txBody>
-          <a:bodyPr anchor="ctr"/>
-          <a:lstStyle/>
-          <a:p>
-            <a:pPr marL="0" marR="0" lvl="0" indent="0" algn="ctr" defTabSz="914400" rtl="0" eaLnBrk="1" fontAlgn="auto" latinLnBrk="0" hangingPunct="1">
-              <a:lnSpc>
-                <a:spcPct val="100000"/>
-              </a:lnSpc>
-              <a:spcBef>
-                <a:spcPts val="0"/>
-              </a:spcBef>
-              <a:spcAft>
-                <a:spcPts val="0"/>
-              </a:spcAft>
-              <a:buClrTx/>
-              <a:buSzTx/>
-              <a:buFontTx/>
-              <a:buNone/>
-              <a:defRPr/>
-            </a:pPr>
-            <a:endParaRPr kumimoji="0" lang="zh-CN" altLang="en-US" sz="1800" b="0" i="0" u="none" strike="noStrike" kern="1200" cap="none" spc="0" normalizeH="0" baseline="0" noProof="0">
-              <a:ln>
-                <a:noFill/>
-              </a:ln>
-              <a:solidFill>
-                <a:schemeClr val="lt1"/>
-              </a:solidFill>
-              <a:effectLst/>
-              <a:uLnTx/>
-              <a:uFillTx/>
-              <a:latin typeface="+mn-lt"/>
-              <a:ea typeface="+mn-ea"/>
-              <a:cs typeface="+mn-cs"/>
-            </a:endParaRPr>
-          </a:p>
-        </p:txBody>
-      </p:sp>
-      <p:sp>
-        <p:nvSpPr>
-          <p:cNvPr id="20" name="文本框 47"/>
-          <p:cNvSpPr txBox="1"/>
-          <p:nvPr/>
-        </p:nvSpPr>
-        <p:spPr>
-          <a:xfrm>
-            <a:off x="2156778" y="3789998"/>
-            <a:ext cx="2497137" cy="460375"/>
-          </a:xfrm>
-          <a:prstGeom prst="rect">
-            <a:avLst/>
-          </a:prstGeom>
-          <a:noFill/>
-          <a:ln w="9525">
-            <a:noFill/>
-          </a:ln>
-        </p:spPr>
-        <p:txBody>
-          <a:bodyPr wrap="square" anchor="t" anchorCtr="0">
-            <a:spAutoFit/>
-          </a:bodyPr>
-          <a:p>
-            <a:pPr>
-              <a:buFont typeface="Arial" panose="020B0604020202020204" pitchFamily="34" charset="0"/>
-            </a:pPr>
-            <a:r>
-              <a:rPr lang="en-US" altLang="zh-CN" sz="2400" b="1" dirty="0">
-                <a:solidFill>
-                  <a:srgbClr val="05B780"/>
-                </a:solidFill>
-                <a:latin typeface="Microsoft YaHei" panose="020B0503020204020204" pitchFamily="34" charset="-122"/>
-                <a:ea typeface="Microsoft YaHei" panose="020B0503020204020204" pitchFamily="34" charset="-122"/>
-              </a:rPr>
-              <a:t>Binary Tree</a:t>
-            </a:r>
-            <a:endParaRPr lang="en-US" altLang="zh-CN" sz="2400" b="1" dirty="0">
-              <a:solidFill>
-                <a:srgbClr val="05B780"/>
-              </a:solidFill>
-              <a:latin typeface="Microsoft YaHei" panose="020B0503020204020204" pitchFamily="34" charset="-122"/>
-              <a:ea typeface="Microsoft YaHei" panose="020B0503020204020204" pitchFamily="34" charset="-122"/>
-            </a:endParaRPr>
-          </a:p>
-        </p:txBody>
-      </p:sp>
-      <p:grpSp>
-        <p:nvGrpSpPr>
-          <p:cNvPr id="21" name="组合 3"/>
-          <p:cNvGrpSpPr/>
-          <p:nvPr/>
-        </p:nvGrpSpPr>
-        <p:grpSpPr>
-          <a:xfrm>
-            <a:off x="1167759" y="3596317"/>
-            <a:ext cx="814394" cy="849312"/>
-            <a:chOff x="1473122" y="1521446"/>
-            <a:chExt cx="653650" cy="681967"/>
-          </a:xfrm>
-        </p:grpSpPr>
-        <p:sp>
-          <p:nvSpPr>
-            <p:cNvPr id="22" name="六边形 2"/>
-            <p:cNvSpPr/>
-            <p:nvPr/>
-          </p:nvSpPr>
-          <p:spPr>
-            <a:xfrm rot="5400000">
-              <a:off x="1425833" y="1568735"/>
-              <a:ext cx="681967" cy="587389"/>
-            </a:xfrm>
-            <a:prstGeom prst="hexagon">
-              <a:avLst>
-                <a:gd name="adj" fmla="val 27469"/>
-                <a:gd name="vf" fmla="val 115470"/>
-              </a:avLst>
-            </a:prstGeom>
-            <a:solidFill>
-              <a:srgbClr val="05B780"/>
-            </a:solidFill>
-            <a:ln>
-              <a:noFill/>
-            </a:ln>
-          </p:spPr>
-          <p:style>
-            <a:lnRef idx="2">
-              <a:schemeClr val="accent1">
-                <a:shade val="50000"/>
-              </a:schemeClr>
-            </a:lnRef>
-            <a:fillRef idx="1">
-              <a:schemeClr val="accent1"/>
-            </a:fillRef>
-            <a:effectRef idx="0">
-              <a:schemeClr val="accent1"/>
-            </a:effectRef>
-            <a:fontRef idx="minor">
-              <a:schemeClr val="lt1"/>
-            </a:fontRef>
-          </p:style>
-          <p:txBody>
-            <a:bodyPr anchor="ctr"/>
-            <a:lstStyle/>
-            <a:p>
-              <a:pPr marL="0" marR="0" lvl="0" indent="0" algn="ctr" defTabSz="914400" rtl="0" eaLnBrk="1" fontAlgn="auto" latinLnBrk="0" hangingPunct="1">
-                <a:lnSpc>
-                  <a:spcPct val="100000"/>
-                </a:lnSpc>
-                <a:spcBef>
-                  <a:spcPts val="0"/>
-                </a:spcBef>
-                <a:spcAft>
-                  <a:spcPts val="0"/>
-                </a:spcAft>
-                <a:buClrTx/>
-                <a:buSzTx/>
-                <a:buFontTx/>
-                <a:buNone/>
-                <a:defRPr/>
-              </a:pPr>
-              <a:endParaRPr kumimoji="0" lang="zh-CN" altLang="en-US" sz="1800" b="0" i="0" u="none" strike="noStrike" kern="1200" cap="none" spc="0" normalizeH="0" baseline="0" noProof="0">
-                <a:ln>
-                  <a:noFill/>
-                </a:ln>
-                <a:solidFill>
-                  <a:schemeClr val="lt1"/>
-                </a:solidFill>
-                <a:effectLst/>
-                <a:uLnTx/>
-                <a:uFillTx/>
-                <a:latin typeface="+mn-lt"/>
-                <a:ea typeface="+mn-ea"/>
-                <a:cs typeface="+mn-cs"/>
-              </a:endParaRPr>
-            </a:p>
-          </p:txBody>
-        </p:sp>
-        <p:sp>
-          <p:nvSpPr>
-            <p:cNvPr id="23" name="文本框 46"/>
-            <p:cNvSpPr txBox="1"/>
-            <p:nvPr/>
-          </p:nvSpPr>
-          <p:spPr>
-            <a:xfrm>
-              <a:off x="1524732" y="1669097"/>
-              <a:ext cx="602040" cy="419123"/>
-            </a:xfrm>
-            <a:prstGeom prst="rect">
-              <a:avLst/>
-            </a:prstGeom>
-            <a:noFill/>
-            <a:ln w="9525">
-              <a:noFill/>
-            </a:ln>
-          </p:spPr>
-          <p:txBody>
-            <a:bodyPr anchor="t" anchorCtr="0">
-              <a:spAutoFit/>
-            </a:bodyPr>
-            <a:p>
-              <a:pPr>
-                <a:buFont typeface="Arial" panose="020B0604020202020204" pitchFamily="34" charset="0"/>
-              </a:pPr>
-              <a:r>
-                <a:rPr lang="en-US" altLang="zh-CN" sz="2800" b="1" dirty="0">
-                  <a:solidFill>
-                    <a:schemeClr val="bg1"/>
-                  </a:solidFill>
-                  <a:latin typeface="Microsoft YaHei" panose="020B0503020204020204" pitchFamily="34" charset="-122"/>
-                  <a:ea typeface="Microsoft YaHei" panose="020B0503020204020204" pitchFamily="34" charset="-122"/>
-                </a:rPr>
-                <a:t>03</a:t>
-              </a:r>
-              <a:endParaRPr lang="zh-CN" altLang="en-US" sz="2800" b="1" dirty="0">
-                <a:solidFill>
-                  <a:schemeClr val="bg1"/>
-                </a:solidFill>
-                <a:latin typeface="Microsoft YaHei" panose="020B0503020204020204" pitchFamily="34" charset="-122"/>
-                <a:ea typeface="Microsoft YaHei" panose="020B0503020204020204" pitchFamily="34" charset="-122"/>
-              </a:endParaRPr>
-            </a:p>
-          </p:txBody>
-        </p:sp>
-      </p:grpSp>
-      <p:sp>
-        <p:nvSpPr>
-          <p:cNvPr id="2" name="矩形 112"/>
-          <p:cNvSpPr/>
-          <p:nvPr/>
-        </p:nvSpPr>
-        <p:spPr>
-          <a:xfrm>
-            <a:off x="7454265" y="1885950"/>
-            <a:ext cx="3322955" cy="450850"/>
-          </a:xfrm>
-          <a:prstGeom prst="rect">
-            <a:avLst/>
-          </a:prstGeom>
-          <a:noFill/>
-          <a:ln>
-            <a:solidFill>
-              <a:srgbClr val="05B780"/>
-            </a:solidFill>
-          </a:ln>
-        </p:spPr>
-        <p:style>
-          <a:lnRef idx="2">
-            <a:schemeClr val="accent1">
-              <a:shade val="50000"/>
-            </a:schemeClr>
-          </a:lnRef>
-          <a:fillRef idx="1">
-            <a:schemeClr val="accent1"/>
-          </a:fillRef>
-          <a:effectRef idx="0">
-            <a:schemeClr val="accent1"/>
-          </a:effectRef>
-          <a:fontRef idx="minor">
-            <a:schemeClr val="lt1"/>
-          </a:fontRef>
-        </p:style>
-        <p:txBody>
-          <a:bodyPr anchor="ctr"/>
-          <a:p>
-            <a:pPr marL="0" marR="0" lvl="0" indent="0" algn="ctr" defTabSz="914400" rtl="0" eaLnBrk="1" fontAlgn="auto" latinLnBrk="0" hangingPunct="1">
-              <a:lnSpc>
-                <a:spcPct val="100000"/>
-              </a:lnSpc>
-              <a:spcBef>
-                <a:spcPts val="0"/>
-              </a:spcBef>
-              <a:spcAft>
-                <a:spcPts val="0"/>
-              </a:spcAft>
-              <a:buClrTx/>
-              <a:buSzTx/>
-              <a:buFontTx/>
-              <a:buNone/>
-              <a:defRPr/>
-            </a:pPr>
-            <a:endParaRPr kumimoji="0" lang="zh-CN" altLang="en-US" sz="1800" b="0" i="0" u="none" strike="noStrike" kern="1200" cap="none" spc="0" normalizeH="0" baseline="0" noProof="0">
-              <a:ln>
-                <a:noFill/>
-              </a:ln>
-              <a:solidFill>
-                <a:schemeClr val="lt1"/>
-              </a:solidFill>
-              <a:effectLst/>
-              <a:uLnTx/>
-              <a:uFillTx/>
-              <a:latin typeface="+mn-lt"/>
-              <a:ea typeface="+mn-ea"/>
-              <a:cs typeface="+mn-cs"/>
-            </a:endParaRPr>
-          </a:p>
-        </p:txBody>
-      </p:sp>
-      <p:sp>
-        <p:nvSpPr>
-          <p:cNvPr id="4" name="文本框 113"/>
-          <p:cNvSpPr txBox="1"/>
-          <p:nvPr/>
-        </p:nvSpPr>
-        <p:spPr>
-          <a:xfrm>
-            <a:off x="7732078" y="1879600"/>
-            <a:ext cx="2366962" cy="460375"/>
-          </a:xfrm>
-          <a:prstGeom prst="rect">
-            <a:avLst/>
-          </a:prstGeom>
-          <a:noFill/>
-          <a:ln w="9525">
-            <a:noFill/>
-          </a:ln>
-        </p:spPr>
-        <p:txBody>
-          <a:bodyPr wrap="square" anchor="t" anchorCtr="0">
-            <a:spAutoFit/>
-          </a:bodyPr>
-          <a:p>
-            <a:pPr>
-              <a:buFont typeface="Arial" panose="020B0604020202020204" pitchFamily="34" charset="0"/>
-            </a:pPr>
-            <a:r>
-              <a:rPr lang="en-US" altLang="zh-CN" sz="2400" b="1" dirty="0">
-                <a:solidFill>
-                  <a:srgbClr val="05B780"/>
-                </a:solidFill>
-                <a:latin typeface="Microsoft YaHei" panose="020B0503020204020204" pitchFamily="34" charset="-122"/>
-                <a:ea typeface="Microsoft YaHei" panose="020B0503020204020204" pitchFamily="34" charset="-122"/>
-              </a:rPr>
-              <a:t>N-ary Tree</a:t>
-            </a:r>
-            <a:endParaRPr lang="en-US" altLang="zh-CN" sz="2400" b="1" dirty="0">
-              <a:solidFill>
-                <a:srgbClr val="05B780"/>
-              </a:solidFill>
-              <a:latin typeface="Microsoft YaHei" panose="020B0503020204020204" pitchFamily="34" charset="-122"/>
-              <a:ea typeface="Microsoft YaHei" panose="020B0503020204020204" pitchFamily="34" charset="-122"/>
-            </a:endParaRPr>
-          </a:p>
-        </p:txBody>
-      </p:sp>
-      <p:grpSp>
-        <p:nvGrpSpPr>
-          <p:cNvPr id="5" name="组合 114"/>
-          <p:cNvGrpSpPr/>
-          <p:nvPr/>
-        </p:nvGrpSpPr>
-        <p:grpSpPr>
-          <a:xfrm>
-            <a:off x="6743059" y="1685919"/>
-            <a:ext cx="814394" cy="850900"/>
-            <a:chOff x="1473122" y="1521446"/>
-            <a:chExt cx="653650" cy="681967"/>
-          </a:xfrm>
-        </p:grpSpPr>
-        <p:sp>
-          <p:nvSpPr>
-            <p:cNvPr id="7" name="六边形 115"/>
-            <p:cNvSpPr/>
-            <p:nvPr/>
-          </p:nvSpPr>
-          <p:spPr>
-            <a:xfrm rot="5400000">
-              <a:off x="1425833" y="1568735"/>
-              <a:ext cx="681967" cy="587389"/>
-            </a:xfrm>
-            <a:prstGeom prst="hexagon">
-              <a:avLst>
-                <a:gd name="adj" fmla="val 27469"/>
-                <a:gd name="vf" fmla="val 115470"/>
-              </a:avLst>
-            </a:prstGeom>
-            <a:solidFill>
-              <a:srgbClr val="05B780"/>
-            </a:solidFill>
-            <a:ln>
-              <a:noFill/>
-            </a:ln>
-          </p:spPr>
-          <p:style>
-            <a:lnRef idx="2">
-              <a:schemeClr val="accent1">
-                <a:shade val="50000"/>
-              </a:schemeClr>
-            </a:lnRef>
-            <a:fillRef idx="1">
-              <a:schemeClr val="accent1"/>
-            </a:fillRef>
-            <a:effectRef idx="0">
-              <a:schemeClr val="accent1"/>
-            </a:effectRef>
-            <a:fontRef idx="minor">
-              <a:schemeClr val="lt1"/>
-            </a:fontRef>
-          </p:style>
-          <p:txBody>
-            <a:bodyPr anchor="ctr"/>
-            <a:p>
-              <a:pPr marL="0" marR="0" lvl="0" indent="0" algn="ctr" defTabSz="914400" rtl="0" eaLnBrk="1" fontAlgn="auto" latinLnBrk="0" hangingPunct="1">
-                <a:lnSpc>
-                  <a:spcPct val="100000"/>
-                </a:lnSpc>
-                <a:spcBef>
-                  <a:spcPts val="0"/>
-                </a:spcBef>
-                <a:spcAft>
-                  <a:spcPts val="0"/>
-                </a:spcAft>
-                <a:buClrTx/>
-                <a:buSzTx/>
-                <a:buFontTx/>
-                <a:buNone/>
-                <a:defRPr/>
-              </a:pPr>
-              <a:endParaRPr kumimoji="0" lang="zh-CN" altLang="en-US" sz="1800" b="0" i="0" u="none" strike="noStrike" kern="1200" cap="none" spc="0" normalizeH="0" baseline="0" noProof="0">
-                <a:ln>
-                  <a:noFill/>
-                </a:ln>
-                <a:solidFill>
-                  <a:schemeClr val="lt1"/>
-                </a:solidFill>
-                <a:effectLst/>
-                <a:uLnTx/>
-                <a:uFillTx/>
-                <a:latin typeface="+mn-lt"/>
-                <a:ea typeface="+mn-ea"/>
-                <a:cs typeface="+mn-cs"/>
-              </a:endParaRPr>
-            </a:p>
-          </p:txBody>
-        </p:sp>
-        <p:sp>
-          <p:nvSpPr>
-            <p:cNvPr id="9" name="文本框 116"/>
-            <p:cNvSpPr txBox="1"/>
-            <p:nvPr/>
-          </p:nvSpPr>
-          <p:spPr>
-            <a:xfrm>
-              <a:off x="1524732" y="1669097"/>
-              <a:ext cx="602040" cy="418341"/>
-            </a:xfrm>
-            <a:prstGeom prst="rect">
-              <a:avLst/>
-            </a:prstGeom>
-            <a:noFill/>
-            <a:ln w="9525">
-              <a:noFill/>
-            </a:ln>
-          </p:spPr>
-          <p:txBody>
-            <a:bodyPr anchor="t" anchorCtr="0">
-              <a:spAutoFit/>
-            </a:bodyPr>
-            <a:p>
-              <a:pPr>
-                <a:buFont typeface="Arial" panose="020B0604020202020204" pitchFamily="34" charset="0"/>
-              </a:pPr>
-              <a:r>
-                <a:rPr lang="en-US" altLang="zh-CN" sz="2800" b="1" dirty="0">
-                  <a:solidFill>
-                    <a:schemeClr val="bg1"/>
-                  </a:solidFill>
-                  <a:latin typeface="Microsoft YaHei" panose="020B0503020204020204" pitchFamily="34" charset="-122"/>
-                  <a:ea typeface="Microsoft YaHei" panose="020B0503020204020204" pitchFamily="34" charset="-122"/>
-                </a:rPr>
-                <a:t>04</a:t>
-              </a:r>
-              <a:endParaRPr lang="zh-CN" altLang="en-US" sz="2800" b="1" dirty="0">
-                <a:solidFill>
-                  <a:schemeClr val="bg1"/>
-                </a:solidFill>
-                <a:latin typeface="Microsoft YaHei" panose="020B0503020204020204" pitchFamily="34" charset="-122"/>
-                <a:ea typeface="Microsoft YaHei" panose="020B0503020204020204" pitchFamily="34" charset="-122"/>
-              </a:endParaRPr>
-            </a:p>
-          </p:txBody>
-        </p:sp>
-      </p:grpSp>
-    </p:spTree>
-  </p:cSld>
-  <p:clrMapOvr>
-    <a:masterClrMapping/>
-  </p:clrMapOvr>
-  <p:transition spd="slow">
-    <p:wipe/>
-  </p:transition>
-</p:sld>
-</file>
-
-<file path=ppt/slides/slide3.xml><?xml version="1.0" encoding="utf-8"?>
-<p:sld xmlns:a="http://schemas.openxmlformats.org/drawingml/2006/main" xmlns:r="http://schemas.openxmlformats.org/officeDocument/2006/relationships" xmlns:p="http://schemas.openxmlformats.org/presentationml/2006/main">
-  <p:cSld>
-    <p:spTree>
-      <p:nvGrpSpPr>
-        <p:cNvPr id="1" name=""/>
-        <p:cNvGrpSpPr/>
-        <p:nvPr/>
-      </p:nvGrpSpPr>
-      <p:grpSpPr/>
-      <p:sp>
-        <p:nvSpPr>
-          <p:cNvPr id="46" name="任意多边形 45"/>
-          <p:cNvSpPr/>
-          <p:nvPr/>
-        </p:nvSpPr>
-        <p:spPr>
-          <a:xfrm>
-            <a:off x="0" y="260350"/>
-            <a:ext cx="3922395" cy="739775"/>
-          </a:xfrm>
-          <a:custGeom>
-            <a:avLst/>
-            <a:gdLst>
-              <a:gd name="connsiteX0" fmla="*/ 0 w 2091831"/>
-              <a:gd name="connsiteY0" fmla="*/ 0 h 739718"/>
-              <a:gd name="connsiteX1" fmla="*/ 1721972 w 2091831"/>
-              <a:gd name="connsiteY1" fmla="*/ 0 h 739718"/>
-              <a:gd name="connsiteX2" fmla="*/ 2091831 w 2091831"/>
-              <a:gd name="connsiteY2" fmla="*/ 369859 h 739718"/>
-              <a:gd name="connsiteX3" fmla="*/ 1721972 w 2091831"/>
-              <a:gd name="connsiteY3" fmla="*/ 739718 h 739718"/>
-              <a:gd name="connsiteX4" fmla="*/ 0 w 2091831"/>
-              <a:gd name="connsiteY4" fmla="*/ 739718 h 739718"/>
-            </a:gdLst>
-            <a:ahLst/>
-            <a:cxnLst>
-              <a:cxn ang="0">
-                <a:pos x="connsiteX0" y="connsiteY0"/>
-              </a:cxn>
-              <a:cxn ang="0">
-                <a:pos x="connsiteX1" y="connsiteY1"/>
-              </a:cxn>
-              <a:cxn ang="0">
-                <a:pos x="connsiteX2" y="connsiteY2"/>
-              </a:cxn>
-              <a:cxn ang="0">
-                <a:pos x="connsiteX3" y="connsiteY3"/>
-              </a:cxn>
-              <a:cxn ang="0">
-                <a:pos x="connsiteX4" y="connsiteY4"/>
-              </a:cxn>
-            </a:cxnLst>
-            <a:rect l="l" t="t" r="r" b="b"/>
-            <a:pathLst>
-              <a:path w="2091831" h="739718">
-                <a:moveTo>
-                  <a:pt x="0" y="0"/>
-                </a:moveTo>
-                <a:lnTo>
-                  <a:pt x="1721972" y="0"/>
-                </a:lnTo>
-                <a:cubicBezTo>
-                  <a:pt x="1926239" y="0"/>
-                  <a:pt x="2091831" y="165592"/>
-                  <a:pt x="2091831" y="369859"/>
-                </a:cubicBezTo>
-                <a:cubicBezTo>
-                  <a:pt x="2091831" y="574126"/>
-                  <a:pt x="1926239" y="739718"/>
-                  <a:pt x="1721972" y="739718"/>
-                </a:cubicBezTo>
-                <a:lnTo>
-                  <a:pt x="0" y="739718"/>
-                </a:lnTo>
-                <a:close/>
-              </a:path>
-            </a:pathLst>
-          </a:custGeom>
-          <a:solidFill>
-            <a:srgbClr val="05B780"/>
-          </a:solidFill>
-          <a:ln>
-            <a:noFill/>
-          </a:ln>
-        </p:spPr>
-        <p:style>
-          <a:lnRef idx="2">
-            <a:schemeClr val="accent1">
-              <a:shade val="50000"/>
-            </a:schemeClr>
-          </a:lnRef>
-          <a:fillRef idx="1">
-            <a:schemeClr val="accent1"/>
-          </a:fillRef>
-          <a:effectRef idx="0">
-            <a:schemeClr val="accent1"/>
-          </a:effectRef>
-          <a:fontRef idx="minor">
-            <a:schemeClr val="lt1"/>
-          </a:fontRef>
-        </p:style>
-        <p:txBody>
-          <a:bodyPr anchor="ctr"/>
-          <a:lstStyle/>
-          <a:p>
-            <a:pPr marL="0" marR="0" lvl="0" indent="0" algn="ctr" defTabSz="914400" rtl="0" eaLnBrk="1" fontAlgn="auto" latinLnBrk="0" hangingPunct="1">
-              <a:lnSpc>
-                <a:spcPct val="100000"/>
-              </a:lnSpc>
-              <a:spcBef>
-                <a:spcPts val="0"/>
-              </a:spcBef>
-              <a:spcAft>
-                <a:spcPts val="0"/>
-              </a:spcAft>
-              <a:buClrTx/>
-              <a:buSzTx/>
-              <a:buFontTx/>
-              <a:buNone/>
-              <a:defRPr/>
-            </a:pPr>
-            <a:endParaRPr kumimoji="0" lang="zh-CN" altLang="en-US" sz="1800" b="0" i="0" u="none" strike="noStrike" kern="1200" cap="none" spc="0" normalizeH="0" baseline="0" noProof="0">
-              <a:ln>
-                <a:noFill/>
-              </a:ln>
-              <a:solidFill>
                 <a:schemeClr val="lt1"/>
               </a:solidFill>
               <a:effectLst/>
@@ -10103,6 +10554,7 @@
           <a:bodyPr wrap="square" anchor="t" anchorCtr="0">
             <a:spAutoFit/>
           </a:bodyPr>
+          <a:lstStyle/>
           <a:p>
             <a:pPr>
               <a:buFont typeface="Arial" panose="020B0604020202020204" pitchFamily="34" charset="0"/>
@@ -10117,13 +10569,6 @@
               </a:rPr>
               <a:t>Week3 Recap</a:t>
             </a:r>
-            <a:endParaRPr lang="en-US" altLang="zh-CN" sz="3200" b="1" dirty="0">
-              <a:solidFill>
-                <a:schemeClr val="bg1"/>
-              </a:solidFill>
-              <a:latin typeface="Microsoft YaHei" panose="020B0503020204020204" pitchFamily="34" charset="-122"/>
-              <a:ea typeface="Microsoft YaHei" panose="020B0503020204020204" pitchFamily="34" charset="-122"/>
-            </a:endParaRPr>
           </a:p>
         </p:txBody>
       </p:sp>
@@ -10224,6 +10669,7 @@
           <a:bodyPr wrap="square" anchor="t" anchorCtr="0">
             <a:spAutoFit/>
           </a:bodyPr>
+          <a:lstStyle/>
           <a:p>
             <a:pPr>
               <a:buFont typeface="Arial" panose="020B0604020202020204" pitchFamily="34" charset="0"/>
@@ -10236,15 +10682,8 @@
                 <a:latin typeface="Microsoft YaHei" panose="020B0503020204020204" pitchFamily="34" charset="-122"/>
                 <a:ea typeface="Microsoft YaHei" panose="020B0503020204020204" pitchFamily="34" charset="-122"/>
               </a:rPr>
-              <a:t>Week 3 Recap</a:t>
+              <a:t>Homework Recap</a:t>
             </a:r>
-            <a:endParaRPr lang="en-US" altLang="zh-CN" sz="3200" b="1" dirty="0">
-              <a:solidFill>
-                <a:srgbClr val="05B780"/>
-              </a:solidFill>
-              <a:latin typeface="Microsoft YaHei" panose="020B0503020204020204" pitchFamily="34" charset="-122"/>
-              <a:ea typeface="Microsoft YaHei" panose="020B0503020204020204" pitchFamily="34" charset="-122"/>
-            </a:endParaRPr>
           </a:p>
         </p:txBody>
       </p:sp>
@@ -10362,6 +10801,7 @@
             <a:bodyPr wrap="square" anchor="t" anchorCtr="0">
               <a:spAutoFit/>
             </a:bodyPr>
+            <a:lstStyle/>
             <a:p>
               <a:pPr>
                 <a:buFont typeface="Arial" panose="020B0604020202020204" pitchFamily="34" charset="0"/>
@@ -10374,15 +10814,8 @@
                   <a:latin typeface="Microsoft YaHei" panose="020B0503020204020204" pitchFamily="34" charset="-122"/>
                   <a:ea typeface="Microsoft YaHei" panose="020B0503020204020204" pitchFamily="34" charset="-122"/>
                 </a:rPr>
-                <a:t>01a</a:t>
+                <a:t>01b</a:t>
               </a:r>
-              <a:endParaRPr lang="en-US" altLang="zh-CN" sz="4400" b="1" dirty="0">
-                <a:solidFill>
-                  <a:schemeClr val="bg1"/>
-                </a:solidFill>
-                <a:latin typeface="Microsoft YaHei" panose="020B0503020204020204" pitchFamily="34" charset="-122"/>
-                <a:ea typeface="Microsoft YaHei" panose="020B0503020204020204" pitchFamily="34" charset="-122"/>
-              </a:endParaRPr>
             </a:p>
           </p:txBody>
         </p:sp>
@@ -10398,7 +10831,7 @@
 </p:sld>
 </file>
 
-<file path=ppt/slides/slide4.xml><?xml version="1.0" encoding="utf-8"?>
+<file path=ppt/slides/slide6.xml><?xml version="1.0" encoding="utf-8"?>
 <p:sld xmlns:a="http://schemas.openxmlformats.org/drawingml/2006/main" xmlns:r="http://schemas.openxmlformats.org/officeDocument/2006/relationships" xmlns:p="http://schemas.openxmlformats.org/presentationml/2006/main">
   <p:cSld>
     <p:spTree>
@@ -10407,7 +10840,14 @@
         <p:cNvGrpSpPr/>
         <p:nvPr/>
       </p:nvGrpSpPr>
-      <p:grpSpPr/>
+      <p:grpSpPr>
+        <a:xfrm>
+          <a:off x="0" y="0"/>
+          <a:ext cx="0" cy="0"/>
+          <a:chOff x="0" y="0"/>
+          <a:chExt cx="0" cy="0"/>
+        </a:xfrm>
+      </p:grpSpPr>
       <p:sp>
         <p:nvSpPr>
           <p:cNvPr id="15" name="任意多边形 14"/>
@@ -10560,6 +11000,7 @@
           <a:bodyPr anchor="t" anchorCtr="0">
             <a:spAutoFit/>
           </a:bodyPr>
+          <a:lstStyle/>
           <a:p>
             <a:pPr>
               <a:buFont typeface="Arial" panose="020B0604020202020204" pitchFamily="34" charset="0"/>
@@ -10572,15 +11013,8 @@
                 <a:latin typeface="Microsoft YaHei" panose="020B0503020204020204" pitchFamily="34" charset="-122"/>
                 <a:ea typeface="Microsoft YaHei" panose="020B0503020204020204" pitchFamily="34" charset="-122"/>
               </a:rPr>
-              <a:t>1.1</a:t>
+              <a:t>1.2</a:t>
             </a:r>
-            <a:endParaRPr lang="en-US" altLang="zh-CN" sz="2800" b="1" dirty="0">
-              <a:solidFill>
-                <a:schemeClr val="bg1"/>
-              </a:solidFill>
-              <a:latin typeface="Microsoft YaHei" panose="020B0503020204020204" pitchFamily="34" charset="-122"/>
-              <a:ea typeface="Microsoft YaHei" panose="020B0503020204020204" pitchFamily="34" charset="-122"/>
-            </a:endParaRPr>
           </a:p>
         </p:txBody>
       </p:sp>
@@ -10594,8 +11028,8 @@
         </p:nvSpPr>
         <p:spPr bwMode="black">
           <a:xfrm>
-            <a:off x="1021080" y="351155"/>
-            <a:ext cx="6515735" cy="521970"/>
+            <a:off x="1021080" y="334010"/>
+            <a:ext cx="8777605" cy="521970"/>
           </a:xfrm>
           <a:prstGeom prst="rect">
             <a:avLst/>
@@ -10675,42 +11109,148 @@
                 <a:cs typeface="+mn-cs"/>
                 <a:sym typeface="+mn-ea"/>
               </a:rPr>
-              <a:t>Title</a:t>
+              <a:t>Homework: Find Value in Binary Tree</a:t>
             </a:r>
-            <a:endParaRPr kumimoji="0" lang="en-US" altLang="zh-CN" sz="2800" b="1" i="0" u="none" strike="noStrike" kern="1200" cap="none" spc="0" normalizeH="0" baseline="0" noProof="0" dirty="0">
-              <a:ln>
-                <a:noFill/>
-              </a:ln>
-              <a:solidFill>
-                <a:schemeClr val="tx1">
-                  <a:lumMod val="85000"/>
-                  <a:lumOff val="15000"/>
-                </a:schemeClr>
-              </a:solidFill>
-              <a:effectLst/>
-              <a:uLnTx/>
-              <a:uFillTx/>
-              <a:latin typeface="Microsoft YaHei" panose="020B0503020204020204" pitchFamily="34" charset="-122"/>
-              <a:ea typeface="Microsoft YaHei" panose="020B0503020204020204" pitchFamily="34" charset="-122"/>
-              <a:cs typeface="+mn-cs"/>
-              <a:sym typeface="+mn-ea"/>
-            </a:endParaRPr>
           </a:p>
         </p:txBody>
       </p:sp>
       <p:sp>
         <p:nvSpPr>
           <p:cNvPr id="3" name="Content Placeholder 2"/>
-          <p:cNvSpPr/>
+          <p:cNvSpPr>
+            <a:spLocks noGrp="1"/>
+          </p:cNvSpPr>
           <p:nvPr>
             <p:ph idx="1"/>
           </p:nvPr>
         </p:nvSpPr>
-        <p:spPr/>
+        <p:spPr>
+          <a:xfrm>
+            <a:off x="890905" y="1183640"/>
+            <a:ext cx="10515600" cy="4351338"/>
+          </a:xfrm>
+        </p:spPr>
         <p:txBody>
           <a:bodyPr/>
-          <a:p>
-            <a:endParaRPr lang="en-US"/>
+          <a:lstStyle/>
+          <a:p>
+            <a:r>
+              <a:rPr lang="en-US" sz="2400" dirty="0"/>
+              <a:t>Given the starting (root) node of a Binary Tree, search and check if a given value exists in this tree:</a:t>
+            </a:r>
+          </a:p>
+          <a:p>
+            <a:pPr lvl="1"/>
+            <a:r>
+              <a:rPr lang="en-US" sz="1800" dirty="0"/>
+              <a:t>Note the values of every node is in “</a:t>
+            </a:r>
+            <a:r>
+              <a:rPr lang="en-US" sz="1800" dirty="0" err="1"/>
+              <a:t>node.value</a:t>
+            </a:r>
+            <a:r>
+              <a:rPr lang="en-US" sz="1800" dirty="0"/>
+              <a:t>”</a:t>
+            </a:r>
+          </a:p>
+          <a:p>
+            <a:r>
+              <a:rPr lang="en-US" sz="2200" dirty="0"/>
+              <a:t>Return True if the value exists in the binary tree, otherwise return False</a:t>
+            </a:r>
+          </a:p>
+          <a:p>
+            <a:r>
+              <a:rPr lang="en-US" sz="2200" dirty="0"/>
+              <a:t>Example:</a:t>
+            </a:r>
+          </a:p>
+        </p:txBody>
+      </p:sp>
+      <p:pic>
+        <p:nvPicPr>
+          <p:cNvPr id="4" name="Picture 3">
+            <a:extLst>
+              <a:ext uri="{FF2B5EF4-FFF2-40B4-BE49-F238E27FC236}">
+                <a16:creationId xmlns:a16="http://schemas.microsoft.com/office/drawing/2014/main" id="{3D5AB17E-2DD6-4D88-90A5-49DE05370802}"/>
+              </a:ext>
+            </a:extLst>
+          </p:cNvPr>
+          <p:cNvPicPr>
+            <a:picLocks noChangeAspect="1"/>
+          </p:cNvPicPr>
+          <p:nvPr/>
+        </p:nvPicPr>
+        <p:blipFill>
+          <a:blip r:embed="rId2"/>
+          <a:stretch>
+            <a:fillRect/>
+          </a:stretch>
+        </p:blipFill>
+        <p:spPr>
+          <a:xfrm>
+            <a:off x="1628961" y="3313590"/>
+            <a:ext cx="3632625" cy="2831514"/>
+          </a:xfrm>
+          <a:prstGeom prst="rect">
+            <a:avLst/>
+          </a:prstGeom>
+        </p:spPr>
+      </p:pic>
+      <p:sp>
+        <p:nvSpPr>
+          <p:cNvPr id="7" name="TextBox 6">
+            <a:extLst>
+              <a:ext uri="{FF2B5EF4-FFF2-40B4-BE49-F238E27FC236}">
+                <a16:creationId xmlns:a16="http://schemas.microsoft.com/office/drawing/2014/main" id="{A341566E-CDC5-493F-9B41-A056B46223A1}"/>
+              </a:ext>
+            </a:extLst>
+          </p:cNvPr>
+          <p:cNvSpPr txBox="1"/>
+          <p:nvPr/>
+        </p:nvSpPr>
+        <p:spPr>
+          <a:xfrm>
+            <a:off x="6897950" y="4101483"/>
+            <a:ext cx="2698811" cy="1477328"/>
+          </a:xfrm>
+          <a:prstGeom prst="rect">
+            <a:avLst/>
+          </a:prstGeom>
+          <a:noFill/>
+        </p:spPr>
+        <p:txBody>
+          <a:bodyPr wrap="square" rtlCol="0">
+            <a:spAutoFit/>
+          </a:bodyPr>
+          <a:lstStyle/>
+          <a:p>
+            <a:r>
+              <a:rPr lang="en-US" dirty="0"/>
+              <a:t>Input: Value = 4</a:t>
+            </a:r>
+          </a:p>
+          <a:p>
+            <a:r>
+              <a:rPr lang="en-US" dirty="0"/>
+              <a:t>Output: True</a:t>
+            </a:r>
+          </a:p>
+          <a:p>
+            <a:endParaRPr lang="en-US" dirty="0"/>
+          </a:p>
+          <a:p>
+            <a:r>
+              <a:rPr lang="en-US" dirty="0"/>
+              <a:t>Input: Value = 20</a:t>
+            </a:r>
+          </a:p>
+          <a:p>
+            <a:r>
+              <a:rPr lang="en-US" dirty="0"/>
+              <a:t>Output: False</a:t>
+            </a:r>
           </a:p>
         </p:txBody>
       </p:sp>
@@ -10725,7 +11265,7 @@
 </p:sld>
 </file>
 
-<file path=ppt/slides/slide5.xml><?xml version="1.0" encoding="utf-8"?>
+<file path=ppt/slides/slide7.xml><?xml version="1.0" encoding="utf-8"?>
 <p:sld xmlns:a="http://schemas.openxmlformats.org/drawingml/2006/main" xmlns:r="http://schemas.openxmlformats.org/officeDocument/2006/relationships" xmlns:p="http://schemas.openxmlformats.org/presentationml/2006/main">
   <p:cSld>
     <p:spTree>
@@ -10734,7 +11274,14 @@
         <p:cNvGrpSpPr/>
         <p:nvPr/>
       </p:nvGrpSpPr>
-      <p:grpSpPr/>
+      <p:grpSpPr>
+        <a:xfrm>
+          <a:off x="0" y="0"/>
+          <a:ext cx="0" cy="0"/>
+          <a:chOff x="0" y="0"/>
+          <a:chExt cx="0" cy="0"/>
+        </a:xfrm>
+      </p:grpSpPr>
       <p:sp>
         <p:nvSpPr>
           <p:cNvPr id="46" name="任意多边形 45"/>
@@ -10887,6 +11434,7 @@
           <a:bodyPr wrap="square" anchor="t" anchorCtr="0">
             <a:spAutoFit/>
           </a:bodyPr>
+          <a:lstStyle/>
           <a:p>
             <a:pPr>
               <a:buFont typeface="Arial" panose="020B0604020202020204" pitchFamily="34" charset="0"/>
@@ -10898,8 +11446,9 @@
                 </a:solidFill>
                 <a:latin typeface="Microsoft YaHei" panose="020B0503020204020204" pitchFamily="34" charset="-122"/>
                 <a:ea typeface="Microsoft YaHei" panose="020B0503020204020204" pitchFamily="34" charset="-122"/>
+                <a:sym typeface="+mn-ea"/>
               </a:rPr>
-              <a:t>Week3 Recap</a:t>
+              <a:t>Data Structure</a:t>
             </a:r>
             <a:endParaRPr lang="en-US" altLang="zh-CN" sz="3200" b="1" dirty="0">
               <a:solidFill>
@@ -11008,6 +11557,7 @@
           <a:bodyPr wrap="square" anchor="t" anchorCtr="0">
             <a:spAutoFit/>
           </a:bodyPr>
+          <a:lstStyle/>
           <a:p>
             <a:pPr>
               <a:buFont typeface="Arial" panose="020B0604020202020204" pitchFamily="34" charset="0"/>
@@ -11020,15 +11570,8 @@
                 <a:latin typeface="Microsoft YaHei" panose="020B0503020204020204" pitchFamily="34" charset="-122"/>
                 <a:ea typeface="Microsoft YaHei" panose="020B0503020204020204" pitchFamily="34" charset="-122"/>
               </a:rPr>
-              <a:t>Homework Recap</a:t>
+              <a:t>Recursion</a:t>
             </a:r>
-            <a:endParaRPr lang="en-US" altLang="zh-CN" sz="3200" b="1" dirty="0">
-              <a:solidFill>
-                <a:srgbClr val="05B780"/>
-              </a:solidFill>
-              <a:latin typeface="Microsoft YaHei" panose="020B0503020204020204" pitchFamily="34" charset="-122"/>
-              <a:ea typeface="Microsoft YaHei" panose="020B0503020204020204" pitchFamily="34" charset="-122"/>
-            </a:endParaRPr>
           </a:p>
         </p:txBody>
       </p:sp>
@@ -11146,6 +11689,7 @@
             <a:bodyPr wrap="square" anchor="t" anchorCtr="0">
               <a:spAutoFit/>
             </a:bodyPr>
+            <a:lstStyle/>
             <a:p>
               <a:pPr>
                 <a:buFont typeface="Arial" panose="020B0604020202020204" pitchFamily="34" charset="0"/>
@@ -11158,15 +11702,8 @@
                   <a:latin typeface="Microsoft YaHei" panose="020B0503020204020204" pitchFamily="34" charset="-122"/>
                   <a:ea typeface="Microsoft YaHei" panose="020B0503020204020204" pitchFamily="34" charset="-122"/>
                 </a:rPr>
-                <a:t>01b</a:t>
+                <a:t>02</a:t>
               </a:r>
-              <a:endParaRPr lang="en-US" altLang="zh-CN" sz="4400" b="1" dirty="0">
-                <a:solidFill>
-                  <a:schemeClr val="bg1"/>
-                </a:solidFill>
-                <a:latin typeface="Microsoft YaHei" panose="020B0503020204020204" pitchFamily="34" charset="-122"/>
-                <a:ea typeface="Microsoft YaHei" panose="020B0503020204020204" pitchFamily="34" charset="-122"/>
-              </a:endParaRPr>
             </a:p>
           </p:txBody>
         </p:sp>
@@ -11182,7 +11719,7 @@
 </p:sld>
 </file>
 
-<file path=ppt/slides/slide6.xml><?xml version="1.0" encoding="utf-8"?>
+<file path=ppt/slides/slide8.xml><?xml version="1.0" encoding="utf-8"?>
 <p:sld xmlns:a="http://schemas.openxmlformats.org/drawingml/2006/main" xmlns:r="http://schemas.openxmlformats.org/officeDocument/2006/relationships" xmlns:p="http://schemas.openxmlformats.org/presentationml/2006/main">
   <p:cSld>
     <p:spTree>
@@ -11191,7 +11728,14 @@
         <p:cNvGrpSpPr/>
         <p:nvPr/>
       </p:nvGrpSpPr>
-      <p:grpSpPr/>
+      <p:grpSpPr>
+        <a:xfrm>
+          <a:off x="0" y="0"/>
+          <a:ext cx="0" cy="0"/>
+          <a:chOff x="0" y="0"/>
+          <a:chExt cx="0" cy="0"/>
+        </a:xfrm>
+      </p:grpSpPr>
       <p:sp>
         <p:nvSpPr>
           <p:cNvPr id="15" name="任意多边形 14"/>
@@ -11344,6 +11888,7 @@
           <a:bodyPr anchor="t" anchorCtr="0">
             <a:spAutoFit/>
           </a:bodyPr>
+          <a:lstStyle/>
           <a:p>
             <a:pPr>
               <a:buFont typeface="Arial" panose="020B0604020202020204" pitchFamily="34" charset="0"/>
@@ -11358,13 +11903,6 @@
               </a:rPr>
               <a:t>1.1</a:t>
             </a:r>
-            <a:endParaRPr lang="en-US" altLang="zh-CN" sz="2800" b="1" dirty="0">
-              <a:solidFill>
-                <a:schemeClr val="bg1"/>
-              </a:solidFill>
-              <a:latin typeface="Microsoft YaHei" panose="020B0503020204020204" pitchFamily="34" charset="-122"/>
-              <a:ea typeface="Microsoft YaHei" panose="020B0503020204020204" pitchFamily="34" charset="-122"/>
-            </a:endParaRPr>
           </a:p>
         </p:txBody>
       </p:sp>
@@ -11461,31 +11999,15 @@
               </a:rPr>
               <a:t>Title</a:t>
             </a:r>
-            <a:endParaRPr kumimoji="0" lang="en-US" altLang="zh-CN" sz="2800" b="1" i="0" u="none" strike="noStrike" kern="1200" cap="none" spc="0" normalizeH="0" baseline="0" noProof="0" dirty="0">
-              <a:ln>
-                <a:noFill/>
-              </a:ln>
-              <a:solidFill>
-                <a:schemeClr val="tx1">
-                  <a:lumMod val="85000"/>
-                  <a:lumOff val="15000"/>
-                </a:schemeClr>
-              </a:solidFill>
-              <a:effectLst/>
-              <a:uLnTx/>
-              <a:uFillTx/>
-              <a:latin typeface="Microsoft YaHei" panose="020B0503020204020204" pitchFamily="34" charset="-122"/>
-              <a:ea typeface="Microsoft YaHei" panose="020B0503020204020204" pitchFamily="34" charset="-122"/>
-              <a:cs typeface="+mn-cs"/>
-              <a:sym typeface="+mn-ea"/>
-            </a:endParaRPr>
           </a:p>
         </p:txBody>
       </p:sp>
       <p:sp>
         <p:nvSpPr>
           <p:cNvPr id="3" name="Content Placeholder 2"/>
-          <p:cNvSpPr/>
+          <p:cNvSpPr>
+            <a:spLocks noGrp="1"/>
+          </p:cNvSpPr>
           <p:nvPr>
             <p:ph idx="1"/>
           </p:nvPr>
@@ -11493,6 +12015,7 @@
         <p:spPr/>
         <p:txBody>
           <a:bodyPr/>
+          <a:lstStyle/>
           <a:p>
             <a:endParaRPr lang="en-US"/>
           </a:p>
@@ -11509,7 +12032,7 @@
 </p:sld>
 </file>
 
-<file path=ppt/slides/slide7.xml><?xml version="1.0" encoding="utf-8"?>
+<file path=ppt/slides/slide9.xml><?xml version="1.0" encoding="utf-8"?>
 <p:sld xmlns:a="http://schemas.openxmlformats.org/drawingml/2006/main" xmlns:r="http://schemas.openxmlformats.org/officeDocument/2006/relationships" xmlns:p="http://schemas.openxmlformats.org/presentationml/2006/main">
   <p:cSld>
     <p:spTree>
@@ -11518,7 +12041,14 @@
         <p:cNvGrpSpPr/>
         <p:nvPr/>
       </p:nvGrpSpPr>
-      <p:grpSpPr/>
+      <p:grpSpPr>
+        <a:xfrm>
+          <a:off x="0" y="0"/>
+          <a:ext cx="0" cy="0"/>
+          <a:chOff x="0" y="0"/>
+          <a:chExt cx="0" cy="0"/>
+        </a:xfrm>
+      </p:grpSpPr>
       <p:sp>
         <p:nvSpPr>
           <p:cNvPr id="46" name="任意多边形 45"/>
@@ -11671,6 +12201,7 @@
           <a:bodyPr wrap="square" anchor="t" anchorCtr="0">
             <a:spAutoFit/>
           </a:bodyPr>
+          <a:lstStyle/>
           <a:p>
             <a:pPr>
               <a:buFont typeface="Arial" panose="020B0604020202020204" pitchFamily="34" charset="0"/>
@@ -11793,6 +12324,7 @@
           <a:bodyPr wrap="square" anchor="t" anchorCtr="0">
             <a:spAutoFit/>
           </a:bodyPr>
+          <a:lstStyle/>
           <a:p>
             <a:pPr>
               <a:buFont typeface="Arial" panose="020B0604020202020204" pitchFamily="34" charset="0"/>
@@ -11805,15 +12337,8 @@
                 <a:latin typeface="Microsoft YaHei" panose="020B0503020204020204" pitchFamily="34" charset="-122"/>
                 <a:ea typeface="Microsoft YaHei" panose="020B0503020204020204" pitchFamily="34" charset="-122"/>
               </a:rPr>
-              <a:t>Linked List</a:t>
+              <a:t>Divide &amp; Conquer</a:t>
             </a:r>
-            <a:endParaRPr lang="en-US" altLang="zh-CN" sz="3200" b="1" dirty="0">
-              <a:solidFill>
-                <a:srgbClr val="05B780"/>
-              </a:solidFill>
-              <a:latin typeface="Microsoft YaHei" panose="020B0503020204020204" pitchFamily="34" charset="-122"/>
-              <a:ea typeface="Microsoft YaHei" panose="020B0503020204020204" pitchFamily="34" charset="-122"/>
-            </a:endParaRPr>
           </a:p>
         </p:txBody>
       </p:sp>
@@ -11931,791 +12456,7 @@
             <a:bodyPr wrap="square" anchor="t" anchorCtr="0">
               <a:spAutoFit/>
             </a:bodyPr>
-            <a:p>
-              <a:pPr>
-                <a:buFont typeface="Arial" panose="020B0604020202020204" pitchFamily="34" charset="0"/>
-              </a:pPr>
-              <a:r>
-                <a:rPr lang="en-US" altLang="zh-CN" sz="4400" b="1" dirty="0">
-                  <a:solidFill>
-                    <a:schemeClr val="bg1"/>
-                  </a:solidFill>
-                  <a:latin typeface="Microsoft YaHei" panose="020B0503020204020204" pitchFamily="34" charset="-122"/>
-                  <a:ea typeface="Microsoft YaHei" panose="020B0503020204020204" pitchFamily="34" charset="-122"/>
-                </a:rPr>
-                <a:t>02</a:t>
-              </a:r>
-              <a:endParaRPr lang="en-US" altLang="zh-CN" sz="4400" b="1" dirty="0">
-                <a:solidFill>
-                  <a:schemeClr val="bg1"/>
-                </a:solidFill>
-                <a:latin typeface="Microsoft YaHei" panose="020B0503020204020204" pitchFamily="34" charset="-122"/>
-                <a:ea typeface="Microsoft YaHei" panose="020B0503020204020204" pitchFamily="34" charset="-122"/>
-              </a:endParaRPr>
-            </a:p>
-          </p:txBody>
-        </p:sp>
-      </p:grpSp>
-    </p:spTree>
-  </p:cSld>
-  <p:clrMapOvr>
-    <a:masterClrMapping/>
-  </p:clrMapOvr>
-  <p:transition spd="slow">
-    <p:wipe/>
-  </p:transition>
-</p:sld>
-</file>
-
-<file path=ppt/slides/slide8.xml><?xml version="1.0" encoding="utf-8"?>
-<p:sld xmlns:a="http://schemas.openxmlformats.org/drawingml/2006/main" xmlns:r="http://schemas.openxmlformats.org/officeDocument/2006/relationships" xmlns:p="http://schemas.openxmlformats.org/presentationml/2006/main">
-  <p:cSld>
-    <p:spTree>
-      <p:nvGrpSpPr>
-        <p:cNvPr id="1" name=""/>
-        <p:cNvGrpSpPr/>
-        <p:nvPr/>
-      </p:nvGrpSpPr>
-      <p:grpSpPr/>
-      <p:sp>
-        <p:nvSpPr>
-          <p:cNvPr id="15" name="任意多边形 14"/>
-          <p:cNvSpPr/>
-          <p:nvPr/>
-        </p:nvSpPr>
-        <p:spPr>
-          <a:xfrm>
-            <a:off x="0" y="274638"/>
-            <a:ext cx="890588" cy="639763"/>
-          </a:xfrm>
-          <a:custGeom>
-            <a:avLst/>
-            <a:gdLst>
-              <a:gd name="connsiteX0" fmla="*/ 0 w 1029743"/>
-              <a:gd name="connsiteY0" fmla="*/ 0 h 739718"/>
-              <a:gd name="connsiteX1" fmla="*/ 659884 w 1029743"/>
-              <a:gd name="connsiteY1" fmla="*/ 0 h 739718"/>
-              <a:gd name="connsiteX2" fmla="*/ 1029743 w 1029743"/>
-              <a:gd name="connsiteY2" fmla="*/ 369859 h 739718"/>
-              <a:gd name="connsiteX3" fmla="*/ 659884 w 1029743"/>
-              <a:gd name="connsiteY3" fmla="*/ 739718 h 739718"/>
-              <a:gd name="connsiteX4" fmla="*/ 0 w 1029743"/>
-              <a:gd name="connsiteY4" fmla="*/ 739718 h 739718"/>
-            </a:gdLst>
-            <a:ahLst/>
-            <a:cxnLst>
-              <a:cxn ang="0">
-                <a:pos x="connsiteX0" y="connsiteY0"/>
-              </a:cxn>
-              <a:cxn ang="0">
-                <a:pos x="connsiteX1" y="connsiteY1"/>
-              </a:cxn>
-              <a:cxn ang="0">
-                <a:pos x="connsiteX2" y="connsiteY2"/>
-              </a:cxn>
-              <a:cxn ang="0">
-                <a:pos x="connsiteX3" y="connsiteY3"/>
-              </a:cxn>
-              <a:cxn ang="0">
-                <a:pos x="connsiteX4" y="connsiteY4"/>
-              </a:cxn>
-            </a:cxnLst>
-            <a:rect l="l" t="t" r="r" b="b"/>
-            <a:pathLst>
-              <a:path w="1029743" h="739718">
-                <a:moveTo>
-                  <a:pt x="0" y="0"/>
-                </a:moveTo>
-                <a:lnTo>
-                  <a:pt x="659884" y="0"/>
-                </a:lnTo>
-                <a:cubicBezTo>
-                  <a:pt x="864151" y="0"/>
-                  <a:pt x="1029743" y="165592"/>
-                  <a:pt x="1029743" y="369859"/>
-                </a:cubicBezTo>
-                <a:cubicBezTo>
-                  <a:pt x="1029743" y="574126"/>
-                  <a:pt x="864151" y="739718"/>
-                  <a:pt x="659884" y="739718"/>
-                </a:cubicBezTo>
-                <a:lnTo>
-                  <a:pt x="0" y="739718"/>
-                </a:lnTo>
-                <a:close/>
-              </a:path>
-            </a:pathLst>
-          </a:custGeom>
-          <a:solidFill>
-            <a:srgbClr val="05B780"/>
-          </a:solidFill>
-          <a:ln>
-            <a:noFill/>
-          </a:ln>
-        </p:spPr>
-        <p:style>
-          <a:lnRef idx="2">
-            <a:schemeClr val="accent1">
-              <a:shade val="50000"/>
-            </a:schemeClr>
-          </a:lnRef>
-          <a:fillRef idx="1">
-            <a:schemeClr val="accent1"/>
-          </a:fillRef>
-          <a:effectRef idx="0">
-            <a:schemeClr val="accent1"/>
-          </a:effectRef>
-          <a:fontRef idx="minor">
-            <a:schemeClr val="lt1"/>
-          </a:fontRef>
-        </p:style>
-        <p:txBody>
-          <a:bodyPr anchor="ctr"/>
-          <a:lstStyle/>
-          <a:p>
-            <a:pPr marL="0" marR="0" lvl="0" indent="0" algn="ctr" defTabSz="914400" rtl="0" eaLnBrk="1" fontAlgn="auto" latinLnBrk="0" hangingPunct="1">
-              <a:lnSpc>
-                <a:spcPct val="100000"/>
-              </a:lnSpc>
-              <a:spcBef>
-                <a:spcPts val="0"/>
-              </a:spcBef>
-              <a:spcAft>
-                <a:spcPts val="0"/>
-              </a:spcAft>
-              <a:buClrTx/>
-              <a:buSzTx/>
-              <a:buFontTx/>
-              <a:buNone/>
-              <a:defRPr/>
-            </a:pPr>
-            <a:endParaRPr kumimoji="0" lang="zh-CN" altLang="en-US" sz="1800" b="0" i="0" u="none" strike="noStrike" kern="1200" cap="none" spc="0" normalizeH="0" baseline="0" noProof="0">
-              <a:ln>
-                <a:noFill/>
-              </a:ln>
-              <a:solidFill>
-                <a:schemeClr val="bg1"/>
-              </a:solidFill>
-              <a:effectLst/>
-              <a:uLnTx/>
-              <a:uFillTx/>
-              <a:latin typeface="+mn-lt"/>
-              <a:ea typeface="+mn-ea"/>
-              <a:cs typeface="+mn-cs"/>
-            </a:endParaRPr>
-          </a:p>
-        </p:txBody>
-      </p:sp>
-      <p:sp>
-        <p:nvSpPr>
-          <p:cNvPr id="7170" name="文本框 156"/>
-          <p:cNvSpPr txBox="1"/>
-          <p:nvPr/>
-        </p:nvSpPr>
-        <p:spPr>
-          <a:xfrm>
-            <a:off x="0" y="350838"/>
-            <a:ext cx="814388" cy="521970"/>
-          </a:xfrm>
-          <a:prstGeom prst="rect">
-            <a:avLst/>
-          </a:prstGeom>
-          <a:noFill/>
-          <a:ln w="9525">
-            <a:noFill/>
-          </a:ln>
-        </p:spPr>
-        <p:txBody>
-          <a:bodyPr anchor="t" anchorCtr="0">
-            <a:spAutoFit/>
-          </a:bodyPr>
-          <a:p>
-            <a:pPr>
-              <a:buFont typeface="Arial" panose="020B0604020202020204" pitchFamily="34" charset="0"/>
-            </a:pPr>
-            <a:r>
-              <a:rPr lang="en-US" altLang="zh-CN" sz="2800" b="1" dirty="0">
-                <a:solidFill>
-                  <a:schemeClr val="bg1"/>
-                </a:solidFill>
-                <a:latin typeface="Microsoft YaHei" panose="020B0503020204020204" pitchFamily="34" charset="-122"/>
-                <a:ea typeface="Microsoft YaHei" panose="020B0503020204020204" pitchFamily="34" charset="-122"/>
-              </a:rPr>
-              <a:t>1.1</a:t>
-            </a:r>
-            <a:endParaRPr lang="en-US" altLang="zh-CN" sz="2800" b="1" dirty="0">
-              <a:solidFill>
-                <a:schemeClr val="bg1"/>
-              </a:solidFill>
-              <a:latin typeface="Microsoft YaHei" panose="020B0503020204020204" pitchFamily="34" charset="-122"/>
-              <a:ea typeface="Microsoft YaHei" panose="020B0503020204020204" pitchFamily="34" charset="-122"/>
-            </a:endParaRPr>
-          </a:p>
-        </p:txBody>
-      </p:sp>
-      <p:sp>
-        <p:nvSpPr>
-          <p:cNvPr id="16" name="Rectangle 6"/>
-          <p:cNvSpPr>
-            <a:spLocks noChangeArrowheads="1"/>
-          </p:cNvSpPr>
-          <p:nvPr/>
-        </p:nvSpPr>
-        <p:spPr bwMode="black">
-          <a:xfrm>
-            <a:off x="1021080" y="351155"/>
-            <a:ext cx="6515735" cy="521970"/>
-          </a:xfrm>
-          <a:prstGeom prst="rect">
-            <a:avLst/>
-          </a:prstGeom>
-          <a:noFill/>
-          <a:ln>
-            <a:noFill/>
-          </a:ln>
-          <a:effectLst/>
-          <a:extLst>
-            <a:ext uri="{909E8E84-426E-40DD-AFC4-6F175D3DCCD1}">
-              <a14:hiddenFill xmlns:a14="http://schemas.microsoft.com/office/drawing/2010/main">
-                <a:solidFill>
-                  <a:schemeClr val="accent1"/>
-                </a:solidFill>
-              </a14:hiddenFill>
-            </a:ext>
-            <a:ext uri="{91240B29-F687-4F45-9708-019B960494DF}">
-              <a14:hiddenLine xmlns:a14="http://schemas.microsoft.com/office/drawing/2010/main" w="9525">
-                <a:solidFill>
-                  <a:schemeClr val="tx1"/>
-                </a:solidFill>
-                <a:miter lim="800000"/>
-                <a:headEnd/>
-                <a:tailEnd/>
-              </a14:hiddenLine>
-            </a:ext>
-            <a:ext uri="{AF507438-7753-43E0-B8FC-AC1667EBCBE1}">
-              <a14:hiddenEffects xmlns:a14="http://schemas.microsoft.com/office/drawing/2010/main">
-                <a:effectLst>
-                  <a:outerShdw dist="35921" dir="2700000" algn="ctr" rotWithShape="0">
-                    <a:schemeClr val="bg2"/>
-                  </a:outerShdw>
-                </a:effectLst>
-              </a14:hiddenEffects>
-            </a:ext>
-          </a:extLst>
-        </p:spPr>
-        <p:txBody>
-          <a:bodyPr wrap="square">
-            <a:spAutoFit/>
-          </a:bodyPr>
-          <a:lstStyle/>
-          <a:p>
-            <a:pPr marL="0" marR="0" lvl="0" indent="0" algn="l" defTabSz="914400" rtl="0" eaLnBrk="0" fontAlgn="auto" latinLnBrk="0" hangingPunct="0">
-              <a:lnSpc>
-                <a:spcPct val="100000"/>
-              </a:lnSpc>
-              <a:spcBef>
-                <a:spcPts val="0"/>
-              </a:spcBef>
-              <a:spcAft>
-                <a:spcPts val="0"/>
-              </a:spcAft>
-              <a:buClrTx/>
-              <a:buSzTx/>
-              <a:buFontTx/>
-              <a:buNone/>
-              <a:defRPr/>
-            </a:pPr>
-            <a:r>
-              <a:rPr kumimoji="0" lang="en-US" altLang="zh-CN" sz="2800" b="1" i="0" u="none" strike="noStrike" kern="1200" cap="none" spc="0" normalizeH="0" baseline="0" noProof="0" dirty="0">
-                <a:ln>
-                  <a:noFill/>
-                </a:ln>
-                <a:solidFill>
-                  <a:schemeClr val="tx1">
-                    <a:lumMod val="85000"/>
-                    <a:lumOff val="15000"/>
-                  </a:schemeClr>
-                </a:solidFill>
-                <a:effectLst/>
-                <a:uLnTx/>
-                <a:uFillTx/>
-                <a:latin typeface="Microsoft YaHei" panose="020B0503020204020204" pitchFamily="34" charset="-122"/>
-                <a:ea typeface="Microsoft YaHei" panose="020B0503020204020204" pitchFamily="34" charset="-122"/>
-                <a:cs typeface="+mn-cs"/>
-                <a:sym typeface="+mn-ea"/>
-              </a:rPr>
-              <a:t>Title</a:t>
-            </a:r>
-            <a:endParaRPr kumimoji="0" lang="en-US" altLang="zh-CN" sz="2800" b="1" i="0" u="none" strike="noStrike" kern="1200" cap="none" spc="0" normalizeH="0" baseline="0" noProof="0" dirty="0">
-              <a:ln>
-                <a:noFill/>
-              </a:ln>
-              <a:solidFill>
-                <a:schemeClr val="tx1">
-                  <a:lumMod val="85000"/>
-                  <a:lumOff val="15000"/>
-                </a:schemeClr>
-              </a:solidFill>
-              <a:effectLst/>
-              <a:uLnTx/>
-              <a:uFillTx/>
-              <a:latin typeface="Microsoft YaHei" panose="020B0503020204020204" pitchFamily="34" charset="-122"/>
-              <a:ea typeface="Microsoft YaHei" panose="020B0503020204020204" pitchFamily="34" charset="-122"/>
-              <a:cs typeface="+mn-cs"/>
-              <a:sym typeface="+mn-ea"/>
-            </a:endParaRPr>
-          </a:p>
-        </p:txBody>
-      </p:sp>
-      <p:sp>
-        <p:nvSpPr>
-          <p:cNvPr id="3" name="Content Placeholder 2"/>
-          <p:cNvSpPr/>
-          <p:nvPr>
-            <p:ph idx="1"/>
-          </p:nvPr>
-        </p:nvSpPr>
-        <p:spPr/>
-        <p:txBody>
-          <a:bodyPr/>
-          <a:p>
-            <a:endParaRPr lang="en-US"/>
-          </a:p>
-        </p:txBody>
-      </p:sp>
-    </p:spTree>
-  </p:cSld>
-  <p:clrMapOvr>
-    <a:masterClrMapping/>
-  </p:clrMapOvr>
-  <p:transition spd="slow">
-    <p:wipe/>
-  </p:transition>
-</p:sld>
-</file>
-
-<file path=ppt/slides/slide9.xml><?xml version="1.0" encoding="utf-8"?>
-<p:sld xmlns:a="http://schemas.openxmlformats.org/drawingml/2006/main" xmlns:r="http://schemas.openxmlformats.org/officeDocument/2006/relationships" xmlns:p="http://schemas.openxmlformats.org/presentationml/2006/main">
-  <p:cSld>
-    <p:spTree>
-      <p:nvGrpSpPr>
-        <p:cNvPr id="1" name=""/>
-        <p:cNvGrpSpPr/>
-        <p:nvPr/>
-      </p:nvGrpSpPr>
-      <p:grpSpPr/>
-      <p:sp>
-        <p:nvSpPr>
-          <p:cNvPr id="46" name="任意多边形 45"/>
-          <p:cNvSpPr/>
-          <p:nvPr/>
-        </p:nvSpPr>
-        <p:spPr>
-          <a:xfrm>
-            <a:off x="0" y="260350"/>
-            <a:ext cx="3922395" cy="739775"/>
-          </a:xfrm>
-          <a:custGeom>
-            <a:avLst/>
-            <a:gdLst>
-              <a:gd name="connsiteX0" fmla="*/ 0 w 2091831"/>
-              <a:gd name="connsiteY0" fmla="*/ 0 h 739718"/>
-              <a:gd name="connsiteX1" fmla="*/ 1721972 w 2091831"/>
-              <a:gd name="connsiteY1" fmla="*/ 0 h 739718"/>
-              <a:gd name="connsiteX2" fmla="*/ 2091831 w 2091831"/>
-              <a:gd name="connsiteY2" fmla="*/ 369859 h 739718"/>
-              <a:gd name="connsiteX3" fmla="*/ 1721972 w 2091831"/>
-              <a:gd name="connsiteY3" fmla="*/ 739718 h 739718"/>
-              <a:gd name="connsiteX4" fmla="*/ 0 w 2091831"/>
-              <a:gd name="connsiteY4" fmla="*/ 739718 h 739718"/>
-            </a:gdLst>
-            <a:ahLst/>
-            <a:cxnLst>
-              <a:cxn ang="0">
-                <a:pos x="connsiteX0" y="connsiteY0"/>
-              </a:cxn>
-              <a:cxn ang="0">
-                <a:pos x="connsiteX1" y="connsiteY1"/>
-              </a:cxn>
-              <a:cxn ang="0">
-                <a:pos x="connsiteX2" y="connsiteY2"/>
-              </a:cxn>
-              <a:cxn ang="0">
-                <a:pos x="connsiteX3" y="connsiteY3"/>
-              </a:cxn>
-              <a:cxn ang="0">
-                <a:pos x="connsiteX4" y="connsiteY4"/>
-              </a:cxn>
-            </a:cxnLst>
-            <a:rect l="l" t="t" r="r" b="b"/>
-            <a:pathLst>
-              <a:path w="2091831" h="739718">
-                <a:moveTo>
-                  <a:pt x="0" y="0"/>
-                </a:moveTo>
-                <a:lnTo>
-                  <a:pt x="1721972" y="0"/>
-                </a:lnTo>
-                <a:cubicBezTo>
-                  <a:pt x="1926239" y="0"/>
-                  <a:pt x="2091831" y="165592"/>
-                  <a:pt x="2091831" y="369859"/>
-                </a:cubicBezTo>
-                <a:cubicBezTo>
-                  <a:pt x="2091831" y="574126"/>
-                  <a:pt x="1926239" y="739718"/>
-                  <a:pt x="1721972" y="739718"/>
-                </a:cubicBezTo>
-                <a:lnTo>
-                  <a:pt x="0" y="739718"/>
-                </a:lnTo>
-                <a:close/>
-              </a:path>
-            </a:pathLst>
-          </a:custGeom>
-          <a:solidFill>
-            <a:srgbClr val="05B780"/>
-          </a:solidFill>
-          <a:ln>
-            <a:noFill/>
-          </a:ln>
-        </p:spPr>
-        <p:style>
-          <a:lnRef idx="2">
-            <a:schemeClr val="accent1">
-              <a:shade val="50000"/>
-            </a:schemeClr>
-          </a:lnRef>
-          <a:fillRef idx="1">
-            <a:schemeClr val="accent1"/>
-          </a:fillRef>
-          <a:effectRef idx="0">
-            <a:schemeClr val="accent1"/>
-          </a:effectRef>
-          <a:fontRef idx="minor">
-            <a:schemeClr val="lt1"/>
-          </a:fontRef>
-        </p:style>
-        <p:txBody>
-          <a:bodyPr anchor="ctr"/>
-          <a:lstStyle/>
-          <a:p>
-            <a:pPr marL="0" marR="0" lvl="0" indent="0" algn="ctr" defTabSz="914400" rtl="0" eaLnBrk="1" fontAlgn="auto" latinLnBrk="0" hangingPunct="1">
-              <a:lnSpc>
-                <a:spcPct val="100000"/>
-              </a:lnSpc>
-              <a:spcBef>
-                <a:spcPts val="0"/>
-              </a:spcBef>
-              <a:spcAft>
-                <a:spcPts val="0"/>
-              </a:spcAft>
-              <a:buClrTx/>
-              <a:buSzTx/>
-              <a:buFontTx/>
-              <a:buNone/>
-              <a:defRPr/>
-            </a:pPr>
-            <a:endParaRPr kumimoji="0" lang="zh-CN" altLang="en-US" sz="1800" b="0" i="0" u="none" strike="noStrike" kern="1200" cap="none" spc="0" normalizeH="0" baseline="0" noProof="0">
-              <a:ln>
-                <a:noFill/>
-              </a:ln>
-              <a:solidFill>
-                <a:schemeClr val="lt1"/>
-              </a:solidFill>
-              <a:effectLst/>
-              <a:uLnTx/>
-              <a:uFillTx/>
-              <a:latin typeface="+mn-lt"/>
-              <a:ea typeface="+mn-ea"/>
-              <a:cs typeface="+mn-cs"/>
-            </a:endParaRPr>
-          </a:p>
-        </p:txBody>
-      </p:sp>
-      <p:sp>
-        <p:nvSpPr>
-          <p:cNvPr id="6146" name="文本框 101"/>
-          <p:cNvSpPr txBox="1"/>
-          <p:nvPr/>
-        </p:nvSpPr>
-        <p:spPr>
-          <a:xfrm>
-            <a:off x="0" y="338455"/>
-            <a:ext cx="3255645" cy="583565"/>
-          </a:xfrm>
-          <a:prstGeom prst="rect">
-            <a:avLst/>
-          </a:prstGeom>
-          <a:noFill/>
-          <a:ln w="9525">
-            <a:noFill/>
-          </a:ln>
-        </p:spPr>
-        <p:txBody>
-          <a:bodyPr wrap="square" anchor="t" anchorCtr="0">
-            <a:spAutoFit/>
-          </a:bodyPr>
-          <a:p>
-            <a:pPr>
-              <a:buFont typeface="Arial" panose="020B0604020202020204" pitchFamily="34" charset="0"/>
-            </a:pPr>
-            <a:r>
-              <a:rPr lang="en-US" altLang="zh-CN" sz="3200" b="1" dirty="0">
-                <a:solidFill>
-                  <a:schemeClr val="bg1"/>
-                </a:solidFill>
-                <a:latin typeface="Microsoft YaHei" panose="020B0503020204020204" pitchFamily="34" charset="-122"/>
-                <a:ea typeface="Microsoft YaHei" panose="020B0503020204020204" pitchFamily="34" charset="-122"/>
-                <a:sym typeface="+mn-ea"/>
-              </a:rPr>
-              <a:t>Data Structure</a:t>
-            </a:r>
-            <a:endParaRPr lang="en-US" altLang="zh-CN" sz="3200" b="1" dirty="0">
-              <a:solidFill>
-                <a:schemeClr val="bg1"/>
-              </a:solidFill>
-              <a:latin typeface="Microsoft YaHei" panose="020B0503020204020204" pitchFamily="34" charset="-122"/>
-              <a:ea typeface="Microsoft YaHei" panose="020B0503020204020204" pitchFamily="34" charset="-122"/>
-            </a:endParaRPr>
-          </a:p>
-        </p:txBody>
-      </p:sp>
-      <p:sp>
-        <p:nvSpPr>
-          <p:cNvPr id="15" name="矩形 14"/>
-          <p:cNvSpPr/>
-          <p:nvPr/>
-        </p:nvSpPr>
-        <p:spPr>
-          <a:xfrm>
-            <a:off x="3719513" y="2454275"/>
-            <a:ext cx="5913438" cy="973138"/>
-          </a:xfrm>
-          <a:prstGeom prst="rect">
-            <a:avLst/>
-          </a:prstGeom>
-          <a:noFill/>
-          <a:ln>
-            <a:solidFill>
-              <a:srgbClr val="05B780"/>
-            </a:solidFill>
-          </a:ln>
-        </p:spPr>
-        <p:style>
-          <a:lnRef idx="2">
-            <a:schemeClr val="accent1">
-              <a:shade val="50000"/>
-            </a:schemeClr>
-          </a:lnRef>
-          <a:fillRef idx="1">
-            <a:schemeClr val="accent1"/>
-          </a:fillRef>
-          <a:effectRef idx="0">
-            <a:schemeClr val="accent1"/>
-          </a:effectRef>
-          <a:fontRef idx="minor">
-            <a:schemeClr val="lt1"/>
-          </a:fontRef>
-        </p:style>
-        <p:txBody>
-          <a:bodyPr anchor="ctr"/>
-          <a:lstStyle/>
-          <a:p>
-            <a:pPr marL="0" marR="0" lvl="0" indent="0" algn="ctr" defTabSz="914400" rtl="0" eaLnBrk="1" fontAlgn="auto" latinLnBrk="0" hangingPunct="1">
-              <a:lnSpc>
-                <a:spcPct val="100000"/>
-              </a:lnSpc>
-              <a:spcBef>
-                <a:spcPts val="0"/>
-              </a:spcBef>
-              <a:spcAft>
-                <a:spcPts val="0"/>
-              </a:spcAft>
-              <a:buClrTx/>
-              <a:buSzTx/>
-              <a:buFontTx/>
-              <a:buNone/>
-              <a:defRPr/>
-            </a:pPr>
-            <a:endParaRPr kumimoji="0" lang="zh-CN" altLang="en-US" sz="4400" b="0" i="0" u="none" strike="noStrike" kern="1200" cap="none" spc="0" normalizeH="0" baseline="0" noProof="0">
-              <a:ln>
-                <a:noFill/>
-              </a:ln>
-              <a:solidFill>
-                <a:schemeClr val="lt1"/>
-              </a:solidFill>
-              <a:effectLst/>
-              <a:uLnTx/>
-              <a:uFillTx/>
-              <a:latin typeface="+mn-lt"/>
-              <a:ea typeface="+mn-ea"/>
-              <a:cs typeface="+mn-cs"/>
-            </a:endParaRPr>
-          </a:p>
-        </p:txBody>
-      </p:sp>
-      <p:sp>
-        <p:nvSpPr>
-          <p:cNvPr id="6153" name="文本框 15"/>
-          <p:cNvSpPr txBox="1"/>
-          <p:nvPr/>
-        </p:nvSpPr>
-        <p:spPr>
-          <a:xfrm>
-            <a:off x="4319588" y="2498725"/>
-            <a:ext cx="5067300" cy="583565"/>
-          </a:xfrm>
-          <a:prstGeom prst="rect">
-            <a:avLst/>
-          </a:prstGeom>
-          <a:noFill/>
-          <a:ln w="9525">
-            <a:noFill/>
-          </a:ln>
-        </p:spPr>
-        <p:txBody>
-          <a:bodyPr wrap="square" anchor="t" anchorCtr="0">
-            <a:spAutoFit/>
-          </a:bodyPr>
-          <a:p>
-            <a:pPr>
-              <a:buFont typeface="Arial" panose="020B0604020202020204" pitchFamily="34" charset="0"/>
-            </a:pPr>
-            <a:r>
-              <a:rPr lang="en-US" altLang="zh-CN" sz="3200" b="1" dirty="0">
-                <a:solidFill>
-                  <a:srgbClr val="05B780"/>
-                </a:solidFill>
-                <a:latin typeface="Microsoft YaHei" panose="020B0503020204020204" pitchFamily="34" charset="-122"/>
-                <a:ea typeface="Microsoft YaHei" panose="020B0503020204020204" pitchFamily="34" charset="-122"/>
-              </a:rPr>
-              <a:t>Binary Tree</a:t>
-            </a:r>
-            <a:endParaRPr lang="en-US" altLang="zh-CN" sz="3200" b="1" dirty="0">
-              <a:solidFill>
-                <a:srgbClr val="05B780"/>
-              </a:solidFill>
-              <a:latin typeface="Microsoft YaHei" panose="020B0503020204020204" pitchFamily="34" charset="-122"/>
-              <a:ea typeface="Microsoft YaHei" panose="020B0503020204020204" pitchFamily="34" charset="-122"/>
-            </a:endParaRPr>
-          </a:p>
-        </p:txBody>
-      </p:sp>
-      <p:grpSp>
-        <p:nvGrpSpPr>
-          <p:cNvPr id="6154" name="组合 16"/>
-          <p:cNvGrpSpPr/>
-          <p:nvPr/>
-        </p:nvGrpSpPr>
-        <p:grpSpPr>
-          <a:xfrm>
-            <a:off x="2179628" y="2022465"/>
-            <a:ext cx="1742436" cy="1839913"/>
-            <a:chOff x="1473123" y="1521447"/>
-            <a:chExt cx="645926" cy="681967"/>
-          </a:xfrm>
-        </p:grpSpPr>
-        <p:sp>
-          <p:nvSpPr>
-            <p:cNvPr id="18" name="六边形 17"/>
-            <p:cNvSpPr/>
-            <p:nvPr/>
-          </p:nvSpPr>
-          <p:spPr>
-            <a:xfrm rot="5400000">
-              <a:off x="1426090" y="1568479"/>
-              <a:ext cx="681967" cy="587902"/>
-            </a:xfrm>
-            <a:prstGeom prst="hexagon">
-              <a:avLst>
-                <a:gd name="adj" fmla="val 27469"/>
-                <a:gd name="vf" fmla="val 115470"/>
-              </a:avLst>
-            </a:prstGeom>
-            <a:solidFill>
-              <a:srgbClr val="05B780"/>
-            </a:solidFill>
-            <a:ln>
-              <a:noFill/>
-            </a:ln>
-          </p:spPr>
-          <p:style>
-            <a:lnRef idx="2">
-              <a:schemeClr val="accent1">
-                <a:shade val="50000"/>
-              </a:schemeClr>
-            </a:lnRef>
-            <a:fillRef idx="1">
-              <a:schemeClr val="accent1"/>
-            </a:fillRef>
-            <a:effectRef idx="0">
-              <a:schemeClr val="accent1"/>
-            </a:effectRef>
-            <a:fontRef idx="minor">
-              <a:schemeClr val="lt1"/>
-            </a:fontRef>
-          </p:style>
-          <p:txBody>
-            <a:bodyPr anchor="ctr"/>
             <a:lstStyle/>
-            <a:p>
-              <a:pPr marL="0" marR="0" lvl="0" indent="0" algn="ctr" defTabSz="914400" rtl="0" eaLnBrk="1" fontAlgn="auto" latinLnBrk="0" hangingPunct="1">
-                <a:lnSpc>
-                  <a:spcPct val="100000"/>
-                </a:lnSpc>
-                <a:spcBef>
-                  <a:spcPts val="0"/>
-                </a:spcBef>
-                <a:spcAft>
-                  <a:spcPts val="0"/>
-                </a:spcAft>
-                <a:buClrTx/>
-                <a:buSzTx/>
-                <a:buFontTx/>
-                <a:buNone/>
-                <a:defRPr/>
-              </a:pPr>
-              <a:endParaRPr kumimoji="0" lang="zh-CN" altLang="en-US" sz="4400" b="0" i="0" u="none" strike="noStrike" kern="1200" cap="none" spc="0" normalizeH="0" baseline="0" noProof="0">
-                <a:ln>
-                  <a:noFill/>
-                </a:ln>
-                <a:solidFill>
-                  <a:schemeClr val="lt1"/>
-                </a:solidFill>
-                <a:effectLst/>
-                <a:uLnTx/>
-                <a:uFillTx/>
-                <a:latin typeface="+mn-lt"/>
-                <a:ea typeface="+mn-ea"/>
-                <a:cs typeface="+mn-cs"/>
-              </a:endParaRPr>
-            </a:p>
-          </p:txBody>
-        </p:sp>
-        <p:sp>
-          <p:nvSpPr>
-            <p:cNvPr id="6156" name="文本框 18"/>
-            <p:cNvSpPr txBox="1"/>
-            <p:nvPr/>
-          </p:nvSpPr>
-          <p:spPr>
-            <a:xfrm>
-              <a:off x="1532912" y="1719387"/>
-              <a:ext cx="586137" cy="284790"/>
-            </a:xfrm>
-            <a:prstGeom prst="rect">
-              <a:avLst/>
-            </a:prstGeom>
-            <a:noFill/>
-            <a:ln w="9525">
-              <a:noFill/>
-            </a:ln>
-          </p:spPr>
-          <p:txBody>
-            <a:bodyPr wrap="square" anchor="t" anchorCtr="0">
-              <a:spAutoFit/>
-            </a:bodyPr>
             <a:p>
               <a:pPr>
                 <a:buFont typeface="Arial" panose="020B0604020202020204" pitchFamily="34" charset="0"/>
@@ -12730,13 +12471,6 @@
                 </a:rPr>
                 <a:t>03</a:t>
               </a:r>
-              <a:endParaRPr lang="en-US" altLang="zh-CN" sz="4400" b="1" dirty="0">
-                <a:solidFill>
-                  <a:schemeClr val="bg1"/>
-                </a:solidFill>
-                <a:latin typeface="Microsoft YaHei" panose="020B0503020204020204" pitchFamily="34" charset="-122"/>
-                <a:ea typeface="Microsoft YaHei" panose="020B0503020204020204" pitchFamily="34" charset="-122"/>
-              </a:endParaRPr>
             </a:p>
           </p:txBody>
         </p:sp>
@@ -13003,6 +12737,8 @@
       </a:bgFillStyleLst>
     </a:fmtScheme>
   </a:themeElements>
+  <a:objectDefaults/>
+  <a:extraClrSchemeLst/>
   <a:extLst>
     <a:ext uri="{05A4C25C-085E-4340-85A3-A5531E510DB2}">
       <thm15:themeFamily xmlns:thm15="http://schemas.microsoft.com/office/thememl/2012/main" name="Office Theme" id="{62F939B6-93AF-4DB8-9C6B-D6C7DFDC589F}" vid="{4A3C46E8-61CC-4603-A589-7422A47A8E4A}"/>
@@ -13262,6 +12998,8 @@
       </a:bgFillStyleLst>
     </a:fmtScheme>
   </a:themeElements>
+  <a:objectDefaults/>
+  <a:extraClrSchemeLst/>
   <a:extLst>
     <a:ext uri="{05A4C25C-085E-4340-85A3-A5531E510DB2}">
       <thm15:themeFamily xmlns:thm15="http://schemas.microsoft.com/office/thememl/2012/main" name="Office Theme" id="{62F939B6-93AF-4DB8-9C6B-D6C7DFDC589F}" vid="{4A3C46E8-61CC-4603-A589-7422A47A8E4A}"/>
@@ -13521,6 +13259,8 @@
       </a:bgFillStyleLst>
     </a:fmtScheme>
   </a:themeElements>
+  <a:objectDefaults/>
+  <a:extraClrSchemeLst/>
   <a:extLst>
     <a:ext uri="{05A4C25C-085E-4340-85A3-A5531E510DB2}">
       <thm15:themeFamily xmlns:thm15="http://schemas.microsoft.com/office/thememl/2012/main" name="Office Theme" id="{62F939B6-93AF-4DB8-9C6B-D6C7DFDC589F}" vid="{4A3C46E8-61CC-4603-A589-7422A47A8E4A}"/>
@@ -13780,6 +13520,8 @@
       </a:bgFillStyleLst>
     </a:fmtScheme>
   </a:themeElements>
+  <a:objectDefaults/>
+  <a:extraClrSchemeLst/>
   <a:extLst>
     <a:ext uri="{05A4C25C-085E-4340-85A3-A5531E510DB2}">
       <thm15:themeFamily xmlns:thm15="http://schemas.microsoft.com/office/thememl/2012/main" name="Office Theme" id="{62F939B6-93AF-4DB8-9C6B-D6C7DFDC589F}" vid="{4A3C46E8-61CC-4603-A589-7422A47A8E4A}"/>

--- a/week5/week5_slides.pptx
+++ b/week5/week5_slides.pptx
@@ -3,31 +3,42 @@
 <p:presentation xmlns:a="http://schemas.openxmlformats.org/drawingml/2006/main" xmlns:r="http://schemas.openxmlformats.org/officeDocument/2006/relationships" xmlns:p="http://schemas.openxmlformats.org/presentationml/2006/main">
   <p:sldMasterIdLst>
     <p:sldMasterId id="2147483648" r:id="rId1"/>
-    <p:sldMasterId id="2147483651" r:id="rId2"/>
+    <p:sldMasterId id="2147483651" r:id="rId3"/>
   </p:sldMasterIdLst>
   <p:notesMasterIdLst>
-    <p:notesMasterId r:id="rId19"/>
+    <p:notesMasterId r:id="rId31"/>
   </p:notesMasterIdLst>
   <p:handoutMasterIdLst>
-    <p:handoutMasterId r:id="rId20"/>
+    <p:handoutMasterId r:id="rId32"/>
   </p:handoutMasterIdLst>
   <p:sldIdLst>
-    <p:sldId id="256" r:id="rId3"/>
-    <p:sldId id="257" r:id="rId4"/>
-    <p:sldId id="293" r:id="rId5"/>
-    <p:sldId id="442" r:id="rId6"/>
-    <p:sldId id="441" r:id="rId7"/>
-    <p:sldId id="481" r:id="rId8"/>
-    <p:sldId id="443" r:id="rId9"/>
-    <p:sldId id="474" r:id="rId10"/>
-    <p:sldId id="444" r:id="rId11"/>
-    <p:sldId id="475" r:id="rId12"/>
-    <p:sldId id="378" r:id="rId13"/>
-    <p:sldId id="483" r:id="rId14"/>
-    <p:sldId id="482" r:id="rId15"/>
-    <p:sldId id="480" r:id="rId16"/>
-    <p:sldId id="457" r:id="rId17"/>
-    <p:sldId id="289" r:id="rId18"/>
+    <p:sldId id="256" r:id="rId4"/>
+    <p:sldId id="257" r:id="rId5"/>
+    <p:sldId id="293" r:id="rId6"/>
+    <p:sldId id="442" r:id="rId7"/>
+    <p:sldId id="441" r:id="rId8"/>
+    <p:sldId id="481" r:id="rId9"/>
+    <p:sldId id="443" r:id="rId10"/>
+    <p:sldId id="474" r:id="rId11"/>
+    <p:sldId id="492" r:id="rId12"/>
+    <p:sldId id="493" r:id="rId13"/>
+    <p:sldId id="494" r:id="rId14"/>
+    <p:sldId id="503" r:id="rId15"/>
+    <p:sldId id="444" r:id="rId16"/>
+    <p:sldId id="518" r:id="rId17"/>
+    <p:sldId id="475" r:id="rId18"/>
+    <p:sldId id="504" r:id="rId19"/>
+    <p:sldId id="506" r:id="rId20"/>
+    <p:sldId id="507" r:id="rId21"/>
+    <p:sldId id="508" r:id="rId22"/>
+    <p:sldId id="512" r:id="rId23"/>
+    <p:sldId id="514" r:id="rId24"/>
+    <p:sldId id="517" r:id="rId25"/>
+    <p:sldId id="515" r:id="rId26"/>
+    <p:sldId id="378" r:id="rId27"/>
+    <p:sldId id="482" r:id="rId28"/>
+    <p:sldId id="457" r:id="rId29"/>
+    <p:sldId id="289" r:id="rId30"/>
   </p:sldIdLst>
   <p:sldSz cx="12192000" cy="6858000"/>
   <p:notesSz cx="6858000" cy="9144000"/>
@@ -224,22 +235,6 @@
       </a:defRPr>
     </a:lvl9pPr>
   </p:defaultTextStyle>
-  <p:extLst>
-    <p:ext uri="{EFAFB233-063F-42B5-8137-9DF3F51BA10A}">
-      <p15:sldGuideLst xmlns:p15="http://schemas.microsoft.com/office/powerpoint/2012/main">
-        <p15:guide id="1" orient="horz" pos="2116">
-          <p15:clr>
-            <a:srgbClr val="A4A3A4"/>
-          </p15:clr>
-        </p15:guide>
-        <p15:guide id="2" pos="2932">
-          <p15:clr>
-            <a:srgbClr val="A4A3A4"/>
-          </p15:clr>
-        </p15:guide>
-      </p15:sldGuideLst>
-    </p:ext>
-  </p:extLst>
 </p:presentation>
 </file>
 
@@ -331,7 +326,6 @@
                 <a:ea typeface="SimSun" panose="02010600030101010101" pitchFamily="2" charset="-122"/>
                 <a:cs typeface="+mn-cs"/>
               </a:rPr>
-              <a:t>2022/10/11</a:t>
             </a:fld>
             <a:endParaRPr lang="zh-CN" altLang="en-US" strike="noStrike" noProof="1"/>
           </a:p>
@@ -403,18 +397,12 @@
                 <a:ea typeface="SimSun" panose="02010600030101010101" pitchFamily="2" charset="-122"/>
                 <a:cs typeface="+mn-cs"/>
               </a:rPr>
-              <a:t>‹#›</a:t>
             </a:fld>
             <a:endParaRPr lang="zh-CN" altLang="en-US" strike="noStrike" noProof="1"/>
           </a:p>
         </p:txBody>
       </p:sp>
     </p:spTree>
-    <p:extLst>
-      <p:ext uri="{BB962C8B-B14F-4D97-AF65-F5344CB8AC3E}">
-        <p14:creationId xmlns:p14="http://schemas.microsoft.com/office/powerpoint/2010/main" val="1"/>
-      </p:ext>
-    </p:extLst>
   </p:cSld>
   <p:clrMap bg1="lt1" tx1="dk1" bg2="lt2" tx2="dk2" accent1="accent1" accent2="accent2" accent3="accent3" accent4="accent4" accent5="accent5" accent6="accent6" hlink="hlink" folHlink="folHlink"/>
 </p:handoutMaster>
@@ -508,7 +496,6 @@
                 <a:ea typeface="SimSun" panose="02010600030101010101" pitchFamily="2" charset="-122"/>
                 <a:cs typeface="+mn-cs"/>
               </a:rPr>
-              <a:t>2022/10/11</a:t>
             </a:fld>
             <a:endParaRPr lang="zh-CN" altLang="en-US" strike="noStrike" noProof="1"/>
           </a:p>
@@ -576,6 +563,7 @@
               <a:rPr lang="zh-CN" altLang="en-US"/>
               <a:t>Click to edit Master text style</a:t>
             </a:r>
+            <a:endParaRPr lang="zh-CN" altLang="en-US"/>
           </a:p>
           <a:p>
             <a:pPr lvl="1"/>
@@ -583,6 +571,7 @@
               <a:rPr lang="zh-CN" altLang="en-US"/>
               <a:t>Second level</a:t>
             </a:r>
+            <a:endParaRPr lang="zh-CN" altLang="en-US"/>
           </a:p>
           <a:p>
             <a:pPr lvl="2"/>
@@ -590,6 +579,7 @@
               <a:rPr lang="zh-CN" altLang="en-US"/>
               <a:t>Third level</a:t>
             </a:r>
+            <a:endParaRPr lang="zh-CN" altLang="en-US"/>
           </a:p>
           <a:p>
             <a:pPr lvl="3"/>
@@ -597,6 +587,7 @@
               <a:rPr lang="zh-CN" altLang="en-US"/>
               <a:t>Fourth level</a:t>
             </a:r>
+            <a:endParaRPr lang="zh-CN" altLang="en-US"/>
           </a:p>
           <a:p>
             <a:pPr lvl="4"/>
@@ -604,6 +595,7 @@
               <a:rPr lang="zh-CN" altLang="en-US"/>
               <a:t>Fifth level</a:t>
             </a:r>
+            <a:endParaRPr lang="zh-CN" altLang="en-US"/>
           </a:p>
         </p:txBody>
       </p:sp>
@@ -673,7 +665,6 @@
                 <a:ea typeface="SimSun" panose="02010600030101010101" pitchFamily="2" charset="-122"/>
                 <a:cs typeface="+mn-cs"/>
               </a:rPr>
-              <a:t>‹#›</a:t>
             </a:fld>
             <a:endParaRPr lang="zh-CN" altLang="en-US" strike="noStrike" noProof="1"/>
           </a:p>
@@ -824,6 +815,7 @@
               <a:rPr lang="zh-CN" altLang="en-US" strike="noStrike" noProof="1"/>
               <a:t>Click to edit Master title style</a:t>
             </a:r>
+            <a:endParaRPr lang="zh-CN" altLang="en-US" strike="noStrike" noProof="1"/>
           </a:p>
         </p:txBody>
       </p:sp>
@@ -889,6 +881,7 @@
               <a:rPr lang="zh-CN" altLang="en-US" strike="noStrike" noProof="1"/>
               <a:t>Click to edit Master title style</a:t>
             </a:r>
+            <a:endParaRPr lang="zh-CN" altLang="en-US" strike="noStrike" noProof="1"/>
           </a:p>
         </p:txBody>
       </p:sp>
@@ -1040,7 +1033,6 @@
                 <a:ea typeface="+mn-ea"/>
                 <a:cs typeface="+mn-cs"/>
               </a:rPr>
-              <a:t>‹#›</a:t>
             </a:fld>
             <a:endParaRPr kumimoji="0" lang="zh-CN" altLang="en-US" sz="1200" b="0" i="0" u="none" strike="noStrike" kern="1200" cap="none" spc="0" normalizeH="0" baseline="0" noProof="0">
               <a:ln>
@@ -1109,6 +1101,7 @@
               <a:rPr lang="zh-CN" altLang="en-US" strike="noStrike" noProof="1"/>
               <a:t>Click to edit Master title style</a:t>
             </a:r>
+            <a:endParaRPr lang="zh-CN" altLang="en-US" strike="noStrike" noProof="1"/>
           </a:p>
         </p:txBody>
       </p:sp>
@@ -1132,6 +1125,7 @@
               <a:rPr lang="zh-CN" altLang="en-US" strike="noStrike" noProof="1"/>
               <a:t>Click to edit Master text style</a:t>
             </a:r>
+            <a:endParaRPr lang="zh-CN" altLang="en-US" strike="noStrike" noProof="1"/>
           </a:p>
           <a:p>
             <a:pPr lvl="1" fontAlgn="base"/>
@@ -1139,6 +1133,7 @@
               <a:rPr lang="zh-CN" altLang="en-US" strike="noStrike" noProof="1"/>
               <a:t>Second level</a:t>
             </a:r>
+            <a:endParaRPr lang="zh-CN" altLang="en-US" strike="noStrike" noProof="1"/>
           </a:p>
           <a:p>
             <a:pPr lvl="2" fontAlgn="base"/>
@@ -1146,6 +1141,7 @@
               <a:rPr lang="zh-CN" altLang="en-US" strike="noStrike" noProof="1"/>
               <a:t>Third level</a:t>
             </a:r>
+            <a:endParaRPr lang="zh-CN" altLang="en-US" strike="noStrike" noProof="1"/>
           </a:p>
           <a:p>
             <a:pPr lvl="3" fontAlgn="base"/>
@@ -1153,6 +1149,7 @@
               <a:rPr lang="zh-CN" altLang="en-US" strike="noStrike" noProof="1"/>
               <a:t>Fourth level</a:t>
             </a:r>
+            <a:endParaRPr lang="zh-CN" altLang="en-US" strike="noStrike" noProof="1"/>
           </a:p>
           <a:p>
             <a:pPr lvl="4" fontAlgn="base"/>
@@ -1160,6 +1157,7 @@
               <a:rPr lang="zh-CN" altLang="en-US" strike="noStrike" noProof="1"/>
               <a:t>Fifth level</a:t>
             </a:r>
+            <a:endParaRPr lang="zh-CN" altLang="en-US" strike="noStrike" noProof="1"/>
           </a:p>
         </p:txBody>
       </p:sp>
@@ -1311,7 +1309,6 @@
                 <a:ea typeface="+mn-ea"/>
                 <a:cs typeface="+mn-cs"/>
               </a:rPr>
-              <a:t>‹#›</a:t>
             </a:fld>
             <a:endParaRPr kumimoji="0" lang="zh-CN" altLang="en-US" sz="1200" b="0" i="0" u="none" strike="noStrike" kern="1200" cap="none" spc="0" normalizeH="0" baseline="0" noProof="0">
               <a:ln>
@@ -1389,6 +1386,7 @@
               <a:rPr lang="zh-CN" altLang="en-US" strike="noStrike" noProof="1"/>
               <a:t>Click to edit Master title style</a:t>
             </a:r>
+            <a:endParaRPr lang="zh-CN" altLang="en-US" strike="noStrike" noProof="1"/>
           </a:p>
         </p:txBody>
       </p:sp>
@@ -1454,6 +1452,7 @@
               <a:rPr lang="zh-CN" altLang="en-US" strike="noStrike" noProof="1"/>
               <a:t>Click to edit Master title style</a:t>
             </a:r>
+            <a:endParaRPr lang="zh-CN" altLang="en-US" strike="noStrike" noProof="1"/>
           </a:p>
         </p:txBody>
       </p:sp>
@@ -1605,7 +1604,6 @@
                 <a:ea typeface="+mn-ea"/>
                 <a:cs typeface="+mn-cs"/>
               </a:rPr>
-              <a:t>‹#›</a:t>
             </a:fld>
             <a:endParaRPr kumimoji="0" lang="zh-CN" altLang="en-US" sz="1200" b="0" i="0" u="none" strike="noStrike" kern="1200" cap="none" spc="0" normalizeH="0" baseline="0" noProof="0">
               <a:ln>
@@ -1674,6 +1672,7 @@
               <a:rPr lang="zh-CN" altLang="en-US" strike="noStrike" noProof="1"/>
               <a:t>Click to edit Master title style</a:t>
             </a:r>
+            <a:endParaRPr lang="zh-CN" altLang="en-US" strike="noStrike" noProof="1"/>
           </a:p>
         </p:txBody>
       </p:sp>
@@ -1697,6 +1696,7 @@
               <a:rPr lang="zh-CN" altLang="en-US" strike="noStrike" noProof="1"/>
               <a:t>Click to edit Master text style</a:t>
             </a:r>
+            <a:endParaRPr lang="zh-CN" altLang="en-US" strike="noStrike" noProof="1"/>
           </a:p>
           <a:p>
             <a:pPr lvl="1" fontAlgn="base"/>
@@ -1704,6 +1704,7 @@
               <a:rPr lang="zh-CN" altLang="en-US" strike="noStrike" noProof="1"/>
               <a:t>Second level</a:t>
             </a:r>
+            <a:endParaRPr lang="zh-CN" altLang="en-US" strike="noStrike" noProof="1"/>
           </a:p>
           <a:p>
             <a:pPr lvl="2" fontAlgn="base"/>
@@ -1711,6 +1712,7 @@
               <a:rPr lang="zh-CN" altLang="en-US" strike="noStrike" noProof="1"/>
               <a:t>Third level</a:t>
             </a:r>
+            <a:endParaRPr lang="zh-CN" altLang="en-US" strike="noStrike" noProof="1"/>
           </a:p>
           <a:p>
             <a:pPr lvl="3" fontAlgn="base"/>
@@ -1718,6 +1720,7 @@
               <a:rPr lang="zh-CN" altLang="en-US" strike="noStrike" noProof="1"/>
               <a:t>Fourth level</a:t>
             </a:r>
+            <a:endParaRPr lang="zh-CN" altLang="en-US" strike="noStrike" noProof="1"/>
           </a:p>
           <a:p>
             <a:pPr lvl="4" fontAlgn="base"/>
@@ -1725,6 +1728,7 @@
               <a:rPr lang="zh-CN" altLang="en-US" strike="noStrike" noProof="1"/>
               <a:t>Fifth level</a:t>
             </a:r>
+            <a:endParaRPr lang="zh-CN" altLang="en-US" strike="noStrike" noProof="1"/>
           </a:p>
         </p:txBody>
       </p:sp>
@@ -1876,7 +1880,6 @@
                 <a:ea typeface="+mn-ea"/>
                 <a:cs typeface="+mn-cs"/>
               </a:rPr>
-              <a:t>‹#›</a:t>
             </a:fld>
             <a:endParaRPr kumimoji="0" lang="zh-CN" altLang="en-US" sz="1200" b="0" i="0" u="none" strike="noStrike" kern="1200" cap="none" spc="0" normalizeH="0" baseline="0" noProof="0">
               <a:ln>
@@ -1965,6 +1968,7 @@
               <a:rPr lang="zh-CN" altLang="en-US" dirty="0"/>
               <a:t>Click to edit Master title style</a:t>
             </a:r>
+            <a:endParaRPr lang="zh-CN" altLang="en-US" dirty="0"/>
           </a:p>
         </p:txBody>
       </p:sp>
@@ -2000,6 +2004,7 @@
               <a:rPr lang="zh-CN" altLang="en-US" dirty="0"/>
               <a:t>Click to edit Master text style</a:t>
             </a:r>
+            <a:endParaRPr lang="zh-CN" altLang="en-US" dirty="0"/>
           </a:p>
           <a:p>
             <a:pPr lvl="1"/>
@@ -2007,6 +2012,7 @@
               <a:rPr lang="zh-CN" altLang="en-US" dirty="0"/>
               <a:t>Second level</a:t>
             </a:r>
+            <a:endParaRPr lang="zh-CN" altLang="en-US" dirty="0"/>
           </a:p>
           <a:p>
             <a:pPr lvl="2"/>
@@ -2014,6 +2020,7 @@
               <a:rPr lang="zh-CN" altLang="en-US" dirty="0"/>
               <a:t>Third level</a:t>
             </a:r>
+            <a:endParaRPr lang="zh-CN" altLang="en-US" dirty="0"/>
           </a:p>
           <a:p>
             <a:pPr lvl="3"/>
@@ -2021,6 +2028,7 @@
               <a:rPr lang="zh-CN" altLang="en-US" dirty="0"/>
               <a:t>Fourth level</a:t>
             </a:r>
+            <a:endParaRPr lang="zh-CN" altLang="en-US" dirty="0"/>
           </a:p>
           <a:p>
             <a:pPr lvl="4"/>
@@ -2028,6 +2036,7 @@
               <a:rPr lang="zh-CN" altLang="en-US" dirty="0"/>
               <a:t>Fifth level</a:t>
             </a:r>
+            <a:endParaRPr lang="zh-CN" altLang="en-US" dirty="0"/>
           </a:p>
         </p:txBody>
       </p:sp>
@@ -2257,7 +2266,6 @@
                 <a:ea typeface="+mn-ea"/>
                 <a:cs typeface="+mn-cs"/>
               </a:rPr>
-              <a:t>‹#›</a:t>
             </a:fld>
             <a:endParaRPr kumimoji="0" lang="zh-CN" altLang="en-US" sz="1200" b="0" i="0" u="none" strike="noStrike" kern="1200" cap="none" spc="0" normalizeH="0" baseline="0" noProof="0">
               <a:ln>
@@ -2790,6 +2798,7 @@
               <a:rPr lang="zh-CN" altLang="en-US" dirty="0"/>
               <a:t>Click to edit Master title style</a:t>
             </a:r>
+            <a:endParaRPr lang="zh-CN" altLang="en-US" dirty="0"/>
           </a:p>
         </p:txBody>
       </p:sp>
@@ -2825,6 +2834,7 @@
               <a:rPr lang="zh-CN" altLang="en-US" dirty="0"/>
               <a:t>Click to edit Master text style</a:t>
             </a:r>
+            <a:endParaRPr lang="zh-CN" altLang="en-US" dirty="0"/>
           </a:p>
           <a:p>
             <a:pPr lvl="1"/>
@@ -2832,6 +2842,7 @@
               <a:rPr lang="zh-CN" altLang="en-US" dirty="0"/>
               <a:t>Second level</a:t>
             </a:r>
+            <a:endParaRPr lang="zh-CN" altLang="en-US" dirty="0"/>
           </a:p>
           <a:p>
             <a:pPr lvl="2"/>
@@ -2839,6 +2850,7 @@
               <a:rPr lang="zh-CN" altLang="en-US" dirty="0"/>
               <a:t>Third level</a:t>
             </a:r>
+            <a:endParaRPr lang="zh-CN" altLang="en-US" dirty="0"/>
           </a:p>
           <a:p>
             <a:pPr lvl="3"/>
@@ -2846,6 +2858,7 @@
               <a:rPr lang="zh-CN" altLang="en-US" dirty="0"/>
               <a:t>Fourth level</a:t>
             </a:r>
+            <a:endParaRPr lang="zh-CN" altLang="en-US" dirty="0"/>
           </a:p>
           <a:p>
             <a:pPr lvl="4"/>
@@ -2853,6 +2866,7 @@
               <a:rPr lang="zh-CN" altLang="en-US" dirty="0"/>
               <a:t>Fifth level</a:t>
             </a:r>
+            <a:endParaRPr lang="zh-CN" altLang="en-US" dirty="0"/>
           </a:p>
         </p:txBody>
       </p:sp>
@@ -3082,7 +3096,6 @@
                 <a:ea typeface="+mn-ea"/>
                 <a:cs typeface="+mn-cs"/>
               </a:rPr>
-              <a:t>‹#›</a:t>
             </a:fld>
             <a:endParaRPr kumimoji="0" lang="zh-CN" altLang="en-US" sz="1200" b="0" i="0" u="none" strike="noStrike" kern="1200" cap="none" spc="0" normalizeH="0" baseline="0" noProof="0">
               <a:ln>
@@ -3855,6 +3868,13 @@
               </a:rPr>
               <a:t>H.A.C.C.</a:t>
             </a:r>
+            <a:endParaRPr lang="en-US" altLang="zh-CN" sz="3200" b="1" dirty="0">
+              <a:solidFill>
+                <a:srgbClr val="262626"/>
+              </a:solidFill>
+              <a:latin typeface="Microsoft YaHei" panose="020B0503020204020204" pitchFamily="34" charset="-122"/>
+              <a:ea typeface="Microsoft YaHei" panose="020B0503020204020204" pitchFamily="34" charset="-122"/>
+            </a:endParaRPr>
           </a:p>
           <a:p>
             <a:r>
@@ -3867,6 +3887,13 @@
               </a:rPr>
               <a:t>Data Structures and Algorithms</a:t>
             </a:r>
+            <a:endParaRPr lang="en-US" altLang="zh-CN" sz="3200" b="1" dirty="0">
+              <a:solidFill>
+                <a:srgbClr val="262626"/>
+              </a:solidFill>
+              <a:latin typeface="Microsoft YaHei" panose="020B0503020204020204" pitchFamily="34" charset="-122"/>
+              <a:ea typeface="Microsoft YaHei" panose="020B0503020204020204" pitchFamily="34" charset="-122"/>
+            </a:endParaRPr>
           </a:p>
         </p:txBody>
       </p:sp>
@@ -4816,6 +4843,13 @@
               </a:rPr>
               <a:t>Jimmy Zhang</a:t>
             </a:r>
+            <a:endParaRPr lang="en-US" altLang="zh-CN" dirty="0">
+              <a:solidFill>
+                <a:srgbClr val="262626"/>
+              </a:solidFill>
+              <a:latin typeface="Microsoft YaHei" panose="020B0503020204020204" pitchFamily="34" charset="-122"/>
+              <a:ea typeface="Microsoft YaHei" panose="020B0503020204020204" pitchFamily="34" charset="-122"/>
+            </a:endParaRPr>
           </a:p>
         </p:txBody>
       </p:sp>
@@ -4854,6 +4888,13 @@
               </a:rPr>
               <a:t>Fall 2022</a:t>
             </a:r>
+            <a:endParaRPr lang="en-US" altLang="zh-CN" dirty="0">
+              <a:solidFill>
+                <a:srgbClr val="262626"/>
+              </a:solidFill>
+              <a:latin typeface="Microsoft YaHei" panose="020B0503020204020204" pitchFamily="34" charset="-122"/>
+              <a:ea typeface="Microsoft YaHei" panose="020B0503020204020204" pitchFamily="34" charset="-122"/>
+            </a:endParaRPr>
           </a:p>
         </p:txBody>
       </p:sp>
@@ -5050,8 +5091,15 @@
                 <a:latin typeface="Microsoft YaHei" panose="020B0503020204020204" pitchFamily="34" charset="-122"/>
                 <a:ea typeface="Microsoft YaHei" panose="020B0503020204020204" pitchFamily="34" charset="-122"/>
               </a:rPr>
-              <a:t>1.1</a:t>
-            </a:r>
+              <a:t>2.3</a:t>
+            </a:r>
+            <a:endParaRPr lang="en-US" altLang="zh-CN" sz="2800" b="1" dirty="0">
+              <a:solidFill>
+                <a:schemeClr val="bg1"/>
+              </a:solidFill>
+              <a:latin typeface="Microsoft YaHei" panose="020B0503020204020204" pitchFamily="34" charset="-122"/>
+              <a:ea typeface="Microsoft YaHei" panose="020B0503020204020204" pitchFamily="34" charset="-122"/>
+            </a:endParaRPr>
           </a:p>
         </p:txBody>
       </p:sp>
@@ -5146,8 +5194,26 @@
                 <a:cs typeface="+mn-cs"/>
                 <a:sym typeface="+mn-ea"/>
               </a:rPr>
-              <a:t>Title</a:t>
-            </a:r>
+              <a:t>Using Recursion</a:t>
+            </a:r>
+            <a:endParaRPr kumimoji="0" lang="en-US" altLang="zh-CN" sz="2800" b="1" i="0" u="none" strike="noStrike" kern="1200" cap="none" spc="0" normalizeH="0" baseline="0" noProof="0" dirty="0">
+              <a:ln>
+                <a:noFill/>
+              </a:ln>
+              <a:solidFill>
+                <a:schemeClr val="tx1">
+                  <a:lumMod val="85000"/>
+                  <a:lumOff val="15000"/>
+                </a:schemeClr>
+              </a:solidFill>
+              <a:effectLst/>
+              <a:uLnTx/>
+              <a:uFillTx/>
+              <a:latin typeface="Microsoft YaHei" panose="020B0503020204020204" pitchFamily="34" charset="-122"/>
+              <a:ea typeface="Microsoft YaHei" panose="020B0503020204020204" pitchFamily="34" charset="-122"/>
+              <a:cs typeface="+mn-cs"/>
+              <a:sym typeface="+mn-ea"/>
+            </a:endParaRPr>
           </a:p>
         </p:txBody>
       </p:sp>
@@ -5166,6 +5232,65 @@
           <a:bodyPr/>
           <a:lstStyle/>
           <a:p>
+            <a:r>
+              <a:rPr lang="en-US"/>
+              <a:t>Advantages</a:t>
+            </a:r>
+            <a:endParaRPr lang="en-US"/>
+          </a:p>
+          <a:p>
+            <a:pPr lvl="1"/>
+            <a:r>
+              <a:rPr lang="en-US"/>
+              <a:t>Recursive code often tends to look cleaner and more elegant</a:t>
+            </a:r>
+            <a:endParaRPr lang="en-US"/>
+          </a:p>
+          <a:p>
+            <a:pPr lvl="1"/>
+            <a:r>
+              <a:rPr lang="en-US"/>
+              <a:t>A complex task can be broken down into simpler sub-problems using recursion</a:t>
+            </a:r>
+            <a:endParaRPr lang="en-US"/>
+          </a:p>
+          <a:p>
+            <a:pPr lvl="1"/>
+            <a:r>
+              <a:rPr lang="en-US"/>
+              <a:t>Sequence generation is easier with recursion than using some nested iteration</a:t>
+            </a:r>
+            <a:endParaRPr lang="en-US"/>
+          </a:p>
+          <a:p>
+            <a:r>
+              <a:rPr lang="en-US"/>
+              <a:t>Disadvantages</a:t>
+            </a:r>
+            <a:endParaRPr lang="en-US"/>
+          </a:p>
+          <a:p>
+            <a:pPr lvl="1"/>
+            <a:r>
+              <a:rPr lang="en-US"/>
+              <a:t>Sometimes the logic behind recursion is hard to follow through</a:t>
+            </a:r>
+            <a:endParaRPr lang="en-US"/>
+          </a:p>
+          <a:p>
+            <a:pPr lvl="1"/>
+            <a:r>
+              <a:rPr lang="en-US"/>
+              <a:t>Recursive calls are expensive (inefficient) as they take up a lot of memory and time</a:t>
+            </a:r>
+            <a:endParaRPr lang="en-US"/>
+          </a:p>
+          <a:p>
+            <a:pPr lvl="1"/>
+            <a:r>
+              <a:rPr lang="en-US"/>
+              <a:t>Recursive functions are hard to debug</a:t>
+            </a:r>
             <a:endParaRPr lang="en-US"/>
           </a:p>
         </p:txBody>
@@ -5182,6 +5307,707 @@
 </file>
 
 <file path=ppt/slides/slide11.xml><?xml version="1.0" encoding="utf-8"?>
+<p:sld xmlns:a="http://schemas.openxmlformats.org/drawingml/2006/main" xmlns:r="http://schemas.openxmlformats.org/officeDocument/2006/relationships" xmlns:p="http://schemas.openxmlformats.org/presentationml/2006/main">
+  <p:cSld>
+    <p:spTree>
+      <p:nvGrpSpPr>
+        <p:cNvPr id="1" name=""/>
+        <p:cNvGrpSpPr/>
+        <p:nvPr/>
+      </p:nvGrpSpPr>
+      <p:grpSpPr>
+        <a:xfrm>
+          <a:off x="0" y="0"/>
+          <a:ext cx="0" cy="0"/>
+          <a:chOff x="0" y="0"/>
+          <a:chExt cx="0" cy="0"/>
+        </a:xfrm>
+      </p:grpSpPr>
+      <p:sp>
+        <p:nvSpPr>
+          <p:cNvPr id="15" name="任意多边形 14"/>
+          <p:cNvSpPr/>
+          <p:nvPr/>
+        </p:nvSpPr>
+        <p:spPr>
+          <a:xfrm>
+            <a:off x="0" y="274638"/>
+            <a:ext cx="890588" cy="639763"/>
+          </a:xfrm>
+          <a:custGeom>
+            <a:avLst/>
+            <a:gdLst>
+              <a:gd name="connsiteX0" fmla="*/ 0 w 1029743"/>
+              <a:gd name="connsiteY0" fmla="*/ 0 h 739718"/>
+              <a:gd name="connsiteX1" fmla="*/ 659884 w 1029743"/>
+              <a:gd name="connsiteY1" fmla="*/ 0 h 739718"/>
+              <a:gd name="connsiteX2" fmla="*/ 1029743 w 1029743"/>
+              <a:gd name="connsiteY2" fmla="*/ 369859 h 739718"/>
+              <a:gd name="connsiteX3" fmla="*/ 659884 w 1029743"/>
+              <a:gd name="connsiteY3" fmla="*/ 739718 h 739718"/>
+              <a:gd name="connsiteX4" fmla="*/ 0 w 1029743"/>
+              <a:gd name="connsiteY4" fmla="*/ 739718 h 739718"/>
+            </a:gdLst>
+            <a:ahLst/>
+            <a:cxnLst>
+              <a:cxn ang="0">
+                <a:pos x="connsiteX0" y="connsiteY0"/>
+              </a:cxn>
+              <a:cxn ang="0">
+                <a:pos x="connsiteX1" y="connsiteY1"/>
+              </a:cxn>
+              <a:cxn ang="0">
+                <a:pos x="connsiteX2" y="connsiteY2"/>
+              </a:cxn>
+              <a:cxn ang="0">
+                <a:pos x="connsiteX3" y="connsiteY3"/>
+              </a:cxn>
+              <a:cxn ang="0">
+                <a:pos x="connsiteX4" y="connsiteY4"/>
+              </a:cxn>
+            </a:cxnLst>
+            <a:rect l="l" t="t" r="r" b="b"/>
+            <a:pathLst>
+              <a:path w="1029743" h="739718">
+                <a:moveTo>
+                  <a:pt x="0" y="0"/>
+                </a:moveTo>
+                <a:lnTo>
+                  <a:pt x="659884" y="0"/>
+                </a:lnTo>
+                <a:cubicBezTo>
+                  <a:pt x="864151" y="0"/>
+                  <a:pt x="1029743" y="165592"/>
+                  <a:pt x="1029743" y="369859"/>
+                </a:cubicBezTo>
+                <a:cubicBezTo>
+                  <a:pt x="1029743" y="574126"/>
+                  <a:pt x="864151" y="739718"/>
+                  <a:pt x="659884" y="739718"/>
+                </a:cubicBezTo>
+                <a:lnTo>
+                  <a:pt x="0" y="739718"/>
+                </a:lnTo>
+                <a:close/>
+              </a:path>
+            </a:pathLst>
+          </a:custGeom>
+          <a:solidFill>
+            <a:srgbClr val="05B780"/>
+          </a:solidFill>
+          <a:ln>
+            <a:noFill/>
+          </a:ln>
+        </p:spPr>
+        <p:style>
+          <a:lnRef idx="2">
+            <a:schemeClr val="accent1">
+              <a:shade val="50000"/>
+            </a:schemeClr>
+          </a:lnRef>
+          <a:fillRef idx="1">
+            <a:schemeClr val="accent1"/>
+          </a:fillRef>
+          <a:effectRef idx="0">
+            <a:schemeClr val="accent1"/>
+          </a:effectRef>
+          <a:fontRef idx="minor">
+            <a:schemeClr val="lt1"/>
+          </a:fontRef>
+        </p:style>
+        <p:txBody>
+          <a:bodyPr anchor="ctr"/>
+          <a:lstStyle/>
+          <a:p>
+            <a:pPr marL="0" marR="0" lvl="0" indent="0" algn="ctr" defTabSz="914400" rtl="0" eaLnBrk="1" fontAlgn="auto" latinLnBrk="0" hangingPunct="1">
+              <a:lnSpc>
+                <a:spcPct val="100000"/>
+              </a:lnSpc>
+              <a:spcBef>
+                <a:spcPts val="0"/>
+              </a:spcBef>
+              <a:spcAft>
+                <a:spcPts val="0"/>
+              </a:spcAft>
+              <a:buClrTx/>
+              <a:buSzTx/>
+              <a:buFontTx/>
+              <a:buNone/>
+              <a:defRPr/>
+            </a:pPr>
+            <a:endParaRPr kumimoji="0" lang="zh-CN" altLang="en-US" sz="1800" b="0" i="0" u="none" strike="noStrike" kern="1200" cap="none" spc="0" normalizeH="0" baseline="0" noProof="0">
+              <a:ln>
+                <a:noFill/>
+              </a:ln>
+              <a:solidFill>
+                <a:schemeClr val="bg1"/>
+              </a:solidFill>
+              <a:effectLst/>
+              <a:uLnTx/>
+              <a:uFillTx/>
+              <a:latin typeface="+mn-lt"/>
+              <a:ea typeface="+mn-ea"/>
+              <a:cs typeface="+mn-cs"/>
+            </a:endParaRPr>
+          </a:p>
+        </p:txBody>
+      </p:sp>
+      <p:sp>
+        <p:nvSpPr>
+          <p:cNvPr id="7170" name="文本框 156"/>
+          <p:cNvSpPr txBox="1"/>
+          <p:nvPr/>
+        </p:nvSpPr>
+        <p:spPr>
+          <a:xfrm>
+            <a:off x="0" y="350838"/>
+            <a:ext cx="814388" cy="521970"/>
+          </a:xfrm>
+          <a:prstGeom prst="rect">
+            <a:avLst/>
+          </a:prstGeom>
+          <a:noFill/>
+          <a:ln w="9525">
+            <a:noFill/>
+          </a:ln>
+        </p:spPr>
+        <p:txBody>
+          <a:bodyPr anchor="t" anchorCtr="0">
+            <a:spAutoFit/>
+          </a:bodyPr>
+          <a:lstStyle/>
+          <a:p>
+            <a:pPr>
+              <a:buFont typeface="Arial" panose="020B0604020202020204" pitchFamily="34" charset="0"/>
+            </a:pPr>
+            <a:r>
+              <a:rPr lang="en-US" altLang="zh-CN" sz="2800" b="1" dirty="0">
+                <a:solidFill>
+                  <a:schemeClr val="bg1"/>
+                </a:solidFill>
+                <a:latin typeface="Microsoft YaHei" panose="020B0503020204020204" pitchFamily="34" charset="-122"/>
+                <a:ea typeface="Microsoft YaHei" panose="020B0503020204020204" pitchFamily="34" charset="-122"/>
+              </a:rPr>
+              <a:t>2.4</a:t>
+            </a:r>
+            <a:endParaRPr lang="en-US" altLang="zh-CN" sz="2800" b="1" dirty="0">
+              <a:solidFill>
+                <a:schemeClr val="bg1"/>
+              </a:solidFill>
+              <a:latin typeface="Microsoft YaHei" panose="020B0503020204020204" pitchFamily="34" charset="-122"/>
+              <a:ea typeface="Microsoft YaHei" panose="020B0503020204020204" pitchFamily="34" charset="-122"/>
+            </a:endParaRPr>
+          </a:p>
+        </p:txBody>
+      </p:sp>
+      <p:sp>
+        <p:nvSpPr>
+          <p:cNvPr id="16" name="Rectangle 6"/>
+          <p:cNvSpPr>
+            <a:spLocks noChangeArrowheads="1"/>
+          </p:cNvSpPr>
+          <p:nvPr/>
+        </p:nvSpPr>
+        <p:spPr bwMode="black">
+          <a:xfrm>
+            <a:off x="1021080" y="351155"/>
+            <a:ext cx="6515735" cy="521970"/>
+          </a:xfrm>
+          <a:prstGeom prst="rect">
+            <a:avLst/>
+          </a:prstGeom>
+          <a:noFill/>
+          <a:ln>
+            <a:noFill/>
+          </a:ln>
+          <a:effectLst/>
+          <a:extLst>
+            <a:ext uri="{909E8E84-426E-40DD-AFC4-6F175D3DCCD1}">
+              <a14:hiddenFill xmlns:a14="http://schemas.microsoft.com/office/drawing/2010/main">
+                <a:solidFill>
+                  <a:schemeClr val="accent1"/>
+                </a:solidFill>
+              </a14:hiddenFill>
+            </a:ext>
+            <a:ext uri="{91240B29-F687-4F45-9708-019B960494DF}">
+              <a14:hiddenLine xmlns:a14="http://schemas.microsoft.com/office/drawing/2010/main" w="9525">
+                <a:solidFill>
+                  <a:schemeClr val="tx1"/>
+                </a:solidFill>
+                <a:miter lim="800000"/>
+                <a:headEnd/>
+                <a:tailEnd/>
+              </a14:hiddenLine>
+            </a:ext>
+            <a:ext uri="{AF507438-7753-43E0-B8FC-AC1667EBCBE1}">
+              <a14:hiddenEffects xmlns:a14="http://schemas.microsoft.com/office/drawing/2010/main">
+                <a:effectLst>
+                  <a:outerShdw dist="35921" dir="2700000" algn="ctr" rotWithShape="0">
+                    <a:schemeClr val="bg2"/>
+                  </a:outerShdw>
+                </a:effectLst>
+              </a14:hiddenEffects>
+            </a:ext>
+          </a:extLst>
+        </p:spPr>
+        <p:txBody>
+          <a:bodyPr wrap="square">
+            <a:spAutoFit/>
+          </a:bodyPr>
+          <a:lstStyle/>
+          <a:p>
+            <a:pPr marL="0" marR="0" lvl="0" indent="0" algn="l" defTabSz="914400" rtl="0" eaLnBrk="0" fontAlgn="auto" latinLnBrk="0" hangingPunct="0">
+              <a:lnSpc>
+                <a:spcPct val="100000"/>
+              </a:lnSpc>
+              <a:spcBef>
+                <a:spcPts val="0"/>
+              </a:spcBef>
+              <a:spcAft>
+                <a:spcPts val="0"/>
+              </a:spcAft>
+              <a:buClrTx/>
+              <a:buSzTx/>
+              <a:buFontTx/>
+              <a:buNone/>
+              <a:defRPr/>
+            </a:pPr>
+            <a:r>
+              <a:rPr kumimoji="0" lang="en-US" altLang="zh-CN" sz="2800" b="1" i="0" u="none" strike="noStrike" kern="1200" cap="none" spc="0" normalizeH="0" baseline="0" noProof="0" dirty="0">
+                <a:ln>
+                  <a:noFill/>
+                </a:ln>
+                <a:solidFill>
+                  <a:schemeClr val="tx1">
+                    <a:lumMod val="85000"/>
+                    <a:lumOff val="15000"/>
+                  </a:schemeClr>
+                </a:solidFill>
+                <a:effectLst/>
+                <a:uLnTx/>
+                <a:uFillTx/>
+                <a:latin typeface="Microsoft YaHei" panose="020B0503020204020204" pitchFamily="34" charset="-122"/>
+                <a:ea typeface="Microsoft YaHei" panose="020B0503020204020204" pitchFamily="34" charset="-122"/>
+                <a:cs typeface="+mn-cs"/>
+                <a:sym typeface="+mn-ea"/>
+              </a:rPr>
+              <a:t>Using Recursion</a:t>
+            </a:r>
+            <a:endParaRPr kumimoji="0" lang="en-US" altLang="zh-CN" sz="2800" b="1" i="0" u="none" strike="noStrike" kern="1200" cap="none" spc="0" normalizeH="0" baseline="0" noProof="0" dirty="0">
+              <a:ln>
+                <a:noFill/>
+              </a:ln>
+              <a:solidFill>
+                <a:schemeClr val="tx1">
+                  <a:lumMod val="85000"/>
+                  <a:lumOff val="15000"/>
+                </a:schemeClr>
+              </a:solidFill>
+              <a:effectLst/>
+              <a:uLnTx/>
+              <a:uFillTx/>
+              <a:latin typeface="Microsoft YaHei" panose="020B0503020204020204" pitchFamily="34" charset="-122"/>
+              <a:ea typeface="Microsoft YaHei" panose="020B0503020204020204" pitchFamily="34" charset="-122"/>
+              <a:cs typeface="+mn-cs"/>
+              <a:sym typeface="+mn-ea"/>
+            </a:endParaRPr>
+          </a:p>
+        </p:txBody>
+      </p:sp>
+      <p:sp>
+        <p:nvSpPr>
+          <p:cNvPr id="3" name="Content Placeholder 2"/>
+          <p:cNvSpPr>
+            <a:spLocks noGrp="1"/>
+          </p:cNvSpPr>
+          <p:nvPr>
+            <p:ph idx="1"/>
+          </p:nvPr>
+        </p:nvSpPr>
+        <p:spPr/>
+        <p:txBody>
+          <a:bodyPr/>
+          <a:lstStyle/>
+          <a:p>
+            <a:r>
+              <a:rPr lang="en-US"/>
+              <a:t>Traversals of tree or graph data structures</a:t>
+            </a:r>
+            <a:endParaRPr lang="en-US"/>
+          </a:p>
+          <a:p>
+            <a:r>
+              <a:rPr lang="en-US"/>
+              <a:t>Often...traversals of any “nested” or non-linear data structure</a:t>
+            </a:r>
+            <a:endParaRPr lang="en-US"/>
+          </a:p>
+          <a:p>
+            <a:endParaRPr lang="en-US"/>
+          </a:p>
+        </p:txBody>
+      </p:sp>
+    </p:spTree>
+  </p:cSld>
+  <p:clrMapOvr>
+    <a:masterClrMapping/>
+  </p:clrMapOvr>
+  <p:transition spd="slow">
+    <p:wipe/>
+  </p:transition>
+</p:sld>
+</file>
+
+<file path=ppt/slides/slide12.xml><?xml version="1.0" encoding="utf-8"?>
+<p:sld xmlns:a="http://schemas.openxmlformats.org/drawingml/2006/main" xmlns:r="http://schemas.openxmlformats.org/officeDocument/2006/relationships" xmlns:p="http://schemas.openxmlformats.org/presentationml/2006/main">
+  <p:cSld>
+    <p:spTree>
+      <p:nvGrpSpPr>
+        <p:cNvPr id="1" name=""/>
+        <p:cNvGrpSpPr/>
+        <p:nvPr/>
+      </p:nvGrpSpPr>
+      <p:grpSpPr>
+        <a:xfrm>
+          <a:off x="0" y="0"/>
+          <a:ext cx="0" cy="0"/>
+          <a:chOff x="0" y="0"/>
+          <a:chExt cx="0" cy="0"/>
+        </a:xfrm>
+      </p:grpSpPr>
+      <p:sp>
+        <p:nvSpPr>
+          <p:cNvPr id="15" name="任意多边形 14"/>
+          <p:cNvSpPr/>
+          <p:nvPr/>
+        </p:nvSpPr>
+        <p:spPr>
+          <a:xfrm>
+            <a:off x="0" y="274638"/>
+            <a:ext cx="890588" cy="639763"/>
+          </a:xfrm>
+          <a:custGeom>
+            <a:avLst/>
+            <a:gdLst>
+              <a:gd name="connsiteX0" fmla="*/ 0 w 1029743"/>
+              <a:gd name="connsiteY0" fmla="*/ 0 h 739718"/>
+              <a:gd name="connsiteX1" fmla="*/ 659884 w 1029743"/>
+              <a:gd name="connsiteY1" fmla="*/ 0 h 739718"/>
+              <a:gd name="connsiteX2" fmla="*/ 1029743 w 1029743"/>
+              <a:gd name="connsiteY2" fmla="*/ 369859 h 739718"/>
+              <a:gd name="connsiteX3" fmla="*/ 659884 w 1029743"/>
+              <a:gd name="connsiteY3" fmla="*/ 739718 h 739718"/>
+              <a:gd name="connsiteX4" fmla="*/ 0 w 1029743"/>
+              <a:gd name="connsiteY4" fmla="*/ 739718 h 739718"/>
+            </a:gdLst>
+            <a:ahLst/>
+            <a:cxnLst>
+              <a:cxn ang="0">
+                <a:pos x="connsiteX0" y="connsiteY0"/>
+              </a:cxn>
+              <a:cxn ang="0">
+                <a:pos x="connsiteX1" y="connsiteY1"/>
+              </a:cxn>
+              <a:cxn ang="0">
+                <a:pos x="connsiteX2" y="connsiteY2"/>
+              </a:cxn>
+              <a:cxn ang="0">
+                <a:pos x="connsiteX3" y="connsiteY3"/>
+              </a:cxn>
+              <a:cxn ang="0">
+                <a:pos x="connsiteX4" y="connsiteY4"/>
+              </a:cxn>
+            </a:cxnLst>
+            <a:rect l="l" t="t" r="r" b="b"/>
+            <a:pathLst>
+              <a:path w="1029743" h="739718">
+                <a:moveTo>
+                  <a:pt x="0" y="0"/>
+                </a:moveTo>
+                <a:lnTo>
+                  <a:pt x="659884" y="0"/>
+                </a:lnTo>
+                <a:cubicBezTo>
+                  <a:pt x="864151" y="0"/>
+                  <a:pt x="1029743" y="165592"/>
+                  <a:pt x="1029743" y="369859"/>
+                </a:cubicBezTo>
+                <a:cubicBezTo>
+                  <a:pt x="1029743" y="574126"/>
+                  <a:pt x="864151" y="739718"/>
+                  <a:pt x="659884" y="739718"/>
+                </a:cubicBezTo>
+                <a:lnTo>
+                  <a:pt x="0" y="739718"/>
+                </a:lnTo>
+                <a:close/>
+              </a:path>
+            </a:pathLst>
+          </a:custGeom>
+          <a:solidFill>
+            <a:srgbClr val="05B780"/>
+          </a:solidFill>
+          <a:ln>
+            <a:noFill/>
+          </a:ln>
+        </p:spPr>
+        <p:style>
+          <a:lnRef idx="2">
+            <a:schemeClr val="accent1">
+              <a:shade val="50000"/>
+            </a:schemeClr>
+          </a:lnRef>
+          <a:fillRef idx="1">
+            <a:schemeClr val="accent1"/>
+          </a:fillRef>
+          <a:effectRef idx="0">
+            <a:schemeClr val="accent1"/>
+          </a:effectRef>
+          <a:fontRef idx="minor">
+            <a:schemeClr val="lt1"/>
+          </a:fontRef>
+        </p:style>
+        <p:txBody>
+          <a:bodyPr anchor="ctr"/>
+          <a:lstStyle/>
+          <a:p>
+            <a:pPr marL="0" marR="0" lvl="0" indent="0" algn="ctr" defTabSz="914400" rtl="0" eaLnBrk="1" fontAlgn="auto" latinLnBrk="0" hangingPunct="1">
+              <a:lnSpc>
+                <a:spcPct val="100000"/>
+              </a:lnSpc>
+              <a:spcBef>
+                <a:spcPts val="0"/>
+              </a:spcBef>
+              <a:spcAft>
+                <a:spcPts val="0"/>
+              </a:spcAft>
+              <a:buClrTx/>
+              <a:buSzTx/>
+              <a:buFontTx/>
+              <a:buNone/>
+              <a:defRPr/>
+            </a:pPr>
+            <a:endParaRPr kumimoji="0" lang="zh-CN" altLang="en-US" sz="1800" b="0" i="0" u="none" strike="noStrike" kern="1200" cap="none" spc="0" normalizeH="0" baseline="0" noProof="0">
+              <a:ln>
+                <a:noFill/>
+              </a:ln>
+              <a:solidFill>
+                <a:schemeClr val="bg1"/>
+              </a:solidFill>
+              <a:effectLst/>
+              <a:uLnTx/>
+              <a:uFillTx/>
+              <a:latin typeface="+mn-lt"/>
+              <a:ea typeface="+mn-ea"/>
+              <a:cs typeface="+mn-cs"/>
+            </a:endParaRPr>
+          </a:p>
+        </p:txBody>
+      </p:sp>
+      <p:sp>
+        <p:nvSpPr>
+          <p:cNvPr id="7170" name="文本框 156"/>
+          <p:cNvSpPr txBox="1"/>
+          <p:nvPr/>
+        </p:nvSpPr>
+        <p:spPr>
+          <a:xfrm>
+            <a:off x="0" y="350838"/>
+            <a:ext cx="814388" cy="521970"/>
+          </a:xfrm>
+          <a:prstGeom prst="rect">
+            <a:avLst/>
+          </a:prstGeom>
+          <a:noFill/>
+          <a:ln w="9525">
+            <a:noFill/>
+          </a:ln>
+        </p:spPr>
+        <p:txBody>
+          <a:bodyPr anchor="t" anchorCtr="0">
+            <a:spAutoFit/>
+          </a:bodyPr>
+          <a:lstStyle/>
+          <a:p>
+            <a:pPr>
+              <a:buFont typeface="Arial" panose="020B0604020202020204" pitchFamily="34" charset="0"/>
+            </a:pPr>
+            <a:r>
+              <a:rPr lang="en-US" altLang="zh-CN" sz="2800" b="1" dirty="0">
+                <a:solidFill>
+                  <a:schemeClr val="bg1"/>
+                </a:solidFill>
+                <a:latin typeface="Microsoft YaHei" panose="020B0503020204020204" pitchFamily="34" charset="-122"/>
+                <a:ea typeface="Microsoft YaHei" panose="020B0503020204020204" pitchFamily="34" charset="-122"/>
+              </a:rPr>
+              <a:t>2.5</a:t>
+            </a:r>
+            <a:endParaRPr lang="en-US" altLang="zh-CN" sz="2800" b="1" dirty="0">
+              <a:solidFill>
+                <a:schemeClr val="bg1"/>
+              </a:solidFill>
+              <a:latin typeface="Microsoft YaHei" panose="020B0503020204020204" pitchFamily="34" charset="-122"/>
+              <a:ea typeface="Microsoft YaHei" panose="020B0503020204020204" pitchFamily="34" charset="-122"/>
+            </a:endParaRPr>
+          </a:p>
+        </p:txBody>
+      </p:sp>
+      <p:sp>
+        <p:nvSpPr>
+          <p:cNvPr id="16" name="Rectangle 6"/>
+          <p:cNvSpPr>
+            <a:spLocks noChangeArrowheads="1"/>
+          </p:cNvSpPr>
+          <p:nvPr/>
+        </p:nvSpPr>
+        <p:spPr bwMode="black">
+          <a:xfrm>
+            <a:off x="1021080" y="351155"/>
+            <a:ext cx="6515735" cy="521970"/>
+          </a:xfrm>
+          <a:prstGeom prst="rect">
+            <a:avLst/>
+          </a:prstGeom>
+          <a:noFill/>
+          <a:ln>
+            <a:noFill/>
+          </a:ln>
+          <a:effectLst/>
+          <a:extLst>
+            <a:ext uri="{909E8E84-426E-40DD-AFC4-6F175D3DCCD1}">
+              <a14:hiddenFill xmlns:a14="http://schemas.microsoft.com/office/drawing/2010/main">
+                <a:solidFill>
+                  <a:schemeClr val="accent1"/>
+                </a:solidFill>
+              </a14:hiddenFill>
+            </a:ext>
+            <a:ext uri="{91240B29-F687-4F45-9708-019B960494DF}">
+              <a14:hiddenLine xmlns:a14="http://schemas.microsoft.com/office/drawing/2010/main" w="9525">
+                <a:solidFill>
+                  <a:schemeClr val="tx1"/>
+                </a:solidFill>
+                <a:miter lim="800000"/>
+                <a:headEnd/>
+                <a:tailEnd/>
+              </a14:hiddenLine>
+            </a:ext>
+            <a:ext uri="{AF507438-7753-43E0-B8FC-AC1667EBCBE1}">
+              <a14:hiddenEffects xmlns:a14="http://schemas.microsoft.com/office/drawing/2010/main">
+                <a:effectLst>
+                  <a:outerShdw dist="35921" dir="2700000" algn="ctr" rotWithShape="0">
+                    <a:schemeClr val="bg2"/>
+                  </a:outerShdw>
+                </a:effectLst>
+              </a14:hiddenEffects>
+            </a:ext>
+          </a:extLst>
+        </p:spPr>
+        <p:txBody>
+          <a:bodyPr wrap="square">
+            <a:spAutoFit/>
+          </a:bodyPr>
+          <a:lstStyle/>
+          <a:p>
+            <a:pPr marL="0" marR="0" lvl="0" indent="0" algn="l" defTabSz="914400" rtl="0" eaLnBrk="0" fontAlgn="auto" latinLnBrk="0" hangingPunct="0">
+              <a:lnSpc>
+                <a:spcPct val="100000"/>
+              </a:lnSpc>
+              <a:spcBef>
+                <a:spcPts val="0"/>
+              </a:spcBef>
+              <a:spcAft>
+                <a:spcPts val="0"/>
+              </a:spcAft>
+              <a:buClrTx/>
+              <a:buSzTx/>
+              <a:buFontTx/>
+              <a:buNone/>
+              <a:defRPr/>
+            </a:pPr>
+            <a:r>
+              <a:rPr kumimoji="0" lang="en-US" altLang="zh-CN" sz="2800" b="1" i="0" u="none" strike="noStrike" kern="1200" cap="none" spc="0" normalizeH="0" baseline="0" noProof="0" dirty="0">
+                <a:ln>
+                  <a:noFill/>
+                </a:ln>
+                <a:solidFill>
+                  <a:schemeClr val="tx1">
+                    <a:lumMod val="85000"/>
+                    <a:lumOff val="15000"/>
+                  </a:schemeClr>
+                </a:solidFill>
+                <a:effectLst/>
+                <a:uLnTx/>
+                <a:uFillTx/>
+                <a:latin typeface="Microsoft YaHei" panose="020B0503020204020204" pitchFamily="34" charset="-122"/>
+                <a:ea typeface="Microsoft YaHei" panose="020B0503020204020204" pitchFamily="34" charset="-122"/>
+                <a:cs typeface="+mn-cs"/>
+                <a:sym typeface="+mn-ea"/>
+              </a:rPr>
+              <a:t>Recursion Code Demo</a:t>
+            </a:r>
+            <a:endParaRPr kumimoji="0" lang="en-US" altLang="zh-CN" sz="2800" b="1" i="0" u="none" strike="noStrike" kern="1200" cap="none" spc="0" normalizeH="0" baseline="0" noProof="0" dirty="0">
+              <a:ln>
+                <a:noFill/>
+              </a:ln>
+              <a:solidFill>
+                <a:schemeClr val="tx1">
+                  <a:lumMod val="85000"/>
+                  <a:lumOff val="15000"/>
+                </a:schemeClr>
+              </a:solidFill>
+              <a:effectLst/>
+              <a:uLnTx/>
+              <a:uFillTx/>
+              <a:latin typeface="Microsoft YaHei" panose="020B0503020204020204" pitchFamily="34" charset="-122"/>
+              <a:ea typeface="Microsoft YaHei" panose="020B0503020204020204" pitchFamily="34" charset="-122"/>
+              <a:cs typeface="+mn-cs"/>
+              <a:sym typeface="+mn-ea"/>
+            </a:endParaRPr>
+          </a:p>
+        </p:txBody>
+      </p:sp>
+      <p:sp>
+        <p:nvSpPr>
+          <p:cNvPr id="3" name="Content Placeholder 2"/>
+          <p:cNvSpPr>
+            <a:spLocks noGrp="1"/>
+          </p:cNvSpPr>
+          <p:nvPr>
+            <p:ph idx="1"/>
+          </p:nvPr>
+        </p:nvSpPr>
+        <p:spPr/>
+        <p:txBody>
+          <a:bodyPr/>
+          <a:lstStyle/>
+          <a:p>
+            <a:r>
+              <a:rPr lang="en-US"/>
+              <a:t>fibonacci number revisited</a:t>
+            </a:r>
+            <a:endParaRPr lang="en-US"/>
+          </a:p>
+          <a:p>
+            <a:r>
+              <a:rPr lang="en-US"/>
+              <a:t>counting items of nested list</a:t>
+            </a:r>
+            <a:endParaRPr lang="en-US"/>
+          </a:p>
+        </p:txBody>
+      </p:sp>
+    </p:spTree>
+  </p:cSld>
+  <p:clrMapOvr>
+    <a:masterClrMapping/>
+  </p:clrMapOvr>
+  <p:transition spd="slow">
+    <p:wipe/>
+  </p:transition>
+</p:sld>
+</file>
+
+<file path=ppt/slides/slide13.xml><?xml version="1.0" encoding="utf-8"?>
 <p:sld xmlns:a="http://schemas.openxmlformats.org/drawingml/2006/main" xmlns:r="http://schemas.openxmlformats.org/officeDocument/2006/relationships" xmlns:p="http://schemas.openxmlformats.org/presentationml/2006/main">
   <p:cSld>
     <p:spTree>
@@ -5335,8 +6161,8 @@
         </p:nvSpPr>
         <p:spPr>
           <a:xfrm>
-            <a:off x="22225" y="336550"/>
-            <a:ext cx="3985895" cy="583565"/>
+            <a:off x="0" y="338455"/>
+            <a:ext cx="3255645" cy="583565"/>
           </a:xfrm>
           <a:prstGeom prst="rect">
             <a:avLst/>
@@ -5362,9 +6188,17 @@
                 </a:solidFill>
                 <a:latin typeface="Microsoft YaHei" panose="020B0503020204020204" pitchFamily="34" charset="-122"/>
                 <a:ea typeface="Microsoft YaHei" panose="020B0503020204020204" pitchFamily="34" charset="-122"/>
+                <a:sym typeface="+mn-ea"/>
               </a:rPr>
-              <a:t>Class Exercise</a:t>
-            </a:r>
+              <a:t>Algorithm</a:t>
+            </a:r>
+            <a:endParaRPr lang="en-US" altLang="zh-CN" sz="3200" b="1" dirty="0">
+              <a:solidFill>
+                <a:schemeClr val="bg1"/>
+              </a:solidFill>
+              <a:latin typeface="Microsoft YaHei" panose="020B0503020204020204" pitchFamily="34" charset="-122"/>
+              <a:ea typeface="Microsoft YaHei" panose="020B0503020204020204" pitchFamily="34" charset="-122"/>
+            </a:endParaRPr>
           </a:p>
         </p:txBody>
       </p:sp>
@@ -5450,7 +6284,7 @@
         </p:nvSpPr>
         <p:spPr>
           <a:xfrm>
-            <a:off x="4319588" y="2556510"/>
+            <a:off x="4319588" y="2498725"/>
             <a:ext cx="5067300" cy="583565"/>
           </a:xfrm>
           <a:prstGeom prst="rect">
@@ -5478,8 +6312,15 @@
                 <a:latin typeface="Microsoft YaHei" panose="020B0503020204020204" pitchFamily="34" charset="-122"/>
                 <a:ea typeface="Microsoft YaHei" panose="020B0503020204020204" pitchFamily="34" charset="-122"/>
               </a:rPr>
-              <a:t>Class Exercises</a:t>
-            </a:r>
+              <a:t>Divide &amp; Conquer</a:t>
+            </a:r>
+            <a:endParaRPr lang="en-US" altLang="zh-CN" sz="3200" b="1" dirty="0">
+              <a:solidFill>
+                <a:srgbClr val="05B780"/>
+              </a:solidFill>
+              <a:latin typeface="Microsoft YaHei" panose="020B0503020204020204" pitchFamily="34" charset="-122"/>
+              <a:ea typeface="Microsoft YaHei" panose="020B0503020204020204" pitchFamily="34" charset="-122"/>
+            </a:endParaRPr>
           </a:p>
         </p:txBody>
       </p:sp>
@@ -5610,8 +6451,15 @@
                   <a:latin typeface="Microsoft YaHei" panose="020B0503020204020204" pitchFamily="34" charset="-122"/>
                   <a:ea typeface="Microsoft YaHei" panose="020B0503020204020204" pitchFamily="34" charset="-122"/>
                 </a:rPr>
-                <a:t>04</a:t>
+                <a:t>03</a:t>
               </a:r>
+              <a:endParaRPr lang="en-US" altLang="zh-CN" sz="4400" b="1" dirty="0">
+                <a:solidFill>
+                  <a:schemeClr val="bg1"/>
+                </a:solidFill>
+                <a:latin typeface="Microsoft YaHei" panose="020B0503020204020204" pitchFamily="34" charset="-122"/>
+                <a:ea typeface="Microsoft YaHei" panose="020B0503020204020204" pitchFamily="34" charset="-122"/>
+              </a:endParaRPr>
             </a:p>
           </p:txBody>
         </p:sp>
@@ -5627,7 +6475,7 @@
 </p:sld>
 </file>
 
-<file path=ppt/slides/slide12.xml><?xml version="1.0" encoding="utf-8"?>
+<file path=ppt/slides/slide14.xml><?xml version="1.0" encoding="utf-8"?>
 <p:sld xmlns:a="http://schemas.openxmlformats.org/drawingml/2006/main" xmlns:r="http://schemas.openxmlformats.org/officeDocument/2006/relationships" xmlns:p="http://schemas.openxmlformats.org/presentationml/2006/main">
   <p:cSld>
     <p:spTree>
@@ -5809,8 +6657,15 @@
                 <a:latin typeface="Microsoft YaHei" panose="020B0503020204020204" pitchFamily="34" charset="-122"/>
                 <a:ea typeface="Microsoft YaHei" panose="020B0503020204020204" pitchFamily="34" charset="-122"/>
               </a:rPr>
-              <a:t>1.1</a:t>
-            </a:r>
+              <a:t>3.1</a:t>
+            </a:r>
+            <a:endParaRPr lang="en-US" altLang="zh-CN" sz="2800" b="1" dirty="0">
+              <a:solidFill>
+                <a:schemeClr val="bg1"/>
+              </a:solidFill>
+              <a:latin typeface="Microsoft YaHei" panose="020B0503020204020204" pitchFamily="34" charset="-122"/>
+              <a:ea typeface="Microsoft YaHei" panose="020B0503020204020204" pitchFamily="34" charset="-122"/>
+            </a:endParaRPr>
           </a:p>
         </p:txBody>
       </p:sp>
@@ -5905,8 +6760,26 @@
                 <a:cs typeface="+mn-cs"/>
                 <a:sym typeface="+mn-ea"/>
               </a:rPr>
-              <a:t>Fibonacci - Recursion</a:t>
-            </a:r>
+              <a:t>Divide-and-Conquer </a:t>
+            </a:r>
+            <a:endParaRPr kumimoji="0" lang="en-US" altLang="zh-CN" sz="2800" b="1" i="0" u="none" strike="noStrike" kern="1200" cap="none" spc="0" normalizeH="0" baseline="0" noProof="0" dirty="0">
+              <a:ln>
+                <a:noFill/>
+              </a:ln>
+              <a:solidFill>
+                <a:schemeClr val="tx1">
+                  <a:lumMod val="85000"/>
+                  <a:lumOff val="15000"/>
+                </a:schemeClr>
+              </a:solidFill>
+              <a:effectLst/>
+              <a:uLnTx/>
+              <a:uFillTx/>
+              <a:latin typeface="Microsoft YaHei" panose="020B0503020204020204" pitchFamily="34" charset="-122"/>
+              <a:ea typeface="Microsoft YaHei" panose="020B0503020204020204" pitchFamily="34" charset="-122"/>
+              <a:cs typeface="+mn-cs"/>
+              <a:sym typeface="+mn-ea"/>
+            </a:endParaRPr>
           </a:p>
         </p:txBody>
       </p:sp>
@@ -5925,16 +6798,102 @@
           <a:bodyPr/>
           <a:lstStyle/>
           <a:p>
-            <a:endParaRPr lang="en-US" dirty="0"/>
+            <a:r>
+              <a:rPr lang="en-US"/>
+              <a:t>Think about cutting a rope into 8 exact length pieces, without any instrument to measure</a:t>
+            </a:r>
+            <a:endParaRPr lang="en-US"/>
+          </a:p>
+          <a:p>
+            <a:pPr lvl="1"/>
+            <a:r>
+              <a:rPr lang="en-US"/>
+              <a:t>We have a hard time of estimating where to perform our cuts</a:t>
+            </a:r>
+            <a:endParaRPr lang="en-US"/>
+          </a:p>
+          <a:p>
+            <a:r>
+              <a:rPr lang="en-US"/>
+              <a:t>Solution:</a:t>
+            </a:r>
+            <a:endParaRPr lang="en-US"/>
+          </a:p>
+          <a:p>
+            <a:pPr lvl="1"/>
+            <a:r>
+              <a:rPr lang="en-US"/>
+              <a:t>We fold the rope in half</a:t>
+            </a:r>
+            <a:endParaRPr lang="en-US"/>
+          </a:p>
+          <a:p>
+            <a:pPr lvl="1"/>
+            <a:r>
+              <a:rPr lang="en-US"/>
+              <a:t>We fold again</a:t>
+            </a:r>
+            <a:endParaRPr lang="en-US"/>
+          </a:p>
+          <a:p>
+            <a:pPr lvl="1"/>
+            <a:r>
+              <a:rPr lang="en-US"/>
+              <a:t>Cut through the middle and two ends</a:t>
+            </a:r>
+            <a:endParaRPr lang="en-US"/>
+          </a:p>
+          <a:p>
+            <a:pPr lvl="1"/>
+            <a:r>
+              <a:rPr lang="en-US"/>
+              <a:t>We have 8 (almost) exact length pieces</a:t>
+            </a:r>
+            <a:endParaRPr lang="en-US"/>
+          </a:p>
+          <a:p>
+            <a:pPr lvl="0"/>
+            <a:r>
+              <a:rPr lang="en-US"/>
+              <a:t>We can solve a </a:t>
+            </a:r>
+            <a:r>
+              <a:rPr lang="en-US" b="1"/>
+              <a:t>Base Case</a:t>
+            </a:r>
+            <a:r>
+              <a:rPr lang="en-US"/>
+              <a:t> fairly easily (cutting the middle)</a:t>
+            </a:r>
+            <a:endParaRPr lang="en-US"/>
+          </a:p>
+          <a:p>
+            <a:pPr lvl="0"/>
+            <a:r>
+              <a:rPr lang="en-US"/>
+              <a:t>We can </a:t>
+            </a:r>
+            <a:r>
+              <a:rPr lang="en-US" b="1"/>
+              <a:t>divide</a:t>
+            </a:r>
+            <a:r>
+              <a:rPr lang="en-US"/>
+              <a:t> our problem into subproblems, and continue to apply the </a:t>
+            </a:r>
+            <a:r>
+              <a:rPr lang="en-US" b="1"/>
+              <a:t>Base Case</a:t>
+            </a:r>
+            <a:r>
+              <a:rPr lang="en-US"/>
+              <a:t> solution</a:t>
+            </a:r>
+            <a:endParaRPr lang="en-US"/>
           </a:p>
         </p:txBody>
       </p:sp>
     </p:spTree>
-    <p:extLst>
-      <p:ext uri="{BB962C8B-B14F-4D97-AF65-F5344CB8AC3E}">
-        <p14:creationId xmlns:p14="http://schemas.microsoft.com/office/powerpoint/2010/main" val="3897927343"/>
-      </p:ext>
-    </p:extLst>
   </p:cSld>
   <p:clrMapOvr>
     <a:masterClrMapping/>
@@ -5945,7 +6904,7 @@
 </p:sld>
 </file>
 
-<file path=ppt/slides/slide13.xml><?xml version="1.0" encoding="utf-8"?>
+<file path=ppt/slides/slide15.xml><?xml version="1.0" encoding="utf-8"?>
 <p:sld xmlns:a="http://schemas.openxmlformats.org/drawingml/2006/main" xmlns:r="http://schemas.openxmlformats.org/officeDocument/2006/relationships" xmlns:p="http://schemas.openxmlformats.org/presentationml/2006/main">
   <p:cSld>
     <p:spTree>
@@ -6127,8 +7086,15 @@
                 <a:latin typeface="Microsoft YaHei" panose="020B0503020204020204" pitchFamily="34" charset="-122"/>
                 <a:ea typeface="Microsoft YaHei" panose="020B0503020204020204" pitchFamily="34" charset="-122"/>
               </a:rPr>
-              <a:t>1.1</a:t>
-            </a:r>
+              <a:t>3.2</a:t>
+            </a:r>
+            <a:endParaRPr lang="en-US" altLang="zh-CN" sz="2800" b="1" dirty="0">
+              <a:solidFill>
+                <a:schemeClr val="bg1"/>
+              </a:solidFill>
+              <a:latin typeface="Microsoft YaHei" panose="020B0503020204020204" pitchFamily="34" charset="-122"/>
+              <a:ea typeface="Microsoft YaHei" panose="020B0503020204020204" pitchFamily="34" charset="-122"/>
+            </a:endParaRPr>
           </a:p>
         </p:txBody>
       </p:sp>
@@ -6205,7 +7171,7 @@
               <a:defRPr/>
             </a:pPr>
             <a:r>
-              <a:rPr kumimoji="0" lang="en-US" altLang="zh-CN" sz="2800" b="1" i="0" u="none" strike="noStrike" kern="1200" cap="none" spc="0" normalizeH="0" baseline="0" noProof="0">
+              <a:rPr kumimoji="0" lang="en-US" altLang="zh-CN" sz="2800" b="1" i="0" u="none" strike="noStrike" kern="1200" cap="none" spc="0" normalizeH="0" baseline="0" noProof="0" dirty="0">
                 <a:ln>
                   <a:noFill/>
                 </a:ln>
@@ -6223,7 +7189,7 @@
                 <a:cs typeface="+mn-cs"/>
                 <a:sym typeface="+mn-ea"/>
               </a:rPr>
-              <a:t>Tree Traversals - Recursion</a:t>
+              <a:t>Divide-and-Conquer Template</a:t>
             </a:r>
             <a:endParaRPr kumimoji="0" lang="en-US" altLang="zh-CN" sz="2800" b="1" i="0" u="none" strike="noStrike" kern="1200" cap="none" spc="0" normalizeH="0" baseline="0" noProof="0" dirty="0">
               <a:ln>
@@ -6261,16 +7227,107 @@
           <a:bodyPr/>
           <a:lstStyle/>
           <a:p>
-            <a:endParaRPr lang="en-US" dirty="0"/>
+            <a:r>
+              <a:rPr lang="en-US"/>
+              <a:t>Given a problem of size n:</a:t>
+            </a:r>
+            <a:endParaRPr lang="en-US"/>
+          </a:p>
+          <a:p>
+            <a:pPr lvl="1"/>
+            <a:r>
+              <a:rPr lang="en-US"/>
+              <a:t>1) </a:t>
+            </a:r>
+            <a:r>
+              <a:rPr lang="en-US" b="1"/>
+              <a:t>Divide</a:t>
+            </a:r>
+            <a:r>
+              <a:rPr lang="en-US"/>
+              <a:t> the problem into k subproblems of size n/k each</a:t>
+            </a:r>
+            <a:endParaRPr lang="en-US"/>
+          </a:p>
+          <a:p>
+            <a:pPr lvl="1"/>
+            <a:r>
+              <a:rPr lang="en-US"/>
+              <a:t>2) </a:t>
+            </a:r>
+            <a:r>
+              <a:rPr lang="en-US" b="1"/>
+              <a:t>Conquer</a:t>
+            </a:r>
+            <a:r>
+              <a:rPr lang="en-US"/>
+              <a:t> by solving each subproblem independently</a:t>
+            </a:r>
+            <a:endParaRPr lang="en-US"/>
+          </a:p>
+          <a:p>
+            <a:pPr lvl="1"/>
+            <a:r>
+              <a:rPr lang="en-US"/>
+              <a:t>3) </a:t>
+            </a:r>
+            <a:r>
+              <a:rPr lang="en-US" b="1"/>
+              <a:t>Combine</a:t>
+            </a:r>
+            <a:r>
+              <a:rPr lang="en-US"/>
+              <a:t> the k solutions to subproblems into a solution to the original problem</a:t>
+            </a:r>
+            <a:endParaRPr lang="en-US"/>
+          </a:p>
+          <a:p>
+            <a:pPr lvl="0"/>
+            <a:endParaRPr lang="en-US"/>
+          </a:p>
+          <a:p>
+            <a:pPr lvl="0"/>
+            <a:r>
+              <a:rPr lang="en-US"/>
+              <a:t>Often, </a:t>
+            </a:r>
+            <a:r>
+              <a:rPr lang="en-US" b="1"/>
+              <a:t>Recursion</a:t>
+            </a:r>
+            <a:r>
+              <a:rPr lang="en-US"/>
+              <a:t> is used when implementing a DAC algorithm</a:t>
+            </a:r>
+            <a:endParaRPr lang="en-US"/>
+          </a:p>
+          <a:p>
+            <a:pPr lvl="0"/>
+            <a:r>
+              <a:rPr lang="en-US"/>
+              <a:t>Sometimes, we may not need to explicitly perform </a:t>
+            </a:r>
+            <a:r>
+              <a:rPr lang="en-US" b="1"/>
+              <a:t>Combine</a:t>
+            </a:r>
+            <a:r>
+              <a:rPr lang="en-US"/>
+              <a:t> step</a:t>
+            </a:r>
+            <a:endParaRPr lang="en-US"/>
+          </a:p>
+          <a:p>
+            <a:pPr lvl="1"/>
+            <a:r>
+              <a:rPr lang="en-US"/>
+              <a:t>ie. Binary Search</a:t>
+            </a:r>
+            <a:endParaRPr lang="en-US"/>
           </a:p>
         </p:txBody>
       </p:sp>
     </p:spTree>
-    <p:extLst>
-      <p:ext uri="{BB962C8B-B14F-4D97-AF65-F5344CB8AC3E}">
-        <p14:creationId xmlns:p14="http://schemas.microsoft.com/office/powerpoint/2010/main" val="2751115421"/>
-      </p:ext>
-    </p:extLst>
   </p:cSld>
   <p:clrMapOvr>
     <a:masterClrMapping/>
@@ -6281,7 +7338,7 @@
 </p:sld>
 </file>
 
-<file path=ppt/slides/slide14.xml><?xml version="1.0" encoding="utf-8"?>
+<file path=ppt/slides/slide16.xml><?xml version="1.0" encoding="utf-8"?>
 <p:sld xmlns:a="http://schemas.openxmlformats.org/drawingml/2006/main" xmlns:r="http://schemas.openxmlformats.org/officeDocument/2006/relationships" xmlns:p="http://schemas.openxmlformats.org/presentationml/2006/main">
   <p:cSld>
     <p:spTree>
@@ -6463,8 +7520,15 @@
                 <a:latin typeface="Microsoft YaHei" panose="020B0503020204020204" pitchFamily="34" charset="-122"/>
                 <a:ea typeface="Microsoft YaHei" panose="020B0503020204020204" pitchFamily="34" charset="-122"/>
               </a:rPr>
-              <a:t>1.1</a:t>
-            </a:r>
+              <a:t>3.3</a:t>
+            </a:r>
+            <a:endParaRPr lang="en-US" altLang="zh-CN" sz="2800" b="1" dirty="0">
+              <a:solidFill>
+                <a:schemeClr val="bg1"/>
+              </a:solidFill>
+              <a:latin typeface="Microsoft YaHei" panose="020B0503020204020204" pitchFamily="34" charset="-122"/>
+              <a:ea typeface="Microsoft YaHei" panose="020B0503020204020204" pitchFamily="34" charset="-122"/>
+            </a:endParaRPr>
           </a:p>
         </p:txBody>
       </p:sp>
@@ -6559,27 +7623,251 @@
                 <a:cs typeface="+mn-cs"/>
                 <a:sym typeface="+mn-ea"/>
               </a:rPr>
-              <a:t>Merge Sort</a:t>
-            </a:r>
+              <a:t>DAC with Two Subproblems</a:t>
+            </a:r>
+            <a:endParaRPr kumimoji="0" lang="en-US" altLang="zh-CN" sz="2800" b="1" i="0" u="none" strike="noStrike" kern="1200" cap="none" spc="0" normalizeH="0" baseline="0" noProof="0" dirty="0">
+              <a:ln>
+                <a:noFill/>
+              </a:ln>
+              <a:solidFill>
+                <a:schemeClr val="tx1">
+                  <a:lumMod val="85000"/>
+                  <a:lumOff val="15000"/>
+                </a:schemeClr>
+              </a:solidFill>
+              <a:effectLst/>
+              <a:uLnTx/>
+              <a:uFillTx/>
+              <a:latin typeface="Microsoft YaHei" panose="020B0503020204020204" pitchFamily="34" charset="-122"/>
+              <a:ea typeface="Microsoft YaHei" panose="020B0503020204020204" pitchFamily="34" charset="-122"/>
+              <a:cs typeface="+mn-cs"/>
+              <a:sym typeface="+mn-ea"/>
+            </a:endParaRPr>
+          </a:p>
+        </p:txBody>
+      </p:sp>
+      <p:pic>
+        <p:nvPicPr>
+          <p:cNvPr id="4" name="Content Placeholder 3"/>
+          <p:cNvPicPr>
+            <a:picLocks noChangeAspect="1"/>
+          </p:cNvPicPr>
+          <p:nvPr>
+            <p:ph idx="1"/>
+          </p:nvPr>
+        </p:nvPicPr>
+        <p:blipFill>
+          <a:blip r:embed="rId1"/>
+          <a:stretch>
+            <a:fillRect/>
+          </a:stretch>
+        </p:blipFill>
+        <p:spPr>
+          <a:xfrm>
+            <a:off x="2738120" y="1423035"/>
+            <a:ext cx="6716395" cy="4351655"/>
+          </a:xfrm>
+          <a:prstGeom prst="rect">
+            <a:avLst/>
+          </a:prstGeom>
+          <a:noFill/>
+          <a:ln w="9525">
+            <a:noFill/>
+          </a:ln>
+        </p:spPr>
+      </p:pic>
+      <p:sp>
+        <p:nvSpPr>
+          <p:cNvPr id="2" name="Text Box 1"/>
+          <p:cNvSpPr txBox="1"/>
+          <p:nvPr/>
+        </p:nvSpPr>
+        <p:spPr>
+          <a:xfrm>
+            <a:off x="1216660" y="5714365"/>
+            <a:ext cx="10456545" cy="368300"/>
+          </a:xfrm>
+          <a:prstGeom prst="rect">
+            <a:avLst/>
+          </a:prstGeom>
+          <a:noFill/>
+        </p:spPr>
+        <p:txBody>
+          <a:bodyPr wrap="square" rtlCol="0">
+            <a:spAutoFit/>
+          </a:bodyPr>
+          <a:p>
+            <a:r>
+              <a:rPr lang="en-US"/>
+              <a:t>Think back to our rope example, let’s say we wanted 8 pieces arranged side-by-side</a:t>
+            </a:r>
+            <a:endParaRPr lang="en-US"/>
           </a:p>
         </p:txBody>
       </p:sp>
       <p:sp>
         <p:nvSpPr>
-          <p:cNvPr id="3" name="Content Placeholder 2"/>
-          <p:cNvSpPr>
-            <a:spLocks noGrp="1"/>
-          </p:cNvSpPr>
-          <p:nvPr>
-            <p:ph idx="1"/>
-          </p:nvPr>
+          <p:cNvPr id="5" name="Left Brace 4"/>
+          <p:cNvSpPr/>
+          <p:nvPr/>
         </p:nvSpPr>
-        <p:spPr/>
+        <p:spPr>
+          <a:xfrm rot="16200000">
+            <a:off x="6473190" y="5718810"/>
+            <a:ext cx="172720" cy="765810"/>
+          </a:xfrm>
+          <a:prstGeom prst="leftBrace">
+            <a:avLst/>
+          </a:prstGeom>
+          <a:ln>
+            <a:solidFill>
+              <a:srgbClr val="FF0000"/>
+            </a:solidFill>
+          </a:ln>
+        </p:spPr>
+        <p:style>
+          <a:lnRef idx="1">
+            <a:schemeClr val="accent1"/>
+          </a:lnRef>
+          <a:fillRef idx="0">
+            <a:schemeClr val="accent1"/>
+          </a:fillRef>
+          <a:effectRef idx="0">
+            <a:schemeClr val="accent1"/>
+          </a:effectRef>
+          <a:fontRef idx="minor">
+            <a:schemeClr val="tx1"/>
+          </a:fontRef>
+        </p:style>
         <p:txBody>
-          <a:bodyPr/>
-          <a:lstStyle/>
-          <a:p>
-            <a:endParaRPr lang="en-US" dirty="0"/>
+          <a:bodyPr rtlCol="0" anchor="ctr"/>
+          <a:p>
+            <a:pPr algn="ctr"/>
+            <a:endParaRPr lang="en-US"/>
+          </a:p>
+        </p:txBody>
+      </p:sp>
+      <p:sp>
+        <p:nvSpPr>
+          <p:cNvPr id="6" name="Left Brace 5"/>
+          <p:cNvSpPr/>
+          <p:nvPr/>
+        </p:nvSpPr>
+        <p:spPr>
+          <a:xfrm rot="16200000">
+            <a:off x="7927340" y="5120005"/>
+            <a:ext cx="173355" cy="1964055"/>
+          </a:xfrm>
+          <a:prstGeom prst="leftBrace">
+            <a:avLst/>
+          </a:prstGeom>
+          <a:ln>
+            <a:solidFill>
+              <a:srgbClr val="00B050"/>
+            </a:solidFill>
+          </a:ln>
+        </p:spPr>
+        <p:style>
+          <a:lnRef idx="1">
+            <a:schemeClr val="accent1"/>
+          </a:lnRef>
+          <a:fillRef idx="0">
+            <a:schemeClr val="accent1"/>
+          </a:fillRef>
+          <a:effectRef idx="0">
+            <a:schemeClr val="accent1"/>
+          </a:effectRef>
+          <a:fontRef idx="minor">
+            <a:schemeClr val="tx1"/>
+          </a:fontRef>
+        </p:style>
+        <p:txBody>
+          <a:bodyPr rtlCol="0" anchor="ctr"/>
+          <a:p>
+            <a:pPr algn="ctr"/>
+            <a:endParaRPr lang="en-US"/>
+          </a:p>
+        </p:txBody>
+      </p:sp>
+      <p:sp>
+        <p:nvSpPr>
+          <p:cNvPr id="7" name="Text Box 6"/>
+          <p:cNvSpPr txBox="1"/>
+          <p:nvPr/>
+        </p:nvSpPr>
+        <p:spPr>
+          <a:xfrm>
+            <a:off x="6296025" y="6188710"/>
+            <a:ext cx="929640" cy="368300"/>
+          </a:xfrm>
+          <a:prstGeom prst="rect">
+            <a:avLst/>
+          </a:prstGeom>
+          <a:noFill/>
+        </p:spPr>
+        <p:txBody>
+          <a:bodyPr wrap="square" rtlCol="0">
+            <a:spAutoFit/>
+          </a:bodyPr>
+          <a:p>
+            <a:r>
+              <a:rPr lang="en-US">
+                <a:ln>
+                  <a:solidFill>
+                    <a:srgbClr val="FF0000"/>
+                  </a:solidFill>
+                </a:ln>
+              </a:rPr>
+              <a:t>DAC</a:t>
+            </a:r>
+            <a:endParaRPr lang="en-US">
+              <a:ln>
+                <a:solidFill>
+                  <a:srgbClr val="FF0000"/>
+                </a:solidFill>
+              </a:ln>
+            </a:endParaRPr>
+          </a:p>
+        </p:txBody>
+      </p:sp>
+      <p:sp>
+        <p:nvSpPr>
+          <p:cNvPr id="8" name="Text Box 7"/>
+          <p:cNvSpPr txBox="1"/>
+          <p:nvPr/>
+        </p:nvSpPr>
+        <p:spPr>
+          <a:xfrm>
+            <a:off x="7536815" y="6188075"/>
+            <a:ext cx="1332230" cy="368300"/>
+          </a:xfrm>
+          <a:prstGeom prst="rect">
+            <a:avLst/>
+          </a:prstGeom>
+          <a:noFill/>
+        </p:spPr>
+        <p:txBody>
+          <a:bodyPr wrap="square" rtlCol="0">
+            <a:spAutoFit/>
+          </a:bodyPr>
+          <a:p>
+            <a:r>
+              <a:rPr lang="en-US">
+                <a:ln>
+                  <a:solidFill>
+                    <a:srgbClr val="00B050"/>
+                  </a:solidFill>
+                </a:ln>
+              </a:rPr>
+              <a:t>Combine</a:t>
+            </a:r>
+            <a:endParaRPr lang="en-US">
+              <a:ln>
+                <a:solidFill>
+                  <a:srgbClr val="00B050"/>
+                </a:solidFill>
+              </a:ln>
+            </a:endParaRPr>
           </a:p>
         </p:txBody>
       </p:sp>
@@ -6594,7 +7882,7 @@
 </p:sld>
 </file>
 
-<file path=ppt/slides/slide15.xml><?xml version="1.0" encoding="utf-8"?>
+<file path=ppt/slides/slide17.xml><?xml version="1.0" encoding="utf-8"?>
 <p:sld xmlns:a="http://schemas.openxmlformats.org/drawingml/2006/main" xmlns:r="http://schemas.openxmlformats.org/officeDocument/2006/relationships" xmlns:p="http://schemas.openxmlformats.org/presentationml/2006/main">
   <p:cSld>
     <p:spTree>
@@ -6776,8 +8064,15 @@
                 <a:latin typeface="Microsoft YaHei" panose="020B0503020204020204" pitchFamily="34" charset="-122"/>
                 <a:ea typeface="Microsoft YaHei" panose="020B0503020204020204" pitchFamily="34" charset="-122"/>
               </a:rPr>
-              <a:t>4.4</a:t>
-            </a:r>
+              <a:t>3.4</a:t>
+            </a:r>
+            <a:endParaRPr lang="en-US" altLang="zh-CN" sz="2800" b="1" dirty="0">
+              <a:solidFill>
+                <a:schemeClr val="bg1"/>
+              </a:solidFill>
+              <a:latin typeface="Microsoft YaHei" panose="020B0503020204020204" pitchFamily="34" charset="-122"/>
+              <a:ea typeface="Microsoft YaHei" panose="020B0503020204020204" pitchFamily="34" charset="-122"/>
+            </a:endParaRPr>
           </a:p>
         </p:txBody>
       </p:sp>
@@ -6791,8 +8086,8 @@
         </p:nvSpPr>
         <p:spPr bwMode="black">
           <a:xfrm>
-            <a:off x="1021080" y="334010"/>
-            <a:ext cx="8777605" cy="1384995"/>
+            <a:off x="1021080" y="351155"/>
+            <a:ext cx="6515735" cy="521970"/>
           </a:xfrm>
           <a:prstGeom prst="rect">
             <a:avLst/>
@@ -6837,13 +8132,20 @@
           </a:bodyPr>
           <a:lstStyle/>
           <a:p>
-            <a:pPr eaLnBrk="0" fontAlgn="auto" hangingPunct="0">
+            <a:pPr marL="0" marR="0" lvl="0" indent="0" algn="l" defTabSz="914400" rtl="0" eaLnBrk="0" fontAlgn="auto" latinLnBrk="0" hangingPunct="0">
+              <a:lnSpc>
+                <a:spcPct val="100000"/>
+              </a:lnSpc>
               <a:spcBef>
                 <a:spcPts val="0"/>
               </a:spcBef>
               <a:spcAft>
                 <a:spcPts val="0"/>
               </a:spcAft>
+              <a:buClrTx/>
+              <a:buSzTx/>
+              <a:buFontTx/>
+              <a:buNone/>
               <a:defRPr/>
             </a:pPr>
             <a:r>
@@ -6865,58 +8167,8 @@
                 <a:cs typeface="+mn-cs"/>
                 <a:sym typeface="+mn-ea"/>
               </a:rPr>
-              <a:t>Homework</a:t>
-            </a:r>
-          </a:p>
-          <a:p>
-            <a:pPr eaLnBrk="0" fontAlgn="auto" hangingPunct="0">
-              <a:spcBef>
-                <a:spcPts val="0"/>
-              </a:spcBef>
-              <a:spcAft>
-                <a:spcPts val="0"/>
-              </a:spcAft>
-              <a:defRPr/>
-            </a:pPr>
-            <a:r>
-              <a:rPr kumimoji="0" lang="en-US" altLang="zh-CN" sz="2800" b="1" i="0" u="none" strike="noStrike" kern="1200" cap="none" spc="0" normalizeH="0" baseline="0" noProof="0" dirty="0">
-                <a:ln>
-                  <a:noFill/>
-                </a:ln>
-                <a:solidFill>
-                  <a:schemeClr val="tx1">
-                    <a:lumMod val="85000"/>
-                    <a:lumOff val="15000"/>
-                  </a:schemeClr>
-                </a:solidFill>
-                <a:effectLst/>
-                <a:uLnTx/>
-                <a:uFillTx/>
-                <a:latin typeface="Microsoft YaHei" panose="020B0503020204020204" pitchFamily="34" charset="-122"/>
-                <a:ea typeface="Microsoft YaHei" panose="020B0503020204020204" pitchFamily="34" charset="-122"/>
-                <a:cs typeface="+mn-cs"/>
-                <a:sym typeface="+mn-ea"/>
-              </a:rPr>
-              <a:t>Best Time to Buy/Sell Stocks</a:t>
-            </a:r>
-          </a:p>
-          <a:p>
-            <a:pPr marL="0" marR="0" lvl="0" indent="0" algn="l" defTabSz="914400" rtl="0" eaLnBrk="0" fontAlgn="auto" latinLnBrk="0" hangingPunct="0">
-              <a:lnSpc>
-                <a:spcPct val="100000"/>
-              </a:lnSpc>
-              <a:spcBef>
-                <a:spcPts val="0"/>
-              </a:spcBef>
-              <a:spcAft>
-                <a:spcPts val="0"/>
-              </a:spcAft>
-              <a:buClrTx/>
-              <a:buSzTx/>
-              <a:buFontTx/>
-              <a:buNone/>
-              <a:defRPr/>
-            </a:pPr>
+              <a:t>Divide and Conquer Use Cases</a:t>
+            </a:r>
             <a:endParaRPr kumimoji="0" lang="en-US" altLang="zh-CN" sz="2800" b="1" i="0" u="none" strike="noStrike" kern="1200" cap="none" spc="0" normalizeH="0" baseline="0" noProof="0" dirty="0">
               <a:ln>
                 <a:noFill/>
@@ -6948,17 +8200,56 @@
             <p:ph idx="1"/>
           </p:nvPr>
         </p:nvSpPr>
-        <p:spPr>
-          <a:xfrm>
-            <a:off x="890588" y="1494359"/>
-            <a:ext cx="10515600" cy="4351338"/>
-          </a:xfrm>
-        </p:spPr>
+        <p:spPr/>
         <p:txBody>
           <a:bodyPr/>
           <a:lstStyle/>
           <a:p>
-            <a:endParaRPr lang="en-US" sz="1710" dirty="0"/>
+            <a:r>
+              <a:rPr lang="en-US" dirty="0"/>
+              <a:t>There are many problems that can be solved using DAC</a:t>
+            </a:r>
+            <a:endParaRPr lang="en-US" dirty="0"/>
+          </a:p>
+          <a:p>
+            <a:pPr lvl="1"/>
+            <a:r>
+              <a:rPr lang="en-US" dirty="0"/>
+              <a:t>Binary Search, Merge/Quick sort</a:t>
+            </a:r>
+            <a:endParaRPr lang="en-US" dirty="0"/>
+          </a:p>
+          <a:p>
+            <a:pPr lvl="1"/>
+            <a:r>
+              <a:rPr lang="en-US" dirty="0"/>
+              <a:t>Polynomial/Matrix multiplication, Exponentiation</a:t>
+            </a:r>
+            <a:endParaRPr lang="en-US" dirty="0"/>
+          </a:p>
+          <a:p>
+            <a:pPr lvl="1"/>
+            <a:r>
+              <a:rPr lang="en-US" dirty="0"/>
+              <a:t>Order Statistics</a:t>
+            </a:r>
+            <a:endParaRPr lang="en-US" dirty="0"/>
+          </a:p>
+          <a:p>
+            <a:pPr lvl="1"/>
+            <a:r>
+              <a:rPr lang="en-US" dirty="0"/>
+              <a:t>Stock Profit</a:t>
+            </a:r>
+            <a:endParaRPr lang="en-US" dirty="0"/>
+          </a:p>
+          <a:p>
+            <a:pPr lvl="1"/>
+            <a:r>
+              <a:rPr lang="en-US" dirty="0"/>
+              <a:t>Closest Point Pairs, Merge/Quick Hull</a:t>
+            </a:r>
+            <a:endParaRPr lang="en-US" dirty="0"/>
           </a:p>
         </p:txBody>
       </p:sp>
@@ -6973,7 +8264,7 @@
 </p:sld>
 </file>
 
-<file path=ppt/slides/slide16.xml><?xml version="1.0" encoding="utf-8"?>
+<file path=ppt/slides/slide18.xml><?xml version="1.0" encoding="utf-8"?>
 <p:sld xmlns:a="http://schemas.openxmlformats.org/drawingml/2006/main" xmlns:r="http://schemas.openxmlformats.org/officeDocument/2006/relationships" xmlns:p="http://schemas.openxmlformats.org/presentationml/2006/main">
   <p:cSld>
     <p:spTree>
@@ -6992,58 +8283,28 @@
       </p:grpSpPr>
       <p:sp>
         <p:nvSpPr>
-          <p:cNvPr id="27" name="任意多边形 26"/>
+          <p:cNvPr id="15" name="任意多边形 14"/>
           <p:cNvSpPr/>
           <p:nvPr/>
         </p:nvSpPr>
         <p:spPr>
-          <a:xfrm rot="1105229">
-            <a:off x="879475" y="-420687"/>
-            <a:ext cx="10955338" cy="8162925"/>
+          <a:xfrm>
+            <a:off x="0" y="274638"/>
+            <a:ext cx="890588" cy="639763"/>
           </a:xfrm>
           <a:custGeom>
             <a:avLst/>
             <a:gdLst>
-              <a:gd name="connsiteX0" fmla="*/ 592396 w 10955364"/>
-              <a:gd name="connsiteY0" fmla="*/ 1850814 h 8163749"/>
-              <a:gd name="connsiteX1" fmla="*/ 1543995 w 10955364"/>
-              <a:gd name="connsiteY1" fmla="*/ 1533881 h 8163749"/>
-              <a:gd name="connsiteX2" fmla="*/ 6955594 w 10955364"/>
-              <a:gd name="connsiteY2" fmla="*/ 1533882 h 8163749"/>
-              <a:gd name="connsiteX3" fmla="*/ 5829846 w 10955364"/>
-              <a:gd name="connsiteY3" fmla="*/ 106467 h 8163749"/>
-              <a:gd name="connsiteX4" fmla="*/ 6149516 w 10955364"/>
-              <a:gd name="connsiteY4" fmla="*/ 0 h 8163749"/>
-              <a:gd name="connsiteX5" fmla="*/ 9448032 w 10955364"/>
-              <a:gd name="connsiteY5" fmla="*/ 4182420 h 8163749"/>
-              <a:gd name="connsiteX6" fmla="*/ 10818039 w 10955364"/>
-              <a:gd name="connsiteY6" fmla="*/ 1649166 h 8163749"/>
-              <a:gd name="connsiteX7" fmla="*/ 10955364 w 10955364"/>
-              <a:gd name="connsiteY7" fmla="*/ 2061488 h 8163749"/>
-              <a:gd name="connsiteX8" fmla="*/ 8602988 w 10955364"/>
-              <a:gd name="connsiteY8" fmla="*/ 6411222 h 8163749"/>
-              <a:gd name="connsiteX9" fmla="*/ 8163520 w 10955364"/>
-              <a:gd name="connsiteY9" fmla="*/ 6557588 h 8163749"/>
-              <a:gd name="connsiteX10" fmla="*/ 9283839 w 10955364"/>
-              <a:gd name="connsiteY10" fmla="*/ 4486027 h 8163749"/>
-              <a:gd name="connsiteX11" fmla="*/ 7205549 w 10955364"/>
-              <a:gd name="connsiteY11" fmla="*/ 1850816 h 8163749"/>
-              <a:gd name="connsiteX12" fmla="*/ 3551417 w 10955364"/>
-              <a:gd name="connsiteY12" fmla="*/ 1850816 h 8163749"/>
-              <a:gd name="connsiteX13" fmla="*/ 1816446 w 10955364"/>
-              <a:gd name="connsiteY13" fmla="*/ 5058920 h 8163749"/>
-              <a:gd name="connsiteX14" fmla="*/ 4088911 w 10955364"/>
-              <a:gd name="connsiteY14" fmla="*/ 7914648 h 8163749"/>
-              <a:gd name="connsiteX15" fmla="*/ 3768735 w 10955364"/>
-              <a:gd name="connsiteY15" fmla="*/ 8021284 h 8163749"/>
-              <a:gd name="connsiteX16" fmla="*/ 1652559 w 10955364"/>
-              <a:gd name="connsiteY16" fmla="*/ 5361960 h 8163749"/>
-              <a:gd name="connsiteX17" fmla="*/ 137325 w 10955364"/>
-              <a:gd name="connsiteY17" fmla="*/ 8163749 h 8163749"/>
-              <a:gd name="connsiteX18" fmla="*/ 0 w 10955364"/>
-              <a:gd name="connsiteY18" fmla="*/ 7751427 h 8163749"/>
-              <a:gd name="connsiteX19" fmla="*/ 3191107 w 10955364"/>
-              <a:gd name="connsiteY19" fmla="*/ 1850815 h 8163749"/>
+              <a:gd name="connsiteX0" fmla="*/ 0 w 1029743"/>
+              <a:gd name="connsiteY0" fmla="*/ 0 h 739718"/>
+              <a:gd name="connsiteX1" fmla="*/ 659884 w 1029743"/>
+              <a:gd name="connsiteY1" fmla="*/ 0 h 739718"/>
+              <a:gd name="connsiteX2" fmla="*/ 1029743 w 1029743"/>
+              <a:gd name="connsiteY2" fmla="*/ 369859 h 739718"/>
+              <a:gd name="connsiteX3" fmla="*/ 659884 w 1029743"/>
+              <a:gd name="connsiteY3" fmla="*/ 739718 h 739718"/>
+              <a:gd name="connsiteX4" fmla="*/ 0 w 1029743"/>
+              <a:gd name="connsiteY4" fmla="*/ 739718 h 739718"/>
             </a:gdLst>
             <a:ahLst/>
             <a:cxnLst>
@@ -7062,114 +8323,28 @@
               <a:cxn ang="0">
                 <a:pos x="connsiteX4" y="connsiteY4"/>
               </a:cxn>
-              <a:cxn ang="0">
-                <a:pos x="connsiteX5" y="connsiteY5"/>
-              </a:cxn>
-              <a:cxn ang="0">
-                <a:pos x="connsiteX6" y="connsiteY6"/>
-              </a:cxn>
-              <a:cxn ang="0">
-                <a:pos x="connsiteX7" y="connsiteY7"/>
-              </a:cxn>
-              <a:cxn ang="0">
-                <a:pos x="connsiteX8" y="connsiteY8"/>
-              </a:cxn>
-              <a:cxn ang="0">
-                <a:pos x="connsiteX9" y="connsiteY9"/>
-              </a:cxn>
-              <a:cxn ang="0">
-                <a:pos x="connsiteX10" y="connsiteY10"/>
-              </a:cxn>
-              <a:cxn ang="0">
-                <a:pos x="connsiteX11" y="connsiteY11"/>
-              </a:cxn>
-              <a:cxn ang="0">
-                <a:pos x="connsiteX12" y="connsiteY12"/>
-              </a:cxn>
-              <a:cxn ang="0">
-                <a:pos x="connsiteX13" y="connsiteY13"/>
-              </a:cxn>
-              <a:cxn ang="0">
-                <a:pos x="connsiteX14" y="connsiteY14"/>
-              </a:cxn>
-              <a:cxn ang="0">
-                <a:pos x="connsiteX15" y="connsiteY15"/>
-              </a:cxn>
-              <a:cxn ang="0">
-                <a:pos x="connsiteX16" y="connsiteY16"/>
-              </a:cxn>
-              <a:cxn ang="0">
-                <a:pos x="connsiteX17" y="connsiteY17"/>
-              </a:cxn>
-              <a:cxn ang="0">
-                <a:pos x="connsiteX18" y="connsiteY18"/>
-              </a:cxn>
-              <a:cxn ang="0">
-                <a:pos x="connsiteX19" y="connsiteY19"/>
-              </a:cxn>
             </a:cxnLst>
             <a:rect l="l" t="t" r="r" b="b"/>
             <a:pathLst>
-              <a:path w="10955364" h="8163749">
+              <a:path w="1029743" h="739718">
                 <a:moveTo>
-                  <a:pt x="592396" y="1850814"/>
+                  <a:pt x="0" y="0"/>
                 </a:moveTo>
                 <a:lnTo>
-                  <a:pt x="1543995" y="1533881"/>
+                  <a:pt x="659884" y="0"/>
                 </a:lnTo>
+                <a:cubicBezTo>
+                  <a:pt x="864151" y="0"/>
+                  <a:pt x="1029743" y="165592"/>
+                  <a:pt x="1029743" y="369859"/>
+                </a:cubicBezTo>
+                <a:cubicBezTo>
+                  <a:pt x="1029743" y="574126"/>
+                  <a:pt x="864151" y="739718"/>
+                  <a:pt x="659884" y="739718"/>
+                </a:cubicBezTo>
                 <a:lnTo>
-                  <a:pt x="6955594" y="1533882"/>
-                </a:lnTo>
-                <a:lnTo>
-                  <a:pt x="5829846" y="106467"/>
-                </a:lnTo>
-                <a:lnTo>
-                  <a:pt x="6149516" y="0"/>
-                </a:lnTo>
-                <a:lnTo>
-                  <a:pt x="9448032" y="4182420"/>
-                </a:lnTo>
-                <a:lnTo>
-                  <a:pt x="10818039" y="1649166"/>
-                </a:lnTo>
-                <a:lnTo>
-                  <a:pt x="10955364" y="2061488"/>
-                </a:lnTo>
-                <a:lnTo>
-                  <a:pt x="8602988" y="6411222"/>
-                </a:lnTo>
-                <a:lnTo>
-                  <a:pt x="8163520" y="6557588"/>
-                </a:lnTo>
-                <a:lnTo>
-                  <a:pt x="9283839" y="4486027"/>
-                </a:lnTo>
-                <a:lnTo>
-                  <a:pt x="7205549" y="1850816"/>
-                </a:lnTo>
-                <a:lnTo>
-                  <a:pt x="3551417" y="1850816"/>
-                </a:lnTo>
-                <a:lnTo>
-                  <a:pt x="1816446" y="5058920"/>
-                </a:lnTo>
-                <a:lnTo>
-                  <a:pt x="4088911" y="7914648"/>
-                </a:lnTo>
-                <a:lnTo>
-                  <a:pt x="3768735" y="8021284"/>
-                </a:lnTo>
-                <a:lnTo>
-                  <a:pt x="1652559" y="5361960"/>
-                </a:lnTo>
-                <a:lnTo>
-                  <a:pt x="137325" y="8163749"/>
-                </a:lnTo>
-                <a:lnTo>
-                  <a:pt x="0" y="7751427"/>
-                </a:lnTo>
-                <a:lnTo>
-                  <a:pt x="3191107" y="1850815"/>
+                  <a:pt x="0" y="739718"/>
                 </a:lnTo>
                 <a:close/>
               </a:path>
@@ -7223,7 +8398,7 @@
                 <a:noFill/>
               </a:ln>
               <a:solidFill>
-                <a:schemeClr val="lt1"/>
+                <a:schemeClr val="bg1"/>
               </a:solidFill>
               <a:effectLst/>
               <a:uLnTx/>
@@ -7237,925 +8412,14 @@
       </p:sp>
       <p:sp>
         <p:nvSpPr>
-          <p:cNvPr id="33794" name="Freeform 21"/>
-          <p:cNvSpPr/>
-          <p:nvPr/>
-        </p:nvSpPr>
-        <p:spPr>
-          <a:xfrm>
-            <a:off x="5489575" y="2338388"/>
-            <a:ext cx="1212850" cy="844550"/>
-          </a:xfrm>
-          <a:custGeom>
-            <a:avLst/>
-            <a:gdLst/>
-            <a:ahLst/>
-            <a:cxnLst>
-              <a:cxn ang="0">
-                <a:pos x="1100886755" y="0"/>
-              </a:cxn>
-              <a:cxn ang="0">
-                <a:pos x="901305125" y="0"/>
-              </a:cxn>
-              <a:cxn ang="0">
-                <a:pos x="748202390" y="0"/>
-              </a:cxn>
-              <a:cxn ang="0">
-                <a:pos x="648867110" y="132852886"/>
-              </a:cxn>
-              <a:cxn ang="0">
-                <a:pos x="561379560" y="307852838"/>
-              </a:cxn>
-              <a:cxn ang="0">
-                <a:pos x="476625220" y="476439190"/>
-              </a:cxn>
-              <a:cxn ang="0">
-                <a:pos x="402807540" y="624868373"/>
-              </a:cxn>
-              <a:cxn ang="0">
-                <a:pos x="349039130" y="518586256"/>
-              </a:cxn>
-              <a:cxn ang="0">
-                <a:pos x="241502310" y="302355603"/>
-              </a:cxn>
-              <a:cxn ang="0">
-                <a:pos x="155837855" y="131937478"/>
-              </a:cxn>
-              <a:cxn ang="0">
-                <a:pos x="145813220" y="110863944"/>
-              </a:cxn>
-              <a:cxn ang="0">
-                <a:pos x="311674755" y="110863944"/>
-              </a:cxn>
-              <a:cxn ang="0">
-                <a:pos x="375467800" y="110863944"/>
-              </a:cxn>
-              <a:cxn ang="0">
-                <a:pos x="424679905" y="208900687"/>
-              </a:cxn>
-              <a:cxn ang="0">
-                <a:pos x="501231750" y="362827106"/>
-              </a:cxn>
-              <a:cxn ang="0">
-                <a:pos x="556822300" y="253795893"/>
-              </a:cxn>
-              <a:cxn ang="0">
-                <a:pos x="559556465" y="232722360"/>
-              </a:cxn>
-              <a:cxn ang="0">
-                <a:pos x="485738785" y="86125907"/>
-              </a:cxn>
-              <a:cxn ang="0">
-                <a:pos x="395517070" y="0"/>
-              </a:cxn>
-              <a:cxn ang="0">
-                <a:pos x="114827290" y="0"/>
-              </a:cxn>
-              <a:cxn ang="0">
-                <a:pos x="40098540" y="2749096"/>
-              </a:cxn>
-              <a:cxn ang="0">
-                <a:pos x="7290470" y="80628671"/>
-              </a:cxn>
-              <a:cxn ang="0">
-                <a:pos x="54679480" y="174999952"/>
-              </a:cxn>
-              <a:cxn ang="0">
-                <a:pos x="154925830" y="375654308"/>
-              </a:cxn>
-              <a:cxn ang="0">
-                <a:pos x="264285745" y="594633100"/>
-              </a:cxn>
-              <a:cxn ang="0">
-                <a:pos x="339926520" y="745811381"/>
-              </a:cxn>
-              <a:cxn ang="0">
-                <a:pos x="370000425" y="793454725"/>
-              </a:cxn>
-              <a:cxn ang="0">
-                <a:pos x="453842740" y="768716687"/>
-              </a:cxn>
-              <a:cxn ang="0">
-                <a:pos x="516723760" y="642277402"/>
-              </a:cxn>
-              <a:cxn ang="0">
-                <a:pos x="578694665" y="518586256"/>
-              </a:cxn>
-              <a:cxn ang="0">
-                <a:pos x="668916380" y="338089069"/>
-              </a:cxn>
-              <a:cxn ang="0">
-                <a:pos x="716305390" y="242800465"/>
-              </a:cxn>
-              <a:cxn ang="0">
-                <a:pos x="781921530" y="110863944"/>
-              </a:cxn>
-              <a:cxn ang="0">
-                <a:pos x="920443325" y="110863944"/>
-              </a:cxn>
-              <a:cxn ang="0">
-                <a:pos x="1010665040" y="110863944"/>
-              </a:cxn>
-              <a:cxn ang="0">
-                <a:pos x="986970535" y="162172751"/>
-              </a:cxn>
-              <a:cxn ang="0">
-                <a:pos x="888547280" y="359161644"/>
-              </a:cxn>
-              <a:cxn ang="0">
-                <a:pos x="786477835" y="561648731"/>
-              </a:cxn>
-              <a:cxn ang="0">
-                <a:pos x="755492860" y="623952008"/>
-              </a:cxn>
-              <a:cxn ang="0">
-                <a:pos x="668005310" y="450784787"/>
-              </a:cxn>
-              <a:cxn ang="0">
-                <a:pos x="597832865" y="543324294"/>
-              </a:cxn>
-              <a:cxn ang="0">
-                <a:pos x="634286170" y="629450201"/>
-              </a:cxn>
-              <a:cxn ang="0">
-                <a:pos x="708103850" y="776963019"/>
-              </a:cxn>
-              <a:cxn ang="0">
-                <a:pos x="808350200" y="764135817"/>
-              </a:cxn>
-              <a:cxn ang="0">
-                <a:pos x="873054315" y="636780167"/>
-              </a:cxn>
-              <a:cxn ang="0">
-                <a:pos x="985148395" y="411386816"/>
-              </a:cxn>
-              <a:cxn ang="0">
-                <a:pos x="1094507355" y="191491658"/>
-              </a:cxn>
-              <a:cxn ang="0">
-                <a:pos x="1150098860" y="81544079"/>
-              </a:cxn>
-            </a:cxnLst>
-            <a:rect l="0" t="0" r="0" b="0"/>
-            <a:pathLst>
-              <a:path w="1270" h="882">
-                <a:moveTo>
-                  <a:pt x="1268" y="57"/>
-                </a:moveTo>
-                <a:cubicBezTo>
-                  <a:pt x="1268" y="40"/>
-                  <a:pt x="1259" y="24"/>
-                  <a:pt x="1246" y="14"/>
-                </a:cubicBezTo>
-                <a:cubicBezTo>
-                  <a:pt x="1235" y="5"/>
-                  <a:pt x="1222" y="1"/>
-                  <a:pt x="1208" y="0"/>
-                </a:cubicBezTo>
-                <a:cubicBezTo>
-                  <a:pt x="1203" y="0"/>
-                  <a:pt x="1199" y="0"/>
-                  <a:pt x="1194" y="0"/>
-                </a:cubicBezTo>
-                <a:cubicBezTo>
-                  <a:pt x="1165" y="0"/>
-                  <a:pt x="1137" y="0"/>
-                  <a:pt x="1109" y="0"/>
-                </a:cubicBezTo>
-                <a:cubicBezTo>
-                  <a:pt x="1069" y="0"/>
-                  <a:pt x="1029" y="0"/>
-                  <a:pt x="989" y="0"/>
-                </a:cubicBezTo>
-                <a:cubicBezTo>
-                  <a:pt x="952" y="0"/>
-                  <a:pt x="915" y="0"/>
-                  <a:pt x="878" y="0"/>
-                </a:cubicBezTo>
-                <a:cubicBezTo>
-                  <a:pt x="859" y="0"/>
-                  <a:pt x="841" y="0"/>
-                  <a:pt x="822" y="0"/>
-                </a:cubicBezTo>
-                <a:cubicBezTo>
-                  <a:pt x="822" y="0"/>
-                  <a:pt x="822" y="0"/>
-                  <a:pt x="821" y="0"/>
-                </a:cubicBezTo>
-                <a:cubicBezTo>
-                  <a:pt x="798" y="1"/>
-                  <a:pt x="778" y="14"/>
-                  <a:pt x="767" y="35"/>
-                </a:cubicBezTo>
-                <a:cubicBezTo>
-                  <a:pt x="763" y="42"/>
-                  <a:pt x="760" y="49"/>
-                  <a:pt x="756" y="56"/>
-                </a:cubicBezTo>
-                <a:cubicBezTo>
-                  <a:pt x="741" y="86"/>
-                  <a:pt x="726" y="115"/>
-                  <a:pt x="712" y="145"/>
-                </a:cubicBezTo>
-                <a:cubicBezTo>
-                  <a:pt x="699" y="171"/>
-                  <a:pt x="686" y="197"/>
-                  <a:pt x="673" y="223"/>
-                </a:cubicBezTo>
-                <a:cubicBezTo>
-                  <a:pt x="668" y="232"/>
-                  <a:pt x="663" y="242"/>
-                  <a:pt x="658" y="251"/>
-                </a:cubicBezTo>
-                <a:cubicBezTo>
-                  <a:pt x="644" y="279"/>
-                  <a:pt x="630" y="308"/>
-                  <a:pt x="616" y="336"/>
-                </a:cubicBezTo>
-                <a:cubicBezTo>
-                  <a:pt x="601" y="365"/>
-                  <a:pt x="586" y="395"/>
-                  <a:pt x="571" y="424"/>
-                </a:cubicBezTo>
-                <a:cubicBezTo>
-                  <a:pt x="566" y="435"/>
-                  <a:pt x="561" y="445"/>
-                  <a:pt x="556" y="455"/>
-                </a:cubicBezTo>
-                <a:cubicBezTo>
-                  <a:pt x="545" y="477"/>
-                  <a:pt x="534" y="498"/>
-                  <a:pt x="523" y="520"/>
-                </a:cubicBezTo>
-                <a:cubicBezTo>
-                  <a:pt x="507" y="552"/>
-                  <a:pt x="491" y="584"/>
-                  <a:pt x="475" y="616"/>
-                </a:cubicBezTo>
-                <a:cubicBezTo>
-                  <a:pt x="464" y="637"/>
-                  <a:pt x="454" y="658"/>
-                  <a:pt x="443" y="679"/>
-                </a:cubicBezTo>
-                <a:cubicBezTo>
-                  <a:pt x="443" y="680"/>
-                  <a:pt x="442" y="681"/>
-                  <a:pt x="442" y="682"/>
-                </a:cubicBezTo>
-                <a:cubicBezTo>
-                  <a:pt x="439" y="677"/>
-                  <a:pt x="437" y="672"/>
-                  <a:pt x="434" y="667"/>
-                </a:cubicBezTo>
-                <a:cubicBezTo>
-                  <a:pt x="427" y="654"/>
-                  <a:pt x="421" y="640"/>
-                  <a:pt x="414" y="627"/>
-                </a:cubicBezTo>
-                <a:cubicBezTo>
-                  <a:pt x="404" y="606"/>
-                  <a:pt x="394" y="586"/>
-                  <a:pt x="383" y="566"/>
-                </a:cubicBezTo>
-                <a:cubicBezTo>
-                  <a:pt x="371" y="542"/>
-                  <a:pt x="359" y="517"/>
-                  <a:pt x="346" y="492"/>
-                </a:cubicBezTo>
-                <a:cubicBezTo>
-                  <a:pt x="333" y="466"/>
-                  <a:pt x="319" y="439"/>
-                  <a:pt x="306" y="412"/>
-                </a:cubicBezTo>
-                <a:cubicBezTo>
-                  <a:pt x="292" y="385"/>
-                  <a:pt x="279" y="357"/>
-                  <a:pt x="265" y="330"/>
-                </a:cubicBezTo>
-                <a:cubicBezTo>
-                  <a:pt x="252" y="305"/>
-                  <a:pt x="240" y="280"/>
-                  <a:pt x="227" y="254"/>
-                </a:cubicBezTo>
-                <a:cubicBezTo>
-                  <a:pt x="216" y="233"/>
-                  <a:pt x="205" y="211"/>
-                  <a:pt x="195" y="190"/>
-                </a:cubicBezTo>
-                <a:cubicBezTo>
-                  <a:pt x="187" y="175"/>
-                  <a:pt x="179" y="159"/>
-                  <a:pt x="171" y="144"/>
-                </a:cubicBezTo>
-                <a:cubicBezTo>
-                  <a:pt x="169" y="139"/>
-                  <a:pt x="167" y="134"/>
-                  <a:pt x="164" y="130"/>
-                </a:cubicBezTo>
-                <a:cubicBezTo>
-                  <a:pt x="163" y="127"/>
-                  <a:pt x="161" y="124"/>
-                  <a:pt x="160" y="122"/>
-                </a:cubicBezTo>
-                <a:cubicBezTo>
-                  <a:pt x="160" y="122"/>
-                  <a:pt x="160" y="121"/>
-                  <a:pt x="160" y="121"/>
-                </a:cubicBezTo>
-                <a:cubicBezTo>
-                  <a:pt x="170" y="121"/>
-                  <a:pt x="180" y="121"/>
-                  <a:pt x="191" y="121"/>
-                </a:cubicBezTo>
-                <a:cubicBezTo>
-                  <a:pt x="214" y="121"/>
-                  <a:pt x="238" y="121"/>
-                  <a:pt x="261" y="121"/>
-                </a:cubicBezTo>
-                <a:cubicBezTo>
-                  <a:pt x="288" y="121"/>
-                  <a:pt x="315" y="121"/>
-                  <a:pt x="342" y="121"/>
-                </a:cubicBezTo>
-                <a:cubicBezTo>
-                  <a:pt x="361" y="121"/>
-                  <a:pt x="381" y="121"/>
-                  <a:pt x="400" y="121"/>
-                </a:cubicBezTo>
-                <a:cubicBezTo>
-                  <a:pt x="403" y="121"/>
-                  <a:pt x="405" y="121"/>
-                  <a:pt x="408" y="121"/>
-                </a:cubicBezTo>
-                <a:cubicBezTo>
-                  <a:pt x="409" y="121"/>
-                  <a:pt x="411" y="121"/>
-                  <a:pt x="412" y="121"/>
-                </a:cubicBezTo>
-                <a:cubicBezTo>
-                  <a:pt x="413" y="122"/>
-                  <a:pt x="413" y="124"/>
-                  <a:pt x="414" y="125"/>
-                </a:cubicBezTo>
-                <a:cubicBezTo>
-                  <a:pt x="420" y="138"/>
-                  <a:pt x="427" y="151"/>
-                  <a:pt x="433" y="163"/>
-                </a:cubicBezTo>
-                <a:cubicBezTo>
-                  <a:pt x="444" y="185"/>
-                  <a:pt x="455" y="207"/>
-                  <a:pt x="466" y="228"/>
-                </a:cubicBezTo>
-                <a:cubicBezTo>
-                  <a:pt x="478" y="253"/>
-                  <a:pt x="490" y="277"/>
-                  <a:pt x="502" y="301"/>
-                </a:cubicBezTo>
-                <a:cubicBezTo>
-                  <a:pt x="513" y="322"/>
-                  <a:pt x="523" y="342"/>
-                  <a:pt x="533" y="363"/>
-                </a:cubicBezTo>
-                <a:cubicBezTo>
-                  <a:pt x="539" y="374"/>
-                  <a:pt x="544" y="385"/>
-                  <a:pt x="550" y="396"/>
-                </a:cubicBezTo>
-                <a:cubicBezTo>
-                  <a:pt x="550" y="396"/>
-                  <a:pt x="550" y="397"/>
-                  <a:pt x="551" y="397"/>
-                </a:cubicBezTo>
-                <a:cubicBezTo>
-                  <a:pt x="563" y="373"/>
-                  <a:pt x="575" y="348"/>
-                  <a:pt x="588" y="323"/>
-                </a:cubicBezTo>
-                <a:cubicBezTo>
-                  <a:pt x="596" y="308"/>
-                  <a:pt x="603" y="292"/>
-                  <a:pt x="611" y="277"/>
-                </a:cubicBezTo>
-                <a:cubicBezTo>
-                  <a:pt x="613" y="273"/>
-                  <a:pt x="615" y="269"/>
-                  <a:pt x="617" y="265"/>
-                </a:cubicBezTo>
-                <a:cubicBezTo>
-                  <a:pt x="618" y="263"/>
-                  <a:pt x="618" y="263"/>
-                  <a:pt x="618" y="262"/>
-                </a:cubicBezTo>
-                <a:cubicBezTo>
-                  <a:pt x="617" y="259"/>
-                  <a:pt x="615" y="257"/>
-                  <a:pt x="614" y="254"/>
-                </a:cubicBezTo>
-                <a:cubicBezTo>
-                  <a:pt x="612" y="250"/>
-                  <a:pt x="609" y="245"/>
-                  <a:pt x="607" y="240"/>
-                </a:cubicBezTo>
-                <a:cubicBezTo>
-                  <a:pt x="600" y="226"/>
-                  <a:pt x="593" y="212"/>
-                  <a:pt x="586" y="198"/>
-                </a:cubicBezTo>
-                <a:cubicBezTo>
-                  <a:pt x="568" y="163"/>
-                  <a:pt x="551" y="128"/>
-                  <a:pt x="533" y="94"/>
-                </a:cubicBezTo>
-                <a:cubicBezTo>
-                  <a:pt x="523" y="74"/>
-                  <a:pt x="514" y="54"/>
-                  <a:pt x="503" y="34"/>
-                </a:cubicBezTo>
-                <a:cubicBezTo>
-                  <a:pt x="492" y="13"/>
-                  <a:pt x="472" y="1"/>
-                  <a:pt x="449" y="0"/>
-                </a:cubicBezTo>
-                <a:cubicBezTo>
-                  <a:pt x="444" y="0"/>
-                  <a:pt x="439" y="0"/>
-                  <a:pt x="434" y="0"/>
-                </a:cubicBezTo>
-                <a:cubicBezTo>
-                  <a:pt x="406" y="0"/>
-                  <a:pt x="379" y="0"/>
-                  <a:pt x="352" y="0"/>
-                </a:cubicBezTo>
-                <a:cubicBezTo>
-                  <a:pt x="313" y="0"/>
-                  <a:pt x="274" y="0"/>
-                  <a:pt x="236" y="0"/>
-                </a:cubicBezTo>
-                <a:cubicBezTo>
-                  <a:pt x="199" y="0"/>
-                  <a:pt x="163" y="0"/>
-                  <a:pt x="126" y="0"/>
-                </a:cubicBezTo>
-                <a:cubicBezTo>
-                  <a:pt x="106" y="0"/>
-                  <a:pt x="85" y="0"/>
-                  <a:pt x="65" y="0"/>
-                </a:cubicBezTo>
-                <a:cubicBezTo>
-                  <a:pt x="64" y="0"/>
-                  <a:pt x="63" y="0"/>
-                  <a:pt x="62" y="0"/>
-                </a:cubicBezTo>
-                <a:cubicBezTo>
-                  <a:pt x="56" y="1"/>
-                  <a:pt x="50" y="1"/>
-                  <a:pt x="44" y="3"/>
-                </a:cubicBezTo>
-                <a:cubicBezTo>
-                  <a:pt x="38" y="5"/>
-                  <a:pt x="33" y="8"/>
-                  <a:pt x="28" y="11"/>
-                </a:cubicBezTo>
-                <a:cubicBezTo>
-                  <a:pt x="16" y="19"/>
-                  <a:pt x="8" y="31"/>
-                  <a:pt x="4" y="44"/>
-                </a:cubicBezTo>
-                <a:cubicBezTo>
-                  <a:pt x="0" y="60"/>
-                  <a:pt x="2" y="74"/>
-                  <a:pt x="8" y="88"/>
-                </a:cubicBezTo>
-                <a:cubicBezTo>
-                  <a:pt x="11" y="94"/>
-                  <a:pt x="14" y="99"/>
-                  <a:pt x="16" y="104"/>
-                </a:cubicBezTo>
-                <a:cubicBezTo>
-                  <a:pt x="22" y="116"/>
-                  <a:pt x="28" y="128"/>
-                  <a:pt x="34" y="139"/>
-                </a:cubicBezTo>
-                <a:cubicBezTo>
-                  <a:pt x="43" y="157"/>
-                  <a:pt x="52" y="174"/>
-                  <a:pt x="60" y="191"/>
-                </a:cubicBezTo>
-                <a:cubicBezTo>
-                  <a:pt x="71" y="213"/>
-                  <a:pt x="82" y="234"/>
-                  <a:pt x="93" y="256"/>
-                </a:cubicBezTo>
-                <a:cubicBezTo>
-                  <a:pt x="105" y="281"/>
-                  <a:pt x="118" y="305"/>
-                  <a:pt x="130" y="330"/>
-                </a:cubicBezTo>
-                <a:cubicBezTo>
-                  <a:pt x="143" y="357"/>
-                  <a:pt x="157" y="383"/>
-                  <a:pt x="170" y="410"/>
-                </a:cubicBezTo>
-                <a:cubicBezTo>
-                  <a:pt x="184" y="437"/>
-                  <a:pt x="198" y="465"/>
-                  <a:pt x="211" y="492"/>
-                </a:cubicBezTo>
-                <a:cubicBezTo>
-                  <a:pt x="225" y="519"/>
-                  <a:pt x="238" y="546"/>
-                  <a:pt x="252" y="573"/>
-                </a:cubicBezTo>
-                <a:cubicBezTo>
-                  <a:pt x="265" y="598"/>
-                  <a:pt x="277" y="624"/>
-                  <a:pt x="290" y="649"/>
-                </a:cubicBezTo>
-                <a:cubicBezTo>
-                  <a:pt x="302" y="672"/>
-                  <a:pt x="313" y="694"/>
-                  <a:pt x="324" y="717"/>
-                </a:cubicBezTo>
-                <a:cubicBezTo>
-                  <a:pt x="334" y="736"/>
-                  <a:pt x="343" y="755"/>
-                  <a:pt x="353" y="773"/>
-                </a:cubicBezTo>
-                <a:cubicBezTo>
-                  <a:pt x="359" y="787"/>
-                  <a:pt x="366" y="801"/>
-                  <a:pt x="373" y="814"/>
-                </a:cubicBezTo>
-                <a:cubicBezTo>
-                  <a:pt x="377" y="822"/>
-                  <a:pt x="381" y="829"/>
-                  <a:pt x="384" y="836"/>
-                </a:cubicBezTo>
-                <a:cubicBezTo>
-                  <a:pt x="385" y="837"/>
-                  <a:pt x="385" y="838"/>
-                  <a:pt x="386" y="839"/>
-                </a:cubicBezTo>
-                <a:cubicBezTo>
-                  <a:pt x="391" y="850"/>
-                  <a:pt x="397" y="859"/>
-                  <a:pt x="406" y="866"/>
-                </a:cubicBezTo>
-                <a:cubicBezTo>
-                  <a:pt x="417" y="874"/>
-                  <a:pt x="430" y="877"/>
-                  <a:pt x="442" y="877"/>
-                </a:cubicBezTo>
-                <a:cubicBezTo>
-                  <a:pt x="455" y="877"/>
-                  <a:pt x="467" y="873"/>
-                  <a:pt x="478" y="866"/>
-                </a:cubicBezTo>
-                <a:cubicBezTo>
-                  <a:pt x="487" y="859"/>
-                  <a:pt x="493" y="850"/>
-                  <a:pt x="498" y="839"/>
-                </a:cubicBezTo>
-                <a:cubicBezTo>
-                  <a:pt x="499" y="837"/>
-                  <a:pt x="500" y="834"/>
-                  <a:pt x="502" y="832"/>
-                </a:cubicBezTo>
-                <a:cubicBezTo>
-                  <a:pt x="510" y="814"/>
-                  <a:pt x="519" y="797"/>
-                  <a:pt x="528" y="780"/>
-                </a:cubicBezTo>
-                <a:cubicBezTo>
-                  <a:pt x="541" y="754"/>
-                  <a:pt x="554" y="728"/>
-                  <a:pt x="567" y="701"/>
-                </a:cubicBezTo>
-                <a:cubicBezTo>
-                  <a:pt x="580" y="676"/>
-                  <a:pt x="593" y="650"/>
-                  <a:pt x="606" y="624"/>
-                </a:cubicBezTo>
-                <a:cubicBezTo>
-                  <a:pt x="615" y="607"/>
-                  <a:pt x="623" y="590"/>
-                  <a:pt x="632" y="573"/>
-                </a:cubicBezTo>
-                <a:cubicBezTo>
-                  <a:pt x="633" y="570"/>
-                  <a:pt x="634" y="568"/>
-                  <a:pt x="635" y="566"/>
-                </a:cubicBezTo>
-                <a:cubicBezTo>
-                  <a:pt x="635" y="566"/>
-                  <a:pt x="635" y="566"/>
-                  <a:pt x="636" y="566"/>
-                </a:cubicBezTo>
-                <a:cubicBezTo>
-                  <a:pt x="648" y="541"/>
-                  <a:pt x="661" y="516"/>
-                  <a:pt x="673" y="490"/>
-                </a:cubicBezTo>
-                <a:cubicBezTo>
-                  <a:pt x="693" y="450"/>
-                  <a:pt x="714" y="410"/>
-                  <a:pt x="734" y="369"/>
-                </a:cubicBezTo>
-                <a:cubicBezTo>
-                  <a:pt x="738" y="360"/>
-                  <a:pt x="743" y="351"/>
-                  <a:pt x="748" y="341"/>
-                </a:cubicBezTo>
-                <a:cubicBezTo>
-                  <a:pt x="748" y="341"/>
-                  <a:pt x="748" y="341"/>
-                  <a:pt x="748" y="342"/>
-                </a:cubicBezTo>
-                <a:cubicBezTo>
-                  <a:pt x="761" y="316"/>
-                  <a:pt x="773" y="291"/>
-                  <a:pt x="786" y="265"/>
-                </a:cubicBezTo>
-                <a:cubicBezTo>
-                  <a:pt x="806" y="226"/>
-                  <a:pt x="826" y="186"/>
-                  <a:pt x="846" y="146"/>
-                </a:cubicBezTo>
-                <a:cubicBezTo>
-                  <a:pt x="849" y="140"/>
-                  <a:pt x="852" y="135"/>
-                  <a:pt x="855" y="129"/>
-                </a:cubicBezTo>
-                <a:cubicBezTo>
-                  <a:pt x="855" y="127"/>
-                  <a:pt x="857" y="122"/>
-                  <a:pt x="858" y="121"/>
-                </a:cubicBezTo>
-                <a:cubicBezTo>
-                  <a:pt x="859" y="121"/>
-                  <a:pt x="862" y="121"/>
-                  <a:pt x="864" y="121"/>
-                </a:cubicBezTo>
-                <a:cubicBezTo>
-                  <a:pt x="869" y="121"/>
-                  <a:pt x="875" y="121"/>
-                  <a:pt x="880" y="121"/>
-                </a:cubicBezTo>
-                <a:cubicBezTo>
-                  <a:pt x="923" y="121"/>
-                  <a:pt x="966" y="121"/>
-                  <a:pt x="1010" y="121"/>
-                </a:cubicBezTo>
-                <a:cubicBezTo>
-                  <a:pt x="1031" y="121"/>
-                  <a:pt x="1052" y="121"/>
-                  <a:pt x="1074" y="121"/>
-                </a:cubicBezTo>
-                <a:cubicBezTo>
-                  <a:pt x="1081" y="121"/>
-                  <a:pt x="1089" y="121"/>
-                  <a:pt x="1097" y="121"/>
-                </a:cubicBezTo>
-                <a:cubicBezTo>
-                  <a:pt x="1101" y="121"/>
-                  <a:pt x="1105" y="121"/>
-                  <a:pt x="1109" y="121"/>
-                </a:cubicBezTo>
-                <a:cubicBezTo>
-                  <a:pt x="1110" y="121"/>
-                  <a:pt x="1110" y="121"/>
-                  <a:pt x="1111" y="121"/>
-                </a:cubicBezTo>
-                <a:cubicBezTo>
-                  <a:pt x="1108" y="126"/>
-                  <a:pt x="1106" y="131"/>
-                  <a:pt x="1103" y="136"/>
-                </a:cubicBezTo>
-                <a:cubicBezTo>
-                  <a:pt x="1096" y="150"/>
-                  <a:pt x="1089" y="163"/>
-                  <a:pt x="1083" y="177"/>
-                </a:cubicBezTo>
-                <a:cubicBezTo>
-                  <a:pt x="1073" y="197"/>
-                  <a:pt x="1062" y="217"/>
-                  <a:pt x="1052" y="237"/>
-                </a:cubicBezTo>
-                <a:cubicBezTo>
-                  <a:pt x="1040" y="262"/>
-                  <a:pt x="1028" y="286"/>
-                  <a:pt x="1015" y="311"/>
-                </a:cubicBezTo>
-                <a:cubicBezTo>
-                  <a:pt x="1002" y="338"/>
-                  <a:pt x="988" y="365"/>
-                  <a:pt x="975" y="392"/>
-                </a:cubicBezTo>
-                <a:cubicBezTo>
-                  <a:pt x="961" y="419"/>
-                  <a:pt x="948" y="446"/>
-                  <a:pt x="934" y="473"/>
-                </a:cubicBezTo>
-                <a:cubicBezTo>
-                  <a:pt x="921" y="498"/>
-                  <a:pt x="908" y="524"/>
-                  <a:pt x="896" y="549"/>
-                </a:cubicBezTo>
-                <a:cubicBezTo>
-                  <a:pt x="885" y="570"/>
-                  <a:pt x="874" y="592"/>
-                  <a:pt x="863" y="613"/>
-                </a:cubicBezTo>
-                <a:cubicBezTo>
-                  <a:pt x="856" y="629"/>
-                  <a:pt x="848" y="644"/>
-                  <a:pt x="840" y="659"/>
-                </a:cubicBezTo>
-                <a:cubicBezTo>
-                  <a:pt x="838" y="664"/>
-                  <a:pt x="835" y="669"/>
-                  <a:pt x="833" y="674"/>
-                </a:cubicBezTo>
-                <a:cubicBezTo>
-                  <a:pt x="832" y="676"/>
-                  <a:pt x="831" y="679"/>
-                  <a:pt x="829" y="681"/>
-                </a:cubicBezTo>
-                <a:cubicBezTo>
-                  <a:pt x="829" y="682"/>
-                  <a:pt x="829" y="682"/>
-                  <a:pt x="829" y="682"/>
-                </a:cubicBezTo>
-                <a:cubicBezTo>
-                  <a:pt x="817" y="658"/>
-                  <a:pt x="804" y="633"/>
-                  <a:pt x="792" y="609"/>
-                </a:cubicBezTo>
-                <a:cubicBezTo>
-                  <a:pt x="772" y="570"/>
-                  <a:pt x="753" y="531"/>
-                  <a:pt x="733" y="492"/>
-                </a:cubicBezTo>
-                <a:cubicBezTo>
-                  <a:pt x="729" y="483"/>
-                  <a:pt x="724" y="474"/>
-                  <a:pt x="720" y="465"/>
-                </a:cubicBezTo>
-                <a:cubicBezTo>
-                  <a:pt x="711" y="483"/>
-                  <a:pt x="702" y="501"/>
-                  <a:pt x="693" y="519"/>
-                </a:cubicBezTo>
-                <a:cubicBezTo>
-                  <a:pt x="681" y="543"/>
-                  <a:pt x="668" y="568"/>
-                  <a:pt x="656" y="593"/>
-                </a:cubicBezTo>
-                <a:cubicBezTo>
-                  <a:pt x="655" y="596"/>
-                  <a:pt x="652" y="598"/>
-                  <a:pt x="653" y="601"/>
-                </a:cubicBezTo>
-                <a:cubicBezTo>
-                  <a:pt x="655" y="607"/>
-                  <a:pt x="659" y="612"/>
-                  <a:pt x="661" y="617"/>
-                </a:cubicBezTo>
-                <a:cubicBezTo>
-                  <a:pt x="673" y="641"/>
-                  <a:pt x="685" y="664"/>
-                  <a:pt x="696" y="687"/>
-                </a:cubicBezTo>
-                <a:cubicBezTo>
-                  <a:pt x="711" y="716"/>
-                  <a:pt x="725" y="744"/>
-                  <a:pt x="739" y="772"/>
-                </a:cubicBezTo>
-                <a:cubicBezTo>
-                  <a:pt x="749" y="792"/>
-                  <a:pt x="759" y="812"/>
-                  <a:pt x="769" y="832"/>
-                </a:cubicBezTo>
-                <a:cubicBezTo>
-                  <a:pt x="772" y="837"/>
-                  <a:pt x="774" y="843"/>
-                  <a:pt x="777" y="848"/>
-                </a:cubicBezTo>
-                <a:cubicBezTo>
-                  <a:pt x="791" y="871"/>
-                  <a:pt x="819" y="882"/>
-                  <a:pt x="846" y="875"/>
-                </a:cubicBezTo>
-                <a:cubicBezTo>
-                  <a:pt x="865" y="870"/>
-                  <a:pt x="877" y="857"/>
-                  <a:pt x="885" y="839"/>
-                </a:cubicBezTo>
-                <a:cubicBezTo>
-                  <a:pt x="886" y="838"/>
-                  <a:pt x="887" y="836"/>
-                  <a:pt x="887" y="834"/>
-                </a:cubicBezTo>
-                <a:cubicBezTo>
-                  <a:pt x="892" y="825"/>
-                  <a:pt x="897" y="816"/>
-                  <a:pt x="901" y="806"/>
-                </a:cubicBezTo>
-                <a:cubicBezTo>
-                  <a:pt x="909" y="791"/>
-                  <a:pt x="917" y="775"/>
-                  <a:pt x="925" y="759"/>
-                </a:cubicBezTo>
-                <a:cubicBezTo>
-                  <a:pt x="936" y="737"/>
-                  <a:pt x="947" y="716"/>
-                  <a:pt x="958" y="695"/>
-                </a:cubicBezTo>
-                <a:cubicBezTo>
-                  <a:pt x="970" y="669"/>
-                  <a:pt x="983" y="644"/>
-                  <a:pt x="996" y="619"/>
-                </a:cubicBezTo>
-                <a:cubicBezTo>
-                  <a:pt x="1010" y="591"/>
-                  <a:pt x="1024" y="563"/>
-                  <a:pt x="1038" y="535"/>
-                </a:cubicBezTo>
-                <a:cubicBezTo>
-                  <a:pt x="1052" y="507"/>
-                  <a:pt x="1067" y="478"/>
-                  <a:pt x="1081" y="449"/>
-                </a:cubicBezTo>
-                <a:cubicBezTo>
-                  <a:pt x="1096" y="420"/>
-                  <a:pt x="1110" y="391"/>
-                  <a:pt x="1124" y="363"/>
-                </a:cubicBezTo>
-                <a:cubicBezTo>
-                  <a:pt x="1138" y="335"/>
-                  <a:pt x="1152" y="308"/>
-                  <a:pt x="1165" y="281"/>
-                </a:cubicBezTo>
-                <a:cubicBezTo>
-                  <a:pt x="1177" y="257"/>
-                  <a:pt x="1189" y="233"/>
-                  <a:pt x="1201" y="209"/>
-                </a:cubicBezTo>
-                <a:cubicBezTo>
-                  <a:pt x="1211" y="189"/>
-                  <a:pt x="1221" y="170"/>
-                  <a:pt x="1231" y="150"/>
-                </a:cubicBezTo>
-                <a:cubicBezTo>
-                  <a:pt x="1238" y="136"/>
-                  <a:pt x="1245" y="123"/>
-                  <a:pt x="1252" y="109"/>
-                </a:cubicBezTo>
-                <a:cubicBezTo>
-                  <a:pt x="1255" y="102"/>
-                  <a:pt x="1259" y="96"/>
-                  <a:pt x="1262" y="89"/>
-                </a:cubicBezTo>
-                <a:cubicBezTo>
-                  <a:pt x="1266" y="79"/>
-                  <a:pt x="1270" y="68"/>
-                  <a:pt x="1268" y="57"/>
-                </a:cubicBezTo>
-                <a:cubicBezTo>
-                  <a:pt x="1268" y="55"/>
-                  <a:pt x="1268" y="58"/>
-                  <a:pt x="1268" y="57"/>
-                </a:cubicBezTo>
-                <a:close/>
-              </a:path>
-            </a:pathLst>
-          </a:custGeom>
-          <a:solidFill>
-            <a:srgbClr val="05B780"/>
-          </a:solidFill>
-          <a:ln w="9525">
-            <a:noFill/>
-          </a:ln>
-        </p:spPr>
-        <p:txBody>
-          <a:bodyPr/>
-          <a:lstStyle/>
-          <a:p>
-            <a:endParaRPr lang="en-US"/>
-          </a:p>
-        </p:txBody>
-      </p:sp>
-      <p:sp>
-        <p:nvSpPr>
-          <p:cNvPr id="33795" name="文本框 29"/>
+          <p:cNvPr id="7170" name="文本框 156"/>
           <p:cNvSpPr txBox="1"/>
           <p:nvPr/>
         </p:nvSpPr>
         <p:spPr>
           <a:xfrm>
-            <a:off x="3733800" y="4125913"/>
-            <a:ext cx="4722813" cy="708025"/>
+            <a:off x="0" y="350838"/>
+            <a:ext cx="814388" cy="521970"/>
           </a:xfrm>
           <a:prstGeom prst="rect">
             <a:avLst/>
@@ -8171,20 +8435,22 @@
           </a:bodyPr>
           <a:lstStyle/>
           <a:p>
-            <a:pPr algn="dist"/>
-            <a:r>
-              <a:rPr lang="en-US" altLang="zh-CN" sz="4000" dirty="0">
+            <a:pPr>
+              <a:buFont typeface="Arial" panose="020B0604020202020204" pitchFamily="34" charset="0"/>
+            </a:pPr>
+            <a:r>
+              <a:rPr lang="en-US" altLang="zh-CN" sz="2800" b="1" dirty="0">
                 <a:solidFill>
-                  <a:srgbClr val="262626"/>
+                  <a:schemeClr val="bg1"/>
                 </a:solidFill>
                 <a:latin typeface="Microsoft YaHei" panose="020B0503020204020204" pitchFamily="34" charset="-122"/>
                 <a:ea typeface="Microsoft YaHei" panose="020B0503020204020204" pitchFamily="34" charset="-122"/>
               </a:rPr>
-              <a:t>THANK YOU</a:t>
-            </a:r>
-            <a:endParaRPr lang="zh-CN" altLang="en-US" sz="4000" dirty="0">
+              <a:t>3.5</a:t>
+            </a:r>
+            <a:endParaRPr lang="en-US" altLang="zh-CN" sz="2800" b="1" dirty="0">
               <a:solidFill>
-                <a:srgbClr val="262626"/>
+                <a:schemeClr val="bg1"/>
               </a:solidFill>
               <a:latin typeface="Microsoft YaHei" panose="020B0503020204020204" pitchFamily="34" charset="-122"/>
               <a:ea typeface="Microsoft YaHei" panose="020B0503020204020204" pitchFamily="34" charset="-122"/>
@@ -8192,6 +8458,799 @@
           </a:p>
         </p:txBody>
       </p:sp>
+      <p:sp>
+        <p:nvSpPr>
+          <p:cNvPr id="16" name="Rectangle 6"/>
+          <p:cNvSpPr>
+            <a:spLocks noChangeArrowheads="1"/>
+          </p:cNvSpPr>
+          <p:nvPr/>
+        </p:nvSpPr>
+        <p:spPr bwMode="black">
+          <a:xfrm>
+            <a:off x="1021080" y="351155"/>
+            <a:ext cx="6515735" cy="521970"/>
+          </a:xfrm>
+          <a:prstGeom prst="rect">
+            <a:avLst/>
+          </a:prstGeom>
+          <a:noFill/>
+          <a:ln>
+            <a:noFill/>
+          </a:ln>
+          <a:effectLst/>
+          <a:extLst>
+            <a:ext uri="{909E8E84-426E-40DD-AFC4-6F175D3DCCD1}">
+              <a14:hiddenFill xmlns:a14="http://schemas.microsoft.com/office/drawing/2010/main">
+                <a:solidFill>
+                  <a:schemeClr val="accent1"/>
+                </a:solidFill>
+              </a14:hiddenFill>
+            </a:ext>
+            <a:ext uri="{91240B29-F687-4F45-9708-019B960494DF}">
+              <a14:hiddenLine xmlns:a14="http://schemas.microsoft.com/office/drawing/2010/main" w="9525">
+                <a:solidFill>
+                  <a:schemeClr val="tx1"/>
+                </a:solidFill>
+                <a:miter lim="800000"/>
+                <a:headEnd/>
+                <a:tailEnd/>
+              </a14:hiddenLine>
+            </a:ext>
+            <a:ext uri="{AF507438-7753-43E0-B8FC-AC1667EBCBE1}">
+              <a14:hiddenEffects xmlns:a14="http://schemas.microsoft.com/office/drawing/2010/main">
+                <a:effectLst>
+                  <a:outerShdw dist="35921" dir="2700000" algn="ctr" rotWithShape="0">
+                    <a:schemeClr val="bg2"/>
+                  </a:outerShdw>
+                </a:effectLst>
+              </a14:hiddenEffects>
+            </a:ext>
+          </a:extLst>
+        </p:spPr>
+        <p:txBody>
+          <a:bodyPr wrap="square">
+            <a:spAutoFit/>
+          </a:bodyPr>
+          <a:lstStyle/>
+          <a:p>
+            <a:pPr marL="0" marR="0" lvl="0" indent="0" algn="l" defTabSz="914400" rtl="0" eaLnBrk="0" fontAlgn="auto" latinLnBrk="0" hangingPunct="0">
+              <a:lnSpc>
+                <a:spcPct val="100000"/>
+              </a:lnSpc>
+              <a:spcBef>
+                <a:spcPts val="0"/>
+              </a:spcBef>
+              <a:spcAft>
+                <a:spcPts val="0"/>
+              </a:spcAft>
+              <a:buClrTx/>
+              <a:buSzTx/>
+              <a:buFontTx/>
+              <a:buNone/>
+              <a:defRPr/>
+            </a:pPr>
+            <a:r>
+              <a:rPr kumimoji="0" lang="en-US" altLang="zh-CN" sz="2800" b="1" i="0" u="none" strike="noStrike" kern="1200" cap="none" spc="0" normalizeH="0" baseline="0" noProof="0" dirty="0">
+                <a:ln>
+                  <a:noFill/>
+                </a:ln>
+                <a:solidFill>
+                  <a:schemeClr val="tx1">
+                    <a:lumMod val="85000"/>
+                    <a:lumOff val="15000"/>
+                  </a:schemeClr>
+                </a:solidFill>
+                <a:effectLst/>
+                <a:uLnTx/>
+                <a:uFillTx/>
+                <a:latin typeface="Microsoft YaHei" panose="020B0503020204020204" pitchFamily="34" charset="-122"/>
+                <a:ea typeface="Microsoft YaHei" panose="020B0503020204020204" pitchFamily="34" charset="-122"/>
+                <a:cs typeface="+mn-cs"/>
+                <a:sym typeface="+mn-ea"/>
+              </a:rPr>
+              <a:t>DAC code demo - Merge Sort</a:t>
+            </a:r>
+            <a:endParaRPr kumimoji="0" lang="en-US" altLang="zh-CN" sz="2800" b="1" i="0" u="none" strike="noStrike" kern="1200" cap="none" spc="0" normalizeH="0" baseline="0" noProof="0" dirty="0">
+              <a:ln>
+                <a:noFill/>
+              </a:ln>
+              <a:solidFill>
+                <a:schemeClr val="tx1">
+                  <a:lumMod val="85000"/>
+                  <a:lumOff val="15000"/>
+                </a:schemeClr>
+              </a:solidFill>
+              <a:effectLst/>
+              <a:uLnTx/>
+              <a:uFillTx/>
+              <a:latin typeface="Microsoft YaHei" panose="020B0503020204020204" pitchFamily="34" charset="-122"/>
+              <a:ea typeface="Microsoft YaHei" panose="020B0503020204020204" pitchFamily="34" charset="-122"/>
+              <a:cs typeface="+mn-cs"/>
+              <a:sym typeface="+mn-ea"/>
+            </a:endParaRPr>
+          </a:p>
+        </p:txBody>
+      </p:sp>
+      <p:pic>
+        <p:nvPicPr>
+          <p:cNvPr id="2" name="Content Placeholder 1"/>
+          <p:cNvPicPr>
+            <a:picLocks noChangeAspect="1"/>
+          </p:cNvPicPr>
+          <p:nvPr>
+            <p:ph idx="1"/>
+          </p:nvPr>
+        </p:nvPicPr>
+        <p:blipFill>
+          <a:blip r:embed="rId1"/>
+          <a:stretch>
+            <a:fillRect/>
+          </a:stretch>
+        </p:blipFill>
+        <p:spPr>
+          <a:xfrm>
+            <a:off x="7626350" y="2240280"/>
+            <a:ext cx="2918460" cy="2811145"/>
+          </a:xfrm>
+          <a:prstGeom prst="rect">
+            <a:avLst/>
+          </a:prstGeom>
+        </p:spPr>
+      </p:pic>
+      <p:sp>
+        <p:nvSpPr>
+          <p:cNvPr id="4" name="Text Box 3"/>
+          <p:cNvSpPr txBox="1"/>
+          <p:nvPr/>
+        </p:nvSpPr>
+        <p:spPr>
+          <a:xfrm>
+            <a:off x="890905" y="1214120"/>
+            <a:ext cx="6123940" cy="2584450"/>
+          </a:xfrm>
+          <a:prstGeom prst="rect">
+            <a:avLst/>
+          </a:prstGeom>
+          <a:noFill/>
+        </p:spPr>
+        <p:txBody>
+          <a:bodyPr wrap="square" rtlCol="0" anchor="t">
+            <a:spAutoFit/>
+          </a:bodyPr>
+          <a:p>
+            <a:endParaRPr lang="en-US"/>
+          </a:p>
+          <a:p>
+            <a:r>
+              <a:rPr lang="en-US"/>
+              <a:t>def mergeSort(L):</a:t>
+            </a:r>
+            <a:endParaRPr lang="en-US"/>
+          </a:p>
+          <a:p>
+            <a:r>
+              <a:rPr lang="en-US"/>
+              <a:t>    if len(L) &lt; 2:</a:t>
+            </a:r>
+            <a:endParaRPr lang="en-US"/>
+          </a:p>
+          <a:p>
+            <a:r>
+              <a:rPr lang="en-US"/>
+              <a:t>        return L[:]</a:t>
+            </a:r>
+            <a:endParaRPr lang="en-US"/>
+          </a:p>
+          <a:p>
+            <a:r>
+              <a:rPr lang="en-US"/>
+              <a:t>    else:</a:t>
+            </a:r>
+            <a:endParaRPr lang="en-US"/>
+          </a:p>
+          <a:p>
+            <a:r>
+              <a:rPr lang="en-US"/>
+              <a:t>        mid = len(L) // 2</a:t>
+            </a:r>
+            <a:endParaRPr lang="en-US"/>
+          </a:p>
+          <a:p>
+            <a:r>
+              <a:rPr lang="en-US"/>
+              <a:t>        Left = mergeSort(L[:mid])</a:t>
+            </a:r>
+            <a:endParaRPr lang="en-US"/>
+          </a:p>
+          <a:p>
+            <a:r>
+              <a:rPr lang="en-US"/>
+              <a:t>        Right = mergeSort(L[mid:])</a:t>
+            </a:r>
+            <a:endParaRPr lang="en-US"/>
+          </a:p>
+          <a:p>
+            <a:r>
+              <a:rPr lang="en-US"/>
+              <a:t>        return merge(Left, Right)</a:t>
+            </a:r>
+            <a:endParaRPr lang="en-US"/>
+          </a:p>
+        </p:txBody>
+      </p:sp>
+      <p:sp>
+        <p:nvSpPr>
+          <p:cNvPr id="5" name="Text Box 4"/>
+          <p:cNvSpPr txBox="1"/>
+          <p:nvPr/>
+        </p:nvSpPr>
+        <p:spPr>
+          <a:xfrm>
+            <a:off x="5539105" y="2592705"/>
+            <a:ext cx="1936115" cy="645160"/>
+          </a:xfrm>
+          <a:prstGeom prst="rect">
+            <a:avLst/>
+          </a:prstGeom>
+          <a:noFill/>
+        </p:spPr>
+        <p:txBody>
+          <a:bodyPr wrap="square" rtlCol="0">
+            <a:spAutoFit/>
+          </a:bodyPr>
+          <a:p>
+            <a:r>
+              <a:rPr lang="en-US">
+                <a:ln>
+                  <a:solidFill>
+                    <a:srgbClr val="FF0000"/>
+                  </a:solidFill>
+                </a:ln>
+              </a:rPr>
+              <a:t>Divide and Conquer</a:t>
+            </a:r>
+            <a:endParaRPr lang="en-US">
+              <a:ln>
+                <a:solidFill>
+                  <a:srgbClr val="FF0000"/>
+                </a:solidFill>
+              </a:ln>
+            </a:endParaRPr>
+          </a:p>
+        </p:txBody>
+      </p:sp>
+      <p:sp>
+        <p:nvSpPr>
+          <p:cNvPr id="6" name="Text Box 5"/>
+          <p:cNvSpPr txBox="1"/>
+          <p:nvPr/>
+        </p:nvSpPr>
+        <p:spPr>
+          <a:xfrm>
+            <a:off x="5600700" y="4327525"/>
+            <a:ext cx="1936115" cy="368300"/>
+          </a:xfrm>
+          <a:prstGeom prst="rect">
+            <a:avLst/>
+          </a:prstGeom>
+          <a:noFill/>
+        </p:spPr>
+        <p:txBody>
+          <a:bodyPr wrap="square" rtlCol="0">
+            <a:spAutoFit/>
+          </a:bodyPr>
+          <a:p>
+            <a:r>
+              <a:rPr lang="en-US">
+                <a:ln>
+                  <a:solidFill>
+                    <a:schemeClr val="accent6"/>
+                  </a:solidFill>
+                </a:ln>
+              </a:rPr>
+              <a:t>Combine</a:t>
+            </a:r>
+            <a:endParaRPr lang="en-US">
+              <a:ln>
+                <a:solidFill>
+                  <a:schemeClr val="accent6"/>
+                </a:solidFill>
+              </a:ln>
+            </a:endParaRPr>
+          </a:p>
+        </p:txBody>
+      </p:sp>
+      <p:sp>
+        <p:nvSpPr>
+          <p:cNvPr id="7" name="Double Brace 6"/>
+          <p:cNvSpPr/>
+          <p:nvPr/>
+        </p:nvSpPr>
+        <p:spPr>
+          <a:xfrm>
+            <a:off x="6794500" y="2302510"/>
+            <a:ext cx="4351655" cy="1226185"/>
+          </a:xfrm>
+          <a:prstGeom prst="bracePair">
+            <a:avLst/>
+          </a:prstGeom>
+          <a:ln>
+            <a:solidFill>
+              <a:srgbClr val="FF0000"/>
+            </a:solidFill>
+          </a:ln>
+        </p:spPr>
+        <p:style>
+          <a:lnRef idx="1">
+            <a:schemeClr val="accent1"/>
+          </a:lnRef>
+          <a:fillRef idx="0">
+            <a:schemeClr val="accent1"/>
+          </a:fillRef>
+          <a:effectRef idx="0">
+            <a:schemeClr val="accent1"/>
+          </a:effectRef>
+          <a:fontRef idx="minor">
+            <a:schemeClr val="tx1"/>
+          </a:fontRef>
+        </p:style>
+        <p:txBody>
+          <a:bodyPr rtlCol="0" anchor="ctr"/>
+          <a:p>
+            <a:pPr algn="ctr"/>
+            <a:endParaRPr lang="en-US"/>
+          </a:p>
+        </p:txBody>
+      </p:sp>
+      <p:sp>
+        <p:nvSpPr>
+          <p:cNvPr id="8" name="Double Brace 7"/>
+          <p:cNvSpPr/>
+          <p:nvPr/>
+        </p:nvSpPr>
+        <p:spPr>
+          <a:xfrm>
+            <a:off x="6910070" y="3798570"/>
+            <a:ext cx="4351655" cy="1226185"/>
+          </a:xfrm>
+          <a:prstGeom prst="bracePair">
+            <a:avLst/>
+          </a:prstGeom>
+          <a:ln>
+            <a:solidFill>
+              <a:srgbClr val="00B050"/>
+            </a:solidFill>
+          </a:ln>
+        </p:spPr>
+        <p:style>
+          <a:lnRef idx="1">
+            <a:schemeClr val="accent1"/>
+          </a:lnRef>
+          <a:fillRef idx="0">
+            <a:schemeClr val="accent1"/>
+          </a:fillRef>
+          <a:effectRef idx="0">
+            <a:schemeClr val="accent1"/>
+          </a:effectRef>
+          <a:fontRef idx="minor">
+            <a:schemeClr val="tx1"/>
+          </a:fontRef>
+        </p:style>
+        <p:txBody>
+          <a:bodyPr rtlCol="0" anchor="ctr"/>
+          <a:p>
+            <a:pPr algn="ctr"/>
+            <a:endParaRPr lang="en-US"/>
+          </a:p>
+        </p:txBody>
+      </p:sp>
+    </p:spTree>
+  </p:cSld>
+  <p:clrMapOvr>
+    <a:masterClrMapping/>
+  </p:clrMapOvr>
+  <p:transition spd="slow">
+    <p:wipe/>
+  </p:transition>
+</p:sld>
+</file>
+
+<file path=ppt/slides/slide19.xml><?xml version="1.0" encoding="utf-8"?>
+<p:sld xmlns:a="http://schemas.openxmlformats.org/drawingml/2006/main" xmlns:r="http://schemas.openxmlformats.org/officeDocument/2006/relationships" xmlns:p="http://schemas.openxmlformats.org/presentationml/2006/main">
+  <p:cSld>
+    <p:spTree>
+      <p:nvGrpSpPr>
+        <p:cNvPr id="1" name=""/>
+        <p:cNvGrpSpPr/>
+        <p:nvPr/>
+      </p:nvGrpSpPr>
+      <p:grpSpPr>
+        <a:xfrm>
+          <a:off x="0" y="0"/>
+          <a:ext cx="0" cy="0"/>
+          <a:chOff x="0" y="0"/>
+          <a:chExt cx="0" cy="0"/>
+        </a:xfrm>
+      </p:grpSpPr>
+      <p:sp>
+        <p:nvSpPr>
+          <p:cNvPr id="15" name="任意多边形 14"/>
+          <p:cNvSpPr/>
+          <p:nvPr/>
+        </p:nvSpPr>
+        <p:spPr>
+          <a:xfrm>
+            <a:off x="0" y="274638"/>
+            <a:ext cx="890588" cy="639763"/>
+          </a:xfrm>
+          <a:custGeom>
+            <a:avLst/>
+            <a:gdLst>
+              <a:gd name="connsiteX0" fmla="*/ 0 w 1029743"/>
+              <a:gd name="connsiteY0" fmla="*/ 0 h 739718"/>
+              <a:gd name="connsiteX1" fmla="*/ 659884 w 1029743"/>
+              <a:gd name="connsiteY1" fmla="*/ 0 h 739718"/>
+              <a:gd name="connsiteX2" fmla="*/ 1029743 w 1029743"/>
+              <a:gd name="connsiteY2" fmla="*/ 369859 h 739718"/>
+              <a:gd name="connsiteX3" fmla="*/ 659884 w 1029743"/>
+              <a:gd name="connsiteY3" fmla="*/ 739718 h 739718"/>
+              <a:gd name="connsiteX4" fmla="*/ 0 w 1029743"/>
+              <a:gd name="connsiteY4" fmla="*/ 739718 h 739718"/>
+            </a:gdLst>
+            <a:ahLst/>
+            <a:cxnLst>
+              <a:cxn ang="0">
+                <a:pos x="connsiteX0" y="connsiteY0"/>
+              </a:cxn>
+              <a:cxn ang="0">
+                <a:pos x="connsiteX1" y="connsiteY1"/>
+              </a:cxn>
+              <a:cxn ang="0">
+                <a:pos x="connsiteX2" y="connsiteY2"/>
+              </a:cxn>
+              <a:cxn ang="0">
+                <a:pos x="connsiteX3" y="connsiteY3"/>
+              </a:cxn>
+              <a:cxn ang="0">
+                <a:pos x="connsiteX4" y="connsiteY4"/>
+              </a:cxn>
+            </a:cxnLst>
+            <a:rect l="l" t="t" r="r" b="b"/>
+            <a:pathLst>
+              <a:path w="1029743" h="739718">
+                <a:moveTo>
+                  <a:pt x="0" y="0"/>
+                </a:moveTo>
+                <a:lnTo>
+                  <a:pt x="659884" y="0"/>
+                </a:lnTo>
+                <a:cubicBezTo>
+                  <a:pt x="864151" y="0"/>
+                  <a:pt x="1029743" y="165592"/>
+                  <a:pt x="1029743" y="369859"/>
+                </a:cubicBezTo>
+                <a:cubicBezTo>
+                  <a:pt x="1029743" y="574126"/>
+                  <a:pt x="864151" y="739718"/>
+                  <a:pt x="659884" y="739718"/>
+                </a:cubicBezTo>
+                <a:lnTo>
+                  <a:pt x="0" y="739718"/>
+                </a:lnTo>
+                <a:close/>
+              </a:path>
+            </a:pathLst>
+          </a:custGeom>
+          <a:solidFill>
+            <a:srgbClr val="05B780"/>
+          </a:solidFill>
+          <a:ln>
+            <a:noFill/>
+          </a:ln>
+        </p:spPr>
+        <p:style>
+          <a:lnRef idx="2">
+            <a:schemeClr val="accent1">
+              <a:shade val="50000"/>
+            </a:schemeClr>
+          </a:lnRef>
+          <a:fillRef idx="1">
+            <a:schemeClr val="accent1"/>
+          </a:fillRef>
+          <a:effectRef idx="0">
+            <a:schemeClr val="accent1"/>
+          </a:effectRef>
+          <a:fontRef idx="minor">
+            <a:schemeClr val="lt1"/>
+          </a:fontRef>
+        </p:style>
+        <p:txBody>
+          <a:bodyPr anchor="ctr"/>
+          <a:lstStyle/>
+          <a:p>
+            <a:pPr marL="0" marR="0" lvl="0" indent="0" algn="ctr" defTabSz="914400" rtl="0" eaLnBrk="1" fontAlgn="auto" latinLnBrk="0" hangingPunct="1">
+              <a:lnSpc>
+                <a:spcPct val="100000"/>
+              </a:lnSpc>
+              <a:spcBef>
+                <a:spcPts val="0"/>
+              </a:spcBef>
+              <a:spcAft>
+                <a:spcPts val="0"/>
+              </a:spcAft>
+              <a:buClrTx/>
+              <a:buSzTx/>
+              <a:buFontTx/>
+              <a:buNone/>
+              <a:defRPr/>
+            </a:pPr>
+            <a:endParaRPr kumimoji="0" lang="zh-CN" altLang="en-US" sz="1800" b="0" i="0" u="none" strike="noStrike" kern="1200" cap="none" spc="0" normalizeH="0" baseline="0" noProof="0">
+              <a:ln>
+                <a:noFill/>
+              </a:ln>
+              <a:solidFill>
+                <a:schemeClr val="bg1"/>
+              </a:solidFill>
+              <a:effectLst/>
+              <a:uLnTx/>
+              <a:uFillTx/>
+              <a:latin typeface="+mn-lt"/>
+              <a:ea typeface="+mn-ea"/>
+              <a:cs typeface="+mn-cs"/>
+            </a:endParaRPr>
+          </a:p>
+        </p:txBody>
+      </p:sp>
+      <p:sp>
+        <p:nvSpPr>
+          <p:cNvPr id="7170" name="文本框 156"/>
+          <p:cNvSpPr txBox="1"/>
+          <p:nvPr/>
+        </p:nvSpPr>
+        <p:spPr>
+          <a:xfrm>
+            <a:off x="0" y="350838"/>
+            <a:ext cx="814388" cy="521970"/>
+          </a:xfrm>
+          <a:prstGeom prst="rect">
+            <a:avLst/>
+          </a:prstGeom>
+          <a:noFill/>
+          <a:ln w="9525">
+            <a:noFill/>
+          </a:ln>
+        </p:spPr>
+        <p:txBody>
+          <a:bodyPr anchor="t" anchorCtr="0">
+            <a:spAutoFit/>
+          </a:bodyPr>
+          <a:lstStyle/>
+          <a:p>
+            <a:pPr>
+              <a:buFont typeface="Arial" panose="020B0604020202020204" pitchFamily="34" charset="0"/>
+            </a:pPr>
+            <a:r>
+              <a:rPr lang="en-US" altLang="zh-CN" sz="2800" b="1" dirty="0">
+                <a:solidFill>
+                  <a:schemeClr val="bg1"/>
+                </a:solidFill>
+                <a:latin typeface="Microsoft YaHei" panose="020B0503020204020204" pitchFamily="34" charset="-122"/>
+                <a:ea typeface="Microsoft YaHei" panose="020B0503020204020204" pitchFamily="34" charset="-122"/>
+              </a:rPr>
+              <a:t>3.6</a:t>
+            </a:r>
+            <a:endParaRPr lang="en-US" altLang="zh-CN" sz="2800" b="1" dirty="0">
+              <a:solidFill>
+                <a:schemeClr val="bg1"/>
+              </a:solidFill>
+              <a:latin typeface="Microsoft YaHei" panose="020B0503020204020204" pitchFamily="34" charset="-122"/>
+              <a:ea typeface="Microsoft YaHei" panose="020B0503020204020204" pitchFamily="34" charset="-122"/>
+            </a:endParaRPr>
+          </a:p>
+        </p:txBody>
+      </p:sp>
+      <p:sp>
+        <p:nvSpPr>
+          <p:cNvPr id="16" name="Rectangle 6"/>
+          <p:cNvSpPr>
+            <a:spLocks noChangeArrowheads="1"/>
+          </p:cNvSpPr>
+          <p:nvPr/>
+        </p:nvSpPr>
+        <p:spPr bwMode="black">
+          <a:xfrm>
+            <a:off x="1021080" y="351155"/>
+            <a:ext cx="8049260" cy="521970"/>
+          </a:xfrm>
+          <a:prstGeom prst="rect">
+            <a:avLst/>
+          </a:prstGeom>
+          <a:noFill/>
+          <a:ln>
+            <a:noFill/>
+          </a:ln>
+          <a:effectLst/>
+          <a:extLst>
+            <a:ext uri="{909E8E84-426E-40DD-AFC4-6F175D3DCCD1}">
+              <a14:hiddenFill xmlns:a14="http://schemas.microsoft.com/office/drawing/2010/main">
+                <a:solidFill>
+                  <a:schemeClr val="accent1"/>
+                </a:solidFill>
+              </a14:hiddenFill>
+            </a:ext>
+            <a:ext uri="{91240B29-F687-4F45-9708-019B960494DF}">
+              <a14:hiddenLine xmlns:a14="http://schemas.microsoft.com/office/drawing/2010/main" w="9525">
+                <a:solidFill>
+                  <a:schemeClr val="tx1"/>
+                </a:solidFill>
+                <a:miter lim="800000"/>
+                <a:headEnd/>
+                <a:tailEnd/>
+              </a14:hiddenLine>
+            </a:ext>
+            <a:ext uri="{AF507438-7753-43E0-B8FC-AC1667EBCBE1}">
+              <a14:hiddenEffects xmlns:a14="http://schemas.microsoft.com/office/drawing/2010/main">
+                <a:effectLst>
+                  <a:outerShdw dist="35921" dir="2700000" algn="ctr" rotWithShape="0">
+                    <a:schemeClr val="bg2"/>
+                  </a:outerShdw>
+                </a:effectLst>
+              </a14:hiddenEffects>
+            </a:ext>
+          </a:extLst>
+        </p:spPr>
+        <p:txBody>
+          <a:bodyPr wrap="square">
+            <a:spAutoFit/>
+          </a:bodyPr>
+          <a:lstStyle/>
+          <a:p>
+            <a:pPr marL="0" marR="0" lvl="0" indent="0" algn="l" defTabSz="914400" rtl="0" eaLnBrk="0" fontAlgn="auto" latinLnBrk="0" hangingPunct="0">
+              <a:lnSpc>
+                <a:spcPct val="100000"/>
+              </a:lnSpc>
+              <a:spcBef>
+                <a:spcPts val="0"/>
+              </a:spcBef>
+              <a:spcAft>
+                <a:spcPts val="0"/>
+              </a:spcAft>
+              <a:buClrTx/>
+              <a:buSzTx/>
+              <a:buFontTx/>
+              <a:buNone/>
+              <a:defRPr/>
+            </a:pPr>
+            <a:r>
+              <a:rPr kumimoji="0" lang="en-US" altLang="zh-CN" sz="2800" b="1" i="0" u="none" strike="noStrike" kern="1200" cap="none" spc="0" normalizeH="0" baseline="0" noProof="0" dirty="0">
+                <a:ln>
+                  <a:noFill/>
+                </a:ln>
+                <a:solidFill>
+                  <a:schemeClr val="tx1">
+                    <a:lumMod val="85000"/>
+                    <a:lumOff val="15000"/>
+                  </a:schemeClr>
+                </a:solidFill>
+                <a:effectLst/>
+                <a:uLnTx/>
+                <a:uFillTx/>
+                <a:latin typeface="Microsoft YaHei" panose="020B0503020204020204" pitchFamily="34" charset="-122"/>
+                <a:ea typeface="Microsoft YaHei" panose="020B0503020204020204" pitchFamily="34" charset="-122"/>
+                <a:cs typeface="+mn-cs"/>
+                <a:sym typeface="+mn-ea"/>
+              </a:rPr>
+              <a:t>Merge Sort - Merging</a:t>
+            </a:r>
+            <a:endParaRPr kumimoji="0" lang="en-US" altLang="zh-CN" sz="2800" b="1" i="0" u="none" strike="noStrike" kern="1200" cap="none" spc="0" normalizeH="0" baseline="0" noProof="0" dirty="0">
+              <a:ln>
+                <a:noFill/>
+              </a:ln>
+              <a:solidFill>
+                <a:schemeClr val="tx1">
+                  <a:lumMod val="85000"/>
+                  <a:lumOff val="15000"/>
+                </a:schemeClr>
+              </a:solidFill>
+              <a:effectLst/>
+              <a:uLnTx/>
+              <a:uFillTx/>
+              <a:latin typeface="Microsoft YaHei" panose="020B0503020204020204" pitchFamily="34" charset="-122"/>
+              <a:ea typeface="Microsoft YaHei" panose="020B0503020204020204" pitchFamily="34" charset="-122"/>
+              <a:cs typeface="+mn-cs"/>
+              <a:sym typeface="+mn-ea"/>
+            </a:endParaRPr>
+          </a:p>
+        </p:txBody>
+      </p:sp>
+      <p:sp>
+        <p:nvSpPr>
+          <p:cNvPr id="3" name="Content Placeholder 2"/>
+          <p:cNvSpPr>
+            <a:spLocks noGrp="1"/>
+          </p:cNvSpPr>
+          <p:nvPr>
+            <p:ph idx="1"/>
+          </p:nvPr>
+        </p:nvSpPr>
+        <p:spPr/>
+        <p:txBody>
+          <a:bodyPr/>
+          <a:lstStyle/>
+          <a:p>
+            <a:r>
+              <a:rPr lang="en-US" dirty="0"/>
+              <a:t>After solving the sub-problems recursively, we need to </a:t>
+            </a:r>
+            <a:r>
+              <a:rPr lang="en-US" b="1" dirty="0"/>
+              <a:t>Combine</a:t>
+            </a:r>
+            <a:r>
+              <a:rPr lang="en-US" dirty="0"/>
+              <a:t> these to form our final solution</a:t>
+            </a:r>
+            <a:endParaRPr lang="en-US" dirty="0"/>
+          </a:p>
+          <a:p>
+            <a:pPr lvl="1"/>
+            <a:r>
+              <a:rPr lang="en-US" dirty="0"/>
+              <a:t>Keep track of the smallest element in each sorted half</a:t>
+            </a:r>
+            <a:endParaRPr lang="en-US" dirty="0"/>
+          </a:p>
+          <a:p>
+            <a:pPr lvl="1"/>
+            <a:r>
+              <a:rPr lang="en-US" dirty="0"/>
+              <a:t>Insert the smallest of the two elements into the auxiliary array</a:t>
+            </a:r>
+            <a:endParaRPr lang="en-US" dirty="0"/>
+          </a:p>
+          <a:p>
+            <a:pPr lvl="1"/>
+            <a:r>
+              <a:rPr lang="en-US" dirty="0"/>
+              <a:t>Repeat until done</a:t>
+            </a:r>
+            <a:endParaRPr lang="en-US" dirty="0"/>
+          </a:p>
+          <a:p>
+            <a:pPr lvl="1"/>
+            <a:endParaRPr lang="en-US" dirty="0"/>
+          </a:p>
+          <a:p>
+            <a:pPr lvl="1"/>
+            <a:endParaRPr lang="en-US" dirty="0"/>
+          </a:p>
+        </p:txBody>
+      </p:sp>
+      <p:pic>
+        <p:nvPicPr>
+          <p:cNvPr id="2" name="Picture 1"/>
+          <p:cNvPicPr>
+            <a:picLocks noChangeAspect="1"/>
+          </p:cNvPicPr>
+          <p:nvPr/>
+        </p:nvPicPr>
+        <p:blipFill>
+          <a:blip r:embed="rId1"/>
+          <a:stretch>
+            <a:fillRect/>
+          </a:stretch>
+        </p:blipFill>
+        <p:spPr>
+          <a:xfrm>
+            <a:off x="2277110" y="3940175"/>
+            <a:ext cx="6429375" cy="2695575"/>
+          </a:xfrm>
+          <a:prstGeom prst="rect">
+            <a:avLst/>
+          </a:prstGeom>
+        </p:spPr>
+      </p:pic>
     </p:spTree>
   </p:cSld>
   <p:clrMapOvr>
@@ -8330,8 +9389,15 @@
                 <a:latin typeface="Microsoft YaHei" panose="020B0503020204020204" pitchFamily="34" charset="-122"/>
                 <a:ea typeface="Microsoft YaHei" panose="020B0503020204020204" pitchFamily="34" charset="-122"/>
               </a:rPr>
-              <a:t>Week 3 Recap</a:t>
-            </a:r>
+              <a:t>Week 4 Recap</a:t>
+            </a:r>
+            <a:endParaRPr lang="en-US" altLang="zh-CN" sz="2400" b="1" dirty="0">
+              <a:solidFill>
+                <a:srgbClr val="05B780"/>
+              </a:solidFill>
+              <a:latin typeface="Microsoft YaHei" panose="020B0503020204020204" pitchFamily="34" charset="-122"/>
+              <a:ea typeface="Microsoft YaHei" panose="020B0503020204020204" pitchFamily="34" charset="-122"/>
+            </a:endParaRPr>
           </a:p>
         </p:txBody>
       </p:sp>
@@ -8374,6 +9440,13 @@
               </a:rPr>
               <a:t>竞争对手分析</a:t>
             </a:r>
+            <a:endParaRPr lang="zh-CN" altLang="en-US" dirty="0">
+              <a:solidFill>
+                <a:schemeClr val="bg1"/>
+              </a:solidFill>
+              <a:latin typeface="Microsoft YaHei" panose="020B0503020204020204" pitchFamily="34" charset="-122"/>
+              <a:ea typeface="Microsoft YaHei" panose="020B0503020204020204" pitchFamily="34" charset="-122"/>
+            </a:endParaRPr>
           </a:p>
         </p:txBody>
       </p:sp>
@@ -8416,6 +9489,13 @@
               </a:rPr>
               <a:t>产品定位分析</a:t>
             </a:r>
+            <a:endParaRPr lang="zh-CN" altLang="en-US" dirty="0">
+              <a:solidFill>
+                <a:schemeClr val="bg1"/>
+              </a:solidFill>
+              <a:latin typeface="Microsoft YaHei" panose="020B0503020204020204" pitchFamily="34" charset="-122"/>
+              <a:ea typeface="Microsoft YaHei" panose="020B0503020204020204" pitchFamily="34" charset="-122"/>
+            </a:endParaRPr>
           </a:p>
         </p:txBody>
       </p:sp>
@@ -8864,6 +9944,13 @@
               </a:rPr>
               <a:t>Class Exercise</a:t>
             </a:r>
+            <a:endParaRPr lang="en-US" altLang="zh-CN" sz="2400" b="1" dirty="0">
+              <a:solidFill>
+                <a:srgbClr val="05B780"/>
+              </a:solidFill>
+              <a:latin typeface="Microsoft YaHei" panose="020B0503020204020204" pitchFamily="34" charset="-122"/>
+              <a:ea typeface="Microsoft YaHei" panose="020B0503020204020204" pitchFamily="34" charset="-122"/>
+            </a:endParaRPr>
           </a:p>
         </p:txBody>
       </p:sp>
@@ -9167,6 +10254,13 @@
               </a:rPr>
               <a:t>Recursion</a:t>
             </a:r>
+            <a:endParaRPr lang="en-US" altLang="zh-CN" sz="2400" b="1" dirty="0">
+              <a:solidFill>
+                <a:srgbClr val="05B780"/>
+              </a:solidFill>
+              <a:latin typeface="Microsoft YaHei" panose="020B0503020204020204" pitchFamily="34" charset="-122"/>
+              <a:ea typeface="Microsoft YaHei" panose="020B0503020204020204" pitchFamily="34" charset="-122"/>
+            </a:endParaRPr>
           </a:p>
         </p:txBody>
       </p:sp>
@@ -9583,6 +10677,4024 @@
 </p:sld>
 </file>
 
+<file path=ppt/slides/slide20.xml><?xml version="1.0" encoding="utf-8"?>
+<p:sld xmlns:a="http://schemas.openxmlformats.org/drawingml/2006/main" xmlns:r="http://schemas.openxmlformats.org/officeDocument/2006/relationships" xmlns:p="http://schemas.openxmlformats.org/presentationml/2006/main">
+  <p:cSld>
+    <p:spTree>
+      <p:nvGrpSpPr>
+        <p:cNvPr id="1" name=""/>
+        <p:cNvGrpSpPr/>
+        <p:nvPr/>
+      </p:nvGrpSpPr>
+      <p:grpSpPr>
+        <a:xfrm>
+          <a:off x="0" y="0"/>
+          <a:ext cx="0" cy="0"/>
+          <a:chOff x="0" y="0"/>
+          <a:chExt cx="0" cy="0"/>
+        </a:xfrm>
+      </p:grpSpPr>
+      <p:sp>
+        <p:nvSpPr>
+          <p:cNvPr id="15" name="任意多边形 14"/>
+          <p:cNvSpPr/>
+          <p:nvPr/>
+        </p:nvSpPr>
+        <p:spPr>
+          <a:xfrm>
+            <a:off x="0" y="274638"/>
+            <a:ext cx="890588" cy="639763"/>
+          </a:xfrm>
+          <a:custGeom>
+            <a:avLst/>
+            <a:gdLst>
+              <a:gd name="connsiteX0" fmla="*/ 0 w 1029743"/>
+              <a:gd name="connsiteY0" fmla="*/ 0 h 739718"/>
+              <a:gd name="connsiteX1" fmla="*/ 659884 w 1029743"/>
+              <a:gd name="connsiteY1" fmla="*/ 0 h 739718"/>
+              <a:gd name="connsiteX2" fmla="*/ 1029743 w 1029743"/>
+              <a:gd name="connsiteY2" fmla="*/ 369859 h 739718"/>
+              <a:gd name="connsiteX3" fmla="*/ 659884 w 1029743"/>
+              <a:gd name="connsiteY3" fmla="*/ 739718 h 739718"/>
+              <a:gd name="connsiteX4" fmla="*/ 0 w 1029743"/>
+              <a:gd name="connsiteY4" fmla="*/ 739718 h 739718"/>
+            </a:gdLst>
+            <a:ahLst/>
+            <a:cxnLst>
+              <a:cxn ang="0">
+                <a:pos x="connsiteX0" y="connsiteY0"/>
+              </a:cxn>
+              <a:cxn ang="0">
+                <a:pos x="connsiteX1" y="connsiteY1"/>
+              </a:cxn>
+              <a:cxn ang="0">
+                <a:pos x="connsiteX2" y="connsiteY2"/>
+              </a:cxn>
+              <a:cxn ang="0">
+                <a:pos x="connsiteX3" y="connsiteY3"/>
+              </a:cxn>
+              <a:cxn ang="0">
+                <a:pos x="connsiteX4" y="connsiteY4"/>
+              </a:cxn>
+            </a:cxnLst>
+            <a:rect l="l" t="t" r="r" b="b"/>
+            <a:pathLst>
+              <a:path w="1029743" h="739718">
+                <a:moveTo>
+                  <a:pt x="0" y="0"/>
+                </a:moveTo>
+                <a:lnTo>
+                  <a:pt x="659884" y="0"/>
+                </a:lnTo>
+                <a:cubicBezTo>
+                  <a:pt x="864151" y="0"/>
+                  <a:pt x="1029743" y="165592"/>
+                  <a:pt x="1029743" y="369859"/>
+                </a:cubicBezTo>
+                <a:cubicBezTo>
+                  <a:pt x="1029743" y="574126"/>
+                  <a:pt x="864151" y="739718"/>
+                  <a:pt x="659884" y="739718"/>
+                </a:cubicBezTo>
+                <a:lnTo>
+                  <a:pt x="0" y="739718"/>
+                </a:lnTo>
+                <a:close/>
+              </a:path>
+            </a:pathLst>
+          </a:custGeom>
+          <a:solidFill>
+            <a:srgbClr val="05B780"/>
+          </a:solidFill>
+          <a:ln>
+            <a:noFill/>
+          </a:ln>
+        </p:spPr>
+        <p:style>
+          <a:lnRef idx="2">
+            <a:schemeClr val="accent1">
+              <a:shade val="50000"/>
+            </a:schemeClr>
+          </a:lnRef>
+          <a:fillRef idx="1">
+            <a:schemeClr val="accent1"/>
+          </a:fillRef>
+          <a:effectRef idx="0">
+            <a:schemeClr val="accent1"/>
+          </a:effectRef>
+          <a:fontRef idx="minor">
+            <a:schemeClr val="lt1"/>
+          </a:fontRef>
+        </p:style>
+        <p:txBody>
+          <a:bodyPr anchor="ctr"/>
+          <a:lstStyle/>
+          <a:p>
+            <a:pPr marL="0" marR="0" lvl="0" indent="0" algn="ctr" defTabSz="914400" rtl="0" eaLnBrk="1" fontAlgn="auto" latinLnBrk="0" hangingPunct="1">
+              <a:lnSpc>
+                <a:spcPct val="100000"/>
+              </a:lnSpc>
+              <a:spcBef>
+                <a:spcPts val="0"/>
+              </a:spcBef>
+              <a:spcAft>
+                <a:spcPts val="0"/>
+              </a:spcAft>
+              <a:buClrTx/>
+              <a:buSzTx/>
+              <a:buFontTx/>
+              <a:buNone/>
+              <a:defRPr/>
+            </a:pPr>
+            <a:endParaRPr kumimoji="0" lang="zh-CN" altLang="en-US" sz="1800" b="0" i="0" u="none" strike="noStrike" kern="1200" cap="none" spc="0" normalizeH="0" baseline="0" noProof="0">
+              <a:ln>
+                <a:noFill/>
+              </a:ln>
+              <a:solidFill>
+                <a:schemeClr val="bg1"/>
+              </a:solidFill>
+              <a:effectLst/>
+              <a:uLnTx/>
+              <a:uFillTx/>
+              <a:latin typeface="+mn-lt"/>
+              <a:ea typeface="+mn-ea"/>
+              <a:cs typeface="+mn-cs"/>
+            </a:endParaRPr>
+          </a:p>
+        </p:txBody>
+      </p:sp>
+      <p:sp>
+        <p:nvSpPr>
+          <p:cNvPr id="7170" name="文本框 156"/>
+          <p:cNvSpPr txBox="1"/>
+          <p:nvPr/>
+        </p:nvSpPr>
+        <p:spPr>
+          <a:xfrm>
+            <a:off x="0" y="350838"/>
+            <a:ext cx="814388" cy="521970"/>
+          </a:xfrm>
+          <a:prstGeom prst="rect">
+            <a:avLst/>
+          </a:prstGeom>
+          <a:noFill/>
+          <a:ln w="9525">
+            <a:noFill/>
+          </a:ln>
+        </p:spPr>
+        <p:txBody>
+          <a:bodyPr anchor="t" anchorCtr="0">
+            <a:spAutoFit/>
+          </a:bodyPr>
+          <a:lstStyle/>
+          <a:p>
+            <a:pPr>
+              <a:buFont typeface="Arial" panose="020B0604020202020204" pitchFamily="34" charset="0"/>
+            </a:pPr>
+            <a:r>
+              <a:rPr lang="en-US" altLang="zh-CN" sz="2800" b="1" dirty="0">
+                <a:solidFill>
+                  <a:schemeClr val="bg1"/>
+                </a:solidFill>
+                <a:latin typeface="Microsoft YaHei" panose="020B0503020204020204" pitchFamily="34" charset="-122"/>
+                <a:ea typeface="Microsoft YaHei" panose="020B0503020204020204" pitchFamily="34" charset="-122"/>
+              </a:rPr>
+              <a:t>3.7</a:t>
+            </a:r>
+            <a:endParaRPr lang="en-US" altLang="zh-CN" sz="2800" b="1" dirty="0">
+              <a:solidFill>
+                <a:schemeClr val="bg1"/>
+              </a:solidFill>
+              <a:latin typeface="Microsoft YaHei" panose="020B0503020204020204" pitchFamily="34" charset="-122"/>
+              <a:ea typeface="Microsoft YaHei" panose="020B0503020204020204" pitchFamily="34" charset="-122"/>
+            </a:endParaRPr>
+          </a:p>
+        </p:txBody>
+      </p:sp>
+      <p:sp>
+        <p:nvSpPr>
+          <p:cNvPr id="16" name="Rectangle 6"/>
+          <p:cNvSpPr>
+            <a:spLocks noChangeArrowheads="1"/>
+          </p:cNvSpPr>
+          <p:nvPr/>
+        </p:nvSpPr>
+        <p:spPr bwMode="black">
+          <a:xfrm>
+            <a:off x="1021080" y="351155"/>
+            <a:ext cx="6515735" cy="521970"/>
+          </a:xfrm>
+          <a:prstGeom prst="rect">
+            <a:avLst/>
+          </a:prstGeom>
+          <a:noFill/>
+          <a:ln>
+            <a:noFill/>
+          </a:ln>
+          <a:effectLst/>
+          <a:extLst>
+            <a:ext uri="{909E8E84-426E-40DD-AFC4-6F175D3DCCD1}">
+              <a14:hiddenFill xmlns:a14="http://schemas.microsoft.com/office/drawing/2010/main">
+                <a:solidFill>
+                  <a:schemeClr val="accent1"/>
+                </a:solidFill>
+              </a14:hiddenFill>
+            </a:ext>
+            <a:ext uri="{91240B29-F687-4F45-9708-019B960494DF}">
+              <a14:hiddenLine xmlns:a14="http://schemas.microsoft.com/office/drawing/2010/main" w="9525">
+                <a:solidFill>
+                  <a:schemeClr val="tx1"/>
+                </a:solidFill>
+                <a:miter lim="800000"/>
+                <a:headEnd/>
+                <a:tailEnd/>
+              </a14:hiddenLine>
+            </a:ext>
+            <a:ext uri="{AF507438-7753-43E0-B8FC-AC1667EBCBE1}">
+              <a14:hiddenEffects xmlns:a14="http://schemas.microsoft.com/office/drawing/2010/main">
+                <a:effectLst>
+                  <a:outerShdw dist="35921" dir="2700000" algn="ctr" rotWithShape="0">
+                    <a:schemeClr val="bg2"/>
+                  </a:outerShdw>
+                </a:effectLst>
+              </a14:hiddenEffects>
+            </a:ext>
+          </a:extLst>
+        </p:spPr>
+        <p:txBody>
+          <a:bodyPr wrap="square">
+            <a:spAutoFit/>
+          </a:bodyPr>
+          <a:lstStyle/>
+          <a:p>
+            <a:pPr marL="0" marR="0" lvl="0" indent="0" algn="l" defTabSz="914400" rtl="0" eaLnBrk="0" fontAlgn="auto" latinLnBrk="0" hangingPunct="0">
+              <a:lnSpc>
+                <a:spcPct val="100000"/>
+              </a:lnSpc>
+              <a:spcBef>
+                <a:spcPts val="0"/>
+              </a:spcBef>
+              <a:spcAft>
+                <a:spcPts val="0"/>
+              </a:spcAft>
+              <a:buClrTx/>
+              <a:buSzTx/>
+              <a:buFontTx/>
+              <a:buNone/>
+              <a:defRPr/>
+            </a:pPr>
+            <a:r>
+              <a:rPr lang="en-US" altLang="zh-CN" sz="2800" b="1" noProof="0" dirty="0">
+                <a:ln>
+                  <a:noFill/>
+                </a:ln>
+                <a:solidFill>
+                  <a:schemeClr val="tx1">
+                    <a:lumMod val="85000"/>
+                    <a:lumOff val="15000"/>
+                  </a:schemeClr>
+                </a:solidFill>
+                <a:effectLst/>
+                <a:uLnTx/>
+                <a:uFillTx/>
+                <a:latin typeface="Microsoft YaHei" panose="020B0503020204020204" pitchFamily="34" charset="-122"/>
+                <a:ea typeface="Microsoft YaHei" panose="020B0503020204020204" pitchFamily="34" charset="-122"/>
+                <a:sym typeface="+mn-ea"/>
+              </a:rPr>
+              <a:t>Time Complexity of Merge Sort</a:t>
+            </a:r>
+            <a:endParaRPr kumimoji="0" lang="en-US" altLang="zh-CN" sz="2800" b="1" i="0" u="none" strike="noStrike" kern="1200" cap="none" spc="0" normalizeH="0" baseline="0" noProof="0" dirty="0">
+              <a:ln>
+                <a:noFill/>
+              </a:ln>
+              <a:solidFill>
+                <a:schemeClr val="tx1">
+                  <a:lumMod val="85000"/>
+                  <a:lumOff val="15000"/>
+                </a:schemeClr>
+              </a:solidFill>
+              <a:effectLst/>
+              <a:uLnTx/>
+              <a:uFillTx/>
+              <a:latin typeface="Microsoft YaHei" panose="020B0503020204020204" pitchFamily="34" charset="-122"/>
+              <a:ea typeface="Microsoft YaHei" panose="020B0503020204020204" pitchFamily="34" charset="-122"/>
+              <a:cs typeface="+mn-cs"/>
+              <a:sym typeface="+mn-ea"/>
+            </a:endParaRPr>
+          </a:p>
+        </p:txBody>
+      </p:sp>
+      <p:sp>
+        <p:nvSpPr>
+          <p:cNvPr id="3" name="Content Placeholder 2"/>
+          <p:cNvSpPr>
+            <a:spLocks noGrp="1"/>
+          </p:cNvSpPr>
+          <p:nvPr>
+            <p:ph idx="1"/>
+          </p:nvPr>
+        </p:nvSpPr>
+        <p:spPr>
+          <a:xfrm>
+            <a:off x="838200" y="1825625"/>
+            <a:ext cx="5177155" cy="4351655"/>
+          </a:xfrm>
+        </p:spPr>
+        <p:txBody>
+          <a:bodyPr/>
+          <a:lstStyle/>
+          <a:p>
+            <a:r>
+              <a:rPr lang="en-US" dirty="0"/>
+              <a:t>Looking at the recursive DAC component, this resembles a Binary Tree</a:t>
+            </a:r>
+            <a:endParaRPr lang="en-US" dirty="0"/>
+          </a:p>
+          <a:p>
+            <a:r>
+              <a:rPr lang="en-US" dirty="0"/>
+              <a:t>What is the height(depth) of a Binary Tree?</a:t>
+            </a:r>
+            <a:endParaRPr lang="en-US" dirty="0"/>
+          </a:p>
+          <a:p>
+            <a:r>
+              <a:rPr lang="en-US" dirty="0"/>
+              <a:t>What is the time complexity of our Merge Sort algorithm?</a:t>
+            </a:r>
+            <a:endParaRPr lang="en-US" dirty="0"/>
+          </a:p>
+        </p:txBody>
+      </p:sp>
+      <p:pic>
+        <p:nvPicPr>
+          <p:cNvPr id="5" name="Content Placeholder 4"/>
+          <p:cNvPicPr>
+            <a:picLocks noChangeAspect="1"/>
+          </p:cNvPicPr>
+          <p:nvPr/>
+        </p:nvPicPr>
+        <p:blipFill>
+          <a:blip r:embed="rId1"/>
+          <a:stretch>
+            <a:fillRect/>
+          </a:stretch>
+        </p:blipFill>
+        <p:spPr>
+          <a:xfrm>
+            <a:off x="7087870" y="1927225"/>
+            <a:ext cx="4513580" cy="3803650"/>
+          </a:xfrm>
+          <a:prstGeom prst="rect">
+            <a:avLst/>
+          </a:prstGeom>
+          <a:noFill/>
+          <a:ln w="9525">
+            <a:noFill/>
+          </a:ln>
+        </p:spPr>
+      </p:pic>
+    </p:spTree>
+  </p:cSld>
+  <p:clrMapOvr>
+    <a:masterClrMapping/>
+  </p:clrMapOvr>
+  <p:transition spd="slow">
+    <p:wipe/>
+  </p:transition>
+</p:sld>
+</file>
+
+<file path=ppt/slides/slide21.xml><?xml version="1.0" encoding="utf-8"?>
+<p:sld xmlns:a="http://schemas.openxmlformats.org/drawingml/2006/main" xmlns:r="http://schemas.openxmlformats.org/officeDocument/2006/relationships" xmlns:p="http://schemas.openxmlformats.org/presentationml/2006/main">
+  <p:cSld>
+    <p:spTree>
+      <p:nvGrpSpPr>
+        <p:cNvPr id="1" name=""/>
+        <p:cNvGrpSpPr/>
+        <p:nvPr/>
+      </p:nvGrpSpPr>
+      <p:grpSpPr>
+        <a:xfrm>
+          <a:off x="0" y="0"/>
+          <a:ext cx="0" cy="0"/>
+          <a:chOff x="0" y="0"/>
+          <a:chExt cx="0" cy="0"/>
+        </a:xfrm>
+      </p:grpSpPr>
+      <p:sp>
+        <p:nvSpPr>
+          <p:cNvPr id="15" name="任意多边形 14"/>
+          <p:cNvSpPr/>
+          <p:nvPr/>
+        </p:nvSpPr>
+        <p:spPr>
+          <a:xfrm>
+            <a:off x="0" y="274638"/>
+            <a:ext cx="890588" cy="639763"/>
+          </a:xfrm>
+          <a:custGeom>
+            <a:avLst/>
+            <a:gdLst>
+              <a:gd name="connsiteX0" fmla="*/ 0 w 1029743"/>
+              <a:gd name="connsiteY0" fmla="*/ 0 h 739718"/>
+              <a:gd name="connsiteX1" fmla="*/ 659884 w 1029743"/>
+              <a:gd name="connsiteY1" fmla="*/ 0 h 739718"/>
+              <a:gd name="connsiteX2" fmla="*/ 1029743 w 1029743"/>
+              <a:gd name="connsiteY2" fmla="*/ 369859 h 739718"/>
+              <a:gd name="connsiteX3" fmla="*/ 659884 w 1029743"/>
+              <a:gd name="connsiteY3" fmla="*/ 739718 h 739718"/>
+              <a:gd name="connsiteX4" fmla="*/ 0 w 1029743"/>
+              <a:gd name="connsiteY4" fmla="*/ 739718 h 739718"/>
+            </a:gdLst>
+            <a:ahLst/>
+            <a:cxnLst>
+              <a:cxn ang="0">
+                <a:pos x="connsiteX0" y="connsiteY0"/>
+              </a:cxn>
+              <a:cxn ang="0">
+                <a:pos x="connsiteX1" y="connsiteY1"/>
+              </a:cxn>
+              <a:cxn ang="0">
+                <a:pos x="connsiteX2" y="connsiteY2"/>
+              </a:cxn>
+              <a:cxn ang="0">
+                <a:pos x="connsiteX3" y="connsiteY3"/>
+              </a:cxn>
+              <a:cxn ang="0">
+                <a:pos x="connsiteX4" y="connsiteY4"/>
+              </a:cxn>
+            </a:cxnLst>
+            <a:rect l="l" t="t" r="r" b="b"/>
+            <a:pathLst>
+              <a:path w="1029743" h="739718">
+                <a:moveTo>
+                  <a:pt x="0" y="0"/>
+                </a:moveTo>
+                <a:lnTo>
+                  <a:pt x="659884" y="0"/>
+                </a:lnTo>
+                <a:cubicBezTo>
+                  <a:pt x="864151" y="0"/>
+                  <a:pt x="1029743" y="165592"/>
+                  <a:pt x="1029743" y="369859"/>
+                </a:cubicBezTo>
+                <a:cubicBezTo>
+                  <a:pt x="1029743" y="574126"/>
+                  <a:pt x="864151" y="739718"/>
+                  <a:pt x="659884" y="739718"/>
+                </a:cubicBezTo>
+                <a:lnTo>
+                  <a:pt x="0" y="739718"/>
+                </a:lnTo>
+                <a:close/>
+              </a:path>
+            </a:pathLst>
+          </a:custGeom>
+          <a:solidFill>
+            <a:srgbClr val="05B780"/>
+          </a:solidFill>
+          <a:ln>
+            <a:noFill/>
+          </a:ln>
+        </p:spPr>
+        <p:style>
+          <a:lnRef idx="2">
+            <a:schemeClr val="accent1">
+              <a:shade val="50000"/>
+            </a:schemeClr>
+          </a:lnRef>
+          <a:fillRef idx="1">
+            <a:schemeClr val="accent1"/>
+          </a:fillRef>
+          <a:effectRef idx="0">
+            <a:schemeClr val="accent1"/>
+          </a:effectRef>
+          <a:fontRef idx="minor">
+            <a:schemeClr val="lt1"/>
+          </a:fontRef>
+        </p:style>
+        <p:txBody>
+          <a:bodyPr anchor="ctr"/>
+          <a:lstStyle/>
+          <a:p>
+            <a:pPr marL="0" marR="0" lvl="0" indent="0" algn="ctr" defTabSz="914400" rtl="0" eaLnBrk="1" fontAlgn="auto" latinLnBrk="0" hangingPunct="1">
+              <a:lnSpc>
+                <a:spcPct val="100000"/>
+              </a:lnSpc>
+              <a:spcBef>
+                <a:spcPts val="0"/>
+              </a:spcBef>
+              <a:spcAft>
+                <a:spcPts val="0"/>
+              </a:spcAft>
+              <a:buClrTx/>
+              <a:buSzTx/>
+              <a:buFontTx/>
+              <a:buNone/>
+              <a:defRPr/>
+            </a:pPr>
+            <a:endParaRPr kumimoji="0" lang="zh-CN" altLang="en-US" sz="1800" b="0" i="0" u="none" strike="noStrike" kern="1200" cap="none" spc="0" normalizeH="0" baseline="0" noProof="0">
+              <a:ln>
+                <a:noFill/>
+              </a:ln>
+              <a:solidFill>
+                <a:schemeClr val="bg1"/>
+              </a:solidFill>
+              <a:effectLst/>
+              <a:uLnTx/>
+              <a:uFillTx/>
+              <a:latin typeface="+mn-lt"/>
+              <a:ea typeface="+mn-ea"/>
+              <a:cs typeface="+mn-cs"/>
+            </a:endParaRPr>
+          </a:p>
+        </p:txBody>
+      </p:sp>
+      <p:sp>
+        <p:nvSpPr>
+          <p:cNvPr id="7170" name="文本框 156"/>
+          <p:cNvSpPr txBox="1"/>
+          <p:nvPr/>
+        </p:nvSpPr>
+        <p:spPr>
+          <a:xfrm>
+            <a:off x="0" y="350838"/>
+            <a:ext cx="814388" cy="521970"/>
+          </a:xfrm>
+          <a:prstGeom prst="rect">
+            <a:avLst/>
+          </a:prstGeom>
+          <a:noFill/>
+          <a:ln w="9525">
+            <a:noFill/>
+          </a:ln>
+        </p:spPr>
+        <p:txBody>
+          <a:bodyPr anchor="t" anchorCtr="0">
+            <a:spAutoFit/>
+          </a:bodyPr>
+          <a:lstStyle/>
+          <a:p>
+            <a:pPr>
+              <a:buFont typeface="Arial" panose="020B0604020202020204" pitchFamily="34" charset="0"/>
+            </a:pPr>
+            <a:r>
+              <a:rPr lang="en-US" altLang="zh-CN" sz="2800" b="1" dirty="0">
+                <a:solidFill>
+                  <a:schemeClr val="bg1"/>
+                </a:solidFill>
+                <a:latin typeface="Microsoft YaHei" panose="020B0503020204020204" pitchFamily="34" charset="-122"/>
+                <a:ea typeface="Microsoft YaHei" panose="020B0503020204020204" pitchFamily="34" charset="-122"/>
+              </a:rPr>
+              <a:t>3.8</a:t>
+            </a:r>
+            <a:endParaRPr lang="en-US" altLang="zh-CN" sz="2800" b="1" dirty="0">
+              <a:solidFill>
+                <a:schemeClr val="bg1"/>
+              </a:solidFill>
+              <a:latin typeface="Microsoft YaHei" panose="020B0503020204020204" pitchFamily="34" charset="-122"/>
+              <a:ea typeface="Microsoft YaHei" panose="020B0503020204020204" pitchFamily="34" charset="-122"/>
+            </a:endParaRPr>
+          </a:p>
+        </p:txBody>
+      </p:sp>
+      <p:sp>
+        <p:nvSpPr>
+          <p:cNvPr id="16" name="Rectangle 6"/>
+          <p:cNvSpPr>
+            <a:spLocks noChangeArrowheads="1"/>
+          </p:cNvSpPr>
+          <p:nvPr/>
+        </p:nvSpPr>
+        <p:spPr bwMode="black">
+          <a:xfrm>
+            <a:off x="1021080" y="351155"/>
+            <a:ext cx="6515735" cy="521970"/>
+          </a:xfrm>
+          <a:prstGeom prst="rect">
+            <a:avLst/>
+          </a:prstGeom>
+          <a:noFill/>
+          <a:ln>
+            <a:noFill/>
+          </a:ln>
+          <a:effectLst/>
+          <a:extLst>
+            <a:ext uri="{909E8E84-426E-40DD-AFC4-6F175D3DCCD1}">
+              <a14:hiddenFill xmlns:a14="http://schemas.microsoft.com/office/drawing/2010/main">
+                <a:solidFill>
+                  <a:schemeClr val="accent1"/>
+                </a:solidFill>
+              </a14:hiddenFill>
+            </a:ext>
+            <a:ext uri="{91240B29-F687-4F45-9708-019B960494DF}">
+              <a14:hiddenLine xmlns:a14="http://schemas.microsoft.com/office/drawing/2010/main" w="9525">
+                <a:solidFill>
+                  <a:schemeClr val="tx1"/>
+                </a:solidFill>
+                <a:miter lim="800000"/>
+                <a:headEnd/>
+                <a:tailEnd/>
+              </a14:hiddenLine>
+            </a:ext>
+            <a:ext uri="{AF507438-7753-43E0-B8FC-AC1667EBCBE1}">
+              <a14:hiddenEffects xmlns:a14="http://schemas.microsoft.com/office/drawing/2010/main">
+                <a:effectLst>
+                  <a:outerShdw dist="35921" dir="2700000" algn="ctr" rotWithShape="0">
+                    <a:schemeClr val="bg2"/>
+                  </a:outerShdw>
+                </a:effectLst>
+              </a14:hiddenEffects>
+            </a:ext>
+          </a:extLst>
+        </p:spPr>
+        <p:txBody>
+          <a:bodyPr wrap="square">
+            <a:spAutoFit/>
+          </a:bodyPr>
+          <a:lstStyle/>
+          <a:p>
+            <a:pPr marL="0" marR="0" lvl="0" indent="0" algn="l" defTabSz="914400" rtl="0" eaLnBrk="0" fontAlgn="auto" latinLnBrk="0" hangingPunct="0">
+              <a:lnSpc>
+                <a:spcPct val="100000"/>
+              </a:lnSpc>
+              <a:spcBef>
+                <a:spcPts val="0"/>
+              </a:spcBef>
+              <a:spcAft>
+                <a:spcPts val="0"/>
+              </a:spcAft>
+              <a:buClrTx/>
+              <a:buSzTx/>
+              <a:buFontTx/>
+              <a:buNone/>
+              <a:defRPr/>
+            </a:pPr>
+            <a:r>
+              <a:rPr lang="en-US" altLang="zh-CN" sz="2800" b="1" noProof="0" dirty="0">
+                <a:ln>
+                  <a:noFill/>
+                </a:ln>
+                <a:solidFill>
+                  <a:schemeClr val="tx1">
+                    <a:lumMod val="85000"/>
+                    <a:lumOff val="15000"/>
+                  </a:schemeClr>
+                </a:solidFill>
+                <a:effectLst/>
+                <a:uLnTx/>
+                <a:uFillTx/>
+                <a:latin typeface="Microsoft YaHei" panose="020B0503020204020204" pitchFamily="34" charset="-122"/>
+                <a:ea typeface="Microsoft YaHei" panose="020B0503020204020204" pitchFamily="34" charset="-122"/>
+                <a:sym typeface="+mn-ea"/>
+              </a:rPr>
+              <a:t>Time Complexity of Merge Sort</a:t>
+            </a:r>
+            <a:endParaRPr kumimoji="0" lang="en-US" altLang="zh-CN" sz="2800" b="1" i="0" u="none" strike="noStrike" kern="1200" cap="none" spc="0" normalizeH="0" baseline="0" noProof="0" dirty="0">
+              <a:ln>
+                <a:noFill/>
+              </a:ln>
+              <a:solidFill>
+                <a:schemeClr val="tx1">
+                  <a:lumMod val="85000"/>
+                  <a:lumOff val="15000"/>
+                </a:schemeClr>
+              </a:solidFill>
+              <a:effectLst/>
+              <a:uLnTx/>
+              <a:uFillTx/>
+              <a:latin typeface="Microsoft YaHei" panose="020B0503020204020204" pitchFamily="34" charset="-122"/>
+              <a:ea typeface="Microsoft YaHei" panose="020B0503020204020204" pitchFamily="34" charset="-122"/>
+              <a:cs typeface="+mn-cs"/>
+              <a:sym typeface="+mn-ea"/>
+            </a:endParaRPr>
+          </a:p>
+        </p:txBody>
+      </p:sp>
+      <p:sp>
+        <p:nvSpPr>
+          <p:cNvPr id="3" name="Content Placeholder 2"/>
+          <p:cNvSpPr>
+            <a:spLocks noGrp="1"/>
+          </p:cNvSpPr>
+          <p:nvPr>
+            <p:ph idx="1"/>
+          </p:nvPr>
+        </p:nvSpPr>
+        <p:spPr>
+          <a:xfrm>
+            <a:off x="541020" y="1344930"/>
+            <a:ext cx="5187315" cy="4351655"/>
+          </a:xfrm>
+        </p:spPr>
+        <p:txBody>
+          <a:bodyPr/>
+          <a:lstStyle/>
+          <a:p>
+            <a:r>
+              <a:rPr lang="en-US" dirty="0"/>
+              <a:t>Recall in our first week, we practiced a brute-force sorting algorithm that achieved O(n^2) time complexity</a:t>
+            </a:r>
+            <a:endParaRPr lang="en-US" dirty="0"/>
+          </a:p>
+          <a:p>
+            <a:r>
+              <a:rPr lang="en-US" dirty="0"/>
+              <a:t>Compare that against the Merge Sort at O(nlogn) time complexity</a:t>
+            </a:r>
+            <a:endParaRPr lang="en-US" dirty="0"/>
+          </a:p>
+        </p:txBody>
+      </p:sp>
+      <p:pic>
+        <p:nvPicPr>
+          <p:cNvPr id="2" name="Content Placeholder 1"/>
+          <p:cNvPicPr>
+            <a:picLocks noChangeAspect="1"/>
+          </p:cNvPicPr>
+          <p:nvPr/>
+        </p:nvPicPr>
+        <p:blipFill>
+          <a:blip r:embed="rId1"/>
+          <a:stretch>
+            <a:fillRect/>
+          </a:stretch>
+        </p:blipFill>
+        <p:spPr>
+          <a:xfrm>
+            <a:off x="5954395" y="1628775"/>
+            <a:ext cx="5974715" cy="3783965"/>
+          </a:xfrm>
+          <a:prstGeom prst="rect">
+            <a:avLst/>
+          </a:prstGeom>
+          <a:noFill/>
+          <a:ln w="9525">
+            <a:noFill/>
+          </a:ln>
+        </p:spPr>
+      </p:pic>
+    </p:spTree>
+  </p:cSld>
+  <p:clrMapOvr>
+    <a:masterClrMapping/>
+  </p:clrMapOvr>
+  <p:transition spd="slow">
+    <p:wipe/>
+  </p:transition>
+</p:sld>
+</file>
+
+<file path=ppt/slides/slide22.xml><?xml version="1.0" encoding="utf-8"?>
+<p:sld xmlns:a="http://schemas.openxmlformats.org/drawingml/2006/main" xmlns:r="http://schemas.openxmlformats.org/officeDocument/2006/relationships" xmlns:p="http://schemas.openxmlformats.org/presentationml/2006/main">
+  <p:cSld>
+    <p:spTree>
+      <p:nvGrpSpPr>
+        <p:cNvPr id="1" name=""/>
+        <p:cNvGrpSpPr/>
+        <p:nvPr/>
+      </p:nvGrpSpPr>
+      <p:grpSpPr>
+        <a:xfrm>
+          <a:off x="0" y="0"/>
+          <a:ext cx="0" cy="0"/>
+          <a:chOff x="0" y="0"/>
+          <a:chExt cx="0" cy="0"/>
+        </a:xfrm>
+      </p:grpSpPr>
+      <p:sp>
+        <p:nvSpPr>
+          <p:cNvPr id="15" name="任意多边形 14"/>
+          <p:cNvSpPr/>
+          <p:nvPr/>
+        </p:nvSpPr>
+        <p:spPr>
+          <a:xfrm>
+            <a:off x="0" y="274638"/>
+            <a:ext cx="890588" cy="639763"/>
+          </a:xfrm>
+          <a:custGeom>
+            <a:avLst/>
+            <a:gdLst>
+              <a:gd name="connsiteX0" fmla="*/ 0 w 1029743"/>
+              <a:gd name="connsiteY0" fmla="*/ 0 h 739718"/>
+              <a:gd name="connsiteX1" fmla="*/ 659884 w 1029743"/>
+              <a:gd name="connsiteY1" fmla="*/ 0 h 739718"/>
+              <a:gd name="connsiteX2" fmla="*/ 1029743 w 1029743"/>
+              <a:gd name="connsiteY2" fmla="*/ 369859 h 739718"/>
+              <a:gd name="connsiteX3" fmla="*/ 659884 w 1029743"/>
+              <a:gd name="connsiteY3" fmla="*/ 739718 h 739718"/>
+              <a:gd name="connsiteX4" fmla="*/ 0 w 1029743"/>
+              <a:gd name="connsiteY4" fmla="*/ 739718 h 739718"/>
+            </a:gdLst>
+            <a:ahLst/>
+            <a:cxnLst>
+              <a:cxn ang="0">
+                <a:pos x="connsiteX0" y="connsiteY0"/>
+              </a:cxn>
+              <a:cxn ang="0">
+                <a:pos x="connsiteX1" y="connsiteY1"/>
+              </a:cxn>
+              <a:cxn ang="0">
+                <a:pos x="connsiteX2" y="connsiteY2"/>
+              </a:cxn>
+              <a:cxn ang="0">
+                <a:pos x="connsiteX3" y="connsiteY3"/>
+              </a:cxn>
+              <a:cxn ang="0">
+                <a:pos x="connsiteX4" y="connsiteY4"/>
+              </a:cxn>
+            </a:cxnLst>
+            <a:rect l="l" t="t" r="r" b="b"/>
+            <a:pathLst>
+              <a:path w="1029743" h="739718">
+                <a:moveTo>
+                  <a:pt x="0" y="0"/>
+                </a:moveTo>
+                <a:lnTo>
+                  <a:pt x="659884" y="0"/>
+                </a:lnTo>
+                <a:cubicBezTo>
+                  <a:pt x="864151" y="0"/>
+                  <a:pt x="1029743" y="165592"/>
+                  <a:pt x="1029743" y="369859"/>
+                </a:cubicBezTo>
+                <a:cubicBezTo>
+                  <a:pt x="1029743" y="574126"/>
+                  <a:pt x="864151" y="739718"/>
+                  <a:pt x="659884" y="739718"/>
+                </a:cubicBezTo>
+                <a:lnTo>
+                  <a:pt x="0" y="739718"/>
+                </a:lnTo>
+                <a:close/>
+              </a:path>
+            </a:pathLst>
+          </a:custGeom>
+          <a:solidFill>
+            <a:srgbClr val="05B780"/>
+          </a:solidFill>
+          <a:ln>
+            <a:noFill/>
+          </a:ln>
+        </p:spPr>
+        <p:style>
+          <a:lnRef idx="2">
+            <a:schemeClr val="accent1">
+              <a:shade val="50000"/>
+            </a:schemeClr>
+          </a:lnRef>
+          <a:fillRef idx="1">
+            <a:schemeClr val="accent1"/>
+          </a:fillRef>
+          <a:effectRef idx="0">
+            <a:schemeClr val="accent1"/>
+          </a:effectRef>
+          <a:fontRef idx="minor">
+            <a:schemeClr val="lt1"/>
+          </a:fontRef>
+        </p:style>
+        <p:txBody>
+          <a:bodyPr anchor="ctr"/>
+          <a:lstStyle/>
+          <a:p>
+            <a:pPr marL="0" marR="0" lvl="0" indent="0" algn="ctr" defTabSz="914400" rtl="0" eaLnBrk="1" fontAlgn="auto" latinLnBrk="0" hangingPunct="1">
+              <a:lnSpc>
+                <a:spcPct val="100000"/>
+              </a:lnSpc>
+              <a:spcBef>
+                <a:spcPts val="0"/>
+              </a:spcBef>
+              <a:spcAft>
+                <a:spcPts val="0"/>
+              </a:spcAft>
+              <a:buClrTx/>
+              <a:buSzTx/>
+              <a:buFontTx/>
+              <a:buNone/>
+              <a:defRPr/>
+            </a:pPr>
+            <a:endParaRPr kumimoji="0" lang="zh-CN" altLang="en-US" sz="1800" b="0" i="0" u="none" strike="noStrike" kern="1200" cap="none" spc="0" normalizeH="0" baseline="0" noProof="0">
+              <a:ln>
+                <a:noFill/>
+              </a:ln>
+              <a:solidFill>
+                <a:schemeClr val="bg1"/>
+              </a:solidFill>
+              <a:effectLst/>
+              <a:uLnTx/>
+              <a:uFillTx/>
+              <a:latin typeface="+mn-lt"/>
+              <a:ea typeface="+mn-ea"/>
+              <a:cs typeface="+mn-cs"/>
+            </a:endParaRPr>
+          </a:p>
+        </p:txBody>
+      </p:sp>
+      <p:sp>
+        <p:nvSpPr>
+          <p:cNvPr id="7170" name="文本框 156"/>
+          <p:cNvSpPr txBox="1"/>
+          <p:nvPr/>
+        </p:nvSpPr>
+        <p:spPr>
+          <a:xfrm>
+            <a:off x="0" y="350838"/>
+            <a:ext cx="814388" cy="521970"/>
+          </a:xfrm>
+          <a:prstGeom prst="rect">
+            <a:avLst/>
+          </a:prstGeom>
+          <a:noFill/>
+          <a:ln w="9525">
+            <a:noFill/>
+          </a:ln>
+        </p:spPr>
+        <p:txBody>
+          <a:bodyPr anchor="t" anchorCtr="0">
+            <a:spAutoFit/>
+          </a:bodyPr>
+          <a:lstStyle/>
+          <a:p>
+            <a:pPr>
+              <a:buFont typeface="Arial" panose="020B0604020202020204" pitchFamily="34" charset="0"/>
+            </a:pPr>
+            <a:r>
+              <a:rPr lang="en-US" altLang="zh-CN" sz="2800" b="1" dirty="0">
+                <a:solidFill>
+                  <a:schemeClr val="bg1"/>
+                </a:solidFill>
+                <a:latin typeface="Microsoft YaHei" panose="020B0503020204020204" pitchFamily="34" charset="-122"/>
+                <a:ea typeface="Microsoft YaHei" panose="020B0503020204020204" pitchFamily="34" charset="-122"/>
+              </a:rPr>
+              <a:t>3.9</a:t>
+            </a:r>
+            <a:endParaRPr lang="en-US" altLang="zh-CN" sz="2800" b="1" dirty="0">
+              <a:solidFill>
+                <a:schemeClr val="bg1"/>
+              </a:solidFill>
+              <a:latin typeface="Microsoft YaHei" panose="020B0503020204020204" pitchFamily="34" charset="-122"/>
+              <a:ea typeface="Microsoft YaHei" panose="020B0503020204020204" pitchFamily="34" charset="-122"/>
+            </a:endParaRPr>
+          </a:p>
+        </p:txBody>
+      </p:sp>
+      <p:sp>
+        <p:nvSpPr>
+          <p:cNvPr id="16" name="Rectangle 6"/>
+          <p:cNvSpPr>
+            <a:spLocks noChangeArrowheads="1"/>
+          </p:cNvSpPr>
+          <p:nvPr/>
+        </p:nvSpPr>
+        <p:spPr bwMode="black">
+          <a:xfrm>
+            <a:off x="1021080" y="351155"/>
+            <a:ext cx="6515735" cy="521970"/>
+          </a:xfrm>
+          <a:prstGeom prst="rect">
+            <a:avLst/>
+          </a:prstGeom>
+          <a:noFill/>
+          <a:ln>
+            <a:noFill/>
+          </a:ln>
+          <a:effectLst/>
+          <a:extLst>
+            <a:ext uri="{909E8E84-426E-40DD-AFC4-6F175D3DCCD1}">
+              <a14:hiddenFill xmlns:a14="http://schemas.microsoft.com/office/drawing/2010/main">
+                <a:solidFill>
+                  <a:schemeClr val="accent1"/>
+                </a:solidFill>
+              </a14:hiddenFill>
+            </a:ext>
+            <a:ext uri="{91240B29-F687-4F45-9708-019B960494DF}">
+              <a14:hiddenLine xmlns:a14="http://schemas.microsoft.com/office/drawing/2010/main" w="9525">
+                <a:solidFill>
+                  <a:schemeClr val="tx1"/>
+                </a:solidFill>
+                <a:miter lim="800000"/>
+                <a:headEnd/>
+                <a:tailEnd/>
+              </a14:hiddenLine>
+            </a:ext>
+            <a:ext uri="{AF507438-7753-43E0-B8FC-AC1667EBCBE1}">
+              <a14:hiddenEffects xmlns:a14="http://schemas.microsoft.com/office/drawing/2010/main">
+                <a:effectLst>
+                  <a:outerShdw dist="35921" dir="2700000" algn="ctr" rotWithShape="0">
+                    <a:schemeClr val="bg2"/>
+                  </a:outerShdw>
+                </a:effectLst>
+              </a14:hiddenEffects>
+            </a:ext>
+          </a:extLst>
+        </p:spPr>
+        <p:txBody>
+          <a:bodyPr wrap="square">
+            <a:spAutoFit/>
+          </a:bodyPr>
+          <a:lstStyle/>
+          <a:p>
+            <a:pPr marL="0" marR="0" lvl="0" indent="0" algn="l" defTabSz="914400" rtl="0" eaLnBrk="0" fontAlgn="auto" latinLnBrk="0" hangingPunct="0">
+              <a:lnSpc>
+                <a:spcPct val="100000"/>
+              </a:lnSpc>
+              <a:spcBef>
+                <a:spcPts val="0"/>
+              </a:spcBef>
+              <a:spcAft>
+                <a:spcPts val="0"/>
+              </a:spcAft>
+              <a:buClrTx/>
+              <a:buSzTx/>
+              <a:buFontTx/>
+              <a:buNone/>
+              <a:defRPr/>
+            </a:pPr>
+            <a:r>
+              <a:rPr kumimoji="0" lang="en-US" altLang="zh-CN" sz="2800" b="1" i="0" u="none" strike="noStrike" kern="1200" cap="none" spc="0" normalizeH="0" baseline="0" noProof="0" dirty="0">
+                <a:ln>
+                  <a:noFill/>
+                </a:ln>
+                <a:solidFill>
+                  <a:schemeClr val="tx1">
+                    <a:lumMod val="85000"/>
+                    <a:lumOff val="15000"/>
+                  </a:schemeClr>
+                </a:solidFill>
+                <a:effectLst/>
+                <a:uLnTx/>
+                <a:uFillTx/>
+                <a:latin typeface="Microsoft YaHei" panose="020B0503020204020204" pitchFamily="34" charset="-122"/>
+                <a:ea typeface="Microsoft YaHei" panose="020B0503020204020204" pitchFamily="34" charset="-122"/>
+                <a:cs typeface="+mn-cs"/>
+                <a:sym typeface="+mn-ea"/>
+              </a:rPr>
+              <a:t>Merge Sort Code Demo</a:t>
+            </a:r>
+            <a:endParaRPr kumimoji="0" lang="en-US" altLang="zh-CN" sz="2800" b="1" i="0" u="none" strike="noStrike" kern="1200" cap="none" spc="0" normalizeH="0" baseline="0" noProof="0" dirty="0">
+              <a:ln>
+                <a:noFill/>
+              </a:ln>
+              <a:solidFill>
+                <a:schemeClr val="tx1">
+                  <a:lumMod val="85000"/>
+                  <a:lumOff val="15000"/>
+                </a:schemeClr>
+              </a:solidFill>
+              <a:effectLst/>
+              <a:uLnTx/>
+              <a:uFillTx/>
+              <a:latin typeface="Microsoft YaHei" panose="020B0503020204020204" pitchFamily="34" charset="-122"/>
+              <a:ea typeface="Microsoft YaHei" panose="020B0503020204020204" pitchFamily="34" charset="-122"/>
+              <a:cs typeface="+mn-cs"/>
+              <a:sym typeface="+mn-ea"/>
+            </a:endParaRPr>
+          </a:p>
+        </p:txBody>
+      </p:sp>
+      <p:sp>
+        <p:nvSpPr>
+          <p:cNvPr id="3" name="Content Placeholder 2"/>
+          <p:cNvSpPr>
+            <a:spLocks noGrp="1"/>
+          </p:cNvSpPr>
+          <p:nvPr>
+            <p:ph idx="1"/>
+          </p:nvPr>
+        </p:nvSpPr>
+        <p:spPr/>
+        <p:txBody>
+          <a:bodyPr/>
+          <a:lstStyle/>
+          <a:p>
+            <a:endParaRPr lang="en-US" dirty="0"/>
+          </a:p>
+        </p:txBody>
+      </p:sp>
+    </p:spTree>
+  </p:cSld>
+  <p:clrMapOvr>
+    <a:masterClrMapping/>
+  </p:clrMapOvr>
+  <p:transition spd="slow">
+    <p:wipe/>
+  </p:transition>
+</p:sld>
+</file>
+
+<file path=ppt/slides/slide23.xml><?xml version="1.0" encoding="utf-8"?>
+<p:sld xmlns:a="http://schemas.openxmlformats.org/drawingml/2006/main" xmlns:r="http://schemas.openxmlformats.org/officeDocument/2006/relationships" xmlns:p="http://schemas.openxmlformats.org/presentationml/2006/main">
+  <p:cSld>
+    <p:spTree>
+      <p:nvGrpSpPr>
+        <p:cNvPr id="1" name=""/>
+        <p:cNvGrpSpPr/>
+        <p:nvPr/>
+      </p:nvGrpSpPr>
+      <p:grpSpPr>
+        <a:xfrm>
+          <a:off x="0" y="0"/>
+          <a:ext cx="0" cy="0"/>
+          <a:chOff x="0" y="0"/>
+          <a:chExt cx="0" cy="0"/>
+        </a:xfrm>
+      </p:grpSpPr>
+      <p:sp>
+        <p:nvSpPr>
+          <p:cNvPr id="15" name="任意多边形 14"/>
+          <p:cNvSpPr/>
+          <p:nvPr/>
+        </p:nvSpPr>
+        <p:spPr>
+          <a:xfrm>
+            <a:off x="0" y="274638"/>
+            <a:ext cx="890588" cy="639763"/>
+          </a:xfrm>
+          <a:custGeom>
+            <a:avLst/>
+            <a:gdLst>
+              <a:gd name="connsiteX0" fmla="*/ 0 w 1029743"/>
+              <a:gd name="connsiteY0" fmla="*/ 0 h 739718"/>
+              <a:gd name="connsiteX1" fmla="*/ 659884 w 1029743"/>
+              <a:gd name="connsiteY1" fmla="*/ 0 h 739718"/>
+              <a:gd name="connsiteX2" fmla="*/ 1029743 w 1029743"/>
+              <a:gd name="connsiteY2" fmla="*/ 369859 h 739718"/>
+              <a:gd name="connsiteX3" fmla="*/ 659884 w 1029743"/>
+              <a:gd name="connsiteY3" fmla="*/ 739718 h 739718"/>
+              <a:gd name="connsiteX4" fmla="*/ 0 w 1029743"/>
+              <a:gd name="connsiteY4" fmla="*/ 739718 h 739718"/>
+            </a:gdLst>
+            <a:ahLst/>
+            <a:cxnLst>
+              <a:cxn ang="0">
+                <a:pos x="connsiteX0" y="connsiteY0"/>
+              </a:cxn>
+              <a:cxn ang="0">
+                <a:pos x="connsiteX1" y="connsiteY1"/>
+              </a:cxn>
+              <a:cxn ang="0">
+                <a:pos x="connsiteX2" y="connsiteY2"/>
+              </a:cxn>
+              <a:cxn ang="0">
+                <a:pos x="connsiteX3" y="connsiteY3"/>
+              </a:cxn>
+              <a:cxn ang="0">
+                <a:pos x="connsiteX4" y="connsiteY4"/>
+              </a:cxn>
+            </a:cxnLst>
+            <a:rect l="l" t="t" r="r" b="b"/>
+            <a:pathLst>
+              <a:path w="1029743" h="739718">
+                <a:moveTo>
+                  <a:pt x="0" y="0"/>
+                </a:moveTo>
+                <a:lnTo>
+                  <a:pt x="659884" y="0"/>
+                </a:lnTo>
+                <a:cubicBezTo>
+                  <a:pt x="864151" y="0"/>
+                  <a:pt x="1029743" y="165592"/>
+                  <a:pt x="1029743" y="369859"/>
+                </a:cubicBezTo>
+                <a:cubicBezTo>
+                  <a:pt x="1029743" y="574126"/>
+                  <a:pt x="864151" y="739718"/>
+                  <a:pt x="659884" y="739718"/>
+                </a:cubicBezTo>
+                <a:lnTo>
+                  <a:pt x="0" y="739718"/>
+                </a:lnTo>
+                <a:close/>
+              </a:path>
+            </a:pathLst>
+          </a:custGeom>
+          <a:solidFill>
+            <a:srgbClr val="05B780"/>
+          </a:solidFill>
+          <a:ln>
+            <a:noFill/>
+          </a:ln>
+        </p:spPr>
+        <p:style>
+          <a:lnRef idx="2">
+            <a:schemeClr val="accent1">
+              <a:shade val="50000"/>
+            </a:schemeClr>
+          </a:lnRef>
+          <a:fillRef idx="1">
+            <a:schemeClr val="accent1"/>
+          </a:fillRef>
+          <a:effectRef idx="0">
+            <a:schemeClr val="accent1"/>
+          </a:effectRef>
+          <a:fontRef idx="minor">
+            <a:schemeClr val="lt1"/>
+          </a:fontRef>
+        </p:style>
+        <p:txBody>
+          <a:bodyPr anchor="ctr"/>
+          <a:lstStyle/>
+          <a:p>
+            <a:pPr marL="0" marR="0" lvl="0" indent="0" algn="ctr" defTabSz="914400" rtl="0" eaLnBrk="1" fontAlgn="auto" latinLnBrk="0" hangingPunct="1">
+              <a:lnSpc>
+                <a:spcPct val="100000"/>
+              </a:lnSpc>
+              <a:spcBef>
+                <a:spcPts val="0"/>
+              </a:spcBef>
+              <a:spcAft>
+                <a:spcPts val="0"/>
+              </a:spcAft>
+              <a:buClrTx/>
+              <a:buSzTx/>
+              <a:buFontTx/>
+              <a:buNone/>
+              <a:defRPr/>
+            </a:pPr>
+            <a:endParaRPr kumimoji="0" lang="zh-CN" altLang="en-US" sz="1800" b="0" i="0" u="none" strike="noStrike" kern="1200" cap="none" spc="0" normalizeH="0" baseline="0" noProof="0">
+              <a:ln>
+                <a:noFill/>
+              </a:ln>
+              <a:solidFill>
+                <a:schemeClr val="bg1"/>
+              </a:solidFill>
+              <a:effectLst/>
+              <a:uLnTx/>
+              <a:uFillTx/>
+              <a:latin typeface="+mn-lt"/>
+              <a:ea typeface="+mn-ea"/>
+              <a:cs typeface="+mn-cs"/>
+            </a:endParaRPr>
+          </a:p>
+        </p:txBody>
+      </p:sp>
+      <p:sp>
+        <p:nvSpPr>
+          <p:cNvPr id="7170" name="文本框 156"/>
+          <p:cNvSpPr txBox="1"/>
+          <p:nvPr/>
+        </p:nvSpPr>
+        <p:spPr>
+          <a:xfrm>
+            <a:off x="0" y="351155"/>
+            <a:ext cx="1021080" cy="521970"/>
+          </a:xfrm>
+          <a:prstGeom prst="rect">
+            <a:avLst/>
+          </a:prstGeom>
+          <a:noFill/>
+          <a:ln w="9525">
+            <a:noFill/>
+          </a:ln>
+        </p:spPr>
+        <p:txBody>
+          <a:bodyPr wrap="square" anchor="t" anchorCtr="0">
+            <a:spAutoFit/>
+          </a:bodyPr>
+          <a:lstStyle/>
+          <a:p>
+            <a:pPr>
+              <a:buFont typeface="Arial" panose="020B0604020202020204" pitchFamily="34" charset="0"/>
+            </a:pPr>
+            <a:r>
+              <a:rPr lang="en-US" altLang="zh-CN" sz="2800" b="1" dirty="0">
+                <a:solidFill>
+                  <a:schemeClr val="bg1"/>
+                </a:solidFill>
+                <a:latin typeface="Microsoft YaHei" panose="020B0503020204020204" pitchFamily="34" charset="-122"/>
+                <a:ea typeface="Microsoft YaHei" panose="020B0503020204020204" pitchFamily="34" charset="-122"/>
+              </a:rPr>
+              <a:t>3.10</a:t>
+            </a:r>
+            <a:endParaRPr lang="en-US" altLang="zh-CN" sz="2800" b="1" dirty="0">
+              <a:solidFill>
+                <a:schemeClr val="bg1"/>
+              </a:solidFill>
+              <a:latin typeface="Microsoft YaHei" panose="020B0503020204020204" pitchFamily="34" charset="-122"/>
+              <a:ea typeface="Microsoft YaHei" panose="020B0503020204020204" pitchFamily="34" charset="-122"/>
+            </a:endParaRPr>
+          </a:p>
+        </p:txBody>
+      </p:sp>
+      <p:sp>
+        <p:nvSpPr>
+          <p:cNvPr id="16" name="Rectangle 6"/>
+          <p:cNvSpPr>
+            <a:spLocks noChangeArrowheads="1"/>
+          </p:cNvSpPr>
+          <p:nvPr/>
+        </p:nvSpPr>
+        <p:spPr bwMode="black">
+          <a:xfrm>
+            <a:off x="1021080" y="351155"/>
+            <a:ext cx="6515735" cy="521970"/>
+          </a:xfrm>
+          <a:prstGeom prst="rect">
+            <a:avLst/>
+          </a:prstGeom>
+          <a:noFill/>
+          <a:ln>
+            <a:noFill/>
+          </a:ln>
+          <a:effectLst/>
+          <a:extLst>
+            <a:ext uri="{909E8E84-426E-40DD-AFC4-6F175D3DCCD1}">
+              <a14:hiddenFill xmlns:a14="http://schemas.microsoft.com/office/drawing/2010/main">
+                <a:solidFill>
+                  <a:schemeClr val="accent1"/>
+                </a:solidFill>
+              </a14:hiddenFill>
+            </a:ext>
+            <a:ext uri="{91240B29-F687-4F45-9708-019B960494DF}">
+              <a14:hiddenLine xmlns:a14="http://schemas.microsoft.com/office/drawing/2010/main" w="9525">
+                <a:solidFill>
+                  <a:schemeClr val="tx1"/>
+                </a:solidFill>
+                <a:miter lim="800000"/>
+                <a:headEnd/>
+                <a:tailEnd/>
+              </a14:hiddenLine>
+            </a:ext>
+            <a:ext uri="{AF507438-7753-43E0-B8FC-AC1667EBCBE1}">
+              <a14:hiddenEffects xmlns:a14="http://schemas.microsoft.com/office/drawing/2010/main">
+                <a:effectLst>
+                  <a:outerShdw dist="35921" dir="2700000" algn="ctr" rotWithShape="0">
+                    <a:schemeClr val="bg2"/>
+                  </a:outerShdw>
+                </a:effectLst>
+              </a14:hiddenEffects>
+            </a:ext>
+          </a:extLst>
+        </p:spPr>
+        <p:txBody>
+          <a:bodyPr wrap="square">
+            <a:spAutoFit/>
+          </a:bodyPr>
+          <a:lstStyle/>
+          <a:p>
+            <a:pPr marL="0" marR="0" lvl="0" indent="0" algn="l" defTabSz="914400" rtl="0" eaLnBrk="0" fontAlgn="auto" latinLnBrk="0" hangingPunct="0">
+              <a:lnSpc>
+                <a:spcPct val="100000"/>
+              </a:lnSpc>
+              <a:spcBef>
+                <a:spcPts val="0"/>
+              </a:spcBef>
+              <a:spcAft>
+                <a:spcPts val="0"/>
+              </a:spcAft>
+              <a:buClrTx/>
+              <a:buSzTx/>
+              <a:buFontTx/>
+              <a:buNone/>
+              <a:defRPr/>
+            </a:pPr>
+            <a:r>
+              <a:rPr kumimoji="0" lang="en-US" altLang="zh-CN" sz="2800" b="1" i="0" u="none" strike="noStrike" kern="1200" cap="none" spc="0" normalizeH="0" baseline="0" noProof="0" dirty="0">
+                <a:ln>
+                  <a:noFill/>
+                </a:ln>
+                <a:solidFill>
+                  <a:schemeClr val="tx1">
+                    <a:lumMod val="85000"/>
+                    <a:lumOff val="15000"/>
+                  </a:schemeClr>
+                </a:solidFill>
+                <a:effectLst/>
+                <a:uLnTx/>
+                <a:uFillTx/>
+                <a:latin typeface="Microsoft YaHei" panose="020B0503020204020204" pitchFamily="34" charset="-122"/>
+                <a:ea typeface="Microsoft YaHei" panose="020B0503020204020204" pitchFamily="34" charset="-122"/>
+                <a:cs typeface="+mn-cs"/>
+                <a:sym typeface="+mn-ea"/>
+              </a:rPr>
+              <a:t>Divide and Conquer - Summary</a:t>
+            </a:r>
+            <a:endParaRPr kumimoji="0" lang="en-US" altLang="zh-CN" sz="2800" b="1" i="0" u="none" strike="noStrike" kern="1200" cap="none" spc="0" normalizeH="0" baseline="0" noProof="0" dirty="0">
+              <a:ln>
+                <a:noFill/>
+              </a:ln>
+              <a:solidFill>
+                <a:schemeClr val="tx1">
+                  <a:lumMod val="85000"/>
+                  <a:lumOff val="15000"/>
+                </a:schemeClr>
+              </a:solidFill>
+              <a:effectLst/>
+              <a:uLnTx/>
+              <a:uFillTx/>
+              <a:latin typeface="Microsoft YaHei" panose="020B0503020204020204" pitchFamily="34" charset="-122"/>
+              <a:ea typeface="Microsoft YaHei" panose="020B0503020204020204" pitchFamily="34" charset="-122"/>
+              <a:cs typeface="+mn-cs"/>
+              <a:sym typeface="+mn-ea"/>
+            </a:endParaRPr>
+          </a:p>
+        </p:txBody>
+      </p:sp>
+      <p:sp>
+        <p:nvSpPr>
+          <p:cNvPr id="3" name="Content Placeholder 2"/>
+          <p:cNvSpPr>
+            <a:spLocks noGrp="1"/>
+          </p:cNvSpPr>
+          <p:nvPr>
+            <p:ph idx="1"/>
+          </p:nvPr>
+        </p:nvSpPr>
+        <p:spPr/>
+        <p:txBody>
+          <a:bodyPr/>
+          <a:lstStyle/>
+          <a:p>
+            <a:r>
+              <a:rPr lang="en-US" dirty="0">
+                <a:sym typeface="+mn-ea"/>
+              </a:rPr>
+              <a:t>Implementation</a:t>
+            </a:r>
+            <a:endParaRPr lang="en-US" dirty="0">
+              <a:sym typeface="+mn-ea"/>
+            </a:endParaRPr>
+          </a:p>
+          <a:p>
+            <a:pPr lvl="1"/>
+            <a:r>
+              <a:rPr lang="en-US" dirty="0">
+                <a:sym typeface="+mn-ea"/>
+              </a:rPr>
+              <a:t>Mostly </a:t>
+            </a:r>
+            <a:r>
+              <a:rPr lang="en-US" b="1" dirty="0">
+                <a:sym typeface="+mn-ea"/>
+              </a:rPr>
+              <a:t>Recursive</a:t>
+            </a:r>
+            <a:r>
+              <a:rPr lang="en-US" dirty="0">
+                <a:sym typeface="+mn-ea"/>
+              </a:rPr>
+              <a:t> implementation</a:t>
+            </a:r>
+            <a:endParaRPr lang="en-US" dirty="0"/>
+          </a:p>
+          <a:p>
+            <a:pPr lvl="1"/>
+            <a:r>
+              <a:rPr lang="en-US" b="1" dirty="0"/>
+              <a:t>Divide</a:t>
+            </a:r>
+            <a:r>
+              <a:rPr lang="en-US" dirty="0"/>
+              <a:t> problem into subproblems</a:t>
+            </a:r>
+            <a:endParaRPr lang="en-US" dirty="0"/>
+          </a:p>
+          <a:p>
+            <a:pPr lvl="1"/>
+            <a:r>
+              <a:rPr lang="en-US" b="1" dirty="0"/>
+              <a:t>Solve</a:t>
+            </a:r>
+            <a:r>
+              <a:rPr lang="en-US" dirty="0"/>
+              <a:t> subproblems (usually, we prefer O(1) solutions at base case)</a:t>
+            </a:r>
+            <a:endParaRPr lang="en-US" dirty="0"/>
+          </a:p>
+          <a:p>
+            <a:pPr lvl="1"/>
+            <a:r>
+              <a:rPr lang="en-US" b="1" dirty="0"/>
+              <a:t>Combine</a:t>
+            </a:r>
+            <a:r>
+              <a:rPr lang="en-US" dirty="0"/>
+              <a:t> subproblems to form solution (sometimes not explicitly needed)</a:t>
+            </a:r>
+            <a:endParaRPr lang="en-US" dirty="0"/>
+          </a:p>
+          <a:p>
+            <a:pPr lvl="1"/>
+            <a:r>
+              <a:rPr lang="en-US" dirty="0"/>
+              <a:t>Fairly fast (usually involves </a:t>
+            </a:r>
+            <a:r>
+              <a:rPr lang="en-US" b="1" dirty="0"/>
+              <a:t>O(logn)</a:t>
+            </a:r>
+            <a:r>
+              <a:rPr lang="en-US" dirty="0"/>
+              <a:t> time complexity)</a:t>
+            </a:r>
+            <a:endParaRPr lang="en-US" dirty="0"/>
+          </a:p>
+          <a:p>
+            <a:r>
+              <a:rPr lang="en-US" dirty="0"/>
+              <a:t>Sometimes tricky to combine subproblems properly</a:t>
+            </a:r>
+            <a:endParaRPr lang="en-US" dirty="0"/>
+          </a:p>
+          <a:p>
+            <a:r>
+              <a:rPr lang="en-US" dirty="0"/>
+              <a:t>Sometimes we might be repeatedly solving overlapping subproblems</a:t>
+            </a:r>
+            <a:endParaRPr lang="en-US" dirty="0"/>
+          </a:p>
+          <a:p>
+            <a:pPr lvl="1"/>
+            <a:r>
+              <a:rPr lang="en-US" dirty="0"/>
+              <a:t>In which case we can use Dynamic Programming / Memoization</a:t>
+            </a:r>
+            <a:endParaRPr lang="en-US" dirty="0"/>
+          </a:p>
+        </p:txBody>
+      </p:sp>
+    </p:spTree>
+  </p:cSld>
+  <p:clrMapOvr>
+    <a:masterClrMapping/>
+  </p:clrMapOvr>
+  <p:transition spd="slow">
+    <p:wipe/>
+  </p:transition>
+</p:sld>
+</file>
+
+<file path=ppt/slides/slide24.xml><?xml version="1.0" encoding="utf-8"?>
+<p:sld xmlns:a="http://schemas.openxmlformats.org/drawingml/2006/main" xmlns:r="http://schemas.openxmlformats.org/officeDocument/2006/relationships" xmlns:p="http://schemas.openxmlformats.org/presentationml/2006/main">
+  <p:cSld>
+    <p:spTree>
+      <p:nvGrpSpPr>
+        <p:cNvPr id="1" name=""/>
+        <p:cNvGrpSpPr/>
+        <p:nvPr/>
+      </p:nvGrpSpPr>
+      <p:grpSpPr>
+        <a:xfrm>
+          <a:off x="0" y="0"/>
+          <a:ext cx="0" cy="0"/>
+          <a:chOff x="0" y="0"/>
+          <a:chExt cx="0" cy="0"/>
+        </a:xfrm>
+      </p:grpSpPr>
+      <p:sp>
+        <p:nvSpPr>
+          <p:cNvPr id="46" name="任意多边形 45"/>
+          <p:cNvSpPr/>
+          <p:nvPr/>
+        </p:nvSpPr>
+        <p:spPr>
+          <a:xfrm>
+            <a:off x="0" y="260350"/>
+            <a:ext cx="3922395" cy="739775"/>
+          </a:xfrm>
+          <a:custGeom>
+            <a:avLst/>
+            <a:gdLst>
+              <a:gd name="connsiteX0" fmla="*/ 0 w 2091831"/>
+              <a:gd name="connsiteY0" fmla="*/ 0 h 739718"/>
+              <a:gd name="connsiteX1" fmla="*/ 1721972 w 2091831"/>
+              <a:gd name="connsiteY1" fmla="*/ 0 h 739718"/>
+              <a:gd name="connsiteX2" fmla="*/ 2091831 w 2091831"/>
+              <a:gd name="connsiteY2" fmla="*/ 369859 h 739718"/>
+              <a:gd name="connsiteX3" fmla="*/ 1721972 w 2091831"/>
+              <a:gd name="connsiteY3" fmla="*/ 739718 h 739718"/>
+              <a:gd name="connsiteX4" fmla="*/ 0 w 2091831"/>
+              <a:gd name="connsiteY4" fmla="*/ 739718 h 739718"/>
+            </a:gdLst>
+            <a:ahLst/>
+            <a:cxnLst>
+              <a:cxn ang="0">
+                <a:pos x="connsiteX0" y="connsiteY0"/>
+              </a:cxn>
+              <a:cxn ang="0">
+                <a:pos x="connsiteX1" y="connsiteY1"/>
+              </a:cxn>
+              <a:cxn ang="0">
+                <a:pos x="connsiteX2" y="connsiteY2"/>
+              </a:cxn>
+              <a:cxn ang="0">
+                <a:pos x="connsiteX3" y="connsiteY3"/>
+              </a:cxn>
+              <a:cxn ang="0">
+                <a:pos x="connsiteX4" y="connsiteY4"/>
+              </a:cxn>
+            </a:cxnLst>
+            <a:rect l="l" t="t" r="r" b="b"/>
+            <a:pathLst>
+              <a:path w="2091831" h="739718">
+                <a:moveTo>
+                  <a:pt x="0" y="0"/>
+                </a:moveTo>
+                <a:lnTo>
+                  <a:pt x="1721972" y="0"/>
+                </a:lnTo>
+                <a:cubicBezTo>
+                  <a:pt x="1926239" y="0"/>
+                  <a:pt x="2091831" y="165592"/>
+                  <a:pt x="2091831" y="369859"/>
+                </a:cubicBezTo>
+                <a:cubicBezTo>
+                  <a:pt x="2091831" y="574126"/>
+                  <a:pt x="1926239" y="739718"/>
+                  <a:pt x="1721972" y="739718"/>
+                </a:cubicBezTo>
+                <a:lnTo>
+                  <a:pt x="0" y="739718"/>
+                </a:lnTo>
+                <a:close/>
+              </a:path>
+            </a:pathLst>
+          </a:custGeom>
+          <a:solidFill>
+            <a:srgbClr val="05B780"/>
+          </a:solidFill>
+          <a:ln>
+            <a:noFill/>
+          </a:ln>
+        </p:spPr>
+        <p:style>
+          <a:lnRef idx="2">
+            <a:schemeClr val="accent1">
+              <a:shade val="50000"/>
+            </a:schemeClr>
+          </a:lnRef>
+          <a:fillRef idx="1">
+            <a:schemeClr val="accent1"/>
+          </a:fillRef>
+          <a:effectRef idx="0">
+            <a:schemeClr val="accent1"/>
+          </a:effectRef>
+          <a:fontRef idx="minor">
+            <a:schemeClr val="lt1"/>
+          </a:fontRef>
+        </p:style>
+        <p:txBody>
+          <a:bodyPr anchor="ctr"/>
+          <a:lstStyle/>
+          <a:p>
+            <a:pPr marL="0" marR="0" lvl="0" indent="0" algn="ctr" defTabSz="914400" rtl="0" eaLnBrk="1" fontAlgn="auto" latinLnBrk="0" hangingPunct="1">
+              <a:lnSpc>
+                <a:spcPct val="100000"/>
+              </a:lnSpc>
+              <a:spcBef>
+                <a:spcPts val="0"/>
+              </a:spcBef>
+              <a:spcAft>
+                <a:spcPts val="0"/>
+              </a:spcAft>
+              <a:buClrTx/>
+              <a:buSzTx/>
+              <a:buFontTx/>
+              <a:buNone/>
+              <a:defRPr/>
+            </a:pPr>
+            <a:endParaRPr kumimoji="0" lang="zh-CN" altLang="en-US" sz="1800" b="0" i="0" u="none" strike="noStrike" kern="1200" cap="none" spc="0" normalizeH="0" baseline="0" noProof="0">
+              <a:ln>
+                <a:noFill/>
+              </a:ln>
+              <a:solidFill>
+                <a:schemeClr val="lt1"/>
+              </a:solidFill>
+              <a:effectLst/>
+              <a:uLnTx/>
+              <a:uFillTx/>
+              <a:latin typeface="+mn-lt"/>
+              <a:ea typeface="+mn-ea"/>
+              <a:cs typeface="+mn-cs"/>
+            </a:endParaRPr>
+          </a:p>
+        </p:txBody>
+      </p:sp>
+      <p:sp>
+        <p:nvSpPr>
+          <p:cNvPr id="6146" name="文本框 101"/>
+          <p:cNvSpPr txBox="1"/>
+          <p:nvPr/>
+        </p:nvSpPr>
+        <p:spPr>
+          <a:xfrm>
+            <a:off x="22225" y="336550"/>
+            <a:ext cx="3985895" cy="583565"/>
+          </a:xfrm>
+          <a:prstGeom prst="rect">
+            <a:avLst/>
+          </a:prstGeom>
+          <a:noFill/>
+          <a:ln w="9525">
+            <a:noFill/>
+          </a:ln>
+        </p:spPr>
+        <p:txBody>
+          <a:bodyPr wrap="square" anchor="t" anchorCtr="0">
+            <a:spAutoFit/>
+          </a:bodyPr>
+          <a:lstStyle/>
+          <a:p>
+            <a:pPr>
+              <a:buFont typeface="Arial" panose="020B0604020202020204" pitchFamily="34" charset="0"/>
+            </a:pPr>
+            <a:r>
+              <a:rPr lang="en-US" altLang="zh-CN" sz="3200" b="1" dirty="0">
+                <a:solidFill>
+                  <a:schemeClr val="bg1"/>
+                </a:solidFill>
+                <a:latin typeface="Microsoft YaHei" panose="020B0503020204020204" pitchFamily="34" charset="-122"/>
+                <a:ea typeface="Microsoft YaHei" panose="020B0503020204020204" pitchFamily="34" charset="-122"/>
+              </a:rPr>
+              <a:t>Class Exercise</a:t>
+            </a:r>
+            <a:endParaRPr lang="en-US" altLang="zh-CN" sz="3200" b="1" dirty="0">
+              <a:solidFill>
+                <a:schemeClr val="bg1"/>
+              </a:solidFill>
+              <a:latin typeface="Microsoft YaHei" panose="020B0503020204020204" pitchFamily="34" charset="-122"/>
+              <a:ea typeface="Microsoft YaHei" panose="020B0503020204020204" pitchFamily="34" charset="-122"/>
+            </a:endParaRPr>
+          </a:p>
+        </p:txBody>
+      </p:sp>
+      <p:sp>
+        <p:nvSpPr>
+          <p:cNvPr id="15" name="矩形 14"/>
+          <p:cNvSpPr/>
+          <p:nvPr/>
+        </p:nvSpPr>
+        <p:spPr>
+          <a:xfrm>
+            <a:off x="3719513" y="2454275"/>
+            <a:ext cx="5913438" cy="973138"/>
+          </a:xfrm>
+          <a:prstGeom prst="rect">
+            <a:avLst/>
+          </a:prstGeom>
+          <a:noFill/>
+          <a:ln>
+            <a:solidFill>
+              <a:srgbClr val="05B780"/>
+            </a:solidFill>
+          </a:ln>
+        </p:spPr>
+        <p:style>
+          <a:lnRef idx="2">
+            <a:schemeClr val="accent1">
+              <a:shade val="50000"/>
+            </a:schemeClr>
+          </a:lnRef>
+          <a:fillRef idx="1">
+            <a:schemeClr val="accent1"/>
+          </a:fillRef>
+          <a:effectRef idx="0">
+            <a:schemeClr val="accent1"/>
+          </a:effectRef>
+          <a:fontRef idx="minor">
+            <a:schemeClr val="lt1"/>
+          </a:fontRef>
+        </p:style>
+        <p:txBody>
+          <a:bodyPr anchor="ctr"/>
+          <a:lstStyle/>
+          <a:p>
+            <a:pPr marL="0" marR="0" lvl="0" indent="0" algn="ctr" defTabSz="914400" rtl="0" eaLnBrk="1" fontAlgn="auto" latinLnBrk="0" hangingPunct="1">
+              <a:lnSpc>
+                <a:spcPct val="100000"/>
+              </a:lnSpc>
+              <a:spcBef>
+                <a:spcPts val="0"/>
+              </a:spcBef>
+              <a:spcAft>
+                <a:spcPts val="0"/>
+              </a:spcAft>
+              <a:buClrTx/>
+              <a:buSzTx/>
+              <a:buFontTx/>
+              <a:buNone/>
+              <a:defRPr/>
+            </a:pPr>
+            <a:endParaRPr kumimoji="0" lang="zh-CN" altLang="en-US" sz="4400" b="0" i="0" u="none" strike="noStrike" kern="1200" cap="none" spc="0" normalizeH="0" baseline="0" noProof="0">
+              <a:ln>
+                <a:noFill/>
+              </a:ln>
+              <a:solidFill>
+                <a:schemeClr val="lt1"/>
+              </a:solidFill>
+              <a:effectLst/>
+              <a:uLnTx/>
+              <a:uFillTx/>
+              <a:latin typeface="+mn-lt"/>
+              <a:ea typeface="+mn-ea"/>
+              <a:cs typeface="+mn-cs"/>
+            </a:endParaRPr>
+          </a:p>
+        </p:txBody>
+      </p:sp>
+      <p:sp>
+        <p:nvSpPr>
+          <p:cNvPr id="6153" name="文本框 15"/>
+          <p:cNvSpPr txBox="1"/>
+          <p:nvPr/>
+        </p:nvSpPr>
+        <p:spPr>
+          <a:xfrm>
+            <a:off x="4319588" y="2556510"/>
+            <a:ext cx="5067300" cy="583565"/>
+          </a:xfrm>
+          <a:prstGeom prst="rect">
+            <a:avLst/>
+          </a:prstGeom>
+          <a:noFill/>
+          <a:ln w="9525">
+            <a:noFill/>
+          </a:ln>
+        </p:spPr>
+        <p:txBody>
+          <a:bodyPr wrap="square" anchor="t" anchorCtr="0">
+            <a:spAutoFit/>
+          </a:bodyPr>
+          <a:lstStyle/>
+          <a:p>
+            <a:pPr>
+              <a:buFont typeface="Arial" panose="020B0604020202020204" pitchFamily="34" charset="0"/>
+            </a:pPr>
+            <a:r>
+              <a:rPr lang="en-US" altLang="zh-CN" sz="3200" b="1" dirty="0">
+                <a:solidFill>
+                  <a:srgbClr val="05B780"/>
+                </a:solidFill>
+                <a:latin typeface="Microsoft YaHei" panose="020B0503020204020204" pitchFamily="34" charset="-122"/>
+                <a:ea typeface="Microsoft YaHei" panose="020B0503020204020204" pitchFamily="34" charset="-122"/>
+              </a:rPr>
+              <a:t>Class Exercises</a:t>
+            </a:r>
+            <a:endParaRPr lang="en-US" altLang="zh-CN" sz="3200" b="1" dirty="0">
+              <a:solidFill>
+                <a:srgbClr val="05B780"/>
+              </a:solidFill>
+              <a:latin typeface="Microsoft YaHei" panose="020B0503020204020204" pitchFamily="34" charset="-122"/>
+              <a:ea typeface="Microsoft YaHei" panose="020B0503020204020204" pitchFamily="34" charset="-122"/>
+            </a:endParaRPr>
+          </a:p>
+        </p:txBody>
+      </p:sp>
+      <p:grpSp>
+        <p:nvGrpSpPr>
+          <p:cNvPr id="6154" name="组合 16"/>
+          <p:cNvGrpSpPr/>
+          <p:nvPr/>
+        </p:nvGrpSpPr>
+        <p:grpSpPr>
+          <a:xfrm>
+            <a:off x="2179628" y="2022465"/>
+            <a:ext cx="1742436" cy="1839913"/>
+            <a:chOff x="1473123" y="1521447"/>
+            <a:chExt cx="645926" cy="681967"/>
+          </a:xfrm>
+        </p:grpSpPr>
+        <p:sp>
+          <p:nvSpPr>
+            <p:cNvPr id="18" name="六边形 17"/>
+            <p:cNvSpPr/>
+            <p:nvPr/>
+          </p:nvSpPr>
+          <p:spPr>
+            <a:xfrm rot="5400000">
+              <a:off x="1426090" y="1568479"/>
+              <a:ext cx="681967" cy="587902"/>
+            </a:xfrm>
+            <a:prstGeom prst="hexagon">
+              <a:avLst>
+                <a:gd name="adj" fmla="val 27469"/>
+                <a:gd name="vf" fmla="val 115470"/>
+              </a:avLst>
+            </a:prstGeom>
+            <a:solidFill>
+              <a:srgbClr val="05B780"/>
+            </a:solidFill>
+            <a:ln>
+              <a:noFill/>
+            </a:ln>
+          </p:spPr>
+          <p:style>
+            <a:lnRef idx="2">
+              <a:schemeClr val="accent1">
+                <a:shade val="50000"/>
+              </a:schemeClr>
+            </a:lnRef>
+            <a:fillRef idx="1">
+              <a:schemeClr val="accent1"/>
+            </a:fillRef>
+            <a:effectRef idx="0">
+              <a:schemeClr val="accent1"/>
+            </a:effectRef>
+            <a:fontRef idx="minor">
+              <a:schemeClr val="lt1"/>
+            </a:fontRef>
+          </p:style>
+          <p:txBody>
+            <a:bodyPr anchor="ctr"/>
+            <a:lstStyle/>
+            <a:p>
+              <a:pPr marL="0" marR="0" lvl="0" indent="0" algn="ctr" defTabSz="914400" rtl="0" eaLnBrk="1" fontAlgn="auto" latinLnBrk="0" hangingPunct="1">
+                <a:lnSpc>
+                  <a:spcPct val="100000"/>
+                </a:lnSpc>
+                <a:spcBef>
+                  <a:spcPts val="0"/>
+                </a:spcBef>
+                <a:spcAft>
+                  <a:spcPts val="0"/>
+                </a:spcAft>
+                <a:buClrTx/>
+                <a:buSzTx/>
+                <a:buFontTx/>
+                <a:buNone/>
+                <a:defRPr/>
+              </a:pPr>
+              <a:endParaRPr kumimoji="0" lang="zh-CN" altLang="en-US" sz="4400" b="0" i="0" u="none" strike="noStrike" kern="1200" cap="none" spc="0" normalizeH="0" baseline="0" noProof="0">
+                <a:ln>
+                  <a:noFill/>
+                </a:ln>
+                <a:solidFill>
+                  <a:schemeClr val="lt1"/>
+                </a:solidFill>
+                <a:effectLst/>
+                <a:uLnTx/>
+                <a:uFillTx/>
+                <a:latin typeface="+mn-lt"/>
+                <a:ea typeface="+mn-ea"/>
+                <a:cs typeface="+mn-cs"/>
+              </a:endParaRPr>
+            </a:p>
+          </p:txBody>
+        </p:sp>
+        <p:sp>
+          <p:nvSpPr>
+            <p:cNvPr id="6156" name="文本框 18"/>
+            <p:cNvSpPr txBox="1"/>
+            <p:nvPr/>
+          </p:nvSpPr>
+          <p:spPr>
+            <a:xfrm>
+              <a:off x="1532912" y="1719387"/>
+              <a:ext cx="586137" cy="284790"/>
+            </a:xfrm>
+            <a:prstGeom prst="rect">
+              <a:avLst/>
+            </a:prstGeom>
+            <a:noFill/>
+            <a:ln w="9525">
+              <a:noFill/>
+            </a:ln>
+          </p:spPr>
+          <p:txBody>
+            <a:bodyPr wrap="square" anchor="t" anchorCtr="0">
+              <a:spAutoFit/>
+            </a:bodyPr>
+            <a:lstStyle/>
+            <a:p>
+              <a:pPr>
+                <a:buFont typeface="Arial" panose="020B0604020202020204" pitchFamily="34" charset="0"/>
+              </a:pPr>
+              <a:r>
+                <a:rPr lang="en-US" altLang="zh-CN" sz="4400" b="1" dirty="0">
+                  <a:solidFill>
+                    <a:schemeClr val="bg1"/>
+                  </a:solidFill>
+                  <a:latin typeface="Microsoft YaHei" panose="020B0503020204020204" pitchFamily="34" charset="-122"/>
+                  <a:ea typeface="Microsoft YaHei" panose="020B0503020204020204" pitchFamily="34" charset="-122"/>
+                </a:rPr>
+                <a:t>04</a:t>
+              </a:r>
+              <a:endParaRPr lang="en-US" altLang="zh-CN" sz="4400" b="1" dirty="0">
+                <a:solidFill>
+                  <a:schemeClr val="bg1"/>
+                </a:solidFill>
+                <a:latin typeface="Microsoft YaHei" panose="020B0503020204020204" pitchFamily="34" charset="-122"/>
+                <a:ea typeface="Microsoft YaHei" panose="020B0503020204020204" pitchFamily="34" charset="-122"/>
+              </a:endParaRPr>
+            </a:p>
+          </p:txBody>
+        </p:sp>
+      </p:grpSp>
+    </p:spTree>
+  </p:cSld>
+  <p:clrMapOvr>
+    <a:masterClrMapping/>
+  </p:clrMapOvr>
+  <p:transition spd="slow">
+    <p:wipe/>
+  </p:transition>
+</p:sld>
+</file>
+
+<file path=ppt/slides/slide25.xml><?xml version="1.0" encoding="utf-8"?>
+<p:sld xmlns:a="http://schemas.openxmlformats.org/drawingml/2006/main" xmlns:r="http://schemas.openxmlformats.org/officeDocument/2006/relationships" xmlns:p="http://schemas.openxmlformats.org/presentationml/2006/main">
+  <p:cSld>
+    <p:spTree>
+      <p:nvGrpSpPr>
+        <p:cNvPr id="1" name=""/>
+        <p:cNvGrpSpPr/>
+        <p:nvPr/>
+      </p:nvGrpSpPr>
+      <p:grpSpPr>
+        <a:xfrm>
+          <a:off x="0" y="0"/>
+          <a:ext cx="0" cy="0"/>
+          <a:chOff x="0" y="0"/>
+          <a:chExt cx="0" cy="0"/>
+        </a:xfrm>
+      </p:grpSpPr>
+      <p:sp>
+        <p:nvSpPr>
+          <p:cNvPr id="15" name="任意多边形 14"/>
+          <p:cNvSpPr/>
+          <p:nvPr/>
+        </p:nvSpPr>
+        <p:spPr>
+          <a:xfrm>
+            <a:off x="0" y="274638"/>
+            <a:ext cx="890588" cy="639763"/>
+          </a:xfrm>
+          <a:custGeom>
+            <a:avLst/>
+            <a:gdLst>
+              <a:gd name="connsiteX0" fmla="*/ 0 w 1029743"/>
+              <a:gd name="connsiteY0" fmla="*/ 0 h 739718"/>
+              <a:gd name="connsiteX1" fmla="*/ 659884 w 1029743"/>
+              <a:gd name="connsiteY1" fmla="*/ 0 h 739718"/>
+              <a:gd name="connsiteX2" fmla="*/ 1029743 w 1029743"/>
+              <a:gd name="connsiteY2" fmla="*/ 369859 h 739718"/>
+              <a:gd name="connsiteX3" fmla="*/ 659884 w 1029743"/>
+              <a:gd name="connsiteY3" fmla="*/ 739718 h 739718"/>
+              <a:gd name="connsiteX4" fmla="*/ 0 w 1029743"/>
+              <a:gd name="connsiteY4" fmla="*/ 739718 h 739718"/>
+            </a:gdLst>
+            <a:ahLst/>
+            <a:cxnLst>
+              <a:cxn ang="0">
+                <a:pos x="connsiteX0" y="connsiteY0"/>
+              </a:cxn>
+              <a:cxn ang="0">
+                <a:pos x="connsiteX1" y="connsiteY1"/>
+              </a:cxn>
+              <a:cxn ang="0">
+                <a:pos x="connsiteX2" y="connsiteY2"/>
+              </a:cxn>
+              <a:cxn ang="0">
+                <a:pos x="connsiteX3" y="connsiteY3"/>
+              </a:cxn>
+              <a:cxn ang="0">
+                <a:pos x="connsiteX4" y="connsiteY4"/>
+              </a:cxn>
+            </a:cxnLst>
+            <a:rect l="l" t="t" r="r" b="b"/>
+            <a:pathLst>
+              <a:path w="1029743" h="739718">
+                <a:moveTo>
+                  <a:pt x="0" y="0"/>
+                </a:moveTo>
+                <a:lnTo>
+                  <a:pt x="659884" y="0"/>
+                </a:lnTo>
+                <a:cubicBezTo>
+                  <a:pt x="864151" y="0"/>
+                  <a:pt x="1029743" y="165592"/>
+                  <a:pt x="1029743" y="369859"/>
+                </a:cubicBezTo>
+                <a:cubicBezTo>
+                  <a:pt x="1029743" y="574126"/>
+                  <a:pt x="864151" y="739718"/>
+                  <a:pt x="659884" y="739718"/>
+                </a:cubicBezTo>
+                <a:lnTo>
+                  <a:pt x="0" y="739718"/>
+                </a:lnTo>
+                <a:close/>
+              </a:path>
+            </a:pathLst>
+          </a:custGeom>
+          <a:solidFill>
+            <a:srgbClr val="05B780"/>
+          </a:solidFill>
+          <a:ln>
+            <a:noFill/>
+          </a:ln>
+        </p:spPr>
+        <p:style>
+          <a:lnRef idx="2">
+            <a:schemeClr val="accent1">
+              <a:shade val="50000"/>
+            </a:schemeClr>
+          </a:lnRef>
+          <a:fillRef idx="1">
+            <a:schemeClr val="accent1"/>
+          </a:fillRef>
+          <a:effectRef idx="0">
+            <a:schemeClr val="accent1"/>
+          </a:effectRef>
+          <a:fontRef idx="minor">
+            <a:schemeClr val="lt1"/>
+          </a:fontRef>
+        </p:style>
+        <p:txBody>
+          <a:bodyPr anchor="ctr"/>
+          <a:lstStyle/>
+          <a:p>
+            <a:pPr marL="0" marR="0" lvl="0" indent="0" algn="ctr" defTabSz="914400" rtl="0" eaLnBrk="1" fontAlgn="auto" latinLnBrk="0" hangingPunct="1">
+              <a:lnSpc>
+                <a:spcPct val="100000"/>
+              </a:lnSpc>
+              <a:spcBef>
+                <a:spcPts val="0"/>
+              </a:spcBef>
+              <a:spcAft>
+                <a:spcPts val="0"/>
+              </a:spcAft>
+              <a:buClrTx/>
+              <a:buSzTx/>
+              <a:buFontTx/>
+              <a:buNone/>
+              <a:defRPr/>
+            </a:pPr>
+            <a:endParaRPr kumimoji="0" lang="zh-CN" altLang="en-US" sz="1800" b="0" i="0" u="none" strike="noStrike" kern="1200" cap="none" spc="0" normalizeH="0" baseline="0" noProof="0">
+              <a:ln>
+                <a:noFill/>
+              </a:ln>
+              <a:solidFill>
+                <a:schemeClr val="bg1"/>
+              </a:solidFill>
+              <a:effectLst/>
+              <a:uLnTx/>
+              <a:uFillTx/>
+              <a:latin typeface="+mn-lt"/>
+              <a:ea typeface="+mn-ea"/>
+              <a:cs typeface="+mn-cs"/>
+            </a:endParaRPr>
+          </a:p>
+        </p:txBody>
+      </p:sp>
+      <p:sp>
+        <p:nvSpPr>
+          <p:cNvPr id="7170" name="文本框 156"/>
+          <p:cNvSpPr txBox="1"/>
+          <p:nvPr/>
+        </p:nvSpPr>
+        <p:spPr>
+          <a:xfrm>
+            <a:off x="0" y="350838"/>
+            <a:ext cx="814388" cy="521970"/>
+          </a:xfrm>
+          <a:prstGeom prst="rect">
+            <a:avLst/>
+          </a:prstGeom>
+          <a:noFill/>
+          <a:ln w="9525">
+            <a:noFill/>
+          </a:ln>
+        </p:spPr>
+        <p:txBody>
+          <a:bodyPr anchor="t" anchorCtr="0">
+            <a:spAutoFit/>
+          </a:bodyPr>
+          <a:lstStyle/>
+          <a:p>
+            <a:pPr>
+              <a:buFont typeface="Arial" panose="020B0604020202020204" pitchFamily="34" charset="0"/>
+            </a:pPr>
+            <a:r>
+              <a:rPr lang="en-US" altLang="zh-CN" sz="2800" b="1" dirty="0">
+                <a:solidFill>
+                  <a:schemeClr val="bg1"/>
+                </a:solidFill>
+                <a:latin typeface="Microsoft YaHei" panose="020B0503020204020204" pitchFamily="34" charset="-122"/>
+                <a:ea typeface="Microsoft YaHei" panose="020B0503020204020204" pitchFamily="34" charset="-122"/>
+              </a:rPr>
+              <a:t>4.1</a:t>
+            </a:r>
+            <a:endParaRPr lang="en-US" altLang="zh-CN" sz="2800" b="1" dirty="0">
+              <a:solidFill>
+                <a:schemeClr val="bg1"/>
+              </a:solidFill>
+              <a:latin typeface="Microsoft YaHei" panose="020B0503020204020204" pitchFamily="34" charset="-122"/>
+              <a:ea typeface="Microsoft YaHei" panose="020B0503020204020204" pitchFamily="34" charset="-122"/>
+            </a:endParaRPr>
+          </a:p>
+        </p:txBody>
+      </p:sp>
+      <p:sp>
+        <p:nvSpPr>
+          <p:cNvPr id="16" name="Rectangle 6"/>
+          <p:cNvSpPr>
+            <a:spLocks noChangeArrowheads="1"/>
+          </p:cNvSpPr>
+          <p:nvPr/>
+        </p:nvSpPr>
+        <p:spPr bwMode="black">
+          <a:xfrm>
+            <a:off x="1021080" y="351155"/>
+            <a:ext cx="6515735" cy="521970"/>
+          </a:xfrm>
+          <a:prstGeom prst="rect">
+            <a:avLst/>
+          </a:prstGeom>
+          <a:noFill/>
+          <a:ln>
+            <a:noFill/>
+          </a:ln>
+          <a:effectLst/>
+          <a:extLst>
+            <a:ext uri="{909E8E84-426E-40DD-AFC4-6F175D3DCCD1}">
+              <a14:hiddenFill xmlns:a14="http://schemas.microsoft.com/office/drawing/2010/main">
+                <a:solidFill>
+                  <a:schemeClr val="accent1"/>
+                </a:solidFill>
+              </a14:hiddenFill>
+            </a:ext>
+            <a:ext uri="{91240B29-F687-4F45-9708-019B960494DF}">
+              <a14:hiddenLine xmlns:a14="http://schemas.microsoft.com/office/drawing/2010/main" w="9525">
+                <a:solidFill>
+                  <a:schemeClr val="tx1"/>
+                </a:solidFill>
+                <a:miter lim="800000"/>
+                <a:headEnd/>
+                <a:tailEnd/>
+              </a14:hiddenLine>
+            </a:ext>
+            <a:ext uri="{AF507438-7753-43E0-B8FC-AC1667EBCBE1}">
+              <a14:hiddenEffects xmlns:a14="http://schemas.microsoft.com/office/drawing/2010/main">
+                <a:effectLst>
+                  <a:outerShdw dist="35921" dir="2700000" algn="ctr" rotWithShape="0">
+                    <a:schemeClr val="bg2"/>
+                  </a:outerShdw>
+                </a:effectLst>
+              </a14:hiddenEffects>
+            </a:ext>
+          </a:extLst>
+        </p:spPr>
+        <p:txBody>
+          <a:bodyPr wrap="square">
+            <a:spAutoFit/>
+          </a:bodyPr>
+          <a:lstStyle/>
+          <a:p>
+            <a:pPr marL="0" marR="0" lvl="0" indent="0" algn="l" defTabSz="914400" rtl="0" eaLnBrk="0" fontAlgn="auto" latinLnBrk="0" hangingPunct="0">
+              <a:lnSpc>
+                <a:spcPct val="100000"/>
+              </a:lnSpc>
+              <a:spcBef>
+                <a:spcPts val="0"/>
+              </a:spcBef>
+              <a:spcAft>
+                <a:spcPts val="0"/>
+              </a:spcAft>
+              <a:buClrTx/>
+              <a:buSzTx/>
+              <a:buFontTx/>
+              <a:buNone/>
+              <a:defRPr/>
+            </a:pPr>
+            <a:r>
+              <a:rPr kumimoji="0" lang="en-US" altLang="zh-CN" sz="2800" b="1" i="0" u="none" strike="noStrike" kern="1200" cap="none" spc="0" normalizeH="0" baseline="0" noProof="0">
+                <a:ln>
+                  <a:noFill/>
+                </a:ln>
+                <a:solidFill>
+                  <a:schemeClr val="tx1">
+                    <a:lumMod val="85000"/>
+                    <a:lumOff val="15000"/>
+                  </a:schemeClr>
+                </a:solidFill>
+                <a:effectLst/>
+                <a:uLnTx/>
+                <a:uFillTx/>
+                <a:latin typeface="Microsoft YaHei" panose="020B0503020204020204" pitchFamily="34" charset="-122"/>
+                <a:ea typeface="Microsoft YaHei" panose="020B0503020204020204" pitchFamily="34" charset="-122"/>
+                <a:cs typeface="+mn-cs"/>
+                <a:sym typeface="+mn-ea"/>
+              </a:rPr>
+              <a:t>Tree Traversals - Recursion</a:t>
+            </a:r>
+            <a:endParaRPr kumimoji="0" lang="en-US" altLang="zh-CN" sz="2800" b="1" i="0" u="none" strike="noStrike" kern="1200" cap="none" spc="0" normalizeH="0" baseline="0" noProof="0" dirty="0">
+              <a:ln>
+                <a:noFill/>
+              </a:ln>
+              <a:solidFill>
+                <a:schemeClr val="tx1">
+                  <a:lumMod val="85000"/>
+                  <a:lumOff val="15000"/>
+                </a:schemeClr>
+              </a:solidFill>
+              <a:effectLst/>
+              <a:uLnTx/>
+              <a:uFillTx/>
+              <a:latin typeface="Microsoft YaHei" panose="020B0503020204020204" pitchFamily="34" charset="-122"/>
+              <a:ea typeface="Microsoft YaHei" panose="020B0503020204020204" pitchFamily="34" charset="-122"/>
+              <a:cs typeface="+mn-cs"/>
+              <a:sym typeface="+mn-ea"/>
+            </a:endParaRPr>
+          </a:p>
+        </p:txBody>
+      </p:sp>
+      <p:pic>
+        <p:nvPicPr>
+          <p:cNvPr id="2" name="Content Placeholder 1"/>
+          <p:cNvPicPr>
+            <a:picLocks noChangeAspect="1"/>
+          </p:cNvPicPr>
+          <p:nvPr>
+            <p:ph idx="1"/>
+          </p:nvPr>
+        </p:nvPicPr>
+        <p:blipFill>
+          <a:blip r:embed="rId1"/>
+          <a:stretch>
+            <a:fillRect/>
+          </a:stretch>
+        </p:blipFill>
+        <p:spPr>
+          <a:xfrm>
+            <a:off x="2348230" y="1706880"/>
+            <a:ext cx="7629525" cy="3924300"/>
+          </a:xfrm>
+          <a:prstGeom prst="rect">
+            <a:avLst/>
+          </a:prstGeom>
+        </p:spPr>
+      </p:pic>
+    </p:spTree>
+  </p:cSld>
+  <p:clrMapOvr>
+    <a:masterClrMapping/>
+  </p:clrMapOvr>
+  <p:transition spd="slow">
+    <p:wipe/>
+  </p:transition>
+</p:sld>
+</file>
+
+<file path=ppt/slides/slide26.xml><?xml version="1.0" encoding="utf-8"?>
+<p:sld xmlns:a="http://schemas.openxmlformats.org/drawingml/2006/main" xmlns:r="http://schemas.openxmlformats.org/officeDocument/2006/relationships" xmlns:p="http://schemas.openxmlformats.org/presentationml/2006/main">
+  <p:cSld>
+    <p:spTree>
+      <p:nvGrpSpPr>
+        <p:cNvPr id="1" name=""/>
+        <p:cNvGrpSpPr/>
+        <p:nvPr/>
+      </p:nvGrpSpPr>
+      <p:grpSpPr>
+        <a:xfrm>
+          <a:off x="0" y="0"/>
+          <a:ext cx="0" cy="0"/>
+          <a:chOff x="0" y="0"/>
+          <a:chExt cx="0" cy="0"/>
+        </a:xfrm>
+      </p:grpSpPr>
+      <p:sp>
+        <p:nvSpPr>
+          <p:cNvPr id="15" name="任意多边形 14"/>
+          <p:cNvSpPr/>
+          <p:nvPr/>
+        </p:nvSpPr>
+        <p:spPr>
+          <a:xfrm>
+            <a:off x="0" y="274638"/>
+            <a:ext cx="890588" cy="639763"/>
+          </a:xfrm>
+          <a:custGeom>
+            <a:avLst/>
+            <a:gdLst>
+              <a:gd name="connsiteX0" fmla="*/ 0 w 1029743"/>
+              <a:gd name="connsiteY0" fmla="*/ 0 h 739718"/>
+              <a:gd name="connsiteX1" fmla="*/ 659884 w 1029743"/>
+              <a:gd name="connsiteY1" fmla="*/ 0 h 739718"/>
+              <a:gd name="connsiteX2" fmla="*/ 1029743 w 1029743"/>
+              <a:gd name="connsiteY2" fmla="*/ 369859 h 739718"/>
+              <a:gd name="connsiteX3" fmla="*/ 659884 w 1029743"/>
+              <a:gd name="connsiteY3" fmla="*/ 739718 h 739718"/>
+              <a:gd name="connsiteX4" fmla="*/ 0 w 1029743"/>
+              <a:gd name="connsiteY4" fmla="*/ 739718 h 739718"/>
+            </a:gdLst>
+            <a:ahLst/>
+            <a:cxnLst>
+              <a:cxn ang="0">
+                <a:pos x="connsiteX0" y="connsiteY0"/>
+              </a:cxn>
+              <a:cxn ang="0">
+                <a:pos x="connsiteX1" y="connsiteY1"/>
+              </a:cxn>
+              <a:cxn ang="0">
+                <a:pos x="connsiteX2" y="connsiteY2"/>
+              </a:cxn>
+              <a:cxn ang="0">
+                <a:pos x="connsiteX3" y="connsiteY3"/>
+              </a:cxn>
+              <a:cxn ang="0">
+                <a:pos x="connsiteX4" y="connsiteY4"/>
+              </a:cxn>
+            </a:cxnLst>
+            <a:rect l="l" t="t" r="r" b="b"/>
+            <a:pathLst>
+              <a:path w="1029743" h="739718">
+                <a:moveTo>
+                  <a:pt x="0" y="0"/>
+                </a:moveTo>
+                <a:lnTo>
+                  <a:pt x="659884" y="0"/>
+                </a:lnTo>
+                <a:cubicBezTo>
+                  <a:pt x="864151" y="0"/>
+                  <a:pt x="1029743" y="165592"/>
+                  <a:pt x="1029743" y="369859"/>
+                </a:cubicBezTo>
+                <a:cubicBezTo>
+                  <a:pt x="1029743" y="574126"/>
+                  <a:pt x="864151" y="739718"/>
+                  <a:pt x="659884" y="739718"/>
+                </a:cubicBezTo>
+                <a:lnTo>
+                  <a:pt x="0" y="739718"/>
+                </a:lnTo>
+                <a:close/>
+              </a:path>
+            </a:pathLst>
+          </a:custGeom>
+          <a:solidFill>
+            <a:srgbClr val="05B780"/>
+          </a:solidFill>
+          <a:ln>
+            <a:noFill/>
+          </a:ln>
+        </p:spPr>
+        <p:style>
+          <a:lnRef idx="2">
+            <a:schemeClr val="accent1">
+              <a:shade val="50000"/>
+            </a:schemeClr>
+          </a:lnRef>
+          <a:fillRef idx="1">
+            <a:schemeClr val="accent1"/>
+          </a:fillRef>
+          <a:effectRef idx="0">
+            <a:schemeClr val="accent1"/>
+          </a:effectRef>
+          <a:fontRef idx="minor">
+            <a:schemeClr val="lt1"/>
+          </a:fontRef>
+        </p:style>
+        <p:txBody>
+          <a:bodyPr anchor="ctr"/>
+          <a:lstStyle/>
+          <a:p>
+            <a:pPr marL="0" marR="0" lvl="0" indent="0" algn="ctr" defTabSz="914400" rtl="0" eaLnBrk="1" fontAlgn="auto" latinLnBrk="0" hangingPunct="1">
+              <a:lnSpc>
+                <a:spcPct val="100000"/>
+              </a:lnSpc>
+              <a:spcBef>
+                <a:spcPts val="0"/>
+              </a:spcBef>
+              <a:spcAft>
+                <a:spcPts val="0"/>
+              </a:spcAft>
+              <a:buClrTx/>
+              <a:buSzTx/>
+              <a:buFontTx/>
+              <a:buNone/>
+              <a:defRPr/>
+            </a:pPr>
+            <a:endParaRPr kumimoji="0" lang="zh-CN" altLang="en-US" sz="1800" b="0" i="0" u="none" strike="noStrike" kern="1200" cap="none" spc="0" normalizeH="0" baseline="0" noProof="0">
+              <a:ln>
+                <a:noFill/>
+              </a:ln>
+              <a:solidFill>
+                <a:schemeClr val="bg1"/>
+              </a:solidFill>
+              <a:effectLst/>
+              <a:uLnTx/>
+              <a:uFillTx/>
+              <a:latin typeface="+mn-lt"/>
+              <a:ea typeface="+mn-ea"/>
+              <a:cs typeface="+mn-cs"/>
+            </a:endParaRPr>
+          </a:p>
+        </p:txBody>
+      </p:sp>
+      <p:sp>
+        <p:nvSpPr>
+          <p:cNvPr id="7170" name="文本框 156"/>
+          <p:cNvSpPr txBox="1"/>
+          <p:nvPr/>
+        </p:nvSpPr>
+        <p:spPr>
+          <a:xfrm>
+            <a:off x="0" y="350838"/>
+            <a:ext cx="814388" cy="521970"/>
+          </a:xfrm>
+          <a:prstGeom prst="rect">
+            <a:avLst/>
+          </a:prstGeom>
+          <a:noFill/>
+          <a:ln w="9525">
+            <a:noFill/>
+          </a:ln>
+        </p:spPr>
+        <p:txBody>
+          <a:bodyPr anchor="t" anchorCtr="0">
+            <a:spAutoFit/>
+          </a:bodyPr>
+          <a:lstStyle/>
+          <a:p>
+            <a:pPr>
+              <a:buFont typeface="Arial" panose="020B0604020202020204" pitchFamily="34" charset="0"/>
+            </a:pPr>
+            <a:r>
+              <a:rPr lang="en-US" altLang="zh-CN" sz="2800" b="1" dirty="0">
+                <a:solidFill>
+                  <a:schemeClr val="bg1"/>
+                </a:solidFill>
+                <a:latin typeface="Microsoft YaHei" panose="020B0503020204020204" pitchFamily="34" charset="-122"/>
+                <a:ea typeface="Microsoft YaHei" panose="020B0503020204020204" pitchFamily="34" charset="-122"/>
+              </a:rPr>
+              <a:t>4.2</a:t>
+            </a:r>
+            <a:endParaRPr lang="en-US" altLang="zh-CN" sz="2800" b="1" dirty="0">
+              <a:solidFill>
+                <a:schemeClr val="bg1"/>
+              </a:solidFill>
+              <a:latin typeface="Microsoft YaHei" panose="020B0503020204020204" pitchFamily="34" charset="-122"/>
+              <a:ea typeface="Microsoft YaHei" panose="020B0503020204020204" pitchFamily="34" charset="-122"/>
+            </a:endParaRPr>
+          </a:p>
+        </p:txBody>
+      </p:sp>
+      <p:sp>
+        <p:nvSpPr>
+          <p:cNvPr id="16" name="Rectangle 6"/>
+          <p:cNvSpPr>
+            <a:spLocks noChangeArrowheads="1"/>
+          </p:cNvSpPr>
+          <p:nvPr/>
+        </p:nvSpPr>
+        <p:spPr bwMode="black">
+          <a:xfrm>
+            <a:off x="1021080" y="334010"/>
+            <a:ext cx="8777605" cy="953135"/>
+          </a:xfrm>
+          <a:prstGeom prst="rect">
+            <a:avLst/>
+          </a:prstGeom>
+          <a:noFill/>
+          <a:ln>
+            <a:noFill/>
+          </a:ln>
+          <a:effectLst/>
+          <a:extLst>
+            <a:ext uri="{909E8E84-426E-40DD-AFC4-6F175D3DCCD1}">
+              <a14:hiddenFill xmlns:a14="http://schemas.microsoft.com/office/drawing/2010/main">
+                <a:solidFill>
+                  <a:schemeClr val="accent1"/>
+                </a:solidFill>
+              </a14:hiddenFill>
+            </a:ext>
+            <a:ext uri="{91240B29-F687-4F45-9708-019B960494DF}">
+              <a14:hiddenLine xmlns:a14="http://schemas.microsoft.com/office/drawing/2010/main" w="9525">
+                <a:solidFill>
+                  <a:schemeClr val="tx1"/>
+                </a:solidFill>
+                <a:miter lim="800000"/>
+                <a:headEnd/>
+                <a:tailEnd/>
+              </a14:hiddenLine>
+            </a:ext>
+            <a:ext uri="{AF507438-7753-43E0-B8FC-AC1667EBCBE1}">
+              <a14:hiddenEffects xmlns:a14="http://schemas.microsoft.com/office/drawing/2010/main">
+                <a:effectLst>
+                  <a:outerShdw dist="35921" dir="2700000" algn="ctr" rotWithShape="0">
+                    <a:schemeClr val="bg2"/>
+                  </a:outerShdw>
+                </a:effectLst>
+              </a14:hiddenEffects>
+            </a:ext>
+          </a:extLst>
+        </p:spPr>
+        <p:txBody>
+          <a:bodyPr wrap="square">
+            <a:spAutoFit/>
+          </a:bodyPr>
+          <a:lstStyle/>
+          <a:p>
+            <a:pPr eaLnBrk="0" fontAlgn="auto" hangingPunct="0">
+              <a:spcBef>
+                <a:spcPts val="0"/>
+              </a:spcBef>
+              <a:spcAft>
+                <a:spcPts val="0"/>
+              </a:spcAft>
+              <a:defRPr/>
+            </a:pPr>
+            <a:r>
+              <a:rPr kumimoji="0" lang="en-US" altLang="zh-CN" sz="2800" b="1" i="0" u="none" strike="noStrike" kern="1200" cap="none" spc="0" normalizeH="0" baseline="0" noProof="0" dirty="0">
+                <a:ln>
+                  <a:noFill/>
+                </a:ln>
+                <a:solidFill>
+                  <a:schemeClr val="tx1">
+                    <a:lumMod val="85000"/>
+                    <a:lumOff val="15000"/>
+                  </a:schemeClr>
+                </a:solidFill>
+                <a:effectLst/>
+                <a:uLnTx/>
+                <a:uFillTx/>
+                <a:latin typeface="Microsoft YaHei" panose="020B0503020204020204" pitchFamily="34" charset="-122"/>
+                <a:ea typeface="Microsoft YaHei" panose="020B0503020204020204" pitchFamily="34" charset="-122"/>
+                <a:cs typeface="+mn-cs"/>
+                <a:sym typeface="+mn-ea"/>
+              </a:rPr>
+              <a:t>Homework</a:t>
+            </a:r>
+            <a:endParaRPr kumimoji="0" lang="en-US" altLang="zh-CN" sz="2800" b="1" i="0" u="none" strike="noStrike" kern="1200" cap="none" spc="0" normalizeH="0" baseline="0" noProof="0" dirty="0">
+              <a:ln>
+                <a:noFill/>
+              </a:ln>
+              <a:solidFill>
+                <a:schemeClr val="tx1">
+                  <a:lumMod val="85000"/>
+                  <a:lumOff val="15000"/>
+                </a:schemeClr>
+              </a:solidFill>
+              <a:effectLst/>
+              <a:uLnTx/>
+              <a:uFillTx/>
+              <a:latin typeface="Microsoft YaHei" panose="020B0503020204020204" pitchFamily="34" charset="-122"/>
+              <a:ea typeface="Microsoft YaHei" panose="020B0503020204020204" pitchFamily="34" charset="-122"/>
+              <a:cs typeface="+mn-cs"/>
+              <a:sym typeface="+mn-ea"/>
+            </a:endParaRPr>
+          </a:p>
+          <a:p>
+            <a:pPr marL="0" marR="0" lvl="0" indent="0" algn="l" defTabSz="914400" rtl="0" eaLnBrk="0" fontAlgn="auto" latinLnBrk="0" hangingPunct="0">
+              <a:lnSpc>
+                <a:spcPct val="100000"/>
+              </a:lnSpc>
+              <a:spcBef>
+                <a:spcPts val="0"/>
+              </a:spcBef>
+              <a:spcAft>
+                <a:spcPts val="0"/>
+              </a:spcAft>
+              <a:buClrTx/>
+              <a:buSzTx/>
+              <a:buFontTx/>
+              <a:buNone/>
+              <a:defRPr/>
+            </a:pPr>
+            <a:r>
+              <a:rPr kumimoji="0" lang="en-US" altLang="zh-CN" sz="2800" b="1" i="0" u="none" strike="noStrike" kern="1200" cap="none" spc="0" normalizeH="0" baseline="0" noProof="0" dirty="0">
+                <a:ln>
+                  <a:noFill/>
+                </a:ln>
+                <a:solidFill>
+                  <a:schemeClr val="tx1">
+                    <a:lumMod val="85000"/>
+                    <a:lumOff val="15000"/>
+                  </a:schemeClr>
+                </a:solidFill>
+                <a:effectLst/>
+                <a:uLnTx/>
+                <a:uFillTx/>
+                <a:latin typeface="Microsoft YaHei" panose="020B0503020204020204" pitchFamily="34" charset="-122"/>
+                <a:ea typeface="Microsoft YaHei" panose="020B0503020204020204" pitchFamily="34" charset="-122"/>
+                <a:cs typeface="+mn-cs"/>
+                <a:sym typeface="+mn-ea"/>
+              </a:rPr>
+              <a:t>Unique numbers in Array</a:t>
+            </a:r>
+            <a:endParaRPr kumimoji="0" lang="en-US" altLang="zh-CN" sz="2800" b="1" i="0" u="none" strike="noStrike" kern="1200" cap="none" spc="0" normalizeH="0" baseline="0" noProof="0" dirty="0">
+              <a:ln>
+                <a:noFill/>
+              </a:ln>
+              <a:solidFill>
+                <a:schemeClr val="tx1">
+                  <a:lumMod val="85000"/>
+                  <a:lumOff val="15000"/>
+                </a:schemeClr>
+              </a:solidFill>
+              <a:effectLst/>
+              <a:uLnTx/>
+              <a:uFillTx/>
+              <a:latin typeface="Microsoft YaHei" panose="020B0503020204020204" pitchFamily="34" charset="-122"/>
+              <a:ea typeface="Microsoft YaHei" panose="020B0503020204020204" pitchFamily="34" charset="-122"/>
+              <a:cs typeface="+mn-cs"/>
+              <a:sym typeface="+mn-ea"/>
+            </a:endParaRPr>
+          </a:p>
+        </p:txBody>
+      </p:sp>
+      <p:sp>
+        <p:nvSpPr>
+          <p:cNvPr id="3" name="Content Placeholder 2"/>
+          <p:cNvSpPr>
+            <a:spLocks noGrp="1"/>
+          </p:cNvSpPr>
+          <p:nvPr>
+            <p:ph idx="1"/>
+          </p:nvPr>
+        </p:nvSpPr>
+        <p:spPr>
+          <a:xfrm>
+            <a:off x="890588" y="1494359"/>
+            <a:ext cx="10515600" cy="4351338"/>
+          </a:xfrm>
+        </p:spPr>
+        <p:txBody>
+          <a:bodyPr/>
+          <a:lstStyle/>
+          <a:p>
+            <a:r>
+              <a:rPr lang="en-US" sz="3200" dirty="0"/>
+              <a:t>Given a sorted input list of integers “nums”, return a sorted list containing only the unique values in the input</a:t>
+            </a:r>
+            <a:endParaRPr lang="en-US" sz="3200" dirty="0"/>
+          </a:p>
+          <a:p>
+            <a:pPr lvl="1"/>
+            <a:r>
+              <a:rPr lang="en-US" sz="2740" dirty="0"/>
+              <a:t>Implement a solution using Divide-And-Conquer and Recursion</a:t>
+            </a:r>
+            <a:endParaRPr lang="en-US" sz="2740" dirty="0"/>
+          </a:p>
+          <a:p>
+            <a:pPr lvl="1"/>
+            <a:r>
+              <a:rPr lang="en-US" sz="2740" dirty="0"/>
+              <a:t>Think about how your base case would look, what’s the simplest problem you can solve?</a:t>
+            </a:r>
+            <a:endParaRPr lang="en-US" sz="2740" dirty="0"/>
+          </a:p>
+          <a:p>
+            <a:r>
+              <a:rPr lang="en-US" sz="3200" dirty="0"/>
+              <a:t>Example Input: [1,1,1,2,2,3,3,3,3]</a:t>
+            </a:r>
+            <a:endParaRPr lang="en-US" sz="3200" dirty="0"/>
+          </a:p>
+          <a:p>
+            <a:r>
+              <a:rPr lang="en-US" sz="3200" dirty="0"/>
+              <a:t>Example Output: [1,2,3]</a:t>
+            </a:r>
+            <a:endParaRPr lang="en-US" sz="3200" dirty="0"/>
+          </a:p>
+        </p:txBody>
+      </p:sp>
+    </p:spTree>
+  </p:cSld>
+  <p:clrMapOvr>
+    <a:masterClrMapping/>
+  </p:clrMapOvr>
+  <p:transition spd="slow">
+    <p:wipe/>
+  </p:transition>
+</p:sld>
+</file>
+
+<file path=ppt/slides/slide27.xml><?xml version="1.0" encoding="utf-8"?>
+<p:sld xmlns:a="http://schemas.openxmlformats.org/drawingml/2006/main" xmlns:r="http://schemas.openxmlformats.org/officeDocument/2006/relationships" xmlns:p="http://schemas.openxmlformats.org/presentationml/2006/main">
+  <p:cSld>
+    <p:spTree>
+      <p:nvGrpSpPr>
+        <p:cNvPr id="1" name=""/>
+        <p:cNvGrpSpPr/>
+        <p:nvPr/>
+      </p:nvGrpSpPr>
+      <p:grpSpPr>
+        <a:xfrm>
+          <a:off x="0" y="0"/>
+          <a:ext cx="0" cy="0"/>
+          <a:chOff x="0" y="0"/>
+          <a:chExt cx="0" cy="0"/>
+        </a:xfrm>
+      </p:grpSpPr>
+      <p:sp>
+        <p:nvSpPr>
+          <p:cNvPr id="27" name="任意多边形 26"/>
+          <p:cNvSpPr/>
+          <p:nvPr/>
+        </p:nvSpPr>
+        <p:spPr>
+          <a:xfrm rot="1105229">
+            <a:off x="879475" y="-420687"/>
+            <a:ext cx="10955338" cy="8162925"/>
+          </a:xfrm>
+          <a:custGeom>
+            <a:avLst/>
+            <a:gdLst>
+              <a:gd name="connsiteX0" fmla="*/ 592396 w 10955364"/>
+              <a:gd name="connsiteY0" fmla="*/ 1850814 h 8163749"/>
+              <a:gd name="connsiteX1" fmla="*/ 1543995 w 10955364"/>
+              <a:gd name="connsiteY1" fmla="*/ 1533881 h 8163749"/>
+              <a:gd name="connsiteX2" fmla="*/ 6955594 w 10955364"/>
+              <a:gd name="connsiteY2" fmla="*/ 1533882 h 8163749"/>
+              <a:gd name="connsiteX3" fmla="*/ 5829846 w 10955364"/>
+              <a:gd name="connsiteY3" fmla="*/ 106467 h 8163749"/>
+              <a:gd name="connsiteX4" fmla="*/ 6149516 w 10955364"/>
+              <a:gd name="connsiteY4" fmla="*/ 0 h 8163749"/>
+              <a:gd name="connsiteX5" fmla="*/ 9448032 w 10955364"/>
+              <a:gd name="connsiteY5" fmla="*/ 4182420 h 8163749"/>
+              <a:gd name="connsiteX6" fmla="*/ 10818039 w 10955364"/>
+              <a:gd name="connsiteY6" fmla="*/ 1649166 h 8163749"/>
+              <a:gd name="connsiteX7" fmla="*/ 10955364 w 10955364"/>
+              <a:gd name="connsiteY7" fmla="*/ 2061488 h 8163749"/>
+              <a:gd name="connsiteX8" fmla="*/ 8602988 w 10955364"/>
+              <a:gd name="connsiteY8" fmla="*/ 6411222 h 8163749"/>
+              <a:gd name="connsiteX9" fmla="*/ 8163520 w 10955364"/>
+              <a:gd name="connsiteY9" fmla="*/ 6557588 h 8163749"/>
+              <a:gd name="connsiteX10" fmla="*/ 9283839 w 10955364"/>
+              <a:gd name="connsiteY10" fmla="*/ 4486027 h 8163749"/>
+              <a:gd name="connsiteX11" fmla="*/ 7205549 w 10955364"/>
+              <a:gd name="connsiteY11" fmla="*/ 1850816 h 8163749"/>
+              <a:gd name="connsiteX12" fmla="*/ 3551417 w 10955364"/>
+              <a:gd name="connsiteY12" fmla="*/ 1850816 h 8163749"/>
+              <a:gd name="connsiteX13" fmla="*/ 1816446 w 10955364"/>
+              <a:gd name="connsiteY13" fmla="*/ 5058920 h 8163749"/>
+              <a:gd name="connsiteX14" fmla="*/ 4088911 w 10955364"/>
+              <a:gd name="connsiteY14" fmla="*/ 7914648 h 8163749"/>
+              <a:gd name="connsiteX15" fmla="*/ 3768735 w 10955364"/>
+              <a:gd name="connsiteY15" fmla="*/ 8021284 h 8163749"/>
+              <a:gd name="connsiteX16" fmla="*/ 1652559 w 10955364"/>
+              <a:gd name="connsiteY16" fmla="*/ 5361960 h 8163749"/>
+              <a:gd name="connsiteX17" fmla="*/ 137325 w 10955364"/>
+              <a:gd name="connsiteY17" fmla="*/ 8163749 h 8163749"/>
+              <a:gd name="connsiteX18" fmla="*/ 0 w 10955364"/>
+              <a:gd name="connsiteY18" fmla="*/ 7751427 h 8163749"/>
+              <a:gd name="connsiteX19" fmla="*/ 3191107 w 10955364"/>
+              <a:gd name="connsiteY19" fmla="*/ 1850815 h 8163749"/>
+            </a:gdLst>
+            <a:ahLst/>
+            <a:cxnLst>
+              <a:cxn ang="0">
+                <a:pos x="connsiteX0" y="connsiteY0"/>
+              </a:cxn>
+              <a:cxn ang="0">
+                <a:pos x="connsiteX1" y="connsiteY1"/>
+              </a:cxn>
+              <a:cxn ang="0">
+                <a:pos x="connsiteX2" y="connsiteY2"/>
+              </a:cxn>
+              <a:cxn ang="0">
+                <a:pos x="connsiteX3" y="connsiteY3"/>
+              </a:cxn>
+              <a:cxn ang="0">
+                <a:pos x="connsiteX4" y="connsiteY4"/>
+              </a:cxn>
+              <a:cxn ang="0">
+                <a:pos x="connsiteX5" y="connsiteY5"/>
+              </a:cxn>
+              <a:cxn ang="0">
+                <a:pos x="connsiteX6" y="connsiteY6"/>
+              </a:cxn>
+              <a:cxn ang="0">
+                <a:pos x="connsiteX7" y="connsiteY7"/>
+              </a:cxn>
+              <a:cxn ang="0">
+                <a:pos x="connsiteX8" y="connsiteY8"/>
+              </a:cxn>
+              <a:cxn ang="0">
+                <a:pos x="connsiteX9" y="connsiteY9"/>
+              </a:cxn>
+              <a:cxn ang="0">
+                <a:pos x="connsiteX10" y="connsiteY10"/>
+              </a:cxn>
+              <a:cxn ang="0">
+                <a:pos x="connsiteX11" y="connsiteY11"/>
+              </a:cxn>
+              <a:cxn ang="0">
+                <a:pos x="connsiteX12" y="connsiteY12"/>
+              </a:cxn>
+              <a:cxn ang="0">
+                <a:pos x="connsiteX13" y="connsiteY13"/>
+              </a:cxn>
+              <a:cxn ang="0">
+                <a:pos x="connsiteX14" y="connsiteY14"/>
+              </a:cxn>
+              <a:cxn ang="0">
+                <a:pos x="connsiteX15" y="connsiteY15"/>
+              </a:cxn>
+              <a:cxn ang="0">
+                <a:pos x="connsiteX16" y="connsiteY16"/>
+              </a:cxn>
+              <a:cxn ang="0">
+                <a:pos x="connsiteX17" y="connsiteY17"/>
+              </a:cxn>
+              <a:cxn ang="0">
+                <a:pos x="connsiteX18" y="connsiteY18"/>
+              </a:cxn>
+              <a:cxn ang="0">
+                <a:pos x="connsiteX19" y="connsiteY19"/>
+              </a:cxn>
+            </a:cxnLst>
+            <a:rect l="l" t="t" r="r" b="b"/>
+            <a:pathLst>
+              <a:path w="10955364" h="8163749">
+                <a:moveTo>
+                  <a:pt x="592396" y="1850814"/>
+                </a:moveTo>
+                <a:lnTo>
+                  <a:pt x="1543995" y="1533881"/>
+                </a:lnTo>
+                <a:lnTo>
+                  <a:pt x="6955594" y="1533882"/>
+                </a:lnTo>
+                <a:lnTo>
+                  <a:pt x="5829846" y="106467"/>
+                </a:lnTo>
+                <a:lnTo>
+                  <a:pt x="6149516" y="0"/>
+                </a:lnTo>
+                <a:lnTo>
+                  <a:pt x="9448032" y="4182420"/>
+                </a:lnTo>
+                <a:lnTo>
+                  <a:pt x="10818039" y="1649166"/>
+                </a:lnTo>
+                <a:lnTo>
+                  <a:pt x="10955364" y="2061488"/>
+                </a:lnTo>
+                <a:lnTo>
+                  <a:pt x="8602988" y="6411222"/>
+                </a:lnTo>
+                <a:lnTo>
+                  <a:pt x="8163520" y="6557588"/>
+                </a:lnTo>
+                <a:lnTo>
+                  <a:pt x="9283839" y="4486027"/>
+                </a:lnTo>
+                <a:lnTo>
+                  <a:pt x="7205549" y="1850816"/>
+                </a:lnTo>
+                <a:lnTo>
+                  <a:pt x="3551417" y="1850816"/>
+                </a:lnTo>
+                <a:lnTo>
+                  <a:pt x="1816446" y="5058920"/>
+                </a:lnTo>
+                <a:lnTo>
+                  <a:pt x="4088911" y="7914648"/>
+                </a:lnTo>
+                <a:lnTo>
+                  <a:pt x="3768735" y="8021284"/>
+                </a:lnTo>
+                <a:lnTo>
+                  <a:pt x="1652559" y="5361960"/>
+                </a:lnTo>
+                <a:lnTo>
+                  <a:pt x="137325" y="8163749"/>
+                </a:lnTo>
+                <a:lnTo>
+                  <a:pt x="0" y="7751427"/>
+                </a:lnTo>
+                <a:lnTo>
+                  <a:pt x="3191107" y="1850815"/>
+                </a:lnTo>
+                <a:close/>
+              </a:path>
+            </a:pathLst>
+          </a:custGeom>
+          <a:solidFill>
+            <a:srgbClr val="05B780"/>
+          </a:solidFill>
+          <a:ln>
+            <a:noFill/>
+          </a:ln>
+        </p:spPr>
+        <p:style>
+          <a:lnRef idx="2">
+            <a:schemeClr val="accent1">
+              <a:shade val="50000"/>
+            </a:schemeClr>
+          </a:lnRef>
+          <a:fillRef idx="1">
+            <a:schemeClr val="accent1"/>
+          </a:fillRef>
+          <a:effectRef idx="0">
+            <a:schemeClr val="accent1"/>
+          </a:effectRef>
+          <a:fontRef idx="minor">
+            <a:schemeClr val="lt1"/>
+          </a:fontRef>
+        </p:style>
+        <p:txBody>
+          <a:bodyPr anchor="ctr"/>
+          <a:lstStyle/>
+          <a:p>
+            <a:pPr marL="0" marR="0" lvl="0" indent="0" algn="ctr" defTabSz="914400" rtl="0" eaLnBrk="1" fontAlgn="auto" latinLnBrk="0" hangingPunct="1">
+              <a:lnSpc>
+                <a:spcPct val="100000"/>
+              </a:lnSpc>
+              <a:spcBef>
+                <a:spcPts val="0"/>
+              </a:spcBef>
+              <a:spcAft>
+                <a:spcPts val="0"/>
+              </a:spcAft>
+              <a:buClrTx/>
+              <a:buSzTx/>
+              <a:buFontTx/>
+              <a:buNone/>
+              <a:defRPr/>
+            </a:pPr>
+            <a:endParaRPr kumimoji="0" lang="zh-CN" altLang="en-US" sz="1800" b="0" i="0" u="none" strike="noStrike" kern="1200" cap="none" spc="0" normalizeH="0" baseline="0" noProof="0">
+              <a:ln>
+                <a:noFill/>
+              </a:ln>
+              <a:solidFill>
+                <a:schemeClr val="lt1"/>
+              </a:solidFill>
+              <a:effectLst/>
+              <a:uLnTx/>
+              <a:uFillTx/>
+              <a:latin typeface="+mn-lt"/>
+              <a:ea typeface="+mn-ea"/>
+              <a:cs typeface="+mn-cs"/>
+            </a:endParaRPr>
+          </a:p>
+        </p:txBody>
+      </p:sp>
+      <p:sp>
+        <p:nvSpPr>
+          <p:cNvPr id="33794" name="Freeform 21"/>
+          <p:cNvSpPr/>
+          <p:nvPr/>
+        </p:nvSpPr>
+        <p:spPr>
+          <a:xfrm>
+            <a:off x="5489575" y="2338388"/>
+            <a:ext cx="1212850" cy="844550"/>
+          </a:xfrm>
+          <a:custGeom>
+            <a:avLst/>
+            <a:gdLst/>
+            <a:ahLst/>
+            <a:cxnLst>
+              <a:cxn ang="0">
+                <a:pos x="1100886755" y="0"/>
+              </a:cxn>
+              <a:cxn ang="0">
+                <a:pos x="901305125" y="0"/>
+              </a:cxn>
+              <a:cxn ang="0">
+                <a:pos x="748202390" y="0"/>
+              </a:cxn>
+              <a:cxn ang="0">
+                <a:pos x="648867110" y="132852886"/>
+              </a:cxn>
+              <a:cxn ang="0">
+                <a:pos x="561379560" y="307852838"/>
+              </a:cxn>
+              <a:cxn ang="0">
+                <a:pos x="476625220" y="476439190"/>
+              </a:cxn>
+              <a:cxn ang="0">
+                <a:pos x="402807540" y="624868373"/>
+              </a:cxn>
+              <a:cxn ang="0">
+                <a:pos x="349039130" y="518586256"/>
+              </a:cxn>
+              <a:cxn ang="0">
+                <a:pos x="241502310" y="302355603"/>
+              </a:cxn>
+              <a:cxn ang="0">
+                <a:pos x="155837855" y="131937478"/>
+              </a:cxn>
+              <a:cxn ang="0">
+                <a:pos x="145813220" y="110863944"/>
+              </a:cxn>
+              <a:cxn ang="0">
+                <a:pos x="311674755" y="110863944"/>
+              </a:cxn>
+              <a:cxn ang="0">
+                <a:pos x="375467800" y="110863944"/>
+              </a:cxn>
+              <a:cxn ang="0">
+                <a:pos x="424679905" y="208900687"/>
+              </a:cxn>
+              <a:cxn ang="0">
+                <a:pos x="501231750" y="362827106"/>
+              </a:cxn>
+              <a:cxn ang="0">
+                <a:pos x="556822300" y="253795893"/>
+              </a:cxn>
+              <a:cxn ang="0">
+                <a:pos x="559556465" y="232722360"/>
+              </a:cxn>
+              <a:cxn ang="0">
+                <a:pos x="485738785" y="86125907"/>
+              </a:cxn>
+              <a:cxn ang="0">
+                <a:pos x="395517070" y="0"/>
+              </a:cxn>
+              <a:cxn ang="0">
+                <a:pos x="114827290" y="0"/>
+              </a:cxn>
+              <a:cxn ang="0">
+                <a:pos x="40098540" y="2749096"/>
+              </a:cxn>
+              <a:cxn ang="0">
+                <a:pos x="7290470" y="80628671"/>
+              </a:cxn>
+              <a:cxn ang="0">
+                <a:pos x="54679480" y="174999952"/>
+              </a:cxn>
+              <a:cxn ang="0">
+                <a:pos x="154925830" y="375654308"/>
+              </a:cxn>
+              <a:cxn ang="0">
+                <a:pos x="264285745" y="594633100"/>
+              </a:cxn>
+              <a:cxn ang="0">
+                <a:pos x="339926520" y="745811381"/>
+              </a:cxn>
+              <a:cxn ang="0">
+                <a:pos x="370000425" y="793454725"/>
+              </a:cxn>
+              <a:cxn ang="0">
+                <a:pos x="453842740" y="768716687"/>
+              </a:cxn>
+              <a:cxn ang="0">
+                <a:pos x="516723760" y="642277402"/>
+              </a:cxn>
+              <a:cxn ang="0">
+                <a:pos x="578694665" y="518586256"/>
+              </a:cxn>
+              <a:cxn ang="0">
+                <a:pos x="668916380" y="338089069"/>
+              </a:cxn>
+              <a:cxn ang="0">
+                <a:pos x="716305390" y="242800465"/>
+              </a:cxn>
+              <a:cxn ang="0">
+                <a:pos x="781921530" y="110863944"/>
+              </a:cxn>
+              <a:cxn ang="0">
+                <a:pos x="920443325" y="110863944"/>
+              </a:cxn>
+              <a:cxn ang="0">
+                <a:pos x="1010665040" y="110863944"/>
+              </a:cxn>
+              <a:cxn ang="0">
+                <a:pos x="986970535" y="162172751"/>
+              </a:cxn>
+              <a:cxn ang="0">
+                <a:pos x="888547280" y="359161644"/>
+              </a:cxn>
+              <a:cxn ang="0">
+                <a:pos x="786477835" y="561648731"/>
+              </a:cxn>
+              <a:cxn ang="0">
+                <a:pos x="755492860" y="623952008"/>
+              </a:cxn>
+              <a:cxn ang="0">
+                <a:pos x="668005310" y="450784787"/>
+              </a:cxn>
+              <a:cxn ang="0">
+                <a:pos x="597832865" y="543324294"/>
+              </a:cxn>
+              <a:cxn ang="0">
+                <a:pos x="634286170" y="629450201"/>
+              </a:cxn>
+              <a:cxn ang="0">
+                <a:pos x="708103850" y="776963019"/>
+              </a:cxn>
+              <a:cxn ang="0">
+                <a:pos x="808350200" y="764135817"/>
+              </a:cxn>
+              <a:cxn ang="0">
+                <a:pos x="873054315" y="636780167"/>
+              </a:cxn>
+              <a:cxn ang="0">
+                <a:pos x="985148395" y="411386816"/>
+              </a:cxn>
+              <a:cxn ang="0">
+                <a:pos x="1094507355" y="191491658"/>
+              </a:cxn>
+              <a:cxn ang="0">
+                <a:pos x="1150098860" y="81544079"/>
+              </a:cxn>
+            </a:cxnLst>
+            <a:rect l="0" t="0" r="0" b="0"/>
+            <a:pathLst>
+              <a:path w="1270" h="882">
+                <a:moveTo>
+                  <a:pt x="1268" y="57"/>
+                </a:moveTo>
+                <a:cubicBezTo>
+                  <a:pt x="1268" y="40"/>
+                  <a:pt x="1259" y="24"/>
+                  <a:pt x="1246" y="14"/>
+                </a:cubicBezTo>
+                <a:cubicBezTo>
+                  <a:pt x="1235" y="5"/>
+                  <a:pt x="1222" y="1"/>
+                  <a:pt x="1208" y="0"/>
+                </a:cubicBezTo>
+                <a:cubicBezTo>
+                  <a:pt x="1203" y="0"/>
+                  <a:pt x="1199" y="0"/>
+                  <a:pt x="1194" y="0"/>
+                </a:cubicBezTo>
+                <a:cubicBezTo>
+                  <a:pt x="1165" y="0"/>
+                  <a:pt x="1137" y="0"/>
+                  <a:pt x="1109" y="0"/>
+                </a:cubicBezTo>
+                <a:cubicBezTo>
+                  <a:pt x="1069" y="0"/>
+                  <a:pt x="1029" y="0"/>
+                  <a:pt x="989" y="0"/>
+                </a:cubicBezTo>
+                <a:cubicBezTo>
+                  <a:pt x="952" y="0"/>
+                  <a:pt x="915" y="0"/>
+                  <a:pt x="878" y="0"/>
+                </a:cubicBezTo>
+                <a:cubicBezTo>
+                  <a:pt x="859" y="0"/>
+                  <a:pt x="841" y="0"/>
+                  <a:pt x="822" y="0"/>
+                </a:cubicBezTo>
+                <a:cubicBezTo>
+                  <a:pt x="822" y="0"/>
+                  <a:pt x="822" y="0"/>
+                  <a:pt x="821" y="0"/>
+                </a:cubicBezTo>
+                <a:cubicBezTo>
+                  <a:pt x="798" y="1"/>
+                  <a:pt x="778" y="14"/>
+                  <a:pt x="767" y="35"/>
+                </a:cubicBezTo>
+                <a:cubicBezTo>
+                  <a:pt x="763" y="42"/>
+                  <a:pt x="760" y="49"/>
+                  <a:pt x="756" y="56"/>
+                </a:cubicBezTo>
+                <a:cubicBezTo>
+                  <a:pt x="741" y="86"/>
+                  <a:pt x="726" y="115"/>
+                  <a:pt x="712" y="145"/>
+                </a:cubicBezTo>
+                <a:cubicBezTo>
+                  <a:pt x="699" y="171"/>
+                  <a:pt x="686" y="197"/>
+                  <a:pt x="673" y="223"/>
+                </a:cubicBezTo>
+                <a:cubicBezTo>
+                  <a:pt x="668" y="232"/>
+                  <a:pt x="663" y="242"/>
+                  <a:pt x="658" y="251"/>
+                </a:cubicBezTo>
+                <a:cubicBezTo>
+                  <a:pt x="644" y="279"/>
+                  <a:pt x="630" y="308"/>
+                  <a:pt x="616" y="336"/>
+                </a:cubicBezTo>
+                <a:cubicBezTo>
+                  <a:pt x="601" y="365"/>
+                  <a:pt x="586" y="395"/>
+                  <a:pt x="571" y="424"/>
+                </a:cubicBezTo>
+                <a:cubicBezTo>
+                  <a:pt x="566" y="435"/>
+                  <a:pt x="561" y="445"/>
+                  <a:pt x="556" y="455"/>
+                </a:cubicBezTo>
+                <a:cubicBezTo>
+                  <a:pt x="545" y="477"/>
+                  <a:pt x="534" y="498"/>
+                  <a:pt x="523" y="520"/>
+                </a:cubicBezTo>
+                <a:cubicBezTo>
+                  <a:pt x="507" y="552"/>
+                  <a:pt x="491" y="584"/>
+                  <a:pt x="475" y="616"/>
+                </a:cubicBezTo>
+                <a:cubicBezTo>
+                  <a:pt x="464" y="637"/>
+                  <a:pt x="454" y="658"/>
+                  <a:pt x="443" y="679"/>
+                </a:cubicBezTo>
+                <a:cubicBezTo>
+                  <a:pt x="443" y="680"/>
+                  <a:pt x="442" y="681"/>
+                  <a:pt x="442" y="682"/>
+                </a:cubicBezTo>
+                <a:cubicBezTo>
+                  <a:pt x="439" y="677"/>
+                  <a:pt x="437" y="672"/>
+                  <a:pt x="434" y="667"/>
+                </a:cubicBezTo>
+                <a:cubicBezTo>
+                  <a:pt x="427" y="654"/>
+                  <a:pt x="421" y="640"/>
+                  <a:pt x="414" y="627"/>
+                </a:cubicBezTo>
+                <a:cubicBezTo>
+                  <a:pt x="404" y="606"/>
+                  <a:pt x="394" y="586"/>
+                  <a:pt x="383" y="566"/>
+                </a:cubicBezTo>
+                <a:cubicBezTo>
+                  <a:pt x="371" y="542"/>
+                  <a:pt x="359" y="517"/>
+                  <a:pt x="346" y="492"/>
+                </a:cubicBezTo>
+                <a:cubicBezTo>
+                  <a:pt x="333" y="466"/>
+                  <a:pt x="319" y="439"/>
+                  <a:pt x="306" y="412"/>
+                </a:cubicBezTo>
+                <a:cubicBezTo>
+                  <a:pt x="292" y="385"/>
+                  <a:pt x="279" y="357"/>
+                  <a:pt x="265" y="330"/>
+                </a:cubicBezTo>
+                <a:cubicBezTo>
+                  <a:pt x="252" y="305"/>
+                  <a:pt x="240" y="280"/>
+                  <a:pt x="227" y="254"/>
+                </a:cubicBezTo>
+                <a:cubicBezTo>
+                  <a:pt x="216" y="233"/>
+                  <a:pt x="205" y="211"/>
+                  <a:pt x="195" y="190"/>
+                </a:cubicBezTo>
+                <a:cubicBezTo>
+                  <a:pt x="187" y="175"/>
+                  <a:pt x="179" y="159"/>
+                  <a:pt x="171" y="144"/>
+                </a:cubicBezTo>
+                <a:cubicBezTo>
+                  <a:pt x="169" y="139"/>
+                  <a:pt x="167" y="134"/>
+                  <a:pt x="164" y="130"/>
+                </a:cubicBezTo>
+                <a:cubicBezTo>
+                  <a:pt x="163" y="127"/>
+                  <a:pt x="161" y="124"/>
+                  <a:pt x="160" y="122"/>
+                </a:cubicBezTo>
+                <a:cubicBezTo>
+                  <a:pt x="160" y="122"/>
+                  <a:pt x="160" y="121"/>
+                  <a:pt x="160" y="121"/>
+                </a:cubicBezTo>
+                <a:cubicBezTo>
+                  <a:pt x="170" y="121"/>
+                  <a:pt x="180" y="121"/>
+                  <a:pt x="191" y="121"/>
+                </a:cubicBezTo>
+                <a:cubicBezTo>
+                  <a:pt x="214" y="121"/>
+                  <a:pt x="238" y="121"/>
+                  <a:pt x="261" y="121"/>
+                </a:cubicBezTo>
+                <a:cubicBezTo>
+                  <a:pt x="288" y="121"/>
+                  <a:pt x="315" y="121"/>
+                  <a:pt x="342" y="121"/>
+                </a:cubicBezTo>
+                <a:cubicBezTo>
+                  <a:pt x="361" y="121"/>
+                  <a:pt x="381" y="121"/>
+                  <a:pt x="400" y="121"/>
+                </a:cubicBezTo>
+                <a:cubicBezTo>
+                  <a:pt x="403" y="121"/>
+                  <a:pt x="405" y="121"/>
+                  <a:pt x="408" y="121"/>
+                </a:cubicBezTo>
+                <a:cubicBezTo>
+                  <a:pt x="409" y="121"/>
+                  <a:pt x="411" y="121"/>
+                  <a:pt x="412" y="121"/>
+                </a:cubicBezTo>
+                <a:cubicBezTo>
+                  <a:pt x="413" y="122"/>
+                  <a:pt x="413" y="124"/>
+                  <a:pt x="414" y="125"/>
+                </a:cubicBezTo>
+                <a:cubicBezTo>
+                  <a:pt x="420" y="138"/>
+                  <a:pt x="427" y="151"/>
+                  <a:pt x="433" y="163"/>
+                </a:cubicBezTo>
+                <a:cubicBezTo>
+                  <a:pt x="444" y="185"/>
+                  <a:pt x="455" y="207"/>
+                  <a:pt x="466" y="228"/>
+                </a:cubicBezTo>
+                <a:cubicBezTo>
+                  <a:pt x="478" y="253"/>
+                  <a:pt x="490" y="277"/>
+                  <a:pt x="502" y="301"/>
+                </a:cubicBezTo>
+                <a:cubicBezTo>
+                  <a:pt x="513" y="322"/>
+                  <a:pt x="523" y="342"/>
+                  <a:pt x="533" y="363"/>
+                </a:cubicBezTo>
+                <a:cubicBezTo>
+                  <a:pt x="539" y="374"/>
+                  <a:pt x="544" y="385"/>
+                  <a:pt x="550" y="396"/>
+                </a:cubicBezTo>
+                <a:cubicBezTo>
+                  <a:pt x="550" y="396"/>
+                  <a:pt x="550" y="397"/>
+                  <a:pt x="551" y="397"/>
+                </a:cubicBezTo>
+                <a:cubicBezTo>
+                  <a:pt x="563" y="373"/>
+                  <a:pt x="575" y="348"/>
+                  <a:pt x="588" y="323"/>
+                </a:cubicBezTo>
+                <a:cubicBezTo>
+                  <a:pt x="596" y="308"/>
+                  <a:pt x="603" y="292"/>
+                  <a:pt x="611" y="277"/>
+                </a:cubicBezTo>
+                <a:cubicBezTo>
+                  <a:pt x="613" y="273"/>
+                  <a:pt x="615" y="269"/>
+                  <a:pt x="617" y="265"/>
+                </a:cubicBezTo>
+                <a:cubicBezTo>
+                  <a:pt x="618" y="263"/>
+                  <a:pt x="618" y="263"/>
+                  <a:pt x="618" y="262"/>
+                </a:cubicBezTo>
+                <a:cubicBezTo>
+                  <a:pt x="617" y="259"/>
+                  <a:pt x="615" y="257"/>
+                  <a:pt x="614" y="254"/>
+                </a:cubicBezTo>
+                <a:cubicBezTo>
+                  <a:pt x="612" y="250"/>
+                  <a:pt x="609" y="245"/>
+                  <a:pt x="607" y="240"/>
+                </a:cubicBezTo>
+                <a:cubicBezTo>
+                  <a:pt x="600" y="226"/>
+                  <a:pt x="593" y="212"/>
+                  <a:pt x="586" y="198"/>
+                </a:cubicBezTo>
+                <a:cubicBezTo>
+                  <a:pt x="568" y="163"/>
+                  <a:pt x="551" y="128"/>
+                  <a:pt x="533" y="94"/>
+                </a:cubicBezTo>
+                <a:cubicBezTo>
+                  <a:pt x="523" y="74"/>
+                  <a:pt x="514" y="54"/>
+                  <a:pt x="503" y="34"/>
+                </a:cubicBezTo>
+                <a:cubicBezTo>
+                  <a:pt x="492" y="13"/>
+                  <a:pt x="472" y="1"/>
+                  <a:pt x="449" y="0"/>
+                </a:cubicBezTo>
+                <a:cubicBezTo>
+                  <a:pt x="444" y="0"/>
+                  <a:pt x="439" y="0"/>
+                  <a:pt x="434" y="0"/>
+                </a:cubicBezTo>
+                <a:cubicBezTo>
+                  <a:pt x="406" y="0"/>
+                  <a:pt x="379" y="0"/>
+                  <a:pt x="352" y="0"/>
+                </a:cubicBezTo>
+                <a:cubicBezTo>
+                  <a:pt x="313" y="0"/>
+                  <a:pt x="274" y="0"/>
+                  <a:pt x="236" y="0"/>
+                </a:cubicBezTo>
+                <a:cubicBezTo>
+                  <a:pt x="199" y="0"/>
+                  <a:pt x="163" y="0"/>
+                  <a:pt x="126" y="0"/>
+                </a:cubicBezTo>
+                <a:cubicBezTo>
+                  <a:pt x="106" y="0"/>
+                  <a:pt x="85" y="0"/>
+                  <a:pt x="65" y="0"/>
+                </a:cubicBezTo>
+                <a:cubicBezTo>
+                  <a:pt x="64" y="0"/>
+                  <a:pt x="63" y="0"/>
+                  <a:pt x="62" y="0"/>
+                </a:cubicBezTo>
+                <a:cubicBezTo>
+                  <a:pt x="56" y="1"/>
+                  <a:pt x="50" y="1"/>
+                  <a:pt x="44" y="3"/>
+                </a:cubicBezTo>
+                <a:cubicBezTo>
+                  <a:pt x="38" y="5"/>
+                  <a:pt x="33" y="8"/>
+                  <a:pt x="28" y="11"/>
+                </a:cubicBezTo>
+                <a:cubicBezTo>
+                  <a:pt x="16" y="19"/>
+                  <a:pt x="8" y="31"/>
+                  <a:pt x="4" y="44"/>
+                </a:cubicBezTo>
+                <a:cubicBezTo>
+                  <a:pt x="0" y="60"/>
+                  <a:pt x="2" y="74"/>
+                  <a:pt x="8" y="88"/>
+                </a:cubicBezTo>
+                <a:cubicBezTo>
+                  <a:pt x="11" y="94"/>
+                  <a:pt x="14" y="99"/>
+                  <a:pt x="16" y="104"/>
+                </a:cubicBezTo>
+                <a:cubicBezTo>
+                  <a:pt x="22" y="116"/>
+                  <a:pt x="28" y="128"/>
+                  <a:pt x="34" y="139"/>
+                </a:cubicBezTo>
+                <a:cubicBezTo>
+                  <a:pt x="43" y="157"/>
+                  <a:pt x="52" y="174"/>
+                  <a:pt x="60" y="191"/>
+                </a:cubicBezTo>
+                <a:cubicBezTo>
+                  <a:pt x="71" y="213"/>
+                  <a:pt x="82" y="234"/>
+                  <a:pt x="93" y="256"/>
+                </a:cubicBezTo>
+                <a:cubicBezTo>
+                  <a:pt x="105" y="281"/>
+                  <a:pt x="118" y="305"/>
+                  <a:pt x="130" y="330"/>
+                </a:cubicBezTo>
+                <a:cubicBezTo>
+                  <a:pt x="143" y="357"/>
+                  <a:pt x="157" y="383"/>
+                  <a:pt x="170" y="410"/>
+                </a:cubicBezTo>
+                <a:cubicBezTo>
+                  <a:pt x="184" y="437"/>
+                  <a:pt x="198" y="465"/>
+                  <a:pt x="211" y="492"/>
+                </a:cubicBezTo>
+                <a:cubicBezTo>
+                  <a:pt x="225" y="519"/>
+                  <a:pt x="238" y="546"/>
+                  <a:pt x="252" y="573"/>
+                </a:cubicBezTo>
+                <a:cubicBezTo>
+                  <a:pt x="265" y="598"/>
+                  <a:pt x="277" y="624"/>
+                  <a:pt x="290" y="649"/>
+                </a:cubicBezTo>
+                <a:cubicBezTo>
+                  <a:pt x="302" y="672"/>
+                  <a:pt x="313" y="694"/>
+                  <a:pt x="324" y="717"/>
+                </a:cubicBezTo>
+                <a:cubicBezTo>
+                  <a:pt x="334" y="736"/>
+                  <a:pt x="343" y="755"/>
+                  <a:pt x="353" y="773"/>
+                </a:cubicBezTo>
+                <a:cubicBezTo>
+                  <a:pt x="359" y="787"/>
+                  <a:pt x="366" y="801"/>
+                  <a:pt x="373" y="814"/>
+                </a:cubicBezTo>
+                <a:cubicBezTo>
+                  <a:pt x="377" y="822"/>
+                  <a:pt x="381" y="829"/>
+                  <a:pt x="384" y="836"/>
+                </a:cubicBezTo>
+                <a:cubicBezTo>
+                  <a:pt x="385" y="837"/>
+                  <a:pt x="385" y="838"/>
+                  <a:pt x="386" y="839"/>
+                </a:cubicBezTo>
+                <a:cubicBezTo>
+                  <a:pt x="391" y="850"/>
+                  <a:pt x="397" y="859"/>
+                  <a:pt x="406" y="866"/>
+                </a:cubicBezTo>
+                <a:cubicBezTo>
+                  <a:pt x="417" y="874"/>
+                  <a:pt x="430" y="877"/>
+                  <a:pt x="442" y="877"/>
+                </a:cubicBezTo>
+                <a:cubicBezTo>
+                  <a:pt x="455" y="877"/>
+                  <a:pt x="467" y="873"/>
+                  <a:pt x="478" y="866"/>
+                </a:cubicBezTo>
+                <a:cubicBezTo>
+                  <a:pt x="487" y="859"/>
+                  <a:pt x="493" y="850"/>
+                  <a:pt x="498" y="839"/>
+                </a:cubicBezTo>
+                <a:cubicBezTo>
+                  <a:pt x="499" y="837"/>
+                  <a:pt x="500" y="834"/>
+                  <a:pt x="502" y="832"/>
+                </a:cubicBezTo>
+                <a:cubicBezTo>
+                  <a:pt x="510" y="814"/>
+                  <a:pt x="519" y="797"/>
+                  <a:pt x="528" y="780"/>
+                </a:cubicBezTo>
+                <a:cubicBezTo>
+                  <a:pt x="541" y="754"/>
+                  <a:pt x="554" y="728"/>
+                  <a:pt x="567" y="701"/>
+                </a:cubicBezTo>
+                <a:cubicBezTo>
+                  <a:pt x="580" y="676"/>
+                  <a:pt x="593" y="650"/>
+                  <a:pt x="606" y="624"/>
+                </a:cubicBezTo>
+                <a:cubicBezTo>
+                  <a:pt x="615" y="607"/>
+                  <a:pt x="623" y="590"/>
+                  <a:pt x="632" y="573"/>
+                </a:cubicBezTo>
+                <a:cubicBezTo>
+                  <a:pt x="633" y="570"/>
+                  <a:pt x="634" y="568"/>
+                  <a:pt x="635" y="566"/>
+                </a:cubicBezTo>
+                <a:cubicBezTo>
+                  <a:pt x="635" y="566"/>
+                  <a:pt x="635" y="566"/>
+                  <a:pt x="636" y="566"/>
+                </a:cubicBezTo>
+                <a:cubicBezTo>
+                  <a:pt x="648" y="541"/>
+                  <a:pt x="661" y="516"/>
+                  <a:pt x="673" y="490"/>
+                </a:cubicBezTo>
+                <a:cubicBezTo>
+                  <a:pt x="693" y="450"/>
+                  <a:pt x="714" y="410"/>
+                  <a:pt x="734" y="369"/>
+                </a:cubicBezTo>
+                <a:cubicBezTo>
+                  <a:pt x="738" y="360"/>
+                  <a:pt x="743" y="351"/>
+                  <a:pt x="748" y="341"/>
+                </a:cubicBezTo>
+                <a:cubicBezTo>
+                  <a:pt x="748" y="341"/>
+                  <a:pt x="748" y="341"/>
+                  <a:pt x="748" y="342"/>
+                </a:cubicBezTo>
+                <a:cubicBezTo>
+                  <a:pt x="761" y="316"/>
+                  <a:pt x="773" y="291"/>
+                  <a:pt x="786" y="265"/>
+                </a:cubicBezTo>
+                <a:cubicBezTo>
+                  <a:pt x="806" y="226"/>
+                  <a:pt x="826" y="186"/>
+                  <a:pt x="846" y="146"/>
+                </a:cubicBezTo>
+                <a:cubicBezTo>
+                  <a:pt x="849" y="140"/>
+                  <a:pt x="852" y="135"/>
+                  <a:pt x="855" y="129"/>
+                </a:cubicBezTo>
+                <a:cubicBezTo>
+                  <a:pt x="855" y="127"/>
+                  <a:pt x="857" y="122"/>
+                  <a:pt x="858" y="121"/>
+                </a:cubicBezTo>
+                <a:cubicBezTo>
+                  <a:pt x="859" y="121"/>
+                  <a:pt x="862" y="121"/>
+                  <a:pt x="864" y="121"/>
+                </a:cubicBezTo>
+                <a:cubicBezTo>
+                  <a:pt x="869" y="121"/>
+                  <a:pt x="875" y="121"/>
+                  <a:pt x="880" y="121"/>
+                </a:cubicBezTo>
+                <a:cubicBezTo>
+                  <a:pt x="923" y="121"/>
+                  <a:pt x="966" y="121"/>
+                  <a:pt x="1010" y="121"/>
+                </a:cubicBezTo>
+                <a:cubicBezTo>
+                  <a:pt x="1031" y="121"/>
+                  <a:pt x="1052" y="121"/>
+                  <a:pt x="1074" y="121"/>
+                </a:cubicBezTo>
+                <a:cubicBezTo>
+                  <a:pt x="1081" y="121"/>
+                  <a:pt x="1089" y="121"/>
+                  <a:pt x="1097" y="121"/>
+                </a:cubicBezTo>
+                <a:cubicBezTo>
+                  <a:pt x="1101" y="121"/>
+                  <a:pt x="1105" y="121"/>
+                  <a:pt x="1109" y="121"/>
+                </a:cubicBezTo>
+                <a:cubicBezTo>
+                  <a:pt x="1110" y="121"/>
+                  <a:pt x="1110" y="121"/>
+                  <a:pt x="1111" y="121"/>
+                </a:cubicBezTo>
+                <a:cubicBezTo>
+                  <a:pt x="1108" y="126"/>
+                  <a:pt x="1106" y="131"/>
+                  <a:pt x="1103" y="136"/>
+                </a:cubicBezTo>
+                <a:cubicBezTo>
+                  <a:pt x="1096" y="150"/>
+                  <a:pt x="1089" y="163"/>
+                  <a:pt x="1083" y="177"/>
+                </a:cubicBezTo>
+                <a:cubicBezTo>
+                  <a:pt x="1073" y="197"/>
+                  <a:pt x="1062" y="217"/>
+                  <a:pt x="1052" y="237"/>
+                </a:cubicBezTo>
+                <a:cubicBezTo>
+                  <a:pt x="1040" y="262"/>
+                  <a:pt x="1028" y="286"/>
+                  <a:pt x="1015" y="311"/>
+                </a:cubicBezTo>
+                <a:cubicBezTo>
+                  <a:pt x="1002" y="338"/>
+                  <a:pt x="988" y="365"/>
+                  <a:pt x="975" y="392"/>
+                </a:cubicBezTo>
+                <a:cubicBezTo>
+                  <a:pt x="961" y="419"/>
+                  <a:pt x="948" y="446"/>
+                  <a:pt x="934" y="473"/>
+                </a:cubicBezTo>
+                <a:cubicBezTo>
+                  <a:pt x="921" y="498"/>
+                  <a:pt x="908" y="524"/>
+                  <a:pt x="896" y="549"/>
+                </a:cubicBezTo>
+                <a:cubicBezTo>
+                  <a:pt x="885" y="570"/>
+                  <a:pt x="874" y="592"/>
+                  <a:pt x="863" y="613"/>
+                </a:cubicBezTo>
+                <a:cubicBezTo>
+                  <a:pt x="856" y="629"/>
+                  <a:pt x="848" y="644"/>
+                  <a:pt x="840" y="659"/>
+                </a:cubicBezTo>
+                <a:cubicBezTo>
+                  <a:pt x="838" y="664"/>
+                  <a:pt x="835" y="669"/>
+                  <a:pt x="833" y="674"/>
+                </a:cubicBezTo>
+                <a:cubicBezTo>
+                  <a:pt x="832" y="676"/>
+                  <a:pt x="831" y="679"/>
+                  <a:pt x="829" y="681"/>
+                </a:cubicBezTo>
+                <a:cubicBezTo>
+                  <a:pt x="829" y="682"/>
+                  <a:pt x="829" y="682"/>
+                  <a:pt x="829" y="682"/>
+                </a:cubicBezTo>
+                <a:cubicBezTo>
+                  <a:pt x="817" y="658"/>
+                  <a:pt x="804" y="633"/>
+                  <a:pt x="792" y="609"/>
+                </a:cubicBezTo>
+                <a:cubicBezTo>
+                  <a:pt x="772" y="570"/>
+                  <a:pt x="753" y="531"/>
+                  <a:pt x="733" y="492"/>
+                </a:cubicBezTo>
+                <a:cubicBezTo>
+                  <a:pt x="729" y="483"/>
+                  <a:pt x="724" y="474"/>
+                  <a:pt x="720" y="465"/>
+                </a:cubicBezTo>
+                <a:cubicBezTo>
+                  <a:pt x="711" y="483"/>
+                  <a:pt x="702" y="501"/>
+                  <a:pt x="693" y="519"/>
+                </a:cubicBezTo>
+                <a:cubicBezTo>
+                  <a:pt x="681" y="543"/>
+                  <a:pt x="668" y="568"/>
+                  <a:pt x="656" y="593"/>
+                </a:cubicBezTo>
+                <a:cubicBezTo>
+                  <a:pt x="655" y="596"/>
+                  <a:pt x="652" y="598"/>
+                  <a:pt x="653" y="601"/>
+                </a:cubicBezTo>
+                <a:cubicBezTo>
+                  <a:pt x="655" y="607"/>
+                  <a:pt x="659" y="612"/>
+                  <a:pt x="661" y="617"/>
+                </a:cubicBezTo>
+                <a:cubicBezTo>
+                  <a:pt x="673" y="641"/>
+                  <a:pt x="685" y="664"/>
+                  <a:pt x="696" y="687"/>
+                </a:cubicBezTo>
+                <a:cubicBezTo>
+                  <a:pt x="711" y="716"/>
+                  <a:pt x="725" y="744"/>
+                  <a:pt x="739" y="772"/>
+                </a:cubicBezTo>
+                <a:cubicBezTo>
+                  <a:pt x="749" y="792"/>
+                  <a:pt x="759" y="812"/>
+                  <a:pt x="769" y="832"/>
+                </a:cubicBezTo>
+                <a:cubicBezTo>
+                  <a:pt x="772" y="837"/>
+                  <a:pt x="774" y="843"/>
+                  <a:pt x="777" y="848"/>
+                </a:cubicBezTo>
+                <a:cubicBezTo>
+                  <a:pt x="791" y="871"/>
+                  <a:pt x="819" y="882"/>
+                  <a:pt x="846" y="875"/>
+                </a:cubicBezTo>
+                <a:cubicBezTo>
+                  <a:pt x="865" y="870"/>
+                  <a:pt x="877" y="857"/>
+                  <a:pt x="885" y="839"/>
+                </a:cubicBezTo>
+                <a:cubicBezTo>
+                  <a:pt x="886" y="838"/>
+                  <a:pt x="887" y="836"/>
+                  <a:pt x="887" y="834"/>
+                </a:cubicBezTo>
+                <a:cubicBezTo>
+                  <a:pt x="892" y="825"/>
+                  <a:pt x="897" y="816"/>
+                  <a:pt x="901" y="806"/>
+                </a:cubicBezTo>
+                <a:cubicBezTo>
+                  <a:pt x="909" y="791"/>
+                  <a:pt x="917" y="775"/>
+                  <a:pt x="925" y="759"/>
+                </a:cubicBezTo>
+                <a:cubicBezTo>
+                  <a:pt x="936" y="737"/>
+                  <a:pt x="947" y="716"/>
+                  <a:pt x="958" y="695"/>
+                </a:cubicBezTo>
+                <a:cubicBezTo>
+                  <a:pt x="970" y="669"/>
+                  <a:pt x="983" y="644"/>
+                  <a:pt x="996" y="619"/>
+                </a:cubicBezTo>
+                <a:cubicBezTo>
+                  <a:pt x="1010" y="591"/>
+                  <a:pt x="1024" y="563"/>
+                  <a:pt x="1038" y="535"/>
+                </a:cubicBezTo>
+                <a:cubicBezTo>
+                  <a:pt x="1052" y="507"/>
+                  <a:pt x="1067" y="478"/>
+                  <a:pt x="1081" y="449"/>
+                </a:cubicBezTo>
+                <a:cubicBezTo>
+                  <a:pt x="1096" y="420"/>
+                  <a:pt x="1110" y="391"/>
+                  <a:pt x="1124" y="363"/>
+                </a:cubicBezTo>
+                <a:cubicBezTo>
+                  <a:pt x="1138" y="335"/>
+                  <a:pt x="1152" y="308"/>
+                  <a:pt x="1165" y="281"/>
+                </a:cubicBezTo>
+                <a:cubicBezTo>
+                  <a:pt x="1177" y="257"/>
+                  <a:pt x="1189" y="233"/>
+                  <a:pt x="1201" y="209"/>
+                </a:cubicBezTo>
+                <a:cubicBezTo>
+                  <a:pt x="1211" y="189"/>
+                  <a:pt x="1221" y="170"/>
+                  <a:pt x="1231" y="150"/>
+                </a:cubicBezTo>
+                <a:cubicBezTo>
+                  <a:pt x="1238" y="136"/>
+                  <a:pt x="1245" y="123"/>
+                  <a:pt x="1252" y="109"/>
+                </a:cubicBezTo>
+                <a:cubicBezTo>
+                  <a:pt x="1255" y="102"/>
+                  <a:pt x="1259" y="96"/>
+                  <a:pt x="1262" y="89"/>
+                </a:cubicBezTo>
+                <a:cubicBezTo>
+                  <a:pt x="1266" y="79"/>
+                  <a:pt x="1270" y="68"/>
+                  <a:pt x="1268" y="57"/>
+                </a:cubicBezTo>
+                <a:cubicBezTo>
+                  <a:pt x="1268" y="55"/>
+                  <a:pt x="1268" y="58"/>
+                  <a:pt x="1268" y="57"/>
+                </a:cubicBezTo>
+                <a:close/>
+              </a:path>
+            </a:pathLst>
+          </a:custGeom>
+          <a:solidFill>
+            <a:srgbClr val="05B780"/>
+          </a:solidFill>
+          <a:ln w="9525">
+            <a:noFill/>
+          </a:ln>
+        </p:spPr>
+        <p:txBody>
+          <a:bodyPr/>
+          <a:lstStyle/>
+          <a:p>
+            <a:endParaRPr lang="en-US"/>
+          </a:p>
+        </p:txBody>
+      </p:sp>
+      <p:sp>
+        <p:nvSpPr>
+          <p:cNvPr id="33795" name="文本框 29"/>
+          <p:cNvSpPr txBox="1"/>
+          <p:nvPr/>
+        </p:nvSpPr>
+        <p:spPr>
+          <a:xfrm>
+            <a:off x="3733800" y="4125913"/>
+            <a:ext cx="4722813" cy="708025"/>
+          </a:xfrm>
+          <a:prstGeom prst="rect">
+            <a:avLst/>
+          </a:prstGeom>
+          <a:noFill/>
+          <a:ln w="9525">
+            <a:noFill/>
+          </a:ln>
+        </p:spPr>
+        <p:txBody>
+          <a:bodyPr anchor="t" anchorCtr="0">
+            <a:spAutoFit/>
+          </a:bodyPr>
+          <a:lstStyle/>
+          <a:p>
+            <a:pPr algn="dist"/>
+            <a:r>
+              <a:rPr lang="en-US" altLang="zh-CN" sz="4000" dirty="0">
+                <a:solidFill>
+                  <a:srgbClr val="262626"/>
+                </a:solidFill>
+                <a:latin typeface="Microsoft YaHei" panose="020B0503020204020204" pitchFamily="34" charset="-122"/>
+                <a:ea typeface="Microsoft YaHei" panose="020B0503020204020204" pitchFamily="34" charset="-122"/>
+              </a:rPr>
+              <a:t>THANK YOU</a:t>
+            </a:r>
+            <a:endParaRPr lang="zh-CN" altLang="en-US" sz="4000" dirty="0">
+              <a:solidFill>
+                <a:srgbClr val="262626"/>
+              </a:solidFill>
+              <a:latin typeface="Microsoft YaHei" panose="020B0503020204020204" pitchFamily="34" charset="-122"/>
+              <a:ea typeface="Microsoft YaHei" panose="020B0503020204020204" pitchFamily="34" charset="-122"/>
+            </a:endParaRPr>
+          </a:p>
+        </p:txBody>
+      </p:sp>
+    </p:spTree>
+  </p:cSld>
+  <p:clrMapOvr>
+    <a:masterClrMapping/>
+  </p:clrMapOvr>
+  <p:transition spd="slow">
+    <p:wipe/>
+  </p:transition>
+</p:sld>
+</file>
+
 <file path=ppt/slides/slide3.xml><?xml version="1.0" encoding="utf-8"?>
 <p:sld xmlns:a="http://schemas.openxmlformats.org/drawingml/2006/main" xmlns:r="http://schemas.openxmlformats.org/officeDocument/2006/relationships" xmlns:p="http://schemas.openxmlformats.org/presentationml/2006/main">
   <p:cSld>
@@ -9765,8 +14877,15 @@
                 <a:latin typeface="Microsoft YaHei" panose="020B0503020204020204" pitchFamily="34" charset="-122"/>
                 <a:ea typeface="Microsoft YaHei" panose="020B0503020204020204" pitchFamily="34" charset="-122"/>
               </a:rPr>
-              <a:t>Week3 Recap</a:t>
-            </a:r>
+              <a:t>Week4 Recap</a:t>
+            </a:r>
+            <a:endParaRPr lang="en-US" altLang="zh-CN" sz="3200" b="1" dirty="0">
+              <a:solidFill>
+                <a:schemeClr val="bg1"/>
+              </a:solidFill>
+              <a:latin typeface="Microsoft YaHei" panose="020B0503020204020204" pitchFamily="34" charset="-122"/>
+              <a:ea typeface="Microsoft YaHei" panose="020B0503020204020204" pitchFamily="34" charset="-122"/>
+            </a:endParaRPr>
           </a:p>
         </p:txBody>
       </p:sp>
@@ -9882,6 +15001,13 @@
               </a:rPr>
               <a:t>Week 4 Recap</a:t>
             </a:r>
+            <a:endParaRPr lang="en-US" altLang="zh-CN" sz="3200" b="1" dirty="0">
+              <a:solidFill>
+                <a:srgbClr val="05B780"/>
+              </a:solidFill>
+              <a:latin typeface="Microsoft YaHei" panose="020B0503020204020204" pitchFamily="34" charset="-122"/>
+              <a:ea typeface="Microsoft YaHei" panose="020B0503020204020204" pitchFamily="34" charset="-122"/>
+            </a:endParaRPr>
           </a:p>
         </p:txBody>
       </p:sp>
@@ -10014,6 +15140,13 @@
                 </a:rPr>
                 <a:t>01a</a:t>
               </a:r>
+              <a:endParaRPr lang="en-US" altLang="zh-CN" sz="4400" b="1" dirty="0">
+                <a:solidFill>
+                  <a:schemeClr val="bg1"/>
+                </a:solidFill>
+                <a:latin typeface="Microsoft YaHei" panose="020B0503020204020204" pitchFamily="34" charset="-122"/>
+                <a:ea typeface="Microsoft YaHei" panose="020B0503020204020204" pitchFamily="34" charset="-122"/>
+              </a:endParaRPr>
             </a:p>
           </p:txBody>
         </p:sp>
@@ -10213,6 +15346,13 @@
               </a:rPr>
               <a:t>1.1</a:t>
             </a:r>
+            <a:endParaRPr lang="en-US" altLang="zh-CN" sz="2800" b="1" dirty="0">
+              <a:solidFill>
+                <a:schemeClr val="bg1"/>
+              </a:solidFill>
+              <a:latin typeface="Microsoft YaHei" panose="020B0503020204020204" pitchFamily="34" charset="-122"/>
+              <a:ea typeface="Microsoft YaHei" panose="020B0503020204020204" pitchFamily="34" charset="-122"/>
+            </a:endParaRPr>
           </a:p>
         </p:txBody>
       </p:sp>
@@ -10309,6 +15449,24 @@
               </a:rPr>
               <a:t>Week4 Recap</a:t>
             </a:r>
+            <a:endParaRPr kumimoji="0" lang="en-US" altLang="zh-CN" sz="2800" b="1" i="0" u="none" strike="noStrike" kern="1200" cap="none" spc="0" normalizeH="0" baseline="0" noProof="0" dirty="0">
+              <a:ln>
+                <a:noFill/>
+              </a:ln>
+              <a:solidFill>
+                <a:schemeClr val="tx1">
+                  <a:lumMod val="85000"/>
+                  <a:lumOff val="15000"/>
+                </a:schemeClr>
+              </a:solidFill>
+              <a:effectLst/>
+              <a:uLnTx/>
+              <a:uFillTx/>
+              <a:latin typeface="Microsoft YaHei" panose="020B0503020204020204" pitchFamily="34" charset="-122"/>
+              <a:ea typeface="Microsoft YaHei" panose="020B0503020204020204" pitchFamily="34" charset="-122"/>
+              <a:cs typeface="+mn-cs"/>
+              <a:sym typeface="+mn-ea"/>
+            </a:endParaRPr>
           </a:p>
         </p:txBody>
       </p:sp>
@@ -10331,18 +15489,21 @@
               <a:rPr lang="en-US" dirty="0"/>
               <a:t>Linked List</a:t>
             </a:r>
+            <a:endParaRPr lang="en-US" dirty="0"/>
           </a:p>
           <a:p>
             <a:r>
               <a:rPr lang="en-US" dirty="0"/>
               <a:t>Binary Tree</a:t>
             </a:r>
+            <a:endParaRPr lang="en-US" dirty="0"/>
           </a:p>
           <a:p>
             <a:r>
               <a:rPr lang="en-US" dirty="0"/>
               <a:t>Tree Traversals</a:t>
             </a:r>
+            <a:endParaRPr lang="en-US" dirty="0"/>
           </a:p>
           <a:p>
             <a:pPr lvl="1"/>
@@ -10350,6 +15511,7 @@
               <a:rPr lang="en-US" dirty="0"/>
               <a:t>Level order</a:t>
             </a:r>
+            <a:endParaRPr lang="en-US" dirty="0"/>
           </a:p>
           <a:p>
             <a:pPr lvl="1"/>
@@ -10357,6 +15519,7 @@
               <a:rPr lang="en-US" dirty="0"/>
               <a:t>Pre order</a:t>
             </a:r>
+            <a:endParaRPr lang="en-US" dirty="0"/>
           </a:p>
           <a:p>
             <a:pPr lvl="1"/>
@@ -10364,6 +15527,7 @@
               <a:rPr lang="en-US" dirty="0"/>
               <a:t>Post order</a:t>
             </a:r>
+            <a:endParaRPr lang="en-US" dirty="0"/>
           </a:p>
           <a:p>
             <a:pPr lvl="1"/>
@@ -10371,6 +15535,7 @@
               <a:rPr lang="en-US" dirty="0"/>
               <a:t>In order</a:t>
             </a:r>
+            <a:endParaRPr lang="en-US" dirty="0"/>
           </a:p>
         </p:txBody>
       </p:sp>
@@ -10567,8 +15732,15 @@
                 <a:latin typeface="Microsoft YaHei" panose="020B0503020204020204" pitchFamily="34" charset="-122"/>
                 <a:ea typeface="Microsoft YaHei" panose="020B0503020204020204" pitchFamily="34" charset="-122"/>
               </a:rPr>
-              <a:t>Week3 Recap</a:t>
-            </a:r>
+              <a:t>Week4 Recap</a:t>
+            </a:r>
+            <a:endParaRPr lang="en-US" altLang="zh-CN" sz="3200" b="1" dirty="0">
+              <a:solidFill>
+                <a:schemeClr val="bg1"/>
+              </a:solidFill>
+              <a:latin typeface="Microsoft YaHei" panose="020B0503020204020204" pitchFamily="34" charset="-122"/>
+              <a:ea typeface="Microsoft YaHei" panose="020B0503020204020204" pitchFamily="34" charset="-122"/>
+            </a:endParaRPr>
           </a:p>
         </p:txBody>
       </p:sp>
@@ -10684,6 +15856,13 @@
               </a:rPr>
               <a:t>Homework Recap</a:t>
             </a:r>
+            <a:endParaRPr lang="en-US" altLang="zh-CN" sz="3200" b="1" dirty="0">
+              <a:solidFill>
+                <a:srgbClr val="05B780"/>
+              </a:solidFill>
+              <a:latin typeface="Microsoft YaHei" panose="020B0503020204020204" pitchFamily="34" charset="-122"/>
+              <a:ea typeface="Microsoft YaHei" panose="020B0503020204020204" pitchFamily="34" charset="-122"/>
+            </a:endParaRPr>
           </a:p>
         </p:txBody>
       </p:sp>
@@ -10816,6 +15995,13 @@
                 </a:rPr>
                 <a:t>01b</a:t>
               </a:r>
+              <a:endParaRPr lang="en-US" altLang="zh-CN" sz="4400" b="1" dirty="0">
+                <a:solidFill>
+                  <a:schemeClr val="bg1"/>
+                </a:solidFill>
+                <a:latin typeface="Microsoft YaHei" panose="020B0503020204020204" pitchFamily="34" charset="-122"/>
+                <a:ea typeface="Microsoft YaHei" panose="020B0503020204020204" pitchFamily="34" charset="-122"/>
+              </a:endParaRPr>
             </a:p>
           </p:txBody>
         </p:sp>
@@ -11015,6 +16201,13 @@
               </a:rPr>
               <a:t>1.2</a:t>
             </a:r>
+            <a:endParaRPr lang="en-US" altLang="zh-CN" sz="2800" b="1" dirty="0">
+              <a:solidFill>
+                <a:schemeClr val="bg1"/>
+              </a:solidFill>
+              <a:latin typeface="Microsoft YaHei" panose="020B0503020204020204" pitchFamily="34" charset="-122"/>
+              <a:ea typeface="Microsoft YaHei" panose="020B0503020204020204" pitchFamily="34" charset="-122"/>
+            </a:endParaRPr>
           </a:p>
         </p:txBody>
       </p:sp>
@@ -11111,6 +16304,24 @@
               </a:rPr>
               <a:t>Homework: Find Value in Binary Tree</a:t>
             </a:r>
+            <a:endParaRPr kumimoji="0" lang="en-US" altLang="zh-CN" sz="2800" b="1" i="0" u="none" strike="noStrike" kern="1200" cap="none" spc="0" normalizeH="0" baseline="0" noProof="0" dirty="0">
+              <a:ln>
+                <a:noFill/>
+              </a:ln>
+              <a:solidFill>
+                <a:schemeClr val="tx1">
+                  <a:lumMod val="85000"/>
+                  <a:lumOff val="15000"/>
+                </a:schemeClr>
+              </a:solidFill>
+              <a:effectLst/>
+              <a:uLnTx/>
+              <a:uFillTx/>
+              <a:latin typeface="Microsoft YaHei" panose="020B0503020204020204" pitchFamily="34" charset="-122"/>
+              <a:ea typeface="Microsoft YaHei" panose="020B0503020204020204" pitchFamily="34" charset="-122"/>
+              <a:cs typeface="+mn-cs"/>
+              <a:sym typeface="+mn-ea"/>
+            </a:endParaRPr>
           </a:p>
         </p:txBody>
       </p:sp>
@@ -11138,6 +16349,7 @@
               <a:rPr lang="en-US" sz="2400" dirty="0"/>
               <a:t>Given the starting (root) node of a Binary Tree, search and check if a given value exists in this tree:</a:t>
             </a:r>
+            <a:endParaRPr lang="en-US" sz="2400" dirty="0"/>
           </a:p>
           <a:p>
             <a:pPr lvl="1"/>
@@ -11153,37 +16365,34 @@
               <a:rPr lang="en-US" sz="1800" dirty="0"/>
               <a:t>”</a:t>
             </a:r>
+            <a:endParaRPr lang="en-US" sz="1800" dirty="0"/>
           </a:p>
           <a:p>
             <a:r>
               <a:rPr lang="en-US" sz="2200" dirty="0"/>
               <a:t>Return True if the value exists in the binary tree, otherwise return False</a:t>
             </a:r>
+            <a:endParaRPr lang="en-US" sz="2200" dirty="0"/>
           </a:p>
           <a:p>
             <a:r>
               <a:rPr lang="en-US" sz="2200" dirty="0"/>
               <a:t>Example:</a:t>
             </a:r>
+            <a:endParaRPr lang="en-US" sz="2200" dirty="0"/>
           </a:p>
         </p:txBody>
       </p:sp>
       <p:pic>
         <p:nvPicPr>
-          <p:cNvPr id="4" name="Picture 3">
-            <a:extLst>
-              <a:ext uri="{FF2B5EF4-FFF2-40B4-BE49-F238E27FC236}">
-                <a16:creationId xmlns:a16="http://schemas.microsoft.com/office/drawing/2014/main" id="{3D5AB17E-2DD6-4D88-90A5-49DE05370802}"/>
-              </a:ext>
-            </a:extLst>
-          </p:cNvPr>
+          <p:cNvPr id="4" name="Picture 3"/>
           <p:cNvPicPr>
             <a:picLocks noChangeAspect="1"/>
           </p:cNvPicPr>
           <p:nvPr/>
         </p:nvPicPr>
         <p:blipFill>
-          <a:blip r:embed="rId2"/>
+          <a:blip r:embed="rId1"/>
           <a:stretch>
             <a:fillRect/>
           </a:stretch>
@@ -11200,13 +16409,7 @@
       </p:pic>
       <p:sp>
         <p:nvSpPr>
-          <p:cNvPr id="7" name="TextBox 6">
-            <a:extLst>
-              <a:ext uri="{FF2B5EF4-FFF2-40B4-BE49-F238E27FC236}">
-                <a16:creationId xmlns:a16="http://schemas.microsoft.com/office/drawing/2014/main" id="{A341566E-CDC5-493F-9B41-A056B46223A1}"/>
-              </a:ext>
-            </a:extLst>
-          </p:cNvPr>
+          <p:cNvPr id="7" name="TextBox 6"/>
           <p:cNvSpPr txBox="1"/>
           <p:nvPr/>
         </p:nvSpPr>
@@ -11230,12 +16433,14 @@
               <a:rPr lang="en-US" dirty="0"/>
               <a:t>Input: Value = 4</a:t>
             </a:r>
+            <a:endParaRPr lang="en-US" dirty="0"/>
           </a:p>
           <a:p>
             <a:r>
               <a:rPr lang="en-US" dirty="0"/>
               <a:t>Output: True</a:t>
             </a:r>
+            <a:endParaRPr lang="en-US" dirty="0"/>
           </a:p>
           <a:p>
             <a:endParaRPr lang="en-US" dirty="0"/>
@@ -11245,12 +16450,14 @@
               <a:rPr lang="en-US" dirty="0"/>
               <a:t>Input: Value = 20</a:t>
             </a:r>
+            <a:endParaRPr lang="en-US" dirty="0"/>
           </a:p>
           <a:p>
             <a:r>
               <a:rPr lang="en-US" dirty="0"/>
               <a:t>Output: False</a:t>
             </a:r>
+            <a:endParaRPr lang="en-US" dirty="0"/>
           </a:p>
         </p:txBody>
       </p:sp>
@@ -11448,7 +16655,7 @@
                 <a:ea typeface="Microsoft YaHei" panose="020B0503020204020204" pitchFamily="34" charset="-122"/>
                 <a:sym typeface="+mn-ea"/>
               </a:rPr>
-              <a:t>Data Structure</a:t>
+              <a:t>Algorithm</a:t>
             </a:r>
             <a:endParaRPr lang="en-US" altLang="zh-CN" sz="3200" b="1" dirty="0">
               <a:solidFill>
@@ -11572,6 +16779,13 @@
               </a:rPr>
               <a:t>Recursion</a:t>
             </a:r>
+            <a:endParaRPr lang="en-US" altLang="zh-CN" sz="3200" b="1" dirty="0">
+              <a:solidFill>
+                <a:srgbClr val="05B780"/>
+              </a:solidFill>
+              <a:latin typeface="Microsoft YaHei" panose="020B0503020204020204" pitchFamily="34" charset="-122"/>
+              <a:ea typeface="Microsoft YaHei" panose="020B0503020204020204" pitchFamily="34" charset="-122"/>
+            </a:endParaRPr>
           </a:p>
         </p:txBody>
       </p:sp>
@@ -11704,6 +16918,13 @@
                 </a:rPr>
                 <a:t>02</a:t>
               </a:r>
+              <a:endParaRPr lang="en-US" altLang="zh-CN" sz="4400" b="1" dirty="0">
+                <a:solidFill>
+                  <a:schemeClr val="bg1"/>
+                </a:solidFill>
+                <a:latin typeface="Microsoft YaHei" panose="020B0503020204020204" pitchFamily="34" charset="-122"/>
+                <a:ea typeface="Microsoft YaHei" panose="020B0503020204020204" pitchFamily="34" charset="-122"/>
+              </a:endParaRPr>
             </a:p>
           </p:txBody>
         </p:sp>
@@ -11901,8 +17122,447 @@
                 <a:latin typeface="Microsoft YaHei" panose="020B0503020204020204" pitchFamily="34" charset="-122"/>
                 <a:ea typeface="Microsoft YaHei" panose="020B0503020204020204" pitchFamily="34" charset="-122"/>
               </a:rPr>
-              <a:t>1.1</a:t>
-            </a:r>
+              <a:t>2.1</a:t>
+            </a:r>
+            <a:endParaRPr lang="en-US" altLang="zh-CN" sz="2800" b="1" dirty="0">
+              <a:solidFill>
+                <a:schemeClr val="bg1"/>
+              </a:solidFill>
+              <a:latin typeface="Microsoft YaHei" panose="020B0503020204020204" pitchFamily="34" charset="-122"/>
+              <a:ea typeface="Microsoft YaHei" panose="020B0503020204020204" pitchFamily="34" charset="-122"/>
+            </a:endParaRPr>
+          </a:p>
+        </p:txBody>
+      </p:sp>
+      <p:sp>
+        <p:nvSpPr>
+          <p:cNvPr id="16" name="Rectangle 6"/>
+          <p:cNvSpPr>
+            <a:spLocks noChangeArrowheads="1"/>
+          </p:cNvSpPr>
+          <p:nvPr/>
+        </p:nvSpPr>
+        <p:spPr bwMode="black">
+          <a:xfrm>
+            <a:off x="1021080" y="334010"/>
+            <a:ext cx="6515735" cy="521970"/>
+          </a:xfrm>
+          <a:prstGeom prst="rect">
+            <a:avLst/>
+          </a:prstGeom>
+          <a:noFill/>
+          <a:ln>
+            <a:noFill/>
+          </a:ln>
+          <a:effectLst/>
+          <a:extLst>
+            <a:ext uri="{909E8E84-426E-40DD-AFC4-6F175D3DCCD1}">
+              <a14:hiddenFill xmlns:a14="http://schemas.microsoft.com/office/drawing/2010/main">
+                <a:solidFill>
+                  <a:schemeClr val="accent1"/>
+                </a:solidFill>
+              </a14:hiddenFill>
+            </a:ext>
+            <a:ext uri="{91240B29-F687-4F45-9708-019B960494DF}">
+              <a14:hiddenLine xmlns:a14="http://schemas.microsoft.com/office/drawing/2010/main" w="9525">
+                <a:solidFill>
+                  <a:schemeClr val="tx1"/>
+                </a:solidFill>
+                <a:miter lim="800000"/>
+                <a:headEnd/>
+                <a:tailEnd/>
+              </a14:hiddenLine>
+            </a:ext>
+            <a:ext uri="{AF507438-7753-43E0-B8FC-AC1667EBCBE1}">
+              <a14:hiddenEffects xmlns:a14="http://schemas.microsoft.com/office/drawing/2010/main">
+                <a:effectLst>
+                  <a:outerShdw dist="35921" dir="2700000" algn="ctr" rotWithShape="0">
+                    <a:schemeClr val="bg2"/>
+                  </a:outerShdw>
+                </a:effectLst>
+              </a14:hiddenEffects>
+            </a:ext>
+          </a:extLst>
+        </p:spPr>
+        <p:txBody>
+          <a:bodyPr wrap="square">
+            <a:spAutoFit/>
+          </a:bodyPr>
+          <a:lstStyle/>
+          <a:p>
+            <a:pPr marL="0" marR="0" lvl="0" indent="0" algn="l" defTabSz="914400" rtl="0" eaLnBrk="0" fontAlgn="auto" latinLnBrk="0" hangingPunct="0">
+              <a:lnSpc>
+                <a:spcPct val="100000"/>
+              </a:lnSpc>
+              <a:spcBef>
+                <a:spcPts val="0"/>
+              </a:spcBef>
+              <a:spcAft>
+                <a:spcPts val="0"/>
+              </a:spcAft>
+              <a:buClrTx/>
+              <a:buSzTx/>
+              <a:buFontTx/>
+              <a:buNone/>
+              <a:defRPr/>
+            </a:pPr>
+            <a:r>
+              <a:rPr kumimoji="0" lang="en-US" altLang="zh-CN" sz="2800" b="1" i="0" u="none" strike="noStrike" kern="1200" cap="none" spc="0" normalizeH="0" baseline="0" noProof="0" dirty="0">
+                <a:ln>
+                  <a:noFill/>
+                </a:ln>
+                <a:solidFill>
+                  <a:schemeClr val="tx1">
+                    <a:lumMod val="85000"/>
+                    <a:lumOff val="15000"/>
+                  </a:schemeClr>
+                </a:solidFill>
+                <a:effectLst/>
+                <a:uLnTx/>
+                <a:uFillTx/>
+                <a:latin typeface="Microsoft YaHei" panose="020B0503020204020204" pitchFamily="34" charset="-122"/>
+                <a:ea typeface="Microsoft YaHei" panose="020B0503020204020204" pitchFamily="34" charset="-122"/>
+                <a:cs typeface="+mn-cs"/>
+                <a:sym typeface="+mn-ea"/>
+              </a:rPr>
+              <a:t>What is Recursion</a:t>
+            </a:r>
+            <a:endParaRPr kumimoji="0" lang="en-US" altLang="zh-CN" sz="2800" b="1" i="0" u="none" strike="noStrike" kern="1200" cap="none" spc="0" normalizeH="0" baseline="0" noProof="0" dirty="0">
+              <a:ln>
+                <a:noFill/>
+              </a:ln>
+              <a:solidFill>
+                <a:schemeClr val="tx1">
+                  <a:lumMod val="85000"/>
+                  <a:lumOff val="15000"/>
+                </a:schemeClr>
+              </a:solidFill>
+              <a:effectLst/>
+              <a:uLnTx/>
+              <a:uFillTx/>
+              <a:latin typeface="Microsoft YaHei" panose="020B0503020204020204" pitchFamily="34" charset="-122"/>
+              <a:ea typeface="Microsoft YaHei" panose="020B0503020204020204" pitchFamily="34" charset="-122"/>
+              <a:cs typeface="+mn-cs"/>
+              <a:sym typeface="+mn-ea"/>
+            </a:endParaRPr>
+          </a:p>
+        </p:txBody>
+      </p:sp>
+      <p:sp>
+        <p:nvSpPr>
+          <p:cNvPr id="3" name="Content Placeholder 2"/>
+          <p:cNvSpPr>
+            <a:spLocks noGrp="1"/>
+          </p:cNvSpPr>
+          <p:nvPr>
+            <p:ph idx="1"/>
+          </p:nvPr>
+        </p:nvSpPr>
+        <p:spPr/>
+        <p:txBody>
+          <a:bodyPr/>
+          <a:lstStyle/>
+          <a:p>
+            <a:r>
+              <a:rPr lang="en-US"/>
+              <a:t>Recursion is the process of defining something in terms of itself</a:t>
+            </a:r>
+            <a:endParaRPr lang="en-US"/>
+          </a:p>
+          <a:p>
+            <a:pPr lvl="0"/>
+            <a:endParaRPr lang="en-US"/>
+          </a:p>
+          <a:p>
+            <a:pPr marL="0" lvl="0" indent="0">
+              <a:buNone/>
+            </a:pPr>
+            <a:endParaRPr lang="en-US"/>
+          </a:p>
+          <a:p>
+            <a:pPr lvl="0"/>
+            <a:r>
+              <a:rPr lang="en-US"/>
+              <a:t>Python Example:</a:t>
+            </a:r>
+            <a:endParaRPr lang="en-US"/>
+          </a:p>
+        </p:txBody>
+      </p:sp>
+      <p:sp>
+        <p:nvSpPr>
+          <p:cNvPr id="2" name="Text Box 1"/>
+          <p:cNvSpPr txBox="1"/>
+          <p:nvPr/>
+        </p:nvSpPr>
+        <p:spPr>
+          <a:xfrm>
+            <a:off x="1390015" y="3949700"/>
+            <a:ext cx="2223770" cy="922020"/>
+          </a:xfrm>
+          <a:prstGeom prst="rect">
+            <a:avLst/>
+          </a:prstGeom>
+          <a:noFill/>
+          <a:ln>
+            <a:solidFill>
+              <a:schemeClr val="accent1"/>
+            </a:solidFill>
+          </a:ln>
+        </p:spPr>
+        <p:txBody>
+          <a:bodyPr wrap="square" rtlCol="0">
+            <a:spAutoFit/>
+          </a:bodyPr>
+          <a:p>
+            <a:r>
+              <a:rPr lang="en-US"/>
+              <a:t>def recursion():</a:t>
+            </a:r>
+            <a:endParaRPr lang="en-US"/>
+          </a:p>
+          <a:p>
+            <a:r>
+              <a:rPr lang="en-US"/>
+              <a:t>    #...do something</a:t>
+            </a:r>
+            <a:endParaRPr lang="en-US"/>
+          </a:p>
+          <a:p>
+            <a:r>
+              <a:rPr lang="en-US"/>
+              <a:t>    recurions()</a:t>
+            </a:r>
+            <a:endParaRPr lang="en-US"/>
+          </a:p>
+        </p:txBody>
+      </p:sp>
+      <p:pic>
+        <p:nvPicPr>
+          <p:cNvPr id="4" name="Picture 3"/>
+          <p:cNvPicPr>
+            <a:picLocks noChangeAspect="1"/>
+          </p:cNvPicPr>
+          <p:nvPr/>
+        </p:nvPicPr>
+        <p:blipFill>
+          <a:blip r:embed="rId1"/>
+          <a:stretch>
+            <a:fillRect/>
+          </a:stretch>
+        </p:blipFill>
+        <p:spPr>
+          <a:xfrm>
+            <a:off x="2524760" y="2493645"/>
+            <a:ext cx="4514850" cy="323850"/>
+          </a:xfrm>
+          <a:prstGeom prst="rect">
+            <a:avLst/>
+          </a:prstGeom>
+        </p:spPr>
+      </p:pic>
+    </p:spTree>
+  </p:cSld>
+  <p:clrMapOvr>
+    <a:masterClrMapping/>
+  </p:clrMapOvr>
+  <p:transition spd="slow">
+    <p:wipe/>
+  </p:transition>
+</p:sld>
+</file>
+
+<file path=ppt/slides/slide9.xml><?xml version="1.0" encoding="utf-8"?>
+<p:sld xmlns:a="http://schemas.openxmlformats.org/drawingml/2006/main" xmlns:r="http://schemas.openxmlformats.org/officeDocument/2006/relationships" xmlns:p="http://schemas.openxmlformats.org/presentationml/2006/main">
+  <p:cSld>
+    <p:spTree>
+      <p:nvGrpSpPr>
+        <p:cNvPr id="1" name=""/>
+        <p:cNvGrpSpPr/>
+        <p:nvPr/>
+      </p:nvGrpSpPr>
+      <p:grpSpPr>
+        <a:xfrm>
+          <a:off x="0" y="0"/>
+          <a:ext cx="0" cy="0"/>
+          <a:chOff x="0" y="0"/>
+          <a:chExt cx="0" cy="0"/>
+        </a:xfrm>
+      </p:grpSpPr>
+      <p:sp>
+        <p:nvSpPr>
+          <p:cNvPr id="15" name="任意多边形 14"/>
+          <p:cNvSpPr/>
+          <p:nvPr/>
+        </p:nvSpPr>
+        <p:spPr>
+          <a:xfrm>
+            <a:off x="0" y="274638"/>
+            <a:ext cx="890588" cy="639763"/>
+          </a:xfrm>
+          <a:custGeom>
+            <a:avLst/>
+            <a:gdLst>
+              <a:gd name="connsiteX0" fmla="*/ 0 w 1029743"/>
+              <a:gd name="connsiteY0" fmla="*/ 0 h 739718"/>
+              <a:gd name="connsiteX1" fmla="*/ 659884 w 1029743"/>
+              <a:gd name="connsiteY1" fmla="*/ 0 h 739718"/>
+              <a:gd name="connsiteX2" fmla="*/ 1029743 w 1029743"/>
+              <a:gd name="connsiteY2" fmla="*/ 369859 h 739718"/>
+              <a:gd name="connsiteX3" fmla="*/ 659884 w 1029743"/>
+              <a:gd name="connsiteY3" fmla="*/ 739718 h 739718"/>
+              <a:gd name="connsiteX4" fmla="*/ 0 w 1029743"/>
+              <a:gd name="connsiteY4" fmla="*/ 739718 h 739718"/>
+            </a:gdLst>
+            <a:ahLst/>
+            <a:cxnLst>
+              <a:cxn ang="0">
+                <a:pos x="connsiteX0" y="connsiteY0"/>
+              </a:cxn>
+              <a:cxn ang="0">
+                <a:pos x="connsiteX1" y="connsiteY1"/>
+              </a:cxn>
+              <a:cxn ang="0">
+                <a:pos x="connsiteX2" y="connsiteY2"/>
+              </a:cxn>
+              <a:cxn ang="0">
+                <a:pos x="connsiteX3" y="connsiteY3"/>
+              </a:cxn>
+              <a:cxn ang="0">
+                <a:pos x="connsiteX4" y="connsiteY4"/>
+              </a:cxn>
+            </a:cxnLst>
+            <a:rect l="l" t="t" r="r" b="b"/>
+            <a:pathLst>
+              <a:path w="1029743" h="739718">
+                <a:moveTo>
+                  <a:pt x="0" y="0"/>
+                </a:moveTo>
+                <a:lnTo>
+                  <a:pt x="659884" y="0"/>
+                </a:lnTo>
+                <a:cubicBezTo>
+                  <a:pt x="864151" y="0"/>
+                  <a:pt x="1029743" y="165592"/>
+                  <a:pt x="1029743" y="369859"/>
+                </a:cubicBezTo>
+                <a:cubicBezTo>
+                  <a:pt x="1029743" y="574126"/>
+                  <a:pt x="864151" y="739718"/>
+                  <a:pt x="659884" y="739718"/>
+                </a:cubicBezTo>
+                <a:lnTo>
+                  <a:pt x="0" y="739718"/>
+                </a:lnTo>
+                <a:close/>
+              </a:path>
+            </a:pathLst>
+          </a:custGeom>
+          <a:solidFill>
+            <a:srgbClr val="05B780"/>
+          </a:solidFill>
+          <a:ln>
+            <a:noFill/>
+          </a:ln>
+        </p:spPr>
+        <p:style>
+          <a:lnRef idx="2">
+            <a:schemeClr val="accent1">
+              <a:shade val="50000"/>
+            </a:schemeClr>
+          </a:lnRef>
+          <a:fillRef idx="1">
+            <a:schemeClr val="accent1"/>
+          </a:fillRef>
+          <a:effectRef idx="0">
+            <a:schemeClr val="accent1"/>
+          </a:effectRef>
+          <a:fontRef idx="minor">
+            <a:schemeClr val="lt1"/>
+          </a:fontRef>
+        </p:style>
+        <p:txBody>
+          <a:bodyPr anchor="ctr"/>
+          <a:lstStyle/>
+          <a:p>
+            <a:pPr marL="0" marR="0" lvl="0" indent="0" algn="ctr" defTabSz="914400" rtl="0" eaLnBrk="1" fontAlgn="auto" latinLnBrk="0" hangingPunct="1">
+              <a:lnSpc>
+                <a:spcPct val="100000"/>
+              </a:lnSpc>
+              <a:spcBef>
+                <a:spcPts val="0"/>
+              </a:spcBef>
+              <a:spcAft>
+                <a:spcPts val="0"/>
+              </a:spcAft>
+              <a:buClrTx/>
+              <a:buSzTx/>
+              <a:buFontTx/>
+              <a:buNone/>
+              <a:defRPr/>
+            </a:pPr>
+            <a:endParaRPr kumimoji="0" lang="zh-CN" altLang="en-US" sz="1800" b="0" i="0" u="none" strike="noStrike" kern="1200" cap="none" spc="0" normalizeH="0" baseline="0" noProof="0">
+              <a:ln>
+                <a:noFill/>
+              </a:ln>
+              <a:solidFill>
+                <a:schemeClr val="bg1"/>
+              </a:solidFill>
+              <a:effectLst/>
+              <a:uLnTx/>
+              <a:uFillTx/>
+              <a:latin typeface="+mn-lt"/>
+              <a:ea typeface="+mn-ea"/>
+              <a:cs typeface="+mn-cs"/>
+            </a:endParaRPr>
+          </a:p>
+        </p:txBody>
+      </p:sp>
+      <p:sp>
+        <p:nvSpPr>
+          <p:cNvPr id="7170" name="文本框 156"/>
+          <p:cNvSpPr txBox="1"/>
+          <p:nvPr/>
+        </p:nvSpPr>
+        <p:spPr>
+          <a:xfrm>
+            <a:off x="0" y="350838"/>
+            <a:ext cx="814388" cy="521970"/>
+          </a:xfrm>
+          <a:prstGeom prst="rect">
+            <a:avLst/>
+          </a:prstGeom>
+          <a:noFill/>
+          <a:ln w="9525">
+            <a:noFill/>
+          </a:ln>
+        </p:spPr>
+        <p:txBody>
+          <a:bodyPr anchor="t" anchorCtr="0">
+            <a:spAutoFit/>
+          </a:bodyPr>
+          <a:lstStyle/>
+          <a:p>
+            <a:pPr>
+              <a:buFont typeface="Arial" panose="020B0604020202020204" pitchFamily="34" charset="0"/>
+            </a:pPr>
+            <a:r>
+              <a:rPr lang="en-US" altLang="zh-CN" sz="2800" b="1" dirty="0">
+                <a:solidFill>
+                  <a:schemeClr val="bg1"/>
+                </a:solidFill>
+                <a:latin typeface="Microsoft YaHei" panose="020B0503020204020204" pitchFamily="34" charset="-122"/>
+                <a:ea typeface="Microsoft YaHei" panose="020B0503020204020204" pitchFamily="34" charset="-122"/>
+              </a:rPr>
+              <a:t>2.2</a:t>
+            </a:r>
+            <a:endParaRPr lang="en-US" altLang="zh-CN" sz="2800" b="1" dirty="0">
+              <a:solidFill>
+                <a:schemeClr val="bg1"/>
+              </a:solidFill>
+              <a:latin typeface="Microsoft YaHei" panose="020B0503020204020204" pitchFamily="34" charset="-122"/>
+              <a:ea typeface="Microsoft YaHei" panose="020B0503020204020204" pitchFamily="34" charset="-122"/>
+            </a:endParaRPr>
           </a:p>
         </p:txBody>
       </p:sp>
@@ -11997,8 +17657,26 @@
                 <a:cs typeface="+mn-cs"/>
                 <a:sym typeface="+mn-ea"/>
               </a:rPr>
-              <a:t>Title</a:t>
-            </a:r>
+              <a:t>Recursion Function Setup</a:t>
+            </a:r>
+            <a:endParaRPr kumimoji="0" lang="en-US" altLang="zh-CN" sz="2800" b="1" i="0" u="none" strike="noStrike" kern="1200" cap="none" spc="0" normalizeH="0" baseline="0" noProof="0" dirty="0">
+              <a:ln>
+                <a:noFill/>
+              </a:ln>
+              <a:solidFill>
+                <a:schemeClr val="tx1">
+                  <a:lumMod val="85000"/>
+                  <a:lumOff val="15000"/>
+                </a:schemeClr>
+              </a:solidFill>
+              <a:effectLst/>
+              <a:uLnTx/>
+              <a:uFillTx/>
+              <a:latin typeface="Microsoft YaHei" panose="020B0503020204020204" pitchFamily="34" charset="-122"/>
+              <a:ea typeface="Microsoft YaHei" panose="020B0503020204020204" pitchFamily="34" charset="-122"/>
+              <a:cs typeface="+mn-cs"/>
+              <a:sym typeface="+mn-ea"/>
+            </a:endParaRPr>
           </a:p>
         </p:txBody>
       </p:sp>
@@ -12017,464 +17695,45 @@
           <a:bodyPr/>
           <a:lstStyle/>
           <a:p>
+            <a:r>
+              <a:rPr lang="en-US"/>
+              <a:t>Every recursive function must have a base case that stops the recursion or else the function calls itself infinitely</a:t>
+            </a:r>
+            <a:endParaRPr lang="en-US"/>
+          </a:p>
+          <a:p>
+            <a:r>
+              <a:rPr lang="en-US"/>
+              <a:t>In Python, the interpreter limits the depths of recursion to help avoid infinite recursions, raising an error “RecursionError: Stack Overflow” error when you exceed a maximum depth of 1000</a:t>
+            </a:r>
             <a:endParaRPr lang="en-US"/>
           </a:p>
         </p:txBody>
       </p:sp>
-    </p:spTree>
-  </p:cSld>
-  <p:clrMapOvr>
-    <a:masterClrMapping/>
-  </p:clrMapOvr>
-  <p:transition spd="slow">
-    <p:wipe/>
-  </p:transition>
-</p:sld>
-</file>
-
-<file path=ppt/slides/slide9.xml><?xml version="1.0" encoding="utf-8"?>
-<p:sld xmlns:a="http://schemas.openxmlformats.org/drawingml/2006/main" xmlns:r="http://schemas.openxmlformats.org/officeDocument/2006/relationships" xmlns:p="http://schemas.openxmlformats.org/presentationml/2006/main">
-  <p:cSld>
-    <p:spTree>
-      <p:nvGrpSpPr>
-        <p:cNvPr id="1" name=""/>
-        <p:cNvGrpSpPr/>
-        <p:nvPr/>
-      </p:nvGrpSpPr>
-      <p:grpSpPr>
-        <a:xfrm>
-          <a:off x="0" y="0"/>
-          <a:ext cx="0" cy="0"/>
-          <a:chOff x="0" y="0"/>
-          <a:chExt cx="0" cy="0"/>
-        </a:xfrm>
-      </p:grpSpPr>
-      <p:sp>
-        <p:nvSpPr>
-          <p:cNvPr id="46" name="任意多边形 45"/>
-          <p:cNvSpPr/>
+      <p:pic>
+        <p:nvPicPr>
+          <p:cNvPr id="2" name="Picture 1"/>
+          <p:cNvPicPr>
+            <a:picLocks noChangeAspect="1"/>
+          </p:cNvPicPr>
           <p:nvPr/>
-        </p:nvSpPr>
+        </p:nvPicPr>
+        <p:blipFill>
+          <a:blip r:embed="rId1"/>
+          <a:stretch>
+            <a:fillRect/>
+          </a:stretch>
+        </p:blipFill>
         <p:spPr>
           <a:xfrm>
-            <a:off x="0" y="260350"/>
-            <a:ext cx="3922395" cy="739775"/>
-          </a:xfrm>
-          <a:custGeom>
-            <a:avLst/>
-            <a:gdLst>
-              <a:gd name="connsiteX0" fmla="*/ 0 w 2091831"/>
-              <a:gd name="connsiteY0" fmla="*/ 0 h 739718"/>
-              <a:gd name="connsiteX1" fmla="*/ 1721972 w 2091831"/>
-              <a:gd name="connsiteY1" fmla="*/ 0 h 739718"/>
-              <a:gd name="connsiteX2" fmla="*/ 2091831 w 2091831"/>
-              <a:gd name="connsiteY2" fmla="*/ 369859 h 739718"/>
-              <a:gd name="connsiteX3" fmla="*/ 1721972 w 2091831"/>
-              <a:gd name="connsiteY3" fmla="*/ 739718 h 739718"/>
-              <a:gd name="connsiteX4" fmla="*/ 0 w 2091831"/>
-              <a:gd name="connsiteY4" fmla="*/ 739718 h 739718"/>
-            </a:gdLst>
-            <a:ahLst/>
-            <a:cxnLst>
-              <a:cxn ang="0">
-                <a:pos x="connsiteX0" y="connsiteY0"/>
-              </a:cxn>
-              <a:cxn ang="0">
-                <a:pos x="connsiteX1" y="connsiteY1"/>
-              </a:cxn>
-              <a:cxn ang="0">
-                <a:pos x="connsiteX2" y="connsiteY2"/>
-              </a:cxn>
-              <a:cxn ang="0">
-                <a:pos x="connsiteX3" y="connsiteY3"/>
-              </a:cxn>
-              <a:cxn ang="0">
-                <a:pos x="connsiteX4" y="connsiteY4"/>
-              </a:cxn>
-            </a:cxnLst>
-            <a:rect l="l" t="t" r="r" b="b"/>
-            <a:pathLst>
-              <a:path w="2091831" h="739718">
-                <a:moveTo>
-                  <a:pt x="0" y="0"/>
-                </a:moveTo>
-                <a:lnTo>
-                  <a:pt x="1721972" y="0"/>
-                </a:lnTo>
-                <a:cubicBezTo>
-                  <a:pt x="1926239" y="0"/>
-                  <a:pt x="2091831" y="165592"/>
-                  <a:pt x="2091831" y="369859"/>
-                </a:cubicBezTo>
-                <a:cubicBezTo>
-                  <a:pt x="2091831" y="574126"/>
-                  <a:pt x="1926239" y="739718"/>
-                  <a:pt x="1721972" y="739718"/>
-                </a:cubicBezTo>
-                <a:lnTo>
-                  <a:pt x="0" y="739718"/>
-                </a:lnTo>
-                <a:close/>
-              </a:path>
-            </a:pathLst>
-          </a:custGeom>
-          <a:solidFill>
-            <a:srgbClr val="05B780"/>
-          </a:solidFill>
-          <a:ln>
-            <a:noFill/>
-          </a:ln>
-        </p:spPr>
-        <p:style>
-          <a:lnRef idx="2">
-            <a:schemeClr val="accent1">
-              <a:shade val="50000"/>
-            </a:schemeClr>
-          </a:lnRef>
-          <a:fillRef idx="1">
-            <a:schemeClr val="accent1"/>
-          </a:fillRef>
-          <a:effectRef idx="0">
-            <a:schemeClr val="accent1"/>
-          </a:effectRef>
-          <a:fontRef idx="minor">
-            <a:schemeClr val="lt1"/>
-          </a:fontRef>
-        </p:style>
-        <p:txBody>
-          <a:bodyPr anchor="ctr"/>
-          <a:lstStyle/>
-          <a:p>
-            <a:pPr marL="0" marR="0" lvl="0" indent="0" algn="ctr" defTabSz="914400" rtl="0" eaLnBrk="1" fontAlgn="auto" latinLnBrk="0" hangingPunct="1">
-              <a:lnSpc>
-                <a:spcPct val="100000"/>
-              </a:lnSpc>
-              <a:spcBef>
-                <a:spcPts val="0"/>
-              </a:spcBef>
-              <a:spcAft>
-                <a:spcPts val="0"/>
-              </a:spcAft>
-              <a:buClrTx/>
-              <a:buSzTx/>
-              <a:buFontTx/>
-              <a:buNone/>
-              <a:defRPr/>
-            </a:pPr>
-            <a:endParaRPr kumimoji="0" lang="zh-CN" altLang="en-US" sz="1800" b="0" i="0" u="none" strike="noStrike" kern="1200" cap="none" spc="0" normalizeH="0" baseline="0" noProof="0">
-              <a:ln>
-                <a:noFill/>
-              </a:ln>
-              <a:solidFill>
-                <a:schemeClr val="lt1"/>
-              </a:solidFill>
-              <a:effectLst/>
-              <a:uLnTx/>
-              <a:uFillTx/>
-              <a:latin typeface="+mn-lt"/>
-              <a:ea typeface="+mn-ea"/>
-              <a:cs typeface="+mn-cs"/>
-            </a:endParaRPr>
-          </a:p>
-        </p:txBody>
-      </p:sp>
-      <p:sp>
-        <p:nvSpPr>
-          <p:cNvPr id="6146" name="文本框 101"/>
-          <p:cNvSpPr txBox="1"/>
-          <p:nvPr/>
-        </p:nvSpPr>
-        <p:spPr>
-          <a:xfrm>
-            <a:off x="0" y="338455"/>
-            <a:ext cx="3255645" cy="583565"/>
+            <a:off x="3194685" y="4248150"/>
+            <a:ext cx="4133850" cy="1447800"/>
           </a:xfrm>
           <a:prstGeom prst="rect">
             <a:avLst/>
           </a:prstGeom>
-          <a:noFill/>
-          <a:ln w="9525">
-            <a:noFill/>
-          </a:ln>
         </p:spPr>
-        <p:txBody>
-          <a:bodyPr wrap="square" anchor="t" anchorCtr="0">
-            <a:spAutoFit/>
-          </a:bodyPr>
-          <a:lstStyle/>
-          <a:p>
-            <a:pPr>
-              <a:buFont typeface="Arial" panose="020B0604020202020204" pitchFamily="34" charset="0"/>
-            </a:pPr>
-            <a:r>
-              <a:rPr lang="en-US" altLang="zh-CN" sz="3200" b="1" dirty="0">
-                <a:solidFill>
-                  <a:schemeClr val="bg1"/>
-                </a:solidFill>
-                <a:latin typeface="Microsoft YaHei" panose="020B0503020204020204" pitchFamily="34" charset="-122"/>
-                <a:ea typeface="Microsoft YaHei" panose="020B0503020204020204" pitchFamily="34" charset="-122"/>
-                <a:sym typeface="+mn-ea"/>
-              </a:rPr>
-              <a:t>Data Structure</a:t>
-            </a:r>
-            <a:endParaRPr lang="en-US" altLang="zh-CN" sz="3200" b="1" dirty="0">
-              <a:solidFill>
-                <a:schemeClr val="bg1"/>
-              </a:solidFill>
-              <a:latin typeface="Microsoft YaHei" panose="020B0503020204020204" pitchFamily="34" charset="-122"/>
-              <a:ea typeface="Microsoft YaHei" panose="020B0503020204020204" pitchFamily="34" charset="-122"/>
-            </a:endParaRPr>
-          </a:p>
-        </p:txBody>
-      </p:sp>
-      <p:sp>
-        <p:nvSpPr>
-          <p:cNvPr id="15" name="矩形 14"/>
-          <p:cNvSpPr/>
-          <p:nvPr/>
-        </p:nvSpPr>
-        <p:spPr>
-          <a:xfrm>
-            <a:off x="3719513" y="2454275"/>
-            <a:ext cx="5913438" cy="973138"/>
-          </a:xfrm>
-          <a:prstGeom prst="rect">
-            <a:avLst/>
-          </a:prstGeom>
-          <a:noFill/>
-          <a:ln>
-            <a:solidFill>
-              <a:srgbClr val="05B780"/>
-            </a:solidFill>
-          </a:ln>
-        </p:spPr>
-        <p:style>
-          <a:lnRef idx="2">
-            <a:schemeClr val="accent1">
-              <a:shade val="50000"/>
-            </a:schemeClr>
-          </a:lnRef>
-          <a:fillRef idx="1">
-            <a:schemeClr val="accent1"/>
-          </a:fillRef>
-          <a:effectRef idx="0">
-            <a:schemeClr val="accent1"/>
-          </a:effectRef>
-          <a:fontRef idx="minor">
-            <a:schemeClr val="lt1"/>
-          </a:fontRef>
-        </p:style>
-        <p:txBody>
-          <a:bodyPr anchor="ctr"/>
-          <a:lstStyle/>
-          <a:p>
-            <a:pPr marL="0" marR="0" lvl="0" indent="0" algn="ctr" defTabSz="914400" rtl="0" eaLnBrk="1" fontAlgn="auto" latinLnBrk="0" hangingPunct="1">
-              <a:lnSpc>
-                <a:spcPct val="100000"/>
-              </a:lnSpc>
-              <a:spcBef>
-                <a:spcPts val="0"/>
-              </a:spcBef>
-              <a:spcAft>
-                <a:spcPts val="0"/>
-              </a:spcAft>
-              <a:buClrTx/>
-              <a:buSzTx/>
-              <a:buFontTx/>
-              <a:buNone/>
-              <a:defRPr/>
-            </a:pPr>
-            <a:endParaRPr kumimoji="0" lang="zh-CN" altLang="en-US" sz="4400" b="0" i="0" u="none" strike="noStrike" kern="1200" cap="none" spc="0" normalizeH="0" baseline="0" noProof="0">
-              <a:ln>
-                <a:noFill/>
-              </a:ln>
-              <a:solidFill>
-                <a:schemeClr val="lt1"/>
-              </a:solidFill>
-              <a:effectLst/>
-              <a:uLnTx/>
-              <a:uFillTx/>
-              <a:latin typeface="+mn-lt"/>
-              <a:ea typeface="+mn-ea"/>
-              <a:cs typeface="+mn-cs"/>
-            </a:endParaRPr>
-          </a:p>
-        </p:txBody>
-      </p:sp>
-      <p:sp>
-        <p:nvSpPr>
-          <p:cNvPr id="6153" name="文本框 15"/>
-          <p:cNvSpPr txBox="1"/>
-          <p:nvPr/>
-        </p:nvSpPr>
-        <p:spPr>
-          <a:xfrm>
-            <a:off x="4319588" y="2498725"/>
-            <a:ext cx="5067300" cy="583565"/>
-          </a:xfrm>
-          <a:prstGeom prst="rect">
-            <a:avLst/>
-          </a:prstGeom>
-          <a:noFill/>
-          <a:ln w="9525">
-            <a:noFill/>
-          </a:ln>
-        </p:spPr>
-        <p:txBody>
-          <a:bodyPr wrap="square" anchor="t" anchorCtr="0">
-            <a:spAutoFit/>
-          </a:bodyPr>
-          <a:lstStyle/>
-          <a:p>
-            <a:pPr>
-              <a:buFont typeface="Arial" panose="020B0604020202020204" pitchFamily="34" charset="0"/>
-            </a:pPr>
-            <a:r>
-              <a:rPr lang="en-US" altLang="zh-CN" sz="3200" b="1" dirty="0">
-                <a:solidFill>
-                  <a:srgbClr val="05B780"/>
-                </a:solidFill>
-                <a:latin typeface="Microsoft YaHei" panose="020B0503020204020204" pitchFamily="34" charset="-122"/>
-                <a:ea typeface="Microsoft YaHei" panose="020B0503020204020204" pitchFamily="34" charset="-122"/>
-              </a:rPr>
-              <a:t>Divide &amp; Conquer</a:t>
-            </a:r>
-          </a:p>
-        </p:txBody>
-      </p:sp>
-      <p:grpSp>
-        <p:nvGrpSpPr>
-          <p:cNvPr id="6154" name="组合 16"/>
-          <p:cNvGrpSpPr/>
-          <p:nvPr/>
-        </p:nvGrpSpPr>
-        <p:grpSpPr>
-          <a:xfrm>
-            <a:off x="2179628" y="2022465"/>
-            <a:ext cx="1742436" cy="1839913"/>
-            <a:chOff x="1473123" y="1521447"/>
-            <a:chExt cx="645926" cy="681967"/>
-          </a:xfrm>
-        </p:grpSpPr>
-        <p:sp>
-          <p:nvSpPr>
-            <p:cNvPr id="18" name="六边形 17"/>
-            <p:cNvSpPr/>
-            <p:nvPr/>
-          </p:nvSpPr>
-          <p:spPr>
-            <a:xfrm rot="5400000">
-              <a:off x="1426090" y="1568479"/>
-              <a:ext cx="681967" cy="587902"/>
-            </a:xfrm>
-            <a:prstGeom prst="hexagon">
-              <a:avLst>
-                <a:gd name="adj" fmla="val 27469"/>
-                <a:gd name="vf" fmla="val 115470"/>
-              </a:avLst>
-            </a:prstGeom>
-            <a:solidFill>
-              <a:srgbClr val="05B780"/>
-            </a:solidFill>
-            <a:ln>
-              <a:noFill/>
-            </a:ln>
-          </p:spPr>
-          <p:style>
-            <a:lnRef idx="2">
-              <a:schemeClr val="accent1">
-                <a:shade val="50000"/>
-              </a:schemeClr>
-            </a:lnRef>
-            <a:fillRef idx="1">
-              <a:schemeClr val="accent1"/>
-            </a:fillRef>
-            <a:effectRef idx="0">
-              <a:schemeClr val="accent1"/>
-            </a:effectRef>
-            <a:fontRef idx="minor">
-              <a:schemeClr val="lt1"/>
-            </a:fontRef>
-          </p:style>
-          <p:txBody>
-            <a:bodyPr anchor="ctr"/>
-            <a:lstStyle/>
-            <a:p>
-              <a:pPr marL="0" marR="0" lvl="0" indent="0" algn="ctr" defTabSz="914400" rtl="0" eaLnBrk="1" fontAlgn="auto" latinLnBrk="0" hangingPunct="1">
-                <a:lnSpc>
-                  <a:spcPct val="100000"/>
-                </a:lnSpc>
-                <a:spcBef>
-                  <a:spcPts val="0"/>
-                </a:spcBef>
-                <a:spcAft>
-                  <a:spcPts val="0"/>
-                </a:spcAft>
-                <a:buClrTx/>
-                <a:buSzTx/>
-                <a:buFontTx/>
-                <a:buNone/>
-                <a:defRPr/>
-              </a:pPr>
-              <a:endParaRPr kumimoji="0" lang="zh-CN" altLang="en-US" sz="4400" b="0" i="0" u="none" strike="noStrike" kern="1200" cap="none" spc="0" normalizeH="0" baseline="0" noProof="0">
-                <a:ln>
-                  <a:noFill/>
-                </a:ln>
-                <a:solidFill>
-                  <a:schemeClr val="lt1"/>
-                </a:solidFill>
-                <a:effectLst/>
-                <a:uLnTx/>
-                <a:uFillTx/>
-                <a:latin typeface="+mn-lt"/>
-                <a:ea typeface="+mn-ea"/>
-                <a:cs typeface="+mn-cs"/>
-              </a:endParaRPr>
-            </a:p>
-          </p:txBody>
-        </p:sp>
-        <p:sp>
-          <p:nvSpPr>
-            <p:cNvPr id="6156" name="文本框 18"/>
-            <p:cNvSpPr txBox="1"/>
-            <p:nvPr/>
-          </p:nvSpPr>
-          <p:spPr>
-            <a:xfrm>
-              <a:off x="1532912" y="1719387"/>
-              <a:ext cx="586137" cy="284790"/>
-            </a:xfrm>
-            <a:prstGeom prst="rect">
-              <a:avLst/>
-            </a:prstGeom>
-            <a:noFill/>
-            <a:ln w="9525">
-              <a:noFill/>
-            </a:ln>
-          </p:spPr>
-          <p:txBody>
-            <a:bodyPr wrap="square" anchor="t" anchorCtr="0">
-              <a:spAutoFit/>
-            </a:bodyPr>
-            <a:lstStyle/>
-            <a:p>
-              <a:pPr>
-                <a:buFont typeface="Arial" panose="020B0604020202020204" pitchFamily="34" charset="0"/>
-              </a:pPr>
-              <a:r>
-                <a:rPr lang="en-US" altLang="zh-CN" sz="4400" b="1" dirty="0">
-                  <a:solidFill>
-                    <a:schemeClr val="bg1"/>
-                  </a:solidFill>
-                  <a:latin typeface="Microsoft YaHei" panose="020B0503020204020204" pitchFamily="34" charset="-122"/>
-                  <a:ea typeface="Microsoft YaHei" panose="020B0503020204020204" pitchFamily="34" charset="-122"/>
-                </a:rPr>
-                <a:t>03</a:t>
-              </a:r>
-            </a:p>
-          </p:txBody>
-        </p:sp>
-      </p:grpSp>
+      </p:pic>
     </p:spTree>
   </p:cSld>
   <p:clrMapOvr>
@@ -12737,8 +17996,6 @@
       </a:bgFillStyleLst>
     </a:fmtScheme>
   </a:themeElements>
-  <a:objectDefaults/>
-  <a:extraClrSchemeLst/>
   <a:extLst>
     <a:ext uri="{05A4C25C-085E-4340-85A3-A5531E510DB2}">
       <thm15:themeFamily xmlns:thm15="http://schemas.microsoft.com/office/thememl/2012/main" name="Office Theme" id="{62F939B6-93AF-4DB8-9C6B-D6C7DFDC589F}" vid="{4A3C46E8-61CC-4603-A589-7422A47A8E4A}"/>
@@ -12998,8 +18255,6 @@
       </a:bgFillStyleLst>
     </a:fmtScheme>
   </a:themeElements>
-  <a:objectDefaults/>
-  <a:extraClrSchemeLst/>
   <a:extLst>
     <a:ext uri="{05A4C25C-085E-4340-85A3-A5531E510DB2}">
       <thm15:themeFamily xmlns:thm15="http://schemas.microsoft.com/office/thememl/2012/main" name="Office Theme" id="{62F939B6-93AF-4DB8-9C6B-D6C7DFDC589F}" vid="{4A3C46E8-61CC-4603-A589-7422A47A8E4A}"/>
@@ -13259,8 +18514,6 @@
       </a:bgFillStyleLst>
     </a:fmtScheme>
   </a:themeElements>
-  <a:objectDefaults/>
-  <a:extraClrSchemeLst/>
   <a:extLst>
     <a:ext uri="{05A4C25C-085E-4340-85A3-A5531E510DB2}">
       <thm15:themeFamily xmlns:thm15="http://schemas.microsoft.com/office/thememl/2012/main" name="Office Theme" id="{62F939B6-93AF-4DB8-9C6B-D6C7DFDC589F}" vid="{4A3C46E8-61CC-4603-A589-7422A47A8E4A}"/>
@@ -13520,8 +18773,6 @@
       </a:bgFillStyleLst>
     </a:fmtScheme>
   </a:themeElements>
-  <a:objectDefaults/>
-  <a:extraClrSchemeLst/>
   <a:extLst>
     <a:ext uri="{05A4C25C-085E-4340-85A3-A5531E510DB2}">
       <thm15:themeFamily xmlns:thm15="http://schemas.microsoft.com/office/thememl/2012/main" name="Office Theme" id="{62F939B6-93AF-4DB8-9C6B-D6C7DFDC589F}" vid="{4A3C46E8-61CC-4603-A589-7422A47A8E4A}"/>

--- a/week5/week5_slides.pptx
+++ b/week5/week5_slides.pptx
@@ -5643,6 +5643,33 @@
             <a:endParaRPr lang="en-US"/>
           </a:p>
           <a:p>
+            <a:r>
+              <a:rPr lang="en-US"/>
+              <a:t>Space complexity is proportional to the maximum depth of the recursion tree</a:t>
+            </a:r>
+            <a:endParaRPr lang="en-US"/>
+          </a:p>
+          <a:p>
+            <a:pPr lvl="1"/>
+            <a:r>
+              <a:rPr lang="en-US"/>
+              <a:t>ie Any recursive call in Fibonacci will go down n levels, hence O(n)</a:t>
+            </a:r>
+            <a:endParaRPr lang="en-US"/>
+          </a:p>
+          <a:p>
+            <a:r>
+              <a:rPr lang="en-US"/>
+              <a:t>Time complexity is proportional to number of recursive calls within the function, often a function of k^n where k is the number of recursive calls</a:t>
+            </a:r>
+            <a:endParaRPr lang="en-US"/>
+          </a:p>
+          <a:p>
+            <a:pPr lvl="1"/>
+            <a:r>
+              <a:rPr lang="en-US"/>
+              <a:t>ie Fibonacci calls itself twice, that’s O(2^n)</a:t>
+            </a:r>
             <a:endParaRPr lang="en-US"/>
           </a:p>
         </p:txBody>
